--- a/doc/Pollynet_Processing_Chain.pptx
+++ b/doc/Pollynet_Processing_Chain.pptx
@@ -107,6 +107,11 @@
       </a:defRPr>
     </a:lvl9pPr>
   </p:defaultTextStyle>
+  <p:extLst>
+    <p:ext uri="{EFAFB233-063F-42B5-8137-9DF3F51BA10A}">
+      <p15:sldGuideLst xmlns:p15="http://schemas.microsoft.com/office/powerpoint/2012/main"/>
+    </p:ext>
+  </p:extLst>
 </p:presentation>
 </file>
 
@@ -336,7 +341,7 @@
           <a:p>
             <a:fld id="{AB21D1C1-A974-4CDD-890D-2FCDFA70CDD6}" type="datetimeFigureOut">
               <a:rPr lang="en-US" smtClean="0"/>
-              <a:t>12/16/2018</a:t>
+              <a:t>1/1/2019</a:t>
             </a:fld>
             <a:endParaRPr lang="en-US"/>
           </a:p>
@@ -544,7 +549,7 @@
           <a:p>
             <a:fld id="{AB21D1C1-A974-4CDD-890D-2FCDFA70CDD6}" type="datetimeFigureOut">
               <a:rPr lang="en-US" smtClean="0"/>
-              <a:t>12/16/2018</a:t>
+              <a:t>1/1/2019</a:t>
             </a:fld>
             <a:endParaRPr lang="en-US"/>
           </a:p>
@@ -800,7 +805,7 @@
           <a:p>
             <a:fld id="{AB21D1C1-A974-4CDD-890D-2FCDFA70CDD6}" type="datetimeFigureOut">
               <a:rPr lang="en-US" smtClean="0"/>
-              <a:t>12/16/2018</a:t>
+              <a:t>1/1/2019</a:t>
             </a:fld>
             <a:endParaRPr lang="en-US"/>
           </a:p>
@@ -979,7 +984,7 @@
           <a:p>
             <a:fld id="{AB21D1C1-A974-4CDD-890D-2FCDFA70CDD6}" type="datetimeFigureOut">
               <a:rPr lang="en-US" smtClean="0"/>
-              <a:t>12/16/2018</a:t>
+              <a:t>1/1/2019</a:t>
             </a:fld>
             <a:endParaRPr lang="en-US"/>
           </a:p>
@@ -1322,7 +1327,7 @@
           <a:p>
             <a:fld id="{AB21D1C1-A974-4CDD-890D-2FCDFA70CDD6}" type="datetimeFigureOut">
               <a:rPr lang="en-US" smtClean="0"/>
-              <a:t>12/16/2018</a:t>
+              <a:t>1/1/2019</a:t>
             </a:fld>
             <a:endParaRPr lang="en-US"/>
           </a:p>
@@ -1597,7 +1602,7 @@
           <a:p>
             <a:fld id="{AB21D1C1-A974-4CDD-890D-2FCDFA70CDD6}" type="datetimeFigureOut">
               <a:rPr lang="en-US" smtClean="0"/>
-              <a:t>12/16/2018</a:t>
+              <a:t>1/1/2019</a:t>
             </a:fld>
             <a:endParaRPr lang="en-US"/>
           </a:p>
@@ -1976,7 +1981,7 @@
           <a:p>
             <a:fld id="{AB21D1C1-A974-4CDD-890D-2FCDFA70CDD6}" type="datetimeFigureOut">
               <a:rPr lang="en-US" smtClean="0"/>
-              <a:t>12/16/2018</a:t>
+              <a:t>1/1/2019</a:t>
             </a:fld>
             <a:endParaRPr lang="en-US"/>
           </a:p>
@@ -2094,7 +2099,7 @@
           <a:p>
             <a:fld id="{AB21D1C1-A974-4CDD-890D-2FCDFA70CDD6}" type="datetimeFigureOut">
               <a:rPr lang="en-US" smtClean="0"/>
-              <a:t>12/16/2018</a:t>
+              <a:t>1/1/2019</a:t>
             </a:fld>
             <a:endParaRPr lang="en-US"/>
           </a:p>
@@ -2265,7 +2270,7 @@
           <a:p>
             <a:fld id="{AB21D1C1-A974-4CDD-890D-2FCDFA70CDD6}" type="datetimeFigureOut">
               <a:rPr lang="en-US" smtClean="0"/>
-              <a:t>12/16/2018</a:t>
+              <a:t>1/1/2019</a:t>
             </a:fld>
             <a:endParaRPr lang="en-US"/>
           </a:p>
@@ -2619,7 +2624,7 @@
           <a:p>
             <a:fld id="{AB21D1C1-A974-4CDD-890D-2FCDFA70CDD6}" type="datetimeFigureOut">
               <a:rPr lang="en-US" smtClean="0"/>
-              <a:t>12/16/2018</a:t>
+              <a:t>1/1/2019</a:t>
             </a:fld>
             <a:endParaRPr lang="en-US"/>
           </a:p>
@@ -3001,7 +3006,7 @@
           <a:p>
             <a:fld id="{AB21D1C1-A974-4CDD-890D-2FCDFA70CDD6}" type="datetimeFigureOut">
               <a:rPr lang="en-US" smtClean="0"/>
-              <a:t>12/16/2018</a:t>
+              <a:t>1/1/2019</a:t>
             </a:fld>
             <a:endParaRPr lang="en-US"/>
           </a:p>
@@ -3288,7 +3293,7 @@
           <a:p>
             <a:fld id="{AB21D1C1-A974-4CDD-890D-2FCDFA70CDD6}" type="datetimeFigureOut">
               <a:rPr lang="en-US" smtClean="0"/>
-              <a:t>12/16/2018</a:t>
+              <a:t>1/1/2019</a:t>
             </a:fld>
             <a:endParaRPr lang="en-US"/>
           </a:p>
@@ -3829,11 +3834,15 @@
           <a:p>
             <a:r>
               <a:rPr lang="en-US" dirty="0" err="1" smtClean="0"/>
-              <a:t>Pollynet</a:t>
+              <a:t>PollyNET</a:t>
             </a:r>
             <a:r>
               <a:rPr lang="en-US" dirty="0" smtClean="0"/>
-              <a:t> Automatic Processing Chain</a:t>
+              <a:t> </a:t>
+            </a:r>
+            <a:r>
+              <a:rPr lang="en-US" dirty="0" smtClean="0"/>
+              <a:t>Automatic Processing Chain</a:t>
             </a:r>
             <a:endParaRPr lang="en-US" dirty="0"/>
           </a:p>

--- a/doc/Pollynet_Processing_Chain.pptx
+++ b/doc/Pollynet_Processing_Chain.pptx
@@ -2,29 +2,30 @@
 <file path=ppt/presentation.xml><?xml version="1.0" encoding="utf-8"?>
 <p:presentation xmlns:a="http://schemas.openxmlformats.org/drawingml/2006/main" xmlns:r="http://schemas.openxmlformats.org/officeDocument/2006/relationships" xmlns:p="http://schemas.openxmlformats.org/presentationml/2006/main" saveSubsetFonts="1">
   <p:sldMasterIdLst>
-    <p:sldMasterId id="2147483660" r:id="rId1"/>
+    <p:sldMasterId id="2147483672" r:id="rId1"/>
   </p:sldMasterIdLst>
   <p:sldIdLst>
-    <p:sldId id="257" r:id="rId2"/>
-    <p:sldId id="258" r:id="rId3"/>
-    <p:sldId id="259" r:id="rId4"/>
-    <p:sldId id="256" r:id="rId5"/>
-    <p:sldId id="260" r:id="rId6"/>
-    <p:sldId id="262" r:id="rId7"/>
-    <p:sldId id="263" r:id="rId8"/>
-    <p:sldId id="264" r:id="rId9"/>
+    <p:sldId id="269" r:id="rId2"/>
+    <p:sldId id="270" r:id="rId3"/>
+    <p:sldId id="271" r:id="rId4"/>
+    <p:sldId id="272" r:id="rId5"/>
+    <p:sldId id="273" r:id="rId6"/>
+    <p:sldId id="274" r:id="rId7"/>
+    <p:sldId id="275" r:id="rId8"/>
+    <p:sldId id="276" r:id="rId9"/>
     <p:sldId id="265" r:id="rId10"/>
     <p:sldId id="266" r:id="rId11"/>
     <p:sldId id="267" r:id="rId12"/>
     <p:sldId id="268" r:id="rId13"/>
+    <p:sldId id="277" r:id="rId14"/>
   </p:sldIdLst>
   <p:sldSz cx="12192000" cy="6858000"/>
   <p:notesSz cx="6858000" cy="9144000"/>
   <p:defaultTextStyle>
     <a:defPPr>
-      <a:defRPr lang="en-US"/>
+      <a:defRPr lang="de-DE"/>
     </a:defPPr>
-    <a:lvl1pPr marL="0" algn="l" defTabSz="457200" rtl="0" eaLnBrk="1" latinLnBrk="0" hangingPunct="1">
+    <a:lvl1pPr marL="0" algn="l" defTabSz="457125" rtl="0" eaLnBrk="1" latinLnBrk="0" hangingPunct="1">
       <a:defRPr sz="1800" kern="1200">
         <a:solidFill>
           <a:schemeClr val="tx1"/>
@@ -34,7 +35,7 @@
         <a:cs typeface="+mn-cs"/>
       </a:defRPr>
     </a:lvl1pPr>
-    <a:lvl2pPr marL="457200" algn="l" defTabSz="457200" rtl="0" eaLnBrk="1" latinLnBrk="0" hangingPunct="1">
+    <a:lvl2pPr marL="457125" algn="l" defTabSz="457125" rtl="0" eaLnBrk="1" latinLnBrk="0" hangingPunct="1">
       <a:defRPr sz="1800" kern="1200">
         <a:solidFill>
           <a:schemeClr val="tx1"/>
@@ -44,7 +45,7 @@
         <a:cs typeface="+mn-cs"/>
       </a:defRPr>
     </a:lvl2pPr>
-    <a:lvl3pPr marL="914400" algn="l" defTabSz="457200" rtl="0" eaLnBrk="1" latinLnBrk="0" hangingPunct="1">
+    <a:lvl3pPr marL="914250" algn="l" defTabSz="457125" rtl="0" eaLnBrk="1" latinLnBrk="0" hangingPunct="1">
       <a:defRPr sz="1800" kern="1200">
         <a:solidFill>
           <a:schemeClr val="tx1"/>
@@ -54,7 +55,7 @@
         <a:cs typeface="+mn-cs"/>
       </a:defRPr>
     </a:lvl3pPr>
-    <a:lvl4pPr marL="1371600" algn="l" defTabSz="457200" rtl="0" eaLnBrk="1" latinLnBrk="0" hangingPunct="1">
+    <a:lvl4pPr marL="1371375" algn="l" defTabSz="457125" rtl="0" eaLnBrk="1" latinLnBrk="0" hangingPunct="1">
       <a:defRPr sz="1800" kern="1200">
         <a:solidFill>
           <a:schemeClr val="tx1"/>
@@ -64,7 +65,7 @@
         <a:cs typeface="+mn-cs"/>
       </a:defRPr>
     </a:lvl4pPr>
-    <a:lvl5pPr marL="1828800" algn="l" defTabSz="457200" rtl="0" eaLnBrk="1" latinLnBrk="0" hangingPunct="1">
+    <a:lvl5pPr marL="1828501" algn="l" defTabSz="457125" rtl="0" eaLnBrk="1" latinLnBrk="0" hangingPunct="1">
       <a:defRPr sz="1800" kern="1200">
         <a:solidFill>
           <a:schemeClr val="tx1"/>
@@ -74,7 +75,7 @@
         <a:cs typeface="+mn-cs"/>
       </a:defRPr>
     </a:lvl5pPr>
-    <a:lvl6pPr marL="2286000" algn="l" defTabSz="457200" rtl="0" eaLnBrk="1" latinLnBrk="0" hangingPunct="1">
+    <a:lvl6pPr marL="2285627" algn="l" defTabSz="457125" rtl="0" eaLnBrk="1" latinLnBrk="0" hangingPunct="1">
       <a:defRPr sz="1800" kern="1200">
         <a:solidFill>
           <a:schemeClr val="tx1"/>
@@ -84,7 +85,7 @@
         <a:cs typeface="+mn-cs"/>
       </a:defRPr>
     </a:lvl6pPr>
-    <a:lvl7pPr marL="2743200" algn="l" defTabSz="457200" rtl="0" eaLnBrk="1" latinLnBrk="0" hangingPunct="1">
+    <a:lvl7pPr marL="2742751" algn="l" defTabSz="457125" rtl="0" eaLnBrk="1" latinLnBrk="0" hangingPunct="1">
       <a:defRPr sz="1800" kern="1200">
         <a:solidFill>
           <a:schemeClr val="tx1"/>
@@ -94,7 +95,7 @@
         <a:cs typeface="+mn-cs"/>
       </a:defRPr>
     </a:lvl7pPr>
-    <a:lvl8pPr marL="3200400" algn="l" defTabSz="457200" rtl="0" eaLnBrk="1" latinLnBrk="0" hangingPunct="1">
+    <a:lvl8pPr marL="3199877" algn="l" defTabSz="457125" rtl="0" eaLnBrk="1" latinLnBrk="0" hangingPunct="1">
       <a:defRPr sz="1800" kern="1200">
         <a:solidFill>
           <a:schemeClr val="tx1"/>
@@ -104,7 +105,7 @@
         <a:cs typeface="+mn-cs"/>
       </a:defRPr>
     </a:lvl8pPr>
-    <a:lvl9pPr marL="3657600" algn="l" defTabSz="457200" rtl="0" eaLnBrk="1" latinLnBrk="0" hangingPunct="1">
+    <a:lvl9pPr marL="3657002" algn="l" defTabSz="457125" rtl="0" eaLnBrk="1" latinLnBrk="0" hangingPunct="1">
       <a:defRPr sz="1800" kern="1200">
         <a:solidFill>
           <a:schemeClr val="tx1"/>
@@ -124,8 +125,19 @@
 </file>
 
 <file path=ppt/slideLayouts/slideLayout1.xml><?xml version="1.0" encoding="utf-8"?>
-<p:sldLayout xmlns:a="http://schemas.openxmlformats.org/drawingml/2006/main" xmlns:r="http://schemas.openxmlformats.org/officeDocument/2006/relationships" xmlns:p="http://schemas.openxmlformats.org/presentationml/2006/main" showMasterSp="0" type="title" preserve="1">
-  <p:cSld name="Title Slide">
+<p:sldLayout xmlns:a="http://schemas.openxmlformats.org/drawingml/2006/main" xmlns:r="http://schemas.openxmlformats.org/officeDocument/2006/relationships" xmlns:p="http://schemas.openxmlformats.org/presentationml/2006/main" preserve="1">
+  <p:cSld name="1_Titelfolie">
+    <p:bg>
+      <p:bgPr>
+        <a:blipFill rotWithShape="1">
+          <a:blip r:embed="rId2"/>
+          <a:stretch>
+            <a:fillRect/>
+          </a:stretch>
+        </a:blipFill>
+        <a:effectLst/>
+      </p:bgPr>
+    </p:bg>
     <p:spTree>
       <p:nvGrpSpPr>
         <p:cNvPr id="1" name=""/>
@@ -142,303 +154,281 @@
       </p:grpSpPr>
       <p:sp>
         <p:nvSpPr>
-          <p:cNvPr id="7" name="Rectangle 6"/>
-          <p:cNvSpPr/>
-          <p:nvPr/>
+          <p:cNvPr id="9" name="Titel 8"/>
+          <p:cNvSpPr>
+            <a:spLocks noGrp="1"/>
+          </p:cNvSpPr>
+          <p:nvPr>
+            <p:ph type="title" hasCustomPrompt="1"/>
+          </p:nvPr>
         </p:nvSpPr>
         <p:spPr>
           <a:xfrm>
-            <a:off x="3175" y="6400800"/>
-            <a:ext cx="12188825" cy="457200"/>
+            <a:off x="704308" y="585692"/>
+            <a:ext cx="10783384" cy="2864021"/>
           </a:xfrm>
           <a:prstGeom prst="rect">
             <a:avLst/>
           </a:prstGeom>
-          <a:solidFill>
-            <a:schemeClr val="accent2"/>
-          </a:solidFill>
-          <a:ln>
-            <a:noFill/>
-          </a:ln>
-        </p:spPr>
-        <p:style>
-          <a:lnRef idx="2">
-            <a:schemeClr val="accent1">
-              <a:shade val="50000"/>
-            </a:schemeClr>
-          </a:lnRef>
-          <a:fillRef idx="1">
-            <a:schemeClr val="accent1"/>
-          </a:fillRef>
-          <a:effectRef idx="0">
-            <a:schemeClr val="accent1"/>
-          </a:effectRef>
-          <a:fontRef idx="minor">
-            <a:schemeClr val="lt1"/>
-          </a:fontRef>
-        </p:style>
-      </p:sp>
-      <p:sp>
-        <p:nvSpPr>
-          <p:cNvPr id="8" name="Rectangle 7"/>
-          <p:cNvSpPr/>
-          <p:nvPr/>
-        </p:nvSpPr>
-        <p:spPr>
-          <a:xfrm>
-            <a:off x="15" y="6334316"/>
-            <a:ext cx="12188825" cy="64008"/>
-          </a:xfrm>
-          <a:prstGeom prst="rect">
-            <a:avLst/>
-          </a:prstGeom>
-          <a:solidFill>
-            <a:schemeClr val="accent1"/>
-          </a:solidFill>
-          <a:ln>
-            <a:noFill/>
-          </a:ln>
-        </p:spPr>
-        <p:style>
-          <a:lnRef idx="2">
-            <a:schemeClr val="accent1">
-              <a:shade val="50000"/>
-            </a:schemeClr>
-          </a:lnRef>
-          <a:fillRef idx="1">
-            <a:schemeClr val="accent1"/>
-          </a:fillRef>
-          <a:effectRef idx="0">
-            <a:schemeClr val="accent1"/>
-          </a:effectRef>
-          <a:fontRef idx="minor">
-            <a:schemeClr val="lt1"/>
-          </a:fontRef>
-        </p:style>
-      </p:sp>
-      <p:sp>
-        <p:nvSpPr>
-          <p:cNvPr id="2" name="Title 1"/>
-          <p:cNvSpPr>
-            <a:spLocks noGrp="1"/>
-          </p:cNvSpPr>
-          <p:nvPr>
-            <p:ph type="ctrTitle"/>
-          </p:nvPr>
-        </p:nvSpPr>
-        <p:spPr>
-          <a:xfrm>
-            <a:off x="1097280" y="758952"/>
-            <a:ext cx="10058400" cy="3566160"/>
-          </a:xfrm>
         </p:spPr>
         <p:txBody>
-          <a:bodyPr anchor="b">
-            <a:normAutofit/>
+          <a:bodyPr vert="horz" wrap="square" lIns="0" tIns="0" rIns="0" bIns="0" anchor="t" anchorCtr="0">
+            <a:noAutofit/>
           </a:bodyPr>
           <a:lstStyle>
             <a:lvl1pPr algn="l">
-              <a:lnSpc>
-                <a:spcPct val="85000"/>
-              </a:lnSpc>
-              <a:defRPr sz="8000" spc="-50" baseline="0">
-                <a:solidFill>
-                  <a:schemeClr val="tx1">
-                    <a:lumMod val="85000"/>
-                    <a:lumOff val="15000"/>
-                  </a:schemeClr>
-                </a:solidFill>
+              <a:defRPr sz="4800" b="1" baseline="0">
+                <a:latin typeface="Helvetica"/>
+                <a:cs typeface="Helvetica"/>
               </a:defRPr>
             </a:lvl1pPr>
           </a:lstStyle>
           <a:p>
             <a:r>
-              <a:rPr lang="en-US" smtClean="0"/>
-              <a:t>Click to edit Master title style</a:t>
+              <a:rPr lang="en-US" dirty="0" err="1" smtClean="0"/>
+              <a:t>Titel</a:t>
             </a:r>
-            <a:endParaRPr lang="en-US" dirty="0"/>
+            <a:r>
+              <a:rPr lang="en-US" dirty="0" smtClean="0"/>
+              <a:t> der </a:t>
+            </a:r>
+            <a:r>
+              <a:rPr lang="en-US" dirty="0" err="1" smtClean="0"/>
+              <a:t>Präsentation</a:t>
+            </a:r>
+            <a:endParaRPr lang="de-DE" dirty="0"/>
           </a:p>
         </p:txBody>
       </p:sp>
       <p:sp>
         <p:nvSpPr>
-          <p:cNvPr id="3" name="Subtitle 2"/>
+          <p:cNvPr id="3" name="Textplatzhalter 2"/>
           <p:cNvSpPr>
             <a:spLocks noGrp="1"/>
           </p:cNvSpPr>
           <p:nvPr>
-            <p:ph type="subTitle" idx="1"/>
+            <p:ph type="body" sz="quarter" idx="10" hasCustomPrompt="1"/>
           </p:nvPr>
         </p:nvSpPr>
         <p:spPr>
           <a:xfrm>
-            <a:off x="1100051" y="4455620"/>
-            <a:ext cx="10058400" cy="1143000"/>
+            <a:off x="704308" y="3871513"/>
+            <a:ext cx="10783384" cy="1215815"/>
           </a:xfrm>
+          <a:prstGeom prst="rect">
+            <a:avLst/>
+          </a:prstGeom>
         </p:spPr>
         <p:txBody>
-          <a:bodyPr lIns="91440" rIns="91440">
-            <a:normAutofit/>
-          </a:bodyPr>
+          <a:bodyPr vert="horz" lIns="0" tIns="0" rIns="0" bIns="0"/>
           <a:lstStyle>
-            <a:lvl1pPr marL="0" indent="0" algn="l">
+            <a:lvl1pPr marL="0" indent="0">
+              <a:spcBef>
+                <a:spcPts val="0"/>
+              </a:spcBef>
               <a:buNone/>
-              <a:defRPr sz="2400" cap="all" spc="200" baseline="0">
-                <a:solidFill>
-                  <a:schemeClr val="tx2"/>
-                </a:solidFill>
-                <a:latin typeface="+mj-lt"/>
+              <a:defRPr sz="2400" b="1" baseline="0">
+                <a:latin typeface="Helvetica"/>
+                <a:cs typeface="Helvetica"/>
               </a:defRPr>
             </a:lvl1pPr>
-            <a:lvl2pPr marL="457200" indent="0" algn="ctr">
-              <a:buNone/>
-              <a:defRPr sz="2400"/>
-            </a:lvl2pPr>
-            <a:lvl3pPr marL="914400" indent="0" algn="ctr">
-              <a:buNone/>
-              <a:defRPr sz="2400"/>
-            </a:lvl3pPr>
-            <a:lvl4pPr marL="1371600" indent="0" algn="ctr">
-              <a:buNone/>
-              <a:defRPr sz="2000"/>
-            </a:lvl4pPr>
-            <a:lvl5pPr marL="1828800" indent="0" algn="ctr">
-              <a:buNone/>
-              <a:defRPr sz="2000"/>
-            </a:lvl5pPr>
-            <a:lvl6pPr marL="2286000" indent="0" algn="ctr">
-              <a:buNone/>
-              <a:defRPr sz="2000"/>
-            </a:lvl6pPr>
-            <a:lvl7pPr marL="2743200" indent="0" algn="ctr">
-              <a:buNone/>
-              <a:defRPr sz="2000"/>
-            </a:lvl7pPr>
-            <a:lvl8pPr marL="3200400" indent="0" algn="ctr">
-              <a:buNone/>
-              <a:defRPr sz="2000"/>
-            </a:lvl8pPr>
-            <a:lvl9pPr marL="3657600" indent="0" algn="ctr">
-              <a:buNone/>
-              <a:defRPr sz="2000"/>
-            </a:lvl9pPr>
           </a:lstStyle>
           <a:p>
+            <a:pPr lvl="0"/>
             <a:r>
-              <a:rPr lang="en-US" smtClean="0"/>
-              <a:t>Click to edit Master subtitle style</a:t>
+              <a:rPr lang="en-US" dirty="0" smtClean="0"/>
+              <a:t>Name des </a:t>
             </a:r>
-            <a:endParaRPr lang="en-US" dirty="0"/>
+            <a:r>
+              <a:rPr lang="en-US" dirty="0" err="1" smtClean="0"/>
+              <a:t>Vortragenden</a:t>
+            </a:r>
+            <a:endParaRPr lang="en-US" dirty="0" smtClean="0"/>
+          </a:p>
+          <a:p>
+            <a:pPr lvl="0"/>
+            <a:r>
+              <a:rPr lang="de-DE" dirty="0" smtClean="0"/>
+              <a:t>G</a:t>
+            </a:r>
+            <a:r>
+              <a:rPr lang="en-US" dirty="0" err="1" smtClean="0"/>
+              <a:t>gf</a:t>
+            </a:r>
+            <a:r>
+              <a:rPr lang="en-US" dirty="0" smtClean="0"/>
+              <a:t>. </a:t>
+            </a:r>
+            <a:r>
+              <a:rPr lang="de-DE" dirty="0" err="1" smtClean="0"/>
+              <a:t>w</a:t>
+            </a:r>
+            <a:r>
+              <a:rPr lang="en-US" dirty="0" err="1" smtClean="0"/>
+              <a:t>eiter</a:t>
+            </a:r>
+            <a:r>
+              <a:rPr lang="en-US" dirty="0" smtClean="0"/>
+              <a:t> </a:t>
+            </a:r>
+            <a:r>
+              <a:rPr lang="en-US" dirty="0" err="1" smtClean="0"/>
+              <a:t>Namen</a:t>
+            </a:r>
+            <a:endParaRPr lang="en-US" dirty="0" smtClean="0"/>
+          </a:p>
+          <a:p>
+            <a:pPr lvl="0"/>
+            <a:endParaRPr lang="en-US" dirty="0" smtClean="0"/>
           </a:p>
         </p:txBody>
       </p:sp>
+      <p:pic>
+        <p:nvPicPr>
+          <p:cNvPr id="2" name="Bild 1"/>
+          <p:cNvPicPr>
+            <a:picLocks noChangeAspect="1"/>
+          </p:cNvPicPr>
+          <p:nvPr/>
+        </p:nvPicPr>
+        <p:blipFill>
+          <a:blip r:embed="rId3" cstate="print">
+            <a:extLst>
+              <a:ext uri="{28A0092B-C50C-407E-A947-70E740481C1C}">
+                <a14:useLocalDpi xmlns:a14="http://schemas.microsoft.com/office/drawing/2010/main" val="0"/>
+              </a:ext>
+            </a:extLst>
+          </a:blip>
+          <a:stretch>
+            <a:fillRect/>
+          </a:stretch>
+        </p:blipFill>
+        <p:spPr>
+          <a:xfrm>
+            <a:off x="600001" y="5136000"/>
+            <a:ext cx="1650487" cy="1353600"/>
+          </a:xfrm>
+          <a:prstGeom prst="rect">
+            <a:avLst/>
+          </a:prstGeom>
+        </p:spPr>
+      </p:pic>
+    </p:spTree>
+    <p:extLst>
+      <p:ext uri="{BB962C8B-B14F-4D97-AF65-F5344CB8AC3E}">
+        <p14:creationId xmlns:p14="http://schemas.microsoft.com/office/powerpoint/2010/main" val="3781808392"/>
+      </p:ext>
+    </p:extLst>
+  </p:cSld>
+  <p:clrMapOvr>
+    <a:masterClrMapping/>
+  </p:clrMapOvr>
+  <p:timing>
+    <p:tnLst>
+      <p:par>
+        <p:cTn id="1" dur="indefinite" restart="never" nodeType="tmRoot"/>
+      </p:par>
+    </p:tnLst>
+  </p:timing>
+</p:sldLayout>
+</file>
+
+<file path=ppt/slideLayouts/slideLayout2.xml><?xml version="1.0" encoding="utf-8"?>
+<p:sldLayout xmlns:a="http://schemas.openxmlformats.org/drawingml/2006/main" xmlns:r="http://schemas.openxmlformats.org/officeDocument/2006/relationships" xmlns:p="http://schemas.openxmlformats.org/presentationml/2006/main" preserve="1">
+  <p:cSld name="Leere Seite">
+    <p:spTree>
+      <p:nvGrpSpPr>
+        <p:cNvPr id="1" name=""/>
+        <p:cNvGrpSpPr/>
+        <p:nvPr/>
+      </p:nvGrpSpPr>
+      <p:grpSpPr>
+        <a:xfrm>
+          <a:off x="0" y="0"/>
+          <a:ext cx="0" cy="0"/>
+          <a:chOff x="0" y="0"/>
+          <a:chExt cx="0" cy="0"/>
+        </a:xfrm>
+      </p:grpSpPr>
+      <p:pic>
+        <p:nvPicPr>
+          <p:cNvPr id="4" name="Bild 3"/>
+          <p:cNvPicPr>
+            <a:picLocks noChangeAspect="1"/>
+          </p:cNvPicPr>
+          <p:nvPr/>
+        </p:nvPicPr>
+        <p:blipFill>
+          <a:blip r:embed="rId2" cstate="print">
+            <a:extLst>
+              <a:ext uri="{28A0092B-C50C-407E-A947-70E740481C1C}">
+                <a14:useLocalDpi xmlns:a14="http://schemas.microsoft.com/office/drawing/2010/main" val="0"/>
+              </a:ext>
+            </a:extLst>
+          </a:blip>
+          <a:stretch>
+            <a:fillRect/>
+          </a:stretch>
+        </p:blipFill>
+        <p:spPr>
+          <a:xfrm>
+            <a:off x="10033956" y="5873751"/>
+            <a:ext cx="1798211" cy="632059"/>
+          </a:xfrm>
+          <a:prstGeom prst="rect">
+            <a:avLst/>
+          </a:prstGeom>
+        </p:spPr>
+      </p:pic>
       <p:sp>
         <p:nvSpPr>
-          <p:cNvPr id="4" name="Date Placeholder 3"/>
+          <p:cNvPr id="6" name="Textplatzhalter 2"/>
           <p:cNvSpPr>
             <a:spLocks noGrp="1"/>
           </p:cNvSpPr>
           <p:nvPr>
-            <p:ph type="dt" sz="half" idx="10"/>
+            <p:ph type="body" sz="quarter" idx="15" hasCustomPrompt="1"/>
           </p:nvPr>
         </p:nvSpPr>
-        <p:spPr/>
+        <p:spPr>
+          <a:xfrm>
+            <a:off x="342901" y="6000790"/>
+            <a:ext cx="6919384" cy="364815"/>
+          </a:xfrm>
+          <a:prstGeom prst="rect">
+            <a:avLst/>
+          </a:prstGeom>
+        </p:spPr>
         <p:txBody>
-          <a:bodyPr/>
-          <a:lstStyle/>
+          <a:bodyPr vert="horz" lIns="0" tIns="0" rIns="0" bIns="0"/>
+          <a:lstStyle>
+            <a:lvl1pPr marL="0" indent="0">
+              <a:lnSpc>
+                <a:spcPts val="1533"/>
+              </a:lnSpc>
+              <a:spcBef>
+                <a:spcPts val="0"/>
+              </a:spcBef>
+              <a:buNone/>
+              <a:defRPr sz="1067" baseline="0">
+                <a:latin typeface="Helvetica"/>
+                <a:cs typeface="Helvetica"/>
+              </a:defRPr>
+            </a:lvl1pPr>
+          </a:lstStyle>
           <a:p>
-            <a:fld id="{AB21D1C1-A974-4CDD-890D-2FCDFA70CDD6}" type="datetimeFigureOut">
-              <a:rPr lang="en-US" smtClean="0"/>
-              <a:t>1/1/2019</a:t>
-            </a:fld>
-            <a:endParaRPr lang="en-US"/>
+            <a:pPr lvl="0"/>
+            <a:r>
+              <a:rPr lang="de-DE" dirty="0" smtClean="0"/>
+              <a:t>Vorname Name, Datum, Ort, Titel der Präsentation (max. 2 Zeilen)</a:t>
+            </a:r>
           </a:p>
         </p:txBody>
       </p:sp>
-      <p:sp>
-        <p:nvSpPr>
-          <p:cNvPr id="5" name="Footer Placeholder 4"/>
-          <p:cNvSpPr>
-            <a:spLocks noGrp="1"/>
-          </p:cNvSpPr>
-          <p:nvPr>
-            <p:ph type="ftr" sz="quarter" idx="11"/>
-          </p:nvPr>
-        </p:nvSpPr>
-        <p:spPr/>
-        <p:txBody>
-          <a:bodyPr/>
-          <a:lstStyle/>
-          <a:p>
-            <a:endParaRPr lang="en-US"/>
-          </a:p>
-        </p:txBody>
-      </p:sp>
-      <p:sp>
-        <p:nvSpPr>
-          <p:cNvPr id="6" name="Slide Number Placeholder 5"/>
-          <p:cNvSpPr>
-            <a:spLocks noGrp="1"/>
-          </p:cNvSpPr>
-          <p:nvPr>
-            <p:ph type="sldNum" sz="quarter" idx="12"/>
-          </p:nvPr>
-        </p:nvSpPr>
-        <p:spPr/>
-        <p:txBody>
-          <a:bodyPr/>
-          <a:lstStyle/>
-          <a:p>
-            <a:fld id="{3DA290FA-9F37-491D-8A3F-EBC8B973C70B}" type="slidenum">
-              <a:rPr lang="en-US" smtClean="0"/>
-              <a:t>‹#›</a:t>
-            </a:fld>
-            <a:endParaRPr lang="en-US"/>
-          </a:p>
-        </p:txBody>
-      </p:sp>
-      <p:cxnSp>
-        <p:nvCxnSpPr>
-          <p:cNvPr id="9" name="Straight Connector 8"/>
-          <p:cNvCxnSpPr/>
-          <p:nvPr/>
-        </p:nvCxnSpPr>
-        <p:spPr>
-          <a:xfrm>
-            <a:off x="1207658" y="4343400"/>
-            <a:ext cx="9875520" cy="0"/>
-          </a:xfrm>
-          <a:prstGeom prst="line">
-            <a:avLst/>
-          </a:prstGeom>
-          <a:ln w="6350">
-            <a:solidFill>
-              <a:schemeClr val="tx1">
-                <a:lumMod val="50000"/>
-                <a:lumOff val="50000"/>
-              </a:schemeClr>
-            </a:solidFill>
-          </a:ln>
-        </p:spPr>
-        <p:style>
-          <a:lnRef idx="1">
-            <a:schemeClr val="accent1"/>
-          </a:lnRef>
-          <a:fillRef idx="0">
-            <a:schemeClr val="accent1"/>
-          </a:fillRef>
-          <a:effectRef idx="0">
-            <a:schemeClr val="accent1"/>
-          </a:effectRef>
-          <a:fontRef idx="minor">
-            <a:schemeClr val="tx1"/>
-          </a:fontRef>
-        </p:style>
-      </p:cxnSp>
     </p:spTree>
     <p:extLst>
       <p:ext uri="{BB962C8B-B14F-4D97-AF65-F5344CB8AC3E}">
-        <p14:creationId xmlns:p14="http://schemas.microsoft.com/office/powerpoint/2010/main" val="770821629"/>
+        <p14:creationId xmlns:p14="http://schemas.microsoft.com/office/powerpoint/2010/main" val="507067292"/>
       </p:ext>
     </p:extLst>
   </p:cSld>
@@ -448,9 +438,1074 @@
 </p:sldLayout>
 </file>
 
-<file path=ppt/slideLayouts/slideLayout10.xml><?xml version="1.0" encoding="utf-8"?>
-<p:sldLayout xmlns:a="http://schemas.openxmlformats.org/drawingml/2006/main" xmlns:r="http://schemas.openxmlformats.org/officeDocument/2006/relationships" xmlns:p="http://schemas.openxmlformats.org/presentationml/2006/main" type="vertTx" preserve="1">
-  <p:cSld name="Title and Vertical Text">
+<file path=ppt/slideLayouts/slideLayout3.xml><?xml version="1.0" encoding="utf-8"?>
+<p:sldLayout xmlns:a="http://schemas.openxmlformats.org/drawingml/2006/main" xmlns:r="http://schemas.openxmlformats.org/officeDocument/2006/relationships" xmlns:p="http://schemas.openxmlformats.org/presentationml/2006/main" preserve="1">
+  <p:cSld name="Text Rechts">
+    <p:spTree>
+      <p:nvGrpSpPr>
+        <p:cNvPr id="1" name=""/>
+        <p:cNvGrpSpPr/>
+        <p:nvPr/>
+      </p:nvGrpSpPr>
+      <p:grpSpPr>
+        <a:xfrm>
+          <a:off x="0" y="0"/>
+          <a:ext cx="0" cy="0"/>
+          <a:chOff x="0" y="0"/>
+          <a:chExt cx="0" cy="0"/>
+        </a:xfrm>
+      </p:grpSpPr>
+      <p:sp>
+        <p:nvSpPr>
+          <p:cNvPr id="3" name="Textplatzhalter 2"/>
+          <p:cNvSpPr>
+            <a:spLocks noGrp="1"/>
+          </p:cNvSpPr>
+          <p:nvPr>
+            <p:ph type="body" sz="quarter" idx="10" hasCustomPrompt="1"/>
+          </p:nvPr>
+        </p:nvSpPr>
+        <p:spPr>
+          <a:xfrm>
+            <a:off x="342902" y="343766"/>
+            <a:ext cx="11488309" cy="2623369"/>
+          </a:xfrm>
+          <a:prstGeom prst="rect">
+            <a:avLst/>
+          </a:prstGeom>
+        </p:spPr>
+        <p:txBody>
+          <a:bodyPr vert="horz" lIns="0" tIns="0" rIns="0" bIns="0"/>
+          <a:lstStyle>
+            <a:lvl1pPr marL="0" indent="0">
+              <a:buNone/>
+              <a:defRPr sz="2400">
+                <a:latin typeface="Helvetica"/>
+                <a:cs typeface="Helvetica"/>
+              </a:defRPr>
+            </a:lvl1pPr>
+          </a:lstStyle>
+          <a:p>
+            <a:pPr lvl="0"/>
+            <a:r>
+              <a:rPr lang="de-DE" dirty="0" smtClean="0"/>
+              <a:t>Textfeld</a:t>
+            </a:r>
+            <a:endParaRPr lang="de-DE" dirty="0"/>
+          </a:p>
+        </p:txBody>
+      </p:sp>
+      <p:pic>
+        <p:nvPicPr>
+          <p:cNvPr id="4" name="Bild 3"/>
+          <p:cNvPicPr>
+            <a:picLocks noChangeAspect="1"/>
+          </p:cNvPicPr>
+          <p:nvPr/>
+        </p:nvPicPr>
+        <p:blipFill>
+          <a:blip r:embed="rId2" cstate="print">
+            <a:extLst>
+              <a:ext uri="{28A0092B-C50C-407E-A947-70E740481C1C}">
+                <a14:useLocalDpi xmlns:a14="http://schemas.microsoft.com/office/drawing/2010/main" val="0"/>
+              </a:ext>
+            </a:extLst>
+          </a:blip>
+          <a:stretch>
+            <a:fillRect/>
+          </a:stretch>
+        </p:blipFill>
+        <p:spPr>
+          <a:xfrm>
+            <a:off x="10033956" y="5873751"/>
+            <a:ext cx="1798211" cy="632059"/>
+          </a:xfrm>
+          <a:prstGeom prst="rect">
+            <a:avLst/>
+          </a:prstGeom>
+        </p:spPr>
+      </p:pic>
+      <p:sp>
+        <p:nvSpPr>
+          <p:cNvPr id="7" name="Textplatzhalter 2"/>
+          <p:cNvSpPr>
+            <a:spLocks noGrp="1"/>
+          </p:cNvSpPr>
+          <p:nvPr>
+            <p:ph type="body" sz="quarter" idx="15" hasCustomPrompt="1"/>
+          </p:nvPr>
+        </p:nvSpPr>
+        <p:spPr>
+          <a:xfrm>
+            <a:off x="342901" y="6000790"/>
+            <a:ext cx="6919384" cy="364815"/>
+          </a:xfrm>
+          <a:prstGeom prst="rect">
+            <a:avLst/>
+          </a:prstGeom>
+        </p:spPr>
+        <p:txBody>
+          <a:bodyPr vert="horz" lIns="0" tIns="0" rIns="0" bIns="0"/>
+          <a:lstStyle>
+            <a:lvl1pPr marL="0" indent="0">
+              <a:lnSpc>
+                <a:spcPts val="1533"/>
+              </a:lnSpc>
+              <a:spcBef>
+                <a:spcPts val="0"/>
+              </a:spcBef>
+              <a:buNone/>
+              <a:defRPr sz="1067" baseline="0">
+                <a:latin typeface="Helvetica"/>
+                <a:cs typeface="Helvetica"/>
+              </a:defRPr>
+            </a:lvl1pPr>
+          </a:lstStyle>
+          <a:p>
+            <a:pPr lvl="0"/>
+            <a:r>
+              <a:rPr lang="de-DE" dirty="0" smtClean="0"/>
+              <a:t>Vorname Name, Datum, Ort, Titel der Präsentation (max. 2 Zeilen)</a:t>
+            </a:r>
+          </a:p>
+        </p:txBody>
+      </p:sp>
+    </p:spTree>
+    <p:extLst>
+      <p:ext uri="{BB962C8B-B14F-4D97-AF65-F5344CB8AC3E}">
+        <p14:creationId xmlns:p14="http://schemas.microsoft.com/office/powerpoint/2010/main" val="1902679582"/>
+      </p:ext>
+    </p:extLst>
+  </p:cSld>
+  <p:clrMapOvr>
+    <a:masterClrMapping/>
+  </p:clrMapOvr>
+</p:sldLayout>
+</file>
+
+<file path=ppt/slideLayouts/slideLayout4.xml><?xml version="1.0" encoding="utf-8"?>
+<p:sldLayout xmlns:a="http://schemas.openxmlformats.org/drawingml/2006/main" xmlns:r="http://schemas.openxmlformats.org/officeDocument/2006/relationships" xmlns:p="http://schemas.openxmlformats.org/presentationml/2006/main" preserve="1">
+  <p:cSld name="Bild + Titel + Text 01">
+    <p:spTree>
+      <p:nvGrpSpPr>
+        <p:cNvPr id="1" name=""/>
+        <p:cNvGrpSpPr/>
+        <p:nvPr/>
+      </p:nvGrpSpPr>
+      <p:grpSpPr>
+        <a:xfrm>
+          <a:off x="0" y="0"/>
+          <a:ext cx="0" cy="0"/>
+          <a:chOff x="0" y="0"/>
+          <a:chExt cx="0" cy="0"/>
+        </a:xfrm>
+      </p:grpSpPr>
+      <p:sp>
+        <p:nvSpPr>
+          <p:cNvPr id="5" name="Bildplatzhalter 4"/>
+          <p:cNvSpPr>
+            <a:spLocks noGrp="1"/>
+          </p:cNvSpPr>
+          <p:nvPr>
+            <p:ph type="pic" sz="quarter" idx="10"/>
+          </p:nvPr>
+        </p:nvSpPr>
+        <p:spPr>
+          <a:xfrm>
+            <a:off x="342901" y="343764"/>
+            <a:ext cx="9323575" cy="4176917"/>
+          </a:xfrm>
+          <a:prstGeom prst="rect">
+            <a:avLst/>
+          </a:prstGeom>
+        </p:spPr>
+        <p:txBody>
+          <a:bodyPr vert="horz" lIns="82918" tIns="41459" rIns="82918" bIns="41459"/>
+          <a:lstStyle/>
+          <a:p>
+            <a:r>
+              <a:rPr lang="en-US" smtClean="0"/>
+              <a:t>Click icon to add picture</a:t>
+            </a:r>
+            <a:endParaRPr lang="de-DE"/>
+          </a:p>
+        </p:txBody>
+      </p:sp>
+      <p:sp>
+        <p:nvSpPr>
+          <p:cNvPr id="8" name="Textplatzhalter 7"/>
+          <p:cNvSpPr>
+            <a:spLocks noGrp="1"/>
+          </p:cNvSpPr>
+          <p:nvPr>
+            <p:ph type="body" sz="quarter" idx="11" hasCustomPrompt="1"/>
+          </p:nvPr>
+        </p:nvSpPr>
+        <p:spPr>
+          <a:xfrm>
+            <a:off x="342901" y="4965858"/>
+            <a:ext cx="9323575" cy="704701"/>
+          </a:xfrm>
+          <a:prstGeom prst="rect">
+            <a:avLst/>
+          </a:prstGeom>
+        </p:spPr>
+        <p:txBody>
+          <a:bodyPr vert="horz" lIns="0" tIns="0" rIns="0" bIns="0"/>
+          <a:lstStyle>
+            <a:lvl1pPr marL="0" indent="0" algn="l">
+              <a:spcBef>
+                <a:spcPts val="0"/>
+              </a:spcBef>
+              <a:buNone/>
+              <a:defRPr sz="2400" b="1" baseline="0">
+                <a:latin typeface="Helvetica"/>
+                <a:cs typeface="Helvetica"/>
+              </a:defRPr>
+            </a:lvl1pPr>
+          </a:lstStyle>
+          <a:p>
+            <a:pPr lvl="0"/>
+            <a:r>
+              <a:rPr lang="de-DE" dirty="0" smtClean="0"/>
+              <a:t>Bildtitel und Unterschrift (max. 2 Zeilen)</a:t>
+            </a:r>
+            <a:endParaRPr lang="de-DE" dirty="0"/>
+          </a:p>
+        </p:txBody>
+      </p:sp>
+      <p:pic>
+        <p:nvPicPr>
+          <p:cNvPr id="7" name="Bild 6"/>
+          <p:cNvPicPr>
+            <a:picLocks noChangeAspect="1"/>
+          </p:cNvPicPr>
+          <p:nvPr/>
+        </p:nvPicPr>
+        <p:blipFill>
+          <a:blip r:embed="rId2" cstate="print">
+            <a:extLst>
+              <a:ext uri="{28A0092B-C50C-407E-A947-70E740481C1C}">
+                <a14:useLocalDpi xmlns:a14="http://schemas.microsoft.com/office/drawing/2010/main" val="0"/>
+              </a:ext>
+            </a:extLst>
+          </a:blip>
+          <a:stretch>
+            <a:fillRect/>
+          </a:stretch>
+        </p:blipFill>
+        <p:spPr>
+          <a:xfrm>
+            <a:off x="10033956" y="5873751"/>
+            <a:ext cx="1798211" cy="632059"/>
+          </a:xfrm>
+          <a:prstGeom prst="rect">
+            <a:avLst/>
+          </a:prstGeom>
+        </p:spPr>
+      </p:pic>
+      <p:sp>
+        <p:nvSpPr>
+          <p:cNvPr id="6" name="Textplatzhalter 2"/>
+          <p:cNvSpPr>
+            <a:spLocks noGrp="1"/>
+          </p:cNvSpPr>
+          <p:nvPr>
+            <p:ph type="body" sz="quarter" idx="15" hasCustomPrompt="1"/>
+          </p:nvPr>
+        </p:nvSpPr>
+        <p:spPr>
+          <a:xfrm>
+            <a:off x="342901" y="6000790"/>
+            <a:ext cx="6919384" cy="364815"/>
+          </a:xfrm>
+          <a:prstGeom prst="rect">
+            <a:avLst/>
+          </a:prstGeom>
+        </p:spPr>
+        <p:txBody>
+          <a:bodyPr vert="horz" lIns="0" tIns="0" rIns="0" bIns="0"/>
+          <a:lstStyle>
+            <a:lvl1pPr marL="0" indent="0">
+              <a:lnSpc>
+                <a:spcPts val="1533"/>
+              </a:lnSpc>
+              <a:spcBef>
+                <a:spcPts val="0"/>
+              </a:spcBef>
+              <a:buNone/>
+              <a:defRPr sz="1067" baseline="0">
+                <a:latin typeface="Helvetica"/>
+                <a:cs typeface="Helvetica"/>
+              </a:defRPr>
+            </a:lvl1pPr>
+          </a:lstStyle>
+          <a:p>
+            <a:pPr lvl="0"/>
+            <a:r>
+              <a:rPr lang="de-DE" dirty="0" smtClean="0"/>
+              <a:t>Vorname Name, Datum, Ort, Titel der Präsentation (max. 2 Zeilen)</a:t>
+            </a:r>
+          </a:p>
+        </p:txBody>
+      </p:sp>
+    </p:spTree>
+    <p:extLst>
+      <p:ext uri="{BB962C8B-B14F-4D97-AF65-F5344CB8AC3E}">
+        <p14:creationId xmlns:p14="http://schemas.microsoft.com/office/powerpoint/2010/main" val="4139992960"/>
+      </p:ext>
+    </p:extLst>
+  </p:cSld>
+  <p:clrMapOvr>
+    <a:masterClrMapping/>
+  </p:clrMapOvr>
+</p:sldLayout>
+</file>
+
+<file path=ppt/slideLayouts/slideLayout5.xml><?xml version="1.0" encoding="utf-8"?>
+<p:sldLayout xmlns:a="http://schemas.openxmlformats.org/drawingml/2006/main" xmlns:r="http://schemas.openxmlformats.org/officeDocument/2006/relationships" xmlns:p="http://schemas.openxmlformats.org/presentationml/2006/main" preserve="1">
+  <p:cSld name="Bild + Titel + Text 02">
+    <p:spTree>
+      <p:nvGrpSpPr>
+        <p:cNvPr id="1" name=""/>
+        <p:cNvGrpSpPr/>
+        <p:nvPr/>
+      </p:nvGrpSpPr>
+      <p:grpSpPr>
+        <a:xfrm>
+          <a:off x="0" y="0"/>
+          <a:ext cx="0" cy="0"/>
+          <a:chOff x="0" y="0"/>
+          <a:chExt cx="0" cy="0"/>
+        </a:xfrm>
+      </p:grpSpPr>
+      <p:sp>
+        <p:nvSpPr>
+          <p:cNvPr id="5" name="Bildplatzhalter 4"/>
+          <p:cNvSpPr>
+            <a:spLocks noGrp="1"/>
+          </p:cNvSpPr>
+          <p:nvPr>
+            <p:ph type="pic" sz="quarter" idx="10"/>
+          </p:nvPr>
+        </p:nvSpPr>
+        <p:spPr>
+          <a:xfrm>
+            <a:off x="342901" y="343767"/>
+            <a:ext cx="6318095" cy="3883003"/>
+          </a:xfrm>
+          <a:prstGeom prst="rect">
+            <a:avLst/>
+          </a:prstGeom>
+        </p:spPr>
+        <p:txBody>
+          <a:bodyPr vert="horz" lIns="82918" tIns="41459" rIns="82918" bIns="41459"/>
+          <a:lstStyle/>
+          <a:p>
+            <a:r>
+              <a:rPr lang="en-US" smtClean="0"/>
+              <a:t>Click icon to add picture</a:t>
+            </a:r>
+            <a:endParaRPr lang="de-DE" dirty="0"/>
+          </a:p>
+        </p:txBody>
+      </p:sp>
+      <p:sp>
+        <p:nvSpPr>
+          <p:cNvPr id="10" name="Textplatzhalter 9"/>
+          <p:cNvSpPr>
+            <a:spLocks noGrp="1"/>
+          </p:cNvSpPr>
+          <p:nvPr>
+            <p:ph type="body" sz="quarter" idx="12" hasCustomPrompt="1"/>
+          </p:nvPr>
+        </p:nvSpPr>
+        <p:spPr>
+          <a:xfrm>
+            <a:off x="7158174" y="343764"/>
+            <a:ext cx="4673993" cy="3883005"/>
+          </a:xfrm>
+          <a:prstGeom prst="rect">
+            <a:avLst/>
+          </a:prstGeom>
+        </p:spPr>
+        <p:txBody>
+          <a:bodyPr vert="horz" lIns="0" tIns="0" rIns="0" bIns="0"/>
+          <a:lstStyle>
+            <a:lvl1pPr marL="0" indent="0">
+              <a:spcBef>
+                <a:spcPts val="0"/>
+              </a:spcBef>
+              <a:buNone/>
+              <a:defRPr sz="2400" b="0" i="0" baseline="0">
+                <a:latin typeface="Helvetica"/>
+                <a:cs typeface="Helvetica"/>
+              </a:defRPr>
+            </a:lvl1pPr>
+          </a:lstStyle>
+          <a:p>
+            <a:pPr lvl="0"/>
+            <a:r>
+              <a:rPr lang="de-DE" dirty="0" smtClean="0"/>
+              <a:t>Ggf. Textfeld für Bildinformationen</a:t>
+            </a:r>
+            <a:endParaRPr lang="de-DE" dirty="0"/>
+          </a:p>
+        </p:txBody>
+      </p:sp>
+      <p:pic>
+        <p:nvPicPr>
+          <p:cNvPr id="8" name="Bild 7"/>
+          <p:cNvPicPr>
+            <a:picLocks noChangeAspect="1"/>
+          </p:cNvPicPr>
+          <p:nvPr/>
+        </p:nvPicPr>
+        <p:blipFill>
+          <a:blip r:embed="rId2" cstate="print">
+            <a:extLst>
+              <a:ext uri="{28A0092B-C50C-407E-A947-70E740481C1C}">
+                <a14:useLocalDpi xmlns:a14="http://schemas.microsoft.com/office/drawing/2010/main" val="0"/>
+              </a:ext>
+            </a:extLst>
+          </a:blip>
+          <a:stretch>
+            <a:fillRect/>
+          </a:stretch>
+        </p:blipFill>
+        <p:spPr>
+          <a:xfrm>
+            <a:off x="10033956" y="5873751"/>
+            <a:ext cx="1798211" cy="632059"/>
+          </a:xfrm>
+          <a:prstGeom prst="rect">
+            <a:avLst/>
+          </a:prstGeom>
+        </p:spPr>
+      </p:pic>
+      <p:sp>
+        <p:nvSpPr>
+          <p:cNvPr id="7" name="Textplatzhalter 7"/>
+          <p:cNvSpPr>
+            <a:spLocks noGrp="1"/>
+          </p:cNvSpPr>
+          <p:nvPr>
+            <p:ph type="body" sz="quarter" idx="11" hasCustomPrompt="1"/>
+          </p:nvPr>
+        </p:nvSpPr>
+        <p:spPr>
+          <a:xfrm>
+            <a:off x="342901" y="4965858"/>
+            <a:ext cx="9323575" cy="704701"/>
+          </a:xfrm>
+          <a:prstGeom prst="rect">
+            <a:avLst/>
+          </a:prstGeom>
+        </p:spPr>
+        <p:txBody>
+          <a:bodyPr vert="horz" lIns="0" tIns="0" rIns="0" bIns="0"/>
+          <a:lstStyle>
+            <a:lvl1pPr marL="0" indent="0" algn="l">
+              <a:spcBef>
+                <a:spcPts val="0"/>
+              </a:spcBef>
+              <a:buNone/>
+              <a:defRPr sz="2400" b="1" baseline="0">
+                <a:latin typeface="Helvetica"/>
+                <a:cs typeface="Helvetica"/>
+              </a:defRPr>
+            </a:lvl1pPr>
+          </a:lstStyle>
+          <a:p>
+            <a:pPr lvl="0"/>
+            <a:r>
+              <a:rPr lang="de-DE" dirty="0" smtClean="0"/>
+              <a:t>Bildtitel und Unterschrift (max. 2 Zeilen)</a:t>
+            </a:r>
+            <a:endParaRPr lang="de-DE" dirty="0"/>
+          </a:p>
+        </p:txBody>
+      </p:sp>
+      <p:sp>
+        <p:nvSpPr>
+          <p:cNvPr id="9" name="Textplatzhalter 2"/>
+          <p:cNvSpPr>
+            <a:spLocks noGrp="1"/>
+          </p:cNvSpPr>
+          <p:nvPr>
+            <p:ph type="body" sz="quarter" idx="15" hasCustomPrompt="1"/>
+          </p:nvPr>
+        </p:nvSpPr>
+        <p:spPr>
+          <a:xfrm>
+            <a:off x="342901" y="6000790"/>
+            <a:ext cx="6919384" cy="364815"/>
+          </a:xfrm>
+          <a:prstGeom prst="rect">
+            <a:avLst/>
+          </a:prstGeom>
+        </p:spPr>
+        <p:txBody>
+          <a:bodyPr vert="horz" lIns="0" tIns="0" rIns="0" bIns="0"/>
+          <a:lstStyle>
+            <a:lvl1pPr marL="0" indent="0">
+              <a:lnSpc>
+                <a:spcPts val="1533"/>
+              </a:lnSpc>
+              <a:spcBef>
+                <a:spcPts val="0"/>
+              </a:spcBef>
+              <a:buNone/>
+              <a:defRPr sz="1067" baseline="0">
+                <a:latin typeface="Helvetica"/>
+                <a:cs typeface="Helvetica"/>
+              </a:defRPr>
+            </a:lvl1pPr>
+          </a:lstStyle>
+          <a:p>
+            <a:pPr lvl="0"/>
+            <a:r>
+              <a:rPr lang="de-DE" dirty="0" smtClean="0"/>
+              <a:t>Vorname Name, Datum, Ort, Titel der Präsentation (max. 2 Zeilen)</a:t>
+            </a:r>
+          </a:p>
+        </p:txBody>
+      </p:sp>
+    </p:spTree>
+    <p:extLst>
+      <p:ext uri="{BB962C8B-B14F-4D97-AF65-F5344CB8AC3E}">
+        <p14:creationId xmlns:p14="http://schemas.microsoft.com/office/powerpoint/2010/main" val="385391450"/>
+      </p:ext>
+    </p:extLst>
+  </p:cSld>
+  <p:clrMapOvr>
+    <a:masterClrMapping/>
+  </p:clrMapOvr>
+</p:sldLayout>
+</file>
+
+<file path=ppt/slideLayouts/slideLayout6.xml><?xml version="1.0" encoding="utf-8"?>
+<p:sldLayout xmlns:a="http://schemas.openxmlformats.org/drawingml/2006/main" xmlns:r="http://schemas.openxmlformats.org/officeDocument/2006/relationships" xmlns:p="http://schemas.openxmlformats.org/presentationml/2006/main" preserve="1">
+  <p:cSld name="1_Bild + Titel + Text 03">
+    <p:spTree>
+      <p:nvGrpSpPr>
+        <p:cNvPr id="1" name=""/>
+        <p:cNvGrpSpPr/>
+        <p:nvPr/>
+      </p:nvGrpSpPr>
+      <p:grpSpPr>
+        <a:xfrm>
+          <a:off x="0" y="0"/>
+          <a:ext cx="0" cy="0"/>
+          <a:chOff x="0" y="0"/>
+          <a:chExt cx="0" cy="0"/>
+        </a:xfrm>
+      </p:grpSpPr>
+      <p:sp>
+        <p:nvSpPr>
+          <p:cNvPr id="5" name="Bildplatzhalter 4"/>
+          <p:cNvSpPr>
+            <a:spLocks noGrp="1"/>
+          </p:cNvSpPr>
+          <p:nvPr>
+            <p:ph type="pic" sz="quarter" idx="10"/>
+          </p:nvPr>
+        </p:nvSpPr>
+        <p:spPr>
+          <a:xfrm>
+            <a:off x="342901" y="1372624"/>
+            <a:ext cx="6585572" cy="4302160"/>
+          </a:xfrm>
+          <a:prstGeom prst="rect">
+            <a:avLst/>
+          </a:prstGeom>
+        </p:spPr>
+        <p:txBody>
+          <a:bodyPr vert="horz" lIns="82918" tIns="41459" rIns="82918" bIns="41459"/>
+          <a:lstStyle/>
+          <a:p>
+            <a:r>
+              <a:rPr lang="en-US" smtClean="0"/>
+              <a:t>Click icon to add picture</a:t>
+            </a:r>
+            <a:endParaRPr lang="de-DE"/>
+          </a:p>
+        </p:txBody>
+      </p:sp>
+      <p:sp>
+        <p:nvSpPr>
+          <p:cNvPr id="10" name="Textplatzhalter 9"/>
+          <p:cNvSpPr>
+            <a:spLocks noGrp="1"/>
+          </p:cNvSpPr>
+          <p:nvPr>
+            <p:ph type="body" sz="quarter" idx="12" hasCustomPrompt="1"/>
+          </p:nvPr>
+        </p:nvSpPr>
+        <p:spPr>
+          <a:xfrm>
+            <a:off x="7261852" y="1372624"/>
+            <a:ext cx="4569361" cy="4302160"/>
+          </a:xfrm>
+          <a:prstGeom prst="rect">
+            <a:avLst/>
+          </a:prstGeom>
+        </p:spPr>
+        <p:txBody>
+          <a:bodyPr vert="horz" lIns="0" tIns="0" rIns="0" bIns="0"/>
+          <a:lstStyle>
+            <a:lvl1pPr marL="0" indent="0">
+              <a:spcBef>
+                <a:spcPts val="0"/>
+              </a:spcBef>
+              <a:buNone/>
+              <a:defRPr sz="2400" b="0" i="0" baseline="0">
+                <a:latin typeface="Helvetica"/>
+                <a:cs typeface="Helvetica"/>
+              </a:defRPr>
+            </a:lvl1pPr>
+          </a:lstStyle>
+          <a:p>
+            <a:pPr lvl="0"/>
+            <a:r>
+              <a:rPr lang="de-DE" dirty="0" smtClean="0"/>
+              <a:t>Ggf. Textfeld für</a:t>
+            </a:r>
+          </a:p>
+          <a:p>
+            <a:pPr lvl="0"/>
+            <a:r>
+              <a:rPr lang="de-DE" dirty="0" smtClean="0"/>
+              <a:t>Bildinformationen</a:t>
+            </a:r>
+            <a:endParaRPr lang="de-DE" dirty="0"/>
+          </a:p>
+        </p:txBody>
+      </p:sp>
+      <p:sp>
+        <p:nvSpPr>
+          <p:cNvPr id="8" name="Textplatzhalter 7"/>
+          <p:cNvSpPr>
+            <a:spLocks noGrp="1"/>
+          </p:cNvSpPr>
+          <p:nvPr>
+            <p:ph type="body" sz="quarter" idx="13" hasCustomPrompt="1"/>
+          </p:nvPr>
+        </p:nvSpPr>
+        <p:spPr>
+          <a:xfrm>
+            <a:off x="342901" y="342324"/>
+            <a:ext cx="11488311" cy="704701"/>
+          </a:xfrm>
+          <a:prstGeom prst="rect">
+            <a:avLst/>
+          </a:prstGeom>
+        </p:spPr>
+        <p:txBody>
+          <a:bodyPr vert="horz" lIns="0" tIns="0" rIns="0" bIns="0"/>
+          <a:lstStyle>
+            <a:lvl1pPr marL="0" indent="0" algn="l">
+              <a:spcBef>
+                <a:spcPts val="0"/>
+              </a:spcBef>
+              <a:buNone/>
+              <a:defRPr sz="2400" b="1" baseline="0">
+                <a:latin typeface="Helvetica"/>
+                <a:cs typeface="Helvetica"/>
+              </a:defRPr>
+            </a:lvl1pPr>
+          </a:lstStyle>
+          <a:p>
+            <a:pPr lvl="0"/>
+            <a:r>
+              <a:rPr lang="de-DE" dirty="0" smtClean="0"/>
+              <a:t>Bildtitel </a:t>
+            </a:r>
+          </a:p>
+          <a:p>
+            <a:pPr lvl="0"/>
+            <a:r>
+              <a:rPr lang="de-DE" dirty="0" smtClean="0"/>
+              <a:t>und Unterschrift</a:t>
+            </a:r>
+            <a:endParaRPr lang="de-DE" dirty="0"/>
+          </a:p>
+        </p:txBody>
+      </p:sp>
+      <p:pic>
+        <p:nvPicPr>
+          <p:cNvPr id="6" name="Bild 5"/>
+          <p:cNvPicPr>
+            <a:picLocks noChangeAspect="1"/>
+          </p:cNvPicPr>
+          <p:nvPr/>
+        </p:nvPicPr>
+        <p:blipFill>
+          <a:blip r:embed="rId2" cstate="print">
+            <a:extLst>
+              <a:ext uri="{28A0092B-C50C-407E-A947-70E740481C1C}">
+                <a14:useLocalDpi xmlns:a14="http://schemas.microsoft.com/office/drawing/2010/main" val="0"/>
+              </a:ext>
+            </a:extLst>
+          </a:blip>
+          <a:stretch>
+            <a:fillRect/>
+          </a:stretch>
+        </p:blipFill>
+        <p:spPr>
+          <a:xfrm>
+            <a:off x="10033956" y="5873751"/>
+            <a:ext cx="1798211" cy="632059"/>
+          </a:xfrm>
+          <a:prstGeom prst="rect">
+            <a:avLst/>
+          </a:prstGeom>
+        </p:spPr>
+      </p:pic>
+      <p:sp>
+        <p:nvSpPr>
+          <p:cNvPr id="9" name="Textplatzhalter 2"/>
+          <p:cNvSpPr>
+            <a:spLocks noGrp="1"/>
+          </p:cNvSpPr>
+          <p:nvPr>
+            <p:ph type="body" sz="quarter" idx="15" hasCustomPrompt="1"/>
+          </p:nvPr>
+        </p:nvSpPr>
+        <p:spPr>
+          <a:xfrm>
+            <a:off x="342901" y="6000790"/>
+            <a:ext cx="6919384" cy="364815"/>
+          </a:xfrm>
+          <a:prstGeom prst="rect">
+            <a:avLst/>
+          </a:prstGeom>
+        </p:spPr>
+        <p:txBody>
+          <a:bodyPr vert="horz" lIns="0" tIns="0" rIns="0" bIns="0"/>
+          <a:lstStyle>
+            <a:lvl1pPr marL="0" indent="0">
+              <a:lnSpc>
+                <a:spcPts val="1533"/>
+              </a:lnSpc>
+              <a:spcBef>
+                <a:spcPts val="0"/>
+              </a:spcBef>
+              <a:buNone/>
+              <a:defRPr sz="1067" baseline="0">
+                <a:latin typeface="Helvetica"/>
+                <a:cs typeface="Helvetica"/>
+              </a:defRPr>
+            </a:lvl1pPr>
+          </a:lstStyle>
+          <a:p>
+            <a:pPr lvl="0"/>
+            <a:r>
+              <a:rPr lang="de-DE" dirty="0" smtClean="0"/>
+              <a:t>Vorname Name, Datum, Ort, Titel der Präsentation (max. 2 Zeilen)</a:t>
+            </a:r>
+          </a:p>
+        </p:txBody>
+      </p:sp>
+    </p:spTree>
+    <p:extLst>
+      <p:ext uri="{BB962C8B-B14F-4D97-AF65-F5344CB8AC3E}">
+        <p14:creationId xmlns:p14="http://schemas.microsoft.com/office/powerpoint/2010/main" val="3097576827"/>
+      </p:ext>
+    </p:extLst>
+  </p:cSld>
+  <p:clrMapOvr>
+    <a:masterClrMapping/>
+  </p:clrMapOvr>
+</p:sldLayout>
+</file>
+
+<file path=ppt/slideLayouts/slideLayout7.xml><?xml version="1.0" encoding="utf-8"?>
+<p:sldLayout xmlns:a="http://schemas.openxmlformats.org/drawingml/2006/main" xmlns:r="http://schemas.openxmlformats.org/officeDocument/2006/relationships" xmlns:p="http://schemas.openxmlformats.org/presentationml/2006/main" preserve="1">
+  <p:cSld name="2 Inhalte nebeneinander">
+    <p:spTree>
+      <p:nvGrpSpPr>
+        <p:cNvPr id="1" name=""/>
+        <p:cNvGrpSpPr/>
+        <p:nvPr/>
+      </p:nvGrpSpPr>
+      <p:grpSpPr>
+        <a:xfrm>
+          <a:off x="0" y="0"/>
+          <a:ext cx="0" cy="0"/>
+          <a:chOff x="0" y="0"/>
+          <a:chExt cx="0" cy="0"/>
+        </a:xfrm>
+      </p:grpSpPr>
+      <p:sp>
+        <p:nvSpPr>
+          <p:cNvPr id="11" name="Inhaltsplatzhalter 2"/>
+          <p:cNvSpPr>
+            <a:spLocks noGrp="1"/>
+          </p:cNvSpPr>
+          <p:nvPr>
+            <p:ph sz="quarter" idx="14" hasCustomPrompt="1"/>
+          </p:nvPr>
+        </p:nvSpPr>
+        <p:spPr>
+          <a:xfrm>
+            <a:off x="6353135" y="343765"/>
+            <a:ext cx="5479032" cy="4134928"/>
+          </a:xfrm>
+          <a:prstGeom prst="rect">
+            <a:avLst/>
+          </a:prstGeom>
+        </p:spPr>
+        <p:txBody>
+          <a:bodyPr vert="horz" lIns="82918" tIns="41459" rIns="82918" bIns="41459"/>
+          <a:lstStyle>
+            <a:lvl1pPr>
+              <a:defRPr sz="2400" b="1">
+                <a:latin typeface="Helvetica"/>
+                <a:cs typeface="Helvetica"/>
+              </a:defRPr>
+            </a:lvl1pPr>
+          </a:lstStyle>
+          <a:p>
+            <a:pPr lvl="0"/>
+            <a:r>
+              <a:rPr lang="de-DE" dirty="0" smtClean="0"/>
+              <a:t>Inhalt</a:t>
+            </a:r>
+            <a:endParaRPr lang="de-DE" dirty="0"/>
+          </a:p>
+        </p:txBody>
+      </p:sp>
+      <p:sp>
+        <p:nvSpPr>
+          <p:cNvPr id="15" name="Textplatzhalter 7"/>
+          <p:cNvSpPr>
+            <a:spLocks noGrp="1"/>
+          </p:cNvSpPr>
+          <p:nvPr>
+            <p:ph type="body" sz="quarter" idx="15" hasCustomPrompt="1"/>
+          </p:nvPr>
+        </p:nvSpPr>
+        <p:spPr>
+          <a:xfrm>
+            <a:off x="6353135" y="4970083"/>
+            <a:ext cx="5479032" cy="704701"/>
+          </a:xfrm>
+          <a:prstGeom prst="rect">
+            <a:avLst/>
+          </a:prstGeom>
+        </p:spPr>
+        <p:txBody>
+          <a:bodyPr vert="horz" lIns="0" tIns="0" rIns="0" bIns="0"/>
+          <a:lstStyle>
+            <a:lvl1pPr marL="0" indent="0" algn="l">
+              <a:spcBef>
+                <a:spcPts val="0"/>
+              </a:spcBef>
+              <a:buNone/>
+              <a:defRPr sz="2400" b="1" baseline="0">
+                <a:latin typeface="Helvetica"/>
+                <a:cs typeface="Helvetica"/>
+              </a:defRPr>
+            </a:lvl1pPr>
+          </a:lstStyle>
+          <a:p>
+            <a:pPr lvl="0"/>
+            <a:r>
+              <a:rPr lang="de-DE" dirty="0" smtClean="0"/>
+              <a:t>Bildtitel / Text</a:t>
+            </a:r>
+          </a:p>
+          <a:p>
+            <a:pPr lvl="0"/>
+            <a:r>
+              <a:rPr lang="de-DE" dirty="0" smtClean="0"/>
+              <a:t>und Unterschrift</a:t>
+            </a:r>
+            <a:endParaRPr lang="de-DE" dirty="0"/>
+          </a:p>
+        </p:txBody>
+      </p:sp>
+      <p:sp>
+        <p:nvSpPr>
+          <p:cNvPr id="13" name="Inhaltsplatzhalter 2"/>
+          <p:cNvSpPr>
+            <a:spLocks noGrp="1"/>
+          </p:cNvSpPr>
+          <p:nvPr>
+            <p:ph sz="quarter" idx="16" hasCustomPrompt="1"/>
+          </p:nvPr>
+        </p:nvSpPr>
+        <p:spPr>
+          <a:xfrm>
+            <a:off x="342900" y="343765"/>
+            <a:ext cx="5479032" cy="4134928"/>
+          </a:xfrm>
+          <a:prstGeom prst="rect">
+            <a:avLst/>
+          </a:prstGeom>
+        </p:spPr>
+        <p:txBody>
+          <a:bodyPr vert="horz" lIns="82918" tIns="41459" rIns="82918" bIns="41459"/>
+          <a:lstStyle>
+            <a:lvl1pPr>
+              <a:defRPr sz="2400" b="1">
+                <a:latin typeface="Helvetica"/>
+                <a:cs typeface="Helvetica"/>
+              </a:defRPr>
+            </a:lvl1pPr>
+          </a:lstStyle>
+          <a:p>
+            <a:pPr lvl="0"/>
+            <a:r>
+              <a:rPr lang="de-DE" dirty="0" smtClean="0"/>
+              <a:t>Inhalt</a:t>
+            </a:r>
+            <a:endParaRPr lang="de-DE" dirty="0"/>
+          </a:p>
+        </p:txBody>
+      </p:sp>
+      <p:pic>
+        <p:nvPicPr>
+          <p:cNvPr id="7" name="Bild 6"/>
+          <p:cNvPicPr>
+            <a:picLocks noChangeAspect="1"/>
+          </p:cNvPicPr>
+          <p:nvPr/>
+        </p:nvPicPr>
+        <p:blipFill>
+          <a:blip r:embed="rId2" cstate="print">
+            <a:extLst>
+              <a:ext uri="{28A0092B-C50C-407E-A947-70E740481C1C}">
+                <a14:useLocalDpi xmlns:a14="http://schemas.microsoft.com/office/drawing/2010/main" val="0"/>
+              </a:ext>
+            </a:extLst>
+          </a:blip>
+          <a:stretch>
+            <a:fillRect/>
+          </a:stretch>
+        </p:blipFill>
+        <p:spPr>
+          <a:xfrm>
+            <a:off x="10033956" y="5873751"/>
+            <a:ext cx="1798211" cy="632059"/>
+          </a:xfrm>
+          <a:prstGeom prst="rect">
+            <a:avLst/>
+          </a:prstGeom>
+        </p:spPr>
+      </p:pic>
+      <p:sp>
+        <p:nvSpPr>
+          <p:cNvPr id="9" name="Textplatzhalter 7"/>
+          <p:cNvSpPr>
+            <a:spLocks noGrp="1"/>
+          </p:cNvSpPr>
+          <p:nvPr>
+            <p:ph type="body" sz="quarter" idx="17" hasCustomPrompt="1"/>
+          </p:nvPr>
+        </p:nvSpPr>
+        <p:spPr>
+          <a:xfrm>
+            <a:off x="342900" y="4970083"/>
+            <a:ext cx="5479032" cy="704701"/>
+          </a:xfrm>
+          <a:prstGeom prst="rect">
+            <a:avLst/>
+          </a:prstGeom>
+        </p:spPr>
+        <p:txBody>
+          <a:bodyPr vert="horz" lIns="0" tIns="0" rIns="0" bIns="0"/>
+          <a:lstStyle>
+            <a:lvl1pPr marL="0" indent="0" algn="l">
+              <a:spcBef>
+                <a:spcPts val="0"/>
+              </a:spcBef>
+              <a:buNone/>
+              <a:defRPr sz="2400" b="1" baseline="0">
+                <a:latin typeface="Helvetica"/>
+                <a:cs typeface="Helvetica"/>
+              </a:defRPr>
+            </a:lvl1pPr>
+          </a:lstStyle>
+          <a:p>
+            <a:pPr lvl="0"/>
+            <a:r>
+              <a:rPr lang="de-DE" dirty="0" smtClean="0"/>
+              <a:t>Bildtitel / Text</a:t>
+            </a:r>
+          </a:p>
+          <a:p>
+            <a:pPr lvl="0"/>
+            <a:r>
+              <a:rPr lang="de-DE" dirty="0" smtClean="0"/>
+              <a:t>und Unterschrift</a:t>
+            </a:r>
+            <a:endParaRPr lang="de-DE" dirty="0"/>
+          </a:p>
+        </p:txBody>
+      </p:sp>
+      <p:sp>
+        <p:nvSpPr>
+          <p:cNvPr id="12" name="Textplatzhalter 2"/>
+          <p:cNvSpPr>
+            <a:spLocks noGrp="1"/>
+          </p:cNvSpPr>
+          <p:nvPr>
+            <p:ph type="body" sz="quarter" idx="18" hasCustomPrompt="1"/>
+          </p:nvPr>
+        </p:nvSpPr>
+        <p:spPr>
+          <a:xfrm>
+            <a:off x="342901" y="6000790"/>
+            <a:ext cx="6919384" cy="364815"/>
+          </a:xfrm>
+          <a:prstGeom prst="rect">
+            <a:avLst/>
+          </a:prstGeom>
+        </p:spPr>
+        <p:txBody>
+          <a:bodyPr vert="horz" lIns="0" tIns="0" rIns="0" bIns="0"/>
+          <a:lstStyle>
+            <a:lvl1pPr marL="0" indent="0">
+              <a:lnSpc>
+                <a:spcPts val="1533"/>
+              </a:lnSpc>
+              <a:spcBef>
+                <a:spcPts val="0"/>
+              </a:spcBef>
+              <a:buNone/>
+              <a:defRPr sz="1067" baseline="0">
+                <a:latin typeface="Helvetica"/>
+                <a:cs typeface="Helvetica"/>
+              </a:defRPr>
+            </a:lvl1pPr>
+          </a:lstStyle>
+          <a:p>
+            <a:pPr lvl="0"/>
+            <a:r>
+              <a:rPr lang="de-DE" dirty="0" smtClean="0"/>
+              <a:t>Vorname Name, Datum, Ort, Titel der Präsentation (max. 2 Zeilen)</a:t>
+            </a:r>
+          </a:p>
+        </p:txBody>
+      </p:sp>
+    </p:spTree>
+    <p:extLst>
+      <p:ext uri="{BB962C8B-B14F-4D97-AF65-F5344CB8AC3E}">
+        <p14:creationId xmlns:p14="http://schemas.microsoft.com/office/powerpoint/2010/main" val="743444839"/>
+      </p:ext>
+    </p:extLst>
+  </p:cSld>
+  <p:clrMapOvr>
+    <a:masterClrMapping/>
+  </p:clrMapOvr>
+</p:sldLayout>
+</file>
+
+<file path=ppt/slideLayouts/slideLayout8.xml><?xml version="1.0" encoding="utf-8"?>
+<p:sldLayout xmlns:a="http://schemas.openxmlformats.org/drawingml/2006/main" xmlns:r="http://schemas.openxmlformats.org/officeDocument/2006/relationships" xmlns:p="http://schemas.openxmlformats.org/presentationml/2006/main" preserve="1">
+  <p:cSld name="Custom Layout">
     <p:spTree>
       <p:nvGrpSpPr>
         <p:cNvPr id="1" name=""/>
@@ -475,10 +1530,22 @@
             <p:ph type="title"/>
           </p:nvPr>
         </p:nvSpPr>
-        <p:spPr/>
+        <p:spPr>
+          <a:xfrm>
+            <a:off x="0" y="0"/>
+            <a:ext cx="10515600" cy="1097280"/>
+          </a:xfrm>
+          <a:prstGeom prst="rect">
+            <a:avLst/>
+          </a:prstGeom>
+        </p:spPr>
         <p:txBody>
           <a:bodyPr/>
-          <a:lstStyle/>
+          <a:lstStyle>
+            <a:lvl1pPr>
+              <a:defRPr b="1"/>
+            </a:lvl1pPr>
+          </a:lstStyle>
           <a:p>
             <a:r>
               <a:rPr lang="en-US" smtClean="0"/>
@@ -488,127 +1555,85 @@
           </a:p>
         </p:txBody>
       </p:sp>
+      <p:pic>
+        <p:nvPicPr>
+          <p:cNvPr id="3" name="Bild 6"/>
+          <p:cNvPicPr>
+            <a:picLocks noChangeAspect="1"/>
+          </p:cNvPicPr>
+          <p:nvPr/>
+        </p:nvPicPr>
+        <p:blipFill>
+          <a:blip r:embed="rId2" cstate="print">
+            <a:extLst>
+              <a:ext uri="{28A0092B-C50C-407E-A947-70E740481C1C}">
+                <a14:useLocalDpi xmlns:a14="http://schemas.microsoft.com/office/drawing/2010/main" val="0"/>
+              </a:ext>
+            </a:extLst>
+          </a:blip>
+          <a:stretch>
+            <a:fillRect/>
+          </a:stretch>
+        </p:blipFill>
+        <p:spPr>
+          <a:xfrm>
+            <a:off x="10033956" y="5873751"/>
+            <a:ext cx="1798211" cy="632059"/>
+          </a:xfrm>
+          <a:prstGeom prst="rect">
+            <a:avLst/>
+          </a:prstGeom>
+        </p:spPr>
+      </p:pic>
       <p:sp>
         <p:nvSpPr>
-          <p:cNvPr id="3" name="Vertical Text Placeholder 2"/>
+          <p:cNvPr id="4" name="Textplatzhalter 2"/>
           <p:cNvSpPr>
             <a:spLocks noGrp="1"/>
           </p:cNvSpPr>
           <p:nvPr>
-            <p:ph type="body" orient="vert" idx="1"/>
+            <p:ph type="body" sz="quarter" idx="18" hasCustomPrompt="1"/>
           </p:nvPr>
         </p:nvSpPr>
-        <p:spPr/>
+        <p:spPr>
+          <a:xfrm>
+            <a:off x="93519" y="6323402"/>
+            <a:ext cx="6919384" cy="364815"/>
+          </a:xfrm>
+          <a:prstGeom prst="rect">
+            <a:avLst/>
+          </a:prstGeom>
+        </p:spPr>
         <p:txBody>
-          <a:bodyPr vert="eaVert" lIns="45720" tIns="0" rIns="45720" bIns="0"/>
-          <a:lstStyle/>
+          <a:bodyPr vert="horz" lIns="0" tIns="0" rIns="0" bIns="0"/>
+          <a:lstStyle>
+            <a:lvl1pPr marL="0" indent="0">
+              <a:lnSpc>
+                <a:spcPts val="1533"/>
+              </a:lnSpc>
+              <a:spcBef>
+                <a:spcPts val="0"/>
+              </a:spcBef>
+              <a:buNone/>
+              <a:defRPr sz="1067" baseline="0">
+                <a:latin typeface="Helvetica"/>
+                <a:cs typeface="Helvetica"/>
+              </a:defRPr>
+            </a:lvl1pPr>
+          </a:lstStyle>
           <a:p>
             <a:pPr lvl="0"/>
             <a:r>
-              <a:rPr lang="en-US" smtClean="0"/>
-              <a:t>Edit Master text styles</a:t>
+              <a:rPr lang="de-DE" dirty="0" smtClean="0"/>
+              <a:t>Vorname Name, Datum, Ort, Titel der Präsentation (max. 2 Zeilen)</a:t>
             </a:r>
-          </a:p>
-          <a:p>
-            <a:pPr lvl="1"/>
-            <a:r>
-              <a:rPr lang="en-US" smtClean="0"/>
-              <a:t>Second level</a:t>
-            </a:r>
-          </a:p>
-          <a:p>
-            <a:pPr lvl="2"/>
-            <a:r>
-              <a:rPr lang="en-US" smtClean="0"/>
-              <a:t>Third level</a:t>
-            </a:r>
-          </a:p>
-          <a:p>
-            <a:pPr lvl="3"/>
-            <a:r>
-              <a:rPr lang="en-US" smtClean="0"/>
-              <a:t>Fourth level</a:t>
-            </a:r>
-          </a:p>
-          <a:p>
-            <a:pPr lvl="4"/>
-            <a:r>
-              <a:rPr lang="en-US" smtClean="0"/>
-              <a:t>Fifth level</a:t>
-            </a:r>
-            <a:endParaRPr lang="en-US" dirty="0"/>
-          </a:p>
-        </p:txBody>
-      </p:sp>
-      <p:sp>
-        <p:nvSpPr>
-          <p:cNvPr id="4" name="Date Placeholder 3"/>
-          <p:cNvSpPr>
-            <a:spLocks noGrp="1"/>
-          </p:cNvSpPr>
-          <p:nvPr>
-            <p:ph type="dt" sz="half" idx="10"/>
-          </p:nvPr>
-        </p:nvSpPr>
-        <p:spPr/>
-        <p:txBody>
-          <a:bodyPr/>
-          <a:lstStyle/>
-          <a:p>
-            <a:fld id="{AB21D1C1-A974-4CDD-890D-2FCDFA70CDD6}" type="datetimeFigureOut">
-              <a:rPr lang="en-US" smtClean="0"/>
-              <a:t>1/1/2019</a:t>
-            </a:fld>
-            <a:endParaRPr lang="en-US"/>
-          </a:p>
-        </p:txBody>
-      </p:sp>
-      <p:sp>
-        <p:nvSpPr>
-          <p:cNvPr id="5" name="Footer Placeholder 4"/>
-          <p:cNvSpPr>
-            <a:spLocks noGrp="1"/>
-          </p:cNvSpPr>
-          <p:nvPr>
-            <p:ph type="ftr" sz="quarter" idx="11"/>
-          </p:nvPr>
-        </p:nvSpPr>
-        <p:spPr/>
-        <p:txBody>
-          <a:bodyPr/>
-          <a:lstStyle/>
-          <a:p>
-            <a:endParaRPr lang="en-US"/>
-          </a:p>
-        </p:txBody>
-      </p:sp>
-      <p:sp>
-        <p:nvSpPr>
-          <p:cNvPr id="6" name="Slide Number Placeholder 5"/>
-          <p:cNvSpPr>
-            <a:spLocks noGrp="1"/>
-          </p:cNvSpPr>
-          <p:nvPr>
-            <p:ph type="sldNum" sz="quarter" idx="12"/>
-          </p:nvPr>
-        </p:nvSpPr>
-        <p:spPr/>
-        <p:txBody>
-          <a:bodyPr/>
-          <a:lstStyle/>
-          <a:p>
-            <a:fld id="{3DA290FA-9F37-491D-8A3F-EBC8B973C70B}" type="slidenum">
-              <a:rPr lang="en-US" smtClean="0"/>
-              <a:t>‹#›</a:t>
-            </a:fld>
-            <a:endParaRPr lang="en-US"/>
           </a:p>
         </p:txBody>
       </p:sp>
     </p:spTree>
     <p:extLst>
       <p:ext uri="{BB962C8B-B14F-4D97-AF65-F5344CB8AC3E}">
-        <p14:creationId xmlns:p14="http://schemas.microsoft.com/office/powerpoint/2010/main" val="995323354"/>
+        <p14:creationId xmlns:p14="http://schemas.microsoft.com/office/powerpoint/2010/main" val="2749196620"/>
       </p:ext>
     </p:extLst>
   </p:cSld>
@@ -618,264 +1643,8 @@
 </p:sldLayout>
 </file>
 
-<file path=ppt/slideLayouts/slideLayout11.xml><?xml version="1.0" encoding="utf-8"?>
-<p:sldLayout xmlns:a="http://schemas.openxmlformats.org/drawingml/2006/main" xmlns:r="http://schemas.openxmlformats.org/officeDocument/2006/relationships" xmlns:p="http://schemas.openxmlformats.org/presentationml/2006/main" showMasterSp="0" type="vertTitleAndTx" preserve="1">
-  <p:cSld name="Vertical Title and Text">
-    <p:spTree>
-      <p:nvGrpSpPr>
-        <p:cNvPr id="1" name=""/>
-        <p:cNvGrpSpPr/>
-        <p:nvPr/>
-      </p:nvGrpSpPr>
-      <p:grpSpPr>
-        <a:xfrm>
-          <a:off x="0" y="0"/>
-          <a:ext cx="0" cy="0"/>
-          <a:chOff x="0" y="0"/>
-          <a:chExt cx="0" cy="0"/>
-        </a:xfrm>
-      </p:grpSpPr>
-      <p:sp>
-        <p:nvSpPr>
-          <p:cNvPr id="7" name="Rectangle 6"/>
-          <p:cNvSpPr/>
-          <p:nvPr/>
-        </p:nvSpPr>
-        <p:spPr>
-          <a:xfrm>
-            <a:off x="3175" y="6400800"/>
-            <a:ext cx="12188825" cy="457200"/>
-          </a:xfrm>
-          <a:prstGeom prst="rect">
-            <a:avLst/>
-          </a:prstGeom>
-          <a:solidFill>
-            <a:schemeClr val="accent2"/>
-          </a:solidFill>
-          <a:ln>
-            <a:noFill/>
-          </a:ln>
-        </p:spPr>
-        <p:style>
-          <a:lnRef idx="2">
-            <a:schemeClr val="accent1">
-              <a:shade val="50000"/>
-            </a:schemeClr>
-          </a:lnRef>
-          <a:fillRef idx="1">
-            <a:schemeClr val="accent1"/>
-          </a:fillRef>
-          <a:effectRef idx="0">
-            <a:schemeClr val="accent1"/>
-          </a:effectRef>
-          <a:fontRef idx="minor">
-            <a:schemeClr val="lt1"/>
-          </a:fontRef>
-        </p:style>
-      </p:sp>
-      <p:sp>
-        <p:nvSpPr>
-          <p:cNvPr id="8" name="Rectangle 7"/>
-          <p:cNvSpPr/>
-          <p:nvPr/>
-        </p:nvSpPr>
-        <p:spPr>
-          <a:xfrm>
-            <a:off x="15" y="6334316"/>
-            <a:ext cx="12188825" cy="64008"/>
-          </a:xfrm>
-          <a:prstGeom prst="rect">
-            <a:avLst/>
-          </a:prstGeom>
-          <a:solidFill>
-            <a:schemeClr val="accent1"/>
-          </a:solidFill>
-          <a:ln>
-            <a:noFill/>
-          </a:ln>
-        </p:spPr>
-        <p:style>
-          <a:lnRef idx="2">
-            <a:schemeClr val="accent1">
-              <a:shade val="50000"/>
-            </a:schemeClr>
-          </a:lnRef>
-          <a:fillRef idx="1">
-            <a:schemeClr val="accent1"/>
-          </a:fillRef>
-          <a:effectRef idx="0">
-            <a:schemeClr val="accent1"/>
-          </a:effectRef>
-          <a:fontRef idx="minor">
-            <a:schemeClr val="lt1"/>
-          </a:fontRef>
-        </p:style>
-      </p:sp>
-      <p:sp>
-        <p:nvSpPr>
-          <p:cNvPr id="2" name="Vertical Title 1"/>
-          <p:cNvSpPr>
-            <a:spLocks noGrp="1"/>
-          </p:cNvSpPr>
-          <p:nvPr>
-            <p:ph type="title" orient="vert"/>
-          </p:nvPr>
-        </p:nvSpPr>
-        <p:spPr>
-          <a:xfrm>
-            <a:off x="8724900" y="414778"/>
-            <a:ext cx="2628900" cy="5757421"/>
-          </a:xfrm>
-        </p:spPr>
-        <p:txBody>
-          <a:bodyPr vert="eaVert"/>
-          <a:lstStyle/>
-          <a:p>
-            <a:r>
-              <a:rPr lang="en-US" smtClean="0"/>
-              <a:t>Click to edit Master title style</a:t>
-            </a:r>
-            <a:endParaRPr lang="en-US" dirty="0"/>
-          </a:p>
-        </p:txBody>
-      </p:sp>
-      <p:sp>
-        <p:nvSpPr>
-          <p:cNvPr id="3" name="Vertical Text Placeholder 2"/>
-          <p:cNvSpPr>
-            <a:spLocks noGrp="1"/>
-          </p:cNvSpPr>
-          <p:nvPr>
-            <p:ph type="body" orient="vert" idx="1"/>
-          </p:nvPr>
-        </p:nvSpPr>
-        <p:spPr>
-          <a:xfrm>
-            <a:off x="838200" y="414778"/>
-            <a:ext cx="7734300" cy="5757422"/>
-          </a:xfrm>
-        </p:spPr>
-        <p:txBody>
-          <a:bodyPr vert="eaVert" lIns="45720" tIns="0" rIns="45720" bIns="0"/>
-          <a:lstStyle/>
-          <a:p>
-            <a:pPr lvl="0"/>
-            <a:r>
-              <a:rPr lang="en-US" smtClean="0"/>
-              <a:t>Edit Master text styles</a:t>
-            </a:r>
-          </a:p>
-          <a:p>
-            <a:pPr lvl="1"/>
-            <a:r>
-              <a:rPr lang="en-US" smtClean="0"/>
-              <a:t>Second level</a:t>
-            </a:r>
-          </a:p>
-          <a:p>
-            <a:pPr lvl="2"/>
-            <a:r>
-              <a:rPr lang="en-US" smtClean="0"/>
-              <a:t>Third level</a:t>
-            </a:r>
-          </a:p>
-          <a:p>
-            <a:pPr lvl="3"/>
-            <a:r>
-              <a:rPr lang="en-US" smtClean="0"/>
-              <a:t>Fourth level</a:t>
-            </a:r>
-          </a:p>
-          <a:p>
-            <a:pPr lvl="4"/>
-            <a:r>
-              <a:rPr lang="en-US" smtClean="0"/>
-              <a:t>Fifth level</a:t>
-            </a:r>
-            <a:endParaRPr lang="en-US" dirty="0"/>
-          </a:p>
-        </p:txBody>
-      </p:sp>
-      <p:sp>
-        <p:nvSpPr>
-          <p:cNvPr id="4" name="Date Placeholder 3"/>
-          <p:cNvSpPr>
-            <a:spLocks noGrp="1"/>
-          </p:cNvSpPr>
-          <p:nvPr>
-            <p:ph type="dt" sz="half" idx="10"/>
-          </p:nvPr>
-        </p:nvSpPr>
-        <p:spPr/>
-        <p:txBody>
-          <a:bodyPr/>
-          <a:lstStyle/>
-          <a:p>
-            <a:fld id="{AB21D1C1-A974-4CDD-890D-2FCDFA70CDD6}" type="datetimeFigureOut">
-              <a:rPr lang="en-US" smtClean="0"/>
-              <a:t>1/1/2019</a:t>
-            </a:fld>
-            <a:endParaRPr lang="en-US"/>
-          </a:p>
-        </p:txBody>
-      </p:sp>
-      <p:sp>
-        <p:nvSpPr>
-          <p:cNvPr id="5" name="Footer Placeholder 4"/>
-          <p:cNvSpPr>
-            <a:spLocks noGrp="1"/>
-          </p:cNvSpPr>
-          <p:nvPr>
-            <p:ph type="ftr" sz="quarter" idx="11"/>
-          </p:nvPr>
-        </p:nvSpPr>
-        <p:spPr/>
-        <p:txBody>
-          <a:bodyPr/>
-          <a:lstStyle/>
-          <a:p>
-            <a:endParaRPr lang="en-US"/>
-          </a:p>
-        </p:txBody>
-      </p:sp>
-      <p:sp>
-        <p:nvSpPr>
-          <p:cNvPr id="6" name="Slide Number Placeholder 5"/>
-          <p:cNvSpPr>
-            <a:spLocks noGrp="1"/>
-          </p:cNvSpPr>
-          <p:nvPr>
-            <p:ph type="sldNum" sz="quarter" idx="12"/>
-          </p:nvPr>
-        </p:nvSpPr>
-        <p:spPr/>
-        <p:txBody>
-          <a:bodyPr/>
-          <a:lstStyle/>
-          <a:p>
-            <a:fld id="{3DA290FA-9F37-491D-8A3F-EBC8B973C70B}" type="slidenum">
-              <a:rPr lang="en-US" smtClean="0"/>
-              <a:t>‹#›</a:t>
-            </a:fld>
-            <a:endParaRPr lang="en-US"/>
-          </a:p>
-        </p:txBody>
-      </p:sp>
-    </p:spTree>
-    <p:extLst>
-      <p:ext uri="{BB962C8B-B14F-4D97-AF65-F5344CB8AC3E}">
-        <p14:creationId xmlns:p14="http://schemas.microsoft.com/office/powerpoint/2010/main" val="885260650"/>
-      </p:ext>
-    </p:extLst>
-  </p:cSld>
-  <p:clrMapOvr>
-    <a:masterClrMapping/>
-  </p:clrMapOvr>
-</p:sldLayout>
-</file>
-
-<file path=ppt/slideLayouts/slideLayout2.xml><?xml version="1.0" encoding="utf-8"?>
-<p:sldLayout xmlns:a="http://schemas.openxmlformats.org/drawingml/2006/main" xmlns:r="http://schemas.openxmlformats.org/officeDocument/2006/relationships" xmlns:p="http://schemas.openxmlformats.org/presentationml/2006/main" type="obj" preserve="1">
+<file path=ppt/slideLayouts/slideLayout9.xml><?xml version="1.0" encoding="utf-8"?>
+<p:sldLayout xmlns:a="http://schemas.openxmlformats.org/drawingml/2006/main" xmlns:r="http://schemas.openxmlformats.org/officeDocument/2006/relationships" xmlns:p="http://schemas.openxmlformats.org/presentationml/2006/main" type="obj">
   <p:cSld name="Title and Content">
     <p:spTree>
       <p:nvGrpSpPr>
@@ -992,7 +1761,7 @@
           <a:p>
             <a:fld id="{AB21D1C1-A974-4CDD-890D-2FCDFA70CDD6}" type="datetimeFigureOut">
               <a:rPr lang="en-US" smtClean="0"/>
-              <a:t>1/1/2019</a:t>
+              <a:t>7/21/2019</a:t>
             </a:fld>
             <a:endParaRPr lang="en-US"/>
           </a:p>
@@ -1043,2029 +1812,7 @@
     </p:spTree>
     <p:extLst>
       <p:ext uri="{BB962C8B-B14F-4D97-AF65-F5344CB8AC3E}">
-        <p14:creationId xmlns:p14="http://schemas.microsoft.com/office/powerpoint/2010/main" val="2326172310"/>
-      </p:ext>
-    </p:extLst>
-  </p:cSld>
-  <p:clrMapOvr>
-    <a:masterClrMapping/>
-  </p:clrMapOvr>
-</p:sldLayout>
-</file>
-
-<file path=ppt/slideLayouts/slideLayout3.xml><?xml version="1.0" encoding="utf-8"?>
-<p:sldLayout xmlns:a="http://schemas.openxmlformats.org/drawingml/2006/main" xmlns:r="http://schemas.openxmlformats.org/officeDocument/2006/relationships" xmlns:p="http://schemas.openxmlformats.org/presentationml/2006/main" showMasterSp="0" type="secHead" preserve="1">
-  <p:cSld name="Section Header">
-    <p:bg>
-      <p:bgPr>
-        <a:solidFill>
-          <a:schemeClr val="bg1"/>
-        </a:solidFill>
-        <a:effectLst/>
-      </p:bgPr>
-    </p:bg>
-    <p:spTree>
-      <p:nvGrpSpPr>
-        <p:cNvPr id="1" name=""/>
-        <p:cNvGrpSpPr/>
-        <p:nvPr/>
-      </p:nvGrpSpPr>
-      <p:grpSpPr>
-        <a:xfrm>
-          <a:off x="0" y="0"/>
-          <a:ext cx="0" cy="0"/>
-          <a:chOff x="0" y="0"/>
-          <a:chExt cx="0" cy="0"/>
-        </a:xfrm>
-      </p:grpSpPr>
-      <p:sp>
-        <p:nvSpPr>
-          <p:cNvPr id="7" name="Rectangle 6"/>
-          <p:cNvSpPr/>
-          <p:nvPr/>
-        </p:nvSpPr>
-        <p:spPr>
-          <a:xfrm>
-            <a:off x="3175" y="6400800"/>
-            <a:ext cx="12188825" cy="457200"/>
-          </a:xfrm>
-          <a:prstGeom prst="rect">
-            <a:avLst/>
-          </a:prstGeom>
-          <a:solidFill>
-            <a:schemeClr val="accent2"/>
-          </a:solidFill>
-          <a:ln>
-            <a:noFill/>
-          </a:ln>
-        </p:spPr>
-        <p:style>
-          <a:lnRef idx="2">
-            <a:schemeClr val="accent1">
-              <a:shade val="50000"/>
-            </a:schemeClr>
-          </a:lnRef>
-          <a:fillRef idx="1">
-            <a:schemeClr val="accent1"/>
-          </a:fillRef>
-          <a:effectRef idx="0">
-            <a:schemeClr val="accent1"/>
-          </a:effectRef>
-          <a:fontRef idx="minor">
-            <a:schemeClr val="lt1"/>
-          </a:fontRef>
-        </p:style>
-      </p:sp>
-      <p:sp>
-        <p:nvSpPr>
-          <p:cNvPr id="8" name="Rectangle 7"/>
-          <p:cNvSpPr/>
-          <p:nvPr/>
-        </p:nvSpPr>
-        <p:spPr>
-          <a:xfrm>
-            <a:off x="15" y="6334316"/>
-            <a:ext cx="12188825" cy="64008"/>
-          </a:xfrm>
-          <a:prstGeom prst="rect">
-            <a:avLst/>
-          </a:prstGeom>
-          <a:solidFill>
-            <a:schemeClr val="accent1"/>
-          </a:solidFill>
-          <a:ln>
-            <a:noFill/>
-          </a:ln>
-        </p:spPr>
-        <p:style>
-          <a:lnRef idx="2">
-            <a:schemeClr val="accent1">
-              <a:shade val="50000"/>
-            </a:schemeClr>
-          </a:lnRef>
-          <a:fillRef idx="1">
-            <a:schemeClr val="accent1"/>
-          </a:fillRef>
-          <a:effectRef idx="0">
-            <a:schemeClr val="accent1"/>
-          </a:effectRef>
-          <a:fontRef idx="minor">
-            <a:schemeClr val="lt1"/>
-          </a:fontRef>
-        </p:style>
-      </p:sp>
-      <p:sp>
-        <p:nvSpPr>
-          <p:cNvPr id="2" name="Title 1"/>
-          <p:cNvSpPr>
-            <a:spLocks noGrp="1"/>
-          </p:cNvSpPr>
-          <p:nvPr>
-            <p:ph type="title"/>
-          </p:nvPr>
-        </p:nvSpPr>
-        <p:spPr>
-          <a:xfrm>
-            <a:off x="1097280" y="758952"/>
-            <a:ext cx="10058400" cy="3566160"/>
-          </a:xfrm>
-        </p:spPr>
-        <p:txBody>
-          <a:bodyPr anchor="b" anchorCtr="0">
-            <a:normAutofit/>
-          </a:bodyPr>
-          <a:lstStyle>
-            <a:lvl1pPr>
-              <a:lnSpc>
-                <a:spcPct val="85000"/>
-              </a:lnSpc>
-              <a:defRPr sz="8000" b="0">
-                <a:solidFill>
-                  <a:schemeClr val="tx1">
-                    <a:lumMod val="85000"/>
-                    <a:lumOff val="15000"/>
-                  </a:schemeClr>
-                </a:solidFill>
-              </a:defRPr>
-            </a:lvl1pPr>
-          </a:lstStyle>
-          <a:p>
-            <a:r>
-              <a:rPr lang="en-US" smtClean="0"/>
-              <a:t>Click to edit Master title style</a:t>
-            </a:r>
-            <a:endParaRPr lang="en-US" dirty="0"/>
-          </a:p>
-        </p:txBody>
-      </p:sp>
-      <p:sp>
-        <p:nvSpPr>
-          <p:cNvPr id="3" name="Text Placeholder 2"/>
-          <p:cNvSpPr>
-            <a:spLocks noGrp="1"/>
-          </p:cNvSpPr>
-          <p:nvPr>
-            <p:ph type="body" idx="1"/>
-          </p:nvPr>
-        </p:nvSpPr>
-        <p:spPr>
-          <a:xfrm>
-            <a:off x="1097280" y="4453128"/>
-            <a:ext cx="10058400" cy="1143000"/>
-          </a:xfrm>
-        </p:spPr>
-        <p:txBody>
-          <a:bodyPr lIns="91440" rIns="91440" anchor="t" anchorCtr="0">
-            <a:normAutofit/>
-          </a:bodyPr>
-          <a:lstStyle>
-            <a:lvl1pPr marL="0" indent="0">
-              <a:buNone/>
-              <a:defRPr sz="2400" cap="all" spc="200" baseline="0">
-                <a:solidFill>
-                  <a:schemeClr val="tx2"/>
-                </a:solidFill>
-                <a:latin typeface="+mj-lt"/>
-              </a:defRPr>
-            </a:lvl1pPr>
-            <a:lvl2pPr marL="457200" indent="0">
-              <a:buNone/>
-              <a:defRPr sz="1800">
-                <a:solidFill>
-                  <a:schemeClr val="tx1">
-                    <a:tint val="75000"/>
-                  </a:schemeClr>
-                </a:solidFill>
-              </a:defRPr>
-            </a:lvl2pPr>
-            <a:lvl3pPr marL="914400" indent="0">
-              <a:buNone/>
-              <a:defRPr sz="1600">
-                <a:solidFill>
-                  <a:schemeClr val="tx1">
-                    <a:tint val="75000"/>
-                  </a:schemeClr>
-                </a:solidFill>
-              </a:defRPr>
-            </a:lvl3pPr>
-            <a:lvl4pPr marL="1371600" indent="0">
-              <a:buNone/>
-              <a:defRPr sz="1400">
-                <a:solidFill>
-                  <a:schemeClr val="tx1">
-                    <a:tint val="75000"/>
-                  </a:schemeClr>
-                </a:solidFill>
-              </a:defRPr>
-            </a:lvl4pPr>
-            <a:lvl5pPr marL="1828800" indent="0">
-              <a:buNone/>
-              <a:defRPr sz="1400">
-                <a:solidFill>
-                  <a:schemeClr val="tx1">
-                    <a:tint val="75000"/>
-                  </a:schemeClr>
-                </a:solidFill>
-              </a:defRPr>
-            </a:lvl5pPr>
-            <a:lvl6pPr marL="2286000" indent="0">
-              <a:buNone/>
-              <a:defRPr sz="1400">
-                <a:solidFill>
-                  <a:schemeClr val="tx1">
-                    <a:tint val="75000"/>
-                  </a:schemeClr>
-                </a:solidFill>
-              </a:defRPr>
-            </a:lvl6pPr>
-            <a:lvl7pPr marL="2743200" indent="0">
-              <a:buNone/>
-              <a:defRPr sz="1400">
-                <a:solidFill>
-                  <a:schemeClr val="tx1">
-                    <a:tint val="75000"/>
-                  </a:schemeClr>
-                </a:solidFill>
-              </a:defRPr>
-            </a:lvl7pPr>
-            <a:lvl8pPr marL="3200400" indent="0">
-              <a:buNone/>
-              <a:defRPr sz="1400">
-                <a:solidFill>
-                  <a:schemeClr val="tx1">
-                    <a:tint val="75000"/>
-                  </a:schemeClr>
-                </a:solidFill>
-              </a:defRPr>
-            </a:lvl8pPr>
-            <a:lvl9pPr marL="3657600" indent="0">
-              <a:buNone/>
-              <a:defRPr sz="1400">
-                <a:solidFill>
-                  <a:schemeClr val="tx1">
-                    <a:tint val="75000"/>
-                  </a:schemeClr>
-                </a:solidFill>
-              </a:defRPr>
-            </a:lvl9pPr>
-          </a:lstStyle>
-          <a:p>
-            <a:pPr lvl="0"/>
-            <a:r>
-              <a:rPr lang="en-US" smtClean="0"/>
-              <a:t>Edit Master text styles</a:t>
-            </a:r>
-          </a:p>
-        </p:txBody>
-      </p:sp>
-      <p:sp>
-        <p:nvSpPr>
-          <p:cNvPr id="4" name="Date Placeholder 3"/>
-          <p:cNvSpPr>
-            <a:spLocks noGrp="1"/>
-          </p:cNvSpPr>
-          <p:nvPr>
-            <p:ph type="dt" sz="half" idx="10"/>
-          </p:nvPr>
-        </p:nvSpPr>
-        <p:spPr/>
-        <p:txBody>
-          <a:bodyPr/>
-          <a:lstStyle/>
-          <a:p>
-            <a:fld id="{AB21D1C1-A974-4CDD-890D-2FCDFA70CDD6}" type="datetimeFigureOut">
-              <a:rPr lang="en-US" smtClean="0"/>
-              <a:t>1/1/2019</a:t>
-            </a:fld>
-            <a:endParaRPr lang="en-US"/>
-          </a:p>
-        </p:txBody>
-      </p:sp>
-      <p:sp>
-        <p:nvSpPr>
-          <p:cNvPr id="5" name="Footer Placeholder 4"/>
-          <p:cNvSpPr>
-            <a:spLocks noGrp="1"/>
-          </p:cNvSpPr>
-          <p:nvPr>
-            <p:ph type="ftr" sz="quarter" idx="11"/>
-          </p:nvPr>
-        </p:nvSpPr>
-        <p:spPr/>
-        <p:txBody>
-          <a:bodyPr/>
-          <a:lstStyle/>
-          <a:p>
-            <a:endParaRPr lang="en-US"/>
-          </a:p>
-        </p:txBody>
-      </p:sp>
-      <p:sp>
-        <p:nvSpPr>
-          <p:cNvPr id="6" name="Slide Number Placeholder 5"/>
-          <p:cNvSpPr>
-            <a:spLocks noGrp="1"/>
-          </p:cNvSpPr>
-          <p:nvPr>
-            <p:ph type="sldNum" sz="quarter" idx="12"/>
-          </p:nvPr>
-        </p:nvSpPr>
-        <p:spPr/>
-        <p:txBody>
-          <a:bodyPr/>
-          <a:lstStyle/>
-          <a:p>
-            <a:fld id="{3DA290FA-9F37-491D-8A3F-EBC8B973C70B}" type="slidenum">
-              <a:rPr lang="en-US" smtClean="0"/>
-              <a:t>‹#›</a:t>
-            </a:fld>
-            <a:endParaRPr lang="en-US"/>
-          </a:p>
-        </p:txBody>
-      </p:sp>
-      <p:cxnSp>
-        <p:nvCxnSpPr>
-          <p:cNvPr id="9" name="Straight Connector 8"/>
-          <p:cNvCxnSpPr/>
-          <p:nvPr/>
-        </p:nvCxnSpPr>
-        <p:spPr>
-          <a:xfrm>
-            <a:off x="1207658" y="4343400"/>
-            <a:ext cx="9875520" cy="0"/>
-          </a:xfrm>
-          <a:prstGeom prst="line">
-            <a:avLst/>
-          </a:prstGeom>
-          <a:ln w="6350">
-            <a:solidFill>
-              <a:schemeClr val="tx1">
-                <a:lumMod val="50000"/>
-                <a:lumOff val="50000"/>
-              </a:schemeClr>
-            </a:solidFill>
-          </a:ln>
-        </p:spPr>
-        <p:style>
-          <a:lnRef idx="1">
-            <a:schemeClr val="accent1"/>
-          </a:lnRef>
-          <a:fillRef idx="0">
-            <a:schemeClr val="accent1"/>
-          </a:fillRef>
-          <a:effectRef idx="0">
-            <a:schemeClr val="accent1"/>
-          </a:effectRef>
-          <a:fontRef idx="minor">
-            <a:schemeClr val="tx1"/>
-          </a:fontRef>
-        </p:style>
-      </p:cxnSp>
-    </p:spTree>
-    <p:extLst>
-      <p:ext uri="{BB962C8B-B14F-4D97-AF65-F5344CB8AC3E}">
-        <p14:creationId xmlns:p14="http://schemas.microsoft.com/office/powerpoint/2010/main" val="2965897416"/>
-      </p:ext>
-    </p:extLst>
-  </p:cSld>
-  <p:clrMapOvr>
-    <a:masterClrMapping/>
-  </p:clrMapOvr>
-</p:sldLayout>
-</file>
-
-<file path=ppt/slideLayouts/slideLayout4.xml><?xml version="1.0" encoding="utf-8"?>
-<p:sldLayout xmlns:a="http://schemas.openxmlformats.org/drawingml/2006/main" xmlns:r="http://schemas.openxmlformats.org/officeDocument/2006/relationships" xmlns:p="http://schemas.openxmlformats.org/presentationml/2006/main" type="twoObj" preserve="1">
-  <p:cSld name="Two Content">
-    <p:spTree>
-      <p:nvGrpSpPr>
-        <p:cNvPr id="1" name=""/>
-        <p:cNvGrpSpPr/>
-        <p:nvPr/>
-      </p:nvGrpSpPr>
-      <p:grpSpPr>
-        <a:xfrm>
-          <a:off x="0" y="0"/>
-          <a:ext cx="0" cy="0"/>
-          <a:chOff x="0" y="0"/>
-          <a:chExt cx="0" cy="0"/>
-        </a:xfrm>
-      </p:grpSpPr>
-      <p:sp>
-        <p:nvSpPr>
-          <p:cNvPr id="8" name="Title 7"/>
-          <p:cNvSpPr>
-            <a:spLocks noGrp="1"/>
-          </p:cNvSpPr>
-          <p:nvPr>
-            <p:ph type="title"/>
-          </p:nvPr>
-        </p:nvSpPr>
-        <p:spPr>
-          <a:xfrm>
-            <a:off x="1097280" y="286604"/>
-            <a:ext cx="10058400" cy="766342"/>
-          </a:xfrm>
-        </p:spPr>
-        <p:txBody>
-          <a:bodyPr/>
-          <a:lstStyle/>
-          <a:p>
-            <a:r>
-              <a:rPr lang="en-US" smtClean="0"/>
-              <a:t>Click to edit Master title style</a:t>
-            </a:r>
-            <a:endParaRPr lang="en-US" dirty="0"/>
-          </a:p>
-        </p:txBody>
-      </p:sp>
-      <p:sp>
-        <p:nvSpPr>
-          <p:cNvPr id="3" name="Content Placeholder 2"/>
-          <p:cNvSpPr>
-            <a:spLocks noGrp="1"/>
-          </p:cNvSpPr>
-          <p:nvPr>
-            <p:ph sz="half" idx="1"/>
-          </p:nvPr>
-        </p:nvSpPr>
-        <p:spPr>
-          <a:xfrm>
-            <a:off x="1097279" y="1126836"/>
-            <a:ext cx="4937760" cy="4742258"/>
-          </a:xfrm>
-        </p:spPr>
-        <p:txBody>
-          <a:bodyPr/>
-          <a:lstStyle/>
-          <a:p>
-            <a:pPr lvl="0"/>
-            <a:r>
-              <a:rPr lang="en-US" smtClean="0"/>
-              <a:t>Edit Master text styles</a:t>
-            </a:r>
-          </a:p>
-          <a:p>
-            <a:pPr lvl="1"/>
-            <a:r>
-              <a:rPr lang="en-US" smtClean="0"/>
-              <a:t>Second level</a:t>
-            </a:r>
-          </a:p>
-          <a:p>
-            <a:pPr lvl="2"/>
-            <a:r>
-              <a:rPr lang="en-US" smtClean="0"/>
-              <a:t>Third level</a:t>
-            </a:r>
-          </a:p>
-          <a:p>
-            <a:pPr lvl="3"/>
-            <a:r>
-              <a:rPr lang="en-US" smtClean="0"/>
-              <a:t>Fourth level</a:t>
-            </a:r>
-          </a:p>
-          <a:p>
-            <a:pPr lvl="4"/>
-            <a:r>
-              <a:rPr lang="en-US" smtClean="0"/>
-              <a:t>Fifth level</a:t>
-            </a:r>
-            <a:endParaRPr lang="en-US" dirty="0"/>
-          </a:p>
-        </p:txBody>
-      </p:sp>
-      <p:sp>
-        <p:nvSpPr>
-          <p:cNvPr id="4" name="Content Placeholder 3"/>
-          <p:cNvSpPr>
-            <a:spLocks noGrp="1"/>
-          </p:cNvSpPr>
-          <p:nvPr>
-            <p:ph sz="half" idx="2"/>
-          </p:nvPr>
-        </p:nvSpPr>
-        <p:spPr>
-          <a:xfrm>
-            <a:off x="6217920" y="1126836"/>
-            <a:ext cx="4937760" cy="4742259"/>
-          </a:xfrm>
-        </p:spPr>
-        <p:txBody>
-          <a:bodyPr/>
-          <a:lstStyle/>
-          <a:p>
-            <a:pPr lvl="0"/>
-            <a:r>
-              <a:rPr lang="en-US" smtClean="0"/>
-              <a:t>Edit Master text styles</a:t>
-            </a:r>
-          </a:p>
-          <a:p>
-            <a:pPr lvl="1"/>
-            <a:r>
-              <a:rPr lang="en-US" smtClean="0"/>
-              <a:t>Second level</a:t>
-            </a:r>
-          </a:p>
-          <a:p>
-            <a:pPr lvl="2"/>
-            <a:r>
-              <a:rPr lang="en-US" smtClean="0"/>
-              <a:t>Third level</a:t>
-            </a:r>
-          </a:p>
-          <a:p>
-            <a:pPr lvl="3"/>
-            <a:r>
-              <a:rPr lang="en-US" smtClean="0"/>
-              <a:t>Fourth level</a:t>
-            </a:r>
-          </a:p>
-          <a:p>
-            <a:pPr lvl="4"/>
-            <a:r>
-              <a:rPr lang="en-US" smtClean="0"/>
-              <a:t>Fifth level</a:t>
-            </a:r>
-            <a:endParaRPr lang="en-US" dirty="0"/>
-          </a:p>
-        </p:txBody>
-      </p:sp>
-      <p:sp>
-        <p:nvSpPr>
-          <p:cNvPr id="5" name="Date Placeholder 4"/>
-          <p:cNvSpPr>
-            <a:spLocks noGrp="1"/>
-          </p:cNvSpPr>
-          <p:nvPr>
-            <p:ph type="dt" sz="half" idx="10"/>
-          </p:nvPr>
-        </p:nvSpPr>
-        <p:spPr/>
-        <p:txBody>
-          <a:bodyPr/>
-          <a:lstStyle/>
-          <a:p>
-            <a:fld id="{AB21D1C1-A974-4CDD-890D-2FCDFA70CDD6}" type="datetimeFigureOut">
-              <a:rPr lang="en-US" smtClean="0"/>
-              <a:t>1/1/2019</a:t>
-            </a:fld>
-            <a:endParaRPr lang="en-US"/>
-          </a:p>
-        </p:txBody>
-      </p:sp>
-      <p:sp>
-        <p:nvSpPr>
-          <p:cNvPr id="6" name="Footer Placeholder 5"/>
-          <p:cNvSpPr>
-            <a:spLocks noGrp="1"/>
-          </p:cNvSpPr>
-          <p:nvPr>
-            <p:ph type="ftr" sz="quarter" idx="11"/>
-          </p:nvPr>
-        </p:nvSpPr>
-        <p:spPr/>
-        <p:txBody>
-          <a:bodyPr/>
-          <a:lstStyle/>
-          <a:p>
-            <a:endParaRPr lang="en-US"/>
-          </a:p>
-        </p:txBody>
-      </p:sp>
-      <p:sp>
-        <p:nvSpPr>
-          <p:cNvPr id="7" name="Slide Number Placeholder 6"/>
-          <p:cNvSpPr>
-            <a:spLocks noGrp="1"/>
-          </p:cNvSpPr>
-          <p:nvPr>
-            <p:ph type="sldNum" sz="quarter" idx="12"/>
-          </p:nvPr>
-        </p:nvSpPr>
-        <p:spPr/>
-        <p:txBody>
-          <a:bodyPr/>
-          <a:lstStyle/>
-          <a:p>
-            <a:fld id="{3DA290FA-9F37-491D-8A3F-EBC8B973C70B}" type="slidenum">
-              <a:rPr lang="en-US" smtClean="0"/>
-              <a:t>‹#›</a:t>
-            </a:fld>
-            <a:endParaRPr lang="en-US"/>
-          </a:p>
-        </p:txBody>
-      </p:sp>
-    </p:spTree>
-    <p:extLst>
-      <p:ext uri="{BB962C8B-B14F-4D97-AF65-F5344CB8AC3E}">
-        <p14:creationId xmlns:p14="http://schemas.microsoft.com/office/powerpoint/2010/main" val="1115330155"/>
-      </p:ext>
-    </p:extLst>
-  </p:cSld>
-  <p:clrMapOvr>
-    <a:masterClrMapping/>
-  </p:clrMapOvr>
-</p:sldLayout>
-</file>
-
-<file path=ppt/slideLayouts/slideLayout5.xml><?xml version="1.0" encoding="utf-8"?>
-<p:sldLayout xmlns:a="http://schemas.openxmlformats.org/drawingml/2006/main" xmlns:r="http://schemas.openxmlformats.org/officeDocument/2006/relationships" xmlns:p="http://schemas.openxmlformats.org/presentationml/2006/main" type="twoTxTwoObj" preserve="1">
-  <p:cSld name="Comparison">
-    <p:spTree>
-      <p:nvGrpSpPr>
-        <p:cNvPr id="1" name=""/>
-        <p:cNvGrpSpPr/>
-        <p:nvPr/>
-      </p:nvGrpSpPr>
-      <p:grpSpPr>
-        <a:xfrm>
-          <a:off x="0" y="0"/>
-          <a:ext cx="0" cy="0"/>
-          <a:chOff x="0" y="0"/>
-          <a:chExt cx="0" cy="0"/>
-        </a:xfrm>
-      </p:grpSpPr>
-      <p:sp>
-        <p:nvSpPr>
-          <p:cNvPr id="10" name="Title 9"/>
-          <p:cNvSpPr>
-            <a:spLocks noGrp="1"/>
-          </p:cNvSpPr>
-          <p:nvPr>
-            <p:ph type="title"/>
-          </p:nvPr>
-        </p:nvSpPr>
-        <p:spPr>
-          <a:xfrm>
-            <a:off x="1097280" y="286604"/>
-            <a:ext cx="10058400" cy="766342"/>
-          </a:xfrm>
-        </p:spPr>
-        <p:txBody>
-          <a:bodyPr/>
-          <a:lstStyle/>
-          <a:p>
-            <a:r>
-              <a:rPr lang="en-US" smtClean="0"/>
-              <a:t>Click to edit Master title style</a:t>
-            </a:r>
-            <a:endParaRPr lang="en-US" dirty="0"/>
-          </a:p>
-        </p:txBody>
-      </p:sp>
-      <p:sp>
-        <p:nvSpPr>
-          <p:cNvPr id="3" name="Text Placeholder 2"/>
-          <p:cNvSpPr>
-            <a:spLocks noGrp="1"/>
-          </p:cNvSpPr>
-          <p:nvPr>
-            <p:ph type="body" idx="1"/>
-          </p:nvPr>
-        </p:nvSpPr>
-        <p:spPr>
-          <a:xfrm>
-            <a:off x="1097280" y="1135555"/>
-            <a:ext cx="4937760" cy="736282"/>
-          </a:xfrm>
-        </p:spPr>
-        <p:txBody>
-          <a:bodyPr lIns="91440" rIns="91440" anchor="ctr">
-            <a:normAutofit/>
-          </a:bodyPr>
-          <a:lstStyle>
-            <a:lvl1pPr marL="0" indent="0">
-              <a:buNone/>
-              <a:defRPr sz="2000" b="0" cap="all" baseline="0">
-                <a:solidFill>
-                  <a:schemeClr val="tx2"/>
-                </a:solidFill>
-              </a:defRPr>
-            </a:lvl1pPr>
-            <a:lvl2pPr marL="457200" indent="0">
-              <a:buNone/>
-              <a:defRPr sz="2000" b="1"/>
-            </a:lvl2pPr>
-            <a:lvl3pPr marL="914400" indent="0">
-              <a:buNone/>
-              <a:defRPr sz="1800" b="1"/>
-            </a:lvl3pPr>
-            <a:lvl4pPr marL="1371600" indent="0">
-              <a:buNone/>
-              <a:defRPr sz="1600" b="1"/>
-            </a:lvl4pPr>
-            <a:lvl5pPr marL="1828800" indent="0">
-              <a:buNone/>
-              <a:defRPr sz="1600" b="1"/>
-            </a:lvl5pPr>
-            <a:lvl6pPr marL="2286000" indent="0">
-              <a:buNone/>
-              <a:defRPr sz="1600" b="1"/>
-            </a:lvl6pPr>
-            <a:lvl7pPr marL="2743200" indent="0">
-              <a:buNone/>
-              <a:defRPr sz="1600" b="1"/>
-            </a:lvl7pPr>
-            <a:lvl8pPr marL="3200400" indent="0">
-              <a:buNone/>
-              <a:defRPr sz="1600" b="1"/>
-            </a:lvl8pPr>
-            <a:lvl9pPr marL="3657600" indent="0">
-              <a:buNone/>
-              <a:defRPr sz="1600" b="1"/>
-            </a:lvl9pPr>
-          </a:lstStyle>
-          <a:p>
-            <a:pPr lvl="0"/>
-            <a:r>
-              <a:rPr lang="en-US" smtClean="0"/>
-              <a:t>Edit Master text styles</a:t>
-            </a:r>
-          </a:p>
-        </p:txBody>
-      </p:sp>
-      <p:sp>
-        <p:nvSpPr>
-          <p:cNvPr id="4" name="Content Placeholder 3"/>
-          <p:cNvSpPr>
-            <a:spLocks noGrp="1"/>
-          </p:cNvSpPr>
-          <p:nvPr>
-            <p:ph sz="half" idx="2"/>
-          </p:nvPr>
-        </p:nvSpPr>
-        <p:spPr>
-          <a:xfrm>
-            <a:off x="1097280" y="1954446"/>
-            <a:ext cx="4937760" cy="4006088"/>
-          </a:xfrm>
-        </p:spPr>
-        <p:txBody>
-          <a:bodyPr/>
-          <a:lstStyle/>
-          <a:p>
-            <a:pPr lvl="0"/>
-            <a:r>
-              <a:rPr lang="en-US" smtClean="0"/>
-              <a:t>Edit Master text styles</a:t>
-            </a:r>
-          </a:p>
-          <a:p>
-            <a:pPr lvl="1"/>
-            <a:r>
-              <a:rPr lang="en-US" smtClean="0"/>
-              <a:t>Second level</a:t>
-            </a:r>
-          </a:p>
-          <a:p>
-            <a:pPr lvl="2"/>
-            <a:r>
-              <a:rPr lang="en-US" smtClean="0"/>
-              <a:t>Third level</a:t>
-            </a:r>
-          </a:p>
-          <a:p>
-            <a:pPr lvl="3"/>
-            <a:r>
-              <a:rPr lang="en-US" smtClean="0"/>
-              <a:t>Fourth level</a:t>
-            </a:r>
-          </a:p>
-          <a:p>
-            <a:pPr lvl="4"/>
-            <a:r>
-              <a:rPr lang="en-US" smtClean="0"/>
-              <a:t>Fifth level</a:t>
-            </a:r>
-            <a:endParaRPr lang="en-US" dirty="0"/>
-          </a:p>
-        </p:txBody>
-      </p:sp>
-      <p:sp>
-        <p:nvSpPr>
-          <p:cNvPr id="5" name="Text Placeholder 4"/>
-          <p:cNvSpPr>
-            <a:spLocks noGrp="1"/>
-          </p:cNvSpPr>
-          <p:nvPr>
-            <p:ph type="body" sz="quarter" idx="3"/>
-          </p:nvPr>
-        </p:nvSpPr>
-        <p:spPr>
-          <a:xfrm>
-            <a:off x="6217920" y="1135555"/>
-            <a:ext cx="4937760" cy="736282"/>
-          </a:xfrm>
-        </p:spPr>
-        <p:txBody>
-          <a:bodyPr lIns="91440" rIns="91440" anchor="ctr">
-            <a:normAutofit/>
-          </a:bodyPr>
-          <a:lstStyle>
-            <a:lvl1pPr marL="0" indent="0">
-              <a:buNone/>
-              <a:defRPr sz="2000" b="0" cap="all" baseline="0">
-                <a:solidFill>
-                  <a:schemeClr val="tx2"/>
-                </a:solidFill>
-              </a:defRPr>
-            </a:lvl1pPr>
-            <a:lvl2pPr marL="457200" indent="0">
-              <a:buNone/>
-              <a:defRPr sz="2000" b="1"/>
-            </a:lvl2pPr>
-            <a:lvl3pPr marL="914400" indent="0">
-              <a:buNone/>
-              <a:defRPr sz="1800" b="1"/>
-            </a:lvl3pPr>
-            <a:lvl4pPr marL="1371600" indent="0">
-              <a:buNone/>
-              <a:defRPr sz="1600" b="1"/>
-            </a:lvl4pPr>
-            <a:lvl5pPr marL="1828800" indent="0">
-              <a:buNone/>
-              <a:defRPr sz="1600" b="1"/>
-            </a:lvl5pPr>
-            <a:lvl6pPr marL="2286000" indent="0">
-              <a:buNone/>
-              <a:defRPr sz="1600" b="1"/>
-            </a:lvl6pPr>
-            <a:lvl7pPr marL="2743200" indent="0">
-              <a:buNone/>
-              <a:defRPr sz="1600" b="1"/>
-            </a:lvl7pPr>
-            <a:lvl8pPr marL="3200400" indent="0">
-              <a:buNone/>
-              <a:defRPr sz="1600" b="1"/>
-            </a:lvl8pPr>
-            <a:lvl9pPr marL="3657600" indent="0">
-              <a:buNone/>
-              <a:defRPr sz="1600" b="1"/>
-            </a:lvl9pPr>
-          </a:lstStyle>
-          <a:p>
-            <a:pPr lvl="0"/>
-            <a:r>
-              <a:rPr lang="en-US" smtClean="0"/>
-              <a:t>Edit Master text styles</a:t>
-            </a:r>
-          </a:p>
-        </p:txBody>
-      </p:sp>
-      <p:sp>
-        <p:nvSpPr>
-          <p:cNvPr id="6" name="Content Placeholder 5"/>
-          <p:cNvSpPr>
-            <a:spLocks noGrp="1"/>
-          </p:cNvSpPr>
-          <p:nvPr>
-            <p:ph sz="quarter" idx="4"/>
-          </p:nvPr>
-        </p:nvSpPr>
-        <p:spPr>
-          <a:xfrm>
-            <a:off x="6217920" y="1954446"/>
-            <a:ext cx="4937760" cy="4006088"/>
-          </a:xfrm>
-        </p:spPr>
-        <p:txBody>
-          <a:bodyPr/>
-          <a:lstStyle/>
-          <a:p>
-            <a:pPr lvl="0"/>
-            <a:r>
-              <a:rPr lang="en-US" smtClean="0"/>
-              <a:t>Edit Master text styles</a:t>
-            </a:r>
-          </a:p>
-          <a:p>
-            <a:pPr lvl="1"/>
-            <a:r>
-              <a:rPr lang="en-US" smtClean="0"/>
-              <a:t>Second level</a:t>
-            </a:r>
-          </a:p>
-          <a:p>
-            <a:pPr lvl="2"/>
-            <a:r>
-              <a:rPr lang="en-US" smtClean="0"/>
-              <a:t>Third level</a:t>
-            </a:r>
-          </a:p>
-          <a:p>
-            <a:pPr lvl="3"/>
-            <a:r>
-              <a:rPr lang="en-US" smtClean="0"/>
-              <a:t>Fourth level</a:t>
-            </a:r>
-          </a:p>
-          <a:p>
-            <a:pPr lvl="4"/>
-            <a:r>
-              <a:rPr lang="en-US" smtClean="0"/>
-              <a:t>Fifth level</a:t>
-            </a:r>
-            <a:endParaRPr lang="en-US" dirty="0"/>
-          </a:p>
-        </p:txBody>
-      </p:sp>
-      <p:sp>
-        <p:nvSpPr>
-          <p:cNvPr id="7" name="Date Placeholder 6"/>
-          <p:cNvSpPr>
-            <a:spLocks noGrp="1"/>
-          </p:cNvSpPr>
-          <p:nvPr>
-            <p:ph type="dt" sz="half" idx="10"/>
-          </p:nvPr>
-        </p:nvSpPr>
-        <p:spPr/>
-        <p:txBody>
-          <a:bodyPr/>
-          <a:lstStyle/>
-          <a:p>
-            <a:fld id="{AB21D1C1-A974-4CDD-890D-2FCDFA70CDD6}" type="datetimeFigureOut">
-              <a:rPr lang="en-US" smtClean="0"/>
-              <a:t>1/1/2019</a:t>
-            </a:fld>
-            <a:endParaRPr lang="en-US"/>
-          </a:p>
-        </p:txBody>
-      </p:sp>
-      <p:sp>
-        <p:nvSpPr>
-          <p:cNvPr id="8" name="Footer Placeholder 7"/>
-          <p:cNvSpPr>
-            <a:spLocks noGrp="1"/>
-          </p:cNvSpPr>
-          <p:nvPr>
-            <p:ph type="ftr" sz="quarter" idx="11"/>
-          </p:nvPr>
-        </p:nvSpPr>
-        <p:spPr/>
-        <p:txBody>
-          <a:bodyPr/>
-          <a:lstStyle/>
-          <a:p>
-            <a:endParaRPr lang="en-US"/>
-          </a:p>
-        </p:txBody>
-      </p:sp>
-      <p:sp>
-        <p:nvSpPr>
-          <p:cNvPr id="9" name="Slide Number Placeholder 8"/>
-          <p:cNvSpPr>
-            <a:spLocks noGrp="1"/>
-          </p:cNvSpPr>
-          <p:nvPr>
-            <p:ph type="sldNum" sz="quarter" idx="12"/>
-          </p:nvPr>
-        </p:nvSpPr>
-        <p:spPr/>
-        <p:txBody>
-          <a:bodyPr/>
-          <a:lstStyle/>
-          <a:p>
-            <a:fld id="{3DA290FA-9F37-491D-8A3F-EBC8B973C70B}" type="slidenum">
-              <a:rPr lang="en-US" smtClean="0"/>
-              <a:t>‹#›</a:t>
-            </a:fld>
-            <a:endParaRPr lang="en-US"/>
-          </a:p>
-        </p:txBody>
-      </p:sp>
-    </p:spTree>
-    <p:extLst>
-      <p:ext uri="{BB962C8B-B14F-4D97-AF65-F5344CB8AC3E}">
-        <p14:creationId xmlns:p14="http://schemas.microsoft.com/office/powerpoint/2010/main" val="3719397530"/>
-      </p:ext>
-    </p:extLst>
-  </p:cSld>
-  <p:clrMapOvr>
-    <a:masterClrMapping/>
-  </p:clrMapOvr>
-</p:sldLayout>
-</file>
-
-<file path=ppt/slideLayouts/slideLayout6.xml><?xml version="1.0" encoding="utf-8"?>
-<p:sldLayout xmlns:a="http://schemas.openxmlformats.org/drawingml/2006/main" xmlns:r="http://schemas.openxmlformats.org/officeDocument/2006/relationships" xmlns:p="http://schemas.openxmlformats.org/presentationml/2006/main" type="titleOnly" preserve="1">
-  <p:cSld name="Title Only">
-    <p:spTree>
-      <p:nvGrpSpPr>
-        <p:cNvPr id="1" name=""/>
-        <p:cNvGrpSpPr/>
-        <p:nvPr/>
-      </p:nvGrpSpPr>
-      <p:grpSpPr>
-        <a:xfrm>
-          <a:off x="0" y="0"/>
-          <a:ext cx="0" cy="0"/>
-          <a:chOff x="0" y="0"/>
-          <a:chExt cx="0" cy="0"/>
-        </a:xfrm>
-      </p:grpSpPr>
-      <p:sp>
-        <p:nvSpPr>
-          <p:cNvPr id="2" name="Title 1"/>
-          <p:cNvSpPr>
-            <a:spLocks noGrp="1"/>
-          </p:cNvSpPr>
-          <p:nvPr>
-            <p:ph type="title"/>
-          </p:nvPr>
-        </p:nvSpPr>
-        <p:spPr/>
-        <p:txBody>
-          <a:bodyPr/>
-          <a:lstStyle/>
-          <a:p>
-            <a:r>
-              <a:rPr lang="en-US" smtClean="0"/>
-              <a:t>Click to edit Master title style</a:t>
-            </a:r>
-            <a:endParaRPr lang="en-US" dirty="0"/>
-          </a:p>
-        </p:txBody>
-      </p:sp>
-      <p:sp>
-        <p:nvSpPr>
-          <p:cNvPr id="3" name="Date Placeholder 2"/>
-          <p:cNvSpPr>
-            <a:spLocks noGrp="1"/>
-          </p:cNvSpPr>
-          <p:nvPr>
-            <p:ph type="dt" sz="half" idx="10"/>
-          </p:nvPr>
-        </p:nvSpPr>
-        <p:spPr/>
-        <p:txBody>
-          <a:bodyPr/>
-          <a:lstStyle/>
-          <a:p>
-            <a:fld id="{AB21D1C1-A974-4CDD-890D-2FCDFA70CDD6}" type="datetimeFigureOut">
-              <a:rPr lang="en-US" smtClean="0"/>
-              <a:t>1/1/2019</a:t>
-            </a:fld>
-            <a:endParaRPr lang="en-US"/>
-          </a:p>
-        </p:txBody>
-      </p:sp>
-      <p:sp>
-        <p:nvSpPr>
-          <p:cNvPr id="4" name="Footer Placeholder 3"/>
-          <p:cNvSpPr>
-            <a:spLocks noGrp="1"/>
-          </p:cNvSpPr>
-          <p:nvPr>
-            <p:ph type="ftr" sz="quarter" idx="11"/>
-          </p:nvPr>
-        </p:nvSpPr>
-        <p:spPr/>
-        <p:txBody>
-          <a:bodyPr/>
-          <a:lstStyle/>
-          <a:p>
-            <a:endParaRPr lang="en-US"/>
-          </a:p>
-        </p:txBody>
-      </p:sp>
-      <p:sp>
-        <p:nvSpPr>
-          <p:cNvPr id="5" name="Slide Number Placeholder 4"/>
-          <p:cNvSpPr>
-            <a:spLocks noGrp="1"/>
-          </p:cNvSpPr>
-          <p:nvPr>
-            <p:ph type="sldNum" sz="quarter" idx="12"/>
-          </p:nvPr>
-        </p:nvSpPr>
-        <p:spPr/>
-        <p:txBody>
-          <a:bodyPr/>
-          <a:lstStyle/>
-          <a:p>
-            <a:fld id="{3DA290FA-9F37-491D-8A3F-EBC8B973C70B}" type="slidenum">
-              <a:rPr lang="en-US" smtClean="0"/>
-              <a:t>‹#›</a:t>
-            </a:fld>
-            <a:endParaRPr lang="en-US"/>
-          </a:p>
-        </p:txBody>
-      </p:sp>
-    </p:spTree>
-    <p:extLst>
-      <p:ext uri="{BB962C8B-B14F-4D97-AF65-F5344CB8AC3E}">
-        <p14:creationId xmlns:p14="http://schemas.microsoft.com/office/powerpoint/2010/main" val="923803621"/>
-      </p:ext>
-    </p:extLst>
-  </p:cSld>
-  <p:clrMapOvr>
-    <a:masterClrMapping/>
-  </p:clrMapOvr>
-</p:sldLayout>
-</file>
-
-<file path=ppt/slideLayouts/slideLayout7.xml><?xml version="1.0" encoding="utf-8"?>
-<p:sldLayout xmlns:a="http://schemas.openxmlformats.org/drawingml/2006/main" xmlns:r="http://schemas.openxmlformats.org/officeDocument/2006/relationships" xmlns:p="http://schemas.openxmlformats.org/presentationml/2006/main" showMasterSp="0" type="blank" preserve="1">
-  <p:cSld name="Blank">
-    <p:spTree>
-      <p:nvGrpSpPr>
-        <p:cNvPr id="1" name=""/>
-        <p:cNvGrpSpPr/>
-        <p:nvPr/>
-      </p:nvGrpSpPr>
-      <p:grpSpPr>
-        <a:xfrm>
-          <a:off x="0" y="0"/>
-          <a:ext cx="0" cy="0"/>
-          <a:chOff x="0" y="0"/>
-          <a:chExt cx="0" cy="0"/>
-        </a:xfrm>
-      </p:grpSpPr>
-      <p:sp>
-        <p:nvSpPr>
-          <p:cNvPr id="5" name="Rectangle 4"/>
-          <p:cNvSpPr/>
-          <p:nvPr/>
-        </p:nvSpPr>
-        <p:spPr>
-          <a:xfrm>
-            <a:off x="3175" y="6400800"/>
-            <a:ext cx="12188825" cy="457200"/>
-          </a:xfrm>
-          <a:prstGeom prst="rect">
-            <a:avLst/>
-          </a:prstGeom>
-          <a:solidFill>
-            <a:schemeClr val="accent2"/>
-          </a:solidFill>
-          <a:ln>
-            <a:noFill/>
-          </a:ln>
-        </p:spPr>
-        <p:style>
-          <a:lnRef idx="2">
-            <a:schemeClr val="accent1">
-              <a:shade val="50000"/>
-            </a:schemeClr>
-          </a:lnRef>
-          <a:fillRef idx="1">
-            <a:schemeClr val="accent1"/>
-          </a:fillRef>
-          <a:effectRef idx="0">
-            <a:schemeClr val="accent1"/>
-          </a:effectRef>
-          <a:fontRef idx="minor">
-            <a:schemeClr val="lt1"/>
-          </a:fontRef>
-        </p:style>
-      </p:sp>
-      <p:sp>
-        <p:nvSpPr>
-          <p:cNvPr id="6" name="Rectangle 5"/>
-          <p:cNvSpPr/>
-          <p:nvPr/>
-        </p:nvSpPr>
-        <p:spPr>
-          <a:xfrm>
-            <a:off x="15" y="6334316"/>
-            <a:ext cx="12188825" cy="64008"/>
-          </a:xfrm>
-          <a:prstGeom prst="rect">
-            <a:avLst/>
-          </a:prstGeom>
-          <a:solidFill>
-            <a:schemeClr val="accent1"/>
-          </a:solidFill>
-          <a:ln>
-            <a:noFill/>
-          </a:ln>
-        </p:spPr>
-        <p:style>
-          <a:lnRef idx="2">
-            <a:schemeClr val="accent1">
-              <a:shade val="50000"/>
-            </a:schemeClr>
-          </a:lnRef>
-          <a:fillRef idx="1">
-            <a:schemeClr val="accent1"/>
-          </a:fillRef>
-          <a:effectRef idx="0">
-            <a:schemeClr val="accent1"/>
-          </a:effectRef>
-          <a:fontRef idx="minor">
-            <a:schemeClr val="lt1"/>
-          </a:fontRef>
-        </p:style>
-      </p:sp>
-      <p:sp>
-        <p:nvSpPr>
-          <p:cNvPr id="7" name="Date Placeholder 6"/>
-          <p:cNvSpPr>
-            <a:spLocks noGrp="1"/>
-          </p:cNvSpPr>
-          <p:nvPr>
-            <p:ph type="dt" sz="half" idx="10"/>
-          </p:nvPr>
-        </p:nvSpPr>
-        <p:spPr/>
-        <p:txBody>
-          <a:bodyPr/>
-          <a:lstStyle/>
-          <a:p>
-            <a:fld id="{AB21D1C1-A974-4CDD-890D-2FCDFA70CDD6}" type="datetimeFigureOut">
-              <a:rPr lang="en-US" smtClean="0"/>
-              <a:t>1/1/2019</a:t>
-            </a:fld>
-            <a:endParaRPr lang="en-US"/>
-          </a:p>
-        </p:txBody>
-      </p:sp>
-      <p:sp>
-        <p:nvSpPr>
-          <p:cNvPr id="8" name="Footer Placeholder 7"/>
-          <p:cNvSpPr>
-            <a:spLocks noGrp="1"/>
-          </p:cNvSpPr>
-          <p:nvPr>
-            <p:ph type="ftr" sz="quarter" idx="11"/>
-          </p:nvPr>
-        </p:nvSpPr>
-        <p:spPr/>
-        <p:txBody>
-          <a:bodyPr/>
-          <a:lstStyle>
-            <a:lvl1pPr>
-              <a:defRPr>
-                <a:solidFill>
-                  <a:srgbClr val="FFFFFF"/>
-                </a:solidFill>
-              </a:defRPr>
-            </a:lvl1pPr>
-          </a:lstStyle>
-          <a:p>
-            <a:endParaRPr lang="en-US"/>
-          </a:p>
-        </p:txBody>
-      </p:sp>
-      <p:sp>
-        <p:nvSpPr>
-          <p:cNvPr id="9" name="Slide Number Placeholder 8"/>
-          <p:cNvSpPr>
-            <a:spLocks noGrp="1"/>
-          </p:cNvSpPr>
-          <p:nvPr>
-            <p:ph type="sldNum" sz="quarter" idx="12"/>
-          </p:nvPr>
-        </p:nvSpPr>
-        <p:spPr/>
-        <p:txBody>
-          <a:bodyPr/>
-          <a:lstStyle/>
-          <a:p>
-            <a:fld id="{3DA290FA-9F37-491D-8A3F-EBC8B973C70B}" type="slidenum">
-              <a:rPr lang="en-US" smtClean="0"/>
-              <a:t>‹#›</a:t>
-            </a:fld>
-            <a:endParaRPr lang="en-US"/>
-          </a:p>
-        </p:txBody>
-      </p:sp>
-    </p:spTree>
-    <p:extLst>
-      <p:ext uri="{BB962C8B-B14F-4D97-AF65-F5344CB8AC3E}">
-        <p14:creationId xmlns:p14="http://schemas.microsoft.com/office/powerpoint/2010/main" val="3003983149"/>
-      </p:ext>
-    </p:extLst>
-  </p:cSld>
-  <p:clrMapOvr>
-    <a:masterClrMapping/>
-  </p:clrMapOvr>
-</p:sldLayout>
-</file>
-
-<file path=ppt/slideLayouts/slideLayout8.xml><?xml version="1.0" encoding="utf-8"?>
-<p:sldLayout xmlns:a="http://schemas.openxmlformats.org/drawingml/2006/main" xmlns:r="http://schemas.openxmlformats.org/officeDocument/2006/relationships" xmlns:p="http://schemas.openxmlformats.org/presentationml/2006/main" showMasterSp="0" type="objTx" preserve="1">
-  <p:cSld name="Content with Caption">
-    <p:spTree>
-      <p:nvGrpSpPr>
-        <p:cNvPr id="1" name=""/>
-        <p:cNvGrpSpPr/>
-        <p:nvPr/>
-      </p:nvGrpSpPr>
-      <p:grpSpPr>
-        <a:xfrm>
-          <a:off x="0" y="0"/>
-          <a:ext cx="0" cy="0"/>
-          <a:chOff x="0" y="0"/>
-          <a:chExt cx="0" cy="0"/>
-        </a:xfrm>
-      </p:grpSpPr>
-      <p:sp>
-        <p:nvSpPr>
-          <p:cNvPr id="8" name="Rectangle 7"/>
-          <p:cNvSpPr/>
-          <p:nvPr/>
-        </p:nvSpPr>
-        <p:spPr>
-          <a:xfrm>
-            <a:off x="16" y="0"/>
-            <a:ext cx="4050791" cy="6858000"/>
-          </a:xfrm>
-          <a:prstGeom prst="rect">
-            <a:avLst/>
-          </a:prstGeom>
-          <a:solidFill>
-            <a:schemeClr val="accent2"/>
-          </a:solidFill>
-          <a:ln>
-            <a:noFill/>
-          </a:ln>
-        </p:spPr>
-        <p:style>
-          <a:lnRef idx="2">
-            <a:schemeClr val="accent1">
-              <a:shade val="50000"/>
-            </a:schemeClr>
-          </a:lnRef>
-          <a:fillRef idx="1">
-            <a:schemeClr val="accent1"/>
-          </a:fillRef>
-          <a:effectRef idx="0">
-            <a:schemeClr val="accent1"/>
-          </a:effectRef>
-          <a:fontRef idx="minor">
-            <a:schemeClr val="lt1"/>
-          </a:fontRef>
-        </p:style>
-      </p:sp>
-      <p:sp>
-        <p:nvSpPr>
-          <p:cNvPr id="9" name="Rectangle 8"/>
-          <p:cNvSpPr/>
-          <p:nvPr/>
-        </p:nvSpPr>
-        <p:spPr>
-          <a:xfrm>
-            <a:off x="4040071" y="0"/>
-            <a:ext cx="64008" cy="6858000"/>
-          </a:xfrm>
-          <a:prstGeom prst="rect">
-            <a:avLst/>
-          </a:prstGeom>
-          <a:solidFill>
-            <a:schemeClr val="accent1"/>
-          </a:solidFill>
-          <a:ln>
-            <a:noFill/>
-          </a:ln>
-        </p:spPr>
-        <p:style>
-          <a:lnRef idx="2">
-            <a:schemeClr val="accent1">
-              <a:shade val="50000"/>
-            </a:schemeClr>
-          </a:lnRef>
-          <a:fillRef idx="1">
-            <a:schemeClr val="accent1"/>
-          </a:fillRef>
-          <a:effectRef idx="0">
-            <a:schemeClr val="accent1"/>
-          </a:effectRef>
-          <a:fontRef idx="minor">
-            <a:schemeClr val="lt1"/>
-          </a:fontRef>
-        </p:style>
-      </p:sp>
-      <p:sp>
-        <p:nvSpPr>
-          <p:cNvPr id="2" name="Title 1"/>
-          <p:cNvSpPr>
-            <a:spLocks noGrp="1"/>
-          </p:cNvSpPr>
-          <p:nvPr>
-            <p:ph type="title"/>
-          </p:nvPr>
-        </p:nvSpPr>
-        <p:spPr>
-          <a:xfrm>
-            <a:off x="457200" y="594359"/>
-            <a:ext cx="3200400" cy="2286000"/>
-          </a:xfrm>
-        </p:spPr>
-        <p:txBody>
-          <a:bodyPr anchor="b">
-            <a:normAutofit/>
-          </a:bodyPr>
-          <a:lstStyle>
-            <a:lvl1pPr>
-              <a:defRPr sz="3600" b="0">
-                <a:solidFill>
-                  <a:srgbClr val="FFFFFF"/>
-                </a:solidFill>
-              </a:defRPr>
-            </a:lvl1pPr>
-          </a:lstStyle>
-          <a:p>
-            <a:r>
-              <a:rPr lang="en-US" smtClean="0"/>
-              <a:t>Click to edit Master title style</a:t>
-            </a:r>
-            <a:endParaRPr lang="en-US" dirty="0"/>
-          </a:p>
-        </p:txBody>
-      </p:sp>
-      <p:sp>
-        <p:nvSpPr>
-          <p:cNvPr id="3" name="Content Placeholder 2"/>
-          <p:cNvSpPr>
-            <a:spLocks noGrp="1"/>
-          </p:cNvSpPr>
-          <p:nvPr>
-            <p:ph idx="1"/>
-          </p:nvPr>
-        </p:nvSpPr>
-        <p:spPr>
-          <a:xfrm>
-            <a:off x="4800600" y="731520"/>
-            <a:ext cx="6492240" cy="5257800"/>
-          </a:xfrm>
-        </p:spPr>
-        <p:txBody>
-          <a:bodyPr/>
-          <a:lstStyle/>
-          <a:p>
-            <a:pPr lvl="0"/>
-            <a:r>
-              <a:rPr lang="en-US" smtClean="0"/>
-              <a:t>Edit Master text styles</a:t>
-            </a:r>
-          </a:p>
-          <a:p>
-            <a:pPr lvl="1"/>
-            <a:r>
-              <a:rPr lang="en-US" smtClean="0"/>
-              <a:t>Second level</a:t>
-            </a:r>
-          </a:p>
-          <a:p>
-            <a:pPr lvl="2"/>
-            <a:r>
-              <a:rPr lang="en-US" smtClean="0"/>
-              <a:t>Third level</a:t>
-            </a:r>
-          </a:p>
-          <a:p>
-            <a:pPr lvl="3"/>
-            <a:r>
-              <a:rPr lang="en-US" smtClean="0"/>
-              <a:t>Fourth level</a:t>
-            </a:r>
-          </a:p>
-          <a:p>
-            <a:pPr lvl="4"/>
-            <a:r>
-              <a:rPr lang="en-US" smtClean="0"/>
-              <a:t>Fifth level</a:t>
-            </a:r>
-            <a:endParaRPr lang="en-US" dirty="0"/>
-          </a:p>
-        </p:txBody>
-      </p:sp>
-      <p:sp>
-        <p:nvSpPr>
-          <p:cNvPr id="4" name="Text Placeholder 3"/>
-          <p:cNvSpPr>
-            <a:spLocks noGrp="1"/>
-          </p:cNvSpPr>
-          <p:nvPr>
-            <p:ph type="body" sz="half" idx="2"/>
-          </p:nvPr>
-        </p:nvSpPr>
-        <p:spPr>
-          <a:xfrm>
-            <a:off x="457200" y="2926080"/>
-            <a:ext cx="3200400" cy="3379124"/>
-          </a:xfrm>
-        </p:spPr>
-        <p:txBody>
-          <a:bodyPr lIns="91440" rIns="91440">
-            <a:normAutofit/>
-          </a:bodyPr>
-          <a:lstStyle>
-            <a:lvl1pPr marL="0" indent="0">
-              <a:buNone/>
-              <a:defRPr sz="1500">
-                <a:solidFill>
-                  <a:srgbClr val="FFFFFF"/>
-                </a:solidFill>
-              </a:defRPr>
-            </a:lvl1pPr>
-            <a:lvl2pPr marL="457200" indent="0">
-              <a:buNone/>
-              <a:defRPr sz="1200"/>
-            </a:lvl2pPr>
-            <a:lvl3pPr marL="914400" indent="0">
-              <a:buNone/>
-              <a:defRPr sz="1000"/>
-            </a:lvl3pPr>
-            <a:lvl4pPr marL="1371600" indent="0">
-              <a:buNone/>
-              <a:defRPr sz="900"/>
-            </a:lvl4pPr>
-            <a:lvl5pPr marL="1828800" indent="0">
-              <a:buNone/>
-              <a:defRPr sz="900"/>
-            </a:lvl5pPr>
-            <a:lvl6pPr marL="2286000" indent="0">
-              <a:buNone/>
-              <a:defRPr sz="900"/>
-            </a:lvl6pPr>
-            <a:lvl7pPr marL="2743200" indent="0">
-              <a:buNone/>
-              <a:defRPr sz="900"/>
-            </a:lvl7pPr>
-            <a:lvl8pPr marL="3200400" indent="0">
-              <a:buNone/>
-              <a:defRPr sz="900"/>
-            </a:lvl8pPr>
-            <a:lvl9pPr marL="3657600" indent="0">
-              <a:buNone/>
-              <a:defRPr sz="900"/>
-            </a:lvl9pPr>
-          </a:lstStyle>
-          <a:p>
-            <a:pPr lvl="0"/>
-            <a:r>
-              <a:rPr lang="en-US" smtClean="0"/>
-              <a:t>Edit Master text styles</a:t>
-            </a:r>
-          </a:p>
-        </p:txBody>
-      </p:sp>
-      <p:sp>
-        <p:nvSpPr>
-          <p:cNvPr id="5" name="Date Placeholder 4"/>
-          <p:cNvSpPr>
-            <a:spLocks noGrp="1"/>
-          </p:cNvSpPr>
-          <p:nvPr>
-            <p:ph type="dt" sz="half" idx="10"/>
-          </p:nvPr>
-        </p:nvSpPr>
-        <p:spPr>
-          <a:xfrm>
-            <a:off x="465512" y="6459785"/>
-            <a:ext cx="2618510" cy="365125"/>
-          </a:xfrm>
-        </p:spPr>
-        <p:txBody>
-          <a:bodyPr/>
-          <a:lstStyle>
-            <a:lvl1pPr algn="l">
-              <a:defRPr/>
-            </a:lvl1pPr>
-          </a:lstStyle>
-          <a:p>
-            <a:fld id="{AB21D1C1-A974-4CDD-890D-2FCDFA70CDD6}" type="datetimeFigureOut">
-              <a:rPr lang="en-US" smtClean="0"/>
-              <a:t>1/1/2019</a:t>
-            </a:fld>
-            <a:endParaRPr lang="en-US"/>
-          </a:p>
-        </p:txBody>
-      </p:sp>
-      <p:sp>
-        <p:nvSpPr>
-          <p:cNvPr id="6" name="Footer Placeholder 5"/>
-          <p:cNvSpPr>
-            <a:spLocks noGrp="1"/>
-          </p:cNvSpPr>
-          <p:nvPr>
-            <p:ph type="ftr" sz="quarter" idx="11"/>
-          </p:nvPr>
-        </p:nvSpPr>
-        <p:spPr>
-          <a:xfrm>
-            <a:off x="4800600" y="6459785"/>
-            <a:ext cx="4648200" cy="365125"/>
-          </a:xfrm>
-        </p:spPr>
-        <p:txBody>
-          <a:bodyPr/>
-          <a:lstStyle>
-            <a:lvl1pPr algn="l">
-              <a:defRPr>
-                <a:solidFill>
-                  <a:schemeClr val="tx2"/>
-                </a:solidFill>
-              </a:defRPr>
-            </a:lvl1pPr>
-          </a:lstStyle>
-          <a:p>
-            <a:endParaRPr lang="en-US"/>
-          </a:p>
-        </p:txBody>
-      </p:sp>
-      <p:sp>
-        <p:nvSpPr>
-          <p:cNvPr id="7" name="Slide Number Placeholder 6"/>
-          <p:cNvSpPr>
-            <a:spLocks noGrp="1"/>
-          </p:cNvSpPr>
-          <p:nvPr>
-            <p:ph type="sldNum" sz="quarter" idx="12"/>
-          </p:nvPr>
-        </p:nvSpPr>
-        <p:spPr/>
-        <p:txBody>
-          <a:bodyPr/>
-          <a:lstStyle>
-            <a:lvl1pPr>
-              <a:defRPr>
-                <a:solidFill>
-                  <a:schemeClr val="tx2"/>
-                </a:solidFill>
-              </a:defRPr>
-            </a:lvl1pPr>
-          </a:lstStyle>
-          <a:p>
-            <a:fld id="{3DA290FA-9F37-491D-8A3F-EBC8B973C70B}" type="slidenum">
-              <a:rPr lang="en-US" smtClean="0"/>
-              <a:t>‹#›</a:t>
-            </a:fld>
-            <a:endParaRPr lang="en-US"/>
-          </a:p>
-        </p:txBody>
-      </p:sp>
-    </p:spTree>
-    <p:extLst>
-      <p:ext uri="{BB962C8B-B14F-4D97-AF65-F5344CB8AC3E}">
-        <p14:creationId xmlns:p14="http://schemas.microsoft.com/office/powerpoint/2010/main" val="3604442205"/>
-      </p:ext>
-    </p:extLst>
-  </p:cSld>
-  <p:clrMapOvr>
-    <a:masterClrMapping/>
-  </p:clrMapOvr>
-</p:sldLayout>
-</file>
-
-<file path=ppt/slideLayouts/slideLayout9.xml><?xml version="1.0" encoding="utf-8"?>
-<p:sldLayout xmlns:a="http://schemas.openxmlformats.org/drawingml/2006/main" xmlns:r="http://schemas.openxmlformats.org/officeDocument/2006/relationships" xmlns:p="http://schemas.openxmlformats.org/presentationml/2006/main" showMasterSp="0" type="picTx" preserve="1">
-  <p:cSld name="Picture with Caption">
-    <p:spTree>
-      <p:nvGrpSpPr>
-        <p:cNvPr id="1" name=""/>
-        <p:cNvGrpSpPr/>
-        <p:nvPr/>
-      </p:nvGrpSpPr>
-      <p:grpSpPr>
-        <a:xfrm>
-          <a:off x="0" y="0"/>
-          <a:ext cx="0" cy="0"/>
-          <a:chOff x="0" y="0"/>
-          <a:chExt cx="0" cy="0"/>
-        </a:xfrm>
-      </p:grpSpPr>
-      <p:sp>
-        <p:nvSpPr>
-          <p:cNvPr id="8" name="Rectangle 7"/>
-          <p:cNvSpPr/>
-          <p:nvPr/>
-        </p:nvSpPr>
-        <p:spPr>
-          <a:xfrm>
-            <a:off x="0" y="4953000"/>
-            <a:ext cx="12188825" cy="1905000"/>
-          </a:xfrm>
-          <a:prstGeom prst="rect">
-            <a:avLst/>
-          </a:prstGeom>
-          <a:solidFill>
-            <a:schemeClr val="accent2"/>
-          </a:solidFill>
-          <a:ln>
-            <a:noFill/>
-          </a:ln>
-        </p:spPr>
-        <p:style>
-          <a:lnRef idx="2">
-            <a:schemeClr val="accent1">
-              <a:shade val="50000"/>
-            </a:schemeClr>
-          </a:lnRef>
-          <a:fillRef idx="1">
-            <a:schemeClr val="accent1"/>
-          </a:fillRef>
-          <a:effectRef idx="0">
-            <a:schemeClr val="accent1"/>
-          </a:effectRef>
-          <a:fontRef idx="minor">
-            <a:schemeClr val="lt1"/>
-          </a:fontRef>
-        </p:style>
-      </p:sp>
-      <p:sp>
-        <p:nvSpPr>
-          <p:cNvPr id="9" name="Rectangle 8"/>
-          <p:cNvSpPr/>
-          <p:nvPr/>
-        </p:nvSpPr>
-        <p:spPr>
-          <a:xfrm>
-            <a:off x="15" y="4915076"/>
-            <a:ext cx="12188825" cy="64008"/>
-          </a:xfrm>
-          <a:prstGeom prst="rect">
-            <a:avLst/>
-          </a:prstGeom>
-          <a:solidFill>
-            <a:schemeClr val="accent1"/>
-          </a:solidFill>
-          <a:ln>
-            <a:noFill/>
-          </a:ln>
-        </p:spPr>
-        <p:style>
-          <a:lnRef idx="2">
-            <a:schemeClr val="accent1">
-              <a:shade val="50000"/>
-            </a:schemeClr>
-          </a:lnRef>
-          <a:fillRef idx="1">
-            <a:schemeClr val="accent1"/>
-          </a:fillRef>
-          <a:effectRef idx="0">
-            <a:schemeClr val="accent1"/>
-          </a:effectRef>
-          <a:fontRef idx="minor">
-            <a:schemeClr val="lt1"/>
-          </a:fontRef>
-        </p:style>
-      </p:sp>
-      <p:sp>
-        <p:nvSpPr>
-          <p:cNvPr id="2" name="Title 1"/>
-          <p:cNvSpPr>
-            <a:spLocks noGrp="1"/>
-          </p:cNvSpPr>
-          <p:nvPr>
-            <p:ph type="title"/>
-          </p:nvPr>
-        </p:nvSpPr>
-        <p:spPr>
-          <a:xfrm>
-            <a:off x="1097280" y="5074920"/>
-            <a:ext cx="10113264" cy="822960"/>
-          </a:xfrm>
-        </p:spPr>
-        <p:txBody>
-          <a:bodyPr lIns="91440" tIns="0" rIns="91440" bIns="0" anchor="b">
-            <a:noAutofit/>
-          </a:bodyPr>
-          <a:lstStyle>
-            <a:lvl1pPr>
-              <a:defRPr sz="3600" b="0">
-                <a:solidFill>
-                  <a:srgbClr val="FFFFFF"/>
-                </a:solidFill>
-              </a:defRPr>
-            </a:lvl1pPr>
-          </a:lstStyle>
-          <a:p>
-            <a:r>
-              <a:rPr lang="en-US" smtClean="0"/>
-              <a:t>Click to edit Master title style</a:t>
-            </a:r>
-            <a:endParaRPr lang="en-US" dirty="0"/>
-          </a:p>
-        </p:txBody>
-      </p:sp>
-      <p:sp>
-        <p:nvSpPr>
-          <p:cNvPr id="3" name="Picture Placeholder 2"/>
-          <p:cNvSpPr>
-            <a:spLocks noGrp="1" noChangeAspect="1"/>
-          </p:cNvSpPr>
-          <p:nvPr>
-            <p:ph type="pic" idx="1"/>
-          </p:nvPr>
-        </p:nvSpPr>
-        <p:spPr>
-          <a:xfrm>
-            <a:off x="15" y="0"/>
-            <a:ext cx="12191985" cy="4915076"/>
-          </a:xfrm>
-          <a:blipFill>
-            <a:blip r:embed="rId2"/>
-            <a:stretch>
-              <a:fillRect/>
-            </a:stretch>
-          </a:blipFill>
-        </p:spPr>
-        <p:txBody>
-          <a:bodyPr lIns="457200" tIns="457200" anchor="t"/>
-          <a:lstStyle>
-            <a:lvl1pPr marL="0" indent="0">
-              <a:buNone/>
-              <a:defRPr sz="3200">
-                <a:solidFill>
-                  <a:schemeClr val="bg1"/>
-                </a:solidFill>
-              </a:defRPr>
-            </a:lvl1pPr>
-            <a:lvl2pPr marL="457200" indent="0">
-              <a:buNone/>
-              <a:defRPr sz="2800"/>
-            </a:lvl2pPr>
-            <a:lvl3pPr marL="914400" indent="0">
-              <a:buNone/>
-              <a:defRPr sz="2400"/>
-            </a:lvl3pPr>
-            <a:lvl4pPr marL="1371600" indent="0">
-              <a:buNone/>
-              <a:defRPr sz="2000"/>
-            </a:lvl4pPr>
-            <a:lvl5pPr marL="1828800" indent="0">
-              <a:buNone/>
-              <a:defRPr sz="2000"/>
-            </a:lvl5pPr>
-            <a:lvl6pPr marL="2286000" indent="0">
-              <a:buNone/>
-              <a:defRPr sz="2000"/>
-            </a:lvl6pPr>
-            <a:lvl7pPr marL="2743200" indent="0">
-              <a:buNone/>
-              <a:defRPr sz="2000"/>
-            </a:lvl7pPr>
-            <a:lvl8pPr marL="3200400" indent="0">
-              <a:buNone/>
-              <a:defRPr sz="2000"/>
-            </a:lvl8pPr>
-            <a:lvl9pPr marL="3657600" indent="0">
-              <a:buNone/>
-              <a:defRPr sz="2000"/>
-            </a:lvl9pPr>
-          </a:lstStyle>
-          <a:p>
-            <a:r>
-              <a:rPr lang="en-US" smtClean="0"/>
-              <a:t>Click icon to add picture</a:t>
-            </a:r>
-            <a:endParaRPr lang="en-US" dirty="0"/>
-          </a:p>
-        </p:txBody>
-      </p:sp>
-      <p:sp>
-        <p:nvSpPr>
-          <p:cNvPr id="4" name="Text Placeholder 3"/>
-          <p:cNvSpPr>
-            <a:spLocks noGrp="1"/>
-          </p:cNvSpPr>
-          <p:nvPr>
-            <p:ph type="body" sz="half" idx="2"/>
-          </p:nvPr>
-        </p:nvSpPr>
-        <p:spPr>
-          <a:xfrm>
-            <a:off x="1097280" y="5907023"/>
-            <a:ext cx="10113264" cy="594360"/>
-          </a:xfrm>
-        </p:spPr>
-        <p:txBody>
-          <a:bodyPr lIns="91440" tIns="0" rIns="91440" bIns="0">
-            <a:normAutofit/>
-          </a:bodyPr>
-          <a:lstStyle>
-            <a:lvl1pPr marL="0" indent="0">
-              <a:spcBef>
-                <a:spcPts val="0"/>
-              </a:spcBef>
-              <a:spcAft>
-                <a:spcPts val="600"/>
-              </a:spcAft>
-              <a:buNone/>
-              <a:defRPr sz="1500">
-                <a:solidFill>
-                  <a:srgbClr val="FFFFFF"/>
-                </a:solidFill>
-              </a:defRPr>
-            </a:lvl1pPr>
-            <a:lvl2pPr marL="457200" indent="0">
-              <a:buNone/>
-              <a:defRPr sz="1200"/>
-            </a:lvl2pPr>
-            <a:lvl3pPr marL="914400" indent="0">
-              <a:buNone/>
-              <a:defRPr sz="1000"/>
-            </a:lvl3pPr>
-            <a:lvl4pPr marL="1371600" indent="0">
-              <a:buNone/>
-              <a:defRPr sz="900"/>
-            </a:lvl4pPr>
-            <a:lvl5pPr marL="1828800" indent="0">
-              <a:buNone/>
-              <a:defRPr sz="900"/>
-            </a:lvl5pPr>
-            <a:lvl6pPr marL="2286000" indent="0">
-              <a:buNone/>
-              <a:defRPr sz="900"/>
-            </a:lvl6pPr>
-            <a:lvl7pPr marL="2743200" indent="0">
-              <a:buNone/>
-              <a:defRPr sz="900"/>
-            </a:lvl7pPr>
-            <a:lvl8pPr marL="3200400" indent="0">
-              <a:buNone/>
-              <a:defRPr sz="900"/>
-            </a:lvl8pPr>
-            <a:lvl9pPr marL="3657600" indent="0">
-              <a:buNone/>
-              <a:defRPr sz="900"/>
-            </a:lvl9pPr>
-          </a:lstStyle>
-          <a:p>
-            <a:pPr lvl="0"/>
-            <a:r>
-              <a:rPr lang="en-US" smtClean="0"/>
-              <a:t>Edit Master text styles</a:t>
-            </a:r>
-          </a:p>
-        </p:txBody>
-      </p:sp>
-      <p:sp>
-        <p:nvSpPr>
-          <p:cNvPr id="5" name="Date Placeholder 4"/>
-          <p:cNvSpPr>
-            <a:spLocks noGrp="1"/>
-          </p:cNvSpPr>
-          <p:nvPr>
-            <p:ph type="dt" sz="half" idx="10"/>
-          </p:nvPr>
-        </p:nvSpPr>
-        <p:spPr/>
-        <p:txBody>
-          <a:bodyPr/>
-          <a:lstStyle/>
-          <a:p>
-            <a:fld id="{AB21D1C1-A974-4CDD-890D-2FCDFA70CDD6}" type="datetimeFigureOut">
-              <a:rPr lang="en-US" smtClean="0"/>
-              <a:t>1/1/2019</a:t>
-            </a:fld>
-            <a:endParaRPr lang="en-US"/>
-          </a:p>
-        </p:txBody>
-      </p:sp>
-      <p:sp>
-        <p:nvSpPr>
-          <p:cNvPr id="6" name="Footer Placeholder 5"/>
-          <p:cNvSpPr>
-            <a:spLocks noGrp="1"/>
-          </p:cNvSpPr>
-          <p:nvPr>
-            <p:ph type="ftr" sz="quarter" idx="11"/>
-          </p:nvPr>
-        </p:nvSpPr>
-        <p:spPr/>
-        <p:txBody>
-          <a:bodyPr/>
-          <a:lstStyle/>
-          <a:p>
-            <a:endParaRPr lang="en-US"/>
-          </a:p>
-        </p:txBody>
-      </p:sp>
-      <p:sp>
-        <p:nvSpPr>
-          <p:cNvPr id="7" name="Slide Number Placeholder 6"/>
-          <p:cNvSpPr>
-            <a:spLocks noGrp="1"/>
-          </p:cNvSpPr>
-          <p:nvPr>
-            <p:ph type="sldNum" sz="quarter" idx="12"/>
-          </p:nvPr>
-        </p:nvSpPr>
-        <p:spPr/>
-        <p:txBody>
-          <a:bodyPr/>
-          <a:lstStyle/>
-          <a:p>
-            <a:fld id="{3DA290FA-9F37-491D-8A3F-EBC8B973C70B}" type="slidenum">
-              <a:rPr lang="en-US" smtClean="0"/>
-              <a:t>‹#›</a:t>
-            </a:fld>
-            <a:endParaRPr lang="en-US"/>
-          </a:p>
-        </p:txBody>
-      </p:sp>
-    </p:spTree>
-    <p:extLst>
-      <p:ext uri="{BB962C8B-B14F-4D97-AF65-F5344CB8AC3E}">
-        <p14:creationId xmlns:p14="http://schemas.microsoft.com/office/powerpoint/2010/main" val="2529901464"/>
+        <p14:creationId xmlns:p14="http://schemas.microsoft.com/office/powerpoint/2010/main" val="2495389816"/>
       </p:ext>
     </p:extLst>
   </p:cSld>
@@ -3097,365 +1844,35 @@
           <a:chExt cx="0" cy="0"/>
         </a:xfrm>
       </p:grpSpPr>
-      <p:sp>
-        <p:nvSpPr>
-          <p:cNvPr id="7" name="Rectangle 6"/>
-          <p:cNvSpPr/>
-          <p:nvPr/>
-        </p:nvSpPr>
-        <p:spPr>
-          <a:xfrm>
-            <a:off x="1" y="6400800"/>
-            <a:ext cx="12192000" cy="457200"/>
-          </a:xfrm>
-          <a:prstGeom prst="rect">
-            <a:avLst/>
-          </a:prstGeom>
-          <a:solidFill>
-            <a:schemeClr val="accent2"/>
-          </a:solidFill>
-          <a:ln>
-            <a:noFill/>
-          </a:ln>
-        </p:spPr>
-        <p:style>
-          <a:lnRef idx="2">
-            <a:schemeClr val="accent1">
-              <a:shade val="50000"/>
-            </a:schemeClr>
-          </a:lnRef>
-          <a:fillRef idx="1">
-            <a:schemeClr val="accent1"/>
-          </a:fillRef>
-          <a:effectRef idx="0">
-            <a:schemeClr val="accent1"/>
-          </a:effectRef>
-          <a:fontRef idx="minor">
-            <a:schemeClr val="lt1"/>
-          </a:fontRef>
-        </p:style>
-      </p:sp>
-      <p:sp>
-        <p:nvSpPr>
-          <p:cNvPr id="9" name="Rectangle 8"/>
-          <p:cNvSpPr/>
-          <p:nvPr/>
-        </p:nvSpPr>
-        <p:spPr>
-          <a:xfrm>
-            <a:off x="0" y="6334316"/>
-            <a:ext cx="12192001" cy="65998"/>
-          </a:xfrm>
-          <a:prstGeom prst="rect">
-            <a:avLst/>
-          </a:prstGeom>
-          <a:solidFill>
-            <a:schemeClr val="accent1"/>
-          </a:solidFill>
-          <a:ln>
-            <a:noFill/>
-          </a:ln>
-        </p:spPr>
-        <p:style>
-          <a:lnRef idx="2">
-            <a:schemeClr val="accent1">
-              <a:shade val="50000"/>
-            </a:schemeClr>
-          </a:lnRef>
-          <a:fillRef idx="1">
-            <a:schemeClr val="accent1"/>
-          </a:fillRef>
-          <a:effectRef idx="0">
-            <a:schemeClr val="accent1"/>
-          </a:effectRef>
-          <a:fontRef idx="minor">
-            <a:schemeClr val="lt1"/>
-          </a:fontRef>
-        </p:style>
-      </p:sp>
-      <p:sp>
-        <p:nvSpPr>
-          <p:cNvPr id="2" name="Title Placeholder 1"/>
-          <p:cNvSpPr>
-            <a:spLocks noGrp="1"/>
-          </p:cNvSpPr>
-          <p:nvPr>
-            <p:ph type="title"/>
-          </p:nvPr>
-        </p:nvSpPr>
-        <p:spPr>
-          <a:xfrm>
-            <a:off x="1097280" y="286604"/>
-            <a:ext cx="10058400" cy="757106"/>
-          </a:xfrm>
-          <a:prstGeom prst="rect">
-            <a:avLst/>
-          </a:prstGeom>
-        </p:spPr>
-        <p:txBody>
-          <a:bodyPr vert="horz" lIns="91440" tIns="45720" rIns="91440" bIns="45720" rtlCol="0" anchor="b">
-            <a:normAutofit/>
-          </a:bodyPr>
-          <a:lstStyle/>
-          <a:p>
-            <a:r>
-              <a:rPr lang="en-US" smtClean="0"/>
-              <a:t>Click to edit Master title style</a:t>
-            </a:r>
-            <a:endParaRPr lang="en-US" dirty="0"/>
-          </a:p>
-        </p:txBody>
-      </p:sp>
-      <p:sp>
-        <p:nvSpPr>
-          <p:cNvPr id="3" name="Text Placeholder 2"/>
-          <p:cNvSpPr>
-            <a:spLocks noGrp="1"/>
-          </p:cNvSpPr>
-          <p:nvPr>
-            <p:ph type="body" idx="1"/>
-          </p:nvPr>
-        </p:nvSpPr>
-        <p:spPr>
-          <a:xfrm>
-            <a:off x="1097280" y="1845734"/>
-            <a:ext cx="10058400" cy="4023360"/>
-          </a:xfrm>
-          <a:prstGeom prst="rect">
-            <a:avLst/>
-          </a:prstGeom>
-        </p:spPr>
-        <p:txBody>
-          <a:bodyPr vert="horz" lIns="0" tIns="45720" rIns="0" bIns="45720" rtlCol="0">
-            <a:normAutofit/>
-          </a:bodyPr>
-          <a:lstStyle/>
-          <a:p>
-            <a:pPr lvl="0"/>
-            <a:r>
-              <a:rPr lang="en-US" smtClean="0"/>
-              <a:t>Edit Master text styles</a:t>
-            </a:r>
-          </a:p>
-          <a:p>
-            <a:pPr lvl="1"/>
-            <a:r>
-              <a:rPr lang="en-US" smtClean="0"/>
-              <a:t>Second level</a:t>
-            </a:r>
-          </a:p>
-          <a:p>
-            <a:pPr lvl="2"/>
-            <a:r>
-              <a:rPr lang="en-US" smtClean="0"/>
-              <a:t>Third level</a:t>
-            </a:r>
-          </a:p>
-          <a:p>
-            <a:pPr lvl="3"/>
-            <a:r>
-              <a:rPr lang="en-US" smtClean="0"/>
-              <a:t>Fourth level</a:t>
-            </a:r>
-          </a:p>
-          <a:p>
-            <a:pPr lvl="4"/>
-            <a:r>
-              <a:rPr lang="en-US" smtClean="0"/>
-              <a:t>Fifth level</a:t>
-            </a:r>
-            <a:endParaRPr lang="en-US" dirty="0"/>
-          </a:p>
-        </p:txBody>
-      </p:sp>
-      <p:sp>
-        <p:nvSpPr>
-          <p:cNvPr id="4" name="Date Placeholder 3"/>
-          <p:cNvSpPr>
-            <a:spLocks noGrp="1"/>
-          </p:cNvSpPr>
-          <p:nvPr>
-            <p:ph type="dt" sz="half" idx="2"/>
-          </p:nvPr>
-        </p:nvSpPr>
-        <p:spPr>
-          <a:xfrm>
-            <a:off x="1097280" y="6459785"/>
-            <a:ext cx="2472271" cy="365125"/>
-          </a:xfrm>
-          <a:prstGeom prst="rect">
-            <a:avLst/>
-          </a:prstGeom>
-        </p:spPr>
-        <p:txBody>
-          <a:bodyPr vert="horz" lIns="91440" tIns="45720" rIns="91440" bIns="45720" rtlCol="0" anchor="ctr"/>
-          <a:lstStyle>
-            <a:lvl1pPr algn="l">
-              <a:defRPr sz="900">
-                <a:solidFill>
-                  <a:srgbClr val="FFFFFF"/>
-                </a:solidFill>
-              </a:defRPr>
-            </a:lvl1pPr>
-          </a:lstStyle>
-          <a:p>
-            <a:fld id="{AB21D1C1-A974-4CDD-890D-2FCDFA70CDD6}" type="datetimeFigureOut">
-              <a:rPr lang="en-US" smtClean="0"/>
-              <a:t>1/1/2019</a:t>
-            </a:fld>
-            <a:endParaRPr lang="en-US"/>
-          </a:p>
-        </p:txBody>
-      </p:sp>
-      <p:sp>
-        <p:nvSpPr>
-          <p:cNvPr id="5" name="Footer Placeholder 4"/>
-          <p:cNvSpPr>
-            <a:spLocks noGrp="1"/>
-          </p:cNvSpPr>
-          <p:nvPr>
-            <p:ph type="ftr" sz="quarter" idx="3"/>
-          </p:nvPr>
-        </p:nvSpPr>
-        <p:spPr>
-          <a:xfrm>
-            <a:off x="3686185" y="6459785"/>
-            <a:ext cx="4822804" cy="365125"/>
-          </a:xfrm>
-          <a:prstGeom prst="rect">
-            <a:avLst/>
-          </a:prstGeom>
-        </p:spPr>
-        <p:txBody>
-          <a:bodyPr vert="horz" lIns="91440" tIns="45720" rIns="91440" bIns="45720" rtlCol="0" anchor="ctr"/>
-          <a:lstStyle>
-            <a:lvl1pPr algn="ctr">
-              <a:defRPr sz="900" cap="all" baseline="0">
-                <a:solidFill>
-                  <a:srgbClr val="FFFFFF"/>
-                </a:solidFill>
-              </a:defRPr>
-            </a:lvl1pPr>
-          </a:lstStyle>
-          <a:p>
-            <a:endParaRPr lang="en-US"/>
-          </a:p>
-        </p:txBody>
-      </p:sp>
-      <p:sp>
-        <p:nvSpPr>
-          <p:cNvPr id="6" name="Slide Number Placeholder 5"/>
-          <p:cNvSpPr>
-            <a:spLocks noGrp="1"/>
-          </p:cNvSpPr>
-          <p:nvPr>
-            <p:ph type="sldNum" sz="quarter" idx="4"/>
-          </p:nvPr>
-        </p:nvSpPr>
-        <p:spPr>
-          <a:xfrm>
-            <a:off x="9900458" y="6459785"/>
-            <a:ext cx="1312025" cy="365125"/>
-          </a:xfrm>
-          <a:prstGeom prst="rect">
-            <a:avLst/>
-          </a:prstGeom>
-        </p:spPr>
-        <p:txBody>
-          <a:bodyPr vert="horz" lIns="91440" tIns="45720" rIns="91440" bIns="45720" rtlCol="0" anchor="ctr"/>
-          <a:lstStyle>
-            <a:lvl1pPr algn="r">
-              <a:defRPr sz="1050">
-                <a:solidFill>
-                  <a:srgbClr val="FFFFFF"/>
-                </a:solidFill>
-              </a:defRPr>
-            </a:lvl1pPr>
-          </a:lstStyle>
-          <a:p>
-            <a:fld id="{3DA290FA-9F37-491D-8A3F-EBC8B973C70B}" type="slidenum">
-              <a:rPr lang="en-US" smtClean="0"/>
-              <a:t>‹#›</a:t>
-            </a:fld>
-            <a:endParaRPr lang="en-US"/>
-          </a:p>
-        </p:txBody>
-      </p:sp>
-      <p:cxnSp>
-        <p:nvCxnSpPr>
-          <p:cNvPr id="10" name="Straight Connector 9"/>
-          <p:cNvCxnSpPr/>
-          <p:nvPr/>
-        </p:nvCxnSpPr>
-        <p:spPr>
-          <a:xfrm>
-            <a:off x="1170248" y="1082064"/>
-            <a:ext cx="9966960" cy="0"/>
-          </a:xfrm>
-          <a:prstGeom prst="line">
-            <a:avLst/>
-          </a:prstGeom>
-          <a:ln w="6350">
-            <a:solidFill>
-              <a:schemeClr val="tx1">
-                <a:lumMod val="50000"/>
-                <a:lumOff val="50000"/>
-              </a:schemeClr>
-            </a:solidFill>
-          </a:ln>
-        </p:spPr>
-        <p:style>
-          <a:lnRef idx="1">
-            <a:schemeClr val="accent1"/>
-          </a:lnRef>
-          <a:fillRef idx="0">
-            <a:schemeClr val="accent1"/>
-          </a:fillRef>
-          <a:effectRef idx="0">
-            <a:schemeClr val="accent1"/>
-          </a:effectRef>
-          <a:fontRef idx="minor">
-            <a:schemeClr val="tx1"/>
-          </a:fontRef>
-        </p:style>
-      </p:cxnSp>
     </p:spTree>
     <p:extLst>
       <p:ext uri="{BB962C8B-B14F-4D97-AF65-F5344CB8AC3E}">
-        <p14:creationId xmlns:p14="http://schemas.microsoft.com/office/powerpoint/2010/main" val="2923028333"/>
+        <p14:creationId xmlns:p14="http://schemas.microsoft.com/office/powerpoint/2010/main" val="2817437993"/>
       </p:ext>
     </p:extLst>
   </p:cSld>
   <p:clrMap bg1="lt1" tx1="dk1" bg2="lt2" tx2="dk2" accent1="accent1" accent2="accent2" accent3="accent3" accent4="accent4" accent5="accent5" accent6="accent6" hlink="hlink" folHlink="folHlink"/>
   <p:sldLayoutIdLst>
-    <p:sldLayoutId id="2147483661" r:id="rId1"/>
-    <p:sldLayoutId id="2147483662" r:id="rId2"/>
-    <p:sldLayoutId id="2147483663" r:id="rId3"/>
-    <p:sldLayoutId id="2147483664" r:id="rId4"/>
-    <p:sldLayoutId id="2147483665" r:id="rId5"/>
-    <p:sldLayoutId id="2147483666" r:id="rId6"/>
-    <p:sldLayoutId id="2147483667" r:id="rId7"/>
-    <p:sldLayoutId id="2147483668" r:id="rId8"/>
-    <p:sldLayoutId id="2147483669" r:id="rId9"/>
-    <p:sldLayoutId id="2147483670" r:id="rId10"/>
-    <p:sldLayoutId id="2147483671" r:id="rId11"/>
+    <p:sldLayoutId id="2147483673" r:id="rId1"/>
+    <p:sldLayoutId id="2147483674" r:id="rId2"/>
+    <p:sldLayoutId id="2147483675" r:id="rId3"/>
+    <p:sldLayoutId id="2147483676" r:id="rId4"/>
+    <p:sldLayoutId id="2147483677" r:id="rId5"/>
+    <p:sldLayoutId id="2147483678" r:id="rId6"/>
+    <p:sldLayoutId id="2147483679" r:id="rId7"/>
+    <p:sldLayoutId id="2147483680" r:id="rId8"/>
+    <p:sldLayoutId id="2147483682" r:id="rId9"/>
   </p:sldLayoutIdLst>
   <p:txStyles>
     <p:titleStyle>
-      <a:lvl1pPr algn="l" defTabSz="914400" rtl="0" eaLnBrk="1" latinLnBrk="0" hangingPunct="1">
-        <a:lnSpc>
-          <a:spcPct val="85000"/>
-        </a:lnSpc>
+      <a:lvl1pPr algn="ctr" defTabSz="609541" rtl="0" eaLnBrk="1" latinLnBrk="0" hangingPunct="1">
         <a:spcBef>
           <a:spcPct val="0"/>
         </a:spcBef>
         <a:buNone/>
-        <a:defRPr sz="4800" kern="1200" spc="-50" baseline="0">
+        <a:defRPr sz="5867" kern="1200">
           <a:solidFill>
-            <a:schemeClr val="tx1">
-              <a:lumMod val="75000"/>
-              <a:lumOff val="25000"/>
-            </a:schemeClr>
+            <a:schemeClr val="tx1"/>
           </a:solidFill>
           <a:latin typeface="+mj-lt"/>
           <a:ea typeface="+mj-ea"/>
@@ -3464,244 +1881,135 @@
       </a:lvl1pPr>
     </p:titleStyle>
     <p:bodyStyle>
-      <a:lvl1pPr marL="91440" indent="-91440" algn="l" defTabSz="914400" rtl="0" eaLnBrk="1" latinLnBrk="0" hangingPunct="1">
-        <a:lnSpc>
-          <a:spcPct val="90000"/>
-        </a:lnSpc>
+      <a:lvl1pPr marL="457157" indent="-457157" algn="l" defTabSz="609541" rtl="0" eaLnBrk="1" latinLnBrk="0" hangingPunct="1">
         <a:spcBef>
-          <a:spcPts val="1200"/>
+          <a:spcPct val="20000"/>
         </a:spcBef>
-        <a:spcAft>
-          <a:spcPts val="200"/>
-        </a:spcAft>
-        <a:buClr>
-          <a:schemeClr val="accent1"/>
-        </a:buClr>
-        <a:buSzPct val="100000"/>
-        <a:buFont typeface="Calibri" panose="020F0502020204030204" pitchFamily="34" charset="0"/>
-        <a:buChar char=" "/>
-        <a:defRPr sz="2000" kern="1200">
+        <a:buFont typeface="Arial"/>
+        <a:buChar char="•"/>
+        <a:defRPr sz="4267" kern="1200">
           <a:solidFill>
-            <a:schemeClr val="tx1">
-              <a:lumMod val="75000"/>
-              <a:lumOff val="25000"/>
-            </a:schemeClr>
+            <a:schemeClr val="tx1"/>
           </a:solidFill>
           <a:latin typeface="+mn-lt"/>
           <a:ea typeface="+mn-ea"/>
           <a:cs typeface="+mn-cs"/>
         </a:defRPr>
       </a:lvl1pPr>
-      <a:lvl2pPr marL="384048" indent="-182880" algn="l" defTabSz="914400" rtl="0" eaLnBrk="1" latinLnBrk="0" hangingPunct="1">
-        <a:lnSpc>
-          <a:spcPct val="90000"/>
-        </a:lnSpc>
+      <a:lvl2pPr marL="990503" indent="-380962" algn="l" defTabSz="609541" rtl="0" eaLnBrk="1" latinLnBrk="0" hangingPunct="1">
         <a:spcBef>
-          <a:spcPts val="200"/>
+          <a:spcPct val="20000"/>
         </a:spcBef>
-        <a:spcAft>
-          <a:spcPts val="400"/>
-        </a:spcAft>
-        <a:buClr>
-          <a:schemeClr val="accent1"/>
-        </a:buClr>
-        <a:buFont typeface="Calibri" pitchFamily="34" charset="0"/>
-        <a:buChar char="◦"/>
-        <a:defRPr sz="1800" kern="1200">
+        <a:buFont typeface="Arial"/>
+        <a:buChar char="–"/>
+        <a:defRPr sz="3733" kern="1200">
           <a:solidFill>
-            <a:schemeClr val="tx1">
-              <a:lumMod val="75000"/>
-              <a:lumOff val="25000"/>
-            </a:schemeClr>
+            <a:schemeClr val="tx1"/>
           </a:solidFill>
           <a:latin typeface="+mn-lt"/>
           <a:ea typeface="+mn-ea"/>
           <a:cs typeface="+mn-cs"/>
         </a:defRPr>
       </a:lvl2pPr>
-      <a:lvl3pPr marL="566928" indent="-182880" algn="l" defTabSz="914400" rtl="0" eaLnBrk="1" latinLnBrk="0" hangingPunct="1">
-        <a:lnSpc>
-          <a:spcPct val="90000"/>
-        </a:lnSpc>
+      <a:lvl3pPr marL="1523851" indent="-304770" algn="l" defTabSz="609541" rtl="0" eaLnBrk="1" latinLnBrk="0" hangingPunct="1">
         <a:spcBef>
-          <a:spcPts val="200"/>
+          <a:spcPct val="20000"/>
         </a:spcBef>
-        <a:spcAft>
-          <a:spcPts val="400"/>
-        </a:spcAft>
-        <a:buClr>
-          <a:schemeClr val="accent1"/>
-        </a:buClr>
-        <a:buFont typeface="Calibri" pitchFamily="34" charset="0"/>
-        <a:buChar char="◦"/>
-        <a:defRPr sz="1400" kern="1200">
+        <a:buFont typeface="Arial"/>
+        <a:buChar char="•"/>
+        <a:defRPr sz="3200" kern="1200">
           <a:solidFill>
-            <a:schemeClr val="tx1">
-              <a:lumMod val="75000"/>
-              <a:lumOff val="25000"/>
-            </a:schemeClr>
+            <a:schemeClr val="tx1"/>
           </a:solidFill>
           <a:latin typeface="+mn-lt"/>
           <a:ea typeface="+mn-ea"/>
           <a:cs typeface="+mn-cs"/>
         </a:defRPr>
       </a:lvl3pPr>
-      <a:lvl4pPr marL="749808" indent="-182880" algn="l" defTabSz="914400" rtl="0" eaLnBrk="1" latinLnBrk="0" hangingPunct="1">
-        <a:lnSpc>
-          <a:spcPct val="90000"/>
-        </a:lnSpc>
+      <a:lvl4pPr marL="2133393" indent="-304770" algn="l" defTabSz="609541" rtl="0" eaLnBrk="1" latinLnBrk="0" hangingPunct="1">
         <a:spcBef>
-          <a:spcPts val="200"/>
+          <a:spcPct val="20000"/>
         </a:spcBef>
-        <a:spcAft>
-          <a:spcPts val="400"/>
-        </a:spcAft>
-        <a:buClr>
-          <a:schemeClr val="accent1"/>
-        </a:buClr>
-        <a:buFont typeface="Calibri" pitchFamily="34" charset="0"/>
-        <a:buChar char="◦"/>
-        <a:defRPr sz="1400" kern="1200">
+        <a:buFont typeface="Arial"/>
+        <a:buChar char="–"/>
+        <a:defRPr sz="2667" kern="1200">
           <a:solidFill>
-            <a:schemeClr val="tx1">
-              <a:lumMod val="75000"/>
-              <a:lumOff val="25000"/>
-            </a:schemeClr>
+            <a:schemeClr val="tx1"/>
           </a:solidFill>
           <a:latin typeface="+mn-lt"/>
           <a:ea typeface="+mn-ea"/>
           <a:cs typeface="+mn-cs"/>
         </a:defRPr>
       </a:lvl4pPr>
-      <a:lvl5pPr marL="932688" indent="-182880" algn="l" defTabSz="914400" rtl="0" eaLnBrk="1" latinLnBrk="0" hangingPunct="1">
-        <a:lnSpc>
-          <a:spcPct val="90000"/>
-        </a:lnSpc>
+      <a:lvl5pPr marL="2742934" indent="-304770" algn="l" defTabSz="609541" rtl="0" eaLnBrk="1" latinLnBrk="0" hangingPunct="1">
         <a:spcBef>
-          <a:spcPts val="200"/>
+          <a:spcPct val="20000"/>
         </a:spcBef>
-        <a:spcAft>
-          <a:spcPts val="400"/>
-        </a:spcAft>
-        <a:buClr>
-          <a:schemeClr val="accent1"/>
-        </a:buClr>
-        <a:buFont typeface="Calibri" pitchFamily="34" charset="0"/>
-        <a:buChar char="◦"/>
-        <a:defRPr sz="1400" kern="1200">
+        <a:buFont typeface="Arial"/>
+        <a:buChar char="»"/>
+        <a:defRPr sz="2667" kern="1200">
           <a:solidFill>
-            <a:schemeClr val="tx1">
-              <a:lumMod val="75000"/>
-              <a:lumOff val="25000"/>
-            </a:schemeClr>
+            <a:schemeClr val="tx1"/>
           </a:solidFill>
           <a:latin typeface="+mn-lt"/>
           <a:ea typeface="+mn-ea"/>
           <a:cs typeface="+mn-cs"/>
         </a:defRPr>
       </a:lvl5pPr>
-      <a:lvl6pPr marL="1100000" indent="-228600" algn="l" defTabSz="914400" rtl="0" eaLnBrk="1" latinLnBrk="0" hangingPunct="1">
-        <a:lnSpc>
-          <a:spcPct val="90000"/>
-        </a:lnSpc>
+      <a:lvl6pPr marL="3352475" indent="-304770" algn="l" defTabSz="609541" rtl="0" eaLnBrk="1" latinLnBrk="0" hangingPunct="1">
         <a:spcBef>
-          <a:spcPts val="200"/>
+          <a:spcPct val="20000"/>
         </a:spcBef>
-        <a:spcAft>
-          <a:spcPts val="400"/>
-        </a:spcAft>
-        <a:buClr>
-          <a:schemeClr val="accent1"/>
-        </a:buClr>
-        <a:buFont typeface="Calibri" pitchFamily="34" charset="0"/>
-        <a:buChar char="◦"/>
-        <a:defRPr sz="1400" kern="1200">
+        <a:buFont typeface="Arial"/>
+        <a:buChar char="•"/>
+        <a:defRPr sz="2667" kern="1200">
           <a:solidFill>
-            <a:schemeClr val="tx1">
-              <a:lumMod val="75000"/>
-              <a:lumOff val="25000"/>
-            </a:schemeClr>
+            <a:schemeClr val="tx1"/>
           </a:solidFill>
           <a:latin typeface="+mn-lt"/>
           <a:ea typeface="+mn-ea"/>
           <a:cs typeface="+mn-cs"/>
         </a:defRPr>
       </a:lvl6pPr>
-      <a:lvl7pPr marL="1300000" indent="-228600" algn="l" defTabSz="914400" rtl="0" eaLnBrk="1" latinLnBrk="0" hangingPunct="1">
-        <a:lnSpc>
-          <a:spcPct val="90000"/>
-        </a:lnSpc>
+      <a:lvl7pPr marL="3962014" indent="-304770" algn="l" defTabSz="609541" rtl="0" eaLnBrk="1" latinLnBrk="0" hangingPunct="1">
         <a:spcBef>
-          <a:spcPts val="200"/>
+          <a:spcPct val="20000"/>
         </a:spcBef>
-        <a:spcAft>
-          <a:spcPts val="400"/>
-        </a:spcAft>
-        <a:buClr>
-          <a:schemeClr val="accent1"/>
-        </a:buClr>
-        <a:buFont typeface="Calibri" pitchFamily="34" charset="0"/>
-        <a:buChar char="◦"/>
-        <a:defRPr sz="1400" kern="1200">
+        <a:buFont typeface="Arial"/>
+        <a:buChar char="•"/>
+        <a:defRPr sz="2667" kern="1200">
           <a:solidFill>
-            <a:schemeClr val="tx1">
-              <a:lumMod val="75000"/>
-              <a:lumOff val="25000"/>
-            </a:schemeClr>
+            <a:schemeClr val="tx1"/>
           </a:solidFill>
           <a:latin typeface="+mn-lt"/>
           <a:ea typeface="+mn-ea"/>
           <a:cs typeface="+mn-cs"/>
         </a:defRPr>
       </a:lvl7pPr>
-      <a:lvl8pPr marL="1500000" indent="-228600" algn="l" defTabSz="914400" rtl="0" eaLnBrk="1" latinLnBrk="0" hangingPunct="1">
-        <a:lnSpc>
-          <a:spcPct val="90000"/>
-        </a:lnSpc>
+      <a:lvl8pPr marL="4571555" indent="-304770" algn="l" defTabSz="609541" rtl="0" eaLnBrk="1" latinLnBrk="0" hangingPunct="1">
         <a:spcBef>
-          <a:spcPts val="200"/>
+          <a:spcPct val="20000"/>
         </a:spcBef>
-        <a:spcAft>
-          <a:spcPts val="400"/>
-        </a:spcAft>
-        <a:buClr>
-          <a:schemeClr val="accent1"/>
-        </a:buClr>
-        <a:buFont typeface="Calibri" pitchFamily="34" charset="0"/>
-        <a:buChar char="◦"/>
-        <a:defRPr sz="1400" kern="1200">
+        <a:buFont typeface="Arial"/>
+        <a:buChar char="•"/>
+        <a:defRPr sz="2667" kern="1200">
           <a:solidFill>
-            <a:schemeClr val="tx1">
-              <a:lumMod val="75000"/>
-              <a:lumOff val="25000"/>
-            </a:schemeClr>
+            <a:schemeClr val="tx1"/>
           </a:solidFill>
           <a:latin typeface="+mn-lt"/>
           <a:ea typeface="+mn-ea"/>
           <a:cs typeface="+mn-cs"/>
         </a:defRPr>
       </a:lvl8pPr>
-      <a:lvl9pPr marL="1700000" indent="-228600" algn="l" defTabSz="914400" rtl="0" eaLnBrk="1" latinLnBrk="0" hangingPunct="1">
-        <a:lnSpc>
-          <a:spcPct val="90000"/>
-        </a:lnSpc>
+      <a:lvl9pPr marL="5181096" indent="-304770" algn="l" defTabSz="609541" rtl="0" eaLnBrk="1" latinLnBrk="0" hangingPunct="1">
         <a:spcBef>
-          <a:spcPts val="200"/>
+          <a:spcPct val="20000"/>
         </a:spcBef>
-        <a:spcAft>
-          <a:spcPts val="400"/>
-        </a:spcAft>
-        <a:buClr>
-          <a:schemeClr val="accent1"/>
-        </a:buClr>
-        <a:buFont typeface="Calibri" pitchFamily="34" charset="0"/>
-        <a:buChar char="◦"/>
-        <a:defRPr sz="1400" kern="1200">
+        <a:buFont typeface="Arial"/>
+        <a:buChar char="•"/>
+        <a:defRPr sz="2667" kern="1200">
           <a:solidFill>
-            <a:schemeClr val="tx1">
-              <a:lumMod val="75000"/>
-              <a:lumOff val="25000"/>
-            </a:schemeClr>
+            <a:schemeClr val="tx1"/>
           </a:solidFill>
           <a:latin typeface="+mn-lt"/>
           <a:ea typeface="+mn-ea"/>
@@ -3711,10 +2019,10 @@
     </p:bodyStyle>
     <p:otherStyle>
       <a:defPPr>
-        <a:defRPr lang="en-US"/>
+        <a:defRPr lang="de-DE"/>
       </a:defPPr>
-      <a:lvl1pPr marL="0" algn="l" defTabSz="914400" rtl="0" eaLnBrk="1" latinLnBrk="0" hangingPunct="1">
-        <a:defRPr sz="1800" kern="1200">
+      <a:lvl1pPr marL="0" algn="l" defTabSz="609541" rtl="0" eaLnBrk="1" latinLnBrk="0" hangingPunct="1">
+        <a:defRPr sz="2400" kern="1200">
           <a:solidFill>
             <a:schemeClr val="tx1"/>
           </a:solidFill>
@@ -3723,8 +2031,8 @@
           <a:cs typeface="+mn-cs"/>
         </a:defRPr>
       </a:lvl1pPr>
-      <a:lvl2pPr marL="457200" algn="l" defTabSz="914400" rtl="0" eaLnBrk="1" latinLnBrk="0" hangingPunct="1">
-        <a:defRPr sz="1800" kern="1200">
+      <a:lvl2pPr marL="609541" algn="l" defTabSz="609541" rtl="0" eaLnBrk="1" latinLnBrk="0" hangingPunct="1">
+        <a:defRPr sz="2400" kern="1200">
           <a:solidFill>
             <a:schemeClr val="tx1"/>
           </a:solidFill>
@@ -3733,8 +2041,8 @@
           <a:cs typeface="+mn-cs"/>
         </a:defRPr>
       </a:lvl2pPr>
-      <a:lvl3pPr marL="914400" algn="l" defTabSz="914400" rtl="0" eaLnBrk="1" latinLnBrk="0" hangingPunct="1">
-        <a:defRPr sz="1800" kern="1200">
+      <a:lvl3pPr marL="1219082" algn="l" defTabSz="609541" rtl="0" eaLnBrk="1" latinLnBrk="0" hangingPunct="1">
+        <a:defRPr sz="2400" kern="1200">
           <a:solidFill>
             <a:schemeClr val="tx1"/>
           </a:solidFill>
@@ -3743,8 +2051,8 @@
           <a:cs typeface="+mn-cs"/>
         </a:defRPr>
       </a:lvl3pPr>
-      <a:lvl4pPr marL="1371600" algn="l" defTabSz="914400" rtl="0" eaLnBrk="1" latinLnBrk="0" hangingPunct="1">
-        <a:defRPr sz="1800" kern="1200">
+      <a:lvl4pPr marL="1828622" algn="l" defTabSz="609541" rtl="0" eaLnBrk="1" latinLnBrk="0" hangingPunct="1">
+        <a:defRPr sz="2400" kern="1200">
           <a:solidFill>
             <a:schemeClr val="tx1"/>
           </a:solidFill>
@@ -3753,8 +2061,8 @@
           <a:cs typeface="+mn-cs"/>
         </a:defRPr>
       </a:lvl4pPr>
-      <a:lvl5pPr marL="1828800" algn="l" defTabSz="914400" rtl="0" eaLnBrk="1" latinLnBrk="0" hangingPunct="1">
-        <a:defRPr sz="1800" kern="1200">
+      <a:lvl5pPr marL="2438162" algn="l" defTabSz="609541" rtl="0" eaLnBrk="1" latinLnBrk="0" hangingPunct="1">
+        <a:defRPr sz="2400" kern="1200">
           <a:solidFill>
             <a:schemeClr val="tx1"/>
           </a:solidFill>
@@ -3763,8 +2071,8 @@
           <a:cs typeface="+mn-cs"/>
         </a:defRPr>
       </a:lvl5pPr>
-      <a:lvl6pPr marL="2286000" algn="l" defTabSz="914400" rtl="0" eaLnBrk="1" latinLnBrk="0" hangingPunct="1">
-        <a:defRPr sz="1800" kern="1200">
+      <a:lvl6pPr marL="3047704" algn="l" defTabSz="609541" rtl="0" eaLnBrk="1" latinLnBrk="0" hangingPunct="1">
+        <a:defRPr sz="2400" kern="1200">
           <a:solidFill>
             <a:schemeClr val="tx1"/>
           </a:solidFill>
@@ -3773,8 +2081,8 @@
           <a:cs typeface="+mn-cs"/>
         </a:defRPr>
       </a:lvl6pPr>
-      <a:lvl7pPr marL="2743200" algn="l" defTabSz="914400" rtl="0" eaLnBrk="1" latinLnBrk="0" hangingPunct="1">
-        <a:defRPr sz="1800" kern="1200">
+      <a:lvl7pPr marL="3657245" algn="l" defTabSz="609541" rtl="0" eaLnBrk="1" latinLnBrk="0" hangingPunct="1">
+        <a:defRPr sz="2400" kern="1200">
           <a:solidFill>
             <a:schemeClr val="tx1"/>
           </a:solidFill>
@@ -3783,8 +2091,8 @@
           <a:cs typeface="+mn-cs"/>
         </a:defRPr>
       </a:lvl7pPr>
-      <a:lvl8pPr marL="3200400" algn="l" defTabSz="914400" rtl="0" eaLnBrk="1" latinLnBrk="0" hangingPunct="1">
-        <a:defRPr sz="1800" kern="1200">
+      <a:lvl8pPr marL="4266785" algn="l" defTabSz="609541" rtl="0" eaLnBrk="1" latinLnBrk="0" hangingPunct="1">
+        <a:defRPr sz="2400" kern="1200">
           <a:solidFill>
             <a:schemeClr val="tx1"/>
           </a:solidFill>
@@ -3793,8 +2101,8 @@
           <a:cs typeface="+mn-cs"/>
         </a:defRPr>
       </a:lvl8pPr>
-      <a:lvl9pPr marL="3657600" algn="l" defTabSz="914400" rtl="0" eaLnBrk="1" latinLnBrk="0" hangingPunct="1">
-        <a:defRPr sz="1800" kern="1200">
+      <a:lvl9pPr marL="4876326" algn="l" defTabSz="609541" rtl="0" eaLnBrk="1" latinLnBrk="0" hangingPunct="1">
+        <a:defRPr sz="2400" kern="1200">
           <a:solidFill>
             <a:schemeClr val="tx1"/>
           </a:solidFill>
@@ -3832,7 +2140,7 @@
             <a:spLocks noGrp="1"/>
           </p:cNvSpPr>
           <p:nvPr>
-            <p:ph type="ctrTitle"/>
+            <p:ph type="title"/>
           </p:nvPr>
         </p:nvSpPr>
         <p:spPr/>
@@ -3842,11 +2150,7 @@
           <a:p>
             <a:r>
               <a:rPr lang="en-US" dirty="0" err="1" smtClean="0"/>
-              <a:t>PollyNET</a:t>
-            </a:r>
-            <a:r>
-              <a:rPr lang="en-US" dirty="0" smtClean="0"/>
-              <a:t> Automatic Processing Chain</a:t>
+              <a:t>Pollynet_Processing_Chain</a:t>
             </a:r>
             <a:endParaRPr lang="en-US" dirty="0"/>
           </a:p>
@@ -3854,12 +2158,12 @@
       </p:sp>
       <p:sp>
         <p:nvSpPr>
-          <p:cNvPr id="3" name="Subtitle 2"/>
+          <p:cNvPr id="3" name="Text Placeholder 2"/>
           <p:cNvSpPr>
             <a:spLocks noGrp="1"/>
           </p:cNvSpPr>
           <p:nvPr>
-            <p:ph type="subTitle" idx="1"/>
+            <p:ph type="body" sz="quarter" idx="10"/>
           </p:nvPr>
         </p:nvSpPr>
         <p:spPr/>
@@ -3869,7 +2173,13 @@
           <a:p>
             <a:r>
               <a:rPr lang="en-US" dirty="0" smtClean="0"/>
-              <a:t>Zhenping</a:t>
+              <a:t>Zhenping Yin</a:t>
+            </a:r>
+          </a:p>
+          <a:p>
+            <a:r>
+              <a:rPr lang="en-US" dirty="0" smtClean="0"/>
+              <a:t>2019-07-21</a:t>
             </a:r>
             <a:endParaRPr lang="en-US" dirty="0"/>
           </a:p>
@@ -3878,7 +2188,7 @@
     </p:spTree>
     <p:extLst>
       <p:ext uri="{BB962C8B-B14F-4D97-AF65-F5344CB8AC3E}">
-        <p14:creationId xmlns:p14="http://schemas.microsoft.com/office/powerpoint/2010/main" val="3646929316"/>
+        <p14:creationId xmlns:p14="http://schemas.microsoft.com/office/powerpoint/2010/main" val="3636402948"/>
       </p:ext>
     </p:extLst>
   </p:cSld>
@@ -3937,6 +2247,25 @@
               <a:t>rea decomposition</a:t>
             </a:r>
             <a:endParaRPr lang="en-US" dirty="0"/>
+          </a:p>
+        </p:txBody>
+      </p:sp>
+      <p:sp>
+        <p:nvSpPr>
+          <p:cNvPr id="6" name="Text Placeholder 5"/>
+          <p:cNvSpPr>
+            <a:spLocks noGrp="1"/>
+          </p:cNvSpPr>
+          <p:nvPr>
+            <p:ph type="body" sz="quarter" idx="18"/>
+          </p:nvPr>
+        </p:nvSpPr>
+        <p:spPr/>
+        <p:txBody>
+          <a:bodyPr/>
+          <a:lstStyle/>
+          <a:p>
+            <a:endParaRPr lang="en-US"/>
           </a:p>
         </p:txBody>
       </p:sp>
@@ -5087,6 +3416,25 @@
           </a:p>
         </p:txBody>
       </p:sp>
+      <p:sp>
+        <p:nvSpPr>
+          <p:cNvPr id="3" name="Text Placeholder 2"/>
+          <p:cNvSpPr>
+            <a:spLocks noGrp="1"/>
+          </p:cNvSpPr>
+          <p:nvPr>
+            <p:ph type="body" sz="quarter" idx="18"/>
+          </p:nvPr>
+        </p:nvSpPr>
+        <p:spPr/>
+        <p:txBody>
+          <a:bodyPr/>
+          <a:lstStyle/>
+          <a:p>
+            <a:endParaRPr lang="en-US"/>
+          </a:p>
+        </p:txBody>
+      </p:sp>
       <p:grpSp>
         <p:nvGrpSpPr>
           <p:cNvPr id="4" name="Group 3"/>
@@ -5187,7 +3535,7 @@
         </p:blipFill>
         <p:spPr>
           <a:xfrm>
-            <a:off x="5229543" y="1690688"/>
+            <a:off x="5162167" y="1097280"/>
             <a:ext cx="6362700" cy="4572000"/>
           </a:xfrm>
           <a:prstGeom prst="rect">
@@ -5456,6 +3804,25 @@
               <a:rPr lang="en-US" dirty="0"/>
               <a:t>Rayleigh Fit</a:t>
             </a:r>
+          </a:p>
+        </p:txBody>
+      </p:sp>
+      <p:sp>
+        <p:nvSpPr>
+          <p:cNvPr id="4" name="Text Placeholder 3"/>
+          <p:cNvSpPr>
+            <a:spLocks noGrp="1"/>
+          </p:cNvSpPr>
+          <p:nvPr>
+            <p:ph type="body" sz="quarter" idx="18"/>
+          </p:nvPr>
+        </p:nvSpPr>
+        <p:spPr/>
+        <p:txBody>
+          <a:bodyPr/>
+          <a:lstStyle/>
+          <a:p>
+            <a:endParaRPr lang="en-US"/>
           </a:p>
         </p:txBody>
       </p:sp>
@@ -6376,6 +4743,111 @@
 </p:sld>
 </file>
 
+<file path=ppt/slides/slide13.xml><?xml version="1.0" encoding="utf-8"?>
+<p:sld xmlns:a="http://schemas.openxmlformats.org/drawingml/2006/main" xmlns:r="http://schemas.openxmlformats.org/officeDocument/2006/relationships" xmlns:p="http://schemas.openxmlformats.org/presentationml/2006/main">
+  <p:cSld>
+    <p:spTree>
+      <p:nvGrpSpPr>
+        <p:cNvPr id="1" name=""/>
+        <p:cNvGrpSpPr/>
+        <p:nvPr/>
+      </p:nvGrpSpPr>
+      <p:grpSpPr>
+        <a:xfrm>
+          <a:off x="0" y="0"/>
+          <a:ext cx="0" cy="0"/>
+          <a:chOff x="0" y="0"/>
+          <a:chExt cx="0" cy="0"/>
+        </a:xfrm>
+      </p:grpSpPr>
+      <p:sp>
+        <p:nvSpPr>
+          <p:cNvPr id="2" name="Title 1"/>
+          <p:cNvSpPr>
+            <a:spLocks noGrp="1"/>
+          </p:cNvSpPr>
+          <p:nvPr>
+            <p:ph type="title"/>
+          </p:nvPr>
+        </p:nvSpPr>
+        <p:spPr/>
+        <p:txBody>
+          <a:bodyPr/>
+          <a:lstStyle/>
+          <a:p>
+            <a:r>
+              <a:rPr lang="en-US" dirty="0" smtClean="0"/>
+              <a:t>Installation and setup</a:t>
+            </a:r>
+            <a:endParaRPr lang="en-US" dirty="0"/>
+          </a:p>
+        </p:txBody>
+      </p:sp>
+      <p:sp>
+        <p:nvSpPr>
+          <p:cNvPr id="3" name="Text Placeholder 2"/>
+          <p:cNvSpPr>
+            <a:spLocks noGrp="1"/>
+          </p:cNvSpPr>
+          <p:nvPr>
+            <p:ph type="body" sz="quarter" idx="18"/>
+          </p:nvPr>
+        </p:nvSpPr>
+        <p:spPr/>
+        <p:txBody>
+          <a:bodyPr/>
+          <a:lstStyle/>
+          <a:p>
+            <a:endParaRPr lang="en-US"/>
+          </a:p>
+        </p:txBody>
+      </p:sp>
+      <p:sp>
+        <p:nvSpPr>
+          <p:cNvPr id="4" name="TextBox 3"/>
+          <p:cNvSpPr txBox="1"/>
+          <p:nvPr/>
+        </p:nvSpPr>
+        <p:spPr>
+          <a:xfrm>
+            <a:off x="567891" y="1251284"/>
+            <a:ext cx="10693667" cy="4312118"/>
+          </a:xfrm>
+          <a:prstGeom prst="rect">
+            <a:avLst/>
+          </a:prstGeom>
+          <a:noFill/>
+        </p:spPr>
+        <p:txBody>
+          <a:bodyPr wrap="square" rtlCol="0">
+            <a:spAutoFit/>
+          </a:bodyPr>
+          <a:lstStyle/>
+          <a:p>
+            <a:endParaRPr lang="en-US"/>
+          </a:p>
+        </p:txBody>
+      </p:sp>
+    </p:spTree>
+    <p:extLst>
+      <p:ext uri="{BB962C8B-B14F-4D97-AF65-F5344CB8AC3E}">
+        <p14:creationId xmlns:p14="http://schemas.microsoft.com/office/powerpoint/2010/main" val="313342365"/>
+      </p:ext>
+    </p:extLst>
+  </p:cSld>
+  <p:clrMapOvr>
+    <a:masterClrMapping/>
+  </p:clrMapOvr>
+  <p:timing>
+    <p:tnLst>
+      <p:par>
+        <p:cTn id="1" dur="indefinite" restart="never" nodeType="tmRoot"/>
+      </p:par>
+    </p:tnLst>
+  </p:timing>
+</p:sld>
+</file>
+
 <file path=ppt/slides/slide2.xml><?xml version="1.0" encoding="utf-8"?>
 <p:sld xmlns:a="http://schemas.openxmlformats.org/drawingml/2006/main" xmlns:r="http://schemas.openxmlformats.org/officeDocument/2006/relationships" xmlns:p="http://schemas.openxmlformats.org/presentationml/2006/main">
   <p:cSld>
@@ -6418,6 +4890,25 @@
       </p:sp>
       <p:sp>
         <p:nvSpPr>
+          <p:cNvPr id="3" name="Text Placeholder 2"/>
+          <p:cNvSpPr>
+            <a:spLocks noGrp="1"/>
+          </p:cNvSpPr>
+          <p:nvPr>
+            <p:ph type="body" sz="quarter" idx="18"/>
+          </p:nvPr>
+        </p:nvSpPr>
+        <p:spPr/>
+        <p:txBody>
+          <a:bodyPr/>
+          <a:lstStyle/>
+          <a:p>
+            <a:endParaRPr lang="en-US"/>
+          </a:p>
+        </p:txBody>
+      </p:sp>
+      <p:sp>
+        <p:nvSpPr>
           <p:cNvPr id="4" name="TextBox 3"/>
           <p:cNvSpPr txBox="1"/>
           <p:nvPr/>
@@ -6425,7 +4916,7 @@
         <p:spPr>
           <a:xfrm>
             <a:off x="1189703" y="1553497"/>
-            <a:ext cx="9881420" cy="2677656"/>
+            <a:ext cx="9881420" cy="3323987"/>
           </a:xfrm>
           <a:prstGeom prst="rect">
             <a:avLst/>
@@ -6438,12 +4929,12 @@
           </a:bodyPr>
           <a:lstStyle/>
           <a:p>
-            <a:pPr marL="285750" indent="-285750">
+            <a:pPr marL="514350" indent="-514350">
               <a:lnSpc>
                 <a:spcPct val="150000"/>
               </a:lnSpc>
-              <a:buFont typeface="Arial" panose="020B0604020202020204" pitchFamily="34" charset="0"/>
-              <a:buChar char="•"/>
+              <a:buFont typeface="Wingdings" panose="05000000000000000000" pitchFamily="2" charset="2"/>
+              <a:buChar char="Ø"/>
             </a:pPr>
             <a:r>
               <a:rPr lang="en-US" sz="2800" dirty="0" smtClean="0"/>
@@ -6451,12 +4942,12 @@
             </a:r>
           </a:p>
           <a:p>
-            <a:pPr marL="285750" indent="-285750">
+            <a:pPr marL="514350" indent="-514350">
               <a:lnSpc>
                 <a:spcPct val="150000"/>
               </a:lnSpc>
-              <a:buFont typeface="Arial" panose="020B0604020202020204" pitchFamily="34" charset="0"/>
-              <a:buChar char="•"/>
+              <a:buFont typeface="Wingdings" panose="05000000000000000000" pitchFamily="2" charset="2"/>
+              <a:buChar char="Ø"/>
             </a:pPr>
             <a:r>
               <a:rPr lang="en-US" sz="2800" dirty="0" smtClean="0"/>
@@ -6464,25 +4955,43 @@
             </a:r>
           </a:p>
           <a:p>
-            <a:pPr marL="285750" indent="-285750">
+            <a:pPr marL="514350" indent="-514350">
               <a:lnSpc>
                 <a:spcPct val="150000"/>
               </a:lnSpc>
-              <a:buFont typeface="Arial" panose="020B0604020202020204" pitchFamily="34" charset="0"/>
-              <a:buChar char="•"/>
+              <a:buFont typeface="Wingdings" panose="05000000000000000000" pitchFamily="2" charset="2"/>
+              <a:buChar char="Ø"/>
             </a:pPr>
             <a:r>
               <a:rPr lang="en-US" sz="2800" dirty="0" smtClean="0"/>
-              <a:t>Products and Configurations</a:t>
+              <a:t>Products and </a:t>
+            </a:r>
+            <a:r>
+              <a:rPr lang="en-US" sz="2800" dirty="0" smtClean="0"/>
+              <a:t>Configurations</a:t>
             </a:r>
           </a:p>
           <a:p>
-            <a:pPr marL="285750" indent="-285750">
+            <a:pPr marL="514350" indent="-514350">
               <a:lnSpc>
                 <a:spcPct val="150000"/>
               </a:lnSpc>
-              <a:buFont typeface="Arial" panose="020B0604020202020204" pitchFamily="34" charset="0"/>
-              <a:buChar char="•"/>
+              <a:buFont typeface="Wingdings" panose="05000000000000000000" pitchFamily="2" charset="2"/>
+              <a:buChar char="Ø"/>
+            </a:pPr>
+            <a:r>
+              <a:rPr lang="en-US" sz="2800" dirty="0" smtClean="0"/>
+              <a:t>Installation and setup</a:t>
+            </a:r>
+            <a:endParaRPr lang="en-US" sz="2800" dirty="0" smtClean="0"/>
+          </a:p>
+          <a:p>
+            <a:pPr marL="514350" indent="-514350">
+              <a:lnSpc>
+                <a:spcPct val="150000"/>
+              </a:lnSpc>
+              <a:buFont typeface="Wingdings" panose="05000000000000000000" pitchFamily="2" charset="2"/>
+              <a:buChar char="Ø"/>
             </a:pPr>
             <a:r>
               <a:rPr lang="en-US" sz="2800" dirty="0" smtClean="0"/>
@@ -6495,7 +5004,7 @@
     </p:spTree>
     <p:extLst>
       <p:ext uri="{BB962C8B-B14F-4D97-AF65-F5344CB8AC3E}">
-        <p14:creationId xmlns:p14="http://schemas.microsoft.com/office/powerpoint/2010/main" val="1565006850"/>
+        <p14:creationId xmlns:p14="http://schemas.microsoft.com/office/powerpoint/2010/main" val="1937983664"/>
       </p:ext>
     </p:extLst>
   </p:cSld>
@@ -6549,9 +5058,28 @@
           </a:p>
         </p:txBody>
       </p:sp>
+      <p:sp>
+        <p:nvSpPr>
+          <p:cNvPr id="3" name="Text Placeholder 2"/>
+          <p:cNvSpPr>
+            <a:spLocks noGrp="1"/>
+          </p:cNvSpPr>
+          <p:nvPr>
+            <p:ph type="body" sz="quarter" idx="18"/>
+          </p:nvPr>
+        </p:nvSpPr>
+        <p:spPr/>
+        <p:txBody>
+          <a:bodyPr/>
+          <a:lstStyle/>
+          <a:p>
+            <a:endParaRPr lang="en-US"/>
+          </a:p>
+        </p:txBody>
+      </p:sp>
       <p:grpSp>
         <p:nvGrpSpPr>
-          <p:cNvPr id="64" name="Group 63"/>
+          <p:cNvPr id="4" name="Group 3"/>
           <p:cNvGrpSpPr/>
           <p:nvPr/>
         </p:nvGrpSpPr>
@@ -6565,7 +5093,7 @@
         </p:grpSpPr>
         <p:sp>
           <p:nvSpPr>
-            <p:cNvPr id="4" name="Rectangle 3"/>
+            <p:cNvPr id="5" name="Rectangle 4"/>
             <p:cNvSpPr/>
             <p:nvPr/>
           </p:nvSpPr>
@@ -6653,7 +5181,7 @@
         </p:sp>
         <p:sp>
           <p:nvSpPr>
-            <p:cNvPr id="8" name="Round Same Side Corner Rectangle 7"/>
+            <p:cNvPr id="7" name="Round Same Side Corner Rectangle 6"/>
             <p:cNvSpPr/>
             <p:nvPr/>
           </p:nvSpPr>
@@ -6697,7 +5225,7 @@
         </p:sp>
         <p:sp>
           <p:nvSpPr>
-            <p:cNvPr id="9" name="Round Same Side Corner Rectangle 8"/>
+            <p:cNvPr id="8" name="Round Same Side Corner Rectangle 7"/>
             <p:cNvSpPr/>
             <p:nvPr/>
           </p:nvSpPr>
@@ -6741,7 +5269,7 @@
         </p:sp>
         <p:sp>
           <p:nvSpPr>
-            <p:cNvPr id="10" name="Round Same Side Corner Rectangle 9"/>
+            <p:cNvPr id="9" name="Round Same Side Corner Rectangle 8"/>
             <p:cNvSpPr/>
             <p:nvPr/>
           </p:nvSpPr>
@@ -6785,7 +5313,7 @@
         </p:sp>
         <p:sp>
           <p:nvSpPr>
-            <p:cNvPr id="11" name="Rounded Rectangle 10"/>
+            <p:cNvPr id="10" name="Rounded Rectangle 9"/>
             <p:cNvSpPr/>
             <p:nvPr/>
           </p:nvSpPr>
@@ -6829,9 +5357,9 @@
         </p:sp>
         <p:cxnSp>
           <p:nvCxnSpPr>
-            <p:cNvPr id="14" name="Straight Connector 13"/>
+            <p:cNvPr id="11" name="Straight Connector 10"/>
             <p:cNvCxnSpPr>
-              <a:stCxn id="4" idx="2"/>
+              <a:stCxn id="5" idx="2"/>
               <a:endCxn id="6" idx="3"/>
             </p:cNvCxnSpPr>
             <p:nvPr/>
@@ -6862,10 +5390,10 @@
         </p:cxnSp>
         <p:cxnSp>
           <p:nvCxnSpPr>
-            <p:cNvPr id="15" name="Straight Connector 14"/>
+            <p:cNvPr id="12" name="Straight Connector 11"/>
             <p:cNvCxnSpPr>
-              <a:stCxn id="4" idx="2"/>
-              <a:endCxn id="8" idx="3"/>
+              <a:stCxn id="5" idx="2"/>
+              <a:endCxn id="7" idx="3"/>
             </p:cNvCxnSpPr>
             <p:nvPr/>
           </p:nvCxnSpPr>
@@ -6895,10 +5423,10 @@
         </p:cxnSp>
         <p:cxnSp>
           <p:nvCxnSpPr>
-            <p:cNvPr id="19" name="Straight Connector 18"/>
+            <p:cNvPr id="13" name="Straight Connector 12"/>
             <p:cNvCxnSpPr>
-              <a:stCxn id="4" idx="2"/>
-              <a:endCxn id="10" idx="3"/>
+              <a:stCxn id="5" idx="2"/>
+              <a:endCxn id="9" idx="3"/>
             </p:cNvCxnSpPr>
             <p:nvPr/>
           </p:nvCxnSpPr>
@@ -6928,10 +5456,10 @@
         </p:cxnSp>
         <p:cxnSp>
           <p:nvCxnSpPr>
-            <p:cNvPr id="20" name="Straight Connector 19"/>
+            <p:cNvPr id="14" name="Straight Connector 13"/>
             <p:cNvCxnSpPr>
-              <a:stCxn id="4" idx="2"/>
-              <a:endCxn id="9" idx="3"/>
+              <a:stCxn id="5" idx="2"/>
+              <a:endCxn id="8" idx="3"/>
             </p:cNvCxnSpPr>
             <p:nvPr/>
           </p:nvCxnSpPr>
@@ -6961,10 +5489,10 @@
         </p:cxnSp>
         <p:cxnSp>
           <p:nvCxnSpPr>
-            <p:cNvPr id="24" name="Straight Connector 23"/>
+            <p:cNvPr id="15" name="Straight Connector 14"/>
             <p:cNvCxnSpPr>
               <a:stCxn id="6" idx="1"/>
-              <a:endCxn id="11" idx="0"/>
+              <a:endCxn id="10" idx="0"/>
             </p:cNvCxnSpPr>
             <p:nvPr/>
           </p:nvCxnSpPr>
@@ -6994,10 +5522,10 @@
         </p:cxnSp>
         <p:cxnSp>
           <p:nvCxnSpPr>
-            <p:cNvPr id="27" name="Straight Connector 26"/>
+            <p:cNvPr id="16" name="Straight Connector 15"/>
             <p:cNvCxnSpPr>
-              <a:stCxn id="8" idx="1"/>
-              <a:endCxn id="11" idx="0"/>
+              <a:stCxn id="7" idx="1"/>
+              <a:endCxn id="10" idx="0"/>
             </p:cNvCxnSpPr>
             <p:nvPr/>
           </p:nvCxnSpPr>
@@ -7027,10 +5555,10 @@
         </p:cxnSp>
         <p:cxnSp>
           <p:nvCxnSpPr>
-            <p:cNvPr id="28" name="Straight Connector 27"/>
+            <p:cNvPr id="17" name="Straight Connector 16"/>
             <p:cNvCxnSpPr>
-              <a:stCxn id="10" idx="1"/>
-              <a:endCxn id="11" idx="0"/>
+              <a:stCxn id="9" idx="1"/>
+              <a:endCxn id="10" idx="0"/>
             </p:cNvCxnSpPr>
             <p:nvPr/>
           </p:nvCxnSpPr>
@@ -7060,10 +5588,10 @@
         </p:cxnSp>
         <p:cxnSp>
           <p:nvCxnSpPr>
-            <p:cNvPr id="29" name="Straight Connector 28"/>
+            <p:cNvPr id="18" name="Straight Connector 17"/>
             <p:cNvCxnSpPr>
-              <a:stCxn id="9" idx="1"/>
-              <a:endCxn id="11" idx="0"/>
+              <a:stCxn id="8" idx="1"/>
+              <a:endCxn id="10" idx="0"/>
             </p:cNvCxnSpPr>
             <p:nvPr/>
           </p:nvCxnSpPr>
@@ -7094,7 +5622,7 @@
       </p:grpSp>
       <p:grpSp>
         <p:nvGrpSpPr>
-          <p:cNvPr id="63" name="Group 62"/>
+          <p:cNvPr id="19" name="Group 18"/>
           <p:cNvGrpSpPr/>
           <p:nvPr/>
         </p:nvGrpSpPr>
@@ -7108,7 +5636,7 @@
         </p:grpSpPr>
         <p:sp>
           <p:nvSpPr>
-            <p:cNvPr id="5" name="Rectangle 4"/>
+            <p:cNvPr id="20" name="Rectangle 19"/>
             <p:cNvSpPr/>
             <p:nvPr/>
           </p:nvSpPr>
@@ -7152,7 +5680,7 @@
         </p:sp>
         <p:sp>
           <p:nvSpPr>
-            <p:cNvPr id="33" name="Round Same Side Corner Rectangle 32"/>
+            <p:cNvPr id="21" name="Round Same Side Corner Rectangle 20"/>
             <p:cNvSpPr/>
             <p:nvPr/>
           </p:nvSpPr>
@@ -7196,7 +5724,7 @@
         </p:sp>
         <p:sp>
           <p:nvSpPr>
-            <p:cNvPr id="34" name="Round Same Side Corner Rectangle 33"/>
+            <p:cNvPr id="22" name="Round Same Side Corner Rectangle 21"/>
             <p:cNvSpPr/>
             <p:nvPr/>
           </p:nvSpPr>
@@ -7240,7 +5768,7 @@
         </p:sp>
         <p:sp>
           <p:nvSpPr>
-            <p:cNvPr id="35" name="Round Same Side Corner Rectangle 34"/>
+            <p:cNvPr id="23" name="Round Same Side Corner Rectangle 22"/>
             <p:cNvSpPr/>
             <p:nvPr/>
           </p:nvSpPr>
@@ -7284,7 +5812,7 @@
         </p:sp>
         <p:sp>
           <p:nvSpPr>
-            <p:cNvPr id="37" name="Round Same Side Corner Rectangle 36"/>
+            <p:cNvPr id="24" name="Round Same Side Corner Rectangle 23"/>
             <p:cNvSpPr/>
             <p:nvPr/>
           </p:nvSpPr>
@@ -7328,7 +5856,7 @@
         </p:sp>
         <p:sp>
           <p:nvSpPr>
-            <p:cNvPr id="38" name="Rounded Rectangle 37"/>
+            <p:cNvPr id="25" name="Rounded Rectangle 24"/>
             <p:cNvSpPr/>
             <p:nvPr/>
           </p:nvSpPr>
@@ -7372,10 +5900,10 @@
         </p:sp>
         <p:cxnSp>
           <p:nvCxnSpPr>
-            <p:cNvPr id="39" name="Straight Connector 38"/>
+            <p:cNvPr id="26" name="Straight Connector 25"/>
             <p:cNvCxnSpPr>
-              <a:stCxn id="5" idx="2"/>
-              <a:endCxn id="35" idx="3"/>
+              <a:stCxn id="20" idx="2"/>
+              <a:endCxn id="23" idx="3"/>
             </p:cNvCxnSpPr>
             <p:nvPr/>
           </p:nvCxnSpPr>
@@ -7405,9 +5933,9 @@
         </p:cxnSp>
         <p:cxnSp>
           <p:nvCxnSpPr>
-            <p:cNvPr id="40" name="Straight Connector 39"/>
+            <p:cNvPr id="27" name="Straight Connector 26"/>
             <p:cNvCxnSpPr>
-              <a:endCxn id="34" idx="3"/>
+              <a:endCxn id="22" idx="3"/>
             </p:cNvCxnSpPr>
             <p:nvPr/>
           </p:nvCxnSpPr>
@@ -7437,10 +5965,10 @@
         </p:cxnSp>
         <p:cxnSp>
           <p:nvCxnSpPr>
-            <p:cNvPr id="41" name="Straight Connector 40"/>
+            <p:cNvPr id="28" name="Straight Connector 27"/>
             <p:cNvCxnSpPr>
-              <a:stCxn id="33" idx="1"/>
-              <a:endCxn id="38" idx="0"/>
+              <a:stCxn id="21" idx="1"/>
+              <a:endCxn id="25" idx="0"/>
             </p:cNvCxnSpPr>
             <p:nvPr/>
           </p:nvCxnSpPr>
@@ -7470,10 +5998,10 @@
         </p:cxnSp>
         <p:cxnSp>
           <p:nvCxnSpPr>
-            <p:cNvPr id="42" name="Straight Connector 41"/>
+            <p:cNvPr id="29" name="Straight Connector 28"/>
             <p:cNvCxnSpPr>
-              <a:stCxn id="5" idx="2"/>
-              <a:endCxn id="37" idx="3"/>
+              <a:stCxn id="20" idx="2"/>
+              <a:endCxn id="24" idx="3"/>
             </p:cNvCxnSpPr>
             <p:nvPr/>
           </p:nvCxnSpPr>
@@ -7503,10 +6031,10 @@
         </p:cxnSp>
         <p:cxnSp>
           <p:nvCxnSpPr>
-            <p:cNvPr id="43" name="Straight Connector 42"/>
+            <p:cNvPr id="30" name="Straight Connector 29"/>
             <p:cNvCxnSpPr>
-              <a:stCxn id="5" idx="2"/>
-              <a:endCxn id="33" idx="3"/>
+              <a:stCxn id="20" idx="2"/>
+              <a:endCxn id="21" idx="3"/>
             </p:cNvCxnSpPr>
             <p:nvPr/>
           </p:nvCxnSpPr>
@@ -7536,10 +6064,10 @@
         </p:cxnSp>
         <p:cxnSp>
           <p:nvCxnSpPr>
-            <p:cNvPr id="54" name="Straight Connector 53"/>
+            <p:cNvPr id="31" name="Straight Connector 30"/>
             <p:cNvCxnSpPr>
-              <a:stCxn id="34" idx="1"/>
-              <a:endCxn id="38" idx="0"/>
+              <a:stCxn id="22" idx="1"/>
+              <a:endCxn id="25" idx="0"/>
             </p:cNvCxnSpPr>
             <p:nvPr/>
           </p:nvCxnSpPr>
@@ -7569,10 +6097,10 @@
         </p:cxnSp>
         <p:cxnSp>
           <p:nvCxnSpPr>
-            <p:cNvPr id="55" name="Straight Connector 54"/>
+            <p:cNvPr id="32" name="Straight Connector 31"/>
             <p:cNvCxnSpPr>
-              <a:stCxn id="35" idx="1"/>
-              <a:endCxn id="38" idx="0"/>
+              <a:stCxn id="23" idx="1"/>
+              <a:endCxn id="25" idx="0"/>
             </p:cNvCxnSpPr>
             <p:nvPr/>
           </p:nvCxnSpPr>
@@ -7602,10 +6130,10 @@
         </p:cxnSp>
         <p:cxnSp>
           <p:nvCxnSpPr>
-            <p:cNvPr id="56" name="Straight Connector 55"/>
+            <p:cNvPr id="33" name="Straight Connector 32"/>
             <p:cNvCxnSpPr>
-              <a:stCxn id="37" idx="1"/>
-              <a:endCxn id="38" idx="0"/>
+              <a:stCxn id="24" idx="1"/>
+              <a:endCxn id="25" idx="0"/>
             </p:cNvCxnSpPr>
             <p:nvPr/>
           </p:nvCxnSpPr>
@@ -7637,7 +6165,7 @@
     </p:spTree>
     <p:extLst>
       <p:ext uri="{BB962C8B-B14F-4D97-AF65-F5344CB8AC3E}">
-        <p14:creationId xmlns:p14="http://schemas.microsoft.com/office/powerpoint/2010/main" val="1627752834"/>
+        <p14:creationId xmlns:p14="http://schemas.microsoft.com/office/powerpoint/2010/main" val="1883281682"/>
       </p:ext>
     </p:extLst>
   </p:cSld>
@@ -7681,20 +6209,446 @@
           <a:p>
             <a:r>
               <a:rPr lang="en-US" dirty="0" smtClean="0"/>
-              <a:t>Workflow - </a:t>
+              <a:t>Workflow</a:t>
+            </a:r>
+            <a:endParaRPr lang="en-US" dirty="0"/>
+          </a:p>
+        </p:txBody>
+      </p:sp>
+      <p:sp>
+        <p:nvSpPr>
+          <p:cNvPr id="3" name="Text Placeholder 2"/>
+          <p:cNvSpPr>
+            <a:spLocks noGrp="1"/>
+          </p:cNvSpPr>
+          <p:nvPr>
+            <p:ph type="body" sz="quarter" idx="18"/>
+          </p:nvPr>
+        </p:nvSpPr>
+        <p:spPr/>
+        <p:txBody>
+          <a:bodyPr/>
+          <a:lstStyle/>
+          <a:p>
+            <a:endParaRPr lang="en-US"/>
+          </a:p>
+        </p:txBody>
+      </p:sp>
+      <p:sp>
+        <p:nvSpPr>
+          <p:cNvPr id="7" name="Rectangle 6"/>
+          <p:cNvSpPr/>
+          <p:nvPr/>
+        </p:nvSpPr>
+        <p:spPr>
+          <a:xfrm>
+            <a:off x="5710714" y="2585027"/>
+            <a:ext cx="2604378" cy="2033555"/>
+          </a:xfrm>
+          <a:prstGeom prst="rect">
+            <a:avLst/>
+          </a:prstGeom>
+          <a:noFill/>
+          <a:ln w="38100">
+            <a:solidFill>
+              <a:srgbClr val="FF0000"/>
+            </a:solidFill>
+          </a:ln>
+        </p:spPr>
+        <p:style>
+          <a:lnRef idx="1">
+            <a:schemeClr val="accent1"/>
+          </a:lnRef>
+          <a:fillRef idx="3">
+            <a:schemeClr val="accent1"/>
+          </a:fillRef>
+          <a:effectRef idx="2">
+            <a:schemeClr val="accent1"/>
+          </a:effectRef>
+          <a:fontRef idx="minor">
+            <a:schemeClr val="lt1"/>
+          </a:fontRef>
+        </p:style>
+        <p:txBody>
+          <a:bodyPr rtlCol="0" anchor="ctr"/>
+          <a:lstStyle/>
+          <a:p>
+            <a:pPr algn="ctr"/>
+            <a:endParaRPr lang="en-US"/>
+          </a:p>
+        </p:txBody>
+      </p:sp>
+      <p:cxnSp>
+        <p:nvCxnSpPr>
+          <p:cNvPr id="9" name="Straight Arrow Connector 8"/>
+          <p:cNvCxnSpPr/>
+          <p:nvPr/>
+        </p:nvCxnSpPr>
+        <p:spPr>
+          <a:xfrm flipV="1">
+            <a:off x="6961998" y="4842869"/>
+            <a:ext cx="0" cy="529389"/>
+          </a:xfrm>
+          <a:prstGeom prst="straightConnector1">
+            <a:avLst/>
+          </a:prstGeom>
+          <a:ln w="76200">
+            <a:solidFill>
+              <a:srgbClr val="FF0000"/>
+            </a:solidFill>
+            <a:tailEnd type="triangle"/>
+          </a:ln>
+        </p:spPr>
+        <p:style>
+          <a:lnRef idx="2">
+            <a:schemeClr val="accent1"/>
+          </a:lnRef>
+          <a:fillRef idx="0">
+            <a:schemeClr val="accent1"/>
+          </a:fillRef>
+          <a:effectRef idx="1">
+            <a:schemeClr val="accent1"/>
+          </a:effectRef>
+          <a:fontRef idx="minor">
+            <a:schemeClr val="tx1"/>
+          </a:fontRef>
+        </p:style>
+      </p:cxnSp>
+      <p:sp>
+        <p:nvSpPr>
+          <p:cNvPr id="10" name="TextBox 9"/>
+          <p:cNvSpPr txBox="1"/>
+          <p:nvPr/>
+        </p:nvSpPr>
+        <p:spPr>
+          <a:xfrm>
+            <a:off x="5257800" y="5412120"/>
+            <a:ext cx="4152321" cy="461665"/>
+          </a:xfrm>
+          <a:prstGeom prst="rect">
+            <a:avLst/>
+          </a:prstGeom>
+          <a:noFill/>
+        </p:spPr>
+        <p:txBody>
+          <a:bodyPr wrap="square" rtlCol="0">
+            <a:spAutoFit/>
+          </a:bodyPr>
+          <a:lstStyle/>
+          <a:p>
+            <a:r>
+              <a:rPr lang="en-US" sz="2400" b="1" dirty="0"/>
+              <a:t>P</a:t>
             </a:r>
             <a:r>
-              <a:rPr lang="en-US" dirty="0" err="1" smtClean="0"/>
-              <a:t>PollyNet</a:t>
+              <a:rPr lang="en-US" sz="2400" b="1" dirty="0" smtClean="0"/>
+              <a:t>ollyNET processing program</a:t>
             </a:r>
-            <a:endParaRPr lang="en-US" dirty="0"/>
+            <a:endParaRPr lang="en-US" sz="2400" b="1" dirty="0"/>
+          </a:p>
+        </p:txBody>
+      </p:sp>
+      <p:cxnSp>
+        <p:nvCxnSpPr>
+          <p:cNvPr id="12" name="Straight Arrow Connector 11"/>
+          <p:cNvCxnSpPr/>
+          <p:nvPr/>
+        </p:nvCxnSpPr>
+        <p:spPr>
+          <a:xfrm>
+            <a:off x="1163726" y="1636295"/>
+            <a:ext cx="10242211" cy="0"/>
+          </a:xfrm>
+          <a:prstGeom prst="straightConnector1">
+            <a:avLst/>
+          </a:prstGeom>
+          <a:ln w="76200">
+            <a:tailEnd type="triangle"/>
+          </a:ln>
+        </p:spPr>
+        <p:style>
+          <a:lnRef idx="2">
+            <a:schemeClr val="dk1"/>
+          </a:lnRef>
+          <a:fillRef idx="0">
+            <a:schemeClr val="dk1"/>
+          </a:fillRef>
+          <a:effectRef idx="1">
+            <a:schemeClr val="dk1"/>
+          </a:effectRef>
+          <a:fontRef idx="minor">
+            <a:schemeClr val="tx1"/>
+          </a:fontRef>
+        </p:style>
+      </p:cxnSp>
+      <p:pic>
+        <p:nvPicPr>
+          <p:cNvPr id="13" name="Picture 12"/>
+          <p:cNvPicPr>
+            <a:picLocks noChangeAspect="1"/>
+          </p:cNvPicPr>
+          <p:nvPr/>
+        </p:nvPicPr>
+        <p:blipFill>
+          <a:blip r:embed="rId2"/>
+          <a:stretch>
+            <a:fillRect/>
+          </a:stretch>
+        </p:blipFill>
+        <p:spPr>
+          <a:xfrm>
+            <a:off x="301798" y="2795941"/>
+            <a:ext cx="1978678" cy="1828800"/>
+          </a:xfrm>
+          <a:prstGeom prst="rect">
+            <a:avLst/>
+          </a:prstGeom>
+        </p:spPr>
+      </p:pic>
+      <p:cxnSp>
+        <p:nvCxnSpPr>
+          <p:cNvPr id="15" name="Straight Arrow Connector 14"/>
+          <p:cNvCxnSpPr/>
+          <p:nvPr/>
+        </p:nvCxnSpPr>
+        <p:spPr>
+          <a:xfrm>
+            <a:off x="2469548" y="3699913"/>
+            <a:ext cx="530994" cy="20855"/>
+          </a:xfrm>
+          <a:prstGeom prst="straightConnector1">
+            <a:avLst/>
+          </a:prstGeom>
+          <a:ln w="76200">
+            <a:solidFill>
+              <a:schemeClr val="tx1"/>
+            </a:solidFill>
+            <a:tailEnd type="triangle"/>
+          </a:ln>
+        </p:spPr>
+        <p:style>
+          <a:lnRef idx="2">
+            <a:schemeClr val="accent1"/>
+          </a:lnRef>
+          <a:fillRef idx="0">
+            <a:schemeClr val="accent1"/>
+          </a:fillRef>
+          <a:effectRef idx="1">
+            <a:schemeClr val="accent1"/>
+          </a:effectRef>
+          <a:fontRef idx="minor">
+            <a:schemeClr val="tx1"/>
+          </a:fontRef>
+        </p:style>
+      </p:cxnSp>
+      <p:pic>
+        <p:nvPicPr>
+          <p:cNvPr id="17" name="Picture 16"/>
+          <p:cNvPicPr>
+            <a:picLocks noChangeAspect="1"/>
+          </p:cNvPicPr>
+          <p:nvPr/>
+        </p:nvPicPr>
+        <p:blipFill>
+          <a:blip r:embed="rId3"/>
+          <a:stretch>
+            <a:fillRect/>
+          </a:stretch>
+        </p:blipFill>
+        <p:spPr>
+          <a:xfrm>
+            <a:off x="3189614" y="3086628"/>
+            <a:ext cx="1406898" cy="1371600"/>
+          </a:xfrm>
+          <a:prstGeom prst="rect">
+            <a:avLst/>
+          </a:prstGeom>
+        </p:spPr>
+      </p:pic>
+      <p:cxnSp>
+        <p:nvCxnSpPr>
+          <p:cNvPr id="18" name="Straight Arrow Connector 17"/>
+          <p:cNvCxnSpPr/>
+          <p:nvPr/>
+        </p:nvCxnSpPr>
+        <p:spPr>
+          <a:xfrm>
+            <a:off x="4785584" y="3772428"/>
+            <a:ext cx="530994" cy="20855"/>
+          </a:xfrm>
+          <a:prstGeom prst="straightConnector1">
+            <a:avLst/>
+          </a:prstGeom>
+          <a:ln w="76200">
+            <a:solidFill>
+              <a:schemeClr val="tx1"/>
+            </a:solidFill>
+            <a:tailEnd type="triangle"/>
+          </a:ln>
+        </p:spPr>
+        <p:style>
+          <a:lnRef idx="2">
+            <a:schemeClr val="accent1"/>
+          </a:lnRef>
+          <a:fillRef idx="0">
+            <a:schemeClr val="accent1"/>
+          </a:fillRef>
+          <a:effectRef idx="1">
+            <a:schemeClr val="accent1"/>
+          </a:effectRef>
+          <a:fontRef idx="minor">
+            <a:schemeClr val="tx1"/>
+          </a:fontRef>
+        </p:style>
+      </p:cxnSp>
+      <p:pic>
+        <p:nvPicPr>
+          <p:cNvPr id="21" name="Picture 20"/>
+          <p:cNvPicPr>
+            <a:picLocks noChangeAspect="1"/>
+          </p:cNvPicPr>
+          <p:nvPr/>
+        </p:nvPicPr>
+        <p:blipFill>
+          <a:blip r:embed="rId4"/>
+          <a:stretch>
+            <a:fillRect/>
+          </a:stretch>
+        </p:blipFill>
+        <p:spPr>
+          <a:xfrm>
+            <a:off x="6154891" y="2762691"/>
+            <a:ext cx="1695537" cy="1695537"/>
+          </a:xfrm>
+          <a:prstGeom prst="rect">
+            <a:avLst/>
+          </a:prstGeom>
+        </p:spPr>
+      </p:pic>
+      <p:cxnSp>
+        <p:nvCxnSpPr>
+          <p:cNvPr id="22" name="Straight Arrow Connector 21"/>
+          <p:cNvCxnSpPr/>
+          <p:nvPr/>
+        </p:nvCxnSpPr>
+        <p:spPr>
+          <a:xfrm>
+            <a:off x="8709228" y="3793283"/>
+            <a:ext cx="530994" cy="20855"/>
+          </a:xfrm>
+          <a:prstGeom prst="straightConnector1">
+            <a:avLst/>
+          </a:prstGeom>
+          <a:ln w="76200">
+            <a:solidFill>
+              <a:schemeClr val="tx1"/>
+            </a:solidFill>
+            <a:tailEnd type="triangle"/>
+          </a:ln>
+        </p:spPr>
+        <p:style>
+          <a:lnRef idx="2">
+            <a:schemeClr val="accent1"/>
+          </a:lnRef>
+          <a:fillRef idx="0">
+            <a:schemeClr val="accent1"/>
+          </a:fillRef>
+          <a:effectRef idx="1">
+            <a:schemeClr val="accent1"/>
+          </a:effectRef>
+          <a:fontRef idx="minor">
+            <a:schemeClr val="tx1"/>
+          </a:fontRef>
+        </p:style>
+      </p:cxnSp>
+      <p:pic>
+        <p:nvPicPr>
+          <p:cNvPr id="23" name="Picture 22"/>
+          <p:cNvPicPr>
+            <a:picLocks noChangeAspect="1"/>
+          </p:cNvPicPr>
+          <p:nvPr/>
+        </p:nvPicPr>
+        <p:blipFill>
+          <a:blip r:embed="rId5"/>
+          <a:stretch>
+            <a:fillRect/>
+          </a:stretch>
+        </p:blipFill>
+        <p:spPr>
+          <a:xfrm>
+            <a:off x="9468899" y="2222912"/>
+            <a:ext cx="2489328" cy="2775093"/>
+          </a:xfrm>
+          <a:prstGeom prst="rect">
+            <a:avLst/>
+          </a:prstGeom>
+        </p:spPr>
+      </p:pic>
+      <p:sp>
+        <p:nvSpPr>
+          <p:cNvPr id="24" name="TextBox 23"/>
+          <p:cNvSpPr txBox="1"/>
+          <p:nvPr/>
+        </p:nvSpPr>
+        <p:spPr>
+          <a:xfrm>
+            <a:off x="470583" y="4618582"/>
+            <a:ext cx="2897204" cy="307777"/>
+          </a:xfrm>
+          <a:prstGeom prst="rect">
+            <a:avLst/>
+          </a:prstGeom>
+          <a:noFill/>
+        </p:spPr>
+        <p:txBody>
+          <a:bodyPr wrap="square" rtlCol="0">
+            <a:spAutoFit/>
+          </a:bodyPr>
+          <a:lstStyle/>
+          <a:p>
+            <a:r>
+              <a:rPr lang="en-US" sz="1400" b="1" dirty="0" smtClean="0"/>
+              <a:t>PollyNET Measurements</a:t>
+            </a:r>
+            <a:endParaRPr lang="en-US" sz="1400" b="1" dirty="0"/>
+          </a:p>
+        </p:txBody>
+      </p:sp>
+      <p:sp>
+        <p:nvSpPr>
+          <p:cNvPr id="25" name="TextBox 24"/>
+          <p:cNvSpPr txBox="1"/>
+          <p:nvPr/>
+        </p:nvSpPr>
+        <p:spPr>
+          <a:xfrm>
+            <a:off x="2977483" y="4503447"/>
+            <a:ext cx="2897204" cy="307777"/>
+          </a:xfrm>
+          <a:prstGeom prst="rect">
+            <a:avLst/>
+          </a:prstGeom>
+          <a:noFill/>
+        </p:spPr>
+        <p:txBody>
+          <a:bodyPr wrap="square" rtlCol="0">
+            <a:spAutoFit/>
+          </a:bodyPr>
+          <a:lstStyle/>
+          <a:p>
+            <a:r>
+              <a:rPr lang="en-US" sz="1400" b="1" dirty="0" smtClean="0"/>
+              <a:t>PollyNET Data Server</a:t>
+            </a:r>
+            <a:endParaRPr lang="en-US" sz="1400" b="1" dirty="0"/>
           </a:p>
         </p:txBody>
       </p:sp>
     </p:spTree>
     <p:extLst>
       <p:ext uri="{BB962C8B-B14F-4D97-AF65-F5344CB8AC3E}">
-        <p14:creationId xmlns:p14="http://schemas.microsoft.com/office/powerpoint/2010/main" val="1326086219"/>
+        <p14:creationId xmlns:p14="http://schemas.microsoft.com/office/powerpoint/2010/main" val="169369232"/>
       </p:ext>
     </p:extLst>
   </p:cSld>
@@ -7738,16 +6692,152 @@
           <a:p>
             <a:r>
               <a:rPr lang="en-US" dirty="0" smtClean="0"/>
-              <a:t>Programs</a:t>
+              <a:t>PollyNET Processing Program</a:t>
             </a:r>
             <a:endParaRPr lang="en-US" dirty="0"/>
+          </a:p>
+        </p:txBody>
+      </p:sp>
+      <p:sp>
+        <p:nvSpPr>
+          <p:cNvPr id="3" name="Text Placeholder 2"/>
+          <p:cNvSpPr>
+            <a:spLocks noGrp="1"/>
+          </p:cNvSpPr>
+          <p:nvPr>
+            <p:ph type="body" sz="quarter" idx="18"/>
+          </p:nvPr>
+        </p:nvSpPr>
+        <p:spPr/>
+        <p:txBody>
+          <a:bodyPr/>
+          <a:lstStyle/>
+          <a:p>
+            <a:endParaRPr lang="en-US"/>
+          </a:p>
+        </p:txBody>
+      </p:sp>
+      <p:pic>
+        <p:nvPicPr>
+          <p:cNvPr id="4" name="Picture 3"/>
+          <p:cNvPicPr>
+            <a:picLocks noChangeAspect="1"/>
+          </p:cNvPicPr>
+          <p:nvPr/>
+        </p:nvPicPr>
+        <p:blipFill>
+          <a:blip r:embed="rId2"/>
+          <a:stretch>
+            <a:fillRect/>
+          </a:stretch>
+        </p:blipFill>
+        <p:spPr>
+          <a:xfrm>
+            <a:off x="2318033" y="1097280"/>
+            <a:ext cx="2653119" cy="5486400"/>
+          </a:xfrm>
+          <a:prstGeom prst="rect">
+            <a:avLst/>
+          </a:prstGeom>
+        </p:spPr>
+      </p:pic>
+      <p:sp>
+        <p:nvSpPr>
+          <p:cNvPr id="7" name="TextBox 6"/>
+          <p:cNvSpPr txBox="1"/>
+          <p:nvPr/>
+        </p:nvSpPr>
+        <p:spPr>
+          <a:xfrm>
+            <a:off x="5678904" y="2325346"/>
+            <a:ext cx="4576813" cy="2769989"/>
+          </a:xfrm>
+          <a:prstGeom prst="rect">
+            <a:avLst/>
+          </a:prstGeom>
+          <a:noFill/>
+        </p:spPr>
+        <p:txBody>
+          <a:bodyPr wrap="square" rtlCol="0">
+            <a:spAutoFit/>
+          </a:bodyPr>
+          <a:lstStyle/>
+          <a:p>
+            <a:pPr marL="285750" indent="-285750">
+              <a:lnSpc>
+                <a:spcPct val="150000"/>
+              </a:lnSpc>
+              <a:buFont typeface="Wingdings" panose="05000000000000000000" pitchFamily="2" charset="2"/>
+              <a:buChar char="ü"/>
+            </a:pPr>
+            <a:r>
+              <a:rPr lang="en-US" sz="2000" b="1" dirty="0" smtClean="0"/>
+              <a:t>Automatic calibration</a:t>
+            </a:r>
+          </a:p>
+          <a:p>
+            <a:pPr marL="800025" lvl="1" indent="-342900">
+              <a:buFont typeface="Wingdings" panose="05000000000000000000" pitchFamily="2" charset="2"/>
+              <a:buChar char="§"/>
+            </a:pPr>
+            <a:r>
+              <a:rPr lang="en-US" dirty="0" smtClean="0"/>
+              <a:t>lidar calibration</a:t>
+            </a:r>
+          </a:p>
+          <a:p>
+            <a:pPr marL="800025" lvl="1" indent="-342900">
+              <a:buFont typeface="Wingdings" panose="05000000000000000000" pitchFamily="2" charset="2"/>
+              <a:buChar char="§"/>
+            </a:pPr>
+            <a:r>
+              <a:rPr lang="en-US" dirty="0" smtClean="0"/>
+              <a:t>water vapor calibration</a:t>
+            </a:r>
+          </a:p>
+          <a:p>
+            <a:pPr marL="800025" lvl="1" indent="-342900">
+              <a:buFont typeface="Wingdings" panose="05000000000000000000" pitchFamily="2" charset="2"/>
+              <a:buChar char="§"/>
+            </a:pPr>
+            <a:r>
+              <a:rPr lang="en-US" dirty="0" smtClean="0"/>
+              <a:t>depolarization calibration</a:t>
+            </a:r>
+          </a:p>
+          <a:p>
+            <a:pPr marL="342900" indent="-342900">
+              <a:lnSpc>
+                <a:spcPct val="150000"/>
+              </a:lnSpc>
+              <a:buFont typeface="Wingdings" panose="05000000000000000000" pitchFamily="2" charset="2"/>
+              <a:buChar char="ü"/>
+            </a:pPr>
+            <a:r>
+              <a:rPr lang="en-US" sz="2000" b="1" dirty="0" smtClean="0"/>
+              <a:t>Integrated conventional retrieving algorithms</a:t>
+            </a:r>
+          </a:p>
+          <a:p>
+            <a:pPr marL="342900" indent="-342900">
+              <a:lnSpc>
+                <a:spcPct val="150000"/>
+              </a:lnSpc>
+              <a:buFont typeface="Wingdings" panose="05000000000000000000" pitchFamily="2" charset="2"/>
+              <a:buChar char="ü"/>
+            </a:pPr>
+            <a:r>
+              <a:rPr lang="en-US" sz="2000" b="1" dirty="0" smtClean="0"/>
+              <a:t>Extensible programming structure</a:t>
+            </a:r>
+            <a:endParaRPr lang="en-US" sz="2000" b="1" dirty="0"/>
           </a:p>
         </p:txBody>
       </p:sp>
     </p:spTree>
     <p:extLst>
       <p:ext uri="{BB962C8B-B14F-4D97-AF65-F5344CB8AC3E}">
-        <p14:creationId xmlns:p14="http://schemas.microsoft.com/office/powerpoint/2010/main" val="2561568233"/>
+        <p14:creationId xmlns:p14="http://schemas.microsoft.com/office/powerpoint/2010/main" val="2133462651"/>
       </p:ext>
     </p:extLst>
   </p:cSld>
@@ -7790,22 +6880,40 @@
           <a:lstStyle/>
           <a:p>
             <a:r>
-              <a:rPr lang="en-US" dirty="0" smtClean="0"/>
+              <a:rPr lang="en-US" dirty="0"/>
               <a:t>Rayleigh Fit</a:t>
             </a:r>
-            <a:endParaRPr lang="en-US" dirty="0"/>
+          </a:p>
+        </p:txBody>
+      </p:sp>
+      <p:sp>
+        <p:nvSpPr>
+          <p:cNvPr id="3" name="Text Placeholder 2"/>
+          <p:cNvSpPr>
+            <a:spLocks noGrp="1"/>
+          </p:cNvSpPr>
+          <p:nvPr>
+            <p:ph type="body" sz="quarter" idx="18"/>
+          </p:nvPr>
+        </p:nvSpPr>
+        <p:spPr/>
+        <p:txBody>
+          <a:bodyPr/>
+          <a:lstStyle/>
+          <a:p>
+            <a:endParaRPr lang="en-US"/>
           </a:p>
         </p:txBody>
       </p:sp>
       <p:grpSp>
         <p:nvGrpSpPr>
-          <p:cNvPr id="7" name="Group 6"/>
+          <p:cNvPr id="4" name="Group 3"/>
           <p:cNvGrpSpPr/>
           <p:nvPr/>
         </p:nvGrpSpPr>
         <p:grpSpPr>
           <a:xfrm>
-            <a:off x="857864" y="1690688"/>
+            <a:off x="761611" y="1353803"/>
             <a:ext cx="3284590" cy="4510549"/>
             <a:chOff x="1660114" y="1477296"/>
             <a:chExt cx="3284590" cy="4510549"/>
@@ -7813,7 +6921,7 @@
         </p:grpSpPr>
         <p:pic>
           <p:nvPicPr>
-            <p:cNvPr id="4" name="Picture 3"/>
+            <p:cNvPr id="5" name="Picture 4"/>
             <p:cNvPicPr>
               <a:picLocks noChangeAspect="1"/>
             </p:cNvPicPr>
@@ -7858,17 +6966,17 @@
           </p:spPr>
         </p:pic>
       </p:grpSp>
-      <mc:AlternateContent xmlns:mc="http://schemas.openxmlformats.org/markup-compatibility/2006" xmlns:a14="http://schemas.microsoft.com/office/drawing/2010/main">
-        <mc:Choice Requires="a14">
+      <mc:AlternateContent xmlns:mc="http://schemas.openxmlformats.org/markup-compatibility/2006">
+        <mc:Choice xmlns:a14="http://schemas.microsoft.com/office/drawing/2010/main" Requires="a14">
           <p:sp>
             <p:nvSpPr>
-              <p:cNvPr id="8" name="TextBox 7"/>
+              <p:cNvPr id="7" name="TextBox 6"/>
               <p:cNvSpPr txBox="1"/>
               <p:nvPr/>
             </p:nvSpPr>
             <p:spPr>
               <a:xfrm>
-                <a:off x="4237703" y="1690688"/>
+                <a:off x="4141450" y="1353803"/>
                 <a:ext cx="7757651" cy="2156744"/>
               </a:xfrm>
               <a:prstGeom prst="rect">
@@ -8653,10 +7761,10 @@
             </p:txBody>
           </p:sp>
         </mc:Choice>
-        <mc:Fallback xmlns="">
+        <mc:Fallback>
           <p:sp>
             <p:nvSpPr>
-              <p:cNvPr id="8" name="TextBox 7"/>
+              <p:cNvPr id="7" name="TextBox 6"/>
               <p:cNvSpPr txBox="1">
                 <a:spLocks noRot="1" noChangeAspect="1" noMove="1" noResize="1" noEditPoints="1" noAdjustHandles="1" noChangeArrowheads="1" noChangeShapeType="1" noTextEdit="1"/>
               </p:cNvSpPr>
@@ -8664,7 +7772,7 @@
             </p:nvSpPr>
             <p:spPr>
               <a:xfrm>
-                <a:off x="4237703" y="1690688"/>
+                <a:off x="4141450" y="1353803"/>
                 <a:ext cx="7757651" cy="2156744"/>
               </a:xfrm>
               <a:prstGeom prst="rect">
@@ -8692,17 +7800,17 @@
           </p:sp>
         </mc:Fallback>
       </mc:AlternateContent>
-      <mc:AlternateContent xmlns:mc="http://schemas.openxmlformats.org/markup-compatibility/2006" xmlns:a14="http://schemas.microsoft.com/office/drawing/2010/main">
-        <mc:Choice Requires="a14">
+      <mc:AlternateContent xmlns:mc="http://schemas.openxmlformats.org/markup-compatibility/2006">
+        <mc:Choice xmlns:a14="http://schemas.microsoft.com/office/drawing/2010/main" Requires="a14">
           <p:sp>
             <p:nvSpPr>
-              <p:cNvPr id="9" name="TextBox 8"/>
+              <p:cNvPr id="8" name="TextBox 7"/>
               <p:cNvSpPr txBox="1"/>
               <p:nvPr/>
             </p:nvSpPr>
             <p:spPr>
               <a:xfrm>
-                <a:off x="4237702" y="3854245"/>
+                <a:off x="4141449" y="3517360"/>
                 <a:ext cx="7954297" cy="1539717"/>
               </a:xfrm>
               <a:prstGeom prst="rect">
@@ -9550,10 +8658,10 @@
             </p:txBody>
           </p:sp>
         </mc:Choice>
-        <mc:Fallback xmlns="">
+        <mc:Fallback>
           <p:sp>
             <p:nvSpPr>
-              <p:cNvPr id="9" name="TextBox 8"/>
+              <p:cNvPr id="8" name="TextBox 7"/>
               <p:cNvSpPr txBox="1">
                 <a:spLocks noRot="1" noChangeAspect="1" noMove="1" noResize="1" noEditPoints="1" noAdjustHandles="1" noChangeArrowheads="1" noChangeShapeType="1" noTextEdit="1"/>
               </p:cNvSpPr>
@@ -9561,7 +8669,7 @@
             </p:nvSpPr>
             <p:spPr>
               <a:xfrm>
-                <a:off x="4237702" y="3854245"/>
+                <a:off x="4141449" y="3517360"/>
                 <a:ext cx="7954297" cy="1539717"/>
               </a:xfrm>
               <a:prstGeom prst="rect">
@@ -9570,7 +8678,7 @@
               <a:blipFill>
                 <a:blip r:embed="rId5"/>
                 <a:stretch>
-                  <a:fillRect l="-613" t="-1976" r="-613"/>
+                  <a:fillRect l="-613" t="-2372" r="-613"/>
                 </a:stretch>
               </a:blipFill>
             </p:spPr>
@@ -9591,13 +8699,13 @@
       </mc:AlternateContent>
       <p:sp>
         <p:nvSpPr>
-          <p:cNvPr id="10" name="TextBox 9"/>
+          <p:cNvPr id="9" name="TextBox 8"/>
           <p:cNvSpPr txBox="1"/>
           <p:nvPr/>
         </p:nvSpPr>
         <p:spPr>
           <a:xfrm>
-            <a:off x="4326194" y="5574890"/>
+            <a:off x="4229941" y="5238005"/>
             <a:ext cx="7393858" cy="369332"/>
           </a:xfrm>
           <a:prstGeom prst="rect">
@@ -9622,7 +8730,7 @@
     </p:spTree>
     <p:extLst>
       <p:ext uri="{BB962C8B-B14F-4D97-AF65-F5344CB8AC3E}">
-        <p14:creationId xmlns:p14="http://schemas.microsoft.com/office/powerpoint/2010/main" val="2327701490"/>
+        <p14:creationId xmlns:p14="http://schemas.microsoft.com/office/powerpoint/2010/main" val="3113098253"/>
       </p:ext>
     </p:extLst>
   </p:cSld>
@@ -9663,7 +8771,7 @@
                                           </p:stCondLst>
                                         </p:cTn>
                                         <p:tgtEl>
-                                          <p:spTgt spid="8"/>
+                                          <p:spTgt spid="7"/>
                                         </p:tgtEl>
                                         <p:attrNameLst>
                                           <p:attrName>style.visibility</p:attrName>
@@ -9708,7 +8816,7 @@
                                           </p:stCondLst>
                                         </p:cTn>
                                         <p:tgtEl>
-                                          <p:spTgt spid="9"/>
+                                          <p:spTgt spid="8"/>
                                         </p:tgtEl>
                                         <p:attrNameLst>
                                           <p:attrName>style.visibility</p:attrName>
@@ -9753,7 +8861,7 @@
                                           </p:stCondLst>
                                         </p:cTn>
                                         <p:tgtEl>
-                                          <p:spTgt spid="10"/>
+                                          <p:spTgt spid="9"/>
                                         </p:tgtEl>
                                         <p:attrNameLst>
                                           <p:attrName>style.visibility</p:attrName>
@@ -9794,9 +8902,9 @@
       </p:par>
     </p:tnLst>
     <p:bldLst>
+      <p:bldP spid="7" grpId="0"/>
       <p:bldP spid="8" grpId="0"/>
       <p:bldP spid="9" grpId="0"/>
-      <p:bldP spid="10" grpId="0"/>
     </p:bldLst>
   </p:timing>
 </p:sld>
@@ -9829,43 +8937,53 @@
             <p:ph type="title"/>
           </p:nvPr>
         </p:nvSpPr>
-        <p:spPr>
-          <a:xfrm>
-            <a:off x="838200" y="-237703"/>
-            <a:ext cx="11039168" cy="1325563"/>
-          </a:xfrm>
-        </p:spPr>
+        <p:spPr/>
         <p:txBody>
           <a:bodyPr/>
           <a:lstStyle/>
           <a:p>
             <a:r>
               <a:rPr lang="en-US" dirty="0"/>
-              <a:t>Rayleigh Fit </a:t>
+              <a:t>Rayleigh </a:t>
             </a:r>
             <a:r>
               <a:rPr lang="en-US" dirty="0" smtClean="0"/>
-              <a:t>– </a:t>
+              <a:t>Fit</a:t>
             </a:r>
-            <a:r>
-              <a:rPr lang="en-US" sz="4000" dirty="0" smtClean="0"/>
-              <a:t>search possible reference interval</a:t>
-            </a:r>
-            <a:endParaRPr lang="en-US" sz="4000" dirty="0"/>
+            <a:endParaRPr lang="en-US" dirty="0"/>
           </a:p>
         </p:txBody>
       </p:sp>
-      <mc:AlternateContent xmlns:mc="http://schemas.openxmlformats.org/markup-compatibility/2006" xmlns:a14="http://schemas.microsoft.com/office/drawing/2010/main">
-        <mc:Choice Requires="a14">
+      <p:sp>
+        <p:nvSpPr>
+          <p:cNvPr id="3" name="Text Placeholder 2"/>
+          <p:cNvSpPr>
+            <a:spLocks noGrp="1"/>
+          </p:cNvSpPr>
+          <p:nvPr>
+            <p:ph type="body" sz="quarter" idx="18"/>
+          </p:nvPr>
+        </p:nvSpPr>
+        <p:spPr/>
+        <p:txBody>
+          <a:bodyPr/>
+          <a:lstStyle/>
+          <a:p>
+            <a:endParaRPr lang="en-US"/>
+          </a:p>
+        </p:txBody>
+      </p:sp>
+      <mc:AlternateContent xmlns:mc="http://schemas.openxmlformats.org/markup-compatibility/2006">
+        <mc:Choice xmlns:a14="http://schemas.microsoft.com/office/drawing/2010/main" Requires="a14">
           <p:sp>
             <p:nvSpPr>
-              <p:cNvPr id="3" name="TextBox 2"/>
+              <p:cNvPr id="4" name="TextBox 3"/>
               <p:cNvSpPr txBox="1"/>
               <p:nvPr/>
             </p:nvSpPr>
             <p:spPr>
               <a:xfrm>
-                <a:off x="301113" y="1351490"/>
+                <a:off x="753501" y="985730"/>
                 <a:ext cx="5928852" cy="1461875"/>
               </a:xfrm>
               <a:prstGeom prst="rect">
@@ -10336,10 +9454,10 @@
             </p:txBody>
           </p:sp>
         </mc:Choice>
-        <mc:Fallback xmlns="">
+        <mc:Fallback>
           <p:sp>
             <p:nvSpPr>
-              <p:cNvPr id="3" name="TextBox 2"/>
+              <p:cNvPr id="4" name="TextBox 3"/>
               <p:cNvSpPr txBox="1">
                 <a:spLocks noRot="1" noChangeAspect="1" noMove="1" noResize="1" noEditPoints="1" noAdjustHandles="1" noChangeArrowheads="1" noChangeShapeType="1" noTextEdit="1"/>
               </p:cNvSpPr>
@@ -10347,7 +9465,7 @@
             </p:nvSpPr>
             <p:spPr>
               <a:xfrm>
-                <a:off x="301113" y="1351490"/>
+                <a:off x="753501" y="985730"/>
                 <a:ext cx="5928852" cy="1461875"/>
               </a:xfrm>
               <a:prstGeom prst="rect">
@@ -10356,7 +9474,7 @@
               <a:blipFill>
                 <a:blip r:embed="rId2"/>
                 <a:stretch>
-                  <a:fillRect l="-822" t="-2500"/>
+                  <a:fillRect l="-926" t="-2500"/>
                 </a:stretch>
               </a:blipFill>
             </p:spPr>
@@ -10377,13 +9495,13 @@
       </mc:AlternateContent>
       <p:grpSp>
         <p:nvGrpSpPr>
-          <p:cNvPr id="41" name="Group 40"/>
+          <p:cNvPr id="5" name="Group 4"/>
           <p:cNvGrpSpPr/>
           <p:nvPr/>
         </p:nvGrpSpPr>
         <p:grpSpPr>
           <a:xfrm>
-            <a:off x="684570" y="2835005"/>
+            <a:off x="1136958" y="2469245"/>
             <a:ext cx="7830164" cy="709297"/>
             <a:chOff x="684570" y="2835005"/>
             <a:chExt cx="7830164" cy="709297"/>
@@ -10391,7 +9509,7 @@
         </p:grpSpPr>
         <p:sp>
           <p:nvSpPr>
-            <p:cNvPr id="12" name="Rounded Rectangle 11"/>
+            <p:cNvPr id="6" name="Rounded Rectangle 5"/>
             <p:cNvSpPr/>
             <p:nvPr/>
           </p:nvSpPr>
@@ -10437,7 +9555,7 @@
           <mc:Choice Requires="a14">
             <p:sp>
               <p:nvSpPr>
-                <p:cNvPr id="13" name="TextBox 12"/>
+                <p:cNvPr id="7" name="TextBox 6"/>
                 <p:cNvSpPr txBox="1"/>
                 <p:nvPr/>
               </p:nvSpPr>
@@ -10792,13 +9910,13 @@
       </p:grpSp>
       <p:grpSp>
         <p:nvGrpSpPr>
-          <p:cNvPr id="43" name="Group 42"/>
+          <p:cNvPr id="8" name="Group 7"/>
           <p:cNvGrpSpPr/>
           <p:nvPr/>
         </p:nvGrpSpPr>
         <p:grpSpPr>
           <a:xfrm>
-            <a:off x="1056963" y="4540572"/>
+            <a:off x="1509351" y="4174812"/>
             <a:ext cx="8981773" cy="678426"/>
             <a:chOff x="1037299" y="4452291"/>
             <a:chExt cx="8981773" cy="678426"/>
@@ -10808,7 +9926,7 @@
           <mc:Choice Requires="a14">
             <p:sp>
               <p:nvSpPr>
-                <p:cNvPr id="5" name="TextBox 4"/>
+                <p:cNvPr id="9" name="TextBox 8"/>
                 <p:cNvSpPr txBox="1"/>
                 <p:nvPr/>
               </p:nvSpPr>
@@ -11139,7 +10257,7 @@
         </mc:AlternateContent>
         <p:sp>
           <p:nvSpPr>
-            <p:cNvPr id="15" name="Rounded Rectangle 14"/>
+            <p:cNvPr id="10" name="Rounded Rectangle 9"/>
             <p:cNvSpPr/>
             <p:nvPr/>
           </p:nvSpPr>
@@ -11184,13 +10302,13 @@
       </p:grpSp>
       <p:grpSp>
         <p:nvGrpSpPr>
-          <p:cNvPr id="44" name="Group 43"/>
+          <p:cNvPr id="11" name="Group 10"/>
           <p:cNvGrpSpPr/>
           <p:nvPr/>
         </p:nvGrpSpPr>
         <p:grpSpPr>
           <a:xfrm>
-            <a:off x="1263441" y="5397917"/>
+            <a:off x="1715829" y="5032157"/>
             <a:ext cx="8087036" cy="1028743"/>
             <a:chOff x="1263441" y="5397917"/>
             <a:chExt cx="8087036" cy="1028743"/>
@@ -11200,7 +10318,7 @@
           <mc:Choice Requires="a14">
             <p:sp>
               <p:nvSpPr>
-                <p:cNvPr id="11" name="TextBox 10"/>
+                <p:cNvPr id="12" name="TextBox 11"/>
                 <p:cNvSpPr txBox="1"/>
                 <p:nvPr/>
               </p:nvSpPr>
@@ -11714,7 +10832,7 @@
         </mc:AlternateContent>
         <p:sp>
           <p:nvSpPr>
-            <p:cNvPr id="16" name="Rounded Rectangle 15"/>
+            <p:cNvPr id="13" name="Rounded Rectangle 12"/>
             <p:cNvSpPr/>
             <p:nvPr/>
           </p:nvSpPr>
@@ -11759,13 +10877,13 @@
       </p:grpSp>
       <p:grpSp>
         <p:nvGrpSpPr>
-          <p:cNvPr id="42" name="Group 41"/>
+          <p:cNvPr id="14" name="Group 13"/>
           <p:cNvGrpSpPr/>
           <p:nvPr/>
         </p:nvGrpSpPr>
         <p:grpSpPr>
           <a:xfrm>
-            <a:off x="838200" y="3683227"/>
+            <a:off x="1290588" y="3317467"/>
             <a:ext cx="9387348" cy="678426"/>
             <a:chOff x="838200" y="3683227"/>
             <a:chExt cx="8562971" cy="678426"/>
@@ -11773,7 +10891,7 @@
         </p:grpSpPr>
         <p:sp>
           <p:nvSpPr>
-            <p:cNvPr id="14" name="Rounded Rectangle 13"/>
+            <p:cNvPr id="15" name="Rounded Rectangle 14"/>
             <p:cNvSpPr/>
             <p:nvPr/>
           </p:nvSpPr>
@@ -11830,7 +10948,7 @@
           <mc:Choice Requires="a14">
             <p:sp>
               <p:nvSpPr>
-                <p:cNvPr id="17" name="TextBox 16"/>
+                <p:cNvPr id="16" name="TextBox 15"/>
                 <p:cNvSpPr txBox="1"/>
                 <p:nvPr/>
               </p:nvSpPr>
@@ -12125,13 +11243,13 @@
       </p:grpSp>
       <p:sp>
         <p:nvSpPr>
-          <p:cNvPr id="40" name="TextBox 39"/>
+          <p:cNvPr id="17" name="TextBox 16"/>
           <p:cNvSpPr txBox="1"/>
           <p:nvPr/>
         </p:nvSpPr>
         <p:spPr>
           <a:xfrm>
-            <a:off x="6017343" y="1444844"/>
+            <a:off x="6469731" y="1079084"/>
             <a:ext cx="3195484" cy="369332"/>
           </a:xfrm>
           <a:prstGeom prst="rect">
@@ -12164,7 +11282,7 @@
     </p:spTree>
     <p:extLst>
       <p:ext uri="{BB962C8B-B14F-4D97-AF65-F5344CB8AC3E}">
-        <p14:creationId xmlns:p14="http://schemas.microsoft.com/office/powerpoint/2010/main" val="2515480526"/>
+        <p14:creationId xmlns:p14="http://schemas.microsoft.com/office/powerpoint/2010/main" val="1223888843"/>
       </p:ext>
     </p:extLst>
   </p:cSld>
@@ -12205,7 +11323,7 @@
                                           </p:stCondLst>
                                         </p:cTn>
                                         <p:tgtEl>
-                                          <p:spTgt spid="41"/>
+                                          <p:spTgt spid="5"/>
                                         </p:tgtEl>
                                         <p:attrNameLst>
                                           <p:attrName>style.visibility</p:attrName>
@@ -12250,7 +11368,7 @@
                                           </p:stCondLst>
                                         </p:cTn>
                                         <p:tgtEl>
-                                          <p:spTgt spid="42"/>
+                                          <p:spTgt spid="14"/>
                                         </p:tgtEl>
                                         <p:attrNameLst>
                                           <p:attrName>style.visibility</p:attrName>
@@ -12295,7 +11413,7 @@
                                           </p:stCondLst>
                                         </p:cTn>
                                         <p:tgtEl>
-                                          <p:spTgt spid="43"/>
+                                          <p:spTgt spid="8"/>
                                         </p:tgtEl>
                                         <p:attrNameLst>
                                           <p:attrName>style.visibility</p:attrName>
@@ -12340,7 +11458,7 @@
                                           </p:stCondLst>
                                         </p:cTn>
                                         <p:tgtEl>
-                                          <p:spTgt spid="44"/>
+                                          <p:spTgt spid="11"/>
                                         </p:tgtEl>
                                         <p:attrNameLst>
                                           <p:attrName>style.visibility</p:attrName>
@@ -12403,72 +11521,56 @@
       </p:grpSpPr>
       <p:sp>
         <p:nvSpPr>
-          <p:cNvPr id="14" name="Title 1"/>
-          <p:cNvSpPr txBox="1">
-            <a:spLocks/>
+          <p:cNvPr id="2" name="Title 1"/>
+          <p:cNvSpPr>
+            <a:spLocks noGrp="1"/>
           </p:cNvSpPr>
-          <p:nvPr/>
+          <p:nvPr>
+            <p:ph type="title"/>
+          </p:nvPr>
         </p:nvSpPr>
-        <p:spPr>
-          <a:xfrm>
-            <a:off x="838200" y="139416"/>
-            <a:ext cx="11039168" cy="1325563"/>
-          </a:xfrm>
-          <a:prstGeom prst="rect">
-            <a:avLst/>
-          </a:prstGeom>
-        </p:spPr>
+        <p:spPr/>
         <p:txBody>
-          <a:bodyPr vert="horz" lIns="91440" tIns="45720" rIns="91440" bIns="45720" rtlCol="0" anchor="ctr">
-            <a:normAutofit/>
-          </a:bodyPr>
-          <a:lstStyle>
-            <a:lvl1pPr algn="l" defTabSz="914400" rtl="0" eaLnBrk="1" latinLnBrk="0" hangingPunct="1">
-              <a:lnSpc>
-                <a:spcPct val="90000"/>
-              </a:lnSpc>
-              <a:spcBef>
-                <a:spcPct val="0"/>
-              </a:spcBef>
-              <a:buNone/>
-              <a:defRPr sz="4400" kern="1200">
-                <a:solidFill>
-                  <a:schemeClr val="tx1"/>
-                </a:solidFill>
-                <a:latin typeface="+mj-lt"/>
-                <a:ea typeface="+mj-ea"/>
-                <a:cs typeface="+mj-cs"/>
-              </a:defRPr>
-            </a:lvl1pPr>
-          </a:lstStyle>
+          <a:bodyPr/>
+          <a:lstStyle/>
           <a:p>
             <a:r>
               <a:rPr lang="en-US" dirty="0"/>
-              <a:t>Rayleigh Fit </a:t>
+              <a:t>Rayleigh Fit</a:t>
             </a:r>
-            <a:r>
-              <a:rPr lang="en-US" dirty="0" smtClean="0"/>
-              <a:t>– </a:t>
-            </a:r>
-            <a:r>
-              <a:rPr lang="en-US" sz="4000" dirty="0" smtClean="0"/>
-              <a:t>search possible reference interval</a:t>
-            </a:r>
-            <a:endParaRPr lang="en-US" sz="4000" dirty="0"/>
           </a:p>
         </p:txBody>
       </p:sp>
-      <mc:AlternateContent xmlns:mc="http://schemas.openxmlformats.org/markup-compatibility/2006" xmlns:a14="http://schemas.microsoft.com/office/drawing/2010/main">
-        <mc:Choice Requires="a14">
+      <p:sp>
+        <p:nvSpPr>
+          <p:cNvPr id="3" name="Text Placeholder 2"/>
+          <p:cNvSpPr>
+            <a:spLocks noGrp="1"/>
+          </p:cNvSpPr>
+          <p:nvPr>
+            <p:ph type="body" sz="quarter" idx="18"/>
+          </p:nvPr>
+        </p:nvSpPr>
+        <p:spPr/>
+        <p:txBody>
+          <a:bodyPr/>
+          <a:lstStyle/>
+          <a:p>
+            <a:endParaRPr lang="en-US"/>
+          </a:p>
+        </p:txBody>
+      </p:sp>
+      <mc:AlternateContent xmlns:mc="http://schemas.openxmlformats.org/markup-compatibility/2006">
+        <mc:Choice xmlns:a14="http://schemas.microsoft.com/office/drawing/2010/main" Requires="a14">
           <p:sp>
             <p:nvSpPr>
-              <p:cNvPr id="15" name="TextBox 14"/>
+              <p:cNvPr id="4" name="TextBox 3"/>
               <p:cNvSpPr txBox="1"/>
               <p:nvPr/>
             </p:nvSpPr>
             <p:spPr>
               <a:xfrm>
-                <a:off x="301113" y="1351490"/>
+                <a:off x="394520" y="1172756"/>
                 <a:ext cx="5928852" cy="1461875"/>
               </a:xfrm>
               <a:prstGeom prst="rect">
@@ -12939,10 +12041,10 @@
             </p:txBody>
           </p:sp>
         </mc:Choice>
-        <mc:Fallback xmlns="">
+        <mc:Fallback>
           <p:sp>
             <p:nvSpPr>
-              <p:cNvPr id="15" name="TextBox 14"/>
+              <p:cNvPr id="4" name="TextBox 3"/>
               <p:cNvSpPr txBox="1">
                 <a:spLocks noRot="1" noChangeAspect="1" noMove="1" noResize="1" noEditPoints="1" noAdjustHandles="1" noChangeArrowheads="1" noChangeShapeType="1" noTextEdit="1"/>
               </p:cNvSpPr>
@@ -12950,7 +12052,7 @@
             </p:nvSpPr>
             <p:spPr>
               <a:xfrm>
-                <a:off x="301113" y="1351490"/>
+                <a:off x="394520" y="1172756"/>
                 <a:ext cx="5928852" cy="1461875"/>
               </a:xfrm>
               <a:prstGeom prst="rect">
@@ -12959,7 +12061,7 @@
               <a:blipFill>
                 <a:blip r:embed="rId2"/>
                 <a:stretch>
-                  <a:fillRect l="-822" t="-2500"/>
+                  <a:fillRect l="-926" t="-2083"/>
                 </a:stretch>
               </a:blipFill>
             </p:spPr>
@@ -12978,17 +12080,17 @@
           </p:sp>
         </mc:Fallback>
       </mc:AlternateContent>
-      <mc:AlternateContent xmlns:mc="http://schemas.openxmlformats.org/markup-compatibility/2006" xmlns:a14="http://schemas.microsoft.com/office/drawing/2010/main">
-        <mc:Choice Requires="a14">
+      <mc:AlternateContent xmlns:mc="http://schemas.openxmlformats.org/markup-compatibility/2006">
+        <mc:Choice xmlns:a14="http://schemas.microsoft.com/office/drawing/2010/main" Requires="a14">
           <p:sp>
             <p:nvSpPr>
-              <p:cNvPr id="16" name="TextBox 15"/>
+              <p:cNvPr id="5" name="TextBox 4"/>
               <p:cNvSpPr txBox="1"/>
               <p:nvPr/>
             </p:nvSpPr>
             <p:spPr>
               <a:xfrm>
-                <a:off x="1037299" y="4642887"/>
+                <a:off x="1130706" y="4464153"/>
                 <a:ext cx="5997678" cy="378373"/>
               </a:xfrm>
               <a:prstGeom prst="rect">
@@ -13272,10 +12374,10 @@
             </p:txBody>
           </p:sp>
         </mc:Choice>
-        <mc:Fallback xmlns="">
+        <mc:Fallback>
           <p:sp>
             <p:nvSpPr>
-              <p:cNvPr id="16" name="TextBox 15"/>
+              <p:cNvPr id="5" name="TextBox 4"/>
               <p:cNvSpPr txBox="1">
                 <a:spLocks noRot="1" noChangeAspect="1" noMove="1" noResize="1" noEditPoints="1" noAdjustHandles="1" noChangeArrowheads="1" noChangeShapeType="1" noTextEdit="1"/>
               </p:cNvSpPr>
@@ -13283,7 +12385,7 @@
             </p:nvSpPr>
             <p:spPr>
               <a:xfrm>
-                <a:off x="1037299" y="4642887"/>
+                <a:off x="1130706" y="4464153"/>
                 <a:ext cx="5997678" cy="378373"/>
               </a:xfrm>
               <a:prstGeom prst="rect">
@@ -13292,7 +12394,7 @@
               <a:blipFill>
                 <a:blip r:embed="rId3"/>
                 <a:stretch>
-                  <a:fillRect b="-12903"/>
+                  <a:fillRect b="-14516"/>
                 </a:stretch>
               </a:blipFill>
             </p:spPr>
@@ -13311,17 +12413,17 @@
           </p:sp>
         </mc:Fallback>
       </mc:AlternateContent>
-      <mc:AlternateContent xmlns:mc="http://schemas.openxmlformats.org/markup-compatibility/2006" xmlns:a14="http://schemas.microsoft.com/office/drawing/2010/main">
-        <mc:Choice Requires="a14">
+      <mc:AlternateContent xmlns:mc="http://schemas.openxmlformats.org/markup-compatibility/2006">
+        <mc:Choice xmlns:a14="http://schemas.microsoft.com/office/drawing/2010/main" Requires="a14">
           <p:sp>
             <p:nvSpPr>
-              <p:cNvPr id="17" name="TextBox 16"/>
+              <p:cNvPr id="6" name="TextBox 5"/>
               <p:cNvSpPr txBox="1"/>
               <p:nvPr/>
             </p:nvSpPr>
             <p:spPr>
               <a:xfrm>
-                <a:off x="1263441" y="5397917"/>
+                <a:off x="1356848" y="5219183"/>
                 <a:ext cx="5771536" cy="1028743"/>
               </a:xfrm>
               <a:prstGeom prst="rect">
@@ -13788,10 +12890,10 @@
             </p:txBody>
           </p:sp>
         </mc:Choice>
-        <mc:Fallback xmlns="">
+        <mc:Fallback>
           <p:sp>
             <p:nvSpPr>
-              <p:cNvPr id="17" name="TextBox 16"/>
+              <p:cNvPr id="6" name="TextBox 5"/>
               <p:cNvSpPr txBox="1">
                 <a:spLocks noRot="1" noChangeAspect="1" noMove="1" noResize="1" noEditPoints="1" noAdjustHandles="1" noChangeArrowheads="1" noChangeShapeType="1" noTextEdit="1"/>
               </p:cNvSpPr>
@@ -13799,7 +12901,7 @@
             </p:nvSpPr>
             <p:spPr>
               <a:xfrm>
-                <a:off x="1263441" y="5397917"/>
+                <a:off x="1356848" y="5219183"/>
                 <a:ext cx="5771536" cy="1028743"/>
               </a:xfrm>
               <a:prstGeom prst="rect">
@@ -13829,13 +12931,13 @@
       </mc:AlternateContent>
       <p:sp>
         <p:nvSpPr>
-          <p:cNvPr id="18" name="Rounded Rectangle 17"/>
+          <p:cNvPr id="7" name="Rounded Rectangle 6"/>
           <p:cNvSpPr/>
           <p:nvPr/>
         </p:nvSpPr>
         <p:spPr>
           <a:xfrm>
-            <a:off x="5255337" y="2850440"/>
+            <a:off x="5348744" y="2671706"/>
             <a:ext cx="3259397" cy="678426"/>
           </a:xfrm>
           <a:prstGeom prst="roundRect">
@@ -13871,17 +12973,17 @@
           </a:p>
         </p:txBody>
       </p:sp>
-      <mc:AlternateContent xmlns:mc="http://schemas.openxmlformats.org/markup-compatibility/2006" xmlns:a14="http://schemas.microsoft.com/office/drawing/2010/main">
-        <mc:Choice Requires="a14">
+      <mc:AlternateContent xmlns:mc="http://schemas.openxmlformats.org/markup-compatibility/2006">
+        <mc:Choice xmlns:a14="http://schemas.microsoft.com/office/drawing/2010/main" Requires="a14">
           <p:sp>
             <p:nvSpPr>
-              <p:cNvPr id="19" name="TextBox 18"/>
+              <p:cNvPr id="8" name="TextBox 7"/>
               <p:cNvSpPr txBox="1"/>
               <p:nvPr/>
             </p:nvSpPr>
             <p:spPr>
               <a:xfrm>
-                <a:off x="684570" y="2835005"/>
+                <a:off x="777977" y="2656271"/>
                 <a:ext cx="5161937" cy="709297"/>
               </a:xfrm>
               <a:prstGeom prst="rect">
@@ -14188,10 +13290,10 @@
             </p:txBody>
           </p:sp>
         </mc:Choice>
-        <mc:Fallback xmlns="">
+        <mc:Fallback>
           <p:sp>
             <p:nvSpPr>
-              <p:cNvPr id="19" name="TextBox 18"/>
+              <p:cNvPr id="8" name="TextBox 7"/>
               <p:cNvSpPr txBox="1">
                 <a:spLocks noRot="1" noChangeAspect="1" noMove="1" noResize="1" noEditPoints="1" noAdjustHandles="1" noChangeArrowheads="1" noChangeShapeType="1" noTextEdit="1"/>
               </p:cNvSpPr>
@@ -14199,7 +13301,7 @@
             </p:nvSpPr>
             <p:spPr>
               <a:xfrm>
-                <a:off x="684570" y="2835005"/>
+                <a:off x="777977" y="2656271"/>
                 <a:ext cx="5161937" cy="709297"/>
               </a:xfrm>
               <a:prstGeom prst="rect">
@@ -14229,13 +13331,13 @@
       </mc:AlternateContent>
       <p:sp>
         <p:nvSpPr>
-          <p:cNvPr id="20" name="Rounded Rectangle 19"/>
+          <p:cNvPr id="9" name="Rounded Rectangle 8"/>
           <p:cNvSpPr/>
           <p:nvPr/>
         </p:nvSpPr>
         <p:spPr>
           <a:xfrm>
-            <a:off x="5321711" y="3683227"/>
+            <a:off x="5415118" y="3504493"/>
             <a:ext cx="3891116" cy="678426"/>
           </a:xfrm>
           <a:prstGeom prst="roundRect">
@@ -14273,13 +13375,13 @@
       </p:sp>
       <p:sp>
         <p:nvSpPr>
-          <p:cNvPr id="21" name="Rounded Rectangle 20"/>
+          <p:cNvPr id="10" name="Rounded Rectangle 9"/>
           <p:cNvSpPr/>
           <p:nvPr/>
         </p:nvSpPr>
         <p:spPr>
           <a:xfrm>
-            <a:off x="7034978" y="4452291"/>
+            <a:off x="7128385" y="4273557"/>
             <a:ext cx="2984094" cy="678426"/>
           </a:xfrm>
           <a:prstGeom prst="roundRect">
@@ -14317,13 +13419,13 @@
       </p:sp>
       <p:sp>
         <p:nvSpPr>
-          <p:cNvPr id="22" name="Rounded Rectangle 21"/>
+          <p:cNvPr id="11" name="Rounded Rectangle 10"/>
           <p:cNvSpPr/>
           <p:nvPr/>
         </p:nvSpPr>
         <p:spPr>
           <a:xfrm>
-            <a:off x="7106265" y="5546578"/>
+            <a:off x="7199672" y="5367844"/>
             <a:ext cx="2244212" cy="678426"/>
           </a:xfrm>
           <a:prstGeom prst="roundRect">
@@ -14359,17 +13461,17 @@
           </a:p>
         </p:txBody>
       </p:sp>
-      <mc:AlternateContent xmlns:mc="http://schemas.openxmlformats.org/markup-compatibility/2006" xmlns:a14="http://schemas.microsoft.com/office/drawing/2010/main">
-        <mc:Choice Requires="a14">
+      <mc:AlternateContent xmlns:mc="http://schemas.openxmlformats.org/markup-compatibility/2006">
+        <mc:Choice xmlns:a14="http://schemas.microsoft.com/office/drawing/2010/main" Requires="a14">
           <p:sp>
             <p:nvSpPr>
-              <p:cNvPr id="23" name="TextBox 22"/>
+              <p:cNvPr id="12" name="TextBox 11"/>
               <p:cNvSpPr txBox="1"/>
               <p:nvPr/>
             </p:nvSpPr>
             <p:spPr>
               <a:xfrm>
-                <a:off x="838200" y="3825536"/>
+                <a:off x="931607" y="3646802"/>
                 <a:ext cx="4483510" cy="378373"/>
               </a:xfrm>
               <a:prstGeom prst="rect">
@@ -14616,10 +13718,10 @@
             </p:txBody>
           </p:sp>
         </mc:Choice>
-        <mc:Fallback xmlns="">
+        <mc:Fallback>
           <p:sp>
             <p:nvSpPr>
-              <p:cNvPr id="23" name="TextBox 22"/>
+              <p:cNvPr id="12" name="TextBox 11"/>
               <p:cNvSpPr txBox="1">
                 <a:spLocks noRot="1" noChangeAspect="1" noMove="1" noResize="1" noEditPoints="1" noAdjustHandles="1" noChangeArrowheads="1" noChangeShapeType="1" noTextEdit="1"/>
               </p:cNvSpPr>
@@ -14627,7 +13729,7 @@
             </p:nvSpPr>
             <p:spPr>
               <a:xfrm>
-                <a:off x="838200" y="3825536"/>
+                <a:off x="931607" y="3646802"/>
                 <a:ext cx="4483510" cy="378373"/>
               </a:xfrm>
               <a:prstGeom prst="rect">
@@ -14636,7 +13738,7 @@
               <a:blipFill>
                 <a:blip r:embed="rId6"/>
                 <a:stretch>
-                  <a:fillRect b="-12903"/>
+                  <a:fillRect b="-14516"/>
                 </a:stretch>
               </a:blipFill>
             </p:spPr>
@@ -14657,13 +13759,13 @@
       </mc:AlternateContent>
       <p:sp>
         <p:nvSpPr>
-          <p:cNvPr id="26" name="Rounded Rectangle 25"/>
+          <p:cNvPr id="13" name="Rounded Rectangle 12"/>
           <p:cNvSpPr/>
           <p:nvPr/>
         </p:nvSpPr>
         <p:spPr>
           <a:xfrm>
-            <a:off x="8622891" y="1624000"/>
+            <a:off x="8716298" y="1445266"/>
             <a:ext cx="3475702" cy="1643366"/>
           </a:xfrm>
           <a:prstGeom prst="roundRect">
@@ -14702,20 +13804,13 @@
     </p:spTree>
     <p:extLst>
       <p:ext uri="{BB962C8B-B14F-4D97-AF65-F5344CB8AC3E}">
-        <p14:creationId xmlns:p14="http://schemas.microsoft.com/office/powerpoint/2010/main" val="929211994"/>
+        <p14:creationId xmlns:p14="http://schemas.microsoft.com/office/powerpoint/2010/main" val="785251740"/>
       </p:ext>
     </p:extLst>
   </p:cSld>
   <p:clrMapOvr>
     <a:masterClrMapping/>
   </p:clrMapOvr>
-  <p:timing>
-    <p:tnLst>
-      <p:par>
-        <p:cTn id="1" dur="indefinite" restart="never" nodeType="tmRoot"/>
-      </p:par>
-    </p:tnLst>
-  </p:timing>
 </p:sld>
 </file>
 
@@ -14746,12 +13841,7 @@
             <p:ph type="title"/>
           </p:nvPr>
         </p:nvSpPr>
-        <p:spPr>
-          <a:xfrm>
-            <a:off x="927652" y="-223809"/>
-            <a:ext cx="10515600" cy="1325563"/>
-          </a:xfrm>
-        </p:spPr>
+        <p:spPr/>
         <p:txBody>
           <a:bodyPr/>
           <a:lstStyle/>
@@ -14761,6 +13851,25 @@
               <a:t>Shortage of sliding fixed window </a:t>
             </a:r>
             <a:endParaRPr lang="en-US" dirty="0"/>
+          </a:p>
+        </p:txBody>
+      </p:sp>
+      <p:sp>
+        <p:nvSpPr>
+          <p:cNvPr id="10" name="Text Placeholder 9"/>
+          <p:cNvSpPr>
+            <a:spLocks noGrp="1"/>
+          </p:cNvSpPr>
+          <p:nvPr>
+            <p:ph type="body" sz="quarter" idx="18"/>
+          </p:nvPr>
+        </p:nvSpPr>
+        <p:spPr/>
+        <p:txBody>
+          <a:bodyPr/>
+          <a:lstStyle/>
+          <a:p>
+            <a:endParaRPr lang="en-US"/>
           </a:p>
         </p:txBody>
       </p:sp>
@@ -15486,87 +14595,52 @@
 </file>
 
 <file path=ppt/theme/theme1.xml><?xml version="1.0" encoding="utf-8"?>
-<a:theme xmlns:a="http://schemas.openxmlformats.org/drawingml/2006/main" name="tropos_discussion">
+<a:theme xmlns:a="http://schemas.openxmlformats.org/drawingml/2006/main" name="tropos_presentation_16to9">
   <a:themeElements>
-    <a:clrScheme name="Retrospect">
+    <a:clrScheme name="Office">
       <a:dk1>
-        <a:srgbClr val="000000"/>
+        <a:sysClr val="windowText" lastClr="000000"/>
       </a:dk1>
       <a:lt1>
         <a:sysClr val="window" lastClr="FFFFFF"/>
       </a:lt1>
       <a:dk2>
-        <a:srgbClr val="637052"/>
+        <a:srgbClr val="1F497D"/>
       </a:dk2>
       <a:lt2>
-        <a:srgbClr val="CCDDEA"/>
+        <a:srgbClr val="EEECE1"/>
       </a:lt2>
       <a:accent1>
-        <a:srgbClr val="E48312"/>
+        <a:srgbClr val="4F81BD"/>
       </a:accent1>
       <a:accent2>
-        <a:srgbClr val="BD582C"/>
+        <a:srgbClr val="C0504D"/>
       </a:accent2>
       <a:accent3>
-        <a:srgbClr val="865640"/>
+        <a:srgbClr val="9BBB59"/>
       </a:accent3>
       <a:accent4>
-        <a:srgbClr val="9B8357"/>
+        <a:srgbClr val="8064A2"/>
       </a:accent4>
       <a:accent5>
-        <a:srgbClr val="C2BC80"/>
+        <a:srgbClr val="4BACC6"/>
       </a:accent5>
       <a:accent6>
-        <a:srgbClr val="94A088"/>
+        <a:srgbClr val="F79646"/>
       </a:accent6>
       <a:hlink>
-        <a:srgbClr val="2998E3"/>
+        <a:srgbClr val="0000FF"/>
       </a:hlink>
       <a:folHlink>
-        <a:srgbClr val="8C8C8C"/>
+        <a:srgbClr val="800080"/>
       </a:folHlink>
     </a:clrScheme>
-    <a:fontScheme name="Retrospect">
+    <a:fontScheme name="Calibri">
       <a:majorFont>
-        <a:latin typeface="Calibri Light" panose="020F0302020204030204"/>
-        <a:ea typeface=""/>
-        <a:cs typeface=""/>
-        <a:font script="Jpan" typeface="ＭＳ Ｐゴシック"/>
-        <a:font script="Hang" typeface="맑은 고딕"/>
-        <a:font script="Hans" typeface="宋体"/>
-        <a:font script="Hant" typeface="新細明體"/>
-        <a:font script="Arab" typeface="Times New Roman"/>
-        <a:font script="Hebr" typeface="Times New Roman"/>
-        <a:font script="Thai" typeface="Angsana New"/>
-        <a:font script="Ethi" typeface="Nyala"/>
-        <a:font script="Beng" typeface="Vrinda"/>
-        <a:font script="Gujr" typeface="Shruti"/>
-        <a:font script="Khmr" typeface="MoolBoran"/>
-        <a:font script="Knda" typeface="Tunga"/>
-        <a:font script="Guru" typeface="Raavi"/>
-        <a:font script="Cans" typeface="Euphemia"/>
-        <a:font script="Cher" typeface="Plantagenet Cherokee"/>
-        <a:font script="Yiii" typeface="Microsoft Yi Baiti"/>
-        <a:font script="Tibt" typeface="Microsoft Himalaya"/>
-        <a:font script="Thaa" typeface="MV Boli"/>
-        <a:font script="Deva" typeface="Mangal"/>
-        <a:font script="Telu" typeface="Gautami"/>
-        <a:font script="Taml" typeface="Latha"/>
-        <a:font script="Syrc" typeface="Estrangelo Edessa"/>
-        <a:font script="Orya" typeface="Kalinga"/>
-        <a:font script="Mlym" typeface="Kartika"/>
-        <a:font script="Laoo" typeface="DokChampa"/>
-        <a:font script="Sinh" typeface="Iskoola Pota"/>
-        <a:font script="Mong" typeface="Mongolian Baiti"/>
-        <a:font script="Viet" typeface="Times New Roman"/>
-        <a:font script="Uigh" typeface="Microsoft Uighur"/>
-        <a:font script="Geor" typeface="Sylfaen"/>
-      </a:majorFont>
-      <a:minorFont>
         <a:latin typeface="Calibri" panose="020F0502020204030204"/>
         <a:ea typeface=""/>
         <a:cs typeface=""/>
-        <a:font script="Jpan" typeface="ＭＳ Ｐゴシック"/>
+        <a:font script="Jpan" typeface="メイリオ"/>
         <a:font script="Hang" typeface="맑은 고딕"/>
         <a:font script="Hans" typeface="宋体"/>
         <a:font script="Hant" typeface="新細明體"/>
@@ -15593,12 +14667,47 @@
         <a:font script="Laoo" typeface="DokChampa"/>
         <a:font script="Sinh" typeface="Iskoola Pota"/>
         <a:font script="Mong" typeface="Mongolian Baiti"/>
-        <a:font script="Viet" typeface="Arial"/>
+        <a:font script="Viet" typeface="Tahoma"/>
+        <a:font script="Uigh" typeface="Microsoft Uighur"/>
+        <a:font script="Geor" typeface="Sylfaen"/>
+      </a:majorFont>
+      <a:minorFont>
+        <a:latin typeface="Calibri" panose="020F0502020204030204"/>
+        <a:ea typeface=""/>
+        <a:cs typeface=""/>
+        <a:font script="Jpan" typeface="メイリオ"/>
+        <a:font script="Hang" typeface="맑은 고딕"/>
+        <a:font script="Hans" typeface="宋体"/>
+        <a:font script="Hant" typeface="新細明體"/>
+        <a:font script="Arab" typeface="Arial"/>
+        <a:font script="Hebr" typeface="Arial"/>
+        <a:font script="Thai" typeface="Cordia New"/>
+        <a:font script="Ethi" typeface="Nyala"/>
+        <a:font script="Beng" typeface="Vrinda"/>
+        <a:font script="Gujr" typeface="Shruti"/>
+        <a:font script="Khmr" typeface="DaunPenh"/>
+        <a:font script="Knda" typeface="Tunga"/>
+        <a:font script="Guru" typeface="Raavi"/>
+        <a:font script="Cans" typeface="Euphemia"/>
+        <a:font script="Cher" typeface="Plantagenet Cherokee"/>
+        <a:font script="Yiii" typeface="Microsoft Yi Baiti"/>
+        <a:font script="Tibt" typeface="Microsoft Himalaya"/>
+        <a:font script="Thaa" typeface="MV Boli"/>
+        <a:font script="Deva" typeface="Mangal"/>
+        <a:font script="Telu" typeface="Gautami"/>
+        <a:font script="Taml" typeface="Latha"/>
+        <a:font script="Syrc" typeface="Estrangelo Edessa"/>
+        <a:font script="Orya" typeface="Kalinga"/>
+        <a:font script="Mlym" typeface="Kartika"/>
+        <a:font script="Laoo" typeface="DokChampa"/>
+        <a:font script="Sinh" typeface="Iskoola Pota"/>
+        <a:font script="Mong" typeface="Mongolian Baiti"/>
+        <a:font script="Viet" typeface="Tahoma"/>
         <a:font script="Uigh" typeface="Microsoft Uighur"/>
         <a:font script="Geor" typeface="Sylfaen"/>
       </a:minorFont>
     </a:fontScheme>
-    <a:fmtScheme name="Retrospect">
+    <a:fmtScheme name="Office">
       <a:fillStyleLst>
         <a:solidFill>
           <a:schemeClr val="phClr"/>
@@ -15607,73 +14716,52 @@
           <a:gsLst>
             <a:gs pos="0">
               <a:schemeClr val="phClr">
-                <a:tint val="65000"/>
-                <a:shade val="92000"/>
-                <a:satMod val="130000"/>
+                <a:tint val="50000"/>
+                <a:satMod val="300000"/>
               </a:schemeClr>
             </a:gs>
-            <a:gs pos="45000">
+            <a:gs pos="35000">
               <a:schemeClr val="phClr">
-                <a:tint val="60000"/>
-                <a:shade val="99000"/>
-                <a:satMod val="120000"/>
+                <a:tint val="37000"/>
+                <a:satMod val="300000"/>
               </a:schemeClr>
             </a:gs>
             <a:gs pos="100000">
               <a:schemeClr val="phClr">
-                <a:tint val="55000"/>
-                <a:satMod val="140000"/>
+                <a:tint val="15000"/>
+                <a:satMod val="350000"/>
               </a:schemeClr>
             </a:gs>
           </a:gsLst>
-          <a:path path="circle">
-            <a:fillToRect l="100000" t="100000" r="100000" b="100000"/>
-          </a:path>
+          <a:lin ang="16200000" scaled="1"/>
         </a:gradFill>
         <a:gradFill rotWithShape="1">
           <a:gsLst>
             <a:gs pos="0">
               <a:schemeClr val="phClr">
-                <a:shade val="85000"/>
-                <a:satMod val="130000"/>
-              </a:schemeClr>
-            </a:gs>
-            <a:gs pos="34000">
-              <a:schemeClr val="phClr">
-                <a:shade val="87000"/>
-                <a:satMod val="125000"/>
-              </a:schemeClr>
-            </a:gs>
-            <a:gs pos="70000">
-              <a:schemeClr val="phClr">
                 <a:tint val="100000"/>
-                <a:shade val="90000"/>
+                <a:shade val="100000"/>
                 <a:satMod val="130000"/>
               </a:schemeClr>
             </a:gs>
             <a:gs pos="100000">
               <a:schemeClr val="phClr">
-                <a:tint val="100000"/>
+                <a:tint val="50000"/>
                 <a:shade val="100000"/>
-                <a:satMod val="110000"/>
+                <a:satMod val="350000"/>
               </a:schemeClr>
             </a:gs>
           </a:gsLst>
-          <a:path path="circle">
-            <a:fillToRect l="100000" t="100000" r="100000" b="100000"/>
-          </a:path>
+          <a:lin ang="16200000" scaled="0"/>
         </a:gradFill>
       </a:fillStyleLst>
       <a:lnStyleLst>
-        <a:ln w="12700" cap="flat" cmpd="sng" algn="ctr">
+        <a:ln w="9525" cap="flat" cmpd="sng" algn="ctr">
           <a:solidFill>
-            <a:schemeClr val="phClr"/>
-          </a:solidFill>
-          <a:prstDash val="solid"/>
-        </a:ln>
-        <a:ln w="15875" cap="flat" cmpd="sng" algn="ctr">
-          <a:solidFill>
-            <a:schemeClr val="phClr"/>
+            <a:schemeClr val="phClr">
+              <a:shade val="95000"/>
+              <a:satMod val="105000"/>
+            </a:schemeClr>
           </a:solidFill>
           <a:prstDash val="solid"/>
         </a:ln>
@@ -15683,25 +14771,37 @@
           </a:solidFill>
           <a:prstDash val="solid"/>
         </a:ln>
+        <a:ln w="38100" cap="flat" cmpd="sng" algn="ctr">
+          <a:solidFill>
+            <a:schemeClr val="phClr"/>
+          </a:solidFill>
+          <a:prstDash val="solid"/>
+        </a:ln>
       </a:lnStyleLst>
       <a:effectStyleLst>
         <a:effectStyle>
-          <a:effectLst/>
-        </a:effectStyle>
-        <a:effectStyle>
           <a:effectLst>
-            <a:outerShdw blurRad="38100" dist="25400" dir="2700000" algn="br" rotWithShape="0">
+            <a:outerShdw blurRad="40000" dist="20000" dir="5400000" rotWithShape="0">
               <a:srgbClr val="000000">
-                <a:alpha val="60000"/>
+                <a:alpha val="38000"/>
               </a:srgbClr>
             </a:outerShdw>
           </a:effectLst>
         </a:effectStyle>
         <a:effectStyle>
           <a:effectLst>
-            <a:outerShdw blurRad="44450" dist="25400" dir="2700000" algn="br" rotWithShape="0">
+            <a:outerShdw blurRad="40000" dist="23000" dir="5400000" rotWithShape="0">
               <a:srgbClr val="000000">
-                <a:alpha val="60000"/>
+                <a:alpha val="35000"/>
+              </a:srgbClr>
+            </a:outerShdw>
+          </a:effectLst>
+        </a:effectStyle>
+        <a:effectStyle>
+          <a:effectLst>
+            <a:outerShdw blurRad="40000" dist="23000" dir="5400000" rotWithShape="0">
+              <a:srgbClr val="000000">
+                <a:alpha val="35000"/>
               </a:srgbClr>
             </a:outerShdw>
           </a:effectLst>
@@ -15710,11 +14810,11 @@
               <a:rot lat="0" lon="0" rev="0"/>
             </a:camera>
             <a:lightRig rig="threePt" dir="t">
-              <a:rot lat="0" lon="0" rev="19800000"/>
+              <a:rot lat="0" lon="0" rev="1200000"/>
             </a:lightRig>
           </a:scene3d>
-          <a:sp3d prstMaterial="flat">
-            <a:bevelT w="25400" h="31750"/>
+          <a:sp3d>
+            <a:bevelT w="63500" h="25400"/>
           </a:sp3d>
         </a:effectStyle>
       </a:effectStyleLst>
@@ -15722,47 +14822,98 @@
         <a:solidFill>
           <a:schemeClr val="phClr"/>
         </a:solidFill>
-        <a:solidFill>
-          <a:schemeClr val="phClr">
-            <a:tint val="90000"/>
-            <a:shade val="97000"/>
-            <a:satMod val="130000"/>
-          </a:schemeClr>
-        </a:solidFill>
         <a:gradFill rotWithShape="1">
           <a:gsLst>
             <a:gs pos="0">
               <a:schemeClr val="phClr">
-                <a:tint val="96000"/>
-                <a:shade val="99000"/>
-                <a:satMod val="140000"/>
+                <a:tint val="40000"/>
+                <a:satMod val="350000"/>
               </a:schemeClr>
             </a:gs>
-            <a:gs pos="65000">
+            <a:gs pos="40000">
               <a:schemeClr val="phClr">
-                <a:tint val="100000"/>
-                <a:shade val="80000"/>
-                <a:satMod val="130000"/>
+                <a:tint val="45000"/>
+                <a:shade val="99000"/>
+                <a:satMod val="350000"/>
               </a:schemeClr>
             </a:gs>
             <a:gs pos="100000">
               <a:schemeClr val="phClr">
-                <a:tint val="100000"/>
-                <a:shade val="48000"/>
-                <a:satMod val="120000"/>
+                <a:shade val="20000"/>
+                <a:satMod val="255000"/>
               </a:schemeClr>
             </a:gs>
           </a:gsLst>
-          <a:lin ang="16200000" scaled="0"/>
+          <a:path path="circle">
+            <a:fillToRect l="50000" t="-80000" r="50000" b="180000"/>
+          </a:path>
+        </a:gradFill>
+        <a:gradFill rotWithShape="1">
+          <a:gsLst>
+            <a:gs pos="0">
+              <a:schemeClr val="phClr">
+                <a:tint val="80000"/>
+                <a:satMod val="300000"/>
+              </a:schemeClr>
+            </a:gs>
+            <a:gs pos="100000">
+              <a:schemeClr val="phClr">
+                <a:shade val="30000"/>
+                <a:satMod val="200000"/>
+              </a:schemeClr>
+            </a:gs>
+          </a:gsLst>
+          <a:path path="circle">
+            <a:fillToRect l="50000" t="50000" r="50000" b="50000"/>
+          </a:path>
         </a:gradFill>
       </a:bgFillStyleLst>
     </a:fmtScheme>
   </a:themeElements>
-  <a:objectDefaults/>
+  <a:objectDefaults>
+    <a:spDef>
+      <a:spPr/>
+      <a:bodyPr/>
+      <a:lstStyle/>
+      <a:style>
+        <a:lnRef idx="1">
+          <a:schemeClr val="accent1"/>
+        </a:lnRef>
+        <a:fillRef idx="3">
+          <a:schemeClr val="accent1"/>
+        </a:fillRef>
+        <a:effectRef idx="2">
+          <a:schemeClr val="accent1"/>
+        </a:effectRef>
+        <a:fontRef idx="minor">
+          <a:schemeClr val="lt1"/>
+        </a:fontRef>
+      </a:style>
+    </a:spDef>
+    <a:lnDef>
+      <a:spPr/>
+      <a:bodyPr/>
+      <a:lstStyle/>
+      <a:style>
+        <a:lnRef idx="2">
+          <a:schemeClr val="accent1"/>
+        </a:lnRef>
+        <a:fillRef idx="0">
+          <a:schemeClr val="accent1"/>
+        </a:fillRef>
+        <a:effectRef idx="1">
+          <a:schemeClr val="accent1"/>
+        </a:effectRef>
+        <a:fontRef idx="minor">
+          <a:schemeClr val="tx1"/>
+        </a:fontRef>
+      </a:style>
+    </a:lnDef>
+  </a:objectDefaults>
   <a:extraClrSchemeLst/>
   <a:extLst>
     <a:ext uri="{05A4C25C-085E-4340-85A3-A5531E510DB2}">
-      <thm15:themeFamily xmlns:thm15="http://schemas.microsoft.com/office/thememl/2012/main" name="tropos_discussion" id="{317A0DEB-B951-425D-B395-0A6FDE76A7BD}" vid="{E7DAEF8A-7C91-4163-8742-6D572882B391}"/>
+      <thm15:themeFamily xmlns:thm15="http://schemas.microsoft.com/office/thememl/2012/main" name="tropos_presentation_16to9" id="{A2398776-53D3-4317-A574-07E0C3B6DE67}" vid="{BAE073EF-335F-477F-A0F4-9C01DEBBE40F}"/>
     </a:ext>
   </a:extLst>
 </a:theme>

--- a/doc/Pollynet_Processing_Chain.pptx
+++ b/doc/Pollynet_Processing_Chain.pptx
@@ -18,6 +18,7 @@
     <p:sldId id="267" r:id="rId12"/>
     <p:sldId id="268" r:id="rId13"/>
     <p:sldId id="277" r:id="rId14"/>
+    <p:sldId id="278" r:id="rId15"/>
   </p:sldIdLst>
   <p:sldSz cx="12192000" cy="6858000"/>
   <p:notesSz cx="6858000" cy="9144000"/>
@@ -1761,7 +1762,7 @@
           <a:p>
             <a:fld id="{AB21D1C1-A974-4CDD-890D-2FCDFA70CDD6}" type="datetimeFigureOut">
               <a:rPr lang="en-US" smtClean="0"/>
-              <a:t>7/21/2019</a:t>
+              <a:t>7/25/2019</a:t>
             </a:fld>
             <a:endParaRPr lang="en-US"/>
           </a:p>
@@ -4802,6 +4803,137 @@
           </a:p>
         </p:txBody>
       </p:sp>
+    </p:spTree>
+    <p:extLst>
+      <p:ext uri="{BB962C8B-B14F-4D97-AF65-F5344CB8AC3E}">
+        <p14:creationId xmlns:p14="http://schemas.microsoft.com/office/powerpoint/2010/main" val="313342365"/>
+      </p:ext>
+    </p:extLst>
+  </p:cSld>
+  <p:clrMapOvr>
+    <a:masterClrMapping/>
+  </p:clrMapOvr>
+  <p:timing>
+    <p:tnLst>
+      <p:par>
+        <p:cTn id="1" dur="indefinite" restart="never" nodeType="tmRoot"/>
+      </p:par>
+    </p:tnLst>
+  </p:timing>
+</p:sld>
+</file>
+
+<file path=ppt/slides/slide14.xml><?xml version="1.0" encoding="utf-8"?>
+<p:sld xmlns:a="http://schemas.openxmlformats.org/drawingml/2006/main" xmlns:r="http://schemas.openxmlformats.org/officeDocument/2006/relationships" xmlns:p="http://schemas.openxmlformats.org/presentationml/2006/main">
+  <p:cSld>
+    <p:spTree>
+      <p:nvGrpSpPr>
+        <p:cNvPr id="1" name=""/>
+        <p:cNvGrpSpPr/>
+        <p:nvPr/>
+      </p:nvGrpSpPr>
+      <p:grpSpPr>
+        <a:xfrm>
+          <a:off x="0" y="0"/>
+          <a:ext cx="0" cy="0"/>
+          <a:chOff x="0" y="0"/>
+          <a:chExt cx="0" cy="0"/>
+        </a:xfrm>
+      </p:grpSpPr>
+      <p:sp>
+        <p:nvSpPr>
+          <p:cNvPr id="2" name="Title 1"/>
+          <p:cNvSpPr>
+            <a:spLocks noGrp="1"/>
+          </p:cNvSpPr>
+          <p:nvPr>
+            <p:ph type="title"/>
+          </p:nvPr>
+        </p:nvSpPr>
+        <p:spPr/>
+        <p:txBody>
+          <a:bodyPr/>
+          <a:lstStyle/>
+          <a:p>
+            <a:r>
+              <a:rPr lang="en-US" dirty="0" smtClean="0"/>
+              <a:t>Workflow</a:t>
+            </a:r>
+            <a:endParaRPr lang="en-US" dirty="0"/>
+          </a:p>
+        </p:txBody>
+      </p:sp>
+      <p:sp>
+        <p:nvSpPr>
+          <p:cNvPr id="3" name="Text Placeholder 2"/>
+          <p:cNvSpPr>
+            <a:spLocks noGrp="1"/>
+          </p:cNvSpPr>
+          <p:nvPr>
+            <p:ph type="body" sz="quarter" idx="18"/>
+          </p:nvPr>
+        </p:nvSpPr>
+        <p:spPr/>
+        <p:txBody>
+          <a:bodyPr/>
+          <a:lstStyle/>
+          <a:p>
+            <a:r>
+              <a:rPr lang="en-US" dirty="0" smtClean="0"/>
+              <a:t>The procedure is valid for (</a:t>
+            </a:r>
+            <a:r>
+              <a:rPr lang="en-US" dirty="0" err="1" smtClean="0"/>
+              <a:t>pollyxt_noa</a:t>
+            </a:r>
+            <a:r>
+              <a:rPr lang="en-US" dirty="0" smtClean="0"/>
+              <a:t>, </a:t>
+            </a:r>
+            <a:r>
+              <a:rPr lang="en-US" dirty="0" err="1" smtClean="0"/>
+              <a:t>pollyxt_fmi</a:t>
+            </a:r>
+            <a:r>
+              <a:rPr lang="en-US" dirty="0" smtClean="0"/>
+              <a:t>, </a:t>
+            </a:r>
+            <a:r>
+              <a:rPr lang="en-US" dirty="0" err="1" smtClean="0"/>
+              <a:t>pollyxt_uw</a:t>
+            </a:r>
+            <a:r>
+              <a:rPr lang="en-US" dirty="0" smtClean="0"/>
+              <a:t>, </a:t>
+            </a:r>
+            <a:r>
+              <a:rPr lang="en-US" dirty="0" err="1" smtClean="0"/>
+              <a:t>pollyxt_tjk</a:t>
+            </a:r>
+            <a:r>
+              <a:rPr lang="en-US" dirty="0" smtClean="0"/>
+              <a:t>, </a:t>
+            </a:r>
+            <a:r>
+              <a:rPr lang="en-US" dirty="0" err="1" smtClean="0"/>
+              <a:t>pollyxt_lacros</a:t>
+            </a:r>
+            <a:r>
+              <a:rPr lang="en-US" dirty="0" smtClean="0"/>
+              <a:t>, </a:t>
+            </a:r>
+            <a:r>
+              <a:rPr lang="en-US" dirty="0" err="1" smtClean="0"/>
+              <a:t>pollyxt_tropos</a:t>
+            </a:r>
+            <a:r>
+              <a:rPr lang="en-US" dirty="0" smtClean="0"/>
+              <a:t>, Arielle, polly_1v2)</a:t>
+            </a:r>
+            <a:endParaRPr lang="en-US" dirty="0"/>
+          </a:p>
+        </p:txBody>
+      </p:sp>
       <p:sp>
         <p:nvSpPr>
           <p:cNvPr id="4" name="TextBox 3"/>
@@ -4810,8 +4942,182 @@
         </p:nvSpPr>
         <p:spPr>
           <a:xfrm>
-            <a:off x="567891" y="1251284"/>
-            <a:ext cx="10693667" cy="4312118"/>
+            <a:off x="668594" y="1057762"/>
+            <a:ext cx="10196051" cy="1477328"/>
+          </a:xfrm>
+          <a:prstGeom prst="rect">
+            <a:avLst/>
+          </a:prstGeom>
+        </p:spPr>
+        <p:style>
+          <a:lnRef idx="2">
+            <a:schemeClr val="dk1"/>
+          </a:lnRef>
+          <a:fillRef idx="1">
+            <a:schemeClr val="lt1"/>
+          </a:fillRef>
+          <a:effectRef idx="0">
+            <a:schemeClr val="dk1"/>
+          </a:effectRef>
+          <a:fontRef idx="minor">
+            <a:schemeClr val="dk1"/>
+          </a:fontRef>
+        </p:style>
+        <p:txBody>
+          <a:bodyPr wrap="square" rtlCol="0">
+            <a:spAutoFit/>
+          </a:bodyPr>
+          <a:lstStyle/>
+          <a:p>
+            <a:pPr marL="342900" indent="-342900">
+              <a:buAutoNum type="arabicPeriod"/>
+            </a:pPr>
+            <a:r>
+              <a:rPr lang="en-US" dirty="0" smtClean="0"/>
+              <a:t>Check the ‘pollynet_places_history.txt’ file to ensure the existence of your campaign info</a:t>
+            </a:r>
+          </a:p>
+          <a:p>
+            <a:pPr marL="342900" indent="-342900">
+              <a:buAutoNum type="arabicPeriod"/>
+            </a:pPr>
+            <a:r>
+              <a:rPr lang="en-US" dirty="0" smtClean="0"/>
+              <a:t>Setup a </a:t>
+            </a:r>
+            <a:r>
+              <a:rPr lang="en-US" dirty="0" err="1" smtClean="0"/>
+              <a:t>polly</a:t>
+            </a:r>
+            <a:r>
+              <a:rPr lang="en-US" dirty="0" smtClean="0"/>
+              <a:t> </a:t>
+            </a:r>
+            <a:r>
+              <a:rPr lang="en-US" dirty="0" err="1" smtClean="0"/>
+              <a:t>config</a:t>
+            </a:r>
+            <a:r>
+              <a:rPr lang="en-US" dirty="0" smtClean="0"/>
+              <a:t> file under ‘../</a:t>
+            </a:r>
+            <a:r>
+              <a:rPr lang="en-US" dirty="0" err="1" smtClean="0"/>
+              <a:t>config</a:t>
+            </a:r>
+            <a:r>
+              <a:rPr lang="en-US" dirty="0" smtClean="0"/>
+              <a:t>’. </a:t>
+            </a:r>
+          </a:p>
+          <a:p>
+            <a:pPr marL="800025" lvl="1" indent="-342900">
+              <a:buFont typeface="Arial" panose="020B0604020202020204" pitchFamily="34" charset="0"/>
+              <a:buChar char="•"/>
+            </a:pPr>
+            <a:r>
+              <a:rPr lang="en-US" dirty="0" smtClean="0"/>
+              <a:t>Example</a:t>
+            </a:r>
+          </a:p>
+          <a:p>
+            <a:pPr marL="342900" indent="-342900">
+              <a:buFont typeface="+mj-lt"/>
+              <a:buAutoNum type="arabicPeriod"/>
+            </a:pPr>
+            <a:r>
+              <a:rPr lang="en-US" dirty="0" smtClean="0"/>
+              <a:t>Add a new entry for this campaign to link the processing modules with the corresponding </a:t>
+            </a:r>
+            <a:r>
+              <a:rPr lang="en-US" dirty="0" err="1" smtClean="0"/>
+              <a:t>config</a:t>
+            </a:r>
+            <a:r>
+              <a:rPr lang="en-US" dirty="0" smtClean="0"/>
+              <a:t> file</a:t>
+            </a:r>
+          </a:p>
+          <a:p>
+            <a:pPr marL="342900" indent="-342900">
+              <a:buFont typeface="+mj-lt"/>
+              <a:buAutoNum type="arabicPeriod"/>
+            </a:pPr>
+            <a:r>
+              <a:rPr lang="en-US" dirty="0" smtClean="0"/>
+              <a:t>Run the ‘</a:t>
+            </a:r>
+            <a:r>
+              <a:rPr lang="en-US" dirty="0" err="1" smtClean="0"/>
+              <a:t>pollynet_process_day</a:t>
+            </a:r>
+            <a:r>
+              <a:rPr lang="en-US" dirty="0" smtClean="0"/>
+              <a:t>’</a:t>
+            </a:r>
+          </a:p>
+        </p:txBody>
+      </p:sp>
+      <p:sp>
+        <p:nvSpPr>
+          <p:cNvPr id="5" name="Rectangle 4"/>
+          <p:cNvSpPr/>
+          <p:nvPr/>
+        </p:nvSpPr>
+        <p:spPr>
+          <a:xfrm>
+            <a:off x="412955" y="3451791"/>
+            <a:ext cx="2202426" cy="521110"/>
+          </a:xfrm>
+          <a:prstGeom prst="rect">
+            <a:avLst/>
+          </a:prstGeom>
+        </p:spPr>
+        <p:style>
+          <a:lnRef idx="1">
+            <a:schemeClr val="accent1"/>
+          </a:lnRef>
+          <a:fillRef idx="3">
+            <a:schemeClr val="accent1"/>
+          </a:fillRef>
+          <a:effectRef idx="2">
+            <a:schemeClr val="accent1"/>
+          </a:effectRef>
+          <a:fontRef idx="minor">
+            <a:schemeClr val="lt1"/>
+          </a:fontRef>
+        </p:style>
+        <p:txBody>
+          <a:bodyPr rtlCol="0" anchor="ctr"/>
+          <a:lstStyle/>
+          <a:p>
+            <a:pPr algn="ctr"/>
+            <a:r>
+              <a:rPr lang="en-US" dirty="0" smtClean="0"/>
+              <a:t>Task from </a:t>
+            </a:r>
+            <a:r>
+              <a:rPr lang="en-US" dirty="0" err="1" smtClean="0"/>
+              <a:t>todolist</a:t>
+            </a:r>
+            <a:r>
+              <a:rPr lang="en-US" dirty="0" smtClean="0"/>
+              <a:t> file</a:t>
+            </a:r>
+            <a:endParaRPr lang="en-US" dirty="0"/>
+          </a:p>
+        </p:txBody>
+      </p:sp>
+      <p:sp>
+        <p:nvSpPr>
+          <p:cNvPr id="6" name="TextBox 5"/>
+          <p:cNvSpPr txBox="1"/>
+          <p:nvPr/>
+        </p:nvSpPr>
+        <p:spPr>
+          <a:xfrm>
+            <a:off x="172065" y="4010441"/>
+            <a:ext cx="2684206" cy="369332"/>
           </a:xfrm>
           <a:prstGeom prst="rect">
             <a:avLst/>
@@ -4824,6 +5130,312 @@
           </a:bodyPr>
           <a:lstStyle/>
           <a:p>
+            <a:r>
+              <a:rPr lang="en-US" dirty="0" smtClean="0"/>
+              <a:t>Each line represents a task</a:t>
+            </a:r>
+            <a:endParaRPr lang="en-US" dirty="0"/>
+          </a:p>
+        </p:txBody>
+      </p:sp>
+      <p:sp>
+        <p:nvSpPr>
+          <p:cNvPr id="7" name="Rectangle 6"/>
+          <p:cNvSpPr/>
+          <p:nvPr/>
+        </p:nvSpPr>
+        <p:spPr>
+          <a:xfrm>
+            <a:off x="3067664" y="2754277"/>
+            <a:ext cx="3185652" cy="1061884"/>
+          </a:xfrm>
+          <a:prstGeom prst="rect">
+            <a:avLst/>
+          </a:prstGeom>
+        </p:spPr>
+        <p:style>
+          <a:lnRef idx="1">
+            <a:schemeClr val="accent1"/>
+          </a:lnRef>
+          <a:fillRef idx="3">
+            <a:schemeClr val="accent1"/>
+          </a:fillRef>
+          <a:effectRef idx="2">
+            <a:schemeClr val="accent1"/>
+          </a:effectRef>
+          <a:fontRef idx="minor">
+            <a:schemeClr val="lt1"/>
+          </a:fontRef>
+        </p:style>
+        <p:txBody>
+          <a:bodyPr rtlCol="0" anchor="ctr"/>
+          <a:lstStyle/>
+          <a:p>
+            <a:pPr algn="ctr"/>
+            <a:r>
+              <a:rPr lang="en-US" dirty="0" smtClean="0"/>
+              <a:t>Pollynet_places_history.txt</a:t>
+            </a:r>
+            <a:endParaRPr lang="en-US" dirty="0"/>
+          </a:p>
+        </p:txBody>
+      </p:sp>
+      <p:sp>
+        <p:nvSpPr>
+          <p:cNvPr id="8" name="TextBox 7"/>
+          <p:cNvSpPr txBox="1"/>
+          <p:nvPr/>
+        </p:nvSpPr>
+        <p:spPr>
+          <a:xfrm>
+            <a:off x="6253316" y="2936436"/>
+            <a:ext cx="2418735" cy="646331"/>
+          </a:xfrm>
+          <a:prstGeom prst="rect">
+            <a:avLst/>
+          </a:prstGeom>
+          <a:noFill/>
+        </p:spPr>
+        <p:txBody>
+          <a:bodyPr wrap="square" rtlCol="0">
+            <a:spAutoFit/>
+          </a:bodyPr>
+          <a:lstStyle/>
+          <a:p>
+            <a:r>
+              <a:rPr lang="en-US" dirty="0" smtClean="0"/>
+              <a:t>Search the campaign info: </a:t>
+            </a:r>
+            <a:r>
+              <a:rPr lang="en-US" dirty="0" err="1" smtClean="0"/>
+              <a:t>lat</a:t>
+            </a:r>
+            <a:r>
+              <a:rPr lang="en-US" dirty="0" smtClean="0"/>
+              <a:t>, </a:t>
+            </a:r>
+            <a:r>
+              <a:rPr lang="en-US" dirty="0" err="1" smtClean="0"/>
+              <a:t>lon</a:t>
+            </a:r>
+            <a:r>
+              <a:rPr lang="en-US" dirty="0" smtClean="0"/>
+              <a:t>, …</a:t>
+            </a:r>
+            <a:endParaRPr lang="en-US" dirty="0"/>
+          </a:p>
+        </p:txBody>
+      </p:sp>
+      <p:sp>
+        <p:nvSpPr>
+          <p:cNvPr id="9" name="Rectangle 8"/>
+          <p:cNvSpPr/>
+          <p:nvPr/>
+        </p:nvSpPr>
+        <p:spPr>
+          <a:xfrm>
+            <a:off x="3067664" y="3972901"/>
+            <a:ext cx="3106993" cy="801329"/>
+          </a:xfrm>
+          <a:prstGeom prst="rect">
+            <a:avLst/>
+          </a:prstGeom>
+        </p:spPr>
+        <p:style>
+          <a:lnRef idx="1">
+            <a:schemeClr val="accent1"/>
+          </a:lnRef>
+          <a:fillRef idx="3">
+            <a:schemeClr val="accent1"/>
+          </a:fillRef>
+          <a:effectRef idx="2">
+            <a:schemeClr val="accent1"/>
+          </a:effectRef>
+          <a:fontRef idx="minor">
+            <a:schemeClr val="lt1"/>
+          </a:fontRef>
+        </p:style>
+        <p:txBody>
+          <a:bodyPr rtlCol="0" anchor="ctr"/>
+          <a:lstStyle/>
+          <a:p>
+            <a:pPr algn="ctr"/>
+            <a:r>
+              <a:rPr lang="en-US" dirty="0" smtClean="0"/>
+              <a:t>Pollynet_processing_config_history.txt</a:t>
+            </a:r>
+            <a:endParaRPr lang="en-US" dirty="0"/>
+          </a:p>
+        </p:txBody>
+      </p:sp>
+      <p:sp>
+        <p:nvSpPr>
+          <p:cNvPr id="10" name="TextBox 9"/>
+          <p:cNvSpPr txBox="1"/>
+          <p:nvPr/>
+        </p:nvSpPr>
+        <p:spPr>
+          <a:xfrm>
+            <a:off x="6253316" y="3911900"/>
+            <a:ext cx="3991897" cy="923330"/>
+          </a:xfrm>
+          <a:prstGeom prst="rect">
+            <a:avLst/>
+          </a:prstGeom>
+          <a:noFill/>
+        </p:spPr>
+        <p:txBody>
+          <a:bodyPr wrap="square" rtlCol="0">
+            <a:spAutoFit/>
+          </a:bodyPr>
+          <a:lstStyle/>
+          <a:p>
+            <a:r>
+              <a:rPr lang="en-US" dirty="0" smtClean="0"/>
+              <a:t>Search the processing module and </a:t>
+            </a:r>
+            <a:r>
+              <a:rPr lang="en-US" dirty="0" err="1" smtClean="0"/>
+              <a:t>config</a:t>
+            </a:r>
+            <a:r>
+              <a:rPr lang="en-US" dirty="0" smtClean="0"/>
+              <a:t> file. (Each </a:t>
+            </a:r>
+            <a:r>
+              <a:rPr lang="en-US" dirty="0" err="1" smtClean="0"/>
+              <a:t>polly</a:t>
+            </a:r>
+            <a:r>
+              <a:rPr lang="en-US" dirty="0" smtClean="0"/>
+              <a:t> has its own processing module)</a:t>
+            </a:r>
+            <a:endParaRPr lang="en-US" dirty="0"/>
+          </a:p>
+        </p:txBody>
+      </p:sp>
+      <p:sp>
+        <p:nvSpPr>
+          <p:cNvPr id="11" name="Left Brace 10"/>
+          <p:cNvSpPr/>
+          <p:nvPr/>
+        </p:nvSpPr>
+        <p:spPr>
+          <a:xfrm>
+            <a:off x="2782529" y="3077497"/>
+            <a:ext cx="73742" cy="1480735"/>
+          </a:xfrm>
+          <a:prstGeom prst="leftBrace">
+            <a:avLst/>
+          </a:prstGeom>
+        </p:spPr>
+        <p:style>
+          <a:lnRef idx="2">
+            <a:schemeClr val="accent1"/>
+          </a:lnRef>
+          <a:fillRef idx="0">
+            <a:schemeClr val="accent1"/>
+          </a:fillRef>
+          <a:effectRef idx="1">
+            <a:schemeClr val="accent1"/>
+          </a:effectRef>
+          <a:fontRef idx="minor">
+            <a:schemeClr val="tx1"/>
+          </a:fontRef>
+        </p:style>
+        <p:txBody>
+          <a:bodyPr rtlCol="0" anchor="ctr"/>
+          <a:lstStyle/>
+          <a:p>
+            <a:pPr algn="ctr"/>
+            <a:endParaRPr lang="en-US"/>
+          </a:p>
+        </p:txBody>
+      </p:sp>
+      <p:sp>
+        <p:nvSpPr>
+          <p:cNvPr id="12" name="Rectangle 11"/>
+          <p:cNvSpPr/>
+          <p:nvPr/>
+        </p:nvSpPr>
+        <p:spPr>
+          <a:xfrm>
+            <a:off x="2428567" y="5328338"/>
+            <a:ext cx="4965291" cy="934064"/>
+          </a:xfrm>
+          <a:prstGeom prst="rect">
+            <a:avLst/>
+          </a:prstGeom>
+        </p:spPr>
+        <p:style>
+          <a:lnRef idx="1">
+            <a:schemeClr val="accent1"/>
+          </a:lnRef>
+          <a:fillRef idx="3">
+            <a:schemeClr val="accent1"/>
+          </a:fillRef>
+          <a:effectRef idx="2">
+            <a:schemeClr val="accent1"/>
+          </a:effectRef>
+          <a:fontRef idx="minor">
+            <a:schemeClr val="lt1"/>
+          </a:fontRef>
+        </p:style>
+        <p:txBody>
+          <a:bodyPr rtlCol="0" anchor="ctr"/>
+          <a:lstStyle/>
+          <a:p>
+            <a:pPr algn="ctr"/>
+            <a:r>
+              <a:rPr lang="en-US" dirty="0" smtClean="0"/>
+              <a:t>Load the </a:t>
+            </a:r>
+            <a:r>
+              <a:rPr lang="en-US" dirty="0" err="1" smtClean="0"/>
+              <a:t>config</a:t>
+            </a:r>
+            <a:r>
+              <a:rPr lang="en-US" dirty="0" smtClean="0"/>
+              <a:t> and activate the processing module</a:t>
+            </a:r>
+            <a:endParaRPr lang="en-US" dirty="0"/>
+          </a:p>
+        </p:txBody>
+      </p:sp>
+      <p:sp>
+        <p:nvSpPr>
+          <p:cNvPr id="13" name="Down Arrow 12"/>
+          <p:cNvSpPr/>
+          <p:nvPr/>
+        </p:nvSpPr>
+        <p:spPr>
+          <a:xfrm>
+            <a:off x="4336026" y="4887365"/>
+            <a:ext cx="324464" cy="340455"/>
+          </a:xfrm>
+          <a:prstGeom prst="downArrow">
+            <a:avLst/>
+          </a:prstGeom>
+        </p:spPr>
+        <p:style>
+          <a:lnRef idx="1">
+            <a:schemeClr val="accent1"/>
+          </a:lnRef>
+          <a:fillRef idx="3">
+            <a:schemeClr val="accent1"/>
+          </a:fillRef>
+          <a:effectRef idx="2">
+            <a:schemeClr val="accent1"/>
+          </a:effectRef>
+          <a:fontRef idx="minor">
+            <a:schemeClr val="lt1"/>
+          </a:fontRef>
+        </p:style>
+        <p:txBody>
+          <a:bodyPr rtlCol="0" anchor="ctr"/>
+          <a:lstStyle/>
+          <a:p>
+            <a:pPr algn="ctr"/>
             <a:endParaRPr lang="en-US"/>
           </a:p>
         </p:txBody>
@@ -4831,7 +5443,7 @@
     </p:spTree>
     <p:extLst>
       <p:ext uri="{BB962C8B-B14F-4D97-AF65-F5344CB8AC3E}">
-        <p14:creationId xmlns:p14="http://schemas.microsoft.com/office/powerpoint/2010/main" val="313342365"/>
+        <p14:creationId xmlns:p14="http://schemas.microsoft.com/office/powerpoint/2010/main" val="2998283427"/>
       </p:ext>
     </p:extLst>
   </p:cSld>
@@ -4964,11 +5576,7 @@
             </a:pPr>
             <a:r>
               <a:rPr lang="en-US" sz="2800" dirty="0" smtClean="0"/>
-              <a:t>Products and </a:t>
-            </a:r>
-            <a:r>
-              <a:rPr lang="en-US" sz="2800" dirty="0" smtClean="0"/>
-              <a:t>Configurations</a:t>
+              <a:t>Products and Configurations</a:t>
             </a:r>
           </a:p>
           <a:p>
@@ -4983,7 +5591,6 @@
               <a:rPr lang="en-US" sz="2800" dirty="0" smtClean="0"/>
               <a:t>Installation and setup</a:t>
             </a:r>
-            <a:endParaRPr lang="en-US" sz="2800" dirty="0" smtClean="0"/>
           </a:p>
           <a:p>
             <a:pPr marL="514350" indent="-514350">
@@ -6966,8 +7573,8 @@
           </p:spPr>
         </p:pic>
       </p:grpSp>
-      <mc:AlternateContent xmlns:mc="http://schemas.openxmlformats.org/markup-compatibility/2006">
-        <mc:Choice xmlns:a14="http://schemas.microsoft.com/office/drawing/2010/main" Requires="a14">
+      <mc:AlternateContent xmlns:mc="http://schemas.openxmlformats.org/markup-compatibility/2006" xmlns:a14="http://schemas.microsoft.com/office/drawing/2010/main">
+        <mc:Choice Requires="a14">
           <p:sp>
             <p:nvSpPr>
               <p:cNvPr id="7" name="TextBox 6"/>
@@ -7761,7 +8368,7 @@
             </p:txBody>
           </p:sp>
         </mc:Choice>
-        <mc:Fallback>
+        <mc:Fallback xmlns="">
           <p:sp>
             <p:nvSpPr>
               <p:cNvPr id="7" name="TextBox 6"/>
@@ -7800,8 +8407,8 @@
           </p:sp>
         </mc:Fallback>
       </mc:AlternateContent>
-      <mc:AlternateContent xmlns:mc="http://schemas.openxmlformats.org/markup-compatibility/2006">
-        <mc:Choice xmlns:a14="http://schemas.microsoft.com/office/drawing/2010/main" Requires="a14">
+      <mc:AlternateContent xmlns:mc="http://schemas.openxmlformats.org/markup-compatibility/2006" xmlns:a14="http://schemas.microsoft.com/office/drawing/2010/main">
+        <mc:Choice Requires="a14">
           <p:sp>
             <p:nvSpPr>
               <p:cNvPr id="8" name="TextBox 7"/>
@@ -8658,7 +9265,7 @@
             </p:txBody>
           </p:sp>
         </mc:Choice>
-        <mc:Fallback>
+        <mc:Fallback xmlns="">
           <p:sp>
             <p:nvSpPr>
               <p:cNvPr id="8" name="TextBox 7"/>
@@ -8973,8 +9580,8 @@
           </a:p>
         </p:txBody>
       </p:sp>
-      <mc:AlternateContent xmlns:mc="http://schemas.openxmlformats.org/markup-compatibility/2006">
-        <mc:Choice xmlns:a14="http://schemas.microsoft.com/office/drawing/2010/main" Requires="a14">
+      <mc:AlternateContent xmlns:mc="http://schemas.openxmlformats.org/markup-compatibility/2006" xmlns:a14="http://schemas.microsoft.com/office/drawing/2010/main">
+        <mc:Choice Requires="a14">
           <p:sp>
             <p:nvSpPr>
               <p:cNvPr id="4" name="TextBox 3"/>
@@ -9454,7 +10061,7 @@
             </p:txBody>
           </p:sp>
         </mc:Choice>
-        <mc:Fallback>
+        <mc:Fallback xmlns="">
           <p:sp>
             <p:nvSpPr>
               <p:cNvPr id="4" name="TextBox 3"/>
@@ -11560,8 +12167,8 @@
           </a:p>
         </p:txBody>
       </p:sp>
-      <mc:AlternateContent xmlns:mc="http://schemas.openxmlformats.org/markup-compatibility/2006">
-        <mc:Choice xmlns:a14="http://schemas.microsoft.com/office/drawing/2010/main" Requires="a14">
+      <mc:AlternateContent xmlns:mc="http://schemas.openxmlformats.org/markup-compatibility/2006" xmlns:a14="http://schemas.microsoft.com/office/drawing/2010/main">
+        <mc:Choice Requires="a14">
           <p:sp>
             <p:nvSpPr>
               <p:cNvPr id="4" name="TextBox 3"/>
@@ -12041,7 +12648,7 @@
             </p:txBody>
           </p:sp>
         </mc:Choice>
-        <mc:Fallback>
+        <mc:Fallback xmlns="">
           <p:sp>
             <p:nvSpPr>
               <p:cNvPr id="4" name="TextBox 3"/>
@@ -12080,8 +12687,8 @@
           </p:sp>
         </mc:Fallback>
       </mc:AlternateContent>
-      <mc:AlternateContent xmlns:mc="http://schemas.openxmlformats.org/markup-compatibility/2006">
-        <mc:Choice xmlns:a14="http://schemas.microsoft.com/office/drawing/2010/main" Requires="a14">
+      <mc:AlternateContent xmlns:mc="http://schemas.openxmlformats.org/markup-compatibility/2006" xmlns:a14="http://schemas.microsoft.com/office/drawing/2010/main">
+        <mc:Choice Requires="a14">
           <p:sp>
             <p:nvSpPr>
               <p:cNvPr id="5" name="TextBox 4"/>
@@ -12374,7 +12981,7 @@
             </p:txBody>
           </p:sp>
         </mc:Choice>
-        <mc:Fallback>
+        <mc:Fallback xmlns="">
           <p:sp>
             <p:nvSpPr>
               <p:cNvPr id="5" name="TextBox 4"/>
@@ -12413,8 +13020,8 @@
           </p:sp>
         </mc:Fallback>
       </mc:AlternateContent>
-      <mc:AlternateContent xmlns:mc="http://schemas.openxmlformats.org/markup-compatibility/2006">
-        <mc:Choice xmlns:a14="http://schemas.microsoft.com/office/drawing/2010/main" Requires="a14">
+      <mc:AlternateContent xmlns:mc="http://schemas.openxmlformats.org/markup-compatibility/2006" xmlns:a14="http://schemas.microsoft.com/office/drawing/2010/main">
+        <mc:Choice Requires="a14">
           <p:sp>
             <p:nvSpPr>
               <p:cNvPr id="6" name="TextBox 5"/>
@@ -12890,7 +13497,7 @@
             </p:txBody>
           </p:sp>
         </mc:Choice>
-        <mc:Fallback>
+        <mc:Fallback xmlns="">
           <p:sp>
             <p:nvSpPr>
               <p:cNvPr id="6" name="TextBox 5"/>
@@ -12973,8 +13580,8 @@
           </a:p>
         </p:txBody>
       </p:sp>
-      <mc:AlternateContent xmlns:mc="http://schemas.openxmlformats.org/markup-compatibility/2006">
-        <mc:Choice xmlns:a14="http://schemas.microsoft.com/office/drawing/2010/main" Requires="a14">
+      <mc:AlternateContent xmlns:mc="http://schemas.openxmlformats.org/markup-compatibility/2006" xmlns:a14="http://schemas.microsoft.com/office/drawing/2010/main">
+        <mc:Choice Requires="a14">
           <p:sp>
             <p:nvSpPr>
               <p:cNvPr id="8" name="TextBox 7"/>
@@ -13290,7 +13897,7 @@
             </p:txBody>
           </p:sp>
         </mc:Choice>
-        <mc:Fallback>
+        <mc:Fallback xmlns="">
           <p:sp>
             <p:nvSpPr>
               <p:cNvPr id="8" name="TextBox 7"/>
@@ -13461,8 +14068,8 @@
           </a:p>
         </p:txBody>
       </p:sp>
-      <mc:AlternateContent xmlns:mc="http://schemas.openxmlformats.org/markup-compatibility/2006">
-        <mc:Choice xmlns:a14="http://schemas.microsoft.com/office/drawing/2010/main" Requires="a14">
+      <mc:AlternateContent xmlns:mc="http://schemas.openxmlformats.org/markup-compatibility/2006" xmlns:a14="http://schemas.microsoft.com/office/drawing/2010/main">
+        <mc:Choice Requires="a14">
           <p:sp>
             <p:nvSpPr>
               <p:cNvPr id="12" name="TextBox 11"/>
@@ -13718,7 +14325,7 @@
             </p:txBody>
           </p:sp>
         </mc:Choice>
-        <mc:Fallback>
+        <mc:Fallback xmlns="">
           <p:sp>
             <p:nvSpPr>
               <p:cNvPr id="12" name="TextBox 11"/>

--- a/doc/Pollynet_Processing_Chain.pptx
+++ b/doc/Pollynet_Processing_Chain.pptx
@@ -10,15 +10,15 @@
     <p:sldId id="271" r:id="rId4"/>
     <p:sldId id="272" r:id="rId5"/>
     <p:sldId id="273" r:id="rId6"/>
-    <p:sldId id="274" r:id="rId7"/>
-    <p:sldId id="275" r:id="rId8"/>
-    <p:sldId id="276" r:id="rId9"/>
-    <p:sldId id="265" r:id="rId10"/>
-    <p:sldId id="266" r:id="rId11"/>
-    <p:sldId id="267" r:id="rId12"/>
-    <p:sldId id="268" r:id="rId13"/>
-    <p:sldId id="277" r:id="rId14"/>
-    <p:sldId id="278" r:id="rId15"/>
+    <p:sldId id="278" r:id="rId7"/>
+    <p:sldId id="274" r:id="rId8"/>
+    <p:sldId id="275" r:id="rId9"/>
+    <p:sldId id="276" r:id="rId10"/>
+    <p:sldId id="265" r:id="rId11"/>
+    <p:sldId id="266" r:id="rId12"/>
+    <p:sldId id="267" r:id="rId13"/>
+    <p:sldId id="268" r:id="rId14"/>
+    <p:sldId id="277" r:id="rId15"/>
   </p:sldIdLst>
   <p:sldSz cx="12192000" cy="6858000"/>
   <p:notesSz cx="6858000" cy="9144000"/>
@@ -1762,7 +1762,7 @@
           <a:p>
             <a:fld id="{AB21D1C1-A974-4CDD-890D-2FCDFA70CDD6}" type="datetimeFigureOut">
               <a:rPr lang="en-US" smtClean="0"/>
-              <a:t>7/25/2019</a:t>
+              <a:t>7/27/2019</a:t>
             </a:fld>
             <a:endParaRPr lang="en-US"/>
           </a:p>
@@ -2232,6 +2232,786 @@
           <a:lstStyle/>
           <a:p>
             <a:r>
+              <a:rPr lang="en-US" altLang="zh-CN" dirty="0" smtClean="0"/>
+              <a:t>Shortage of sliding fixed window </a:t>
+            </a:r>
+            <a:endParaRPr lang="en-US" dirty="0"/>
+          </a:p>
+        </p:txBody>
+      </p:sp>
+      <p:sp>
+        <p:nvSpPr>
+          <p:cNvPr id="10" name="Text Placeholder 9"/>
+          <p:cNvSpPr>
+            <a:spLocks noGrp="1"/>
+          </p:cNvSpPr>
+          <p:nvPr>
+            <p:ph type="body" sz="quarter" idx="18"/>
+          </p:nvPr>
+        </p:nvSpPr>
+        <p:spPr/>
+        <p:txBody>
+          <a:bodyPr/>
+          <a:lstStyle/>
+          <a:p>
+            <a:endParaRPr lang="en-US"/>
+          </a:p>
+        </p:txBody>
+      </p:sp>
+      <p:grpSp>
+        <p:nvGrpSpPr>
+          <p:cNvPr id="5" name="Group 4"/>
+          <p:cNvGrpSpPr/>
+          <p:nvPr/>
+        </p:nvGrpSpPr>
+        <p:grpSpPr>
+          <a:xfrm>
+            <a:off x="1998408" y="1690688"/>
+            <a:ext cx="3309781" cy="4543425"/>
+            <a:chOff x="838200" y="1690688"/>
+            <a:chExt cx="3309781" cy="4543425"/>
+          </a:xfrm>
+        </p:grpSpPr>
+        <p:pic>
+          <p:nvPicPr>
+            <p:cNvPr id="3" name="Picture 2"/>
+            <p:cNvPicPr>
+              <a:picLocks noChangeAspect="1"/>
+            </p:cNvPicPr>
+            <p:nvPr/>
+          </p:nvPicPr>
+          <p:blipFill>
+            <a:blip r:embed="rId2"/>
+            <a:stretch>
+              <a:fillRect/>
+            </a:stretch>
+          </p:blipFill>
+          <p:spPr>
+            <a:xfrm>
+              <a:off x="1023781" y="1690688"/>
+              <a:ext cx="3124200" cy="4543425"/>
+            </a:xfrm>
+            <a:prstGeom prst="rect">
+              <a:avLst/>
+            </a:prstGeom>
+          </p:spPr>
+        </p:pic>
+        <p:pic>
+          <p:nvPicPr>
+            <p:cNvPr id="4" name="Picture 3"/>
+            <p:cNvPicPr>
+              <a:picLocks noChangeAspect="1"/>
+            </p:cNvPicPr>
+            <p:nvPr/>
+          </p:nvPicPr>
+          <p:blipFill rotWithShape="1">
+            <a:blip r:embed="rId3"/>
+            <a:srcRect l="1" r="13306" b="1957"/>
+            <a:stretch/>
+          </p:blipFill>
+          <p:spPr>
+            <a:xfrm>
+              <a:off x="838200" y="1690688"/>
+              <a:ext cx="198181" cy="4510549"/>
+            </a:xfrm>
+            <a:prstGeom prst="rect">
+              <a:avLst/>
+            </a:prstGeom>
+          </p:spPr>
+        </p:pic>
+      </p:grpSp>
+      <p:sp>
+        <p:nvSpPr>
+          <p:cNvPr id="6" name="Rectangle 5"/>
+          <p:cNvSpPr/>
+          <p:nvPr/>
+        </p:nvSpPr>
+        <p:spPr>
+          <a:xfrm>
+            <a:off x="1656735" y="5112774"/>
+            <a:ext cx="4178708" cy="491613"/>
+          </a:xfrm>
+          <a:prstGeom prst="rect">
+            <a:avLst/>
+          </a:prstGeom>
+          <a:noFill/>
+          <a:ln w="38100">
+            <a:solidFill>
+              <a:schemeClr val="accent6"/>
+            </a:solidFill>
+          </a:ln>
+        </p:spPr>
+        <p:style>
+          <a:lnRef idx="2">
+            <a:schemeClr val="accent1">
+              <a:shade val="50000"/>
+            </a:schemeClr>
+          </a:lnRef>
+          <a:fillRef idx="1">
+            <a:schemeClr val="accent1"/>
+          </a:fillRef>
+          <a:effectRef idx="0">
+            <a:schemeClr val="accent1"/>
+          </a:effectRef>
+          <a:fontRef idx="minor">
+            <a:schemeClr val="lt1"/>
+          </a:fontRef>
+        </p:style>
+        <p:txBody>
+          <a:bodyPr rtlCol="0" anchor="ctr"/>
+          <a:lstStyle/>
+          <a:p>
+            <a:pPr algn="ctr"/>
+            <a:endParaRPr lang="en-US"/>
+          </a:p>
+        </p:txBody>
+      </p:sp>
+      <p:sp>
+        <p:nvSpPr>
+          <p:cNvPr id="7" name="TextBox 6"/>
+          <p:cNvSpPr txBox="1"/>
+          <p:nvPr/>
+        </p:nvSpPr>
+        <p:spPr>
+          <a:xfrm>
+            <a:off x="6049295" y="3648218"/>
+            <a:ext cx="4563398" cy="1200329"/>
+          </a:xfrm>
+          <a:prstGeom prst="rect">
+            <a:avLst/>
+          </a:prstGeom>
+          <a:noFill/>
+          <a:ln>
+            <a:solidFill>
+              <a:schemeClr val="accent6"/>
+            </a:solidFill>
+          </a:ln>
+        </p:spPr>
+        <p:txBody>
+          <a:bodyPr wrap="square" rtlCol="0">
+            <a:spAutoFit/>
+          </a:bodyPr>
+          <a:lstStyle/>
+          <a:p>
+            <a:r>
+              <a:rPr lang="en-US" dirty="0" smtClean="0"/>
+              <a:t>Omission: This possible interval will not be found if a large fixed window (like 1 km) was used, since the width of aerosol-free area is only 450m.</a:t>
+            </a:r>
+            <a:endParaRPr lang="en-US" dirty="0"/>
+          </a:p>
+        </p:txBody>
+      </p:sp>
+      <p:sp>
+        <p:nvSpPr>
+          <p:cNvPr id="9" name="TextBox 8"/>
+          <p:cNvSpPr txBox="1"/>
+          <p:nvPr/>
+        </p:nvSpPr>
+        <p:spPr>
+          <a:xfrm>
+            <a:off x="6049295" y="2583286"/>
+            <a:ext cx="4563398" cy="646331"/>
+          </a:xfrm>
+          <a:prstGeom prst="rect">
+            <a:avLst/>
+          </a:prstGeom>
+          <a:noFill/>
+          <a:ln>
+            <a:solidFill>
+              <a:schemeClr val="accent6"/>
+            </a:solidFill>
+          </a:ln>
+        </p:spPr>
+        <p:txBody>
+          <a:bodyPr wrap="square" rtlCol="0">
+            <a:spAutoFit/>
+          </a:bodyPr>
+          <a:lstStyle/>
+          <a:p>
+            <a:r>
+              <a:rPr lang="en-US" dirty="0" smtClean="0"/>
+              <a:t>More computation: all the sub-areas with a fixed width will be tested.</a:t>
+            </a:r>
+            <a:endParaRPr lang="en-US" dirty="0"/>
+          </a:p>
+        </p:txBody>
+      </p:sp>
+      <p:sp>
+        <p:nvSpPr>
+          <p:cNvPr id="16" name="Rectangle 15"/>
+          <p:cNvSpPr/>
+          <p:nvPr/>
+        </p:nvSpPr>
+        <p:spPr>
+          <a:xfrm>
+            <a:off x="1656735" y="4970206"/>
+            <a:ext cx="4178708" cy="491613"/>
+          </a:xfrm>
+          <a:prstGeom prst="rect">
+            <a:avLst/>
+          </a:prstGeom>
+          <a:noFill/>
+          <a:ln w="38100">
+            <a:solidFill>
+              <a:schemeClr val="accent6"/>
+            </a:solidFill>
+          </a:ln>
+        </p:spPr>
+        <p:style>
+          <a:lnRef idx="2">
+            <a:schemeClr val="accent1">
+              <a:shade val="50000"/>
+            </a:schemeClr>
+          </a:lnRef>
+          <a:fillRef idx="1">
+            <a:schemeClr val="accent1"/>
+          </a:fillRef>
+          <a:effectRef idx="0">
+            <a:schemeClr val="accent1"/>
+          </a:effectRef>
+          <a:fontRef idx="minor">
+            <a:schemeClr val="lt1"/>
+          </a:fontRef>
+        </p:style>
+        <p:txBody>
+          <a:bodyPr rtlCol="0" anchor="ctr"/>
+          <a:lstStyle/>
+          <a:p>
+            <a:pPr algn="ctr"/>
+            <a:endParaRPr lang="en-US"/>
+          </a:p>
+        </p:txBody>
+      </p:sp>
+      <p:sp>
+        <p:nvSpPr>
+          <p:cNvPr id="17" name="Rectangle 16"/>
+          <p:cNvSpPr/>
+          <p:nvPr/>
+        </p:nvSpPr>
+        <p:spPr>
+          <a:xfrm>
+            <a:off x="1656735" y="4787541"/>
+            <a:ext cx="4178708" cy="491613"/>
+          </a:xfrm>
+          <a:prstGeom prst="rect">
+            <a:avLst/>
+          </a:prstGeom>
+          <a:noFill/>
+          <a:ln w="38100">
+            <a:solidFill>
+              <a:schemeClr val="accent6"/>
+            </a:solidFill>
+          </a:ln>
+        </p:spPr>
+        <p:style>
+          <a:lnRef idx="2">
+            <a:schemeClr val="accent1">
+              <a:shade val="50000"/>
+            </a:schemeClr>
+          </a:lnRef>
+          <a:fillRef idx="1">
+            <a:schemeClr val="accent1"/>
+          </a:fillRef>
+          <a:effectRef idx="0">
+            <a:schemeClr val="accent1"/>
+          </a:effectRef>
+          <a:fontRef idx="minor">
+            <a:schemeClr val="lt1"/>
+          </a:fontRef>
+        </p:style>
+        <p:txBody>
+          <a:bodyPr rtlCol="0" anchor="ctr"/>
+          <a:lstStyle/>
+          <a:p>
+            <a:pPr algn="ctr"/>
+            <a:endParaRPr lang="en-US"/>
+          </a:p>
+        </p:txBody>
+      </p:sp>
+      <p:sp>
+        <p:nvSpPr>
+          <p:cNvPr id="18" name="Rectangle 17"/>
+          <p:cNvSpPr/>
+          <p:nvPr/>
+        </p:nvSpPr>
+        <p:spPr>
+          <a:xfrm>
+            <a:off x="1656735" y="3864076"/>
+            <a:ext cx="4178708" cy="491613"/>
+          </a:xfrm>
+          <a:prstGeom prst="rect">
+            <a:avLst/>
+          </a:prstGeom>
+          <a:noFill/>
+          <a:ln w="38100">
+            <a:solidFill>
+              <a:schemeClr val="accent6"/>
+            </a:solidFill>
+          </a:ln>
+        </p:spPr>
+        <p:style>
+          <a:lnRef idx="2">
+            <a:schemeClr val="accent1">
+              <a:shade val="50000"/>
+            </a:schemeClr>
+          </a:lnRef>
+          <a:fillRef idx="1">
+            <a:schemeClr val="accent1"/>
+          </a:fillRef>
+          <a:effectRef idx="0">
+            <a:schemeClr val="accent1"/>
+          </a:effectRef>
+          <a:fontRef idx="minor">
+            <a:schemeClr val="lt1"/>
+          </a:fontRef>
+        </p:style>
+        <p:txBody>
+          <a:bodyPr rtlCol="0" anchor="ctr"/>
+          <a:lstStyle/>
+          <a:p>
+            <a:pPr algn="ctr"/>
+            <a:endParaRPr lang="en-US"/>
+          </a:p>
+        </p:txBody>
+      </p:sp>
+    </p:spTree>
+    <p:extLst>
+      <p:ext uri="{BB962C8B-B14F-4D97-AF65-F5344CB8AC3E}">
+        <p14:creationId xmlns:p14="http://schemas.microsoft.com/office/powerpoint/2010/main" val="4088041726"/>
+      </p:ext>
+    </p:extLst>
+  </p:cSld>
+  <p:clrMapOvr>
+    <a:masterClrMapping/>
+  </p:clrMapOvr>
+  <p:timing>
+    <p:tnLst>
+      <p:par>
+        <p:cTn id="1" dur="indefinite" restart="never" nodeType="tmRoot">
+          <p:childTnLst>
+            <p:seq concurrent="1" nextAc="seek">
+              <p:cTn id="2" dur="indefinite" nodeType="mainSeq">
+                <p:childTnLst>
+                  <p:par>
+                    <p:cTn id="3" fill="hold">
+                      <p:stCondLst>
+                        <p:cond delay="indefinite"/>
+                      </p:stCondLst>
+                      <p:childTnLst>
+                        <p:par>
+                          <p:cTn id="4" fill="hold">
+                            <p:stCondLst>
+                              <p:cond delay="0"/>
+                            </p:stCondLst>
+                            <p:childTnLst>
+                              <p:par>
+                                <p:cTn id="5" presetID="1" presetClass="entr" presetSubtype="0" fill="hold" grpId="0" nodeType="clickEffect">
+                                  <p:stCondLst>
+                                    <p:cond delay="0"/>
+                                  </p:stCondLst>
+                                  <p:childTnLst>
+                                    <p:set>
+                                      <p:cBhvr>
+                                        <p:cTn id="6" dur="1" fill="hold">
+                                          <p:stCondLst>
+                                            <p:cond delay="0"/>
+                                          </p:stCondLst>
+                                        </p:cTn>
+                                        <p:tgtEl>
+                                          <p:spTgt spid="6"/>
+                                        </p:tgtEl>
+                                        <p:attrNameLst>
+                                          <p:attrName>style.visibility</p:attrName>
+                                        </p:attrNameLst>
+                                      </p:cBhvr>
+                                      <p:to>
+                                        <p:strVal val="visible"/>
+                                      </p:to>
+                                    </p:set>
+                                  </p:childTnLst>
+                                </p:cTn>
+                              </p:par>
+                            </p:childTnLst>
+                          </p:cTn>
+                        </p:par>
+                      </p:childTnLst>
+                    </p:cTn>
+                  </p:par>
+                  <p:par>
+                    <p:cTn id="7" fill="hold">
+                      <p:stCondLst>
+                        <p:cond delay="indefinite"/>
+                      </p:stCondLst>
+                      <p:childTnLst>
+                        <p:par>
+                          <p:cTn id="8" fill="hold">
+                            <p:stCondLst>
+                              <p:cond delay="0"/>
+                            </p:stCondLst>
+                            <p:childTnLst>
+                              <p:par>
+                                <p:cTn id="9" presetID="1" presetClass="exit" presetSubtype="0" fill="hold" grpId="1" nodeType="clickEffect">
+                                  <p:stCondLst>
+                                    <p:cond delay="0"/>
+                                  </p:stCondLst>
+                                  <p:childTnLst>
+                                    <p:set>
+                                      <p:cBhvr>
+                                        <p:cTn id="10" dur="1" fill="hold">
+                                          <p:stCondLst>
+                                            <p:cond delay="0"/>
+                                          </p:stCondLst>
+                                        </p:cTn>
+                                        <p:tgtEl>
+                                          <p:spTgt spid="6"/>
+                                        </p:tgtEl>
+                                        <p:attrNameLst>
+                                          <p:attrName>style.visibility</p:attrName>
+                                        </p:attrNameLst>
+                                      </p:cBhvr>
+                                      <p:to>
+                                        <p:strVal val="hidden"/>
+                                      </p:to>
+                                    </p:set>
+                                  </p:childTnLst>
+                                </p:cTn>
+                              </p:par>
+                              <p:par>
+                                <p:cTn id="11" presetID="1" presetClass="entr" presetSubtype="0" fill="hold" grpId="0" nodeType="withEffect">
+                                  <p:stCondLst>
+                                    <p:cond delay="0"/>
+                                  </p:stCondLst>
+                                  <p:childTnLst>
+                                    <p:set>
+                                      <p:cBhvr>
+                                        <p:cTn id="12" dur="1" fill="hold">
+                                          <p:stCondLst>
+                                            <p:cond delay="0"/>
+                                          </p:stCondLst>
+                                        </p:cTn>
+                                        <p:tgtEl>
+                                          <p:spTgt spid="16"/>
+                                        </p:tgtEl>
+                                        <p:attrNameLst>
+                                          <p:attrName>style.visibility</p:attrName>
+                                        </p:attrNameLst>
+                                      </p:cBhvr>
+                                      <p:to>
+                                        <p:strVal val="visible"/>
+                                      </p:to>
+                                    </p:set>
+                                  </p:childTnLst>
+                                </p:cTn>
+                              </p:par>
+                            </p:childTnLst>
+                          </p:cTn>
+                        </p:par>
+                      </p:childTnLst>
+                    </p:cTn>
+                  </p:par>
+                  <p:par>
+                    <p:cTn id="13" fill="hold">
+                      <p:stCondLst>
+                        <p:cond delay="indefinite"/>
+                      </p:stCondLst>
+                      <p:childTnLst>
+                        <p:par>
+                          <p:cTn id="14" fill="hold">
+                            <p:stCondLst>
+                              <p:cond delay="0"/>
+                            </p:stCondLst>
+                            <p:childTnLst>
+                              <p:par>
+                                <p:cTn id="15" presetID="1" presetClass="exit" presetSubtype="0" fill="hold" grpId="1" nodeType="clickEffect">
+                                  <p:stCondLst>
+                                    <p:cond delay="0"/>
+                                  </p:stCondLst>
+                                  <p:childTnLst>
+                                    <p:set>
+                                      <p:cBhvr>
+                                        <p:cTn id="16" dur="1" fill="hold">
+                                          <p:stCondLst>
+                                            <p:cond delay="0"/>
+                                          </p:stCondLst>
+                                        </p:cTn>
+                                        <p:tgtEl>
+                                          <p:spTgt spid="16"/>
+                                        </p:tgtEl>
+                                        <p:attrNameLst>
+                                          <p:attrName>style.visibility</p:attrName>
+                                        </p:attrNameLst>
+                                      </p:cBhvr>
+                                      <p:to>
+                                        <p:strVal val="hidden"/>
+                                      </p:to>
+                                    </p:set>
+                                  </p:childTnLst>
+                                </p:cTn>
+                              </p:par>
+                              <p:par>
+                                <p:cTn id="17" presetID="1" presetClass="entr" presetSubtype="0" fill="hold" grpId="0" nodeType="withEffect">
+                                  <p:stCondLst>
+                                    <p:cond delay="0"/>
+                                  </p:stCondLst>
+                                  <p:childTnLst>
+                                    <p:set>
+                                      <p:cBhvr>
+                                        <p:cTn id="18" dur="1" fill="hold">
+                                          <p:stCondLst>
+                                            <p:cond delay="0"/>
+                                          </p:stCondLst>
+                                        </p:cTn>
+                                        <p:tgtEl>
+                                          <p:spTgt spid="17"/>
+                                        </p:tgtEl>
+                                        <p:attrNameLst>
+                                          <p:attrName>style.visibility</p:attrName>
+                                        </p:attrNameLst>
+                                      </p:cBhvr>
+                                      <p:to>
+                                        <p:strVal val="visible"/>
+                                      </p:to>
+                                    </p:set>
+                                  </p:childTnLst>
+                                </p:cTn>
+                              </p:par>
+                            </p:childTnLst>
+                          </p:cTn>
+                        </p:par>
+                      </p:childTnLst>
+                    </p:cTn>
+                  </p:par>
+                  <p:par>
+                    <p:cTn id="19" fill="hold">
+                      <p:stCondLst>
+                        <p:cond delay="indefinite"/>
+                      </p:stCondLst>
+                      <p:childTnLst>
+                        <p:par>
+                          <p:cTn id="20" fill="hold">
+                            <p:stCondLst>
+                              <p:cond delay="0"/>
+                            </p:stCondLst>
+                            <p:childTnLst>
+                              <p:par>
+                                <p:cTn id="21" presetID="1" presetClass="exit" presetSubtype="0" fill="hold" grpId="1" nodeType="clickEffect">
+                                  <p:stCondLst>
+                                    <p:cond delay="0"/>
+                                  </p:stCondLst>
+                                  <p:childTnLst>
+                                    <p:set>
+                                      <p:cBhvr>
+                                        <p:cTn id="22" dur="1" fill="hold">
+                                          <p:stCondLst>
+                                            <p:cond delay="0"/>
+                                          </p:stCondLst>
+                                        </p:cTn>
+                                        <p:tgtEl>
+                                          <p:spTgt spid="17"/>
+                                        </p:tgtEl>
+                                        <p:attrNameLst>
+                                          <p:attrName>style.visibility</p:attrName>
+                                        </p:attrNameLst>
+                                      </p:cBhvr>
+                                      <p:to>
+                                        <p:strVal val="hidden"/>
+                                      </p:to>
+                                    </p:set>
+                                  </p:childTnLst>
+                                </p:cTn>
+                              </p:par>
+                              <p:par>
+                                <p:cTn id="23" presetID="1" presetClass="entr" presetSubtype="0" fill="hold" grpId="0" nodeType="withEffect">
+                                  <p:stCondLst>
+                                    <p:cond delay="0"/>
+                                  </p:stCondLst>
+                                  <p:childTnLst>
+                                    <p:set>
+                                      <p:cBhvr>
+                                        <p:cTn id="24" dur="1" fill="hold">
+                                          <p:stCondLst>
+                                            <p:cond delay="0"/>
+                                          </p:stCondLst>
+                                        </p:cTn>
+                                        <p:tgtEl>
+                                          <p:spTgt spid="18"/>
+                                        </p:tgtEl>
+                                        <p:attrNameLst>
+                                          <p:attrName>style.visibility</p:attrName>
+                                        </p:attrNameLst>
+                                      </p:cBhvr>
+                                      <p:to>
+                                        <p:strVal val="visible"/>
+                                      </p:to>
+                                    </p:set>
+                                  </p:childTnLst>
+                                </p:cTn>
+                              </p:par>
+                            </p:childTnLst>
+                          </p:cTn>
+                        </p:par>
+                      </p:childTnLst>
+                    </p:cTn>
+                  </p:par>
+                  <p:par>
+                    <p:cTn id="25" fill="hold">
+                      <p:stCondLst>
+                        <p:cond delay="indefinite"/>
+                      </p:stCondLst>
+                      <p:childTnLst>
+                        <p:par>
+                          <p:cTn id="26" fill="hold">
+                            <p:stCondLst>
+                              <p:cond delay="0"/>
+                            </p:stCondLst>
+                            <p:childTnLst>
+                              <p:par>
+                                <p:cTn id="27" presetID="1" presetClass="entr" presetSubtype="0" fill="hold" grpId="0" nodeType="clickEffect">
+                                  <p:stCondLst>
+                                    <p:cond delay="0"/>
+                                  </p:stCondLst>
+                                  <p:childTnLst>
+                                    <p:set>
+                                      <p:cBhvr>
+                                        <p:cTn id="28" dur="1" fill="hold">
+                                          <p:stCondLst>
+                                            <p:cond delay="0"/>
+                                          </p:stCondLst>
+                                        </p:cTn>
+                                        <p:tgtEl>
+                                          <p:spTgt spid="9"/>
+                                        </p:tgtEl>
+                                        <p:attrNameLst>
+                                          <p:attrName>style.visibility</p:attrName>
+                                        </p:attrNameLst>
+                                      </p:cBhvr>
+                                      <p:to>
+                                        <p:strVal val="visible"/>
+                                      </p:to>
+                                    </p:set>
+                                  </p:childTnLst>
+                                </p:cTn>
+                              </p:par>
+                            </p:childTnLst>
+                          </p:cTn>
+                        </p:par>
+                      </p:childTnLst>
+                    </p:cTn>
+                  </p:par>
+                  <p:par>
+                    <p:cTn id="29" fill="hold">
+                      <p:stCondLst>
+                        <p:cond delay="indefinite"/>
+                      </p:stCondLst>
+                      <p:childTnLst>
+                        <p:par>
+                          <p:cTn id="30" fill="hold">
+                            <p:stCondLst>
+                              <p:cond delay="0"/>
+                            </p:stCondLst>
+                            <p:childTnLst>
+                              <p:par>
+                                <p:cTn id="31" presetID="1" presetClass="entr" presetSubtype="0" fill="hold" grpId="0" nodeType="clickEffect">
+                                  <p:stCondLst>
+                                    <p:cond delay="0"/>
+                                  </p:stCondLst>
+                                  <p:childTnLst>
+                                    <p:set>
+                                      <p:cBhvr>
+                                        <p:cTn id="32" dur="1" fill="hold">
+                                          <p:stCondLst>
+                                            <p:cond delay="0"/>
+                                          </p:stCondLst>
+                                        </p:cTn>
+                                        <p:tgtEl>
+                                          <p:spTgt spid="7"/>
+                                        </p:tgtEl>
+                                        <p:attrNameLst>
+                                          <p:attrName>style.visibility</p:attrName>
+                                        </p:attrNameLst>
+                                      </p:cBhvr>
+                                      <p:to>
+                                        <p:strVal val="visible"/>
+                                      </p:to>
+                                    </p:set>
+                                  </p:childTnLst>
+                                </p:cTn>
+                              </p:par>
+                            </p:childTnLst>
+                          </p:cTn>
+                        </p:par>
+                      </p:childTnLst>
+                    </p:cTn>
+                  </p:par>
+                </p:childTnLst>
+              </p:cTn>
+              <p:prevCondLst>
+                <p:cond evt="onPrev" delay="0">
+                  <p:tgtEl>
+                    <p:sldTgt/>
+                  </p:tgtEl>
+                </p:cond>
+              </p:prevCondLst>
+              <p:nextCondLst>
+                <p:cond evt="onNext" delay="0">
+                  <p:tgtEl>
+                    <p:sldTgt/>
+                  </p:tgtEl>
+                </p:cond>
+              </p:nextCondLst>
+            </p:seq>
+          </p:childTnLst>
+        </p:cTn>
+      </p:par>
+    </p:tnLst>
+    <p:bldLst>
+      <p:bldP spid="6" grpId="0" animBg="1"/>
+      <p:bldP spid="6" grpId="1" animBg="1"/>
+      <p:bldP spid="7" grpId="0" animBg="1"/>
+      <p:bldP spid="9" grpId="0" animBg="1"/>
+      <p:bldP spid="16" grpId="0" animBg="1"/>
+      <p:bldP spid="16" grpId="1" animBg="1"/>
+      <p:bldP spid="17" grpId="0" animBg="1"/>
+      <p:bldP spid="17" grpId="1" animBg="1"/>
+      <p:bldP spid="18" grpId="0" animBg="1"/>
+    </p:bldLst>
+  </p:timing>
+</p:sld>
+</file>
+
+<file path=ppt/slides/slide11.xml><?xml version="1.0" encoding="utf-8"?>
+<p:sld xmlns:a="http://schemas.openxmlformats.org/drawingml/2006/main" xmlns:r="http://schemas.openxmlformats.org/officeDocument/2006/relationships" xmlns:p="http://schemas.openxmlformats.org/presentationml/2006/main">
+  <p:cSld>
+    <p:spTree>
+      <p:nvGrpSpPr>
+        <p:cNvPr id="1" name=""/>
+        <p:cNvGrpSpPr/>
+        <p:nvPr/>
+      </p:nvGrpSpPr>
+      <p:grpSpPr>
+        <a:xfrm>
+          <a:off x="0" y="0"/>
+          <a:ext cx="0" cy="0"/>
+          <a:chOff x="0" y="0"/>
+          <a:chExt cx="0" cy="0"/>
+        </a:xfrm>
+      </p:grpSpPr>
+      <p:sp>
+        <p:nvSpPr>
+          <p:cNvPr id="2" name="Title 1"/>
+          <p:cNvSpPr>
+            <a:spLocks noGrp="1"/>
+          </p:cNvSpPr>
+          <p:nvPr>
+            <p:ph type="title"/>
+          </p:nvPr>
+        </p:nvSpPr>
+        <p:spPr/>
+        <p:txBody>
+          <a:bodyPr/>
+          <a:lstStyle/>
+          <a:p>
+            <a:r>
               <a:rPr lang="en-US" dirty="0"/>
               <a:t>Rayleigh Fit </a:t>
             </a:r>
@@ -3361,7 +4141,7 @@
 </p:sld>
 </file>
 
-<file path=ppt/slides/slide11.xml><?xml version="1.0" encoding="utf-8"?>
+<file path=ppt/slides/slide12.xml><?xml version="1.0" encoding="utf-8"?>
 <p:sld xmlns:a="http://schemas.openxmlformats.org/drawingml/2006/main" xmlns:r="http://schemas.openxmlformats.org/officeDocument/2006/relationships" xmlns:p="http://schemas.openxmlformats.org/presentationml/2006/main">
   <p:cSld>
     <p:spTree>
@@ -3769,7 +4549,7 @@
 </p:sld>
 </file>
 
-<file path=ppt/slides/slide12.xml><?xml version="1.0" encoding="utf-8"?>
+<file path=ppt/slides/slide13.xml><?xml version="1.0" encoding="utf-8"?>
 <p:sld xmlns:a="http://schemas.openxmlformats.org/drawingml/2006/main" xmlns:r="http://schemas.openxmlformats.org/officeDocument/2006/relationships" xmlns:p="http://schemas.openxmlformats.org/presentationml/2006/main">
   <p:cSld>
     <p:spTree>
@@ -4744,85 +5524,6 @@
 </p:sld>
 </file>
 
-<file path=ppt/slides/slide13.xml><?xml version="1.0" encoding="utf-8"?>
-<p:sld xmlns:a="http://schemas.openxmlformats.org/drawingml/2006/main" xmlns:r="http://schemas.openxmlformats.org/officeDocument/2006/relationships" xmlns:p="http://schemas.openxmlformats.org/presentationml/2006/main">
-  <p:cSld>
-    <p:spTree>
-      <p:nvGrpSpPr>
-        <p:cNvPr id="1" name=""/>
-        <p:cNvGrpSpPr/>
-        <p:nvPr/>
-      </p:nvGrpSpPr>
-      <p:grpSpPr>
-        <a:xfrm>
-          <a:off x="0" y="0"/>
-          <a:ext cx="0" cy="0"/>
-          <a:chOff x="0" y="0"/>
-          <a:chExt cx="0" cy="0"/>
-        </a:xfrm>
-      </p:grpSpPr>
-      <p:sp>
-        <p:nvSpPr>
-          <p:cNvPr id="2" name="Title 1"/>
-          <p:cNvSpPr>
-            <a:spLocks noGrp="1"/>
-          </p:cNvSpPr>
-          <p:nvPr>
-            <p:ph type="title"/>
-          </p:nvPr>
-        </p:nvSpPr>
-        <p:spPr/>
-        <p:txBody>
-          <a:bodyPr/>
-          <a:lstStyle/>
-          <a:p>
-            <a:r>
-              <a:rPr lang="en-US" dirty="0" smtClean="0"/>
-              <a:t>Installation and setup</a:t>
-            </a:r>
-            <a:endParaRPr lang="en-US" dirty="0"/>
-          </a:p>
-        </p:txBody>
-      </p:sp>
-      <p:sp>
-        <p:nvSpPr>
-          <p:cNvPr id="3" name="Text Placeholder 2"/>
-          <p:cNvSpPr>
-            <a:spLocks noGrp="1"/>
-          </p:cNvSpPr>
-          <p:nvPr>
-            <p:ph type="body" sz="quarter" idx="18"/>
-          </p:nvPr>
-        </p:nvSpPr>
-        <p:spPr/>
-        <p:txBody>
-          <a:bodyPr/>
-          <a:lstStyle/>
-          <a:p>
-            <a:endParaRPr lang="en-US"/>
-          </a:p>
-        </p:txBody>
-      </p:sp>
-    </p:spTree>
-    <p:extLst>
-      <p:ext uri="{BB962C8B-B14F-4D97-AF65-F5344CB8AC3E}">
-        <p14:creationId xmlns:p14="http://schemas.microsoft.com/office/powerpoint/2010/main" val="313342365"/>
-      </p:ext>
-    </p:extLst>
-  </p:cSld>
-  <p:clrMapOvr>
-    <a:masterClrMapping/>
-  </p:clrMapOvr>
-  <p:timing>
-    <p:tnLst>
-      <p:par>
-        <p:cTn id="1" dur="indefinite" restart="never" nodeType="tmRoot"/>
-      </p:par>
-    </p:tnLst>
-  </p:timing>
-</p:sld>
-</file>
-
 <file path=ppt/slides/slide14.xml><?xml version="1.0" encoding="utf-8"?>
 <p:sld xmlns:a="http://schemas.openxmlformats.org/drawingml/2006/main" xmlns:r="http://schemas.openxmlformats.org/officeDocument/2006/relationships" xmlns:p="http://schemas.openxmlformats.org/presentationml/2006/main">
   <p:cSld>
@@ -4857,7 +5558,7 @@
           <a:p>
             <a:r>
               <a:rPr lang="en-US" dirty="0" smtClean="0"/>
-              <a:t>Workflow</a:t>
+              <a:t>Installation and setup</a:t>
             </a:r>
             <a:endParaRPr lang="en-US" dirty="0"/>
           </a:p>
@@ -4878,58 +5579,6 @@
           <a:bodyPr/>
           <a:lstStyle/>
           <a:p>
-            <a:r>
-              <a:rPr lang="en-US" dirty="0" smtClean="0"/>
-              <a:t>The procedure is valid for (</a:t>
-            </a:r>
-            <a:r>
-              <a:rPr lang="en-US" dirty="0" err="1" smtClean="0"/>
-              <a:t>pollyxt_noa</a:t>
-            </a:r>
-            <a:r>
-              <a:rPr lang="en-US" dirty="0" smtClean="0"/>
-              <a:t>, </a:t>
-            </a:r>
-            <a:r>
-              <a:rPr lang="en-US" dirty="0" err="1" smtClean="0"/>
-              <a:t>pollyxt_fmi</a:t>
-            </a:r>
-            <a:r>
-              <a:rPr lang="en-US" dirty="0" smtClean="0"/>
-              <a:t>, </a:t>
-            </a:r>
-            <a:r>
-              <a:rPr lang="en-US" dirty="0" err="1" smtClean="0"/>
-              <a:t>pollyxt_uw</a:t>
-            </a:r>
-            <a:r>
-              <a:rPr lang="en-US" dirty="0" smtClean="0"/>
-              <a:t>, </a:t>
-            </a:r>
-            <a:r>
-              <a:rPr lang="en-US" dirty="0" err="1" smtClean="0"/>
-              <a:t>pollyxt_tjk</a:t>
-            </a:r>
-            <a:r>
-              <a:rPr lang="en-US" dirty="0" smtClean="0"/>
-              <a:t>, </a:t>
-            </a:r>
-            <a:r>
-              <a:rPr lang="en-US" dirty="0" err="1" smtClean="0"/>
-              <a:t>pollyxt_lacros</a:t>
-            </a:r>
-            <a:r>
-              <a:rPr lang="en-US" dirty="0" smtClean="0"/>
-              <a:t>, </a:t>
-            </a:r>
-            <a:r>
-              <a:rPr lang="en-US" dirty="0" err="1" smtClean="0"/>
-              <a:t>pollyxt_tropos</a:t>
-            </a:r>
-            <a:r>
-              <a:rPr lang="en-US" dirty="0" smtClean="0"/>
-              <a:t>, Arielle, polly_1v2)</a:t>
-            </a:r>
             <a:endParaRPr lang="en-US" dirty="0"/>
           </a:p>
         </p:txBody>
@@ -4942,8 +5591,8 @@
         </p:nvSpPr>
         <p:spPr>
           <a:xfrm>
-            <a:off x="668594" y="1057762"/>
-            <a:ext cx="10196051" cy="1477328"/>
+            <a:off x="1837944" y="1097280"/>
+            <a:ext cx="7104888" cy="369332"/>
           </a:xfrm>
           <a:prstGeom prst="rect">
             <a:avLst/>
@@ -4951,13 +5600,13 @@
         </p:spPr>
         <p:style>
           <a:lnRef idx="2">
-            <a:schemeClr val="dk1"/>
+            <a:schemeClr val="accent1"/>
           </a:lnRef>
           <a:fillRef idx="1">
             <a:schemeClr val="lt1"/>
           </a:fillRef>
           <a:effectRef idx="0">
-            <a:schemeClr val="dk1"/>
+            <a:schemeClr val="accent1"/>
           </a:effectRef>
           <a:fontRef idx="minor">
             <a:schemeClr val="dk1"/>
@@ -4969,140 +5618,46 @@
           </a:bodyPr>
           <a:lstStyle/>
           <a:p>
-            <a:pPr marL="342900" indent="-342900">
-              <a:buAutoNum type="arabicPeriod"/>
-            </a:pPr>
-            <a:r>
-              <a:rPr lang="en-US" dirty="0" smtClean="0"/>
-              <a:t>Check the ‘pollynet_places_history.txt’ file to ensure the existence of your campaign info</a:t>
-            </a:r>
-          </a:p>
-          <a:p>
-            <a:pPr marL="342900" indent="-342900">
-              <a:buAutoNum type="arabicPeriod"/>
-            </a:pPr>
-            <a:r>
-              <a:rPr lang="en-US" dirty="0" smtClean="0"/>
-              <a:t>Setup a </a:t>
+            <a:r>
+              <a:rPr lang="en-US" dirty="0" err="1"/>
+              <a:t>g</a:t>
             </a:r>
             <a:r>
               <a:rPr lang="en-US" dirty="0" err="1" smtClean="0"/>
-              <a:t>polly</a:t>
-            </a:r>
-            <a:r>
-              <a:rPr lang="en-US" dirty="0" smtClean="0"/>
-              <a:t> </a:t>
-            </a:r>
-            <a:r>
-              <a:rPr lang="en-US" dirty="0" err="1" smtClean="0"/>
-              <a:t>config</a:t>
-            </a:r>
-            <a:r>
-              <a:rPr lang="en-US" dirty="0" smtClean="0"/>
-              <a:t> file under ‘../</a:t>
-            </a:r>
-            <a:r>
-              <a:rPr lang="en-US" dirty="0" err="1" smtClean="0"/>
-              <a:t>config</a:t>
-            </a:r>
-            <a:r>
-              <a:rPr lang="en-US" dirty="0" smtClean="0"/>
-              <a:t>’. </a:t>
-            </a:r>
-          </a:p>
-          <a:p>
-            <a:pPr marL="800025" lvl="1" indent="-342900">
-              <a:buFont typeface="Arial" panose="020B0604020202020204" pitchFamily="34" charset="0"/>
-              <a:buChar char="•"/>
-            </a:pPr>
-            <a:r>
-              <a:rPr lang="en-US" dirty="0" smtClean="0"/>
-              <a:t>Example</a:t>
-            </a:r>
-          </a:p>
-          <a:p>
-            <a:pPr marL="342900" indent="-342900">
-              <a:buFont typeface="+mj-lt"/>
-              <a:buAutoNum type="arabicPeriod"/>
-            </a:pPr>
-            <a:r>
-              <a:rPr lang="en-US" dirty="0" smtClean="0"/>
-              <a:t>Add a new entry for this campaign to link the processing modules with the corresponding </a:t>
-            </a:r>
-            <a:r>
-              <a:rPr lang="en-US" dirty="0" err="1" smtClean="0"/>
-              <a:t>config</a:t>
-            </a:r>
-            <a:r>
-              <a:rPr lang="en-US" dirty="0" smtClean="0"/>
-              <a:t> file</a:t>
-            </a:r>
-          </a:p>
-          <a:p>
-            <a:pPr marL="342900" indent="-342900">
-              <a:buFont typeface="+mj-lt"/>
-              <a:buAutoNum type="arabicPeriod"/>
-            </a:pPr>
-            <a:r>
-              <a:rPr lang="en-US" dirty="0" smtClean="0"/>
-              <a:t>Run the ‘</a:t>
-            </a:r>
-            <a:r>
-              <a:rPr lang="en-US" dirty="0" err="1" smtClean="0"/>
-              <a:t>pollynet_process_day</a:t>
-            </a:r>
-            <a:r>
-              <a:rPr lang="en-US" dirty="0" smtClean="0"/>
-              <a:t>’</a:t>
+              <a:t>it</a:t>
+            </a:r>
+            <a:r>
+              <a:rPr lang="en-US" dirty="0"/>
+              <a:t> clone https://github.com/ZPYin/Pollynet_Processing_Chain</a:t>
             </a:r>
           </a:p>
         </p:txBody>
       </p:sp>
       <p:sp>
         <p:nvSpPr>
-          <p:cNvPr id="5" name="Rectangle 4"/>
-          <p:cNvSpPr/>
+          <p:cNvPr id="5" name="TextBox 4"/>
+          <p:cNvSpPr txBox="1"/>
           <p:nvPr/>
         </p:nvSpPr>
         <p:spPr>
           <a:xfrm>
-            <a:off x="412955" y="3451791"/>
-            <a:ext cx="2202426" cy="521110"/>
+            <a:off x="1837944" y="1572768"/>
+            <a:ext cx="7388352" cy="369332"/>
           </a:xfrm>
           <a:prstGeom prst="rect">
             <a:avLst/>
           </a:prstGeom>
+          <a:noFill/>
         </p:spPr>
-        <p:style>
-          <a:lnRef idx="1">
-            <a:schemeClr val="accent1"/>
-          </a:lnRef>
-          <a:fillRef idx="3">
-            <a:schemeClr val="accent1"/>
-          </a:fillRef>
-          <a:effectRef idx="2">
-            <a:schemeClr val="accent1"/>
-          </a:effectRef>
-          <a:fontRef idx="minor">
-            <a:schemeClr val="lt1"/>
-          </a:fontRef>
-        </p:style>
         <p:txBody>
-          <a:bodyPr rtlCol="0" anchor="ctr"/>
+          <a:bodyPr wrap="square" rtlCol="0">
+            <a:spAutoFit/>
+          </a:bodyPr>
           <a:lstStyle/>
           <a:p>
-            <a:pPr algn="ctr"/>
             <a:r>
               <a:rPr lang="en-US" dirty="0" smtClean="0"/>
-              <a:t>Task from </a:t>
-            </a:r>
-            <a:r>
-              <a:rPr lang="en-US" dirty="0" err="1" smtClean="0"/>
-              <a:t>todolist</a:t>
-            </a:r>
-            <a:r>
-              <a:rPr lang="en-US" dirty="0" smtClean="0"/>
-              <a:t> file</a:t>
+              <a:t>This command will download the code from the remote GitHub repository</a:t>
             </a:r>
             <a:endParaRPr lang="en-US" dirty="0"/>
           </a:p>
@@ -5116,8 +5671,79 @@
         </p:nvSpPr>
         <p:spPr>
           <a:xfrm>
-            <a:off x="172065" y="4010441"/>
-            <a:ext cx="2684206" cy="369332"/>
+            <a:off x="1837944" y="2048256"/>
+            <a:ext cx="7104888" cy="646331"/>
+          </a:xfrm>
+          <a:prstGeom prst="rect">
+            <a:avLst/>
+          </a:prstGeom>
+        </p:spPr>
+        <p:style>
+          <a:lnRef idx="2">
+            <a:schemeClr val="accent1"/>
+          </a:lnRef>
+          <a:fillRef idx="1">
+            <a:schemeClr val="lt1"/>
+          </a:fillRef>
+          <a:effectRef idx="0">
+            <a:schemeClr val="accent1"/>
+          </a:effectRef>
+          <a:fontRef idx="minor">
+            <a:schemeClr val="dk1"/>
+          </a:fontRef>
+        </p:style>
+        <p:txBody>
+          <a:bodyPr wrap="square" rtlCol="0">
+            <a:spAutoFit/>
+          </a:bodyPr>
+          <a:lstStyle/>
+          <a:p>
+            <a:r>
+              <a:rPr lang="en-US" dirty="0" smtClean="0"/>
+              <a:t>setup the global </a:t>
+            </a:r>
+            <a:r>
+              <a:rPr lang="en-US" dirty="0" err="1" smtClean="0"/>
+              <a:t>config</a:t>
+            </a:r>
+            <a:r>
+              <a:rPr lang="en-US" dirty="0" smtClean="0"/>
+              <a:t> with editing: </a:t>
+            </a:r>
+            <a:r>
+              <a:rPr lang="en-US" dirty="0" err="1" smtClean="0"/>
+              <a:t>Pollynet_Processing_Chain</a:t>
+            </a:r>
+            <a:r>
+              <a:rPr lang="en-US" dirty="0" smtClean="0"/>
+              <a:t>/</a:t>
+            </a:r>
+            <a:r>
+              <a:rPr lang="en-US" dirty="0" err="1" smtClean="0"/>
+              <a:t>config</a:t>
+            </a:r>
+            <a:r>
+              <a:rPr lang="en-US" dirty="0" smtClean="0"/>
+              <a:t>/</a:t>
+            </a:r>
+            <a:r>
+              <a:rPr lang="en-US" dirty="0" err="1" smtClean="0"/>
+              <a:t>pollynet_processing_chain_config.json</a:t>
+            </a:r>
+            <a:endParaRPr lang="en-US" dirty="0"/>
+          </a:p>
+        </p:txBody>
+      </p:sp>
+      <p:sp>
+        <p:nvSpPr>
+          <p:cNvPr id="7" name="TextBox 6"/>
+          <p:cNvSpPr txBox="1"/>
+          <p:nvPr/>
+        </p:nvSpPr>
+        <p:spPr>
+          <a:xfrm>
+            <a:off x="1837944" y="2800743"/>
+            <a:ext cx="6986016" cy="646331"/>
           </a:xfrm>
           <a:prstGeom prst="rect">
             <a:avLst/>
@@ -5132,49 +5758,15 @@
           <a:p>
             <a:r>
               <a:rPr lang="en-US" dirty="0" smtClean="0"/>
-              <a:t>Each line represents a task</a:t>
-            </a:r>
-            <a:endParaRPr lang="en-US" dirty="0"/>
-          </a:p>
-        </p:txBody>
-      </p:sp>
-      <p:sp>
-        <p:nvSpPr>
-          <p:cNvPr id="7" name="Rectangle 6"/>
-          <p:cNvSpPr/>
-          <p:nvPr/>
-        </p:nvSpPr>
-        <p:spPr>
-          <a:xfrm>
-            <a:off x="3067664" y="2754277"/>
-            <a:ext cx="3185652" cy="1061884"/>
-          </a:xfrm>
-          <a:prstGeom prst="rect">
-            <a:avLst/>
-          </a:prstGeom>
-        </p:spPr>
-        <p:style>
-          <a:lnRef idx="1">
-            <a:schemeClr val="accent1"/>
-          </a:lnRef>
-          <a:fillRef idx="3">
-            <a:schemeClr val="accent1"/>
-          </a:fillRef>
-          <a:effectRef idx="2">
-            <a:schemeClr val="accent1"/>
-          </a:effectRef>
-          <a:fontRef idx="minor">
-            <a:schemeClr val="lt1"/>
-          </a:fontRef>
-        </p:style>
-        <p:txBody>
-          <a:bodyPr rtlCol="0" anchor="ctr"/>
-          <a:lstStyle/>
-          <a:p>
-            <a:pPr algn="ctr"/>
+              <a:t>You can go to ‘</a:t>
+            </a:r>
+            <a:r>
+              <a:rPr lang="en-US" dirty="0" err="1" smtClean="0"/>
+              <a:t>template_pollynet_processing_chain_config.json</a:t>
+            </a:r>
             <a:r>
               <a:rPr lang="en-US" dirty="0" smtClean="0"/>
-              <a:t>Pollynet_places_history.txt</a:t>
+              <a:t>’ to see how to configure it</a:t>
             </a:r>
             <a:endParaRPr lang="en-US" dirty="0"/>
           </a:p>
@@ -5188,8 +5780,69 @@
         </p:nvSpPr>
         <p:spPr>
           <a:xfrm>
-            <a:off x="6253316" y="2936436"/>
-            <a:ext cx="2418735" cy="646331"/>
+            <a:off x="1837944" y="3528477"/>
+            <a:ext cx="7104888" cy="923330"/>
+          </a:xfrm>
+          <a:prstGeom prst="rect">
+            <a:avLst/>
+          </a:prstGeom>
+        </p:spPr>
+        <p:style>
+          <a:lnRef idx="2">
+            <a:schemeClr val="accent1"/>
+          </a:lnRef>
+          <a:fillRef idx="1">
+            <a:schemeClr val="lt1"/>
+          </a:fillRef>
+          <a:effectRef idx="0">
+            <a:schemeClr val="accent1"/>
+          </a:effectRef>
+          <a:fontRef idx="minor">
+            <a:schemeClr val="dk1"/>
+          </a:fontRef>
+        </p:style>
+        <p:txBody>
+          <a:bodyPr wrap="square" rtlCol="0">
+            <a:spAutoFit/>
+          </a:bodyPr>
+          <a:lstStyle/>
+          <a:p>
+            <a:r>
+              <a:rPr lang="en-US" dirty="0" smtClean="0"/>
+              <a:t>Add the campaign information with editing:</a:t>
+            </a:r>
+          </a:p>
+          <a:p>
+            <a:r>
+              <a:rPr lang="en-US" dirty="0" err="1" smtClean="0"/>
+              <a:t>Pollynet_Processing_Chain</a:t>
+            </a:r>
+            <a:r>
+              <a:rPr lang="en-US" dirty="0" smtClean="0"/>
+              <a:t>/</a:t>
+            </a:r>
+            <a:r>
+              <a:rPr lang="en-US" dirty="0" err="1" smtClean="0"/>
+              <a:t>todo_filelist</a:t>
+            </a:r>
+            <a:r>
+              <a:rPr lang="en-US" dirty="0" smtClean="0"/>
+              <a:t>/pollynet_of_history_places_new.txt</a:t>
+            </a:r>
+            <a:endParaRPr lang="en-US" dirty="0"/>
+          </a:p>
+        </p:txBody>
+      </p:sp>
+      <p:sp>
+        <p:nvSpPr>
+          <p:cNvPr id="9" name="TextBox 8"/>
+          <p:cNvSpPr txBox="1"/>
+          <p:nvPr/>
+        </p:nvSpPr>
+        <p:spPr>
+          <a:xfrm>
+            <a:off x="1975104" y="4599432"/>
+            <a:ext cx="6967728" cy="646331"/>
           </a:xfrm>
           <a:prstGeom prst="rect">
             <a:avLst/>
@@ -5204,65 +5857,7 @@
           <a:p>
             <a:r>
               <a:rPr lang="en-US" dirty="0" smtClean="0"/>
-              <a:t>Search the campaign info: </a:t>
-            </a:r>
-            <a:r>
-              <a:rPr lang="en-US" dirty="0" err="1" smtClean="0"/>
-              <a:t>lat</a:t>
-            </a:r>
-            <a:r>
-              <a:rPr lang="en-US" dirty="0" smtClean="0"/>
-              <a:t>, </a:t>
-            </a:r>
-            <a:r>
-              <a:rPr lang="en-US" dirty="0" err="1" smtClean="0"/>
-              <a:t>lon</a:t>
-            </a:r>
-            <a:r>
-              <a:rPr lang="en-US" dirty="0" smtClean="0"/>
-              <a:t>, …</a:t>
-            </a:r>
-            <a:endParaRPr lang="en-US" dirty="0"/>
-          </a:p>
-        </p:txBody>
-      </p:sp>
-      <p:sp>
-        <p:nvSpPr>
-          <p:cNvPr id="9" name="Rectangle 8"/>
-          <p:cNvSpPr/>
-          <p:nvPr/>
-        </p:nvSpPr>
-        <p:spPr>
-          <a:xfrm>
-            <a:off x="3067664" y="3972901"/>
-            <a:ext cx="3106993" cy="801329"/>
-          </a:xfrm>
-          <a:prstGeom prst="rect">
-            <a:avLst/>
-          </a:prstGeom>
-        </p:spPr>
-        <p:style>
-          <a:lnRef idx="1">
-            <a:schemeClr val="accent1"/>
-          </a:lnRef>
-          <a:fillRef idx="3">
-            <a:schemeClr val="accent1"/>
-          </a:fillRef>
-          <a:effectRef idx="2">
-            <a:schemeClr val="accent1"/>
-          </a:effectRef>
-          <a:fontRef idx="minor">
-            <a:schemeClr val="lt1"/>
-          </a:fontRef>
-        </p:style>
-        <p:txBody>
-          <a:bodyPr rtlCol="0" anchor="ctr"/>
-          <a:lstStyle/>
-          <a:p>
-            <a:pPr algn="ctr"/>
-            <a:r>
-              <a:rPr lang="en-US" dirty="0" smtClean="0"/>
-              <a:t>Pollynet_processing_config_history.txt</a:t>
+              <a:t>Take care about the format of the settings, best way is to copy the line before and then edit it according to your own demands</a:t>
             </a:r>
             <a:endParaRPr lang="en-US" dirty="0"/>
           </a:p>
@@ -5276,56 +5871,10 @@
         </p:nvSpPr>
         <p:spPr>
           <a:xfrm>
-            <a:off x="6253316" y="3911900"/>
-            <a:ext cx="3991897" cy="923330"/>
+            <a:off x="1837944" y="5245763"/>
+            <a:ext cx="7104888" cy="646331"/>
           </a:xfrm>
           <a:prstGeom prst="rect">
-            <a:avLst/>
-          </a:prstGeom>
-          <a:noFill/>
-        </p:spPr>
-        <p:txBody>
-          <a:bodyPr wrap="square" rtlCol="0">
-            <a:spAutoFit/>
-          </a:bodyPr>
-          <a:lstStyle/>
-          <a:p>
-            <a:r>
-              <a:rPr lang="en-US" dirty="0" smtClean="0"/>
-              <a:t>Search the processing module and </a:t>
-            </a:r>
-            <a:r>
-              <a:rPr lang="en-US" dirty="0" err="1" smtClean="0"/>
-              <a:t>config</a:t>
-            </a:r>
-            <a:r>
-              <a:rPr lang="en-US" dirty="0" smtClean="0"/>
-              <a:t> file. (Each </a:t>
-            </a:r>
-            <a:r>
-              <a:rPr lang="en-US" dirty="0" err="1" smtClean="0"/>
-              <a:t>polly</a:t>
-            </a:r>
-            <a:r>
-              <a:rPr lang="en-US" dirty="0" smtClean="0"/>
-              <a:t> has its own processing module)</a:t>
-            </a:r>
-            <a:endParaRPr lang="en-US" dirty="0"/>
-          </a:p>
-        </p:txBody>
-      </p:sp>
-      <p:sp>
-        <p:nvSpPr>
-          <p:cNvPr id="11" name="Left Brace 10"/>
-          <p:cNvSpPr/>
-          <p:nvPr/>
-        </p:nvSpPr>
-        <p:spPr>
-          <a:xfrm>
-            <a:off x="2782529" y="3077497"/>
-            <a:ext cx="73742" cy="1480735"/>
-          </a:xfrm>
-          <a:prstGeom prst="leftBrace">
             <a:avLst/>
           </a:prstGeom>
         </p:spPr>
@@ -5333,62 +5882,114 @@
           <a:lnRef idx="2">
             <a:schemeClr val="accent1"/>
           </a:lnRef>
-          <a:fillRef idx="0">
-            <a:schemeClr val="accent1"/>
+          <a:fillRef idx="1">
+            <a:schemeClr val="lt1"/>
           </a:fillRef>
-          <a:effectRef idx="1">
+          <a:effectRef idx="0">
             <a:schemeClr val="accent1"/>
           </a:effectRef>
           <a:fontRef idx="minor">
-            <a:schemeClr val="tx1"/>
+            <a:schemeClr val="dk1"/>
           </a:fontRef>
         </p:style>
         <p:txBody>
-          <a:bodyPr rtlCol="0" anchor="ctr"/>
+          <a:bodyPr wrap="square" rtlCol="0">
+            <a:spAutoFit/>
+          </a:bodyPr>
           <a:lstStyle/>
           <a:p>
-            <a:pPr algn="ctr"/>
-            <a:endParaRPr lang="en-US"/>
+            <a:r>
+              <a:rPr lang="en-US" dirty="0" smtClean="0"/>
+              <a:t>Specify the </a:t>
+            </a:r>
+            <a:r>
+              <a:rPr lang="en-US" dirty="0" err="1" smtClean="0"/>
+              <a:t>polly</a:t>
+            </a:r>
+            <a:r>
+              <a:rPr lang="en-US" dirty="0" smtClean="0"/>
+              <a:t> settings with editing:</a:t>
+            </a:r>
+          </a:p>
+          <a:p>
+            <a:r>
+              <a:rPr lang="en-US" dirty="0" err="1" smtClean="0"/>
+              <a:t>Pollynet_Processing_Chain</a:t>
+            </a:r>
+            <a:r>
+              <a:rPr lang="en-US" dirty="0" smtClean="0"/>
+              <a:t>/</a:t>
+            </a:r>
+            <a:r>
+              <a:rPr lang="en-US" dirty="0" err="1" smtClean="0"/>
+              <a:t>config</a:t>
+            </a:r>
+            <a:r>
+              <a:rPr lang="en-US" dirty="0" smtClean="0"/>
+              <a:t>/{</a:t>
+            </a:r>
+            <a:r>
+              <a:rPr lang="en-US" dirty="0" err="1" smtClean="0"/>
+              <a:t>polly</a:t>
+            </a:r>
+            <a:r>
+              <a:rPr lang="en-US" dirty="0" smtClean="0"/>
+              <a:t>}_</a:t>
+            </a:r>
+            <a:r>
+              <a:rPr lang="en-US" dirty="0" err="1" smtClean="0"/>
+              <a:t>config</a:t>
+            </a:r>
+            <a:r>
+              <a:rPr lang="en-US" dirty="0" smtClean="0"/>
+              <a:t>_{date}.</a:t>
+            </a:r>
+            <a:r>
+              <a:rPr lang="en-US" dirty="0" err="1" smtClean="0"/>
+              <a:t>json</a:t>
+            </a:r>
+            <a:endParaRPr lang="en-US" dirty="0"/>
           </a:p>
         </p:txBody>
       </p:sp>
       <p:sp>
         <p:nvSpPr>
-          <p:cNvPr id="12" name="Rectangle 11"/>
-          <p:cNvSpPr/>
+          <p:cNvPr id="12" name="TextBox 11"/>
+          <p:cNvSpPr txBox="1"/>
           <p:nvPr/>
         </p:nvSpPr>
         <p:spPr>
           <a:xfrm>
-            <a:off x="2428567" y="5328338"/>
-            <a:ext cx="4965291" cy="934064"/>
+            <a:off x="1837944" y="6046403"/>
+            <a:ext cx="7104888" cy="646331"/>
           </a:xfrm>
           <a:prstGeom prst="rect">
             <a:avLst/>
           </a:prstGeom>
         </p:spPr>
         <p:style>
-          <a:lnRef idx="1">
+          <a:lnRef idx="2">
             <a:schemeClr val="accent1"/>
           </a:lnRef>
-          <a:fillRef idx="3">
-            <a:schemeClr val="accent1"/>
+          <a:fillRef idx="1">
+            <a:schemeClr val="lt1"/>
           </a:fillRef>
-          <a:effectRef idx="2">
+          <a:effectRef idx="0">
             <a:schemeClr val="accent1"/>
           </a:effectRef>
           <a:fontRef idx="minor">
-            <a:schemeClr val="lt1"/>
+            <a:schemeClr val="dk1"/>
           </a:fontRef>
         </p:style>
         <p:txBody>
-          <a:bodyPr rtlCol="0" anchor="ctr"/>
+          <a:bodyPr wrap="square" rtlCol="0">
+            <a:spAutoFit/>
+          </a:bodyPr>
           <a:lstStyle/>
           <a:p>
-            <a:pPr algn="ctr"/>
             <a:r>
               <a:rPr lang="en-US" dirty="0" smtClean="0"/>
-              <a:t>Load the </a:t>
+              <a:t>Add a new </a:t>
             </a:r>
             <a:r>
               <a:rPr lang="en-US" dirty="0" err="1" smtClean="0"/>
@@ -5396,54 +5997,34 @@
             </a:r>
             <a:r>
               <a:rPr lang="en-US" dirty="0" smtClean="0"/>
-              <a:t> and activate the processing module</a:t>
+              <a:t> history with editing:</a:t>
+            </a:r>
+          </a:p>
+          <a:p>
+            <a:r>
+              <a:rPr lang="en-US" dirty="0" err="1" smtClean="0"/>
+              <a:t>Pollynet_Processing_Chain</a:t>
+            </a:r>
+            <a:r>
+              <a:rPr lang="en-US" dirty="0" smtClean="0"/>
+              <a:t>/</a:t>
+            </a:r>
+            <a:r>
+              <a:rPr lang="en-US" dirty="0" err="1" smtClean="0"/>
+              <a:t>config</a:t>
+            </a:r>
+            <a:r>
+              <a:rPr lang="en-US" dirty="0" smtClean="0"/>
+              <a:t>/pollynet_Processing_config_history.txt</a:t>
             </a:r>
             <a:endParaRPr lang="en-US" dirty="0"/>
-          </a:p>
-        </p:txBody>
-      </p:sp>
-      <p:sp>
-        <p:nvSpPr>
-          <p:cNvPr id="13" name="Down Arrow 12"/>
-          <p:cNvSpPr/>
-          <p:nvPr/>
-        </p:nvSpPr>
-        <p:spPr>
-          <a:xfrm>
-            <a:off x="4336026" y="4887365"/>
-            <a:ext cx="324464" cy="340455"/>
-          </a:xfrm>
-          <a:prstGeom prst="downArrow">
-            <a:avLst/>
-          </a:prstGeom>
-        </p:spPr>
-        <p:style>
-          <a:lnRef idx="1">
-            <a:schemeClr val="accent1"/>
-          </a:lnRef>
-          <a:fillRef idx="3">
-            <a:schemeClr val="accent1"/>
-          </a:fillRef>
-          <a:effectRef idx="2">
-            <a:schemeClr val="accent1"/>
-          </a:effectRef>
-          <a:fontRef idx="minor">
-            <a:schemeClr val="lt1"/>
-          </a:fontRef>
-        </p:style>
-        <p:txBody>
-          <a:bodyPr rtlCol="0" anchor="ctr"/>
-          <a:lstStyle/>
-          <a:p>
-            <a:pPr algn="ctr"/>
-            <a:endParaRPr lang="en-US"/>
           </a:p>
         </p:txBody>
       </p:sp>
     </p:spTree>
     <p:extLst>
       <p:ext uri="{BB962C8B-B14F-4D97-AF65-F5344CB8AC3E}">
-        <p14:creationId xmlns:p14="http://schemas.microsoft.com/office/powerpoint/2010/main" val="2998283427"/>
+        <p14:creationId xmlns:p14="http://schemas.microsoft.com/office/powerpoint/2010/main" val="313342365"/>
       </p:ext>
     </p:extLst>
   </p:cSld>
@@ -7487,6 +8068,659 @@
           <a:lstStyle/>
           <a:p>
             <a:r>
+              <a:rPr lang="en-US" dirty="0" smtClean="0"/>
+              <a:t>Workflow</a:t>
+            </a:r>
+            <a:endParaRPr lang="en-US" dirty="0"/>
+          </a:p>
+        </p:txBody>
+      </p:sp>
+      <p:sp>
+        <p:nvSpPr>
+          <p:cNvPr id="3" name="Text Placeholder 2"/>
+          <p:cNvSpPr>
+            <a:spLocks noGrp="1"/>
+          </p:cNvSpPr>
+          <p:nvPr>
+            <p:ph type="body" sz="quarter" idx="18"/>
+          </p:nvPr>
+        </p:nvSpPr>
+        <p:spPr/>
+        <p:txBody>
+          <a:bodyPr/>
+          <a:lstStyle/>
+          <a:p>
+            <a:r>
+              <a:rPr lang="en-US" dirty="0" smtClean="0"/>
+              <a:t>The procedure is valid for (</a:t>
+            </a:r>
+            <a:r>
+              <a:rPr lang="en-US" dirty="0" err="1" smtClean="0"/>
+              <a:t>pollyxt_noa</a:t>
+            </a:r>
+            <a:r>
+              <a:rPr lang="en-US" dirty="0" smtClean="0"/>
+              <a:t>, </a:t>
+            </a:r>
+            <a:r>
+              <a:rPr lang="en-US" dirty="0" err="1" smtClean="0"/>
+              <a:t>pollyxt_fmi</a:t>
+            </a:r>
+            <a:r>
+              <a:rPr lang="en-US" dirty="0" smtClean="0"/>
+              <a:t>, </a:t>
+            </a:r>
+            <a:r>
+              <a:rPr lang="en-US" dirty="0" err="1" smtClean="0"/>
+              <a:t>pollyxt_uw</a:t>
+            </a:r>
+            <a:r>
+              <a:rPr lang="en-US" dirty="0" smtClean="0"/>
+              <a:t>, </a:t>
+            </a:r>
+            <a:r>
+              <a:rPr lang="en-US" dirty="0" err="1" smtClean="0"/>
+              <a:t>pollyxt_tjk</a:t>
+            </a:r>
+            <a:r>
+              <a:rPr lang="en-US" dirty="0" smtClean="0"/>
+              <a:t>, </a:t>
+            </a:r>
+            <a:r>
+              <a:rPr lang="en-US" dirty="0" err="1" smtClean="0"/>
+              <a:t>pollyxt_lacros</a:t>
+            </a:r>
+            <a:r>
+              <a:rPr lang="en-US" dirty="0" smtClean="0"/>
+              <a:t>, </a:t>
+            </a:r>
+            <a:r>
+              <a:rPr lang="en-US" dirty="0" err="1" smtClean="0"/>
+              <a:t>pollyxt_tropos</a:t>
+            </a:r>
+            <a:r>
+              <a:rPr lang="en-US" dirty="0" smtClean="0"/>
+              <a:t>, Arielle, polly_1v2)</a:t>
+            </a:r>
+            <a:endParaRPr lang="en-US" dirty="0"/>
+          </a:p>
+        </p:txBody>
+      </p:sp>
+      <p:sp>
+        <p:nvSpPr>
+          <p:cNvPr id="4" name="TextBox 3"/>
+          <p:cNvSpPr txBox="1"/>
+          <p:nvPr/>
+        </p:nvSpPr>
+        <p:spPr>
+          <a:xfrm>
+            <a:off x="668594" y="1057762"/>
+            <a:ext cx="10196051" cy="1477328"/>
+          </a:xfrm>
+          <a:prstGeom prst="rect">
+            <a:avLst/>
+          </a:prstGeom>
+        </p:spPr>
+        <p:style>
+          <a:lnRef idx="2">
+            <a:schemeClr val="dk1"/>
+          </a:lnRef>
+          <a:fillRef idx="1">
+            <a:schemeClr val="lt1"/>
+          </a:fillRef>
+          <a:effectRef idx="0">
+            <a:schemeClr val="dk1"/>
+          </a:effectRef>
+          <a:fontRef idx="minor">
+            <a:schemeClr val="dk1"/>
+          </a:fontRef>
+        </p:style>
+        <p:txBody>
+          <a:bodyPr wrap="square" rtlCol="0">
+            <a:spAutoFit/>
+          </a:bodyPr>
+          <a:lstStyle/>
+          <a:p>
+            <a:pPr marL="342900" indent="-342900">
+              <a:buAutoNum type="arabicPeriod"/>
+            </a:pPr>
+            <a:r>
+              <a:rPr lang="en-US" dirty="0" smtClean="0"/>
+              <a:t>Check the ‘pollynet_places_history.txt’ file to ensure the existence of your campaign info</a:t>
+            </a:r>
+          </a:p>
+          <a:p>
+            <a:pPr marL="342900" indent="-342900">
+              <a:buAutoNum type="arabicPeriod"/>
+            </a:pPr>
+            <a:r>
+              <a:rPr lang="en-US" dirty="0" smtClean="0"/>
+              <a:t>Setup a </a:t>
+            </a:r>
+            <a:r>
+              <a:rPr lang="en-US" dirty="0" err="1" smtClean="0"/>
+              <a:t>polly</a:t>
+            </a:r>
+            <a:r>
+              <a:rPr lang="en-US" dirty="0" smtClean="0"/>
+              <a:t> </a:t>
+            </a:r>
+            <a:r>
+              <a:rPr lang="en-US" dirty="0" err="1" smtClean="0"/>
+              <a:t>config</a:t>
+            </a:r>
+            <a:r>
+              <a:rPr lang="en-US" dirty="0" smtClean="0"/>
+              <a:t> file under ‘../</a:t>
+            </a:r>
+            <a:r>
+              <a:rPr lang="en-US" dirty="0" err="1" smtClean="0"/>
+              <a:t>config</a:t>
+            </a:r>
+            <a:r>
+              <a:rPr lang="en-US" dirty="0" smtClean="0"/>
+              <a:t>’. </a:t>
+            </a:r>
+          </a:p>
+          <a:p>
+            <a:pPr marL="800025" lvl="1" indent="-342900">
+              <a:buFont typeface="Arial" panose="020B0604020202020204" pitchFamily="34" charset="0"/>
+              <a:buChar char="•"/>
+            </a:pPr>
+            <a:r>
+              <a:rPr lang="en-US" dirty="0" smtClean="0"/>
+              <a:t>Example</a:t>
+            </a:r>
+          </a:p>
+          <a:p>
+            <a:pPr marL="342900" indent="-342900">
+              <a:buFont typeface="+mj-lt"/>
+              <a:buAutoNum type="arabicPeriod"/>
+            </a:pPr>
+            <a:r>
+              <a:rPr lang="en-US" dirty="0" smtClean="0"/>
+              <a:t>Add a new entry for this campaign to link the processing modules with the corresponding </a:t>
+            </a:r>
+            <a:r>
+              <a:rPr lang="en-US" dirty="0" err="1" smtClean="0"/>
+              <a:t>config</a:t>
+            </a:r>
+            <a:r>
+              <a:rPr lang="en-US" dirty="0" smtClean="0"/>
+              <a:t> file</a:t>
+            </a:r>
+          </a:p>
+          <a:p>
+            <a:pPr marL="342900" indent="-342900">
+              <a:buFont typeface="+mj-lt"/>
+              <a:buAutoNum type="arabicPeriod"/>
+            </a:pPr>
+            <a:r>
+              <a:rPr lang="en-US" dirty="0" smtClean="0"/>
+              <a:t>Run the ‘</a:t>
+            </a:r>
+            <a:r>
+              <a:rPr lang="en-US" dirty="0" err="1" smtClean="0"/>
+              <a:t>pollynet_process_day</a:t>
+            </a:r>
+            <a:r>
+              <a:rPr lang="en-US" dirty="0" smtClean="0"/>
+              <a:t>’</a:t>
+            </a:r>
+          </a:p>
+        </p:txBody>
+      </p:sp>
+      <p:sp>
+        <p:nvSpPr>
+          <p:cNvPr id="5" name="Rectangle 4"/>
+          <p:cNvSpPr/>
+          <p:nvPr/>
+        </p:nvSpPr>
+        <p:spPr>
+          <a:xfrm>
+            <a:off x="412955" y="3451791"/>
+            <a:ext cx="2202426" cy="521110"/>
+          </a:xfrm>
+          <a:prstGeom prst="rect">
+            <a:avLst/>
+          </a:prstGeom>
+        </p:spPr>
+        <p:style>
+          <a:lnRef idx="1">
+            <a:schemeClr val="accent1"/>
+          </a:lnRef>
+          <a:fillRef idx="3">
+            <a:schemeClr val="accent1"/>
+          </a:fillRef>
+          <a:effectRef idx="2">
+            <a:schemeClr val="accent1"/>
+          </a:effectRef>
+          <a:fontRef idx="minor">
+            <a:schemeClr val="lt1"/>
+          </a:fontRef>
+        </p:style>
+        <p:txBody>
+          <a:bodyPr rtlCol="0" anchor="ctr"/>
+          <a:lstStyle/>
+          <a:p>
+            <a:pPr algn="ctr"/>
+            <a:r>
+              <a:rPr lang="en-US" dirty="0" smtClean="0"/>
+              <a:t>Task from </a:t>
+            </a:r>
+            <a:r>
+              <a:rPr lang="en-US" dirty="0" err="1" smtClean="0"/>
+              <a:t>todolist</a:t>
+            </a:r>
+            <a:r>
+              <a:rPr lang="en-US" dirty="0" smtClean="0"/>
+              <a:t> file</a:t>
+            </a:r>
+            <a:endParaRPr lang="en-US" dirty="0"/>
+          </a:p>
+        </p:txBody>
+      </p:sp>
+      <p:sp>
+        <p:nvSpPr>
+          <p:cNvPr id="6" name="TextBox 5"/>
+          <p:cNvSpPr txBox="1"/>
+          <p:nvPr/>
+        </p:nvSpPr>
+        <p:spPr>
+          <a:xfrm>
+            <a:off x="172065" y="4010441"/>
+            <a:ext cx="2684206" cy="369332"/>
+          </a:xfrm>
+          <a:prstGeom prst="rect">
+            <a:avLst/>
+          </a:prstGeom>
+          <a:noFill/>
+        </p:spPr>
+        <p:txBody>
+          <a:bodyPr wrap="square" rtlCol="0">
+            <a:spAutoFit/>
+          </a:bodyPr>
+          <a:lstStyle/>
+          <a:p>
+            <a:r>
+              <a:rPr lang="en-US" dirty="0" smtClean="0"/>
+              <a:t>Each line represents a task</a:t>
+            </a:r>
+            <a:endParaRPr lang="en-US" dirty="0"/>
+          </a:p>
+        </p:txBody>
+      </p:sp>
+      <p:sp>
+        <p:nvSpPr>
+          <p:cNvPr id="7" name="Rectangle 6"/>
+          <p:cNvSpPr/>
+          <p:nvPr/>
+        </p:nvSpPr>
+        <p:spPr>
+          <a:xfrm>
+            <a:off x="3067664" y="2754277"/>
+            <a:ext cx="3185652" cy="1061884"/>
+          </a:xfrm>
+          <a:prstGeom prst="rect">
+            <a:avLst/>
+          </a:prstGeom>
+        </p:spPr>
+        <p:style>
+          <a:lnRef idx="1">
+            <a:schemeClr val="accent1"/>
+          </a:lnRef>
+          <a:fillRef idx="3">
+            <a:schemeClr val="accent1"/>
+          </a:fillRef>
+          <a:effectRef idx="2">
+            <a:schemeClr val="accent1"/>
+          </a:effectRef>
+          <a:fontRef idx="minor">
+            <a:schemeClr val="lt1"/>
+          </a:fontRef>
+        </p:style>
+        <p:txBody>
+          <a:bodyPr rtlCol="0" anchor="ctr"/>
+          <a:lstStyle/>
+          <a:p>
+            <a:pPr algn="ctr"/>
+            <a:r>
+              <a:rPr lang="en-US" dirty="0" smtClean="0"/>
+              <a:t>Pollynet_places_history.txt</a:t>
+            </a:r>
+            <a:endParaRPr lang="en-US" dirty="0"/>
+          </a:p>
+        </p:txBody>
+      </p:sp>
+      <p:sp>
+        <p:nvSpPr>
+          <p:cNvPr id="8" name="TextBox 7"/>
+          <p:cNvSpPr txBox="1"/>
+          <p:nvPr/>
+        </p:nvSpPr>
+        <p:spPr>
+          <a:xfrm>
+            <a:off x="6253316" y="2936436"/>
+            <a:ext cx="2418735" cy="646331"/>
+          </a:xfrm>
+          <a:prstGeom prst="rect">
+            <a:avLst/>
+          </a:prstGeom>
+          <a:noFill/>
+        </p:spPr>
+        <p:txBody>
+          <a:bodyPr wrap="square" rtlCol="0">
+            <a:spAutoFit/>
+          </a:bodyPr>
+          <a:lstStyle/>
+          <a:p>
+            <a:r>
+              <a:rPr lang="en-US" dirty="0" smtClean="0"/>
+              <a:t>Search the campaign info: </a:t>
+            </a:r>
+            <a:r>
+              <a:rPr lang="en-US" dirty="0" err="1" smtClean="0"/>
+              <a:t>lat</a:t>
+            </a:r>
+            <a:r>
+              <a:rPr lang="en-US" dirty="0" smtClean="0"/>
+              <a:t>, </a:t>
+            </a:r>
+            <a:r>
+              <a:rPr lang="en-US" dirty="0" err="1" smtClean="0"/>
+              <a:t>lon</a:t>
+            </a:r>
+            <a:r>
+              <a:rPr lang="en-US" dirty="0" smtClean="0"/>
+              <a:t>, </a:t>
+            </a:r>
+            <a:r>
+              <a:rPr lang="en-US" dirty="0" smtClean="0"/>
+              <a:t>label</a:t>
+            </a:r>
+            <a:endParaRPr lang="en-US" dirty="0"/>
+          </a:p>
+        </p:txBody>
+      </p:sp>
+      <p:sp>
+        <p:nvSpPr>
+          <p:cNvPr id="9" name="Rectangle 8"/>
+          <p:cNvSpPr/>
+          <p:nvPr/>
+        </p:nvSpPr>
+        <p:spPr>
+          <a:xfrm>
+            <a:off x="3067664" y="3972901"/>
+            <a:ext cx="3106993" cy="801329"/>
+          </a:xfrm>
+          <a:prstGeom prst="rect">
+            <a:avLst/>
+          </a:prstGeom>
+        </p:spPr>
+        <p:style>
+          <a:lnRef idx="1">
+            <a:schemeClr val="accent1"/>
+          </a:lnRef>
+          <a:fillRef idx="3">
+            <a:schemeClr val="accent1"/>
+          </a:fillRef>
+          <a:effectRef idx="2">
+            <a:schemeClr val="accent1"/>
+          </a:effectRef>
+          <a:fontRef idx="minor">
+            <a:schemeClr val="lt1"/>
+          </a:fontRef>
+        </p:style>
+        <p:txBody>
+          <a:bodyPr rtlCol="0" anchor="ctr"/>
+          <a:lstStyle/>
+          <a:p>
+            <a:pPr algn="ctr"/>
+            <a:r>
+              <a:rPr lang="en-US" dirty="0" smtClean="0"/>
+              <a:t>Pollynet_processing_config_history.txt</a:t>
+            </a:r>
+            <a:endParaRPr lang="en-US" dirty="0"/>
+          </a:p>
+        </p:txBody>
+      </p:sp>
+      <p:sp>
+        <p:nvSpPr>
+          <p:cNvPr id="10" name="TextBox 9"/>
+          <p:cNvSpPr txBox="1"/>
+          <p:nvPr/>
+        </p:nvSpPr>
+        <p:spPr>
+          <a:xfrm>
+            <a:off x="6253316" y="3911900"/>
+            <a:ext cx="3991897" cy="923330"/>
+          </a:xfrm>
+          <a:prstGeom prst="rect">
+            <a:avLst/>
+          </a:prstGeom>
+          <a:noFill/>
+        </p:spPr>
+        <p:txBody>
+          <a:bodyPr wrap="square" rtlCol="0">
+            <a:spAutoFit/>
+          </a:bodyPr>
+          <a:lstStyle/>
+          <a:p>
+            <a:r>
+              <a:rPr lang="en-US" dirty="0" smtClean="0"/>
+              <a:t>Search the processing module and </a:t>
+            </a:r>
+            <a:r>
+              <a:rPr lang="en-US" dirty="0" err="1" smtClean="0"/>
+              <a:t>config</a:t>
+            </a:r>
+            <a:r>
+              <a:rPr lang="en-US" dirty="0" smtClean="0"/>
+              <a:t> file. (Each </a:t>
+            </a:r>
+            <a:r>
+              <a:rPr lang="en-US" dirty="0" err="1" smtClean="0"/>
+              <a:t>polly</a:t>
+            </a:r>
+            <a:r>
+              <a:rPr lang="en-US" dirty="0" smtClean="0"/>
+              <a:t> has its own processing module)</a:t>
+            </a:r>
+            <a:endParaRPr lang="en-US" dirty="0"/>
+          </a:p>
+        </p:txBody>
+      </p:sp>
+      <p:sp>
+        <p:nvSpPr>
+          <p:cNvPr id="11" name="Left Brace 10"/>
+          <p:cNvSpPr/>
+          <p:nvPr/>
+        </p:nvSpPr>
+        <p:spPr>
+          <a:xfrm>
+            <a:off x="2782529" y="3077497"/>
+            <a:ext cx="73742" cy="1480735"/>
+          </a:xfrm>
+          <a:prstGeom prst="leftBrace">
+            <a:avLst/>
+          </a:prstGeom>
+        </p:spPr>
+        <p:style>
+          <a:lnRef idx="2">
+            <a:schemeClr val="accent1"/>
+          </a:lnRef>
+          <a:fillRef idx="0">
+            <a:schemeClr val="accent1"/>
+          </a:fillRef>
+          <a:effectRef idx="1">
+            <a:schemeClr val="accent1"/>
+          </a:effectRef>
+          <a:fontRef idx="minor">
+            <a:schemeClr val="tx1"/>
+          </a:fontRef>
+        </p:style>
+        <p:txBody>
+          <a:bodyPr rtlCol="0" anchor="ctr"/>
+          <a:lstStyle/>
+          <a:p>
+            <a:pPr algn="ctr"/>
+            <a:endParaRPr lang="en-US"/>
+          </a:p>
+        </p:txBody>
+      </p:sp>
+      <p:sp>
+        <p:nvSpPr>
+          <p:cNvPr id="12" name="Rectangle 11"/>
+          <p:cNvSpPr/>
+          <p:nvPr/>
+        </p:nvSpPr>
+        <p:spPr>
+          <a:xfrm>
+            <a:off x="2428567" y="5328338"/>
+            <a:ext cx="4965291" cy="934064"/>
+          </a:xfrm>
+          <a:prstGeom prst="rect">
+            <a:avLst/>
+          </a:prstGeom>
+        </p:spPr>
+        <p:style>
+          <a:lnRef idx="1">
+            <a:schemeClr val="accent1"/>
+          </a:lnRef>
+          <a:fillRef idx="3">
+            <a:schemeClr val="accent1"/>
+          </a:fillRef>
+          <a:effectRef idx="2">
+            <a:schemeClr val="accent1"/>
+          </a:effectRef>
+          <a:fontRef idx="minor">
+            <a:schemeClr val="lt1"/>
+          </a:fontRef>
+        </p:style>
+        <p:txBody>
+          <a:bodyPr rtlCol="0" anchor="ctr"/>
+          <a:lstStyle/>
+          <a:p>
+            <a:pPr algn="ctr"/>
+            <a:r>
+              <a:rPr lang="en-US" dirty="0" smtClean="0"/>
+              <a:t>Load the </a:t>
+            </a:r>
+            <a:r>
+              <a:rPr lang="en-US" dirty="0" err="1" smtClean="0"/>
+              <a:t>polly</a:t>
+            </a:r>
+            <a:r>
+              <a:rPr lang="en-US" dirty="0" smtClean="0"/>
+              <a:t> </a:t>
+            </a:r>
+            <a:r>
+              <a:rPr lang="en-US" dirty="0" err="1" smtClean="0"/>
+              <a:t>config</a:t>
+            </a:r>
+            <a:r>
+              <a:rPr lang="en-US" dirty="0" smtClean="0"/>
+              <a:t> according the ‘Pollynet_processing_config_history.txt’ </a:t>
+            </a:r>
+            <a:r>
+              <a:rPr lang="en-US" dirty="0" smtClean="0"/>
+              <a:t>and activate the processing module</a:t>
+            </a:r>
+            <a:endParaRPr lang="en-US" dirty="0"/>
+          </a:p>
+        </p:txBody>
+      </p:sp>
+      <p:sp>
+        <p:nvSpPr>
+          <p:cNvPr id="13" name="Down Arrow 12"/>
+          <p:cNvSpPr/>
+          <p:nvPr/>
+        </p:nvSpPr>
+        <p:spPr>
+          <a:xfrm>
+            <a:off x="4336026" y="4887365"/>
+            <a:ext cx="324464" cy="340455"/>
+          </a:xfrm>
+          <a:prstGeom prst="downArrow">
+            <a:avLst/>
+          </a:prstGeom>
+        </p:spPr>
+        <p:style>
+          <a:lnRef idx="1">
+            <a:schemeClr val="accent1"/>
+          </a:lnRef>
+          <a:fillRef idx="3">
+            <a:schemeClr val="accent1"/>
+          </a:fillRef>
+          <a:effectRef idx="2">
+            <a:schemeClr val="accent1"/>
+          </a:effectRef>
+          <a:fontRef idx="minor">
+            <a:schemeClr val="lt1"/>
+          </a:fontRef>
+        </p:style>
+        <p:txBody>
+          <a:bodyPr rtlCol="0" anchor="ctr"/>
+          <a:lstStyle/>
+          <a:p>
+            <a:pPr algn="ctr"/>
+            <a:endParaRPr lang="en-US"/>
+          </a:p>
+        </p:txBody>
+      </p:sp>
+    </p:spTree>
+    <p:extLst>
+      <p:ext uri="{BB962C8B-B14F-4D97-AF65-F5344CB8AC3E}">
+        <p14:creationId xmlns:p14="http://schemas.microsoft.com/office/powerpoint/2010/main" val="1241123231"/>
+      </p:ext>
+    </p:extLst>
+  </p:cSld>
+  <p:clrMapOvr>
+    <a:masterClrMapping/>
+  </p:clrMapOvr>
+  <p:timing>
+    <p:tnLst>
+      <p:par>
+        <p:cTn id="1" dur="indefinite" restart="never" nodeType="tmRoot"/>
+      </p:par>
+    </p:tnLst>
+  </p:timing>
+</p:sld>
+</file>
+
+<file path=ppt/slides/slide7.xml><?xml version="1.0" encoding="utf-8"?>
+<p:sld xmlns:a="http://schemas.openxmlformats.org/drawingml/2006/main" xmlns:r="http://schemas.openxmlformats.org/officeDocument/2006/relationships" xmlns:p="http://schemas.openxmlformats.org/presentationml/2006/main">
+  <p:cSld>
+    <p:spTree>
+      <p:nvGrpSpPr>
+        <p:cNvPr id="1" name=""/>
+        <p:cNvGrpSpPr/>
+        <p:nvPr/>
+      </p:nvGrpSpPr>
+      <p:grpSpPr>
+        <a:xfrm>
+          <a:off x="0" y="0"/>
+          <a:ext cx="0" cy="0"/>
+          <a:chOff x="0" y="0"/>
+          <a:chExt cx="0" cy="0"/>
+        </a:xfrm>
+      </p:grpSpPr>
+      <p:sp>
+        <p:nvSpPr>
+          <p:cNvPr id="2" name="Title 1"/>
+          <p:cNvSpPr>
+            <a:spLocks noGrp="1"/>
+          </p:cNvSpPr>
+          <p:nvPr>
+            <p:ph type="title"/>
+          </p:nvPr>
+        </p:nvSpPr>
+        <p:spPr/>
+        <p:txBody>
+          <a:bodyPr/>
+          <a:lstStyle/>
+          <a:p>
+            <a:r>
               <a:rPr lang="en-US" dirty="0"/>
               <a:t>Rayleigh Fit</a:t>
             </a:r>
@@ -9517,7 +10751,7 @@
 </p:sld>
 </file>
 
-<file path=ppt/slides/slide7.xml><?xml version="1.0" encoding="utf-8"?>
+<file path=ppt/slides/slide8.xml><?xml version="1.0" encoding="utf-8"?>
 <p:sld xmlns:a="http://schemas.openxmlformats.org/drawingml/2006/main" xmlns:r="http://schemas.openxmlformats.org/officeDocument/2006/relationships" xmlns:p="http://schemas.openxmlformats.org/presentationml/2006/main">
   <p:cSld>
     <p:spTree>
@@ -12109,7 +13343,7 @@
 </p:sld>
 </file>
 
-<file path=ppt/slides/slide8.xml><?xml version="1.0" encoding="utf-8"?>
+<file path=ppt/slides/slide9.xml><?xml version="1.0" encoding="utf-8"?>
 <p:sld xmlns:a="http://schemas.openxmlformats.org/drawingml/2006/main" xmlns:r="http://schemas.openxmlformats.org/officeDocument/2006/relationships" xmlns:p="http://schemas.openxmlformats.org/presentationml/2006/main">
   <p:cSld>
     <p:spTree>
@@ -14421,786 +15655,6 @@
 </p:sld>
 </file>
 
-<file path=ppt/slides/slide9.xml><?xml version="1.0" encoding="utf-8"?>
-<p:sld xmlns:a="http://schemas.openxmlformats.org/drawingml/2006/main" xmlns:r="http://schemas.openxmlformats.org/officeDocument/2006/relationships" xmlns:p="http://schemas.openxmlformats.org/presentationml/2006/main">
-  <p:cSld>
-    <p:spTree>
-      <p:nvGrpSpPr>
-        <p:cNvPr id="1" name=""/>
-        <p:cNvGrpSpPr/>
-        <p:nvPr/>
-      </p:nvGrpSpPr>
-      <p:grpSpPr>
-        <a:xfrm>
-          <a:off x="0" y="0"/>
-          <a:ext cx="0" cy="0"/>
-          <a:chOff x="0" y="0"/>
-          <a:chExt cx="0" cy="0"/>
-        </a:xfrm>
-      </p:grpSpPr>
-      <p:sp>
-        <p:nvSpPr>
-          <p:cNvPr id="2" name="Title 1"/>
-          <p:cNvSpPr>
-            <a:spLocks noGrp="1"/>
-          </p:cNvSpPr>
-          <p:nvPr>
-            <p:ph type="title"/>
-          </p:nvPr>
-        </p:nvSpPr>
-        <p:spPr/>
-        <p:txBody>
-          <a:bodyPr/>
-          <a:lstStyle/>
-          <a:p>
-            <a:r>
-              <a:rPr lang="en-US" altLang="zh-CN" dirty="0" smtClean="0"/>
-              <a:t>Shortage of sliding fixed window </a:t>
-            </a:r>
-            <a:endParaRPr lang="en-US" dirty="0"/>
-          </a:p>
-        </p:txBody>
-      </p:sp>
-      <p:sp>
-        <p:nvSpPr>
-          <p:cNvPr id="10" name="Text Placeholder 9"/>
-          <p:cNvSpPr>
-            <a:spLocks noGrp="1"/>
-          </p:cNvSpPr>
-          <p:nvPr>
-            <p:ph type="body" sz="quarter" idx="18"/>
-          </p:nvPr>
-        </p:nvSpPr>
-        <p:spPr/>
-        <p:txBody>
-          <a:bodyPr/>
-          <a:lstStyle/>
-          <a:p>
-            <a:endParaRPr lang="en-US"/>
-          </a:p>
-        </p:txBody>
-      </p:sp>
-      <p:grpSp>
-        <p:nvGrpSpPr>
-          <p:cNvPr id="5" name="Group 4"/>
-          <p:cNvGrpSpPr/>
-          <p:nvPr/>
-        </p:nvGrpSpPr>
-        <p:grpSpPr>
-          <a:xfrm>
-            <a:off x="1998408" y="1690688"/>
-            <a:ext cx="3309781" cy="4543425"/>
-            <a:chOff x="838200" y="1690688"/>
-            <a:chExt cx="3309781" cy="4543425"/>
-          </a:xfrm>
-        </p:grpSpPr>
-        <p:pic>
-          <p:nvPicPr>
-            <p:cNvPr id="3" name="Picture 2"/>
-            <p:cNvPicPr>
-              <a:picLocks noChangeAspect="1"/>
-            </p:cNvPicPr>
-            <p:nvPr/>
-          </p:nvPicPr>
-          <p:blipFill>
-            <a:blip r:embed="rId2"/>
-            <a:stretch>
-              <a:fillRect/>
-            </a:stretch>
-          </p:blipFill>
-          <p:spPr>
-            <a:xfrm>
-              <a:off x="1023781" y="1690688"/>
-              <a:ext cx="3124200" cy="4543425"/>
-            </a:xfrm>
-            <a:prstGeom prst="rect">
-              <a:avLst/>
-            </a:prstGeom>
-          </p:spPr>
-        </p:pic>
-        <p:pic>
-          <p:nvPicPr>
-            <p:cNvPr id="4" name="Picture 3"/>
-            <p:cNvPicPr>
-              <a:picLocks noChangeAspect="1"/>
-            </p:cNvPicPr>
-            <p:nvPr/>
-          </p:nvPicPr>
-          <p:blipFill rotWithShape="1">
-            <a:blip r:embed="rId3"/>
-            <a:srcRect l="1" r="13306" b="1957"/>
-            <a:stretch/>
-          </p:blipFill>
-          <p:spPr>
-            <a:xfrm>
-              <a:off x="838200" y="1690688"/>
-              <a:ext cx="198181" cy="4510549"/>
-            </a:xfrm>
-            <a:prstGeom prst="rect">
-              <a:avLst/>
-            </a:prstGeom>
-          </p:spPr>
-        </p:pic>
-      </p:grpSp>
-      <p:sp>
-        <p:nvSpPr>
-          <p:cNvPr id="6" name="Rectangle 5"/>
-          <p:cNvSpPr/>
-          <p:nvPr/>
-        </p:nvSpPr>
-        <p:spPr>
-          <a:xfrm>
-            <a:off x="1656735" y="5112774"/>
-            <a:ext cx="4178708" cy="491613"/>
-          </a:xfrm>
-          <a:prstGeom prst="rect">
-            <a:avLst/>
-          </a:prstGeom>
-          <a:noFill/>
-          <a:ln w="38100">
-            <a:solidFill>
-              <a:schemeClr val="accent6"/>
-            </a:solidFill>
-          </a:ln>
-        </p:spPr>
-        <p:style>
-          <a:lnRef idx="2">
-            <a:schemeClr val="accent1">
-              <a:shade val="50000"/>
-            </a:schemeClr>
-          </a:lnRef>
-          <a:fillRef idx="1">
-            <a:schemeClr val="accent1"/>
-          </a:fillRef>
-          <a:effectRef idx="0">
-            <a:schemeClr val="accent1"/>
-          </a:effectRef>
-          <a:fontRef idx="minor">
-            <a:schemeClr val="lt1"/>
-          </a:fontRef>
-        </p:style>
-        <p:txBody>
-          <a:bodyPr rtlCol="0" anchor="ctr"/>
-          <a:lstStyle/>
-          <a:p>
-            <a:pPr algn="ctr"/>
-            <a:endParaRPr lang="en-US"/>
-          </a:p>
-        </p:txBody>
-      </p:sp>
-      <p:sp>
-        <p:nvSpPr>
-          <p:cNvPr id="7" name="TextBox 6"/>
-          <p:cNvSpPr txBox="1"/>
-          <p:nvPr/>
-        </p:nvSpPr>
-        <p:spPr>
-          <a:xfrm>
-            <a:off x="6049295" y="3648218"/>
-            <a:ext cx="4563398" cy="1200329"/>
-          </a:xfrm>
-          <a:prstGeom prst="rect">
-            <a:avLst/>
-          </a:prstGeom>
-          <a:noFill/>
-          <a:ln>
-            <a:solidFill>
-              <a:schemeClr val="accent6"/>
-            </a:solidFill>
-          </a:ln>
-        </p:spPr>
-        <p:txBody>
-          <a:bodyPr wrap="square" rtlCol="0">
-            <a:spAutoFit/>
-          </a:bodyPr>
-          <a:lstStyle/>
-          <a:p>
-            <a:r>
-              <a:rPr lang="en-US" dirty="0" smtClean="0"/>
-              <a:t>Omission: This possible interval will not be found if a large fixed window (like 1 km) was used, since the width of aerosol-free area is only 450m.</a:t>
-            </a:r>
-            <a:endParaRPr lang="en-US" dirty="0"/>
-          </a:p>
-        </p:txBody>
-      </p:sp>
-      <p:sp>
-        <p:nvSpPr>
-          <p:cNvPr id="9" name="TextBox 8"/>
-          <p:cNvSpPr txBox="1"/>
-          <p:nvPr/>
-        </p:nvSpPr>
-        <p:spPr>
-          <a:xfrm>
-            <a:off x="6049295" y="2583286"/>
-            <a:ext cx="4563398" cy="646331"/>
-          </a:xfrm>
-          <a:prstGeom prst="rect">
-            <a:avLst/>
-          </a:prstGeom>
-          <a:noFill/>
-          <a:ln>
-            <a:solidFill>
-              <a:schemeClr val="accent6"/>
-            </a:solidFill>
-          </a:ln>
-        </p:spPr>
-        <p:txBody>
-          <a:bodyPr wrap="square" rtlCol="0">
-            <a:spAutoFit/>
-          </a:bodyPr>
-          <a:lstStyle/>
-          <a:p>
-            <a:r>
-              <a:rPr lang="en-US" dirty="0" smtClean="0"/>
-              <a:t>More computation: all the sub-areas with a fixed width will be tested.</a:t>
-            </a:r>
-            <a:endParaRPr lang="en-US" dirty="0"/>
-          </a:p>
-        </p:txBody>
-      </p:sp>
-      <p:sp>
-        <p:nvSpPr>
-          <p:cNvPr id="16" name="Rectangle 15"/>
-          <p:cNvSpPr/>
-          <p:nvPr/>
-        </p:nvSpPr>
-        <p:spPr>
-          <a:xfrm>
-            <a:off x="1656735" y="4970206"/>
-            <a:ext cx="4178708" cy="491613"/>
-          </a:xfrm>
-          <a:prstGeom prst="rect">
-            <a:avLst/>
-          </a:prstGeom>
-          <a:noFill/>
-          <a:ln w="38100">
-            <a:solidFill>
-              <a:schemeClr val="accent6"/>
-            </a:solidFill>
-          </a:ln>
-        </p:spPr>
-        <p:style>
-          <a:lnRef idx="2">
-            <a:schemeClr val="accent1">
-              <a:shade val="50000"/>
-            </a:schemeClr>
-          </a:lnRef>
-          <a:fillRef idx="1">
-            <a:schemeClr val="accent1"/>
-          </a:fillRef>
-          <a:effectRef idx="0">
-            <a:schemeClr val="accent1"/>
-          </a:effectRef>
-          <a:fontRef idx="minor">
-            <a:schemeClr val="lt1"/>
-          </a:fontRef>
-        </p:style>
-        <p:txBody>
-          <a:bodyPr rtlCol="0" anchor="ctr"/>
-          <a:lstStyle/>
-          <a:p>
-            <a:pPr algn="ctr"/>
-            <a:endParaRPr lang="en-US"/>
-          </a:p>
-        </p:txBody>
-      </p:sp>
-      <p:sp>
-        <p:nvSpPr>
-          <p:cNvPr id="17" name="Rectangle 16"/>
-          <p:cNvSpPr/>
-          <p:nvPr/>
-        </p:nvSpPr>
-        <p:spPr>
-          <a:xfrm>
-            <a:off x="1656735" y="4787541"/>
-            <a:ext cx="4178708" cy="491613"/>
-          </a:xfrm>
-          <a:prstGeom prst="rect">
-            <a:avLst/>
-          </a:prstGeom>
-          <a:noFill/>
-          <a:ln w="38100">
-            <a:solidFill>
-              <a:schemeClr val="accent6"/>
-            </a:solidFill>
-          </a:ln>
-        </p:spPr>
-        <p:style>
-          <a:lnRef idx="2">
-            <a:schemeClr val="accent1">
-              <a:shade val="50000"/>
-            </a:schemeClr>
-          </a:lnRef>
-          <a:fillRef idx="1">
-            <a:schemeClr val="accent1"/>
-          </a:fillRef>
-          <a:effectRef idx="0">
-            <a:schemeClr val="accent1"/>
-          </a:effectRef>
-          <a:fontRef idx="minor">
-            <a:schemeClr val="lt1"/>
-          </a:fontRef>
-        </p:style>
-        <p:txBody>
-          <a:bodyPr rtlCol="0" anchor="ctr"/>
-          <a:lstStyle/>
-          <a:p>
-            <a:pPr algn="ctr"/>
-            <a:endParaRPr lang="en-US"/>
-          </a:p>
-        </p:txBody>
-      </p:sp>
-      <p:sp>
-        <p:nvSpPr>
-          <p:cNvPr id="18" name="Rectangle 17"/>
-          <p:cNvSpPr/>
-          <p:nvPr/>
-        </p:nvSpPr>
-        <p:spPr>
-          <a:xfrm>
-            <a:off x="1656735" y="3864076"/>
-            <a:ext cx="4178708" cy="491613"/>
-          </a:xfrm>
-          <a:prstGeom prst="rect">
-            <a:avLst/>
-          </a:prstGeom>
-          <a:noFill/>
-          <a:ln w="38100">
-            <a:solidFill>
-              <a:schemeClr val="accent6"/>
-            </a:solidFill>
-          </a:ln>
-        </p:spPr>
-        <p:style>
-          <a:lnRef idx="2">
-            <a:schemeClr val="accent1">
-              <a:shade val="50000"/>
-            </a:schemeClr>
-          </a:lnRef>
-          <a:fillRef idx="1">
-            <a:schemeClr val="accent1"/>
-          </a:fillRef>
-          <a:effectRef idx="0">
-            <a:schemeClr val="accent1"/>
-          </a:effectRef>
-          <a:fontRef idx="minor">
-            <a:schemeClr val="lt1"/>
-          </a:fontRef>
-        </p:style>
-        <p:txBody>
-          <a:bodyPr rtlCol="0" anchor="ctr"/>
-          <a:lstStyle/>
-          <a:p>
-            <a:pPr algn="ctr"/>
-            <a:endParaRPr lang="en-US"/>
-          </a:p>
-        </p:txBody>
-      </p:sp>
-    </p:spTree>
-    <p:extLst>
-      <p:ext uri="{BB962C8B-B14F-4D97-AF65-F5344CB8AC3E}">
-        <p14:creationId xmlns:p14="http://schemas.microsoft.com/office/powerpoint/2010/main" val="4088041726"/>
-      </p:ext>
-    </p:extLst>
-  </p:cSld>
-  <p:clrMapOvr>
-    <a:masterClrMapping/>
-  </p:clrMapOvr>
-  <p:timing>
-    <p:tnLst>
-      <p:par>
-        <p:cTn id="1" dur="indefinite" restart="never" nodeType="tmRoot">
-          <p:childTnLst>
-            <p:seq concurrent="1" nextAc="seek">
-              <p:cTn id="2" dur="indefinite" nodeType="mainSeq">
-                <p:childTnLst>
-                  <p:par>
-                    <p:cTn id="3" fill="hold">
-                      <p:stCondLst>
-                        <p:cond delay="indefinite"/>
-                      </p:stCondLst>
-                      <p:childTnLst>
-                        <p:par>
-                          <p:cTn id="4" fill="hold">
-                            <p:stCondLst>
-                              <p:cond delay="0"/>
-                            </p:stCondLst>
-                            <p:childTnLst>
-                              <p:par>
-                                <p:cTn id="5" presetID="1" presetClass="entr" presetSubtype="0" fill="hold" grpId="0" nodeType="clickEffect">
-                                  <p:stCondLst>
-                                    <p:cond delay="0"/>
-                                  </p:stCondLst>
-                                  <p:childTnLst>
-                                    <p:set>
-                                      <p:cBhvr>
-                                        <p:cTn id="6" dur="1" fill="hold">
-                                          <p:stCondLst>
-                                            <p:cond delay="0"/>
-                                          </p:stCondLst>
-                                        </p:cTn>
-                                        <p:tgtEl>
-                                          <p:spTgt spid="6"/>
-                                        </p:tgtEl>
-                                        <p:attrNameLst>
-                                          <p:attrName>style.visibility</p:attrName>
-                                        </p:attrNameLst>
-                                      </p:cBhvr>
-                                      <p:to>
-                                        <p:strVal val="visible"/>
-                                      </p:to>
-                                    </p:set>
-                                  </p:childTnLst>
-                                </p:cTn>
-                              </p:par>
-                            </p:childTnLst>
-                          </p:cTn>
-                        </p:par>
-                      </p:childTnLst>
-                    </p:cTn>
-                  </p:par>
-                  <p:par>
-                    <p:cTn id="7" fill="hold">
-                      <p:stCondLst>
-                        <p:cond delay="indefinite"/>
-                      </p:stCondLst>
-                      <p:childTnLst>
-                        <p:par>
-                          <p:cTn id="8" fill="hold">
-                            <p:stCondLst>
-                              <p:cond delay="0"/>
-                            </p:stCondLst>
-                            <p:childTnLst>
-                              <p:par>
-                                <p:cTn id="9" presetID="1" presetClass="exit" presetSubtype="0" fill="hold" grpId="1" nodeType="clickEffect">
-                                  <p:stCondLst>
-                                    <p:cond delay="0"/>
-                                  </p:stCondLst>
-                                  <p:childTnLst>
-                                    <p:set>
-                                      <p:cBhvr>
-                                        <p:cTn id="10" dur="1" fill="hold">
-                                          <p:stCondLst>
-                                            <p:cond delay="0"/>
-                                          </p:stCondLst>
-                                        </p:cTn>
-                                        <p:tgtEl>
-                                          <p:spTgt spid="6"/>
-                                        </p:tgtEl>
-                                        <p:attrNameLst>
-                                          <p:attrName>style.visibility</p:attrName>
-                                        </p:attrNameLst>
-                                      </p:cBhvr>
-                                      <p:to>
-                                        <p:strVal val="hidden"/>
-                                      </p:to>
-                                    </p:set>
-                                  </p:childTnLst>
-                                </p:cTn>
-                              </p:par>
-                              <p:par>
-                                <p:cTn id="11" presetID="1" presetClass="entr" presetSubtype="0" fill="hold" grpId="0" nodeType="withEffect">
-                                  <p:stCondLst>
-                                    <p:cond delay="0"/>
-                                  </p:stCondLst>
-                                  <p:childTnLst>
-                                    <p:set>
-                                      <p:cBhvr>
-                                        <p:cTn id="12" dur="1" fill="hold">
-                                          <p:stCondLst>
-                                            <p:cond delay="0"/>
-                                          </p:stCondLst>
-                                        </p:cTn>
-                                        <p:tgtEl>
-                                          <p:spTgt spid="16"/>
-                                        </p:tgtEl>
-                                        <p:attrNameLst>
-                                          <p:attrName>style.visibility</p:attrName>
-                                        </p:attrNameLst>
-                                      </p:cBhvr>
-                                      <p:to>
-                                        <p:strVal val="visible"/>
-                                      </p:to>
-                                    </p:set>
-                                  </p:childTnLst>
-                                </p:cTn>
-                              </p:par>
-                            </p:childTnLst>
-                          </p:cTn>
-                        </p:par>
-                      </p:childTnLst>
-                    </p:cTn>
-                  </p:par>
-                  <p:par>
-                    <p:cTn id="13" fill="hold">
-                      <p:stCondLst>
-                        <p:cond delay="indefinite"/>
-                      </p:stCondLst>
-                      <p:childTnLst>
-                        <p:par>
-                          <p:cTn id="14" fill="hold">
-                            <p:stCondLst>
-                              <p:cond delay="0"/>
-                            </p:stCondLst>
-                            <p:childTnLst>
-                              <p:par>
-                                <p:cTn id="15" presetID="1" presetClass="exit" presetSubtype="0" fill="hold" grpId="1" nodeType="clickEffect">
-                                  <p:stCondLst>
-                                    <p:cond delay="0"/>
-                                  </p:stCondLst>
-                                  <p:childTnLst>
-                                    <p:set>
-                                      <p:cBhvr>
-                                        <p:cTn id="16" dur="1" fill="hold">
-                                          <p:stCondLst>
-                                            <p:cond delay="0"/>
-                                          </p:stCondLst>
-                                        </p:cTn>
-                                        <p:tgtEl>
-                                          <p:spTgt spid="16"/>
-                                        </p:tgtEl>
-                                        <p:attrNameLst>
-                                          <p:attrName>style.visibility</p:attrName>
-                                        </p:attrNameLst>
-                                      </p:cBhvr>
-                                      <p:to>
-                                        <p:strVal val="hidden"/>
-                                      </p:to>
-                                    </p:set>
-                                  </p:childTnLst>
-                                </p:cTn>
-                              </p:par>
-                              <p:par>
-                                <p:cTn id="17" presetID="1" presetClass="entr" presetSubtype="0" fill="hold" grpId="0" nodeType="withEffect">
-                                  <p:stCondLst>
-                                    <p:cond delay="0"/>
-                                  </p:stCondLst>
-                                  <p:childTnLst>
-                                    <p:set>
-                                      <p:cBhvr>
-                                        <p:cTn id="18" dur="1" fill="hold">
-                                          <p:stCondLst>
-                                            <p:cond delay="0"/>
-                                          </p:stCondLst>
-                                        </p:cTn>
-                                        <p:tgtEl>
-                                          <p:spTgt spid="17"/>
-                                        </p:tgtEl>
-                                        <p:attrNameLst>
-                                          <p:attrName>style.visibility</p:attrName>
-                                        </p:attrNameLst>
-                                      </p:cBhvr>
-                                      <p:to>
-                                        <p:strVal val="visible"/>
-                                      </p:to>
-                                    </p:set>
-                                  </p:childTnLst>
-                                </p:cTn>
-                              </p:par>
-                            </p:childTnLst>
-                          </p:cTn>
-                        </p:par>
-                      </p:childTnLst>
-                    </p:cTn>
-                  </p:par>
-                  <p:par>
-                    <p:cTn id="19" fill="hold">
-                      <p:stCondLst>
-                        <p:cond delay="indefinite"/>
-                      </p:stCondLst>
-                      <p:childTnLst>
-                        <p:par>
-                          <p:cTn id="20" fill="hold">
-                            <p:stCondLst>
-                              <p:cond delay="0"/>
-                            </p:stCondLst>
-                            <p:childTnLst>
-                              <p:par>
-                                <p:cTn id="21" presetID="1" presetClass="exit" presetSubtype="0" fill="hold" grpId="1" nodeType="clickEffect">
-                                  <p:stCondLst>
-                                    <p:cond delay="0"/>
-                                  </p:stCondLst>
-                                  <p:childTnLst>
-                                    <p:set>
-                                      <p:cBhvr>
-                                        <p:cTn id="22" dur="1" fill="hold">
-                                          <p:stCondLst>
-                                            <p:cond delay="0"/>
-                                          </p:stCondLst>
-                                        </p:cTn>
-                                        <p:tgtEl>
-                                          <p:spTgt spid="17"/>
-                                        </p:tgtEl>
-                                        <p:attrNameLst>
-                                          <p:attrName>style.visibility</p:attrName>
-                                        </p:attrNameLst>
-                                      </p:cBhvr>
-                                      <p:to>
-                                        <p:strVal val="hidden"/>
-                                      </p:to>
-                                    </p:set>
-                                  </p:childTnLst>
-                                </p:cTn>
-                              </p:par>
-                              <p:par>
-                                <p:cTn id="23" presetID="1" presetClass="entr" presetSubtype="0" fill="hold" grpId="0" nodeType="withEffect">
-                                  <p:stCondLst>
-                                    <p:cond delay="0"/>
-                                  </p:stCondLst>
-                                  <p:childTnLst>
-                                    <p:set>
-                                      <p:cBhvr>
-                                        <p:cTn id="24" dur="1" fill="hold">
-                                          <p:stCondLst>
-                                            <p:cond delay="0"/>
-                                          </p:stCondLst>
-                                        </p:cTn>
-                                        <p:tgtEl>
-                                          <p:spTgt spid="18"/>
-                                        </p:tgtEl>
-                                        <p:attrNameLst>
-                                          <p:attrName>style.visibility</p:attrName>
-                                        </p:attrNameLst>
-                                      </p:cBhvr>
-                                      <p:to>
-                                        <p:strVal val="visible"/>
-                                      </p:to>
-                                    </p:set>
-                                  </p:childTnLst>
-                                </p:cTn>
-                              </p:par>
-                            </p:childTnLst>
-                          </p:cTn>
-                        </p:par>
-                      </p:childTnLst>
-                    </p:cTn>
-                  </p:par>
-                  <p:par>
-                    <p:cTn id="25" fill="hold">
-                      <p:stCondLst>
-                        <p:cond delay="indefinite"/>
-                      </p:stCondLst>
-                      <p:childTnLst>
-                        <p:par>
-                          <p:cTn id="26" fill="hold">
-                            <p:stCondLst>
-                              <p:cond delay="0"/>
-                            </p:stCondLst>
-                            <p:childTnLst>
-                              <p:par>
-                                <p:cTn id="27" presetID="1" presetClass="entr" presetSubtype="0" fill="hold" grpId="0" nodeType="clickEffect">
-                                  <p:stCondLst>
-                                    <p:cond delay="0"/>
-                                  </p:stCondLst>
-                                  <p:childTnLst>
-                                    <p:set>
-                                      <p:cBhvr>
-                                        <p:cTn id="28" dur="1" fill="hold">
-                                          <p:stCondLst>
-                                            <p:cond delay="0"/>
-                                          </p:stCondLst>
-                                        </p:cTn>
-                                        <p:tgtEl>
-                                          <p:spTgt spid="9"/>
-                                        </p:tgtEl>
-                                        <p:attrNameLst>
-                                          <p:attrName>style.visibility</p:attrName>
-                                        </p:attrNameLst>
-                                      </p:cBhvr>
-                                      <p:to>
-                                        <p:strVal val="visible"/>
-                                      </p:to>
-                                    </p:set>
-                                  </p:childTnLst>
-                                </p:cTn>
-                              </p:par>
-                            </p:childTnLst>
-                          </p:cTn>
-                        </p:par>
-                      </p:childTnLst>
-                    </p:cTn>
-                  </p:par>
-                  <p:par>
-                    <p:cTn id="29" fill="hold">
-                      <p:stCondLst>
-                        <p:cond delay="indefinite"/>
-                      </p:stCondLst>
-                      <p:childTnLst>
-                        <p:par>
-                          <p:cTn id="30" fill="hold">
-                            <p:stCondLst>
-                              <p:cond delay="0"/>
-                            </p:stCondLst>
-                            <p:childTnLst>
-                              <p:par>
-                                <p:cTn id="31" presetID="1" presetClass="entr" presetSubtype="0" fill="hold" grpId="0" nodeType="clickEffect">
-                                  <p:stCondLst>
-                                    <p:cond delay="0"/>
-                                  </p:stCondLst>
-                                  <p:childTnLst>
-                                    <p:set>
-                                      <p:cBhvr>
-                                        <p:cTn id="32" dur="1" fill="hold">
-                                          <p:stCondLst>
-                                            <p:cond delay="0"/>
-                                          </p:stCondLst>
-                                        </p:cTn>
-                                        <p:tgtEl>
-                                          <p:spTgt spid="7"/>
-                                        </p:tgtEl>
-                                        <p:attrNameLst>
-                                          <p:attrName>style.visibility</p:attrName>
-                                        </p:attrNameLst>
-                                      </p:cBhvr>
-                                      <p:to>
-                                        <p:strVal val="visible"/>
-                                      </p:to>
-                                    </p:set>
-                                  </p:childTnLst>
-                                </p:cTn>
-                              </p:par>
-                            </p:childTnLst>
-                          </p:cTn>
-                        </p:par>
-                      </p:childTnLst>
-                    </p:cTn>
-                  </p:par>
-                </p:childTnLst>
-              </p:cTn>
-              <p:prevCondLst>
-                <p:cond evt="onPrev" delay="0">
-                  <p:tgtEl>
-                    <p:sldTgt/>
-                  </p:tgtEl>
-                </p:cond>
-              </p:prevCondLst>
-              <p:nextCondLst>
-                <p:cond evt="onNext" delay="0">
-                  <p:tgtEl>
-                    <p:sldTgt/>
-                  </p:tgtEl>
-                </p:cond>
-              </p:nextCondLst>
-            </p:seq>
-          </p:childTnLst>
-        </p:cTn>
-      </p:par>
-    </p:tnLst>
-    <p:bldLst>
-      <p:bldP spid="6" grpId="0" animBg="1"/>
-      <p:bldP spid="6" grpId="1" animBg="1"/>
-      <p:bldP spid="7" grpId="0" animBg="1"/>
-      <p:bldP spid="9" grpId="0" animBg="1"/>
-      <p:bldP spid="16" grpId="0" animBg="1"/>
-      <p:bldP spid="16" grpId="1" animBg="1"/>
-      <p:bldP spid="17" grpId="0" animBg="1"/>
-      <p:bldP spid="17" grpId="1" animBg="1"/>
-      <p:bldP spid="18" grpId="0" animBg="1"/>
-    </p:bldLst>
-  </p:timing>
-</p:sld>
-</file>
-
 <file path=ppt/theme/theme1.xml><?xml version="1.0" encoding="utf-8"?>
 <a:theme xmlns:a="http://schemas.openxmlformats.org/drawingml/2006/main" name="tropos_presentation_16to9">
   <a:themeElements>

--- a/doc/Pollynet_Processing_Chain.pptx
+++ b/doc/Pollynet_Processing_Chain.pptx
@@ -10,15 +10,15 @@
     <p:sldId id="271" r:id="rId4"/>
     <p:sldId id="272" r:id="rId5"/>
     <p:sldId id="273" r:id="rId6"/>
-    <p:sldId id="278" r:id="rId7"/>
-    <p:sldId id="274" r:id="rId8"/>
-    <p:sldId id="275" r:id="rId9"/>
-    <p:sldId id="276" r:id="rId10"/>
-    <p:sldId id="265" r:id="rId11"/>
-    <p:sldId id="266" r:id="rId12"/>
-    <p:sldId id="267" r:id="rId13"/>
-    <p:sldId id="268" r:id="rId14"/>
-    <p:sldId id="277" r:id="rId15"/>
+    <p:sldId id="274" r:id="rId7"/>
+    <p:sldId id="275" r:id="rId8"/>
+    <p:sldId id="276" r:id="rId9"/>
+    <p:sldId id="265" r:id="rId10"/>
+    <p:sldId id="266" r:id="rId11"/>
+    <p:sldId id="267" r:id="rId12"/>
+    <p:sldId id="268" r:id="rId13"/>
+    <p:sldId id="277" r:id="rId14"/>
+    <p:sldId id="278" r:id="rId15"/>
   </p:sldIdLst>
   <p:sldSz cx="12192000" cy="6858000"/>
   <p:notesSz cx="6858000" cy="9144000"/>
@@ -1762,7 +1762,7 @@
           <a:p>
             <a:fld id="{AB21D1C1-A974-4CDD-890D-2FCDFA70CDD6}" type="datetimeFigureOut">
               <a:rPr lang="en-US" smtClean="0"/>
-              <a:t>7/27/2019</a:t>
+              <a:t>7/28/2019</a:t>
             </a:fld>
             <a:endParaRPr lang="en-US"/>
           </a:p>
@@ -2232,786 +2232,6 @@
           <a:lstStyle/>
           <a:p>
             <a:r>
-              <a:rPr lang="en-US" altLang="zh-CN" dirty="0" smtClean="0"/>
-              <a:t>Shortage of sliding fixed window </a:t>
-            </a:r>
-            <a:endParaRPr lang="en-US" dirty="0"/>
-          </a:p>
-        </p:txBody>
-      </p:sp>
-      <p:sp>
-        <p:nvSpPr>
-          <p:cNvPr id="10" name="Text Placeholder 9"/>
-          <p:cNvSpPr>
-            <a:spLocks noGrp="1"/>
-          </p:cNvSpPr>
-          <p:nvPr>
-            <p:ph type="body" sz="quarter" idx="18"/>
-          </p:nvPr>
-        </p:nvSpPr>
-        <p:spPr/>
-        <p:txBody>
-          <a:bodyPr/>
-          <a:lstStyle/>
-          <a:p>
-            <a:endParaRPr lang="en-US"/>
-          </a:p>
-        </p:txBody>
-      </p:sp>
-      <p:grpSp>
-        <p:nvGrpSpPr>
-          <p:cNvPr id="5" name="Group 4"/>
-          <p:cNvGrpSpPr/>
-          <p:nvPr/>
-        </p:nvGrpSpPr>
-        <p:grpSpPr>
-          <a:xfrm>
-            <a:off x="1998408" y="1690688"/>
-            <a:ext cx="3309781" cy="4543425"/>
-            <a:chOff x="838200" y="1690688"/>
-            <a:chExt cx="3309781" cy="4543425"/>
-          </a:xfrm>
-        </p:grpSpPr>
-        <p:pic>
-          <p:nvPicPr>
-            <p:cNvPr id="3" name="Picture 2"/>
-            <p:cNvPicPr>
-              <a:picLocks noChangeAspect="1"/>
-            </p:cNvPicPr>
-            <p:nvPr/>
-          </p:nvPicPr>
-          <p:blipFill>
-            <a:blip r:embed="rId2"/>
-            <a:stretch>
-              <a:fillRect/>
-            </a:stretch>
-          </p:blipFill>
-          <p:spPr>
-            <a:xfrm>
-              <a:off x="1023781" y="1690688"/>
-              <a:ext cx="3124200" cy="4543425"/>
-            </a:xfrm>
-            <a:prstGeom prst="rect">
-              <a:avLst/>
-            </a:prstGeom>
-          </p:spPr>
-        </p:pic>
-        <p:pic>
-          <p:nvPicPr>
-            <p:cNvPr id="4" name="Picture 3"/>
-            <p:cNvPicPr>
-              <a:picLocks noChangeAspect="1"/>
-            </p:cNvPicPr>
-            <p:nvPr/>
-          </p:nvPicPr>
-          <p:blipFill rotWithShape="1">
-            <a:blip r:embed="rId3"/>
-            <a:srcRect l="1" r="13306" b="1957"/>
-            <a:stretch/>
-          </p:blipFill>
-          <p:spPr>
-            <a:xfrm>
-              <a:off x="838200" y="1690688"/>
-              <a:ext cx="198181" cy="4510549"/>
-            </a:xfrm>
-            <a:prstGeom prst="rect">
-              <a:avLst/>
-            </a:prstGeom>
-          </p:spPr>
-        </p:pic>
-      </p:grpSp>
-      <p:sp>
-        <p:nvSpPr>
-          <p:cNvPr id="6" name="Rectangle 5"/>
-          <p:cNvSpPr/>
-          <p:nvPr/>
-        </p:nvSpPr>
-        <p:spPr>
-          <a:xfrm>
-            <a:off x="1656735" y="5112774"/>
-            <a:ext cx="4178708" cy="491613"/>
-          </a:xfrm>
-          <a:prstGeom prst="rect">
-            <a:avLst/>
-          </a:prstGeom>
-          <a:noFill/>
-          <a:ln w="38100">
-            <a:solidFill>
-              <a:schemeClr val="accent6"/>
-            </a:solidFill>
-          </a:ln>
-        </p:spPr>
-        <p:style>
-          <a:lnRef idx="2">
-            <a:schemeClr val="accent1">
-              <a:shade val="50000"/>
-            </a:schemeClr>
-          </a:lnRef>
-          <a:fillRef idx="1">
-            <a:schemeClr val="accent1"/>
-          </a:fillRef>
-          <a:effectRef idx="0">
-            <a:schemeClr val="accent1"/>
-          </a:effectRef>
-          <a:fontRef idx="minor">
-            <a:schemeClr val="lt1"/>
-          </a:fontRef>
-        </p:style>
-        <p:txBody>
-          <a:bodyPr rtlCol="0" anchor="ctr"/>
-          <a:lstStyle/>
-          <a:p>
-            <a:pPr algn="ctr"/>
-            <a:endParaRPr lang="en-US"/>
-          </a:p>
-        </p:txBody>
-      </p:sp>
-      <p:sp>
-        <p:nvSpPr>
-          <p:cNvPr id="7" name="TextBox 6"/>
-          <p:cNvSpPr txBox="1"/>
-          <p:nvPr/>
-        </p:nvSpPr>
-        <p:spPr>
-          <a:xfrm>
-            <a:off x="6049295" y="3648218"/>
-            <a:ext cx="4563398" cy="1200329"/>
-          </a:xfrm>
-          <a:prstGeom prst="rect">
-            <a:avLst/>
-          </a:prstGeom>
-          <a:noFill/>
-          <a:ln>
-            <a:solidFill>
-              <a:schemeClr val="accent6"/>
-            </a:solidFill>
-          </a:ln>
-        </p:spPr>
-        <p:txBody>
-          <a:bodyPr wrap="square" rtlCol="0">
-            <a:spAutoFit/>
-          </a:bodyPr>
-          <a:lstStyle/>
-          <a:p>
-            <a:r>
-              <a:rPr lang="en-US" dirty="0" smtClean="0"/>
-              <a:t>Omission: This possible interval will not be found if a large fixed window (like 1 km) was used, since the width of aerosol-free area is only 450m.</a:t>
-            </a:r>
-            <a:endParaRPr lang="en-US" dirty="0"/>
-          </a:p>
-        </p:txBody>
-      </p:sp>
-      <p:sp>
-        <p:nvSpPr>
-          <p:cNvPr id="9" name="TextBox 8"/>
-          <p:cNvSpPr txBox="1"/>
-          <p:nvPr/>
-        </p:nvSpPr>
-        <p:spPr>
-          <a:xfrm>
-            <a:off x="6049295" y="2583286"/>
-            <a:ext cx="4563398" cy="646331"/>
-          </a:xfrm>
-          <a:prstGeom prst="rect">
-            <a:avLst/>
-          </a:prstGeom>
-          <a:noFill/>
-          <a:ln>
-            <a:solidFill>
-              <a:schemeClr val="accent6"/>
-            </a:solidFill>
-          </a:ln>
-        </p:spPr>
-        <p:txBody>
-          <a:bodyPr wrap="square" rtlCol="0">
-            <a:spAutoFit/>
-          </a:bodyPr>
-          <a:lstStyle/>
-          <a:p>
-            <a:r>
-              <a:rPr lang="en-US" dirty="0" smtClean="0"/>
-              <a:t>More computation: all the sub-areas with a fixed width will be tested.</a:t>
-            </a:r>
-            <a:endParaRPr lang="en-US" dirty="0"/>
-          </a:p>
-        </p:txBody>
-      </p:sp>
-      <p:sp>
-        <p:nvSpPr>
-          <p:cNvPr id="16" name="Rectangle 15"/>
-          <p:cNvSpPr/>
-          <p:nvPr/>
-        </p:nvSpPr>
-        <p:spPr>
-          <a:xfrm>
-            <a:off x="1656735" y="4970206"/>
-            <a:ext cx="4178708" cy="491613"/>
-          </a:xfrm>
-          <a:prstGeom prst="rect">
-            <a:avLst/>
-          </a:prstGeom>
-          <a:noFill/>
-          <a:ln w="38100">
-            <a:solidFill>
-              <a:schemeClr val="accent6"/>
-            </a:solidFill>
-          </a:ln>
-        </p:spPr>
-        <p:style>
-          <a:lnRef idx="2">
-            <a:schemeClr val="accent1">
-              <a:shade val="50000"/>
-            </a:schemeClr>
-          </a:lnRef>
-          <a:fillRef idx="1">
-            <a:schemeClr val="accent1"/>
-          </a:fillRef>
-          <a:effectRef idx="0">
-            <a:schemeClr val="accent1"/>
-          </a:effectRef>
-          <a:fontRef idx="minor">
-            <a:schemeClr val="lt1"/>
-          </a:fontRef>
-        </p:style>
-        <p:txBody>
-          <a:bodyPr rtlCol="0" anchor="ctr"/>
-          <a:lstStyle/>
-          <a:p>
-            <a:pPr algn="ctr"/>
-            <a:endParaRPr lang="en-US"/>
-          </a:p>
-        </p:txBody>
-      </p:sp>
-      <p:sp>
-        <p:nvSpPr>
-          <p:cNvPr id="17" name="Rectangle 16"/>
-          <p:cNvSpPr/>
-          <p:nvPr/>
-        </p:nvSpPr>
-        <p:spPr>
-          <a:xfrm>
-            <a:off x="1656735" y="4787541"/>
-            <a:ext cx="4178708" cy="491613"/>
-          </a:xfrm>
-          <a:prstGeom prst="rect">
-            <a:avLst/>
-          </a:prstGeom>
-          <a:noFill/>
-          <a:ln w="38100">
-            <a:solidFill>
-              <a:schemeClr val="accent6"/>
-            </a:solidFill>
-          </a:ln>
-        </p:spPr>
-        <p:style>
-          <a:lnRef idx="2">
-            <a:schemeClr val="accent1">
-              <a:shade val="50000"/>
-            </a:schemeClr>
-          </a:lnRef>
-          <a:fillRef idx="1">
-            <a:schemeClr val="accent1"/>
-          </a:fillRef>
-          <a:effectRef idx="0">
-            <a:schemeClr val="accent1"/>
-          </a:effectRef>
-          <a:fontRef idx="minor">
-            <a:schemeClr val="lt1"/>
-          </a:fontRef>
-        </p:style>
-        <p:txBody>
-          <a:bodyPr rtlCol="0" anchor="ctr"/>
-          <a:lstStyle/>
-          <a:p>
-            <a:pPr algn="ctr"/>
-            <a:endParaRPr lang="en-US"/>
-          </a:p>
-        </p:txBody>
-      </p:sp>
-      <p:sp>
-        <p:nvSpPr>
-          <p:cNvPr id="18" name="Rectangle 17"/>
-          <p:cNvSpPr/>
-          <p:nvPr/>
-        </p:nvSpPr>
-        <p:spPr>
-          <a:xfrm>
-            <a:off x="1656735" y="3864076"/>
-            <a:ext cx="4178708" cy="491613"/>
-          </a:xfrm>
-          <a:prstGeom prst="rect">
-            <a:avLst/>
-          </a:prstGeom>
-          <a:noFill/>
-          <a:ln w="38100">
-            <a:solidFill>
-              <a:schemeClr val="accent6"/>
-            </a:solidFill>
-          </a:ln>
-        </p:spPr>
-        <p:style>
-          <a:lnRef idx="2">
-            <a:schemeClr val="accent1">
-              <a:shade val="50000"/>
-            </a:schemeClr>
-          </a:lnRef>
-          <a:fillRef idx="1">
-            <a:schemeClr val="accent1"/>
-          </a:fillRef>
-          <a:effectRef idx="0">
-            <a:schemeClr val="accent1"/>
-          </a:effectRef>
-          <a:fontRef idx="minor">
-            <a:schemeClr val="lt1"/>
-          </a:fontRef>
-        </p:style>
-        <p:txBody>
-          <a:bodyPr rtlCol="0" anchor="ctr"/>
-          <a:lstStyle/>
-          <a:p>
-            <a:pPr algn="ctr"/>
-            <a:endParaRPr lang="en-US"/>
-          </a:p>
-        </p:txBody>
-      </p:sp>
-    </p:spTree>
-    <p:extLst>
-      <p:ext uri="{BB962C8B-B14F-4D97-AF65-F5344CB8AC3E}">
-        <p14:creationId xmlns:p14="http://schemas.microsoft.com/office/powerpoint/2010/main" val="4088041726"/>
-      </p:ext>
-    </p:extLst>
-  </p:cSld>
-  <p:clrMapOvr>
-    <a:masterClrMapping/>
-  </p:clrMapOvr>
-  <p:timing>
-    <p:tnLst>
-      <p:par>
-        <p:cTn id="1" dur="indefinite" restart="never" nodeType="tmRoot">
-          <p:childTnLst>
-            <p:seq concurrent="1" nextAc="seek">
-              <p:cTn id="2" dur="indefinite" nodeType="mainSeq">
-                <p:childTnLst>
-                  <p:par>
-                    <p:cTn id="3" fill="hold">
-                      <p:stCondLst>
-                        <p:cond delay="indefinite"/>
-                      </p:stCondLst>
-                      <p:childTnLst>
-                        <p:par>
-                          <p:cTn id="4" fill="hold">
-                            <p:stCondLst>
-                              <p:cond delay="0"/>
-                            </p:stCondLst>
-                            <p:childTnLst>
-                              <p:par>
-                                <p:cTn id="5" presetID="1" presetClass="entr" presetSubtype="0" fill="hold" grpId="0" nodeType="clickEffect">
-                                  <p:stCondLst>
-                                    <p:cond delay="0"/>
-                                  </p:stCondLst>
-                                  <p:childTnLst>
-                                    <p:set>
-                                      <p:cBhvr>
-                                        <p:cTn id="6" dur="1" fill="hold">
-                                          <p:stCondLst>
-                                            <p:cond delay="0"/>
-                                          </p:stCondLst>
-                                        </p:cTn>
-                                        <p:tgtEl>
-                                          <p:spTgt spid="6"/>
-                                        </p:tgtEl>
-                                        <p:attrNameLst>
-                                          <p:attrName>style.visibility</p:attrName>
-                                        </p:attrNameLst>
-                                      </p:cBhvr>
-                                      <p:to>
-                                        <p:strVal val="visible"/>
-                                      </p:to>
-                                    </p:set>
-                                  </p:childTnLst>
-                                </p:cTn>
-                              </p:par>
-                            </p:childTnLst>
-                          </p:cTn>
-                        </p:par>
-                      </p:childTnLst>
-                    </p:cTn>
-                  </p:par>
-                  <p:par>
-                    <p:cTn id="7" fill="hold">
-                      <p:stCondLst>
-                        <p:cond delay="indefinite"/>
-                      </p:stCondLst>
-                      <p:childTnLst>
-                        <p:par>
-                          <p:cTn id="8" fill="hold">
-                            <p:stCondLst>
-                              <p:cond delay="0"/>
-                            </p:stCondLst>
-                            <p:childTnLst>
-                              <p:par>
-                                <p:cTn id="9" presetID="1" presetClass="exit" presetSubtype="0" fill="hold" grpId="1" nodeType="clickEffect">
-                                  <p:stCondLst>
-                                    <p:cond delay="0"/>
-                                  </p:stCondLst>
-                                  <p:childTnLst>
-                                    <p:set>
-                                      <p:cBhvr>
-                                        <p:cTn id="10" dur="1" fill="hold">
-                                          <p:stCondLst>
-                                            <p:cond delay="0"/>
-                                          </p:stCondLst>
-                                        </p:cTn>
-                                        <p:tgtEl>
-                                          <p:spTgt spid="6"/>
-                                        </p:tgtEl>
-                                        <p:attrNameLst>
-                                          <p:attrName>style.visibility</p:attrName>
-                                        </p:attrNameLst>
-                                      </p:cBhvr>
-                                      <p:to>
-                                        <p:strVal val="hidden"/>
-                                      </p:to>
-                                    </p:set>
-                                  </p:childTnLst>
-                                </p:cTn>
-                              </p:par>
-                              <p:par>
-                                <p:cTn id="11" presetID="1" presetClass="entr" presetSubtype="0" fill="hold" grpId="0" nodeType="withEffect">
-                                  <p:stCondLst>
-                                    <p:cond delay="0"/>
-                                  </p:stCondLst>
-                                  <p:childTnLst>
-                                    <p:set>
-                                      <p:cBhvr>
-                                        <p:cTn id="12" dur="1" fill="hold">
-                                          <p:stCondLst>
-                                            <p:cond delay="0"/>
-                                          </p:stCondLst>
-                                        </p:cTn>
-                                        <p:tgtEl>
-                                          <p:spTgt spid="16"/>
-                                        </p:tgtEl>
-                                        <p:attrNameLst>
-                                          <p:attrName>style.visibility</p:attrName>
-                                        </p:attrNameLst>
-                                      </p:cBhvr>
-                                      <p:to>
-                                        <p:strVal val="visible"/>
-                                      </p:to>
-                                    </p:set>
-                                  </p:childTnLst>
-                                </p:cTn>
-                              </p:par>
-                            </p:childTnLst>
-                          </p:cTn>
-                        </p:par>
-                      </p:childTnLst>
-                    </p:cTn>
-                  </p:par>
-                  <p:par>
-                    <p:cTn id="13" fill="hold">
-                      <p:stCondLst>
-                        <p:cond delay="indefinite"/>
-                      </p:stCondLst>
-                      <p:childTnLst>
-                        <p:par>
-                          <p:cTn id="14" fill="hold">
-                            <p:stCondLst>
-                              <p:cond delay="0"/>
-                            </p:stCondLst>
-                            <p:childTnLst>
-                              <p:par>
-                                <p:cTn id="15" presetID="1" presetClass="exit" presetSubtype="0" fill="hold" grpId="1" nodeType="clickEffect">
-                                  <p:stCondLst>
-                                    <p:cond delay="0"/>
-                                  </p:stCondLst>
-                                  <p:childTnLst>
-                                    <p:set>
-                                      <p:cBhvr>
-                                        <p:cTn id="16" dur="1" fill="hold">
-                                          <p:stCondLst>
-                                            <p:cond delay="0"/>
-                                          </p:stCondLst>
-                                        </p:cTn>
-                                        <p:tgtEl>
-                                          <p:spTgt spid="16"/>
-                                        </p:tgtEl>
-                                        <p:attrNameLst>
-                                          <p:attrName>style.visibility</p:attrName>
-                                        </p:attrNameLst>
-                                      </p:cBhvr>
-                                      <p:to>
-                                        <p:strVal val="hidden"/>
-                                      </p:to>
-                                    </p:set>
-                                  </p:childTnLst>
-                                </p:cTn>
-                              </p:par>
-                              <p:par>
-                                <p:cTn id="17" presetID="1" presetClass="entr" presetSubtype="0" fill="hold" grpId="0" nodeType="withEffect">
-                                  <p:stCondLst>
-                                    <p:cond delay="0"/>
-                                  </p:stCondLst>
-                                  <p:childTnLst>
-                                    <p:set>
-                                      <p:cBhvr>
-                                        <p:cTn id="18" dur="1" fill="hold">
-                                          <p:stCondLst>
-                                            <p:cond delay="0"/>
-                                          </p:stCondLst>
-                                        </p:cTn>
-                                        <p:tgtEl>
-                                          <p:spTgt spid="17"/>
-                                        </p:tgtEl>
-                                        <p:attrNameLst>
-                                          <p:attrName>style.visibility</p:attrName>
-                                        </p:attrNameLst>
-                                      </p:cBhvr>
-                                      <p:to>
-                                        <p:strVal val="visible"/>
-                                      </p:to>
-                                    </p:set>
-                                  </p:childTnLst>
-                                </p:cTn>
-                              </p:par>
-                            </p:childTnLst>
-                          </p:cTn>
-                        </p:par>
-                      </p:childTnLst>
-                    </p:cTn>
-                  </p:par>
-                  <p:par>
-                    <p:cTn id="19" fill="hold">
-                      <p:stCondLst>
-                        <p:cond delay="indefinite"/>
-                      </p:stCondLst>
-                      <p:childTnLst>
-                        <p:par>
-                          <p:cTn id="20" fill="hold">
-                            <p:stCondLst>
-                              <p:cond delay="0"/>
-                            </p:stCondLst>
-                            <p:childTnLst>
-                              <p:par>
-                                <p:cTn id="21" presetID="1" presetClass="exit" presetSubtype="0" fill="hold" grpId="1" nodeType="clickEffect">
-                                  <p:stCondLst>
-                                    <p:cond delay="0"/>
-                                  </p:stCondLst>
-                                  <p:childTnLst>
-                                    <p:set>
-                                      <p:cBhvr>
-                                        <p:cTn id="22" dur="1" fill="hold">
-                                          <p:stCondLst>
-                                            <p:cond delay="0"/>
-                                          </p:stCondLst>
-                                        </p:cTn>
-                                        <p:tgtEl>
-                                          <p:spTgt spid="17"/>
-                                        </p:tgtEl>
-                                        <p:attrNameLst>
-                                          <p:attrName>style.visibility</p:attrName>
-                                        </p:attrNameLst>
-                                      </p:cBhvr>
-                                      <p:to>
-                                        <p:strVal val="hidden"/>
-                                      </p:to>
-                                    </p:set>
-                                  </p:childTnLst>
-                                </p:cTn>
-                              </p:par>
-                              <p:par>
-                                <p:cTn id="23" presetID="1" presetClass="entr" presetSubtype="0" fill="hold" grpId="0" nodeType="withEffect">
-                                  <p:stCondLst>
-                                    <p:cond delay="0"/>
-                                  </p:stCondLst>
-                                  <p:childTnLst>
-                                    <p:set>
-                                      <p:cBhvr>
-                                        <p:cTn id="24" dur="1" fill="hold">
-                                          <p:stCondLst>
-                                            <p:cond delay="0"/>
-                                          </p:stCondLst>
-                                        </p:cTn>
-                                        <p:tgtEl>
-                                          <p:spTgt spid="18"/>
-                                        </p:tgtEl>
-                                        <p:attrNameLst>
-                                          <p:attrName>style.visibility</p:attrName>
-                                        </p:attrNameLst>
-                                      </p:cBhvr>
-                                      <p:to>
-                                        <p:strVal val="visible"/>
-                                      </p:to>
-                                    </p:set>
-                                  </p:childTnLst>
-                                </p:cTn>
-                              </p:par>
-                            </p:childTnLst>
-                          </p:cTn>
-                        </p:par>
-                      </p:childTnLst>
-                    </p:cTn>
-                  </p:par>
-                  <p:par>
-                    <p:cTn id="25" fill="hold">
-                      <p:stCondLst>
-                        <p:cond delay="indefinite"/>
-                      </p:stCondLst>
-                      <p:childTnLst>
-                        <p:par>
-                          <p:cTn id="26" fill="hold">
-                            <p:stCondLst>
-                              <p:cond delay="0"/>
-                            </p:stCondLst>
-                            <p:childTnLst>
-                              <p:par>
-                                <p:cTn id="27" presetID="1" presetClass="entr" presetSubtype="0" fill="hold" grpId="0" nodeType="clickEffect">
-                                  <p:stCondLst>
-                                    <p:cond delay="0"/>
-                                  </p:stCondLst>
-                                  <p:childTnLst>
-                                    <p:set>
-                                      <p:cBhvr>
-                                        <p:cTn id="28" dur="1" fill="hold">
-                                          <p:stCondLst>
-                                            <p:cond delay="0"/>
-                                          </p:stCondLst>
-                                        </p:cTn>
-                                        <p:tgtEl>
-                                          <p:spTgt spid="9"/>
-                                        </p:tgtEl>
-                                        <p:attrNameLst>
-                                          <p:attrName>style.visibility</p:attrName>
-                                        </p:attrNameLst>
-                                      </p:cBhvr>
-                                      <p:to>
-                                        <p:strVal val="visible"/>
-                                      </p:to>
-                                    </p:set>
-                                  </p:childTnLst>
-                                </p:cTn>
-                              </p:par>
-                            </p:childTnLst>
-                          </p:cTn>
-                        </p:par>
-                      </p:childTnLst>
-                    </p:cTn>
-                  </p:par>
-                  <p:par>
-                    <p:cTn id="29" fill="hold">
-                      <p:stCondLst>
-                        <p:cond delay="indefinite"/>
-                      </p:stCondLst>
-                      <p:childTnLst>
-                        <p:par>
-                          <p:cTn id="30" fill="hold">
-                            <p:stCondLst>
-                              <p:cond delay="0"/>
-                            </p:stCondLst>
-                            <p:childTnLst>
-                              <p:par>
-                                <p:cTn id="31" presetID="1" presetClass="entr" presetSubtype="0" fill="hold" grpId="0" nodeType="clickEffect">
-                                  <p:stCondLst>
-                                    <p:cond delay="0"/>
-                                  </p:stCondLst>
-                                  <p:childTnLst>
-                                    <p:set>
-                                      <p:cBhvr>
-                                        <p:cTn id="32" dur="1" fill="hold">
-                                          <p:stCondLst>
-                                            <p:cond delay="0"/>
-                                          </p:stCondLst>
-                                        </p:cTn>
-                                        <p:tgtEl>
-                                          <p:spTgt spid="7"/>
-                                        </p:tgtEl>
-                                        <p:attrNameLst>
-                                          <p:attrName>style.visibility</p:attrName>
-                                        </p:attrNameLst>
-                                      </p:cBhvr>
-                                      <p:to>
-                                        <p:strVal val="visible"/>
-                                      </p:to>
-                                    </p:set>
-                                  </p:childTnLst>
-                                </p:cTn>
-                              </p:par>
-                            </p:childTnLst>
-                          </p:cTn>
-                        </p:par>
-                      </p:childTnLst>
-                    </p:cTn>
-                  </p:par>
-                </p:childTnLst>
-              </p:cTn>
-              <p:prevCondLst>
-                <p:cond evt="onPrev" delay="0">
-                  <p:tgtEl>
-                    <p:sldTgt/>
-                  </p:tgtEl>
-                </p:cond>
-              </p:prevCondLst>
-              <p:nextCondLst>
-                <p:cond evt="onNext" delay="0">
-                  <p:tgtEl>
-                    <p:sldTgt/>
-                  </p:tgtEl>
-                </p:cond>
-              </p:nextCondLst>
-            </p:seq>
-          </p:childTnLst>
-        </p:cTn>
-      </p:par>
-    </p:tnLst>
-    <p:bldLst>
-      <p:bldP spid="6" grpId="0" animBg="1"/>
-      <p:bldP spid="6" grpId="1" animBg="1"/>
-      <p:bldP spid="7" grpId="0" animBg="1"/>
-      <p:bldP spid="9" grpId="0" animBg="1"/>
-      <p:bldP spid="16" grpId="0" animBg="1"/>
-      <p:bldP spid="16" grpId="1" animBg="1"/>
-      <p:bldP spid="17" grpId="0" animBg="1"/>
-      <p:bldP spid="17" grpId="1" animBg="1"/>
-      <p:bldP spid="18" grpId="0" animBg="1"/>
-    </p:bldLst>
-  </p:timing>
-</p:sld>
-</file>
-
-<file path=ppt/slides/slide11.xml><?xml version="1.0" encoding="utf-8"?>
-<p:sld xmlns:a="http://schemas.openxmlformats.org/drawingml/2006/main" xmlns:r="http://schemas.openxmlformats.org/officeDocument/2006/relationships" xmlns:p="http://schemas.openxmlformats.org/presentationml/2006/main">
-  <p:cSld>
-    <p:spTree>
-      <p:nvGrpSpPr>
-        <p:cNvPr id="1" name=""/>
-        <p:cNvGrpSpPr/>
-        <p:nvPr/>
-      </p:nvGrpSpPr>
-      <p:grpSpPr>
-        <a:xfrm>
-          <a:off x="0" y="0"/>
-          <a:ext cx="0" cy="0"/>
-          <a:chOff x="0" y="0"/>
-          <a:chExt cx="0" cy="0"/>
-        </a:xfrm>
-      </p:grpSpPr>
-      <p:sp>
-        <p:nvSpPr>
-          <p:cNvPr id="2" name="Title 1"/>
-          <p:cNvSpPr>
-            <a:spLocks noGrp="1"/>
-          </p:cNvSpPr>
-          <p:nvPr>
-            <p:ph type="title"/>
-          </p:nvPr>
-        </p:nvSpPr>
-        <p:spPr/>
-        <p:txBody>
-          <a:bodyPr/>
-          <a:lstStyle/>
-          <a:p>
-            <a:r>
               <a:rPr lang="en-US" dirty="0"/>
               <a:t>Rayleigh Fit </a:t>
             </a:r>
@@ -4141,7 +3361,7 @@
 </p:sld>
 </file>
 
-<file path=ppt/slides/slide12.xml><?xml version="1.0" encoding="utf-8"?>
+<file path=ppt/slides/slide11.xml><?xml version="1.0" encoding="utf-8"?>
 <p:sld xmlns:a="http://schemas.openxmlformats.org/drawingml/2006/main" xmlns:r="http://schemas.openxmlformats.org/officeDocument/2006/relationships" xmlns:p="http://schemas.openxmlformats.org/presentationml/2006/main">
   <p:cSld>
     <p:spTree>
@@ -4549,7 +3769,7 @@
 </p:sld>
 </file>
 
-<file path=ppt/slides/slide13.xml><?xml version="1.0" encoding="utf-8"?>
+<file path=ppt/slides/slide12.xml><?xml version="1.0" encoding="utf-8"?>
 <p:sld xmlns:a="http://schemas.openxmlformats.org/drawingml/2006/main" xmlns:r="http://schemas.openxmlformats.org/officeDocument/2006/relationships" xmlns:p="http://schemas.openxmlformats.org/presentationml/2006/main">
   <p:cSld>
     <p:spTree>
@@ -5524,7 +4744,7 @@
 </p:sld>
 </file>
 
-<file path=ppt/slides/slide14.xml><?xml version="1.0" encoding="utf-8"?>
+<file path=ppt/slides/slide13.xml><?xml version="1.0" encoding="utf-8"?>
 <p:sld xmlns:a="http://schemas.openxmlformats.org/drawingml/2006/main" xmlns:r="http://schemas.openxmlformats.org/officeDocument/2006/relationships" xmlns:p="http://schemas.openxmlformats.org/presentationml/2006/main">
   <p:cSld>
     <p:spTree>
@@ -5591,7 +4811,7 @@
         </p:nvSpPr>
         <p:spPr>
           <a:xfrm>
-            <a:off x="1837944" y="1097280"/>
+            <a:off x="1837944" y="931116"/>
             <a:ext cx="7104888" cy="369332"/>
           </a:xfrm>
           <a:prstGeom prst="rect">
@@ -6025,6 +5245,656 @@
     <p:extLst>
       <p:ext uri="{BB962C8B-B14F-4D97-AF65-F5344CB8AC3E}">
         <p14:creationId xmlns:p14="http://schemas.microsoft.com/office/powerpoint/2010/main" val="313342365"/>
+      </p:ext>
+    </p:extLst>
+  </p:cSld>
+  <p:clrMapOvr>
+    <a:masterClrMapping/>
+  </p:clrMapOvr>
+  <p:timing>
+    <p:tnLst>
+      <p:par>
+        <p:cTn id="1" dur="indefinite" restart="never" nodeType="tmRoot"/>
+      </p:par>
+    </p:tnLst>
+  </p:timing>
+</p:sld>
+</file>
+
+<file path=ppt/slides/slide14.xml><?xml version="1.0" encoding="utf-8"?>
+<p:sld xmlns:a="http://schemas.openxmlformats.org/drawingml/2006/main" xmlns:r="http://schemas.openxmlformats.org/officeDocument/2006/relationships" xmlns:p="http://schemas.openxmlformats.org/presentationml/2006/main">
+  <p:cSld>
+    <p:spTree>
+      <p:nvGrpSpPr>
+        <p:cNvPr id="1" name=""/>
+        <p:cNvGrpSpPr/>
+        <p:nvPr/>
+      </p:nvGrpSpPr>
+      <p:grpSpPr>
+        <a:xfrm>
+          <a:off x="0" y="0"/>
+          <a:ext cx="0" cy="0"/>
+          <a:chOff x="0" y="0"/>
+          <a:chExt cx="0" cy="0"/>
+        </a:xfrm>
+      </p:grpSpPr>
+      <p:sp>
+        <p:nvSpPr>
+          <p:cNvPr id="2" name="Title 1"/>
+          <p:cNvSpPr>
+            <a:spLocks noGrp="1"/>
+          </p:cNvSpPr>
+          <p:nvPr>
+            <p:ph type="title"/>
+          </p:nvPr>
+        </p:nvSpPr>
+        <p:spPr/>
+        <p:txBody>
+          <a:bodyPr/>
+          <a:lstStyle/>
+          <a:p>
+            <a:r>
+              <a:rPr lang="en-US" sz="4800" dirty="0" smtClean="0"/>
+              <a:t>Installation and setup</a:t>
+            </a:r>
+            <a:endParaRPr lang="en-US" sz="4800" dirty="0"/>
+          </a:p>
+        </p:txBody>
+      </p:sp>
+      <p:sp>
+        <p:nvSpPr>
+          <p:cNvPr id="3" name="Text Placeholder 2"/>
+          <p:cNvSpPr>
+            <a:spLocks noGrp="1"/>
+          </p:cNvSpPr>
+          <p:nvPr>
+            <p:ph type="body" sz="quarter" idx="18"/>
+          </p:nvPr>
+        </p:nvSpPr>
+        <p:spPr/>
+        <p:txBody>
+          <a:bodyPr/>
+          <a:lstStyle/>
+          <a:p>
+            <a:r>
+              <a:rPr lang="en-US" dirty="0" smtClean="0"/>
+              <a:t>The procedure is valid for (</a:t>
+            </a:r>
+            <a:r>
+              <a:rPr lang="en-US" dirty="0" err="1" smtClean="0"/>
+              <a:t>pollyxt_noa</a:t>
+            </a:r>
+            <a:r>
+              <a:rPr lang="en-US" dirty="0" smtClean="0"/>
+              <a:t>, </a:t>
+            </a:r>
+            <a:r>
+              <a:rPr lang="en-US" dirty="0" err="1" smtClean="0"/>
+              <a:t>pollyxt_fmi</a:t>
+            </a:r>
+            <a:r>
+              <a:rPr lang="en-US" dirty="0" smtClean="0"/>
+              <a:t>, </a:t>
+            </a:r>
+            <a:r>
+              <a:rPr lang="en-US" dirty="0" err="1" smtClean="0"/>
+              <a:t>pollyxt_uw</a:t>
+            </a:r>
+            <a:r>
+              <a:rPr lang="en-US" dirty="0" smtClean="0"/>
+              <a:t>, </a:t>
+            </a:r>
+            <a:r>
+              <a:rPr lang="en-US" dirty="0" err="1" smtClean="0"/>
+              <a:t>pollyxt_tjk</a:t>
+            </a:r>
+            <a:r>
+              <a:rPr lang="en-US" dirty="0" smtClean="0"/>
+              <a:t>, </a:t>
+            </a:r>
+            <a:r>
+              <a:rPr lang="en-US" dirty="0" err="1" smtClean="0"/>
+              <a:t>pollyxt_lacros</a:t>
+            </a:r>
+            <a:r>
+              <a:rPr lang="en-US" dirty="0" smtClean="0"/>
+              <a:t>, </a:t>
+            </a:r>
+            <a:r>
+              <a:rPr lang="en-US" dirty="0" err="1" smtClean="0"/>
+              <a:t>pollyxt_tropos</a:t>
+            </a:r>
+            <a:r>
+              <a:rPr lang="en-US" dirty="0" smtClean="0"/>
+              <a:t>, Arielle, polly_1v2)</a:t>
+            </a:r>
+            <a:endParaRPr lang="en-US" dirty="0"/>
+          </a:p>
+        </p:txBody>
+      </p:sp>
+      <p:sp>
+        <p:nvSpPr>
+          <p:cNvPr id="4" name="TextBox 3"/>
+          <p:cNvSpPr txBox="1"/>
+          <p:nvPr/>
+        </p:nvSpPr>
+        <p:spPr>
+          <a:xfrm>
+            <a:off x="714314" y="828943"/>
+            <a:ext cx="10196051" cy="1200329"/>
+          </a:xfrm>
+          <a:prstGeom prst="rect">
+            <a:avLst/>
+          </a:prstGeom>
+        </p:spPr>
+        <p:style>
+          <a:lnRef idx="2">
+            <a:schemeClr val="dk1"/>
+          </a:lnRef>
+          <a:fillRef idx="1">
+            <a:schemeClr val="lt1"/>
+          </a:fillRef>
+          <a:effectRef idx="0">
+            <a:schemeClr val="dk1"/>
+          </a:effectRef>
+          <a:fontRef idx="minor">
+            <a:schemeClr val="dk1"/>
+          </a:fontRef>
+        </p:style>
+        <p:txBody>
+          <a:bodyPr wrap="square" rtlCol="0">
+            <a:spAutoFit/>
+          </a:bodyPr>
+          <a:lstStyle/>
+          <a:p>
+            <a:pPr marL="342900" indent="-342900">
+              <a:buAutoNum type="arabicPeriod"/>
+            </a:pPr>
+            <a:r>
+              <a:rPr lang="en-US" dirty="0" smtClean="0"/>
+              <a:t>Check the ‘pollynet_places_history.txt’ file to ensure the existence of your campaign info</a:t>
+            </a:r>
+          </a:p>
+          <a:p>
+            <a:pPr marL="342900" indent="-342900">
+              <a:buAutoNum type="arabicPeriod"/>
+            </a:pPr>
+            <a:r>
+              <a:rPr lang="en-US" dirty="0" smtClean="0"/>
+              <a:t>Setup a </a:t>
+            </a:r>
+            <a:r>
+              <a:rPr lang="en-US" dirty="0" err="1" smtClean="0"/>
+              <a:t>polly</a:t>
+            </a:r>
+            <a:r>
+              <a:rPr lang="en-US" dirty="0" smtClean="0"/>
+              <a:t> </a:t>
+            </a:r>
+            <a:r>
+              <a:rPr lang="en-US" dirty="0" err="1" smtClean="0"/>
+              <a:t>config</a:t>
+            </a:r>
+            <a:r>
+              <a:rPr lang="en-US" dirty="0" smtClean="0"/>
+              <a:t> file under ‘../</a:t>
+            </a:r>
+            <a:r>
+              <a:rPr lang="en-US" dirty="0" err="1" smtClean="0"/>
+              <a:t>config</a:t>
+            </a:r>
+            <a:r>
+              <a:rPr lang="en-US" dirty="0" smtClean="0"/>
+              <a:t>’. </a:t>
+            </a:r>
+          </a:p>
+          <a:p>
+            <a:pPr marL="342900" indent="-342900">
+              <a:buFont typeface="+mj-lt"/>
+              <a:buAutoNum type="arabicPeriod"/>
+            </a:pPr>
+            <a:r>
+              <a:rPr lang="en-US" dirty="0" smtClean="0"/>
+              <a:t>Add a new entry for this campaign to link the processing modules with the corresponding </a:t>
+            </a:r>
+            <a:r>
+              <a:rPr lang="en-US" dirty="0" err="1" smtClean="0"/>
+              <a:t>config</a:t>
+            </a:r>
+            <a:r>
+              <a:rPr lang="en-US" dirty="0" smtClean="0"/>
+              <a:t> file</a:t>
+            </a:r>
+          </a:p>
+          <a:p>
+            <a:pPr marL="342900" indent="-342900">
+              <a:buFont typeface="+mj-lt"/>
+              <a:buAutoNum type="arabicPeriod"/>
+            </a:pPr>
+            <a:r>
+              <a:rPr lang="en-US" dirty="0" smtClean="0"/>
+              <a:t>Run the ‘</a:t>
+            </a:r>
+            <a:r>
+              <a:rPr lang="en-US" dirty="0" err="1" smtClean="0"/>
+              <a:t>pollynet_process_day</a:t>
+            </a:r>
+            <a:r>
+              <a:rPr lang="en-US" dirty="0" smtClean="0"/>
+              <a:t>’</a:t>
+            </a:r>
+          </a:p>
+        </p:txBody>
+      </p:sp>
+      <p:grpSp>
+        <p:nvGrpSpPr>
+          <p:cNvPr id="14" name="Group 13"/>
+          <p:cNvGrpSpPr/>
+          <p:nvPr/>
+        </p:nvGrpSpPr>
+        <p:grpSpPr>
+          <a:xfrm>
+            <a:off x="1095609" y="2159917"/>
+            <a:ext cx="10073148" cy="3508125"/>
+            <a:chOff x="1095609" y="2159917"/>
+            <a:chExt cx="10073148" cy="3508125"/>
+          </a:xfrm>
+        </p:grpSpPr>
+        <p:sp>
+          <p:nvSpPr>
+            <p:cNvPr id="5" name="Rectangle 4"/>
+            <p:cNvSpPr/>
+            <p:nvPr/>
+          </p:nvSpPr>
+          <p:spPr>
+            <a:xfrm>
+              <a:off x="1336499" y="2857431"/>
+              <a:ext cx="2202426" cy="521110"/>
+            </a:xfrm>
+            <a:prstGeom prst="rect">
+              <a:avLst/>
+            </a:prstGeom>
+          </p:spPr>
+          <p:style>
+            <a:lnRef idx="1">
+              <a:schemeClr val="accent1"/>
+            </a:lnRef>
+            <a:fillRef idx="3">
+              <a:schemeClr val="accent1"/>
+            </a:fillRef>
+            <a:effectRef idx="2">
+              <a:schemeClr val="accent1"/>
+            </a:effectRef>
+            <a:fontRef idx="minor">
+              <a:schemeClr val="lt1"/>
+            </a:fontRef>
+          </p:style>
+          <p:txBody>
+            <a:bodyPr rtlCol="0" anchor="ctr"/>
+            <a:lstStyle/>
+            <a:p>
+              <a:pPr algn="ctr"/>
+              <a:r>
+                <a:rPr lang="en-US" dirty="0" smtClean="0"/>
+                <a:t>Task from </a:t>
+              </a:r>
+              <a:r>
+                <a:rPr lang="en-US" dirty="0" err="1" smtClean="0"/>
+                <a:t>todolist</a:t>
+              </a:r>
+              <a:r>
+                <a:rPr lang="en-US" dirty="0" smtClean="0"/>
+                <a:t> file</a:t>
+              </a:r>
+              <a:endParaRPr lang="en-US" dirty="0"/>
+            </a:p>
+          </p:txBody>
+        </p:sp>
+        <p:sp>
+          <p:nvSpPr>
+            <p:cNvPr id="6" name="TextBox 5"/>
+            <p:cNvSpPr txBox="1"/>
+            <p:nvPr/>
+          </p:nvSpPr>
+          <p:spPr>
+            <a:xfrm>
+              <a:off x="1095609" y="3416081"/>
+              <a:ext cx="2684206" cy="369332"/>
+            </a:xfrm>
+            <a:prstGeom prst="rect">
+              <a:avLst/>
+            </a:prstGeom>
+            <a:noFill/>
+          </p:spPr>
+          <p:txBody>
+            <a:bodyPr wrap="square" rtlCol="0">
+              <a:spAutoFit/>
+            </a:bodyPr>
+            <a:lstStyle/>
+            <a:p>
+              <a:r>
+                <a:rPr lang="en-US" dirty="0" smtClean="0"/>
+                <a:t>Each line represents a task</a:t>
+              </a:r>
+              <a:endParaRPr lang="en-US" dirty="0"/>
+            </a:p>
+          </p:txBody>
+        </p:sp>
+        <p:sp>
+          <p:nvSpPr>
+            <p:cNvPr id="7" name="Rectangle 6"/>
+            <p:cNvSpPr/>
+            <p:nvPr/>
+          </p:nvSpPr>
+          <p:spPr>
+            <a:xfrm>
+              <a:off x="3991208" y="2159917"/>
+              <a:ext cx="3185652" cy="1061884"/>
+            </a:xfrm>
+            <a:prstGeom prst="rect">
+              <a:avLst/>
+            </a:prstGeom>
+          </p:spPr>
+          <p:style>
+            <a:lnRef idx="1">
+              <a:schemeClr val="accent1"/>
+            </a:lnRef>
+            <a:fillRef idx="3">
+              <a:schemeClr val="accent1"/>
+            </a:fillRef>
+            <a:effectRef idx="2">
+              <a:schemeClr val="accent1"/>
+            </a:effectRef>
+            <a:fontRef idx="minor">
+              <a:schemeClr val="lt1"/>
+            </a:fontRef>
+          </p:style>
+          <p:txBody>
+            <a:bodyPr rtlCol="0" anchor="ctr"/>
+            <a:lstStyle/>
+            <a:p>
+              <a:pPr algn="ctr"/>
+              <a:r>
+                <a:rPr lang="en-US" dirty="0" smtClean="0"/>
+                <a:t>Pollynet_places_history.txt</a:t>
+              </a:r>
+              <a:endParaRPr lang="en-US" dirty="0"/>
+            </a:p>
+          </p:txBody>
+        </p:sp>
+        <p:sp>
+          <p:nvSpPr>
+            <p:cNvPr id="8" name="TextBox 7"/>
+            <p:cNvSpPr txBox="1"/>
+            <p:nvPr/>
+          </p:nvSpPr>
+          <p:spPr>
+            <a:xfrm>
+              <a:off x="7176860" y="2342076"/>
+              <a:ext cx="2418735" cy="646331"/>
+            </a:xfrm>
+            <a:prstGeom prst="rect">
+              <a:avLst/>
+            </a:prstGeom>
+            <a:noFill/>
+          </p:spPr>
+          <p:txBody>
+            <a:bodyPr wrap="square" rtlCol="0">
+              <a:spAutoFit/>
+            </a:bodyPr>
+            <a:lstStyle/>
+            <a:p>
+              <a:r>
+                <a:rPr lang="en-US" dirty="0" smtClean="0"/>
+                <a:t>Search the campaign info: </a:t>
+              </a:r>
+              <a:r>
+                <a:rPr lang="en-US" dirty="0" err="1" smtClean="0"/>
+                <a:t>lat</a:t>
+              </a:r>
+              <a:r>
+                <a:rPr lang="en-US" dirty="0" smtClean="0"/>
+                <a:t>, </a:t>
+              </a:r>
+              <a:r>
+                <a:rPr lang="en-US" dirty="0" err="1" smtClean="0"/>
+                <a:t>lon</a:t>
+              </a:r>
+              <a:r>
+                <a:rPr lang="en-US" dirty="0" smtClean="0"/>
+                <a:t>, label</a:t>
+              </a:r>
+              <a:endParaRPr lang="en-US" dirty="0"/>
+            </a:p>
+          </p:txBody>
+        </p:sp>
+        <p:sp>
+          <p:nvSpPr>
+            <p:cNvPr id="9" name="Rectangle 8"/>
+            <p:cNvSpPr/>
+            <p:nvPr/>
+          </p:nvSpPr>
+          <p:spPr>
+            <a:xfrm>
+              <a:off x="3991208" y="3378541"/>
+              <a:ext cx="3106993" cy="801329"/>
+            </a:xfrm>
+            <a:prstGeom prst="rect">
+              <a:avLst/>
+            </a:prstGeom>
+          </p:spPr>
+          <p:style>
+            <a:lnRef idx="1">
+              <a:schemeClr val="accent1"/>
+            </a:lnRef>
+            <a:fillRef idx="3">
+              <a:schemeClr val="accent1"/>
+            </a:fillRef>
+            <a:effectRef idx="2">
+              <a:schemeClr val="accent1"/>
+            </a:effectRef>
+            <a:fontRef idx="minor">
+              <a:schemeClr val="lt1"/>
+            </a:fontRef>
+          </p:style>
+          <p:txBody>
+            <a:bodyPr rtlCol="0" anchor="ctr"/>
+            <a:lstStyle/>
+            <a:p>
+              <a:pPr algn="ctr"/>
+              <a:r>
+                <a:rPr lang="en-US" dirty="0" smtClean="0"/>
+                <a:t>Pollynet_processing_config_history.txt</a:t>
+              </a:r>
+              <a:endParaRPr lang="en-US" dirty="0"/>
+            </a:p>
+          </p:txBody>
+        </p:sp>
+        <p:sp>
+          <p:nvSpPr>
+            <p:cNvPr id="10" name="TextBox 9"/>
+            <p:cNvSpPr txBox="1"/>
+            <p:nvPr/>
+          </p:nvSpPr>
+          <p:spPr>
+            <a:xfrm>
+              <a:off x="7176860" y="3317540"/>
+              <a:ext cx="3991897" cy="923330"/>
+            </a:xfrm>
+            <a:prstGeom prst="rect">
+              <a:avLst/>
+            </a:prstGeom>
+            <a:noFill/>
+          </p:spPr>
+          <p:txBody>
+            <a:bodyPr wrap="square" rtlCol="0">
+              <a:spAutoFit/>
+            </a:bodyPr>
+            <a:lstStyle/>
+            <a:p>
+              <a:r>
+                <a:rPr lang="en-US" dirty="0" smtClean="0"/>
+                <a:t>Search the processing module and </a:t>
+              </a:r>
+              <a:r>
+                <a:rPr lang="en-US" dirty="0" err="1" smtClean="0"/>
+                <a:t>config</a:t>
+              </a:r>
+              <a:r>
+                <a:rPr lang="en-US" dirty="0" smtClean="0"/>
+                <a:t> file. (Each </a:t>
+              </a:r>
+              <a:r>
+                <a:rPr lang="en-US" dirty="0" err="1" smtClean="0"/>
+                <a:t>polly</a:t>
+              </a:r>
+              <a:r>
+                <a:rPr lang="en-US" dirty="0" smtClean="0"/>
+                <a:t> has its own processing module)</a:t>
+              </a:r>
+              <a:endParaRPr lang="en-US" dirty="0"/>
+            </a:p>
+          </p:txBody>
+        </p:sp>
+        <p:sp>
+          <p:nvSpPr>
+            <p:cNvPr id="11" name="Left Brace 10"/>
+            <p:cNvSpPr/>
+            <p:nvPr/>
+          </p:nvSpPr>
+          <p:spPr>
+            <a:xfrm>
+              <a:off x="3706073" y="2483137"/>
+              <a:ext cx="73742" cy="1480735"/>
+            </a:xfrm>
+            <a:prstGeom prst="leftBrace">
+              <a:avLst/>
+            </a:prstGeom>
+          </p:spPr>
+          <p:style>
+            <a:lnRef idx="2">
+              <a:schemeClr val="accent1"/>
+            </a:lnRef>
+            <a:fillRef idx="0">
+              <a:schemeClr val="accent1"/>
+            </a:fillRef>
+            <a:effectRef idx="1">
+              <a:schemeClr val="accent1"/>
+            </a:effectRef>
+            <a:fontRef idx="minor">
+              <a:schemeClr val="tx1"/>
+            </a:fontRef>
+          </p:style>
+          <p:txBody>
+            <a:bodyPr rtlCol="0" anchor="ctr"/>
+            <a:lstStyle/>
+            <a:p>
+              <a:pPr algn="ctr"/>
+              <a:endParaRPr lang="en-US"/>
+            </a:p>
+          </p:txBody>
+        </p:sp>
+        <p:sp>
+          <p:nvSpPr>
+            <p:cNvPr id="12" name="Rectangle 11"/>
+            <p:cNvSpPr/>
+            <p:nvPr/>
+          </p:nvSpPr>
+          <p:spPr>
+            <a:xfrm>
+              <a:off x="3352111" y="4733978"/>
+              <a:ext cx="4965291" cy="934064"/>
+            </a:xfrm>
+            <a:prstGeom prst="rect">
+              <a:avLst/>
+            </a:prstGeom>
+          </p:spPr>
+          <p:style>
+            <a:lnRef idx="1">
+              <a:schemeClr val="accent1"/>
+            </a:lnRef>
+            <a:fillRef idx="3">
+              <a:schemeClr val="accent1"/>
+            </a:fillRef>
+            <a:effectRef idx="2">
+              <a:schemeClr val="accent1"/>
+            </a:effectRef>
+            <a:fontRef idx="minor">
+              <a:schemeClr val="lt1"/>
+            </a:fontRef>
+          </p:style>
+          <p:txBody>
+            <a:bodyPr rtlCol="0" anchor="ctr"/>
+            <a:lstStyle/>
+            <a:p>
+              <a:pPr algn="ctr"/>
+              <a:r>
+                <a:rPr lang="en-US" dirty="0" smtClean="0"/>
+                <a:t>Load the </a:t>
+              </a:r>
+              <a:r>
+                <a:rPr lang="en-US" dirty="0" err="1" smtClean="0"/>
+                <a:t>polly</a:t>
+              </a:r>
+              <a:r>
+                <a:rPr lang="en-US" dirty="0" smtClean="0"/>
+                <a:t> </a:t>
+              </a:r>
+              <a:r>
+                <a:rPr lang="en-US" dirty="0" err="1" smtClean="0"/>
+                <a:t>config</a:t>
+              </a:r>
+              <a:r>
+                <a:rPr lang="en-US" dirty="0" smtClean="0"/>
+                <a:t> according the ‘Pollynet_processing_config_history.txt’ and activate the processing module</a:t>
+              </a:r>
+              <a:endParaRPr lang="en-US" dirty="0"/>
+            </a:p>
+          </p:txBody>
+        </p:sp>
+        <p:sp>
+          <p:nvSpPr>
+            <p:cNvPr id="13" name="Down Arrow 12"/>
+            <p:cNvSpPr/>
+            <p:nvPr/>
+          </p:nvSpPr>
+          <p:spPr>
+            <a:xfrm>
+              <a:off x="5259570" y="4293005"/>
+              <a:ext cx="324464" cy="340455"/>
+            </a:xfrm>
+            <a:prstGeom prst="downArrow">
+              <a:avLst/>
+            </a:prstGeom>
+          </p:spPr>
+          <p:style>
+            <a:lnRef idx="1">
+              <a:schemeClr val="accent1"/>
+            </a:lnRef>
+            <a:fillRef idx="3">
+              <a:schemeClr val="accent1"/>
+            </a:fillRef>
+            <a:effectRef idx="2">
+              <a:schemeClr val="accent1"/>
+            </a:effectRef>
+            <a:fontRef idx="minor">
+              <a:schemeClr val="lt1"/>
+            </a:fontRef>
+          </p:style>
+          <p:txBody>
+            <a:bodyPr rtlCol="0" anchor="ctr"/>
+            <a:lstStyle/>
+            <a:p>
+              <a:pPr algn="ctr"/>
+              <a:endParaRPr lang="en-US"/>
+            </a:p>
+          </p:txBody>
+        </p:sp>
+      </p:grpSp>
+    </p:spTree>
+    <p:extLst>
+      <p:ext uri="{BB962C8B-B14F-4D97-AF65-F5344CB8AC3E}">
+        <p14:creationId xmlns:p14="http://schemas.microsoft.com/office/powerpoint/2010/main" val="1606297636"/>
       </p:ext>
     </p:extLst>
   </p:cSld>
@@ -7397,7 +7267,7 @@
           <a:p>
             <a:r>
               <a:rPr lang="en-US" dirty="0" smtClean="0"/>
-              <a:t>Workflow</a:t>
+              <a:t>PollyNET Workflow</a:t>
             </a:r>
             <a:endParaRPr lang="en-US" dirty="0"/>
           </a:p>
@@ -7905,30 +7775,6 @@
           </a:p>
         </p:txBody>
       </p:sp>
-      <p:pic>
-        <p:nvPicPr>
-          <p:cNvPr id="4" name="Picture 3"/>
-          <p:cNvPicPr>
-            <a:picLocks noChangeAspect="1"/>
-          </p:cNvPicPr>
-          <p:nvPr/>
-        </p:nvPicPr>
-        <p:blipFill>
-          <a:blip r:embed="rId2"/>
-          <a:stretch>
-            <a:fillRect/>
-          </a:stretch>
-        </p:blipFill>
-        <p:spPr>
-          <a:xfrm>
-            <a:off x="2318033" y="1097280"/>
-            <a:ext cx="2653119" cy="5486400"/>
-          </a:xfrm>
-          <a:prstGeom prst="rect">
-            <a:avLst/>
-          </a:prstGeom>
-        </p:spPr>
-      </p:pic>
       <p:sp>
         <p:nvSpPr>
           <p:cNvPr id="7" name="TextBox 6"/>
@@ -7937,7 +7783,7 @@
         </p:nvSpPr>
         <p:spPr>
           <a:xfrm>
-            <a:off x="5678904" y="2325346"/>
+            <a:off x="6981473" y="2197330"/>
             <a:ext cx="4576813" cy="2769989"/>
           </a:xfrm>
           <a:prstGeom prst="rect">
@@ -8022,254 +7868,6 @@
           </a:p>
         </p:txBody>
       </p:sp>
-    </p:spTree>
-    <p:extLst>
-      <p:ext uri="{BB962C8B-B14F-4D97-AF65-F5344CB8AC3E}">
-        <p14:creationId xmlns:p14="http://schemas.microsoft.com/office/powerpoint/2010/main" val="2133462651"/>
-      </p:ext>
-    </p:extLst>
-  </p:cSld>
-  <p:clrMapOvr>
-    <a:masterClrMapping/>
-  </p:clrMapOvr>
-</p:sld>
-</file>
-
-<file path=ppt/slides/slide6.xml><?xml version="1.0" encoding="utf-8"?>
-<p:sld xmlns:a="http://schemas.openxmlformats.org/drawingml/2006/main" xmlns:r="http://schemas.openxmlformats.org/officeDocument/2006/relationships" xmlns:p="http://schemas.openxmlformats.org/presentationml/2006/main">
-  <p:cSld>
-    <p:spTree>
-      <p:nvGrpSpPr>
-        <p:cNvPr id="1" name=""/>
-        <p:cNvGrpSpPr/>
-        <p:nvPr/>
-      </p:nvGrpSpPr>
-      <p:grpSpPr>
-        <a:xfrm>
-          <a:off x="0" y="0"/>
-          <a:ext cx="0" cy="0"/>
-          <a:chOff x="0" y="0"/>
-          <a:chExt cx="0" cy="0"/>
-        </a:xfrm>
-      </p:grpSpPr>
-      <p:sp>
-        <p:nvSpPr>
-          <p:cNvPr id="2" name="Title 1"/>
-          <p:cNvSpPr>
-            <a:spLocks noGrp="1"/>
-          </p:cNvSpPr>
-          <p:nvPr>
-            <p:ph type="title"/>
-          </p:nvPr>
-        </p:nvSpPr>
-        <p:spPr/>
-        <p:txBody>
-          <a:bodyPr/>
-          <a:lstStyle/>
-          <a:p>
-            <a:r>
-              <a:rPr lang="en-US" dirty="0" smtClean="0"/>
-              <a:t>Workflow</a:t>
-            </a:r>
-            <a:endParaRPr lang="en-US" dirty="0"/>
-          </a:p>
-        </p:txBody>
-      </p:sp>
-      <p:sp>
-        <p:nvSpPr>
-          <p:cNvPr id="3" name="Text Placeholder 2"/>
-          <p:cNvSpPr>
-            <a:spLocks noGrp="1"/>
-          </p:cNvSpPr>
-          <p:nvPr>
-            <p:ph type="body" sz="quarter" idx="18"/>
-          </p:nvPr>
-        </p:nvSpPr>
-        <p:spPr/>
-        <p:txBody>
-          <a:bodyPr/>
-          <a:lstStyle/>
-          <a:p>
-            <a:r>
-              <a:rPr lang="en-US" dirty="0" smtClean="0"/>
-              <a:t>The procedure is valid for (</a:t>
-            </a:r>
-            <a:r>
-              <a:rPr lang="en-US" dirty="0" err="1" smtClean="0"/>
-              <a:t>pollyxt_noa</a:t>
-            </a:r>
-            <a:r>
-              <a:rPr lang="en-US" dirty="0" smtClean="0"/>
-              <a:t>, </a:t>
-            </a:r>
-            <a:r>
-              <a:rPr lang="en-US" dirty="0" err="1" smtClean="0"/>
-              <a:t>pollyxt_fmi</a:t>
-            </a:r>
-            <a:r>
-              <a:rPr lang="en-US" dirty="0" smtClean="0"/>
-              <a:t>, </a:t>
-            </a:r>
-            <a:r>
-              <a:rPr lang="en-US" dirty="0" err="1" smtClean="0"/>
-              <a:t>pollyxt_uw</a:t>
-            </a:r>
-            <a:r>
-              <a:rPr lang="en-US" dirty="0" smtClean="0"/>
-              <a:t>, </a:t>
-            </a:r>
-            <a:r>
-              <a:rPr lang="en-US" dirty="0" err="1" smtClean="0"/>
-              <a:t>pollyxt_tjk</a:t>
-            </a:r>
-            <a:r>
-              <a:rPr lang="en-US" dirty="0" smtClean="0"/>
-              <a:t>, </a:t>
-            </a:r>
-            <a:r>
-              <a:rPr lang="en-US" dirty="0" err="1" smtClean="0"/>
-              <a:t>pollyxt_lacros</a:t>
-            </a:r>
-            <a:r>
-              <a:rPr lang="en-US" dirty="0" smtClean="0"/>
-              <a:t>, </a:t>
-            </a:r>
-            <a:r>
-              <a:rPr lang="en-US" dirty="0" err="1" smtClean="0"/>
-              <a:t>pollyxt_tropos</a:t>
-            </a:r>
-            <a:r>
-              <a:rPr lang="en-US" dirty="0" smtClean="0"/>
-              <a:t>, Arielle, polly_1v2)</a:t>
-            </a:r>
-            <a:endParaRPr lang="en-US" dirty="0"/>
-          </a:p>
-        </p:txBody>
-      </p:sp>
-      <p:sp>
-        <p:nvSpPr>
-          <p:cNvPr id="4" name="TextBox 3"/>
-          <p:cNvSpPr txBox="1"/>
-          <p:nvPr/>
-        </p:nvSpPr>
-        <p:spPr>
-          <a:xfrm>
-            <a:off x="668594" y="1057762"/>
-            <a:ext cx="10196051" cy="1477328"/>
-          </a:xfrm>
-          <a:prstGeom prst="rect">
-            <a:avLst/>
-          </a:prstGeom>
-        </p:spPr>
-        <p:style>
-          <a:lnRef idx="2">
-            <a:schemeClr val="dk1"/>
-          </a:lnRef>
-          <a:fillRef idx="1">
-            <a:schemeClr val="lt1"/>
-          </a:fillRef>
-          <a:effectRef idx="0">
-            <a:schemeClr val="dk1"/>
-          </a:effectRef>
-          <a:fontRef idx="minor">
-            <a:schemeClr val="dk1"/>
-          </a:fontRef>
-        </p:style>
-        <p:txBody>
-          <a:bodyPr wrap="square" rtlCol="0">
-            <a:spAutoFit/>
-          </a:bodyPr>
-          <a:lstStyle/>
-          <a:p>
-            <a:pPr marL="342900" indent="-342900">
-              <a:buAutoNum type="arabicPeriod"/>
-            </a:pPr>
-            <a:r>
-              <a:rPr lang="en-US" dirty="0" smtClean="0"/>
-              <a:t>Check the ‘pollynet_places_history.txt’ file to ensure the existence of your campaign info</a:t>
-            </a:r>
-          </a:p>
-          <a:p>
-            <a:pPr marL="342900" indent="-342900">
-              <a:buAutoNum type="arabicPeriod"/>
-            </a:pPr>
-            <a:r>
-              <a:rPr lang="en-US" dirty="0" smtClean="0"/>
-              <a:t>Setup a </a:t>
-            </a:r>
-            <a:r>
-              <a:rPr lang="en-US" dirty="0" err="1" smtClean="0"/>
-              <a:t>polly</a:t>
-            </a:r>
-            <a:r>
-              <a:rPr lang="en-US" dirty="0" smtClean="0"/>
-              <a:t> </a:t>
-            </a:r>
-            <a:r>
-              <a:rPr lang="en-US" dirty="0" err="1" smtClean="0"/>
-              <a:t>config</a:t>
-            </a:r>
-            <a:r>
-              <a:rPr lang="en-US" dirty="0" smtClean="0"/>
-              <a:t> file under ‘../</a:t>
-            </a:r>
-            <a:r>
-              <a:rPr lang="en-US" dirty="0" err="1" smtClean="0"/>
-              <a:t>config</a:t>
-            </a:r>
-            <a:r>
-              <a:rPr lang="en-US" dirty="0" smtClean="0"/>
-              <a:t>’. </a:t>
-            </a:r>
-          </a:p>
-          <a:p>
-            <a:pPr marL="800025" lvl="1" indent="-342900">
-              <a:buFont typeface="Arial" panose="020B0604020202020204" pitchFamily="34" charset="0"/>
-              <a:buChar char="•"/>
-            </a:pPr>
-            <a:r>
-              <a:rPr lang="en-US" dirty="0" smtClean="0"/>
-              <a:t>Example</a:t>
-            </a:r>
-          </a:p>
-          <a:p>
-            <a:pPr marL="342900" indent="-342900">
-              <a:buFont typeface="+mj-lt"/>
-              <a:buAutoNum type="arabicPeriod"/>
-            </a:pPr>
-            <a:r>
-              <a:rPr lang="en-US" dirty="0" smtClean="0"/>
-              <a:t>Add a new entry for this campaign to link the processing modules with the corresponding </a:t>
-            </a:r>
-            <a:r>
-              <a:rPr lang="en-US" dirty="0" err="1" smtClean="0"/>
-              <a:t>config</a:t>
-            </a:r>
-            <a:r>
-              <a:rPr lang="en-US" dirty="0" smtClean="0"/>
-              <a:t> file</a:t>
-            </a:r>
-          </a:p>
-          <a:p>
-            <a:pPr marL="342900" indent="-342900">
-              <a:buFont typeface="+mj-lt"/>
-              <a:buAutoNum type="arabicPeriod"/>
-            </a:pPr>
-            <a:r>
-              <a:rPr lang="en-US" dirty="0" smtClean="0"/>
-              <a:t>Run the ‘</a:t>
-            </a:r>
-            <a:r>
-              <a:rPr lang="en-US" dirty="0" err="1" smtClean="0"/>
-              <a:t>pollynet_process_day</a:t>
-            </a:r>
-            <a:r>
-              <a:rPr lang="en-US" dirty="0" smtClean="0"/>
-              <a:t>’</a:t>
-            </a:r>
-          </a:p>
-        </p:txBody>
-      </p:sp>
       <p:sp>
         <p:nvSpPr>
           <p:cNvPr id="5" name="Rectangle 4"/>
@@ -8278,372 +7876,14 @@
         </p:nvSpPr>
         <p:spPr>
           <a:xfrm>
-            <a:off x="412955" y="3451791"/>
-            <a:ext cx="2202426" cy="521110"/>
-          </a:xfrm>
-          <a:prstGeom prst="rect">
-            <a:avLst/>
-          </a:prstGeom>
-        </p:spPr>
-        <p:style>
-          <a:lnRef idx="1">
-            <a:schemeClr val="accent1"/>
-          </a:lnRef>
-          <a:fillRef idx="3">
-            <a:schemeClr val="accent1"/>
-          </a:fillRef>
-          <a:effectRef idx="2">
-            <a:schemeClr val="accent1"/>
-          </a:effectRef>
-          <a:fontRef idx="minor">
-            <a:schemeClr val="lt1"/>
-          </a:fontRef>
-        </p:style>
-        <p:txBody>
-          <a:bodyPr rtlCol="0" anchor="ctr"/>
-          <a:lstStyle/>
-          <a:p>
-            <a:pPr algn="ctr"/>
-            <a:r>
-              <a:rPr lang="en-US" dirty="0" smtClean="0"/>
-              <a:t>Task from </a:t>
-            </a:r>
-            <a:r>
-              <a:rPr lang="en-US" dirty="0" err="1" smtClean="0"/>
-              <a:t>todolist</a:t>
-            </a:r>
-            <a:r>
-              <a:rPr lang="en-US" dirty="0" smtClean="0"/>
-              <a:t> file</a:t>
-            </a:r>
-            <a:endParaRPr lang="en-US" dirty="0"/>
-          </a:p>
-        </p:txBody>
-      </p:sp>
-      <p:sp>
-        <p:nvSpPr>
-          <p:cNvPr id="6" name="TextBox 5"/>
-          <p:cNvSpPr txBox="1"/>
-          <p:nvPr/>
-        </p:nvSpPr>
-        <p:spPr>
-          <a:xfrm>
-            <a:off x="172065" y="4010441"/>
-            <a:ext cx="2684206" cy="369332"/>
+            <a:off x="3931920" y="1042506"/>
+            <a:ext cx="2642616" cy="5463303"/>
           </a:xfrm>
           <a:prstGeom prst="rect">
             <a:avLst/>
           </a:prstGeom>
           <a:noFill/>
-        </p:spPr>
-        <p:txBody>
-          <a:bodyPr wrap="square" rtlCol="0">
-            <a:spAutoFit/>
-          </a:bodyPr>
-          <a:lstStyle/>
-          <a:p>
-            <a:r>
-              <a:rPr lang="en-US" dirty="0" smtClean="0"/>
-              <a:t>Each line represents a task</a:t>
-            </a:r>
-            <a:endParaRPr lang="en-US" dirty="0"/>
-          </a:p>
-        </p:txBody>
-      </p:sp>
-      <p:sp>
-        <p:nvSpPr>
-          <p:cNvPr id="7" name="Rectangle 6"/>
-          <p:cNvSpPr/>
-          <p:nvPr/>
-        </p:nvSpPr>
-        <p:spPr>
-          <a:xfrm>
-            <a:off x="3067664" y="2754277"/>
-            <a:ext cx="3185652" cy="1061884"/>
-          </a:xfrm>
-          <a:prstGeom prst="rect">
-            <a:avLst/>
-          </a:prstGeom>
-        </p:spPr>
-        <p:style>
-          <a:lnRef idx="1">
-            <a:schemeClr val="accent1"/>
-          </a:lnRef>
-          <a:fillRef idx="3">
-            <a:schemeClr val="accent1"/>
-          </a:fillRef>
-          <a:effectRef idx="2">
-            <a:schemeClr val="accent1"/>
-          </a:effectRef>
-          <a:fontRef idx="minor">
-            <a:schemeClr val="lt1"/>
-          </a:fontRef>
-        </p:style>
-        <p:txBody>
-          <a:bodyPr rtlCol="0" anchor="ctr"/>
-          <a:lstStyle/>
-          <a:p>
-            <a:pPr algn="ctr"/>
-            <a:r>
-              <a:rPr lang="en-US" dirty="0" smtClean="0"/>
-              <a:t>Pollynet_places_history.txt</a:t>
-            </a:r>
-            <a:endParaRPr lang="en-US" dirty="0"/>
-          </a:p>
-        </p:txBody>
-      </p:sp>
-      <p:sp>
-        <p:nvSpPr>
-          <p:cNvPr id="8" name="TextBox 7"/>
-          <p:cNvSpPr txBox="1"/>
-          <p:nvPr/>
-        </p:nvSpPr>
-        <p:spPr>
-          <a:xfrm>
-            <a:off x="6253316" y="2936436"/>
-            <a:ext cx="2418735" cy="646331"/>
-          </a:xfrm>
-          <a:prstGeom prst="rect">
-            <a:avLst/>
-          </a:prstGeom>
-          <a:noFill/>
-        </p:spPr>
-        <p:txBody>
-          <a:bodyPr wrap="square" rtlCol="0">
-            <a:spAutoFit/>
-          </a:bodyPr>
-          <a:lstStyle/>
-          <a:p>
-            <a:r>
-              <a:rPr lang="en-US" dirty="0" smtClean="0"/>
-              <a:t>Search the campaign info: </a:t>
-            </a:r>
-            <a:r>
-              <a:rPr lang="en-US" dirty="0" err="1" smtClean="0"/>
-              <a:t>lat</a:t>
-            </a:r>
-            <a:r>
-              <a:rPr lang="en-US" dirty="0" smtClean="0"/>
-              <a:t>, </a:t>
-            </a:r>
-            <a:r>
-              <a:rPr lang="en-US" dirty="0" err="1" smtClean="0"/>
-              <a:t>lon</a:t>
-            </a:r>
-            <a:r>
-              <a:rPr lang="en-US" dirty="0" smtClean="0"/>
-              <a:t>, </a:t>
-            </a:r>
-            <a:r>
-              <a:rPr lang="en-US" dirty="0" smtClean="0"/>
-              <a:t>label</a:t>
-            </a:r>
-            <a:endParaRPr lang="en-US" dirty="0"/>
-          </a:p>
-        </p:txBody>
-      </p:sp>
-      <p:sp>
-        <p:nvSpPr>
-          <p:cNvPr id="9" name="Rectangle 8"/>
-          <p:cNvSpPr/>
-          <p:nvPr/>
-        </p:nvSpPr>
-        <p:spPr>
-          <a:xfrm>
-            <a:off x="3067664" y="3972901"/>
-            <a:ext cx="3106993" cy="801329"/>
-          </a:xfrm>
-          <a:prstGeom prst="rect">
-            <a:avLst/>
-          </a:prstGeom>
-        </p:spPr>
-        <p:style>
-          <a:lnRef idx="1">
-            <a:schemeClr val="accent1"/>
-          </a:lnRef>
-          <a:fillRef idx="3">
-            <a:schemeClr val="accent1"/>
-          </a:fillRef>
-          <a:effectRef idx="2">
-            <a:schemeClr val="accent1"/>
-          </a:effectRef>
-          <a:fontRef idx="minor">
-            <a:schemeClr val="lt1"/>
-          </a:fontRef>
-        </p:style>
-        <p:txBody>
-          <a:bodyPr rtlCol="0" anchor="ctr"/>
-          <a:lstStyle/>
-          <a:p>
-            <a:pPr algn="ctr"/>
-            <a:r>
-              <a:rPr lang="en-US" dirty="0" smtClean="0"/>
-              <a:t>Pollynet_processing_config_history.txt</a:t>
-            </a:r>
-            <a:endParaRPr lang="en-US" dirty="0"/>
-          </a:p>
-        </p:txBody>
-      </p:sp>
-      <p:sp>
-        <p:nvSpPr>
-          <p:cNvPr id="10" name="TextBox 9"/>
-          <p:cNvSpPr txBox="1"/>
-          <p:nvPr/>
-        </p:nvSpPr>
-        <p:spPr>
-          <a:xfrm>
-            <a:off x="6253316" y="3911900"/>
-            <a:ext cx="3991897" cy="923330"/>
-          </a:xfrm>
-          <a:prstGeom prst="rect">
-            <a:avLst/>
-          </a:prstGeom>
-          <a:noFill/>
-        </p:spPr>
-        <p:txBody>
-          <a:bodyPr wrap="square" rtlCol="0">
-            <a:spAutoFit/>
-          </a:bodyPr>
-          <a:lstStyle/>
-          <a:p>
-            <a:r>
-              <a:rPr lang="en-US" dirty="0" smtClean="0"/>
-              <a:t>Search the processing module and </a:t>
-            </a:r>
-            <a:r>
-              <a:rPr lang="en-US" dirty="0" err="1" smtClean="0"/>
-              <a:t>config</a:t>
-            </a:r>
-            <a:r>
-              <a:rPr lang="en-US" dirty="0" smtClean="0"/>
-              <a:t> file. (Each </a:t>
-            </a:r>
-            <a:r>
-              <a:rPr lang="en-US" dirty="0" err="1" smtClean="0"/>
-              <a:t>polly</a:t>
-            </a:r>
-            <a:r>
-              <a:rPr lang="en-US" dirty="0" smtClean="0"/>
-              <a:t> has its own processing module)</a:t>
-            </a:r>
-            <a:endParaRPr lang="en-US" dirty="0"/>
-          </a:p>
-        </p:txBody>
-      </p:sp>
-      <p:sp>
-        <p:nvSpPr>
-          <p:cNvPr id="11" name="Left Brace 10"/>
-          <p:cNvSpPr/>
-          <p:nvPr/>
-        </p:nvSpPr>
-        <p:spPr>
-          <a:xfrm>
-            <a:off x="2782529" y="3077497"/>
-            <a:ext cx="73742" cy="1480735"/>
-          </a:xfrm>
-          <a:prstGeom prst="leftBrace">
-            <a:avLst/>
-          </a:prstGeom>
-        </p:spPr>
-        <p:style>
-          <a:lnRef idx="2">
-            <a:schemeClr val="accent1"/>
-          </a:lnRef>
-          <a:fillRef idx="0">
-            <a:schemeClr val="accent1"/>
-          </a:fillRef>
-          <a:effectRef idx="1">
-            <a:schemeClr val="accent1"/>
-          </a:effectRef>
-          <a:fontRef idx="minor">
-            <a:schemeClr val="tx1"/>
-          </a:fontRef>
-        </p:style>
-        <p:txBody>
-          <a:bodyPr rtlCol="0" anchor="ctr"/>
-          <a:lstStyle/>
-          <a:p>
-            <a:pPr algn="ctr"/>
-            <a:endParaRPr lang="en-US"/>
-          </a:p>
-        </p:txBody>
-      </p:sp>
-      <p:sp>
-        <p:nvSpPr>
-          <p:cNvPr id="12" name="Rectangle 11"/>
-          <p:cNvSpPr/>
-          <p:nvPr/>
-        </p:nvSpPr>
-        <p:spPr>
-          <a:xfrm>
-            <a:off x="2428567" y="5328338"/>
-            <a:ext cx="4965291" cy="934064"/>
-          </a:xfrm>
-          <a:prstGeom prst="rect">
-            <a:avLst/>
-          </a:prstGeom>
-        </p:spPr>
-        <p:style>
-          <a:lnRef idx="1">
-            <a:schemeClr val="accent1"/>
-          </a:lnRef>
-          <a:fillRef idx="3">
-            <a:schemeClr val="accent1"/>
-          </a:fillRef>
-          <a:effectRef idx="2">
-            <a:schemeClr val="accent1"/>
-          </a:effectRef>
-          <a:fontRef idx="minor">
-            <a:schemeClr val="lt1"/>
-          </a:fontRef>
-        </p:style>
-        <p:txBody>
-          <a:bodyPr rtlCol="0" anchor="ctr"/>
-          <a:lstStyle/>
-          <a:p>
-            <a:pPr algn="ctr"/>
-            <a:r>
-              <a:rPr lang="en-US" dirty="0" smtClean="0"/>
-              <a:t>Load the </a:t>
-            </a:r>
-            <a:r>
-              <a:rPr lang="en-US" dirty="0" err="1" smtClean="0"/>
-              <a:t>polly</a:t>
-            </a:r>
-            <a:r>
-              <a:rPr lang="en-US" dirty="0" smtClean="0"/>
-              <a:t> </a:t>
-            </a:r>
-            <a:r>
-              <a:rPr lang="en-US" dirty="0" err="1" smtClean="0"/>
-              <a:t>config</a:t>
-            </a:r>
-            <a:r>
-              <a:rPr lang="en-US" dirty="0" smtClean="0"/>
-              <a:t> according the ‘Pollynet_processing_config_history.txt’ </a:t>
-            </a:r>
-            <a:r>
-              <a:rPr lang="en-US" dirty="0" smtClean="0"/>
-              <a:t>and activate the processing module</a:t>
-            </a:r>
-            <a:endParaRPr lang="en-US" dirty="0"/>
-          </a:p>
-        </p:txBody>
-      </p:sp>
-      <p:sp>
-        <p:nvSpPr>
-          <p:cNvPr id="13" name="Down Arrow 12"/>
-          <p:cNvSpPr/>
-          <p:nvPr/>
-        </p:nvSpPr>
-        <p:spPr>
-          <a:xfrm>
-            <a:off x="4336026" y="4887365"/>
-            <a:ext cx="324464" cy="340455"/>
-          </a:xfrm>
-          <a:prstGeom prst="downArrow">
-            <a:avLst/>
-          </a:prstGeom>
+          <a:ln w="38100"/>
         </p:spPr>
         <p:style>
           <a:lnRef idx="1">
@@ -8668,27 +7908,159 @@
           </a:p>
         </p:txBody>
       </p:sp>
+      <p:grpSp>
+        <p:nvGrpSpPr>
+          <p:cNvPr id="15" name="Group 14"/>
+          <p:cNvGrpSpPr/>
+          <p:nvPr/>
+        </p:nvGrpSpPr>
+        <p:grpSpPr>
+          <a:xfrm>
+            <a:off x="258111" y="1042506"/>
+            <a:ext cx="6326248" cy="5486400"/>
+            <a:chOff x="258111" y="1042506"/>
+            <a:chExt cx="6326248" cy="5486400"/>
+          </a:xfrm>
+        </p:grpSpPr>
+        <p:pic>
+          <p:nvPicPr>
+            <p:cNvPr id="4" name="Picture 3"/>
+            <p:cNvPicPr>
+              <a:picLocks noChangeAspect="1"/>
+            </p:cNvPicPr>
+            <p:nvPr/>
+          </p:nvPicPr>
+          <p:blipFill>
+            <a:blip r:embed="rId2"/>
+            <a:stretch>
+              <a:fillRect/>
+            </a:stretch>
+          </p:blipFill>
+          <p:spPr>
+            <a:xfrm>
+              <a:off x="3931240" y="1042506"/>
+              <a:ext cx="2653119" cy="5486400"/>
+            </a:xfrm>
+            <a:prstGeom prst="rect">
+              <a:avLst/>
+            </a:prstGeom>
+          </p:spPr>
+        </p:pic>
+        <p:pic>
+          <p:nvPicPr>
+            <p:cNvPr id="6" name="Picture 5"/>
+            <p:cNvPicPr>
+              <a:picLocks noChangeAspect="1"/>
+            </p:cNvPicPr>
+            <p:nvPr/>
+          </p:nvPicPr>
+          <p:blipFill>
+            <a:blip r:embed="rId3">
+              <a:extLst>
+                <a:ext uri="{28A0092B-C50C-407E-A947-70E740481C1C}">
+                  <a14:useLocalDpi xmlns:a14="http://schemas.microsoft.com/office/drawing/2010/main" val="0"/>
+                </a:ext>
+              </a:extLst>
+            </a:blip>
+            <a:stretch>
+              <a:fillRect/>
+            </a:stretch>
+          </p:blipFill>
+          <p:spPr>
+            <a:xfrm>
+              <a:off x="258111" y="1248009"/>
+              <a:ext cx="2971800" cy="5257800"/>
+            </a:xfrm>
+            <a:prstGeom prst="rect">
+              <a:avLst/>
+            </a:prstGeom>
+            <a:ln>
+              <a:noFill/>
+            </a:ln>
+            <a:effectLst>
+              <a:outerShdw blurRad="292100" dist="139700" dir="2700000" algn="tl" rotWithShape="0">
+                <a:srgbClr val="333333">
+                  <a:alpha val="65000"/>
+                </a:srgbClr>
+              </a:outerShdw>
+            </a:effectLst>
+          </p:spPr>
+        </p:pic>
+        <p:cxnSp>
+          <p:nvCxnSpPr>
+            <p:cNvPr id="9" name="Straight Connector 8"/>
+            <p:cNvCxnSpPr/>
+            <p:nvPr/>
+          </p:nvCxnSpPr>
+          <p:spPr>
+            <a:xfrm flipV="1">
+              <a:off x="2816352" y="1042507"/>
+              <a:ext cx="1114888" cy="3849533"/>
+            </a:xfrm>
+            <a:prstGeom prst="line">
+              <a:avLst/>
+            </a:prstGeom>
+          </p:spPr>
+          <p:style>
+            <a:lnRef idx="2">
+              <a:schemeClr val="accent1"/>
+            </a:lnRef>
+            <a:fillRef idx="0">
+              <a:schemeClr val="accent1"/>
+            </a:fillRef>
+            <a:effectRef idx="1">
+              <a:schemeClr val="accent1"/>
+            </a:effectRef>
+            <a:fontRef idx="minor">
+              <a:schemeClr val="tx1"/>
+            </a:fontRef>
+          </p:style>
+        </p:cxnSp>
+        <p:cxnSp>
+          <p:nvCxnSpPr>
+            <p:cNvPr id="11" name="Straight Connector 10"/>
+            <p:cNvCxnSpPr/>
+            <p:nvPr/>
+          </p:nvCxnSpPr>
+          <p:spPr>
+            <a:xfrm>
+              <a:off x="2816352" y="5330952"/>
+              <a:ext cx="1105745" cy="1197954"/>
+            </a:xfrm>
+            <a:prstGeom prst="line">
+              <a:avLst/>
+            </a:prstGeom>
+          </p:spPr>
+          <p:style>
+            <a:lnRef idx="2">
+              <a:schemeClr val="accent1"/>
+            </a:lnRef>
+            <a:fillRef idx="0">
+              <a:schemeClr val="accent1"/>
+            </a:fillRef>
+            <a:effectRef idx="1">
+              <a:schemeClr val="accent1"/>
+            </a:effectRef>
+            <a:fontRef idx="minor">
+              <a:schemeClr val="tx1"/>
+            </a:fontRef>
+          </p:style>
+        </p:cxnSp>
+      </p:grpSp>
     </p:spTree>
     <p:extLst>
       <p:ext uri="{BB962C8B-B14F-4D97-AF65-F5344CB8AC3E}">
-        <p14:creationId xmlns:p14="http://schemas.microsoft.com/office/powerpoint/2010/main" val="1241123231"/>
+        <p14:creationId xmlns:p14="http://schemas.microsoft.com/office/powerpoint/2010/main" val="2133462651"/>
       </p:ext>
     </p:extLst>
   </p:cSld>
   <p:clrMapOvr>
     <a:masterClrMapping/>
   </p:clrMapOvr>
-  <p:timing>
-    <p:tnLst>
-      <p:par>
-        <p:cTn id="1" dur="indefinite" restart="never" nodeType="tmRoot"/>
-      </p:par>
-    </p:tnLst>
-  </p:timing>
 </p:sld>
 </file>
 
-<file path=ppt/slides/slide7.xml><?xml version="1.0" encoding="utf-8"?>
+<file path=ppt/slides/slide6.xml><?xml version="1.0" encoding="utf-8"?>
 <p:sld xmlns:a="http://schemas.openxmlformats.org/drawingml/2006/main" xmlns:r="http://schemas.openxmlformats.org/officeDocument/2006/relationships" xmlns:p="http://schemas.openxmlformats.org/presentationml/2006/main">
   <p:cSld>
     <p:spTree>
@@ -10751,7 +10123,7 @@
 </p:sld>
 </file>
 
-<file path=ppt/slides/slide8.xml><?xml version="1.0" encoding="utf-8"?>
+<file path=ppt/slides/slide7.xml><?xml version="1.0" encoding="utf-8"?>
 <p:sld xmlns:a="http://schemas.openxmlformats.org/drawingml/2006/main" xmlns:r="http://schemas.openxmlformats.org/officeDocument/2006/relationships" xmlns:p="http://schemas.openxmlformats.org/presentationml/2006/main">
   <p:cSld>
     <p:spTree>
@@ -13343,7 +12715,7 @@
 </p:sld>
 </file>
 
-<file path=ppt/slides/slide9.xml><?xml version="1.0" encoding="utf-8"?>
+<file path=ppt/slides/slide8.xml><?xml version="1.0" encoding="utf-8"?>
 <p:sld xmlns:a="http://schemas.openxmlformats.org/drawingml/2006/main" xmlns:r="http://schemas.openxmlformats.org/officeDocument/2006/relationships" xmlns:p="http://schemas.openxmlformats.org/presentationml/2006/main">
   <p:cSld>
     <p:spTree>
@@ -15655,6 +15027,786 @@
 </p:sld>
 </file>
 
+<file path=ppt/slides/slide9.xml><?xml version="1.0" encoding="utf-8"?>
+<p:sld xmlns:a="http://schemas.openxmlformats.org/drawingml/2006/main" xmlns:r="http://schemas.openxmlformats.org/officeDocument/2006/relationships" xmlns:p="http://schemas.openxmlformats.org/presentationml/2006/main">
+  <p:cSld>
+    <p:spTree>
+      <p:nvGrpSpPr>
+        <p:cNvPr id="1" name=""/>
+        <p:cNvGrpSpPr/>
+        <p:nvPr/>
+      </p:nvGrpSpPr>
+      <p:grpSpPr>
+        <a:xfrm>
+          <a:off x="0" y="0"/>
+          <a:ext cx="0" cy="0"/>
+          <a:chOff x="0" y="0"/>
+          <a:chExt cx="0" cy="0"/>
+        </a:xfrm>
+      </p:grpSpPr>
+      <p:sp>
+        <p:nvSpPr>
+          <p:cNvPr id="2" name="Title 1"/>
+          <p:cNvSpPr>
+            <a:spLocks noGrp="1"/>
+          </p:cNvSpPr>
+          <p:nvPr>
+            <p:ph type="title"/>
+          </p:nvPr>
+        </p:nvSpPr>
+        <p:spPr/>
+        <p:txBody>
+          <a:bodyPr/>
+          <a:lstStyle/>
+          <a:p>
+            <a:r>
+              <a:rPr lang="en-US" altLang="zh-CN" dirty="0" smtClean="0"/>
+              <a:t>Shortage of sliding fixed window </a:t>
+            </a:r>
+            <a:endParaRPr lang="en-US" dirty="0"/>
+          </a:p>
+        </p:txBody>
+      </p:sp>
+      <p:sp>
+        <p:nvSpPr>
+          <p:cNvPr id="10" name="Text Placeholder 9"/>
+          <p:cNvSpPr>
+            <a:spLocks noGrp="1"/>
+          </p:cNvSpPr>
+          <p:nvPr>
+            <p:ph type="body" sz="quarter" idx="18"/>
+          </p:nvPr>
+        </p:nvSpPr>
+        <p:spPr/>
+        <p:txBody>
+          <a:bodyPr/>
+          <a:lstStyle/>
+          <a:p>
+            <a:endParaRPr lang="en-US"/>
+          </a:p>
+        </p:txBody>
+      </p:sp>
+      <p:grpSp>
+        <p:nvGrpSpPr>
+          <p:cNvPr id="5" name="Group 4"/>
+          <p:cNvGrpSpPr/>
+          <p:nvPr/>
+        </p:nvGrpSpPr>
+        <p:grpSpPr>
+          <a:xfrm>
+            <a:off x="1998408" y="1690688"/>
+            <a:ext cx="3309781" cy="4543425"/>
+            <a:chOff x="838200" y="1690688"/>
+            <a:chExt cx="3309781" cy="4543425"/>
+          </a:xfrm>
+        </p:grpSpPr>
+        <p:pic>
+          <p:nvPicPr>
+            <p:cNvPr id="3" name="Picture 2"/>
+            <p:cNvPicPr>
+              <a:picLocks noChangeAspect="1"/>
+            </p:cNvPicPr>
+            <p:nvPr/>
+          </p:nvPicPr>
+          <p:blipFill>
+            <a:blip r:embed="rId2"/>
+            <a:stretch>
+              <a:fillRect/>
+            </a:stretch>
+          </p:blipFill>
+          <p:spPr>
+            <a:xfrm>
+              <a:off x="1023781" y="1690688"/>
+              <a:ext cx="3124200" cy="4543425"/>
+            </a:xfrm>
+            <a:prstGeom prst="rect">
+              <a:avLst/>
+            </a:prstGeom>
+          </p:spPr>
+        </p:pic>
+        <p:pic>
+          <p:nvPicPr>
+            <p:cNvPr id="4" name="Picture 3"/>
+            <p:cNvPicPr>
+              <a:picLocks noChangeAspect="1"/>
+            </p:cNvPicPr>
+            <p:nvPr/>
+          </p:nvPicPr>
+          <p:blipFill rotWithShape="1">
+            <a:blip r:embed="rId3"/>
+            <a:srcRect l="1" r="13306" b="1957"/>
+            <a:stretch/>
+          </p:blipFill>
+          <p:spPr>
+            <a:xfrm>
+              <a:off x="838200" y="1690688"/>
+              <a:ext cx="198181" cy="4510549"/>
+            </a:xfrm>
+            <a:prstGeom prst="rect">
+              <a:avLst/>
+            </a:prstGeom>
+          </p:spPr>
+        </p:pic>
+      </p:grpSp>
+      <p:sp>
+        <p:nvSpPr>
+          <p:cNvPr id="6" name="Rectangle 5"/>
+          <p:cNvSpPr/>
+          <p:nvPr/>
+        </p:nvSpPr>
+        <p:spPr>
+          <a:xfrm>
+            <a:off x="1656735" y="5112774"/>
+            <a:ext cx="4178708" cy="491613"/>
+          </a:xfrm>
+          <a:prstGeom prst="rect">
+            <a:avLst/>
+          </a:prstGeom>
+          <a:noFill/>
+          <a:ln w="38100">
+            <a:solidFill>
+              <a:schemeClr val="accent6"/>
+            </a:solidFill>
+          </a:ln>
+        </p:spPr>
+        <p:style>
+          <a:lnRef idx="2">
+            <a:schemeClr val="accent1">
+              <a:shade val="50000"/>
+            </a:schemeClr>
+          </a:lnRef>
+          <a:fillRef idx="1">
+            <a:schemeClr val="accent1"/>
+          </a:fillRef>
+          <a:effectRef idx="0">
+            <a:schemeClr val="accent1"/>
+          </a:effectRef>
+          <a:fontRef idx="minor">
+            <a:schemeClr val="lt1"/>
+          </a:fontRef>
+        </p:style>
+        <p:txBody>
+          <a:bodyPr rtlCol="0" anchor="ctr"/>
+          <a:lstStyle/>
+          <a:p>
+            <a:pPr algn="ctr"/>
+            <a:endParaRPr lang="en-US"/>
+          </a:p>
+        </p:txBody>
+      </p:sp>
+      <p:sp>
+        <p:nvSpPr>
+          <p:cNvPr id="7" name="TextBox 6"/>
+          <p:cNvSpPr txBox="1"/>
+          <p:nvPr/>
+        </p:nvSpPr>
+        <p:spPr>
+          <a:xfrm>
+            <a:off x="6049295" y="3648218"/>
+            <a:ext cx="4563398" cy="1200329"/>
+          </a:xfrm>
+          <a:prstGeom prst="rect">
+            <a:avLst/>
+          </a:prstGeom>
+          <a:noFill/>
+          <a:ln>
+            <a:solidFill>
+              <a:schemeClr val="accent6"/>
+            </a:solidFill>
+          </a:ln>
+        </p:spPr>
+        <p:txBody>
+          <a:bodyPr wrap="square" rtlCol="0">
+            <a:spAutoFit/>
+          </a:bodyPr>
+          <a:lstStyle/>
+          <a:p>
+            <a:r>
+              <a:rPr lang="en-US" dirty="0" smtClean="0"/>
+              <a:t>Omission: This possible interval will not be found if a large fixed window (like 1 km) was used, since the width of aerosol-free area is only 450m.</a:t>
+            </a:r>
+            <a:endParaRPr lang="en-US" dirty="0"/>
+          </a:p>
+        </p:txBody>
+      </p:sp>
+      <p:sp>
+        <p:nvSpPr>
+          <p:cNvPr id="9" name="TextBox 8"/>
+          <p:cNvSpPr txBox="1"/>
+          <p:nvPr/>
+        </p:nvSpPr>
+        <p:spPr>
+          <a:xfrm>
+            <a:off x="6049295" y="2583286"/>
+            <a:ext cx="4563398" cy="646331"/>
+          </a:xfrm>
+          <a:prstGeom prst="rect">
+            <a:avLst/>
+          </a:prstGeom>
+          <a:noFill/>
+          <a:ln>
+            <a:solidFill>
+              <a:schemeClr val="accent6"/>
+            </a:solidFill>
+          </a:ln>
+        </p:spPr>
+        <p:txBody>
+          <a:bodyPr wrap="square" rtlCol="0">
+            <a:spAutoFit/>
+          </a:bodyPr>
+          <a:lstStyle/>
+          <a:p>
+            <a:r>
+              <a:rPr lang="en-US" dirty="0" smtClean="0"/>
+              <a:t>More computation: all the sub-areas with a fixed width will be tested.</a:t>
+            </a:r>
+            <a:endParaRPr lang="en-US" dirty="0"/>
+          </a:p>
+        </p:txBody>
+      </p:sp>
+      <p:sp>
+        <p:nvSpPr>
+          <p:cNvPr id="16" name="Rectangle 15"/>
+          <p:cNvSpPr/>
+          <p:nvPr/>
+        </p:nvSpPr>
+        <p:spPr>
+          <a:xfrm>
+            <a:off x="1656735" y="4970206"/>
+            <a:ext cx="4178708" cy="491613"/>
+          </a:xfrm>
+          <a:prstGeom prst="rect">
+            <a:avLst/>
+          </a:prstGeom>
+          <a:noFill/>
+          <a:ln w="38100">
+            <a:solidFill>
+              <a:schemeClr val="accent6"/>
+            </a:solidFill>
+          </a:ln>
+        </p:spPr>
+        <p:style>
+          <a:lnRef idx="2">
+            <a:schemeClr val="accent1">
+              <a:shade val="50000"/>
+            </a:schemeClr>
+          </a:lnRef>
+          <a:fillRef idx="1">
+            <a:schemeClr val="accent1"/>
+          </a:fillRef>
+          <a:effectRef idx="0">
+            <a:schemeClr val="accent1"/>
+          </a:effectRef>
+          <a:fontRef idx="minor">
+            <a:schemeClr val="lt1"/>
+          </a:fontRef>
+        </p:style>
+        <p:txBody>
+          <a:bodyPr rtlCol="0" anchor="ctr"/>
+          <a:lstStyle/>
+          <a:p>
+            <a:pPr algn="ctr"/>
+            <a:endParaRPr lang="en-US"/>
+          </a:p>
+        </p:txBody>
+      </p:sp>
+      <p:sp>
+        <p:nvSpPr>
+          <p:cNvPr id="17" name="Rectangle 16"/>
+          <p:cNvSpPr/>
+          <p:nvPr/>
+        </p:nvSpPr>
+        <p:spPr>
+          <a:xfrm>
+            <a:off x="1656735" y="4787541"/>
+            <a:ext cx="4178708" cy="491613"/>
+          </a:xfrm>
+          <a:prstGeom prst="rect">
+            <a:avLst/>
+          </a:prstGeom>
+          <a:noFill/>
+          <a:ln w="38100">
+            <a:solidFill>
+              <a:schemeClr val="accent6"/>
+            </a:solidFill>
+          </a:ln>
+        </p:spPr>
+        <p:style>
+          <a:lnRef idx="2">
+            <a:schemeClr val="accent1">
+              <a:shade val="50000"/>
+            </a:schemeClr>
+          </a:lnRef>
+          <a:fillRef idx="1">
+            <a:schemeClr val="accent1"/>
+          </a:fillRef>
+          <a:effectRef idx="0">
+            <a:schemeClr val="accent1"/>
+          </a:effectRef>
+          <a:fontRef idx="minor">
+            <a:schemeClr val="lt1"/>
+          </a:fontRef>
+        </p:style>
+        <p:txBody>
+          <a:bodyPr rtlCol="0" anchor="ctr"/>
+          <a:lstStyle/>
+          <a:p>
+            <a:pPr algn="ctr"/>
+            <a:endParaRPr lang="en-US"/>
+          </a:p>
+        </p:txBody>
+      </p:sp>
+      <p:sp>
+        <p:nvSpPr>
+          <p:cNvPr id="18" name="Rectangle 17"/>
+          <p:cNvSpPr/>
+          <p:nvPr/>
+        </p:nvSpPr>
+        <p:spPr>
+          <a:xfrm>
+            <a:off x="1656735" y="3864076"/>
+            <a:ext cx="4178708" cy="491613"/>
+          </a:xfrm>
+          <a:prstGeom prst="rect">
+            <a:avLst/>
+          </a:prstGeom>
+          <a:noFill/>
+          <a:ln w="38100">
+            <a:solidFill>
+              <a:schemeClr val="accent6"/>
+            </a:solidFill>
+          </a:ln>
+        </p:spPr>
+        <p:style>
+          <a:lnRef idx="2">
+            <a:schemeClr val="accent1">
+              <a:shade val="50000"/>
+            </a:schemeClr>
+          </a:lnRef>
+          <a:fillRef idx="1">
+            <a:schemeClr val="accent1"/>
+          </a:fillRef>
+          <a:effectRef idx="0">
+            <a:schemeClr val="accent1"/>
+          </a:effectRef>
+          <a:fontRef idx="minor">
+            <a:schemeClr val="lt1"/>
+          </a:fontRef>
+        </p:style>
+        <p:txBody>
+          <a:bodyPr rtlCol="0" anchor="ctr"/>
+          <a:lstStyle/>
+          <a:p>
+            <a:pPr algn="ctr"/>
+            <a:endParaRPr lang="en-US"/>
+          </a:p>
+        </p:txBody>
+      </p:sp>
+    </p:spTree>
+    <p:extLst>
+      <p:ext uri="{BB962C8B-B14F-4D97-AF65-F5344CB8AC3E}">
+        <p14:creationId xmlns:p14="http://schemas.microsoft.com/office/powerpoint/2010/main" val="4088041726"/>
+      </p:ext>
+    </p:extLst>
+  </p:cSld>
+  <p:clrMapOvr>
+    <a:masterClrMapping/>
+  </p:clrMapOvr>
+  <p:timing>
+    <p:tnLst>
+      <p:par>
+        <p:cTn id="1" dur="indefinite" restart="never" nodeType="tmRoot">
+          <p:childTnLst>
+            <p:seq concurrent="1" nextAc="seek">
+              <p:cTn id="2" dur="indefinite" nodeType="mainSeq">
+                <p:childTnLst>
+                  <p:par>
+                    <p:cTn id="3" fill="hold">
+                      <p:stCondLst>
+                        <p:cond delay="indefinite"/>
+                      </p:stCondLst>
+                      <p:childTnLst>
+                        <p:par>
+                          <p:cTn id="4" fill="hold">
+                            <p:stCondLst>
+                              <p:cond delay="0"/>
+                            </p:stCondLst>
+                            <p:childTnLst>
+                              <p:par>
+                                <p:cTn id="5" presetID="1" presetClass="entr" presetSubtype="0" fill="hold" grpId="0" nodeType="clickEffect">
+                                  <p:stCondLst>
+                                    <p:cond delay="0"/>
+                                  </p:stCondLst>
+                                  <p:childTnLst>
+                                    <p:set>
+                                      <p:cBhvr>
+                                        <p:cTn id="6" dur="1" fill="hold">
+                                          <p:stCondLst>
+                                            <p:cond delay="0"/>
+                                          </p:stCondLst>
+                                        </p:cTn>
+                                        <p:tgtEl>
+                                          <p:spTgt spid="6"/>
+                                        </p:tgtEl>
+                                        <p:attrNameLst>
+                                          <p:attrName>style.visibility</p:attrName>
+                                        </p:attrNameLst>
+                                      </p:cBhvr>
+                                      <p:to>
+                                        <p:strVal val="visible"/>
+                                      </p:to>
+                                    </p:set>
+                                  </p:childTnLst>
+                                </p:cTn>
+                              </p:par>
+                            </p:childTnLst>
+                          </p:cTn>
+                        </p:par>
+                      </p:childTnLst>
+                    </p:cTn>
+                  </p:par>
+                  <p:par>
+                    <p:cTn id="7" fill="hold">
+                      <p:stCondLst>
+                        <p:cond delay="indefinite"/>
+                      </p:stCondLst>
+                      <p:childTnLst>
+                        <p:par>
+                          <p:cTn id="8" fill="hold">
+                            <p:stCondLst>
+                              <p:cond delay="0"/>
+                            </p:stCondLst>
+                            <p:childTnLst>
+                              <p:par>
+                                <p:cTn id="9" presetID="1" presetClass="exit" presetSubtype="0" fill="hold" grpId="1" nodeType="clickEffect">
+                                  <p:stCondLst>
+                                    <p:cond delay="0"/>
+                                  </p:stCondLst>
+                                  <p:childTnLst>
+                                    <p:set>
+                                      <p:cBhvr>
+                                        <p:cTn id="10" dur="1" fill="hold">
+                                          <p:stCondLst>
+                                            <p:cond delay="0"/>
+                                          </p:stCondLst>
+                                        </p:cTn>
+                                        <p:tgtEl>
+                                          <p:spTgt spid="6"/>
+                                        </p:tgtEl>
+                                        <p:attrNameLst>
+                                          <p:attrName>style.visibility</p:attrName>
+                                        </p:attrNameLst>
+                                      </p:cBhvr>
+                                      <p:to>
+                                        <p:strVal val="hidden"/>
+                                      </p:to>
+                                    </p:set>
+                                  </p:childTnLst>
+                                </p:cTn>
+                              </p:par>
+                              <p:par>
+                                <p:cTn id="11" presetID="1" presetClass="entr" presetSubtype="0" fill="hold" grpId="0" nodeType="withEffect">
+                                  <p:stCondLst>
+                                    <p:cond delay="0"/>
+                                  </p:stCondLst>
+                                  <p:childTnLst>
+                                    <p:set>
+                                      <p:cBhvr>
+                                        <p:cTn id="12" dur="1" fill="hold">
+                                          <p:stCondLst>
+                                            <p:cond delay="0"/>
+                                          </p:stCondLst>
+                                        </p:cTn>
+                                        <p:tgtEl>
+                                          <p:spTgt spid="16"/>
+                                        </p:tgtEl>
+                                        <p:attrNameLst>
+                                          <p:attrName>style.visibility</p:attrName>
+                                        </p:attrNameLst>
+                                      </p:cBhvr>
+                                      <p:to>
+                                        <p:strVal val="visible"/>
+                                      </p:to>
+                                    </p:set>
+                                  </p:childTnLst>
+                                </p:cTn>
+                              </p:par>
+                            </p:childTnLst>
+                          </p:cTn>
+                        </p:par>
+                      </p:childTnLst>
+                    </p:cTn>
+                  </p:par>
+                  <p:par>
+                    <p:cTn id="13" fill="hold">
+                      <p:stCondLst>
+                        <p:cond delay="indefinite"/>
+                      </p:stCondLst>
+                      <p:childTnLst>
+                        <p:par>
+                          <p:cTn id="14" fill="hold">
+                            <p:stCondLst>
+                              <p:cond delay="0"/>
+                            </p:stCondLst>
+                            <p:childTnLst>
+                              <p:par>
+                                <p:cTn id="15" presetID="1" presetClass="exit" presetSubtype="0" fill="hold" grpId="1" nodeType="clickEffect">
+                                  <p:stCondLst>
+                                    <p:cond delay="0"/>
+                                  </p:stCondLst>
+                                  <p:childTnLst>
+                                    <p:set>
+                                      <p:cBhvr>
+                                        <p:cTn id="16" dur="1" fill="hold">
+                                          <p:stCondLst>
+                                            <p:cond delay="0"/>
+                                          </p:stCondLst>
+                                        </p:cTn>
+                                        <p:tgtEl>
+                                          <p:spTgt spid="16"/>
+                                        </p:tgtEl>
+                                        <p:attrNameLst>
+                                          <p:attrName>style.visibility</p:attrName>
+                                        </p:attrNameLst>
+                                      </p:cBhvr>
+                                      <p:to>
+                                        <p:strVal val="hidden"/>
+                                      </p:to>
+                                    </p:set>
+                                  </p:childTnLst>
+                                </p:cTn>
+                              </p:par>
+                              <p:par>
+                                <p:cTn id="17" presetID="1" presetClass="entr" presetSubtype="0" fill="hold" grpId="0" nodeType="withEffect">
+                                  <p:stCondLst>
+                                    <p:cond delay="0"/>
+                                  </p:stCondLst>
+                                  <p:childTnLst>
+                                    <p:set>
+                                      <p:cBhvr>
+                                        <p:cTn id="18" dur="1" fill="hold">
+                                          <p:stCondLst>
+                                            <p:cond delay="0"/>
+                                          </p:stCondLst>
+                                        </p:cTn>
+                                        <p:tgtEl>
+                                          <p:spTgt spid="17"/>
+                                        </p:tgtEl>
+                                        <p:attrNameLst>
+                                          <p:attrName>style.visibility</p:attrName>
+                                        </p:attrNameLst>
+                                      </p:cBhvr>
+                                      <p:to>
+                                        <p:strVal val="visible"/>
+                                      </p:to>
+                                    </p:set>
+                                  </p:childTnLst>
+                                </p:cTn>
+                              </p:par>
+                            </p:childTnLst>
+                          </p:cTn>
+                        </p:par>
+                      </p:childTnLst>
+                    </p:cTn>
+                  </p:par>
+                  <p:par>
+                    <p:cTn id="19" fill="hold">
+                      <p:stCondLst>
+                        <p:cond delay="indefinite"/>
+                      </p:stCondLst>
+                      <p:childTnLst>
+                        <p:par>
+                          <p:cTn id="20" fill="hold">
+                            <p:stCondLst>
+                              <p:cond delay="0"/>
+                            </p:stCondLst>
+                            <p:childTnLst>
+                              <p:par>
+                                <p:cTn id="21" presetID="1" presetClass="exit" presetSubtype="0" fill="hold" grpId="1" nodeType="clickEffect">
+                                  <p:stCondLst>
+                                    <p:cond delay="0"/>
+                                  </p:stCondLst>
+                                  <p:childTnLst>
+                                    <p:set>
+                                      <p:cBhvr>
+                                        <p:cTn id="22" dur="1" fill="hold">
+                                          <p:stCondLst>
+                                            <p:cond delay="0"/>
+                                          </p:stCondLst>
+                                        </p:cTn>
+                                        <p:tgtEl>
+                                          <p:spTgt spid="17"/>
+                                        </p:tgtEl>
+                                        <p:attrNameLst>
+                                          <p:attrName>style.visibility</p:attrName>
+                                        </p:attrNameLst>
+                                      </p:cBhvr>
+                                      <p:to>
+                                        <p:strVal val="hidden"/>
+                                      </p:to>
+                                    </p:set>
+                                  </p:childTnLst>
+                                </p:cTn>
+                              </p:par>
+                              <p:par>
+                                <p:cTn id="23" presetID="1" presetClass="entr" presetSubtype="0" fill="hold" grpId="0" nodeType="withEffect">
+                                  <p:stCondLst>
+                                    <p:cond delay="0"/>
+                                  </p:stCondLst>
+                                  <p:childTnLst>
+                                    <p:set>
+                                      <p:cBhvr>
+                                        <p:cTn id="24" dur="1" fill="hold">
+                                          <p:stCondLst>
+                                            <p:cond delay="0"/>
+                                          </p:stCondLst>
+                                        </p:cTn>
+                                        <p:tgtEl>
+                                          <p:spTgt spid="18"/>
+                                        </p:tgtEl>
+                                        <p:attrNameLst>
+                                          <p:attrName>style.visibility</p:attrName>
+                                        </p:attrNameLst>
+                                      </p:cBhvr>
+                                      <p:to>
+                                        <p:strVal val="visible"/>
+                                      </p:to>
+                                    </p:set>
+                                  </p:childTnLst>
+                                </p:cTn>
+                              </p:par>
+                            </p:childTnLst>
+                          </p:cTn>
+                        </p:par>
+                      </p:childTnLst>
+                    </p:cTn>
+                  </p:par>
+                  <p:par>
+                    <p:cTn id="25" fill="hold">
+                      <p:stCondLst>
+                        <p:cond delay="indefinite"/>
+                      </p:stCondLst>
+                      <p:childTnLst>
+                        <p:par>
+                          <p:cTn id="26" fill="hold">
+                            <p:stCondLst>
+                              <p:cond delay="0"/>
+                            </p:stCondLst>
+                            <p:childTnLst>
+                              <p:par>
+                                <p:cTn id="27" presetID="1" presetClass="entr" presetSubtype="0" fill="hold" grpId="0" nodeType="clickEffect">
+                                  <p:stCondLst>
+                                    <p:cond delay="0"/>
+                                  </p:stCondLst>
+                                  <p:childTnLst>
+                                    <p:set>
+                                      <p:cBhvr>
+                                        <p:cTn id="28" dur="1" fill="hold">
+                                          <p:stCondLst>
+                                            <p:cond delay="0"/>
+                                          </p:stCondLst>
+                                        </p:cTn>
+                                        <p:tgtEl>
+                                          <p:spTgt spid="9"/>
+                                        </p:tgtEl>
+                                        <p:attrNameLst>
+                                          <p:attrName>style.visibility</p:attrName>
+                                        </p:attrNameLst>
+                                      </p:cBhvr>
+                                      <p:to>
+                                        <p:strVal val="visible"/>
+                                      </p:to>
+                                    </p:set>
+                                  </p:childTnLst>
+                                </p:cTn>
+                              </p:par>
+                            </p:childTnLst>
+                          </p:cTn>
+                        </p:par>
+                      </p:childTnLst>
+                    </p:cTn>
+                  </p:par>
+                  <p:par>
+                    <p:cTn id="29" fill="hold">
+                      <p:stCondLst>
+                        <p:cond delay="indefinite"/>
+                      </p:stCondLst>
+                      <p:childTnLst>
+                        <p:par>
+                          <p:cTn id="30" fill="hold">
+                            <p:stCondLst>
+                              <p:cond delay="0"/>
+                            </p:stCondLst>
+                            <p:childTnLst>
+                              <p:par>
+                                <p:cTn id="31" presetID="1" presetClass="entr" presetSubtype="0" fill="hold" grpId="0" nodeType="clickEffect">
+                                  <p:stCondLst>
+                                    <p:cond delay="0"/>
+                                  </p:stCondLst>
+                                  <p:childTnLst>
+                                    <p:set>
+                                      <p:cBhvr>
+                                        <p:cTn id="32" dur="1" fill="hold">
+                                          <p:stCondLst>
+                                            <p:cond delay="0"/>
+                                          </p:stCondLst>
+                                        </p:cTn>
+                                        <p:tgtEl>
+                                          <p:spTgt spid="7"/>
+                                        </p:tgtEl>
+                                        <p:attrNameLst>
+                                          <p:attrName>style.visibility</p:attrName>
+                                        </p:attrNameLst>
+                                      </p:cBhvr>
+                                      <p:to>
+                                        <p:strVal val="visible"/>
+                                      </p:to>
+                                    </p:set>
+                                  </p:childTnLst>
+                                </p:cTn>
+                              </p:par>
+                            </p:childTnLst>
+                          </p:cTn>
+                        </p:par>
+                      </p:childTnLst>
+                    </p:cTn>
+                  </p:par>
+                </p:childTnLst>
+              </p:cTn>
+              <p:prevCondLst>
+                <p:cond evt="onPrev" delay="0">
+                  <p:tgtEl>
+                    <p:sldTgt/>
+                  </p:tgtEl>
+                </p:cond>
+              </p:prevCondLst>
+              <p:nextCondLst>
+                <p:cond evt="onNext" delay="0">
+                  <p:tgtEl>
+                    <p:sldTgt/>
+                  </p:tgtEl>
+                </p:cond>
+              </p:nextCondLst>
+            </p:seq>
+          </p:childTnLst>
+        </p:cTn>
+      </p:par>
+    </p:tnLst>
+    <p:bldLst>
+      <p:bldP spid="6" grpId="0" animBg="1"/>
+      <p:bldP spid="6" grpId="1" animBg="1"/>
+      <p:bldP spid="7" grpId="0" animBg="1"/>
+      <p:bldP spid="9" grpId="0" animBg="1"/>
+      <p:bldP spid="16" grpId="0" animBg="1"/>
+      <p:bldP spid="16" grpId="1" animBg="1"/>
+      <p:bldP spid="17" grpId="0" animBg="1"/>
+      <p:bldP spid="17" grpId="1" animBg="1"/>
+      <p:bldP spid="18" grpId="0" animBg="1"/>
+    </p:bldLst>
+  </p:timing>
+</p:sld>
+</file>
+
 <file path=ppt/theme/theme1.xml><?xml version="1.0" encoding="utf-8"?>
 <a:theme xmlns:a="http://schemas.openxmlformats.org/drawingml/2006/main" name="tropos_presentation_16to9">
   <a:themeElements>

--- a/doc/Pollynet_Processing_Chain.pptx
+++ b/doc/Pollynet_Processing_Chain.pptx
@@ -4,6 +4,9 @@
   <p:sldMasterIdLst>
     <p:sldMasterId id="2147483672" r:id="rId1"/>
   </p:sldMasterIdLst>
+  <p:notesMasterIdLst>
+    <p:notesMasterId r:id="rId21"/>
+  </p:notesMasterIdLst>
   <p:sldIdLst>
     <p:sldId id="269" r:id="rId2"/>
     <p:sldId id="270" r:id="rId3"/>
@@ -18,7 +21,12 @@
     <p:sldId id="267" r:id="rId12"/>
     <p:sldId id="268" r:id="rId13"/>
     <p:sldId id="277" r:id="rId14"/>
-    <p:sldId id="278" r:id="rId15"/>
+    <p:sldId id="280" r:id="rId15"/>
+    <p:sldId id="281" r:id="rId16"/>
+    <p:sldId id="282" r:id="rId17"/>
+    <p:sldId id="283" r:id="rId18"/>
+    <p:sldId id="284" r:id="rId19"/>
+    <p:sldId id="278" r:id="rId20"/>
   </p:sldIdLst>
   <p:sldSz cx="12192000" cy="6858000"/>
   <p:notesSz cx="6858000" cy="9144000"/>
@@ -123,6 +131,356 @@
     </p:ext>
   </p:extLst>
 </p:presentation>
+</file>
+
+<file path=ppt/notesMasters/notesMaster1.xml><?xml version="1.0" encoding="utf-8"?>
+<p:notesMaster xmlns:a="http://schemas.openxmlformats.org/drawingml/2006/main" xmlns:r="http://schemas.openxmlformats.org/officeDocument/2006/relationships" xmlns:p="http://schemas.openxmlformats.org/presentationml/2006/main">
+  <p:cSld>
+    <p:bg>
+      <p:bgRef idx="1001">
+        <a:schemeClr val="bg1"/>
+      </p:bgRef>
+    </p:bg>
+    <p:spTree>
+      <p:nvGrpSpPr>
+        <p:cNvPr id="1" name=""/>
+        <p:cNvGrpSpPr/>
+        <p:nvPr/>
+      </p:nvGrpSpPr>
+      <p:grpSpPr>
+        <a:xfrm>
+          <a:off x="0" y="0"/>
+          <a:ext cx="0" cy="0"/>
+          <a:chOff x="0" y="0"/>
+          <a:chExt cx="0" cy="0"/>
+        </a:xfrm>
+      </p:grpSpPr>
+      <p:sp>
+        <p:nvSpPr>
+          <p:cNvPr id="2" name="Header Placeholder 1"/>
+          <p:cNvSpPr>
+            <a:spLocks noGrp="1"/>
+          </p:cNvSpPr>
+          <p:nvPr>
+            <p:ph type="hdr" sz="quarter"/>
+          </p:nvPr>
+        </p:nvSpPr>
+        <p:spPr>
+          <a:xfrm>
+            <a:off x="0" y="0"/>
+            <a:ext cx="2971800" cy="458788"/>
+          </a:xfrm>
+          <a:prstGeom prst="rect">
+            <a:avLst/>
+          </a:prstGeom>
+        </p:spPr>
+        <p:txBody>
+          <a:bodyPr vert="horz" lIns="91440" tIns="45720" rIns="91440" bIns="45720" rtlCol="0"/>
+          <a:lstStyle>
+            <a:lvl1pPr algn="l">
+              <a:defRPr sz="1200"/>
+            </a:lvl1pPr>
+          </a:lstStyle>
+          <a:p>
+            <a:endParaRPr lang="en-US"/>
+          </a:p>
+        </p:txBody>
+      </p:sp>
+      <p:sp>
+        <p:nvSpPr>
+          <p:cNvPr id="3" name="Date Placeholder 2"/>
+          <p:cNvSpPr>
+            <a:spLocks noGrp="1"/>
+          </p:cNvSpPr>
+          <p:nvPr>
+            <p:ph type="dt" idx="1"/>
+          </p:nvPr>
+        </p:nvSpPr>
+        <p:spPr>
+          <a:xfrm>
+            <a:off x="3884613" y="0"/>
+            <a:ext cx="2971800" cy="458788"/>
+          </a:xfrm>
+          <a:prstGeom prst="rect">
+            <a:avLst/>
+          </a:prstGeom>
+        </p:spPr>
+        <p:txBody>
+          <a:bodyPr vert="horz" lIns="91440" tIns="45720" rIns="91440" bIns="45720" rtlCol="0"/>
+          <a:lstStyle>
+            <a:lvl1pPr algn="r">
+              <a:defRPr sz="1200"/>
+            </a:lvl1pPr>
+          </a:lstStyle>
+          <a:p>
+            <a:fld id="{F3738501-0686-434C-B9DB-E21550C6BC10}" type="datetimeFigureOut">
+              <a:rPr lang="en-US" smtClean="0"/>
+              <a:t>7/28/2019</a:t>
+            </a:fld>
+            <a:endParaRPr lang="en-US"/>
+          </a:p>
+        </p:txBody>
+      </p:sp>
+      <p:sp>
+        <p:nvSpPr>
+          <p:cNvPr id="4" name="Slide Image Placeholder 3"/>
+          <p:cNvSpPr>
+            <a:spLocks noGrp="1" noRot="1" noChangeAspect="1"/>
+          </p:cNvSpPr>
+          <p:nvPr>
+            <p:ph type="sldImg" idx="2"/>
+          </p:nvPr>
+        </p:nvSpPr>
+        <p:spPr>
+          <a:xfrm>
+            <a:off x="685800" y="1143000"/>
+            <a:ext cx="5486400" cy="3086100"/>
+          </a:xfrm>
+          <a:prstGeom prst="rect">
+            <a:avLst/>
+          </a:prstGeom>
+          <a:noFill/>
+          <a:ln w="12700">
+            <a:solidFill>
+              <a:prstClr val="black"/>
+            </a:solidFill>
+          </a:ln>
+        </p:spPr>
+        <p:txBody>
+          <a:bodyPr vert="horz" lIns="91440" tIns="45720" rIns="91440" bIns="45720" rtlCol="0" anchor="ctr"/>
+          <a:lstStyle/>
+          <a:p>
+            <a:endParaRPr lang="en-US"/>
+          </a:p>
+        </p:txBody>
+      </p:sp>
+      <p:sp>
+        <p:nvSpPr>
+          <p:cNvPr id="5" name="Notes Placeholder 4"/>
+          <p:cNvSpPr>
+            <a:spLocks noGrp="1"/>
+          </p:cNvSpPr>
+          <p:nvPr>
+            <p:ph type="body" sz="quarter" idx="3"/>
+          </p:nvPr>
+        </p:nvSpPr>
+        <p:spPr>
+          <a:xfrm>
+            <a:off x="685800" y="4400550"/>
+            <a:ext cx="5486400" cy="3600450"/>
+          </a:xfrm>
+          <a:prstGeom prst="rect">
+            <a:avLst/>
+          </a:prstGeom>
+        </p:spPr>
+        <p:txBody>
+          <a:bodyPr vert="horz" lIns="91440" tIns="45720" rIns="91440" bIns="45720" rtlCol="0"/>
+          <a:lstStyle/>
+          <a:p>
+            <a:pPr lvl="0"/>
+            <a:r>
+              <a:rPr lang="en-US" smtClean="0"/>
+              <a:t>Edit Master text styles</a:t>
+            </a:r>
+          </a:p>
+          <a:p>
+            <a:pPr lvl="1"/>
+            <a:r>
+              <a:rPr lang="en-US" smtClean="0"/>
+              <a:t>Second level</a:t>
+            </a:r>
+          </a:p>
+          <a:p>
+            <a:pPr lvl="2"/>
+            <a:r>
+              <a:rPr lang="en-US" smtClean="0"/>
+              <a:t>Third level</a:t>
+            </a:r>
+          </a:p>
+          <a:p>
+            <a:pPr lvl="3"/>
+            <a:r>
+              <a:rPr lang="en-US" smtClean="0"/>
+              <a:t>Fourth level</a:t>
+            </a:r>
+          </a:p>
+          <a:p>
+            <a:pPr lvl="4"/>
+            <a:r>
+              <a:rPr lang="en-US" smtClean="0"/>
+              <a:t>Fifth level</a:t>
+            </a:r>
+            <a:endParaRPr lang="en-US"/>
+          </a:p>
+        </p:txBody>
+      </p:sp>
+      <p:sp>
+        <p:nvSpPr>
+          <p:cNvPr id="6" name="Footer Placeholder 5"/>
+          <p:cNvSpPr>
+            <a:spLocks noGrp="1"/>
+          </p:cNvSpPr>
+          <p:nvPr>
+            <p:ph type="ftr" sz="quarter" idx="4"/>
+          </p:nvPr>
+        </p:nvSpPr>
+        <p:spPr>
+          <a:xfrm>
+            <a:off x="0" y="8685213"/>
+            <a:ext cx="2971800" cy="458787"/>
+          </a:xfrm>
+          <a:prstGeom prst="rect">
+            <a:avLst/>
+          </a:prstGeom>
+        </p:spPr>
+        <p:txBody>
+          <a:bodyPr vert="horz" lIns="91440" tIns="45720" rIns="91440" bIns="45720" rtlCol="0" anchor="b"/>
+          <a:lstStyle>
+            <a:lvl1pPr algn="l">
+              <a:defRPr sz="1200"/>
+            </a:lvl1pPr>
+          </a:lstStyle>
+          <a:p>
+            <a:endParaRPr lang="en-US"/>
+          </a:p>
+        </p:txBody>
+      </p:sp>
+      <p:sp>
+        <p:nvSpPr>
+          <p:cNvPr id="7" name="Slide Number Placeholder 6"/>
+          <p:cNvSpPr>
+            <a:spLocks noGrp="1"/>
+          </p:cNvSpPr>
+          <p:nvPr>
+            <p:ph type="sldNum" sz="quarter" idx="5"/>
+          </p:nvPr>
+        </p:nvSpPr>
+        <p:spPr>
+          <a:xfrm>
+            <a:off x="3884613" y="8685213"/>
+            <a:ext cx="2971800" cy="458787"/>
+          </a:xfrm>
+          <a:prstGeom prst="rect">
+            <a:avLst/>
+          </a:prstGeom>
+        </p:spPr>
+        <p:txBody>
+          <a:bodyPr vert="horz" lIns="91440" tIns="45720" rIns="91440" bIns="45720" rtlCol="0" anchor="b"/>
+          <a:lstStyle>
+            <a:lvl1pPr algn="r">
+              <a:defRPr sz="1200"/>
+            </a:lvl1pPr>
+          </a:lstStyle>
+          <a:p>
+            <a:fld id="{7660F773-0F33-4315-98EE-6A38701340F6}" type="slidenum">
+              <a:rPr lang="en-US" smtClean="0"/>
+              <a:t>‹#›</a:t>
+            </a:fld>
+            <a:endParaRPr lang="en-US"/>
+          </a:p>
+        </p:txBody>
+      </p:sp>
+    </p:spTree>
+    <p:extLst>
+      <p:ext uri="{BB962C8B-B14F-4D97-AF65-F5344CB8AC3E}">
+        <p14:creationId xmlns:p14="http://schemas.microsoft.com/office/powerpoint/2010/main" val="2194049336"/>
+      </p:ext>
+    </p:extLst>
+  </p:cSld>
+  <p:clrMap bg1="lt1" tx1="dk1" bg2="lt2" tx2="dk2" accent1="accent1" accent2="accent2" accent3="accent3" accent4="accent4" accent5="accent5" accent6="accent6" hlink="hlink" folHlink="folHlink"/>
+  <p:notesStyle>
+    <a:lvl1pPr marL="0" algn="l" defTabSz="914400" rtl="0" eaLnBrk="1" latinLnBrk="0" hangingPunct="1">
+      <a:defRPr sz="1200" kern="1200">
+        <a:solidFill>
+          <a:schemeClr val="tx1"/>
+        </a:solidFill>
+        <a:latin typeface="+mn-lt"/>
+        <a:ea typeface="+mn-ea"/>
+        <a:cs typeface="+mn-cs"/>
+      </a:defRPr>
+    </a:lvl1pPr>
+    <a:lvl2pPr marL="457200" algn="l" defTabSz="914400" rtl="0" eaLnBrk="1" latinLnBrk="0" hangingPunct="1">
+      <a:defRPr sz="1200" kern="1200">
+        <a:solidFill>
+          <a:schemeClr val="tx1"/>
+        </a:solidFill>
+        <a:latin typeface="+mn-lt"/>
+        <a:ea typeface="+mn-ea"/>
+        <a:cs typeface="+mn-cs"/>
+      </a:defRPr>
+    </a:lvl2pPr>
+    <a:lvl3pPr marL="914400" algn="l" defTabSz="914400" rtl="0" eaLnBrk="1" latinLnBrk="0" hangingPunct="1">
+      <a:defRPr sz="1200" kern="1200">
+        <a:solidFill>
+          <a:schemeClr val="tx1"/>
+        </a:solidFill>
+        <a:latin typeface="+mn-lt"/>
+        <a:ea typeface="+mn-ea"/>
+        <a:cs typeface="+mn-cs"/>
+      </a:defRPr>
+    </a:lvl3pPr>
+    <a:lvl4pPr marL="1371600" algn="l" defTabSz="914400" rtl="0" eaLnBrk="1" latinLnBrk="0" hangingPunct="1">
+      <a:defRPr sz="1200" kern="1200">
+        <a:solidFill>
+          <a:schemeClr val="tx1"/>
+        </a:solidFill>
+        <a:latin typeface="+mn-lt"/>
+        <a:ea typeface="+mn-ea"/>
+        <a:cs typeface="+mn-cs"/>
+      </a:defRPr>
+    </a:lvl4pPr>
+    <a:lvl5pPr marL="1828800" algn="l" defTabSz="914400" rtl="0" eaLnBrk="1" latinLnBrk="0" hangingPunct="1">
+      <a:defRPr sz="1200" kern="1200">
+        <a:solidFill>
+          <a:schemeClr val="tx1"/>
+        </a:solidFill>
+        <a:latin typeface="+mn-lt"/>
+        <a:ea typeface="+mn-ea"/>
+        <a:cs typeface="+mn-cs"/>
+      </a:defRPr>
+    </a:lvl5pPr>
+    <a:lvl6pPr marL="2286000" algn="l" defTabSz="914400" rtl="0" eaLnBrk="1" latinLnBrk="0" hangingPunct="1">
+      <a:defRPr sz="1200" kern="1200">
+        <a:solidFill>
+          <a:schemeClr val="tx1"/>
+        </a:solidFill>
+        <a:latin typeface="+mn-lt"/>
+        <a:ea typeface="+mn-ea"/>
+        <a:cs typeface="+mn-cs"/>
+      </a:defRPr>
+    </a:lvl6pPr>
+    <a:lvl7pPr marL="2743200" algn="l" defTabSz="914400" rtl="0" eaLnBrk="1" latinLnBrk="0" hangingPunct="1">
+      <a:defRPr sz="1200" kern="1200">
+        <a:solidFill>
+          <a:schemeClr val="tx1"/>
+        </a:solidFill>
+        <a:latin typeface="+mn-lt"/>
+        <a:ea typeface="+mn-ea"/>
+        <a:cs typeface="+mn-cs"/>
+      </a:defRPr>
+    </a:lvl7pPr>
+    <a:lvl8pPr marL="3200400" algn="l" defTabSz="914400" rtl="0" eaLnBrk="1" latinLnBrk="0" hangingPunct="1">
+      <a:defRPr sz="1200" kern="1200">
+        <a:solidFill>
+          <a:schemeClr val="tx1"/>
+        </a:solidFill>
+        <a:latin typeface="+mn-lt"/>
+        <a:ea typeface="+mn-ea"/>
+        <a:cs typeface="+mn-cs"/>
+      </a:defRPr>
+    </a:lvl8pPr>
+    <a:lvl9pPr marL="3657600" algn="l" defTabSz="914400" rtl="0" eaLnBrk="1" latinLnBrk="0" hangingPunct="1">
+      <a:defRPr sz="1200" kern="1200">
+        <a:solidFill>
+          <a:schemeClr val="tx1"/>
+        </a:solidFill>
+        <a:latin typeface="+mn-lt"/>
+        <a:ea typeface="+mn-ea"/>
+        <a:cs typeface="+mn-cs"/>
+      </a:defRPr>
+    </a:lvl9pPr>
+  </p:notesStyle>
+</p:notesMaster>
 </file>
 
 <file path=ppt/slideLayouts/slideLayout1.xml><?xml version="1.0" encoding="utf-8"?>
@@ -4778,7 +5136,11 @@
           <a:p>
             <a:r>
               <a:rPr lang="en-US" dirty="0" smtClean="0"/>
-              <a:t>Installation and setup</a:t>
+              <a:t>Installation and </a:t>
+            </a:r>
+            <a:r>
+              <a:rPr lang="en-US" dirty="0" smtClean="0"/>
+              <a:t>setup: Download</a:t>
             </a:r>
             <a:endParaRPr lang="en-US" dirty="0"/>
           </a:p>
@@ -4811,8 +5173,8 @@
         </p:nvSpPr>
         <p:spPr>
           <a:xfrm>
-            <a:off x="1837944" y="931116"/>
-            <a:ext cx="7104888" cy="369332"/>
+            <a:off x="1959197" y="1001840"/>
+            <a:ext cx="6089904" cy="369332"/>
           </a:xfrm>
           <a:prstGeom prst="rect">
             <a:avLst/>
@@ -4861,7 +5223,7 @@
         </p:nvSpPr>
         <p:spPr>
           <a:xfrm>
-            <a:off x="1837944" y="1572768"/>
+            <a:off x="1837944" y="1515084"/>
             <a:ext cx="7388352" cy="369332"/>
           </a:xfrm>
           <a:prstGeom prst="rect">
@@ -4883,6 +5245,245 @@
           </a:p>
         </p:txBody>
       </p:sp>
+      <p:pic>
+        <p:nvPicPr>
+          <p:cNvPr id="11" name="Picture 10"/>
+          <p:cNvPicPr>
+            <a:picLocks noChangeAspect="1"/>
+          </p:cNvPicPr>
+          <p:nvPr/>
+        </p:nvPicPr>
+        <p:blipFill>
+          <a:blip r:embed="rId2"/>
+          <a:stretch>
+            <a:fillRect/>
+          </a:stretch>
+        </p:blipFill>
+        <p:spPr>
+          <a:xfrm>
+            <a:off x="255730" y="2231564"/>
+            <a:ext cx="11735403" cy="2197213"/>
+          </a:xfrm>
+          <a:prstGeom prst="rect">
+            <a:avLst/>
+          </a:prstGeom>
+        </p:spPr>
+      </p:pic>
+      <p:sp>
+        <p:nvSpPr>
+          <p:cNvPr id="13" name="TextBox 12"/>
+          <p:cNvSpPr txBox="1"/>
+          <p:nvPr/>
+        </p:nvSpPr>
+        <p:spPr>
+          <a:xfrm>
+            <a:off x="93519" y="5123073"/>
+            <a:ext cx="7955582" cy="1200329"/>
+          </a:xfrm>
+          <a:prstGeom prst="rect">
+            <a:avLst/>
+          </a:prstGeom>
+          <a:noFill/>
+        </p:spPr>
+        <p:txBody>
+          <a:bodyPr wrap="square" rtlCol="0">
+            <a:spAutoFit/>
+          </a:bodyPr>
+          <a:lstStyle/>
+          <a:p>
+            <a:r>
+              <a:rPr lang="en-US" dirty="0" smtClean="0"/>
+              <a:t>If you want to develop new features, we recommend you to pull the ‘dev’ branch:</a:t>
+            </a:r>
+          </a:p>
+          <a:p>
+            <a:r>
+              <a:rPr lang="en-US" dirty="0" err="1" smtClean="0">
+                <a:solidFill>
+                  <a:schemeClr val="accent2">
+                    <a:lumMod val="75000"/>
+                  </a:schemeClr>
+                </a:solidFill>
+              </a:rPr>
+              <a:t>git</a:t>
+            </a:r>
+            <a:r>
+              <a:rPr lang="en-US" dirty="0" smtClean="0">
+                <a:solidFill>
+                  <a:schemeClr val="accent2">
+                    <a:lumMod val="75000"/>
+                  </a:schemeClr>
+                </a:solidFill>
+              </a:rPr>
+              <a:t> </a:t>
+            </a:r>
+            <a:r>
+              <a:rPr lang="en-US" dirty="0">
+                <a:solidFill>
+                  <a:schemeClr val="accent2">
+                    <a:lumMod val="75000"/>
+                  </a:schemeClr>
+                </a:solidFill>
+              </a:rPr>
+              <a:t>fetch origin </a:t>
+            </a:r>
+            <a:r>
+              <a:rPr lang="en-US" dirty="0" err="1">
+                <a:solidFill>
+                  <a:schemeClr val="accent2">
+                    <a:lumMod val="75000"/>
+                  </a:schemeClr>
+                </a:solidFill>
+              </a:rPr>
+              <a:t>dev:dev</a:t>
+            </a:r>
+            <a:endParaRPr lang="en-US" dirty="0">
+              <a:solidFill>
+                <a:schemeClr val="accent2">
+                  <a:lumMod val="75000"/>
+                </a:schemeClr>
+              </a:solidFill>
+            </a:endParaRPr>
+          </a:p>
+          <a:p>
+            <a:r>
+              <a:rPr lang="en-US" dirty="0" smtClean="0"/>
+              <a:t>(Detailed information about how to play with `</a:t>
+            </a:r>
+            <a:r>
+              <a:rPr lang="en-US" dirty="0" err="1" smtClean="0"/>
+              <a:t>git</a:t>
+            </a:r>
+            <a:r>
+              <a:rPr lang="en-US" dirty="0" smtClean="0"/>
+              <a:t>`, please go to ../doc/git_workflow.pptx).</a:t>
+            </a:r>
+            <a:endParaRPr lang="en-US" dirty="0"/>
+          </a:p>
+        </p:txBody>
+      </p:sp>
+      <p:pic>
+        <p:nvPicPr>
+          <p:cNvPr id="14" name="Picture 13"/>
+          <p:cNvPicPr>
+            <a:picLocks noChangeAspect="1"/>
+          </p:cNvPicPr>
+          <p:nvPr/>
+        </p:nvPicPr>
+        <p:blipFill>
+          <a:blip r:embed="rId3" cstate="print">
+            <a:extLst>
+              <a:ext uri="{28A0092B-C50C-407E-A947-70E740481C1C}">
+                <a14:useLocalDpi xmlns:a14="http://schemas.microsoft.com/office/drawing/2010/main" val="0"/>
+              </a:ext>
+            </a:extLst>
+          </a:blip>
+          <a:stretch>
+            <a:fillRect/>
+          </a:stretch>
+        </p:blipFill>
+        <p:spPr>
+          <a:xfrm>
+            <a:off x="574696" y="913972"/>
+            <a:ext cx="1100030" cy="914400"/>
+          </a:xfrm>
+          <a:prstGeom prst="rect">
+            <a:avLst/>
+          </a:prstGeom>
+        </p:spPr>
+      </p:pic>
+    </p:spTree>
+    <p:extLst>
+      <p:ext uri="{BB962C8B-B14F-4D97-AF65-F5344CB8AC3E}">
+        <p14:creationId xmlns:p14="http://schemas.microsoft.com/office/powerpoint/2010/main" val="313342365"/>
+      </p:ext>
+    </p:extLst>
+  </p:cSld>
+  <p:clrMapOvr>
+    <a:masterClrMapping/>
+  </p:clrMapOvr>
+  <p:timing>
+    <p:tnLst>
+      <p:par>
+        <p:cTn id="1" dur="indefinite" restart="never" nodeType="tmRoot"/>
+      </p:par>
+    </p:tnLst>
+  </p:timing>
+</p:sld>
+</file>
+
+<file path=ppt/slides/slide14.xml><?xml version="1.0" encoding="utf-8"?>
+<p:sld xmlns:a="http://schemas.openxmlformats.org/drawingml/2006/main" xmlns:r="http://schemas.openxmlformats.org/officeDocument/2006/relationships" xmlns:p="http://schemas.openxmlformats.org/presentationml/2006/main">
+  <p:cSld>
+    <p:spTree>
+      <p:nvGrpSpPr>
+        <p:cNvPr id="1" name=""/>
+        <p:cNvGrpSpPr/>
+        <p:nvPr/>
+      </p:nvGrpSpPr>
+      <p:grpSpPr>
+        <a:xfrm>
+          <a:off x="0" y="0"/>
+          <a:ext cx="0" cy="0"/>
+          <a:chOff x="0" y="0"/>
+          <a:chExt cx="0" cy="0"/>
+        </a:xfrm>
+      </p:grpSpPr>
+      <p:sp>
+        <p:nvSpPr>
+          <p:cNvPr id="2" name="Title 1"/>
+          <p:cNvSpPr>
+            <a:spLocks noGrp="1"/>
+          </p:cNvSpPr>
+          <p:nvPr>
+            <p:ph type="title"/>
+          </p:nvPr>
+        </p:nvSpPr>
+        <p:spPr>
+          <a:xfrm>
+            <a:off x="0" y="0"/>
+            <a:ext cx="11201400" cy="1097280"/>
+          </a:xfrm>
+        </p:spPr>
+        <p:txBody>
+          <a:bodyPr/>
+          <a:lstStyle/>
+          <a:p>
+            <a:r>
+              <a:rPr lang="en-US" dirty="0" smtClean="0"/>
+              <a:t>Installation and </a:t>
+            </a:r>
+            <a:r>
+              <a:rPr lang="en-US" dirty="0" smtClean="0"/>
+              <a:t>setup: </a:t>
+            </a:r>
+            <a:r>
+              <a:rPr lang="en-US" dirty="0" err="1" smtClean="0"/>
+              <a:t>config</a:t>
+            </a:r>
+            <a:endParaRPr lang="en-US" dirty="0"/>
+          </a:p>
+        </p:txBody>
+      </p:sp>
+      <p:sp>
+        <p:nvSpPr>
+          <p:cNvPr id="3" name="Text Placeholder 2"/>
+          <p:cNvSpPr>
+            <a:spLocks noGrp="1"/>
+          </p:cNvSpPr>
+          <p:nvPr>
+            <p:ph type="body" sz="quarter" idx="18"/>
+          </p:nvPr>
+        </p:nvSpPr>
+        <p:spPr/>
+        <p:txBody>
+          <a:bodyPr/>
+          <a:lstStyle/>
+          <a:p>
+            <a:endParaRPr lang="en-US" dirty="0"/>
+          </a:p>
+        </p:txBody>
+      </p:sp>
       <p:sp>
         <p:nvSpPr>
           <p:cNvPr id="6" name="TextBox 5"/>
@@ -4891,8 +5492,8 @@
         </p:nvSpPr>
         <p:spPr>
           <a:xfrm>
-            <a:off x="1837944" y="2048256"/>
-            <a:ext cx="7104888" cy="646331"/>
+            <a:off x="219456" y="953636"/>
+            <a:ext cx="3333755" cy="523220"/>
           </a:xfrm>
           <a:prstGeom prst="rect">
             <a:avLst/>
@@ -4919,51 +5520,55 @@
           <a:lstStyle/>
           <a:p>
             <a:r>
-              <a:rPr lang="en-US" dirty="0" smtClean="0"/>
-              <a:t>setup the global </a:t>
-            </a:r>
-            <a:r>
-              <a:rPr lang="en-US" dirty="0" err="1" smtClean="0"/>
+              <a:rPr lang="en-US" sz="2800" b="1" dirty="0" smtClean="0"/>
+              <a:t>PPP global </a:t>
+            </a:r>
+            <a:r>
+              <a:rPr lang="en-US" sz="2800" b="1" dirty="0" err="1" smtClean="0"/>
               <a:t>config</a:t>
             </a:r>
             <a:r>
-              <a:rPr lang="en-US" dirty="0" smtClean="0"/>
-              <a:t> with editing: </a:t>
-            </a:r>
-            <a:r>
-              <a:rPr lang="en-US" dirty="0" err="1" smtClean="0"/>
-              <a:t>Pollynet_Processing_Chain</a:t>
-            </a:r>
-            <a:r>
-              <a:rPr lang="en-US" dirty="0" smtClean="0"/>
-              <a:t>/</a:t>
-            </a:r>
-            <a:r>
-              <a:rPr lang="en-US" dirty="0" err="1" smtClean="0"/>
-              <a:t>config</a:t>
-            </a:r>
-            <a:r>
-              <a:rPr lang="en-US" dirty="0" smtClean="0"/>
-              <a:t>/</a:t>
-            </a:r>
-            <a:r>
-              <a:rPr lang="en-US" dirty="0" err="1" smtClean="0"/>
-              <a:t>pollynet_processing_chain_config.json</a:t>
-            </a:r>
-            <a:endParaRPr lang="en-US" dirty="0"/>
+              <a:rPr lang="en-US" sz="2800" b="1" dirty="0" smtClean="0"/>
+              <a:t>:</a:t>
+            </a:r>
+            <a:endParaRPr lang="en-US" sz="2800" b="1" dirty="0"/>
           </a:p>
         </p:txBody>
       </p:sp>
+      <p:pic>
+        <p:nvPicPr>
+          <p:cNvPr id="7" name="Picture 6"/>
+          <p:cNvPicPr>
+            <a:picLocks noChangeAspect="1"/>
+          </p:cNvPicPr>
+          <p:nvPr/>
+        </p:nvPicPr>
+        <p:blipFill>
+          <a:blip r:embed="rId2"/>
+          <a:stretch>
+            <a:fillRect/>
+          </a:stretch>
+        </p:blipFill>
+        <p:spPr>
+          <a:xfrm>
+            <a:off x="111807" y="1835778"/>
+            <a:ext cx="12002117" cy="260363"/>
+          </a:xfrm>
+          <a:prstGeom prst="rect">
+            <a:avLst/>
+          </a:prstGeom>
+        </p:spPr>
+      </p:pic>
       <p:sp>
         <p:nvSpPr>
-          <p:cNvPr id="7" name="TextBox 6"/>
+          <p:cNvPr id="8" name="TextBox 7"/>
           <p:cNvSpPr txBox="1"/>
           <p:nvPr/>
         </p:nvSpPr>
         <p:spPr>
           <a:xfrm>
-            <a:off x="1837944" y="2800743"/>
-            <a:ext cx="6986016" cy="646331"/>
+            <a:off x="111807" y="1488306"/>
+            <a:ext cx="7370064" cy="369332"/>
           </a:xfrm>
           <a:prstGeom prst="rect">
             <a:avLst/>
@@ -4978,15 +5583,15 @@
           <a:p>
             <a:r>
               <a:rPr lang="en-US" dirty="0" smtClean="0"/>
-              <a:t>You can go to ‘</a:t>
+              <a:t>1. setup the global </a:t>
             </a:r>
             <a:r>
               <a:rPr lang="en-US" dirty="0" err="1" smtClean="0"/>
-              <a:t>template_pollynet_processing_chain_config.json</a:t>
+              <a:t>config</a:t>
             </a:r>
             <a:r>
               <a:rPr lang="en-US" dirty="0" smtClean="0"/>
-              <a:t>’ to see how to configure it</a:t>
+              <a:t> file from the template</a:t>
             </a:r>
             <a:endParaRPr lang="en-US" dirty="0"/>
           </a:p>
@@ -4994,14 +5599,120 @@
       </p:sp>
       <p:sp>
         <p:nvSpPr>
-          <p:cNvPr id="8" name="TextBox 7"/>
+          <p:cNvPr id="24" name="TextBox 23"/>
           <p:cNvSpPr txBox="1"/>
           <p:nvPr/>
         </p:nvSpPr>
         <p:spPr>
           <a:xfrm>
-            <a:off x="1837944" y="3528477"/>
-            <a:ext cx="7104888" cy="923330"/>
+            <a:off x="108002" y="2148839"/>
+            <a:ext cx="7370064" cy="369332"/>
+          </a:xfrm>
+          <a:prstGeom prst="rect">
+            <a:avLst/>
+          </a:prstGeom>
+          <a:noFill/>
+        </p:spPr>
+        <p:txBody>
+          <a:bodyPr wrap="square" rtlCol="0">
+            <a:spAutoFit/>
+          </a:bodyPr>
+          <a:lstStyle/>
+          <a:p>
+            <a:r>
+              <a:rPr lang="en-US" dirty="0" smtClean="0"/>
+              <a:t>2. edit the global </a:t>
+            </a:r>
+            <a:r>
+              <a:rPr lang="en-US" dirty="0" err="1" smtClean="0"/>
+              <a:t>config</a:t>
+            </a:r>
+            <a:r>
+              <a:rPr lang="en-US" dirty="0" smtClean="0"/>
+              <a:t> file</a:t>
+            </a:r>
+            <a:endParaRPr lang="en-US" dirty="0"/>
+          </a:p>
+        </p:txBody>
+      </p:sp>
+      <p:pic>
+        <p:nvPicPr>
+          <p:cNvPr id="26" name="Picture 25"/>
+          <p:cNvPicPr>
+            <a:picLocks noChangeAspect="1"/>
+          </p:cNvPicPr>
+          <p:nvPr/>
+        </p:nvPicPr>
+        <p:blipFill>
+          <a:blip r:embed="rId3"/>
+          <a:stretch>
+            <a:fillRect/>
+          </a:stretch>
+        </p:blipFill>
+        <p:spPr>
+          <a:xfrm>
+            <a:off x="108002" y="2518171"/>
+            <a:ext cx="5173425" cy="4306098"/>
+          </a:xfrm>
+          <a:prstGeom prst="rect">
+            <a:avLst/>
+          </a:prstGeom>
+        </p:spPr>
+      </p:pic>
+      <p:sp>
+        <p:nvSpPr>
+          <p:cNvPr id="27" name="Rectangle 26"/>
+          <p:cNvSpPr/>
+          <p:nvPr/>
+        </p:nvSpPr>
+        <p:spPr>
+          <a:xfrm>
+            <a:off x="91440" y="2493567"/>
+            <a:ext cx="5276088" cy="1505189"/>
+          </a:xfrm>
+          <a:prstGeom prst="rect">
+            <a:avLst/>
+          </a:prstGeom>
+          <a:noFill/>
+          <a:ln w="38100">
+            <a:solidFill>
+              <a:srgbClr val="FF0000"/>
+            </a:solidFill>
+          </a:ln>
+        </p:spPr>
+        <p:style>
+          <a:lnRef idx="1">
+            <a:schemeClr val="accent1"/>
+          </a:lnRef>
+          <a:fillRef idx="3">
+            <a:schemeClr val="accent1"/>
+          </a:fillRef>
+          <a:effectRef idx="2">
+            <a:schemeClr val="accent1"/>
+          </a:effectRef>
+          <a:fontRef idx="minor">
+            <a:schemeClr val="lt1"/>
+          </a:fontRef>
+        </p:style>
+        <p:txBody>
+          <a:bodyPr rtlCol="0" anchor="ctr"/>
+          <a:lstStyle/>
+          <a:p>
+            <a:pPr algn="ctr"/>
+            <a:endParaRPr lang="en-US"/>
+          </a:p>
+        </p:txBody>
+      </p:sp>
+      <p:sp>
+        <p:nvSpPr>
+          <p:cNvPr id="28" name="TextBox 27"/>
+          <p:cNvSpPr txBox="1"/>
+          <p:nvPr/>
+        </p:nvSpPr>
+        <p:spPr>
+          <a:xfrm>
+            <a:off x="5382011" y="2620823"/>
+            <a:ext cx="6486901" cy="1323439"/>
           </a:xfrm>
           <a:prstGeom prst="rect">
             <a:avLst/>
@@ -5028,71 +5739,127 @@
           <a:lstStyle/>
           <a:p>
             <a:r>
-              <a:rPr lang="en-US" dirty="0" smtClean="0"/>
-              <a:t>Add the campaign information with editing:</a:t>
+              <a:rPr lang="en-US" sz="1600" dirty="0" smtClean="0"/>
+              <a:t>- directories: according to your own requirements.</a:t>
             </a:r>
           </a:p>
           <a:p>
             <a:r>
-              <a:rPr lang="en-US" dirty="0" err="1" smtClean="0"/>
-              <a:t>Pollynet_Processing_Chain</a:t>
-            </a:r>
-            <a:r>
-              <a:rPr lang="en-US" dirty="0" smtClean="0"/>
-              <a:t>/</a:t>
-            </a:r>
-            <a:r>
-              <a:rPr lang="en-US" dirty="0" err="1" smtClean="0"/>
-              <a:t>todo_filelist</a:t>
-            </a:r>
-            <a:r>
-              <a:rPr lang="en-US" dirty="0" smtClean="0"/>
-              <a:t>/pollynet_of_history_places_new.txt</a:t>
-            </a:r>
-            <a:endParaRPr lang="en-US" dirty="0"/>
+              <a:rPr lang="en-US" sz="1600" dirty="0" smtClean="0"/>
+              <a:t>- ‘</a:t>
+            </a:r>
+            <a:r>
+              <a:rPr lang="en-US" sz="1600" dirty="0" err="1" smtClean="0"/>
+              <a:t>fileinfo_new</a:t>
+            </a:r>
+            <a:r>
+              <a:rPr lang="en-US" sz="1600" dirty="0" smtClean="0"/>
+              <a:t>’, ‘</a:t>
+            </a:r>
+            <a:r>
+              <a:rPr lang="en-US" sz="1600" dirty="0" err="1" smtClean="0"/>
+              <a:t>doneListFile</a:t>
+            </a:r>
+            <a:r>
+              <a:rPr lang="en-US" sz="1600" dirty="0" smtClean="0"/>
+              <a:t>’, ‘</a:t>
+            </a:r>
+            <a:r>
+              <a:rPr lang="en-US" sz="1600" dirty="0" err="1" smtClean="0"/>
+              <a:t>log_folder</a:t>
+            </a:r>
+            <a:r>
+              <a:rPr lang="en-US" sz="1600" dirty="0" smtClean="0"/>
+              <a:t>’, ‘</a:t>
+            </a:r>
+            <a:r>
+              <a:rPr lang="en-US" sz="1600" dirty="0" err="1" smtClean="0"/>
+              <a:t>results_folder</a:t>
+            </a:r>
+            <a:r>
+              <a:rPr lang="en-US" sz="1600" dirty="0" smtClean="0"/>
+              <a:t>’ and ‘</a:t>
+            </a:r>
+            <a:r>
+              <a:rPr lang="en-US" sz="1600" dirty="0" err="1" smtClean="0"/>
+              <a:t>pic_folder</a:t>
+            </a:r>
+            <a:r>
+              <a:rPr lang="en-US" sz="1600" dirty="0" smtClean="0"/>
+              <a:t>’ will be created automatically</a:t>
+            </a:r>
+          </a:p>
+          <a:p>
+            <a:r>
+              <a:rPr lang="en-US" sz="1600" dirty="0" smtClean="0"/>
+              <a:t>- ‘</a:t>
+            </a:r>
+            <a:r>
+              <a:rPr lang="en-US" sz="1600" dirty="0" err="1" smtClean="0"/>
+              <a:t>pollynet_history_of_places_new</a:t>
+            </a:r>
+            <a:r>
+              <a:rPr lang="en-US" sz="1600" dirty="0" smtClean="0"/>
+              <a:t>’, ‘</a:t>
+            </a:r>
+            <a:r>
+              <a:rPr lang="en-US" sz="1600" dirty="0" err="1" smtClean="0"/>
+              <a:t>pollynet_config_history_file</a:t>
+            </a:r>
+            <a:r>
+              <a:rPr lang="en-US" sz="1600" dirty="0" smtClean="0"/>
+              <a:t>’ can be found inside the PPP</a:t>
+            </a:r>
+            <a:endParaRPr lang="en-US" sz="1600" dirty="0"/>
           </a:p>
         </p:txBody>
       </p:sp>
+      <p:cxnSp>
+        <p:nvCxnSpPr>
+          <p:cNvPr id="30" name="Straight Arrow Connector 29"/>
+          <p:cNvCxnSpPr/>
+          <p:nvPr/>
+        </p:nvCxnSpPr>
+        <p:spPr>
+          <a:xfrm>
+            <a:off x="2121408" y="5614416"/>
+            <a:ext cx="3392424" cy="160133"/>
+          </a:xfrm>
+          <a:prstGeom prst="straightConnector1">
+            <a:avLst/>
+          </a:prstGeom>
+          <a:ln>
+            <a:solidFill>
+              <a:srgbClr val="FF0000"/>
+            </a:solidFill>
+            <a:tailEnd type="triangle"/>
+          </a:ln>
+        </p:spPr>
+        <p:style>
+          <a:lnRef idx="2">
+            <a:schemeClr val="accent1"/>
+          </a:lnRef>
+          <a:fillRef idx="0">
+            <a:schemeClr val="accent1"/>
+          </a:fillRef>
+          <a:effectRef idx="1">
+            <a:schemeClr val="accent1"/>
+          </a:effectRef>
+          <a:fontRef idx="minor">
+            <a:schemeClr val="tx1"/>
+          </a:fontRef>
+        </p:style>
+      </p:cxnSp>
       <p:sp>
         <p:nvSpPr>
-          <p:cNvPr id="9" name="TextBox 8"/>
+          <p:cNvPr id="31" name="TextBox 30"/>
           <p:cNvSpPr txBox="1"/>
           <p:nvPr/>
         </p:nvSpPr>
         <p:spPr>
           <a:xfrm>
-            <a:off x="1975104" y="4599432"/>
-            <a:ext cx="6967728" cy="646331"/>
-          </a:xfrm>
-          <a:prstGeom prst="rect">
-            <a:avLst/>
-          </a:prstGeom>
-          <a:noFill/>
-        </p:spPr>
-        <p:txBody>
-          <a:bodyPr wrap="square" rtlCol="0">
-            <a:spAutoFit/>
-          </a:bodyPr>
-          <a:lstStyle/>
-          <a:p>
-            <a:r>
-              <a:rPr lang="en-US" dirty="0" smtClean="0"/>
-              <a:t>Take care about the format of the settings, best way is to copy the line before and then edit it according to your own demands</a:t>
-            </a:r>
-            <a:endParaRPr lang="en-US" dirty="0"/>
-          </a:p>
-        </p:txBody>
-      </p:sp>
-      <p:sp>
-        <p:nvSpPr>
-          <p:cNvPr id="10" name="TextBox 9"/>
-          <p:cNvSpPr txBox="1"/>
-          <p:nvPr/>
-        </p:nvSpPr>
-        <p:spPr>
-          <a:xfrm>
-            <a:off x="1837944" y="5245763"/>
-            <a:ext cx="7104888" cy="646331"/>
+            <a:off x="5600700" y="5605272"/>
+            <a:ext cx="6414516" cy="338554"/>
           </a:xfrm>
           <a:prstGeom prst="rect">
             <a:avLst/>
@@ -5119,69 +5886,69 @@
           <a:lstStyle/>
           <a:p>
             <a:r>
-              <a:rPr lang="en-US" dirty="0" smtClean="0"/>
-              <a:t>Specify the </a:t>
-            </a:r>
-            <a:r>
-              <a:rPr lang="en-US" dirty="0" err="1" smtClean="0"/>
+              <a:rPr lang="en-US" sz="1600" dirty="0" smtClean="0"/>
+              <a:t>to control whether to delete the unzipped </a:t>
+            </a:r>
+            <a:r>
+              <a:rPr lang="en-US" sz="1600" dirty="0" err="1" smtClean="0"/>
               <a:t>polly</a:t>
             </a:r>
             <a:r>
-              <a:rPr lang="en-US" dirty="0" smtClean="0"/>
-              <a:t> settings with editing:</a:t>
-            </a:r>
-          </a:p>
-          <a:p>
-            <a:r>
-              <a:rPr lang="en-US" dirty="0" err="1" smtClean="0"/>
-              <a:t>Pollynet_Processing_Chain</a:t>
-            </a:r>
-            <a:r>
-              <a:rPr lang="en-US" dirty="0" smtClean="0"/>
-              <a:t>/</a:t>
-            </a:r>
-            <a:r>
-              <a:rPr lang="en-US" dirty="0" err="1" smtClean="0"/>
-              <a:t>config</a:t>
-            </a:r>
-            <a:r>
-              <a:rPr lang="en-US" dirty="0" smtClean="0"/>
-              <a:t>/{</a:t>
-            </a:r>
-            <a:r>
-              <a:rPr lang="en-US" dirty="0" err="1" smtClean="0"/>
-              <a:t>polly</a:t>
-            </a:r>
-            <a:r>
-              <a:rPr lang="en-US" dirty="0" smtClean="0"/>
-              <a:t>}_</a:t>
-            </a:r>
-            <a:r>
-              <a:rPr lang="en-US" dirty="0" err="1" smtClean="0"/>
-              <a:t>config</a:t>
-            </a:r>
-            <a:r>
-              <a:rPr lang="en-US" dirty="0" smtClean="0"/>
-              <a:t>_{date}.</a:t>
-            </a:r>
-            <a:r>
-              <a:rPr lang="en-US" dirty="0" err="1" smtClean="0"/>
-              <a:t>json</a:t>
-            </a:r>
-            <a:endParaRPr lang="en-US" dirty="0"/>
+              <a:rPr lang="en-US" sz="1600" dirty="0" smtClean="0"/>
+              <a:t> data after each processing. </a:t>
+            </a:r>
+            <a:endParaRPr lang="en-US" sz="1600" dirty="0"/>
           </a:p>
         </p:txBody>
       </p:sp>
+      <p:cxnSp>
+        <p:nvCxnSpPr>
+          <p:cNvPr id="32" name="Straight Arrow Connector 31"/>
+          <p:cNvCxnSpPr>
+            <a:endCxn id="35" idx="1"/>
+          </p:cNvCxnSpPr>
+          <p:nvPr/>
+        </p:nvCxnSpPr>
+        <p:spPr>
+          <a:xfrm flipV="1">
+            <a:off x="3699515" y="5299282"/>
+            <a:ext cx="1901185" cy="159686"/>
+          </a:xfrm>
+          <a:prstGeom prst="straightConnector1">
+            <a:avLst/>
+          </a:prstGeom>
+          <a:ln>
+            <a:solidFill>
+              <a:srgbClr val="FF0000"/>
+            </a:solidFill>
+            <a:tailEnd type="triangle"/>
+          </a:ln>
+        </p:spPr>
+        <p:style>
+          <a:lnRef idx="2">
+            <a:schemeClr val="accent1"/>
+          </a:lnRef>
+          <a:fillRef idx="0">
+            <a:schemeClr val="accent1"/>
+          </a:fillRef>
+          <a:effectRef idx="1">
+            <a:schemeClr val="accent1"/>
+          </a:effectRef>
+          <a:fontRef idx="minor">
+            <a:schemeClr val="tx1"/>
+          </a:fontRef>
+        </p:style>
+      </p:cxnSp>
       <p:sp>
         <p:nvSpPr>
-          <p:cNvPr id="12" name="TextBox 11"/>
+          <p:cNvPr id="35" name="TextBox 34"/>
           <p:cNvSpPr txBox="1"/>
           <p:nvPr/>
         </p:nvSpPr>
         <p:spPr>
           <a:xfrm>
-            <a:off x="1837944" y="6046403"/>
-            <a:ext cx="7104888" cy="646331"/>
+            <a:off x="5600700" y="5006894"/>
+            <a:ext cx="6414516" cy="584775"/>
           </a:xfrm>
           <a:prstGeom prst="rect">
             <a:avLst/>
@@ -5208,43 +5975,25 @@
           <a:lstStyle/>
           <a:p>
             <a:r>
-              <a:rPr lang="en-US" dirty="0" smtClean="0"/>
-              <a:t>Add a new </a:t>
-            </a:r>
-            <a:r>
-              <a:rPr lang="en-US" dirty="0" err="1" smtClean="0"/>
-              <a:t>config</a:t>
-            </a:r>
-            <a:r>
-              <a:rPr lang="en-US" dirty="0" smtClean="0"/>
-              <a:t> history with editing:</a:t>
-            </a:r>
-          </a:p>
-          <a:p>
-            <a:r>
-              <a:rPr lang="en-US" dirty="0" err="1" smtClean="0"/>
-              <a:t>Pollynet_Processing_Chain</a:t>
-            </a:r>
-            <a:r>
-              <a:rPr lang="en-US" dirty="0" smtClean="0"/>
-              <a:t>/</a:t>
-            </a:r>
-            <a:r>
-              <a:rPr lang="en-US" dirty="0" err="1" smtClean="0"/>
-              <a:t>config</a:t>
-            </a:r>
-            <a:r>
-              <a:rPr lang="en-US" dirty="0" smtClean="0"/>
-              <a:t>/pollynet_Processing_config_history.txt</a:t>
-            </a:r>
-            <a:endParaRPr lang="en-US" dirty="0"/>
+              <a:rPr lang="en-US" altLang="zh-CN" sz="1600" dirty="0" smtClean="0"/>
+              <a:t>python 3 folder: PPP uses python3 for data visualization if ‘</a:t>
+            </a:r>
+            <a:r>
+              <a:rPr lang="en-US" altLang="zh-CN" sz="1600" dirty="0" err="1" smtClean="0"/>
+              <a:t>visualizationMode’was</a:t>
+            </a:r>
+            <a:r>
+              <a:rPr lang="en-US" altLang="zh-CN" sz="1600" dirty="0" smtClean="0"/>
+              <a:t> set ‘python’</a:t>
+            </a:r>
+            <a:endParaRPr lang="en-US" sz="1600" dirty="0"/>
           </a:p>
         </p:txBody>
       </p:sp>
     </p:spTree>
     <p:extLst>
       <p:ext uri="{BB962C8B-B14F-4D97-AF65-F5344CB8AC3E}">
-        <p14:creationId xmlns:p14="http://schemas.microsoft.com/office/powerpoint/2010/main" val="313342365"/>
+        <p14:creationId xmlns:p14="http://schemas.microsoft.com/office/powerpoint/2010/main" val="2079905618"/>
       </p:ext>
     </p:extLst>
   </p:cSld>
@@ -5261,7 +6010,1252 @@
 </p:sld>
 </file>
 
-<file path=ppt/slides/slide14.xml><?xml version="1.0" encoding="utf-8"?>
+<file path=ppt/slides/slide15.xml><?xml version="1.0" encoding="utf-8"?>
+<p:sld xmlns:a="http://schemas.openxmlformats.org/drawingml/2006/main" xmlns:r="http://schemas.openxmlformats.org/officeDocument/2006/relationships" xmlns:p="http://schemas.openxmlformats.org/presentationml/2006/main">
+  <p:cSld>
+    <p:spTree>
+      <p:nvGrpSpPr>
+        <p:cNvPr id="1" name=""/>
+        <p:cNvGrpSpPr/>
+        <p:nvPr/>
+      </p:nvGrpSpPr>
+      <p:grpSpPr>
+        <a:xfrm>
+          <a:off x="0" y="0"/>
+          <a:ext cx="0" cy="0"/>
+          <a:chOff x="0" y="0"/>
+          <a:chExt cx="0" cy="0"/>
+        </a:xfrm>
+      </p:grpSpPr>
+      <p:sp>
+        <p:nvSpPr>
+          <p:cNvPr id="2" name="Title 1"/>
+          <p:cNvSpPr>
+            <a:spLocks noGrp="1"/>
+          </p:cNvSpPr>
+          <p:nvPr>
+            <p:ph type="title"/>
+          </p:nvPr>
+        </p:nvSpPr>
+        <p:spPr/>
+        <p:txBody>
+          <a:bodyPr/>
+          <a:lstStyle/>
+          <a:p>
+            <a:r>
+              <a:rPr lang="en-US" dirty="0" smtClean="0"/>
+              <a:t>Installation and </a:t>
+            </a:r>
+            <a:r>
+              <a:rPr lang="en-US" dirty="0" smtClean="0"/>
+              <a:t>setup</a:t>
+            </a:r>
+            <a:r>
+              <a:rPr lang="en-US" dirty="0" smtClean="0"/>
+              <a:t>: </a:t>
+            </a:r>
+            <a:r>
+              <a:rPr lang="en-US" dirty="0" err="1" smtClean="0"/>
+              <a:t>config</a:t>
+            </a:r>
+            <a:endParaRPr lang="en-US" dirty="0"/>
+          </a:p>
+        </p:txBody>
+      </p:sp>
+      <p:sp>
+        <p:nvSpPr>
+          <p:cNvPr id="3" name="Text Placeholder 2"/>
+          <p:cNvSpPr>
+            <a:spLocks noGrp="1"/>
+          </p:cNvSpPr>
+          <p:nvPr>
+            <p:ph type="body" sz="quarter" idx="18"/>
+          </p:nvPr>
+        </p:nvSpPr>
+        <p:spPr/>
+        <p:txBody>
+          <a:bodyPr/>
+          <a:lstStyle/>
+          <a:p>
+            <a:endParaRPr lang="en-US" dirty="0"/>
+          </a:p>
+        </p:txBody>
+      </p:sp>
+      <p:sp>
+        <p:nvSpPr>
+          <p:cNvPr id="13" name="TextBox 12"/>
+          <p:cNvSpPr txBox="1"/>
+          <p:nvPr/>
+        </p:nvSpPr>
+        <p:spPr>
+          <a:xfrm>
+            <a:off x="219456" y="953636"/>
+            <a:ext cx="3333755" cy="523220"/>
+          </a:xfrm>
+          <a:prstGeom prst="rect">
+            <a:avLst/>
+          </a:prstGeom>
+        </p:spPr>
+        <p:style>
+          <a:lnRef idx="2">
+            <a:schemeClr val="accent1"/>
+          </a:lnRef>
+          <a:fillRef idx="1">
+            <a:schemeClr val="lt1"/>
+          </a:fillRef>
+          <a:effectRef idx="0">
+            <a:schemeClr val="accent1"/>
+          </a:effectRef>
+          <a:fontRef idx="minor">
+            <a:schemeClr val="dk1"/>
+          </a:fontRef>
+        </p:style>
+        <p:txBody>
+          <a:bodyPr wrap="square" rtlCol="0">
+            <a:spAutoFit/>
+          </a:bodyPr>
+          <a:lstStyle/>
+          <a:p>
+            <a:r>
+              <a:rPr lang="en-US" sz="2800" b="1" dirty="0" smtClean="0"/>
+              <a:t>PPP add campaign:</a:t>
+            </a:r>
+            <a:endParaRPr lang="en-US" sz="2800" b="1" dirty="0"/>
+          </a:p>
+        </p:txBody>
+      </p:sp>
+      <p:pic>
+        <p:nvPicPr>
+          <p:cNvPr id="14" name="Picture 13"/>
+          <p:cNvPicPr>
+            <a:picLocks noChangeAspect="1"/>
+          </p:cNvPicPr>
+          <p:nvPr/>
+        </p:nvPicPr>
+        <p:blipFill>
+          <a:blip r:embed="rId2"/>
+          <a:stretch>
+            <a:fillRect/>
+          </a:stretch>
+        </p:blipFill>
+        <p:spPr>
+          <a:xfrm>
+            <a:off x="1078021" y="1587622"/>
+            <a:ext cx="8115717" cy="171459"/>
+          </a:xfrm>
+          <a:prstGeom prst="rect">
+            <a:avLst/>
+          </a:prstGeom>
+        </p:spPr>
+      </p:pic>
+      <p:sp>
+        <p:nvSpPr>
+          <p:cNvPr id="15" name="TextBox 14"/>
+          <p:cNvSpPr txBox="1"/>
+          <p:nvPr/>
+        </p:nvSpPr>
+        <p:spPr>
+          <a:xfrm>
+            <a:off x="93519" y="4012929"/>
+            <a:ext cx="8650224" cy="1477328"/>
+          </a:xfrm>
+          <a:prstGeom prst="rect">
+            <a:avLst/>
+          </a:prstGeom>
+          <a:noFill/>
+        </p:spPr>
+        <p:txBody>
+          <a:bodyPr wrap="square" rtlCol="0">
+            <a:spAutoFit/>
+          </a:bodyPr>
+          <a:lstStyle/>
+          <a:p>
+            <a:r>
+              <a:rPr lang="en-US" dirty="0" smtClean="0"/>
+              <a:t>Normally, this file was generated from the database. But if there is no connection to the database, you need to add new campaign info manually. </a:t>
+            </a:r>
+          </a:p>
+          <a:p>
+            <a:endParaRPr lang="en-US" dirty="0"/>
+          </a:p>
+          <a:p>
+            <a:r>
+              <a:rPr lang="en-US" dirty="0" smtClean="0"/>
+              <a:t>(Be careful about the character of the ‘space’, actually it consists of ‘tab’. So better way is to copy the line before and edit it according to your campaign.)</a:t>
+            </a:r>
+            <a:endParaRPr lang="en-US" dirty="0"/>
+          </a:p>
+        </p:txBody>
+      </p:sp>
+      <p:pic>
+        <p:nvPicPr>
+          <p:cNvPr id="16" name="Picture 15"/>
+          <p:cNvPicPr>
+            <a:picLocks noChangeAspect="1"/>
+          </p:cNvPicPr>
+          <p:nvPr/>
+        </p:nvPicPr>
+        <p:blipFill>
+          <a:blip r:embed="rId3"/>
+          <a:stretch>
+            <a:fillRect/>
+          </a:stretch>
+        </p:blipFill>
+        <p:spPr>
+          <a:xfrm>
+            <a:off x="219456" y="2377557"/>
+            <a:ext cx="11525842" cy="1409772"/>
+          </a:xfrm>
+          <a:prstGeom prst="rect">
+            <a:avLst/>
+          </a:prstGeom>
+        </p:spPr>
+      </p:pic>
+      <p:sp>
+        <p:nvSpPr>
+          <p:cNvPr id="17" name="Down Arrow 16"/>
+          <p:cNvSpPr/>
+          <p:nvPr/>
+        </p:nvSpPr>
+        <p:spPr>
+          <a:xfrm>
+            <a:off x="4727448" y="1869847"/>
+            <a:ext cx="301752" cy="396944"/>
+          </a:xfrm>
+          <a:prstGeom prst="downArrow">
+            <a:avLst/>
+          </a:prstGeom>
+        </p:spPr>
+        <p:style>
+          <a:lnRef idx="1">
+            <a:schemeClr val="accent1"/>
+          </a:lnRef>
+          <a:fillRef idx="3">
+            <a:schemeClr val="accent1"/>
+          </a:fillRef>
+          <a:effectRef idx="2">
+            <a:schemeClr val="accent1"/>
+          </a:effectRef>
+          <a:fontRef idx="minor">
+            <a:schemeClr val="lt1"/>
+          </a:fontRef>
+        </p:style>
+        <p:txBody>
+          <a:bodyPr rtlCol="0" anchor="ctr"/>
+          <a:lstStyle/>
+          <a:p>
+            <a:pPr algn="ctr"/>
+            <a:endParaRPr lang="en-US"/>
+          </a:p>
+        </p:txBody>
+      </p:sp>
+    </p:spTree>
+    <p:extLst>
+      <p:ext uri="{BB962C8B-B14F-4D97-AF65-F5344CB8AC3E}">
+        <p14:creationId xmlns:p14="http://schemas.microsoft.com/office/powerpoint/2010/main" val="906401588"/>
+      </p:ext>
+    </p:extLst>
+  </p:cSld>
+  <p:clrMapOvr>
+    <a:masterClrMapping/>
+  </p:clrMapOvr>
+  <p:timing>
+    <p:tnLst>
+      <p:par>
+        <p:cTn id="1" dur="indefinite" restart="never" nodeType="tmRoot"/>
+      </p:par>
+    </p:tnLst>
+  </p:timing>
+</p:sld>
+</file>
+
+<file path=ppt/slides/slide16.xml><?xml version="1.0" encoding="utf-8"?>
+<p:sld xmlns:a="http://schemas.openxmlformats.org/drawingml/2006/main" xmlns:r="http://schemas.openxmlformats.org/officeDocument/2006/relationships" xmlns:p="http://schemas.openxmlformats.org/presentationml/2006/main">
+  <p:cSld>
+    <p:spTree>
+      <p:nvGrpSpPr>
+        <p:cNvPr id="1" name=""/>
+        <p:cNvGrpSpPr/>
+        <p:nvPr/>
+      </p:nvGrpSpPr>
+      <p:grpSpPr>
+        <a:xfrm>
+          <a:off x="0" y="0"/>
+          <a:ext cx="0" cy="0"/>
+          <a:chOff x="0" y="0"/>
+          <a:chExt cx="0" cy="0"/>
+        </a:xfrm>
+      </p:grpSpPr>
+      <p:sp>
+        <p:nvSpPr>
+          <p:cNvPr id="2" name="Title 1"/>
+          <p:cNvSpPr>
+            <a:spLocks noGrp="1"/>
+          </p:cNvSpPr>
+          <p:nvPr>
+            <p:ph type="title"/>
+          </p:nvPr>
+        </p:nvSpPr>
+        <p:spPr/>
+        <p:txBody>
+          <a:bodyPr/>
+          <a:lstStyle/>
+          <a:p>
+            <a:r>
+              <a:rPr lang="en-US" dirty="0" smtClean="0"/>
+              <a:t>Installation and </a:t>
+            </a:r>
+            <a:r>
+              <a:rPr lang="en-US" dirty="0" smtClean="0"/>
+              <a:t>setup</a:t>
+            </a:r>
+            <a:r>
+              <a:rPr lang="en-US" dirty="0" smtClean="0"/>
+              <a:t>: </a:t>
+            </a:r>
+            <a:r>
+              <a:rPr lang="en-US" dirty="0" err="1" smtClean="0"/>
+              <a:t>config</a:t>
+            </a:r>
+            <a:endParaRPr lang="en-US" dirty="0"/>
+          </a:p>
+        </p:txBody>
+      </p:sp>
+      <p:sp>
+        <p:nvSpPr>
+          <p:cNvPr id="3" name="Text Placeholder 2"/>
+          <p:cNvSpPr>
+            <a:spLocks noGrp="1"/>
+          </p:cNvSpPr>
+          <p:nvPr>
+            <p:ph type="body" sz="quarter" idx="18"/>
+          </p:nvPr>
+        </p:nvSpPr>
+        <p:spPr/>
+        <p:txBody>
+          <a:bodyPr/>
+          <a:lstStyle/>
+          <a:p>
+            <a:endParaRPr lang="en-US" dirty="0"/>
+          </a:p>
+        </p:txBody>
+      </p:sp>
+      <p:sp>
+        <p:nvSpPr>
+          <p:cNvPr id="13" name="TextBox 12"/>
+          <p:cNvSpPr txBox="1"/>
+          <p:nvPr/>
+        </p:nvSpPr>
+        <p:spPr>
+          <a:xfrm>
+            <a:off x="219456" y="953636"/>
+            <a:ext cx="3333755" cy="523220"/>
+          </a:xfrm>
+          <a:prstGeom prst="rect">
+            <a:avLst/>
+          </a:prstGeom>
+        </p:spPr>
+        <p:style>
+          <a:lnRef idx="2">
+            <a:schemeClr val="accent1"/>
+          </a:lnRef>
+          <a:fillRef idx="1">
+            <a:schemeClr val="lt1"/>
+          </a:fillRef>
+          <a:effectRef idx="0">
+            <a:schemeClr val="accent1"/>
+          </a:effectRef>
+          <a:fontRef idx="minor">
+            <a:schemeClr val="dk1"/>
+          </a:fontRef>
+        </p:style>
+        <p:txBody>
+          <a:bodyPr wrap="square" rtlCol="0">
+            <a:spAutoFit/>
+          </a:bodyPr>
+          <a:lstStyle/>
+          <a:p>
+            <a:r>
+              <a:rPr lang="en-US" sz="2800" b="1" dirty="0" smtClean="0"/>
+              <a:t>PPP add </a:t>
+            </a:r>
+            <a:r>
+              <a:rPr lang="en-US" sz="2800" b="1" dirty="0" err="1" smtClean="0"/>
+              <a:t>polly</a:t>
+            </a:r>
+            <a:r>
+              <a:rPr lang="en-US" sz="2800" b="1" dirty="0" smtClean="0"/>
+              <a:t> </a:t>
+            </a:r>
+            <a:r>
+              <a:rPr lang="en-US" sz="2800" b="1" dirty="0" err="1" smtClean="0"/>
+              <a:t>config</a:t>
+            </a:r>
+            <a:r>
+              <a:rPr lang="en-US" sz="2800" b="1" dirty="0" smtClean="0"/>
+              <a:t>:</a:t>
+            </a:r>
+            <a:endParaRPr lang="en-US" sz="2800" b="1" dirty="0"/>
+          </a:p>
+        </p:txBody>
+      </p:sp>
+      <p:pic>
+        <p:nvPicPr>
+          <p:cNvPr id="4" name="Picture 3"/>
+          <p:cNvPicPr>
+            <a:picLocks noChangeAspect="1"/>
+          </p:cNvPicPr>
+          <p:nvPr/>
+        </p:nvPicPr>
+        <p:blipFill>
+          <a:blip r:embed="rId2"/>
+          <a:stretch>
+            <a:fillRect/>
+          </a:stretch>
+        </p:blipFill>
+        <p:spPr>
+          <a:xfrm>
+            <a:off x="594360" y="1979723"/>
+            <a:ext cx="11081319" cy="266714"/>
+          </a:xfrm>
+          <a:prstGeom prst="rect">
+            <a:avLst/>
+          </a:prstGeom>
+        </p:spPr>
+      </p:pic>
+      <p:sp>
+        <p:nvSpPr>
+          <p:cNvPr id="5" name="TextBox 4"/>
+          <p:cNvSpPr txBox="1"/>
+          <p:nvPr/>
+        </p:nvSpPr>
+        <p:spPr>
+          <a:xfrm>
+            <a:off x="594360" y="1516763"/>
+            <a:ext cx="10753344" cy="369332"/>
+          </a:xfrm>
+          <a:prstGeom prst="rect">
+            <a:avLst/>
+          </a:prstGeom>
+          <a:noFill/>
+        </p:spPr>
+        <p:txBody>
+          <a:bodyPr wrap="square" rtlCol="0">
+            <a:spAutoFit/>
+          </a:bodyPr>
+          <a:lstStyle/>
+          <a:p>
+            <a:r>
+              <a:rPr lang="en-US" dirty="0" smtClean="0"/>
+              <a:t>Copy the ‘</a:t>
+            </a:r>
+            <a:r>
+              <a:rPr lang="en-US" dirty="0" err="1" smtClean="0"/>
+              <a:t>template_config.json</a:t>
+            </a:r>
+            <a:r>
+              <a:rPr lang="en-US" dirty="0" smtClean="0"/>
+              <a:t>’ to a new </a:t>
+            </a:r>
+            <a:r>
+              <a:rPr lang="en-US" dirty="0" err="1" smtClean="0"/>
+              <a:t>polly</a:t>
+            </a:r>
+            <a:r>
+              <a:rPr lang="en-US" dirty="0" smtClean="0"/>
+              <a:t> </a:t>
+            </a:r>
+            <a:r>
+              <a:rPr lang="en-US" dirty="0" err="1" smtClean="0"/>
+              <a:t>config</a:t>
+            </a:r>
+            <a:r>
+              <a:rPr lang="en-US" dirty="0" smtClean="0"/>
+              <a:t> file with the naming of ‘{</a:t>
+            </a:r>
+            <a:r>
+              <a:rPr lang="en-US" dirty="0" err="1" smtClean="0"/>
+              <a:t>polly</a:t>
+            </a:r>
+            <a:r>
+              <a:rPr lang="en-US" dirty="0" smtClean="0"/>
+              <a:t>-type}_</a:t>
+            </a:r>
+            <a:r>
+              <a:rPr lang="en-US" dirty="0" err="1" smtClean="0"/>
+              <a:t>config</a:t>
+            </a:r>
+            <a:r>
+              <a:rPr lang="en-US" dirty="0" smtClean="0"/>
+              <a:t>_{date}.</a:t>
+            </a:r>
+            <a:r>
+              <a:rPr lang="en-US" dirty="0" err="1" smtClean="0"/>
+              <a:t>json</a:t>
+            </a:r>
+            <a:r>
+              <a:rPr lang="en-US" dirty="0" smtClean="0"/>
+              <a:t>’</a:t>
+            </a:r>
+            <a:endParaRPr lang="en-US" dirty="0"/>
+          </a:p>
+        </p:txBody>
+      </p:sp>
+      <p:pic>
+        <p:nvPicPr>
+          <p:cNvPr id="7" name="Picture 6"/>
+          <p:cNvPicPr>
+            <a:picLocks noChangeAspect="1"/>
+          </p:cNvPicPr>
+          <p:nvPr/>
+        </p:nvPicPr>
+        <p:blipFill>
+          <a:blip r:embed="rId3"/>
+          <a:stretch>
+            <a:fillRect/>
+          </a:stretch>
+        </p:blipFill>
+        <p:spPr>
+          <a:xfrm>
+            <a:off x="372871" y="2382696"/>
+            <a:ext cx="4972306" cy="4305521"/>
+          </a:xfrm>
+          <a:prstGeom prst="rect">
+            <a:avLst/>
+          </a:prstGeom>
+        </p:spPr>
+      </p:pic>
+      <p:sp>
+        <p:nvSpPr>
+          <p:cNvPr id="8" name="TextBox 7"/>
+          <p:cNvSpPr txBox="1"/>
+          <p:nvPr/>
+        </p:nvSpPr>
+        <p:spPr>
+          <a:xfrm>
+            <a:off x="5624529" y="2687480"/>
+            <a:ext cx="3995928" cy="3277820"/>
+          </a:xfrm>
+          <a:prstGeom prst="rect">
+            <a:avLst/>
+          </a:prstGeom>
+          <a:noFill/>
+        </p:spPr>
+        <p:txBody>
+          <a:bodyPr wrap="square" rtlCol="0">
+            <a:spAutoFit/>
+          </a:bodyPr>
+          <a:lstStyle/>
+          <a:p>
+            <a:r>
+              <a:rPr lang="en-US" dirty="0" smtClean="0"/>
+              <a:t>You may need to change the settings of:</a:t>
+            </a:r>
+          </a:p>
+          <a:p>
+            <a:pPr marL="285750" indent="-285750">
+              <a:lnSpc>
+                <a:spcPct val="150000"/>
+              </a:lnSpc>
+              <a:buFont typeface="Arial" panose="020B0604020202020204" pitchFamily="34" charset="0"/>
+              <a:buChar char="•"/>
+            </a:pPr>
+            <a:r>
+              <a:rPr lang="en-US" dirty="0" smtClean="0"/>
+              <a:t>gdas1Site</a:t>
+            </a:r>
+          </a:p>
+          <a:p>
+            <a:pPr marL="285750" indent="-285750">
+              <a:buFont typeface="Arial" panose="020B0604020202020204" pitchFamily="34" charset="0"/>
+              <a:buChar char="•"/>
+            </a:pPr>
+            <a:r>
+              <a:rPr lang="en-US" dirty="0" err="1" smtClean="0"/>
+              <a:t>AERONETSite</a:t>
+            </a:r>
+            <a:endParaRPr lang="en-US" dirty="0" smtClean="0"/>
+          </a:p>
+          <a:p>
+            <a:pPr marL="285750" indent="-285750">
+              <a:buFont typeface="Arial" panose="020B0604020202020204" pitchFamily="34" charset="0"/>
+              <a:buChar char="•"/>
+            </a:pPr>
+            <a:r>
+              <a:rPr lang="en-US" dirty="0" err="1" smtClean="0"/>
+              <a:t>depol_cal_ang_p_time</a:t>
+            </a:r>
+            <a:endParaRPr lang="en-US" dirty="0"/>
+          </a:p>
+          <a:p>
+            <a:pPr marL="285750" indent="-285750">
+              <a:buFont typeface="Arial" panose="020B0604020202020204" pitchFamily="34" charset="0"/>
+              <a:buChar char="•"/>
+            </a:pPr>
+            <a:r>
+              <a:rPr lang="en-US" dirty="0" err="1" smtClean="0"/>
+              <a:t>depol_cal_ang_n_time</a:t>
+            </a:r>
+            <a:endParaRPr lang="en-US" dirty="0" smtClean="0"/>
+          </a:p>
+          <a:p>
+            <a:pPr marL="285750" indent="-285750">
+              <a:buFont typeface="Arial" panose="020B0604020202020204" pitchFamily="34" charset="0"/>
+              <a:buChar char="•"/>
+            </a:pPr>
+            <a:r>
+              <a:rPr lang="en-US" dirty="0" err="1" smtClean="0"/>
+              <a:t>meteorDataSource</a:t>
+            </a:r>
+            <a:endParaRPr lang="en-US" dirty="0" smtClean="0"/>
+          </a:p>
+          <a:p>
+            <a:pPr marL="285750" indent="-285750">
+              <a:buFont typeface="Arial" panose="020B0604020202020204" pitchFamily="34" charset="0"/>
+              <a:buChar char="•"/>
+            </a:pPr>
+            <a:r>
+              <a:rPr lang="en-US" dirty="0" err="1" smtClean="0"/>
+              <a:t>IWV_instrument</a:t>
+            </a:r>
+            <a:endParaRPr lang="en-US" dirty="0" smtClean="0"/>
+          </a:p>
+          <a:p>
+            <a:pPr marL="285750" indent="-285750">
+              <a:buFont typeface="Arial" panose="020B0604020202020204" pitchFamily="34" charset="0"/>
+              <a:buChar char="•"/>
+            </a:pPr>
+            <a:r>
+              <a:rPr lang="en-US" dirty="0" err="1" smtClean="0"/>
+              <a:t>intNProfiles</a:t>
+            </a:r>
+            <a:endParaRPr lang="en-US" dirty="0" smtClean="0"/>
+          </a:p>
+          <a:p>
+            <a:pPr marL="285750" indent="-285750">
+              <a:buFont typeface="Arial" panose="020B0604020202020204" pitchFamily="34" charset="0"/>
+              <a:buChar char="•"/>
+            </a:pPr>
+            <a:r>
+              <a:rPr lang="en-US" dirty="0" err="1" smtClean="0"/>
+              <a:t>minIntNProfiles</a:t>
+            </a:r>
+            <a:endParaRPr lang="en-US" dirty="0" smtClean="0"/>
+          </a:p>
+          <a:p>
+            <a:pPr marL="285750" indent="-285750">
+              <a:buFont typeface="Arial" panose="020B0604020202020204" pitchFamily="34" charset="0"/>
+              <a:buChar char="•"/>
+            </a:pPr>
+            <a:r>
+              <a:rPr lang="en-US" dirty="0" err="1" smtClean="0"/>
+              <a:t>radiosondeFolder</a:t>
+            </a:r>
+            <a:endParaRPr lang="en-US" dirty="0" smtClean="0"/>
+          </a:p>
+          <a:p>
+            <a:pPr marL="285750" indent="-285750">
+              <a:buFont typeface="Arial" panose="020B0604020202020204" pitchFamily="34" charset="0"/>
+              <a:buChar char="•"/>
+            </a:pPr>
+            <a:r>
+              <a:rPr lang="en-US" dirty="0" err="1" smtClean="0"/>
+              <a:t>logbookFile</a:t>
+            </a:r>
+            <a:endParaRPr lang="en-US" dirty="0"/>
+          </a:p>
+        </p:txBody>
+      </p:sp>
+      <p:sp>
+        <p:nvSpPr>
+          <p:cNvPr id="9" name="TextBox 8"/>
+          <p:cNvSpPr txBox="1"/>
+          <p:nvPr/>
+        </p:nvSpPr>
+        <p:spPr>
+          <a:xfrm>
+            <a:off x="5624529" y="6113955"/>
+            <a:ext cx="3857799" cy="584775"/>
+          </a:xfrm>
+          <a:prstGeom prst="rect">
+            <a:avLst/>
+          </a:prstGeom>
+          <a:noFill/>
+        </p:spPr>
+        <p:txBody>
+          <a:bodyPr wrap="square" rtlCol="0">
+            <a:spAutoFit/>
+          </a:bodyPr>
+          <a:lstStyle/>
+          <a:p>
+            <a:r>
+              <a:rPr lang="en-US" sz="1600" dirty="0" smtClean="0"/>
+              <a:t>You can find detailed info about the </a:t>
+            </a:r>
+            <a:r>
+              <a:rPr lang="en-US" sz="1600" dirty="0" err="1" smtClean="0"/>
+              <a:t>polly</a:t>
+            </a:r>
+            <a:r>
+              <a:rPr lang="en-US" sz="1600" dirty="0" smtClean="0"/>
+              <a:t> </a:t>
+            </a:r>
+            <a:r>
+              <a:rPr lang="en-US" sz="1600" dirty="0" err="1" smtClean="0"/>
+              <a:t>config</a:t>
+            </a:r>
+            <a:r>
+              <a:rPr lang="en-US" sz="1600" dirty="0" smtClean="0"/>
+              <a:t> in </a:t>
+            </a:r>
+            <a:r>
+              <a:rPr lang="en-US" sz="1600" u="sng" dirty="0" smtClean="0"/>
+              <a:t>/doc/polly_config.md</a:t>
+            </a:r>
+            <a:endParaRPr lang="en-US" sz="1600" u="sng" dirty="0"/>
+          </a:p>
+        </p:txBody>
+      </p:sp>
+    </p:spTree>
+    <p:extLst>
+      <p:ext uri="{BB962C8B-B14F-4D97-AF65-F5344CB8AC3E}">
+        <p14:creationId xmlns:p14="http://schemas.microsoft.com/office/powerpoint/2010/main" val="3594839798"/>
+      </p:ext>
+    </p:extLst>
+  </p:cSld>
+  <p:clrMapOvr>
+    <a:masterClrMapping/>
+  </p:clrMapOvr>
+  <p:timing>
+    <p:tnLst>
+      <p:par>
+        <p:cTn id="1" dur="indefinite" restart="never" nodeType="tmRoot"/>
+      </p:par>
+    </p:tnLst>
+  </p:timing>
+</p:sld>
+</file>
+
+<file path=ppt/slides/slide17.xml><?xml version="1.0" encoding="utf-8"?>
+<p:sld xmlns:a="http://schemas.openxmlformats.org/drawingml/2006/main" xmlns:r="http://schemas.openxmlformats.org/officeDocument/2006/relationships" xmlns:p="http://schemas.openxmlformats.org/presentationml/2006/main">
+  <p:cSld>
+    <p:spTree>
+      <p:nvGrpSpPr>
+        <p:cNvPr id="1" name=""/>
+        <p:cNvGrpSpPr/>
+        <p:nvPr/>
+      </p:nvGrpSpPr>
+      <p:grpSpPr>
+        <a:xfrm>
+          <a:off x="0" y="0"/>
+          <a:ext cx="0" cy="0"/>
+          <a:chOff x="0" y="0"/>
+          <a:chExt cx="0" cy="0"/>
+        </a:xfrm>
+      </p:grpSpPr>
+      <p:sp>
+        <p:nvSpPr>
+          <p:cNvPr id="2" name="Title 1"/>
+          <p:cNvSpPr>
+            <a:spLocks noGrp="1"/>
+          </p:cNvSpPr>
+          <p:nvPr>
+            <p:ph type="title"/>
+          </p:nvPr>
+        </p:nvSpPr>
+        <p:spPr/>
+        <p:txBody>
+          <a:bodyPr/>
+          <a:lstStyle/>
+          <a:p>
+            <a:r>
+              <a:rPr lang="en-US" dirty="0"/>
+              <a:t>Installation and setup: </a:t>
+            </a:r>
+            <a:r>
+              <a:rPr lang="en-US" dirty="0" err="1"/>
+              <a:t>config</a:t>
+            </a:r>
+            <a:endParaRPr lang="en-US" dirty="0"/>
+          </a:p>
+        </p:txBody>
+      </p:sp>
+      <p:sp>
+        <p:nvSpPr>
+          <p:cNvPr id="3" name="Text Placeholder 2"/>
+          <p:cNvSpPr>
+            <a:spLocks noGrp="1"/>
+          </p:cNvSpPr>
+          <p:nvPr>
+            <p:ph type="body" sz="quarter" idx="18"/>
+          </p:nvPr>
+        </p:nvSpPr>
+        <p:spPr/>
+        <p:txBody>
+          <a:bodyPr/>
+          <a:lstStyle/>
+          <a:p>
+            <a:endParaRPr lang="en-US"/>
+          </a:p>
+        </p:txBody>
+      </p:sp>
+      <p:sp>
+        <p:nvSpPr>
+          <p:cNvPr id="4" name="TextBox 3"/>
+          <p:cNvSpPr txBox="1"/>
+          <p:nvPr/>
+        </p:nvSpPr>
+        <p:spPr>
+          <a:xfrm>
+            <a:off x="219456" y="953636"/>
+            <a:ext cx="11972544" cy="523220"/>
+          </a:xfrm>
+          <a:prstGeom prst="rect">
+            <a:avLst/>
+          </a:prstGeom>
+        </p:spPr>
+        <p:style>
+          <a:lnRef idx="2">
+            <a:schemeClr val="accent1"/>
+          </a:lnRef>
+          <a:fillRef idx="1">
+            <a:schemeClr val="lt1"/>
+          </a:fillRef>
+          <a:effectRef idx="0">
+            <a:schemeClr val="accent1"/>
+          </a:effectRef>
+          <a:fontRef idx="minor">
+            <a:schemeClr val="dk1"/>
+          </a:fontRef>
+        </p:style>
+        <p:txBody>
+          <a:bodyPr wrap="square" rtlCol="0">
+            <a:spAutoFit/>
+          </a:bodyPr>
+          <a:lstStyle/>
+          <a:p>
+            <a:r>
+              <a:rPr lang="en-US" sz="2800" b="1" dirty="0" smtClean="0"/>
+              <a:t>PPP create </a:t>
+            </a:r>
+            <a:r>
+              <a:rPr lang="en-US" sz="2800" b="1" dirty="0" err="1" smtClean="0"/>
+              <a:t>config</a:t>
+            </a:r>
+            <a:r>
+              <a:rPr lang="en-US" sz="2800" b="1" dirty="0" smtClean="0"/>
+              <a:t> history: (make sure you setup the info in global file correctly)</a:t>
+            </a:r>
+            <a:endParaRPr lang="en-US" sz="2800" b="1" dirty="0"/>
+          </a:p>
+        </p:txBody>
+      </p:sp>
+      <p:pic>
+        <p:nvPicPr>
+          <p:cNvPr id="5" name="Picture 4"/>
+          <p:cNvPicPr>
+            <a:picLocks noChangeAspect="1"/>
+          </p:cNvPicPr>
+          <p:nvPr/>
+        </p:nvPicPr>
+        <p:blipFill>
+          <a:blip r:embed="rId2"/>
+          <a:stretch>
+            <a:fillRect/>
+          </a:stretch>
+        </p:blipFill>
+        <p:spPr>
+          <a:xfrm>
+            <a:off x="211020" y="1600043"/>
+            <a:ext cx="11989416" cy="450873"/>
+          </a:xfrm>
+          <a:prstGeom prst="rect">
+            <a:avLst/>
+          </a:prstGeom>
+        </p:spPr>
+      </p:pic>
+      <p:sp>
+        <p:nvSpPr>
+          <p:cNvPr id="6" name="TextBox 5"/>
+          <p:cNvSpPr txBox="1"/>
+          <p:nvPr/>
+        </p:nvSpPr>
+        <p:spPr>
+          <a:xfrm>
+            <a:off x="211020" y="2174103"/>
+            <a:ext cx="11972544" cy="523220"/>
+          </a:xfrm>
+          <a:prstGeom prst="rect">
+            <a:avLst/>
+          </a:prstGeom>
+        </p:spPr>
+        <p:style>
+          <a:lnRef idx="2">
+            <a:schemeClr val="accent1"/>
+          </a:lnRef>
+          <a:fillRef idx="1">
+            <a:schemeClr val="lt1"/>
+          </a:fillRef>
+          <a:effectRef idx="0">
+            <a:schemeClr val="accent1"/>
+          </a:effectRef>
+          <a:fontRef idx="minor">
+            <a:schemeClr val="dk1"/>
+          </a:fontRef>
+        </p:style>
+        <p:txBody>
+          <a:bodyPr wrap="square" rtlCol="0">
+            <a:spAutoFit/>
+          </a:bodyPr>
+          <a:lstStyle/>
+          <a:p>
+            <a:r>
+              <a:rPr lang="en-US" sz="2800" b="1" dirty="0" smtClean="0"/>
+              <a:t>PPP edit </a:t>
+            </a:r>
+            <a:r>
+              <a:rPr lang="en-US" sz="2800" b="1" dirty="0" err="1" smtClean="0"/>
+              <a:t>config</a:t>
+            </a:r>
+            <a:r>
+              <a:rPr lang="en-US" sz="2800" b="1" dirty="0" smtClean="0"/>
+              <a:t> history:</a:t>
+            </a:r>
+            <a:endParaRPr lang="en-US" sz="2800" b="1" dirty="0"/>
+          </a:p>
+        </p:txBody>
+      </p:sp>
+      <p:sp>
+        <p:nvSpPr>
+          <p:cNvPr id="7" name="TextBox 6"/>
+          <p:cNvSpPr txBox="1"/>
+          <p:nvPr/>
+        </p:nvSpPr>
+        <p:spPr>
+          <a:xfrm>
+            <a:off x="211020" y="4325696"/>
+            <a:ext cx="12324033" cy="923330"/>
+          </a:xfrm>
+          <a:prstGeom prst="rect">
+            <a:avLst/>
+          </a:prstGeom>
+          <a:noFill/>
+        </p:spPr>
+        <p:txBody>
+          <a:bodyPr wrap="square" rtlCol="0">
+            <a:spAutoFit/>
+          </a:bodyPr>
+          <a:lstStyle/>
+          <a:p>
+            <a:r>
+              <a:rPr lang="en-US" dirty="0" err="1" smtClean="0"/>
+              <a:t>config</a:t>
+            </a:r>
+            <a:r>
+              <a:rPr lang="en-US" dirty="0" smtClean="0"/>
+              <a:t> history file works as a lookup table for PPP to search the corresponding </a:t>
+            </a:r>
+            <a:r>
+              <a:rPr lang="en-US" dirty="0" err="1" smtClean="0"/>
+              <a:t>polly</a:t>
+            </a:r>
+            <a:r>
+              <a:rPr lang="en-US" dirty="0" smtClean="0"/>
+              <a:t> </a:t>
+            </a:r>
+            <a:r>
+              <a:rPr lang="en-US" dirty="0" err="1" smtClean="0"/>
+              <a:t>config</a:t>
+            </a:r>
+            <a:r>
+              <a:rPr lang="en-US" dirty="0" smtClean="0"/>
+              <a:t> file.</a:t>
+            </a:r>
+          </a:p>
+          <a:p>
+            <a:endParaRPr lang="en-US" dirty="0"/>
+          </a:p>
+          <a:p>
+            <a:r>
+              <a:rPr lang="en-US" dirty="0" smtClean="0"/>
+              <a:t>better way to do is to copy the line before and then edit it according to your demands.</a:t>
+            </a:r>
+            <a:endParaRPr lang="en-US" dirty="0"/>
+          </a:p>
+        </p:txBody>
+      </p:sp>
+      <p:pic>
+        <p:nvPicPr>
+          <p:cNvPr id="8" name="Picture 7"/>
+          <p:cNvPicPr>
+            <a:picLocks noChangeAspect="1"/>
+          </p:cNvPicPr>
+          <p:nvPr/>
+        </p:nvPicPr>
+        <p:blipFill>
+          <a:blip r:embed="rId3"/>
+          <a:stretch>
+            <a:fillRect/>
+          </a:stretch>
+        </p:blipFill>
+        <p:spPr>
+          <a:xfrm>
+            <a:off x="219456" y="2917094"/>
+            <a:ext cx="12008467" cy="1270065"/>
+          </a:xfrm>
+          <a:prstGeom prst="rect">
+            <a:avLst/>
+          </a:prstGeom>
+        </p:spPr>
+      </p:pic>
+    </p:spTree>
+    <p:extLst>
+      <p:ext uri="{BB962C8B-B14F-4D97-AF65-F5344CB8AC3E}">
+        <p14:creationId xmlns:p14="http://schemas.microsoft.com/office/powerpoint/2010/main" val="2650687164"/>
+      </p:ext>
+    </p:extLst>
+  </p:cSld>
+  <p:clrMapOvr>
+    <a:masterClrMapping/>
+  </p:clrMapOvr>
+</p:sld>
+</file>
+
+<file path=ppt/slides/slide18.xml><?xml version="1.0" encoding="utf-8"?>
+<p:sld xmlns:a="http://schemas.openxmlformats.org/drawingml/2006/main" xmlns:r="http://schemas.openxmlformats.org/officeDocument/2006/relationships" xmlns:p="http://schemas.openxmlformats.org/presentationml/2006/main">
+  <p:cSld>
+    <p:spTree>
+      <p:nvGrpSpPr>
+        <p:cNvPr id="1" name=""/>
+        <p:cNvGrpSpPr/>
+        <p:nvPr/>
+      </p:nvGrpSpPr>
+      <p:grpSpPr>
+        <a:xfrm>
+          <a:off x="0" y="0"/>
+          <a:ext cx="0" cy="0"/>
+          <a:chOff x="0" y="0"/>
+          <a:chExt cx="0" cy="0"/>
+        </a:xfrm>
+      </p:grpSpPr>
+      <p:sp>
+        <p:nvSpPr>
+          <p:cNvPr id="2" name="Title 1"/>
+          <p:cNvSpPr>
+            <a:spLocks noGrp="1"/>
+          </p:cNvSpPr>
+          <p:nvPr>
+            <p:ph type="title"/>
+          </p:nvPr>
+        </p:nvSpPr>
+        <p:spPr/>
+        <p:txBody>
+          <a:bodyPr/>
+          <a:lstStyle/>
+          <a:p>
+            <a:r>
+              <a:rPr lang="en-US" dirty="0"/>
+              <a:t>Installation and setup: </a:t>
+            </a:r>
+            <a:r>
+              <a:rPr lang="en-US" dirty="0" smtClean="0"/>
+              <a:t>run</a:t>
+            </a:r>
+            <a:endParaRPr lang="en-US" dirty="0"/>
+          </a:p>
+        </p:txBody>
+      </p:sp>
+      <p:sp>
+        <p:nvSpPr>
+          <p:cNvPr id="3" name="Text Placeholder 2"/>
+          <p:cNvSpPr>
+            <a:spLocks noGrp="1"/>
+          </p:cNvSpPr>
+          <p:nvPr>
+            <p:ph type="body" sz="quarter" idx="18"/>
+          </p:nvPr>
+        </p:nvSpPr>
+        <p:spPr/>
+        <p:txBody>
+          <a:bodyPr/>
+          <a:lstStyle/>
+          <a:p>
+            <a:endParaRPr lang="en-US"/>
+          </a:p>
+        </p:txBody>
+      </p:sp>
+      <p:pic>
+        <p:nvPicPr>
+          <p:cNvPr id="4" name="Picture 3"/>
+          <p:cNvPicPr>
+            <a:picLocks noChangeAspect="1"/>
+          </p:cNvPicPr>
+          <p:nvPr/>
+        </p:nvPicPr>
+        <p:blipFill>
+          <a:blip r:embed="rId2"/>
+          <a:stretch>
+            <a:fillRect/>
+          </a:stretch>
+        </p:blipFill>
+        <p:spPr>
+          <a:xfrm>
+            <a:off x="281249" y="1269296"/>
+            <a:ext cx="7112366" cy="2673487"/>
+          </a:xfrm>
+          <a:prstGeom prst="rect">
+            <a:avLst/>
+          </a:prstGeom>
+        </p:spPr>
+      </p:pic>
+      <p:cxnSp>
+        <p:nvCxnSpPr>
+          <p:cNvPr id="5" name="Straight Arrow Connector 4"/>
+          <p:cNvCxnSpPr/>
+          <p:nvPr/>
+        </p:nvCxnSpPr>
+        <p:spPr>
+          <a:xfrm flipV="1">
+            <a:off x="7119678" y="1481328"/>
+            <a:ext cx="735018" cy="806261"/>
+          </a:xfrm>
+          <a:prstGeom prst="straightConnector1">
+            <a:avLst/>
+          </a:prstGeom>
+          <a:ln>
+            <a:solidFill>
+              <a:srgbClr val="FF0000"/>
+            </a:solidFill>
+            <a:tailEnd type="triangle"/>
+          </a:ln>
+        </p:spPr>
+        <p:style>
+          <a:lnRef idx="2">
+            <a:schemeClr val="accent1"/>
+          </a:lnRef>
+          <a:fillRef idx="0">
+            <a:schemeClr val="accent1"/>
+          </a:fillRef>
+          <a:effectRef idx="1">
+            <a:schemeClr val="accent1"/>
+          </a:effectRef>
+          <a:fontRef idx="minor">
+            <a:schemeClr val="tx1"/>
+          </a:fontRef>
+        </p:style>
+      </p:cxnSp>
+      <p:sp>
+        <p:nvSpPr>
+          <p:cNvPr id="7" name="TextBox 6"/>
+          <p:cNvSpPr txBox="1"/>
+          <p:nvPr/>
+        </p:nvSpPr>
+        <p:spPr>
+          <a:xfrm>
+            <a:off x="8010144" y="1097280"/>
+            <a:ext cx="3493008" cy="646331"/>
+          </a:xfrm>
+          <a:prstGeom prst="rect">
+            <a:avLst/>
+          </a:prstGeom>
+          <a:noFill/>
+        </p:spPr>
+        <p:txBody>
+          <a:bodyPr wrap="square" rtlCol="0">
+            <a:spAutoFit/>
+          </a:bodyPr>
+          <a:lstStyle/>
+          <a:p>
+            <a:r>
+              <a:rPr lang="en-US" dirty="0" smtClean="0"/>
+              <a:t>Process the measurement results at this moment</a:t>
+            </a:r>
+            <a:endParaRPr lang="en-US" dirty="0"/>
+          </a:p>
+        </p:txBody>
+      </p:sp>
+      <p:sp>
+        <p:nvSpPr>
+          <p:cNvPr id="8" name="TextBox 7"/>
+          <p:cNvSpPr txBox="1"/>
+          <p:nvPr/>
+        </p:nvSpPr>
+        <p:spPr>
+          <a:xfrm>
+            <a:off x="8010144" y="2365248"/>
+            <a:ext cx="3493008" cy="646331"/>
+          </a:xfrm>
+          <a:prstGeom prst="rect">
+            <a:avLst/>
+          </a:prstGeom>
+          <a:noFill/>
+        </p:spPr>
+        <p:txBody>
+          <a:bodyPr wrap="square" rtlCol="0">
+            <a:spAutoFit/>
+          </a:bodyPr>
+          <a:lstStyle/>
+          <a:p>
+            <a:r>
+              <a:rPr lang="en-US" dirty="0" smtClean="0"/>
+              <a:t>Process the measurement results at given day</a:t>
+            </a:r>
+            <a:endParaRPr lang="en-US" dirty="0"/>
+          </a:p>
+        </p:txBody>
+      </p:sp>
+      <p:cxnSp>
+        <p:nvCxnSpPr>
+          <p:cNvPr id="9" name="Straight Arrow Connector 8"/>
+          <p:cNvCxnSpPr>
+            <a:endCxn id="8" idx="1"/>
+          </p:cNvCxnSpPr>
+          <p:nvPr/>
+        </p:nvCxnSpPr>
+        <p:spPr>
+          <a:xfrm>
+            <a:off x="5768131" y="2549873"/>
+            <a:ext cx="2242013" cy="138541"/>
+          </a:xfrm>
+          <a:prstGeom prst="straightConnector1">
+            <a:avLst/>
+          </a:prstGeom>
+          <a:ln>
+            <a:solidFill>
+              <a:srgbClr val="FF0000"/>
+            </a:solidFill>
+            <a:tailEnd type="triangle"/>
+          </a:ln>
+        </p:spPr>
+        <p:style>
+          <a:lnRef idx="2">
+            <a:schemeClr val="accent1"/>
+          </a:lnRef>
+          <a:fillRef idx="0">
+            <a:schemeClr val="accent1"/>
+          </a:fillRef>
+          <a:effectRef idx="1">
+            <a:schemeClr val="accent1"/>
+          </a:effectRef>
+          <a:fontRef idx="minor">
+            <a:schemeClr val="tx1"/>
+          </a:fontRef>
+        </p:style>
+      </p:cxnSp>
+    </p:spTree>
+    <p:extLst>
+      <p:ext uri="{BB962C8B-B14F-4D97-AF65-F5344CB8AC3E}">
+        <p14:creationId xmlns:p14="http://schemas.microsoft.com/office/powerpoint/2010/main" val="306261594"/>
+      </p:ext>
+    </p:extLst>
+  </p:cSld>
+  <p:clrMapOvr>
+    <a:masterClrMapping/>
+  </p:clrMapOvr>
+</p:sld>
+</file>
+
+<file path=ppt/slides/slide19.xml><?xml version="1.0" encoding="utf-8"?>
 <p:sld xmlns:a="http://schemas.openxmlformats.org/drawingml/2006/main" xmlns:r="http://schemas.openxmlformats.org/officeDocument/2006/relationships" xmlns:p="http://schemas.openxmlformats.org/presentationml/2006/main">
   <p:cSld>
     <p:spTree>
@@ -7749,10 +9743,14 @@
           <a:lstStyle/>
           <a:p>
             <a:r>
-              <a:rPr lang="en-US" dirty="0" smtClean="0"/>
-              <a:t>PollyNET Processing Program</a:t>
-            </a:r>
-            <a:endParaRPr lang="en-US" dirty="0"/>
+              <a:rPr lang="en-US" sz="5400" dirty="0" smtClean="0"/>
+              <a:t>PollyNET Processing </a:t>
+            </a:r>
+            <a:r>
+              <a:rPr lang="en-US" sz="5400" dirty="0" smtClean="0"/>
+              <a:t>Program (PPP)</a:t>
+            </a:r>
+            <a:endParaRPr lang="en-US" sz="5400" dirty="0"/>
           </a:p>
         </p:txBody>
       </p:sp>
@@ -16130,4 +18128,265 @@
     </a:ext>
   </a:extLst>
 </a:theme>
+</file>
+
+<file path=ppt/theme/theme2.xml><?xml version="1.0" encoding="utf-8"?>
+<a:theme xmlns:a="http://schemas.openxmlformats.org/drawingml/2006/main" name="Office Theme">
+  <a:themeElements>
+    <a:clrScheme name="Office">
+      <a:dk1>
+        <a:sysClr val="windowText" lastClr="000000"/>
+      </a:dk1>
+      <a:lt1>
+        <a:sysClr val="window" lastClr="FFFFFF"/>
+      </a:lt1>
+      <a:dk2>
+        <a:srgbClr val="44546A"/>
+      </a:dk2>
+      <a:lt2>
+        <a:srgbClr val="E7E6E6"/>
+      </a:lt2>
+      <a:accent1>
+        <a:srgbClr val="5B9BD5"/>
+      </a:accent1>
+      <a:accent2>
+        <a:srgbClr val="ED7D31"/>
+      </a:accent2>
+      <a:accent3>
+        <a:srgbClr val="A5A5A5"/>
+      </a:accent3>
+      <a:accent4>
+        <a:srgbClr val="FFC000"/>
+      </a:accent4>
+      <a:accent5>
+        <a:srgbClr val="4472C4"/>
+      </a:accent5>
+      <a:accent6>
+        <a:srgbClr val="70AD47"/>
+      </a:accent6>
+      <a:hlink>
+        <a:srgbClr val="0563C1"/>
+      </a:hlink>
+      <a:folHlink>
+        <a:srgbClr val="954F72"/>
+      </a:folHlink>
+    </a:clrScheme>
+    <a:fontScheme name="Office">
+      <a:majorFont>
+        <a:latin typeface="Calibri Light" panose="020F0302020204030204"/>
+        <a:ea typeface=""/>
+        <a:cs typeface=""/>
+        <a:font script="Jpan" typeface="游ゴシック Light"/>
+        <a:font script="Hang" typeface="맑은 고딕"/>
+        <a:font script="Hans" typeface="等线 Light"/>
+        <a:font script="Hant" typeface="新細明體"/>
+        <a:font script="Arab" typeface="Times New Roman"/>
+        <a:font script="Hebr" typeface="Times New Roman"/>
+        <a:font script="Thai" typeface="Angsana New"/>
+        <a:font script="Ethi" typeface="Nyala"/>
+        <a:font script="Beng" typeface="Vrinda"/>
+        <a:font script="Gujr" typeface="Shruti"/>
+        <a:font script="Khmr" typeface="MoolBoran"/>
+        <a:font script="Knda" typeface="Tunga"/>
+        <a:font script="Guru" typeface="Raavi"/>
+        <a:font script="Cans" typeface="Euphemia"/>
+        <a:font script="Cher" typeface="Plantagenet Cherokee"/>
+        <a:font script="Yiii" typeface="Microsoft Yi Baiti"/>
+        <a:font script="Tibt" typeface="Microsoft Himalaya"/>
+        <a:font script="Thaa" typeface="MV Boli"/>
+        <a:font script="Deva" typeface="Mangal"/>
+        <a:font script="Telu" typeface="Gautami"/>
+        <a:font script="Taml" typeface="Latha"/>
+        <a:font script="Syrc" typeface="Estrangelo Edessa"/>
+        <a:font script="Orya" typeface="Kalinga"/>
+        <a:font script="Mlym" typeface="Kartika"/>
+        <a:font script="Laoo" typeface="DokChampa"/>
+        <a:font script="Sinh" typeface="Iskoola Pota"/>
+        <a:font script="Mong" typeface="Mongolian Baiti"/>
+        <a:font script="Viet" typeface="Times New Roman"/>
+        <a:font script="Uigh" typeface="Microsoft Uighur"/>
+        <a:font script="Geor" typeface="Sylfaen"/>
+      </a:majorFont>
+      <a:minorFont>
+        <a:latin typeface="Calibri" panose="020F0502020204030204"/>
+        <a:ea typeface=""/>
+        <a:cs typeface=""/>
+        <a:font script="Jpan" typeface="游ゴシック"/>
+        <a:font script="Hang" typeface="맑은 고딕"/>
+        <a:font script="Hans" typeface="等线"/>
+        <a:font script="Hant" typeface="新細明體"/>
+        <a:font script="Arab" typeface="Arial"/>
+        <a:font script="Hebr" typeface="Arial"/>
+        <a:font script="Thai" typeface="Cordia New"/>
+        <a:font script="Ethi" typeface="Nyala"/>
+        <a:font script="Beng" typeface="Vrinda"/>
+        <a:font script="Gujr" typeface="Shruti"/>
+        <a:font script="Khmr" typeface="DaunPenh"/>
+        <a:font script="Knda" typeface="Tunga"/>
+        <a:font script="Guru" typeface="Raavi"/>
+        <a:font script="Cans" typeface="Euphemia"/>
+        <a:font script="Cher" typeface="Plantagenet Cherokee"/>
+        <a:font script="Yiii" typeface="Microsoft Yi Baiti"/>
+        <a:font script="Tibt" typeface="Microsoft Himalaya"/>
+        <a:font script="Thaa" typeface="MV Boli"/>
+        <a:font script="Deva" typeface="Mangal"/>
+        <a:font script="Telu" typeface="Gautami"/>
+        <a:font script="Taml" typeface="Latha"/>
+        <a:font script="Syrc" typeface="Estrangelo Edessa"/>
+        <a:font script="Orya" typeface="Kalinga"/>
+        <a:font script="Mlym" typeface="Kartika"/>
+        <a:font script="Laoo" typeface="DokChampa"/>
+        <a:font script="Sinh" typeface="Iskoola Pota"/>
+        <a:font script="Mong" typeface="Mongolian Baiti"/>
+        <a:font script="Viet" typeface="Arial"/>
+        <a:font script="Uigh" typeface="Microsoft Uighur"/>
+        <a:font script="Geor" typeface="Sylfaen"/>
+      </a:minorFont>
+    </a:fontScheme>
+    <a:fmtScheme name="Office">
+      <a:fillStyleLst>
+        <a:solidFill>
+          <a:schemeClr val="phClr"/>
+        </a:solidFill>
+        <a:gradFill rotWithShape="1">
+          <a:gsLst>
+            <a:gs pos="0">
+              <a:schemeClr val="phClr">
+                <a:lumMod val="110000"/>
+                <a:satMod val="105000"/>
+                <a:tint val="67000"/>
+              </a:schemeClr>
+            </a:gs>
+            <a:gs pos="50000">
+              <a:schemeClr val="phClr">
+                <a:lumMod val="105000"/>
+                <a:satMod val="103000"/>
+                <a:tint val="73000"/>
+              </a:schemeClr>
+            </a:gs>
+            <a:gs pos="100000">
+              <a:schemeClr val="phClr">
+                <a:lumMod val="105000"/>
+                <a:satMod val="109000"/>
+                <a:tint val="81000"/>
+              </a:schemeClr>
+            </a:gs>
+          </a:gsLst>
+          <a:lin ang="5400000" scaled="0"/>
+        </a:gradFill>
+        <a:gradFill rotWithShape="1">
+          <a:gsLst>
+            <a:gs pos="0">
+              <a:schemeClr val="phClr">
+                <a:satMod val="103000"/>
+                <a:lumMod val="102000"/>
+                <a:tint val="94000"/>
+              </a:schemeClr>
+            </a:gs>
+            <a:gs pos="50000">
+              <a:schemeClr val="phClr">
+                <a:satMod val="110000"/>
+                <a:lumMod val="100000"/>
+                <a:shade val="100000"/>
+              </a:schemeClr>
+            </a:gs>
+            <a:gs pos="100000">
+              <a:schemeClr val="phClr">
+                <a:lumMod val="99000"/>
+                <a:satMod val="120000"/>
+                <a:shade val="78000"/>
+              </a:schemeClr>
+            </a:gs>
+          </a:gsLst>
+          <a:lin ang="5400000" scaled="0"/>
+        </a:gradFill>
+      </a:fillStyleLst>
+      <a:lnStyleLst>
+        <a:ln w="6350" cap="flat" cmpd="sng" algn="ctr">
+          <a:solidFill>
+            <a:schemeClr val="phClr"/>
+          </a:solidFill>
+          <a:prstDash val="solid"/>
+          <a:miter lim="800000"/>
+        </a:ln>
+        <a:ln w="12700" cap="flat" cmpd="sng" algn="ctr">
+          <a:solidFill>
+            <a:schemeClr val="phClr"/>
+          </a:solidFill>
+          <a:prstDash val="solid"/>
+          <a:miter lim="800000"/>
+        </a:ln>
+        <a:ln w="19050" cap="flat" cmpd="sng" algn="ctr">
+          <a:solidFill>
+            <a:schemeClr val="phClr"/>
+          </a:solidFill>
+          <a:prstDash val="solid"/>
+          <a:miter lim="800000"/>
+        </a:ln>
+      </a:lnStyleLst>
+      <a:effectStyleLst>
+        <a:effectStyle>
+          <a:effectLst/>
+        </a:effectStyle>
+        <a:effectStyle>
+          <a:effectLst/>
+        </a:effectStyle>
+        <a:effectStyle>
+          <a:effectLst>
+            <a:outerShdw blurRad="57150" dist="19050" dir="5400000" algn="ctr" rotWithShape="0">
+              <a:srgbClr val="000000">
+                <a:alpha val="63000"/>
+              </a:srgbClr>
+            </a:outerShdw>
+          </a:effectLst>
+        </a:effectStyle>
+      </a:effectStyleLst>
+      <a:bgFillStyleLst>
+        <a:solidFill>
+          <a:schemeClr val="phClr"/>
+        </a:solidFill>
+        <a:solidFill>
+          <a:schemeClr val="phClr">
+            <a:tint val="95000"/>
+            <a:satMod val="170000"/>
+          </a:schemeClr>
+        </a:solidFill>
+        <a:gradFill rotWithShape="1">
+          <a:gsLst>
+            <a:gs pos="0">
+              <a:schemeClr val="phClr">
+                <a:tint val="93000"/>
+                <a:satMod val="150000"/>
+                <a:shade val="98000"/>
+                <a:lumMod val="102000"/>
+              </a:schemeClr>
+            </a:gs>
+            <a:gs pos="50000">
+              <a:schemeClr val="phClr">
+                <a:tint val="98000"/>
+                <a:satMod val="130000"/>
+                <a:shade val="90000"/>
+                <a:lumMod val="103000"/>
+              </a:schemeClr>
+            </a:gs>
+            <a:gs pos="100000">
+              <a:schemeClr val="phClr">
+                <a:shade val="63000"/>
+                <a:satMod val="120000"/>
+              </a:schemeClr>
+            </a:gs>
+          </a:gsLst>
+          <a:lin ang="5400000" scaled="0"/>
+        </a:gradFill>
+      </a:bgFillStyleLst>
+    </a:fmtScheme>
+  </a:themeElements>
+  <a:objectDefaults/>
+  <a:extraClrSchemeLst/>
+  <a:extLst>
+    <a:ext uri="{05A4C25C-085E-4340-85A3-A5531E510DB2}">
+      <thm15:themeFamily xmlns:thm15="http://schemas.microsoft.com/office/thememl/2012/main" name="Office Theme" id="{62F939B6-93AF-4DB8-9C6B-D6C7DFDC589F}" vid="{4A3C46E8-61CC-4603-A589-7422A47A8E4A}"/>
+    </a:ext>
+  </a:extLst>
+</a:theme>
 </file>
--- a/doc/Pollynet_Processing_Chain.pptx
+++ b/doc/Pollynet_Processing_Chain.pptx
@@ -5,7 +5,7 @@
     <p:sldMasterId id="2147483672" r:id="rId1"/>
   </p:sldMasterIdLst>
   <p:notesMasterIdLst>
-    <p:notesMasterId r:id="rId22"/>
+    <p:notesMasterId r:id="rId23"/>
   </p:notesMasterIdLst>
   <p:sldIdLst>
     <p:sldId id="269" r:id="rId2"/>
@@ -28,6 +28,7 @@
     <p:sldId id="267" r:id="rId19"/>
     <p:sldId id="268" r:id="rId20"/>
     <p:sldId id="287" r:id="rId21"/>
+    <p:sldId id="288" r:id="rId22"/>
   </p:sldIdLst>
   <p:sldSz cx="12192000" cy="6858000"/>
   <p:notesSz cx="6858000" cy="9144000"/>
@@ -3178,11 +3179,7 @@
               <a:pPr algn="ctr"/>
               <a:r>
                 <a:rPr lang="en-US" dirty="0" smtClean="0"/>
-                <a:t>p</a:t>
-              </a:r>
-              <a:r>
-                <a:rPr lang="en-US" dirty="0" smtClean="0"/>
-                <a:t>ollynet_places_history_new.txt</a:t>
+                <a:t>pollynet_places_history_new.txt</a:t>
               </a:r>
               <a:endParaRPr lang="en-US" dirty="0"/>
             </a:p>
@@ -3591,7 +3588,6 @@
               <a:rPr lang="en-US" sz="5400" dirty="0"/>
               <a:t>Picasso Structure </a:t>
             </a:r>
-            <a:endParaRPr lang="en-US" sz="5400" dirty="0"/>
           </a:p>
         </p:txBody>
       </p:sp>
@@ -14333,7 +14329,6 @@
               <a:rPr lang="en-US" sz="2800" dirty="0" smtClean="0"/>
               <a:t>Configurations</a:t>
             </a:r>
-            <a:endParaRPr lang="en-US" sz="2800" dirty="0" smtClean="0"/>
           </a:p>
           <a:p>
             <a:pPr marL="514350" indent="-514350">
@@ -14345,11 +14340,7 @@
             </a:pPr>
             <a:r>
               <a:rPr lang="en-US" sz="2800" dirty="0" smtClean="0"/>
-              <a:t>Future </a:t>
-            </a:r>
-            <a:r>
-              <a:rPr lang="en-US" sz="2800" dirty="0" smtClean="0"/>
-              <a:t>Plan</a:t>
+              <a:t>Future Plan</a:t>
             </a:r>
             <a:endParaRPr lang="en-US" sz="2800" dirty="0"/>
           </a:p>
@@ -14491,11 +14482,7 @@
                 <a:pPr algn="ctr"/>
                 <a:r>
                   <a:rPr lang="en-US" dirty="0" smtClean="0"/>
-                  <a:t>p</a:t>
-                </a:r>
-                <a:r>
-                  <a:rPr lang="en-US" dirty="0" smtClean="0"/>
-                  <a:t>ollynet_places_history_new.txt</a:t>
+                  <a:t>pollynet_places_history_new.txt</a:t>
                 </a:r>
                 <a:endParaRPr lang="en-US" dirty="0"/>
               </a:p>
@@ -14924,6 +14911,78 @@
     <p:extLst>
       <p:ext uri="{BB962C8B-B14F-4D97-AF65-F5344CB8AC3E}">
         <p14:creationId xmlns:p14="http://schemas.microsoft.com/office/powerpoint/2010/main" val="1252782217"/>
+      </p:ext>
+    </p:extLst>
+  </p:cSld>
+  <p:clrMapOvr>
+    <a:masterClrMapping/>
+  </p:clrMapOvr>
+</p:sld>
+</file>
+
+<file path=ppt/slides/slide21.xml><?xml version="1.0" encoding="utf-8"?>
+<p:sld xmlns:a="http://schemas.openxmlformats.org/drawingml/2006/main" xmlns:r="http://schemas.openxmlformats.org/officeDocument/2006/relationships" xmlns:p="http://schemas.openxmlformats.org/presentationml/2006/main">
+  <p:cSld>
+    <p:spTree>
+      <p:nvGrpSpPr>
+        <p:cNvPr id="1" name=""/>
+        <p:cNvGrpSpPr/>
+        <p:nvPr/>
+      </p:nvGrpSpPr>
+      <p:grpSpPr>
+        <a:xfrm>
+          <a:off x="0" y="0"/>
+          <a:ext cx="0" cy="0"/>
+          <a:chOff x="0" y="0"/>
+          <a:chExt cx="0" cy="0"/>
+        </a:xfrm>
+      </p:grpSpPr>
+      <p:sp>
+        <p:nvSpPr>
+          <p:cNvPr id="2" name="Title 1"/>
+          <p:cNvSpPr>
+            <a:spLocks noGrp="1"/>
+          </p:cNvSpPr>
+          <p:nvPr>
+            <p:ph type="title"/>
+          </p:nvPr>
+        </p:nvSpPr>
+        <p:spPr/>
+        <p:txBody>
+          <a:bodyPr/>
+          <a:lstStyle/>
+          <a:p>
+            <a:r>
+              <a:rPr lang="en-US" dirty="0" smtClean="0"/>
+              <a:t>Version Control</a:t>
+            </a:r>
+            <a:endParaRPr lang="en-US" dirty="0"/>
+          </a:p>
+        </p:txBody>
+      </p:sp>
+      <p:sp>
+        <p:nvSpPr>
+          <p:cNvPr id="3" name="Text Placeholder 2"/>
+          <p:cNvSpPr>
+            <a:spLocks noGrp="1"/>
+          </p:cNvSpPr>
+          <p:nvPr>
+            <p:ph type="body" sz="quarter" idx="18"/>
+          </p:nvPr>
+        </p:nvSpPr>
+        <p:spPr/>
+        <p:txBody>
+          <a:bodyPr/>
+          <a:lstStyle/>
+          <a:p>
+            <a:endParaRPr lang="en-US"/>
+          </a:p>
+        </p:txBody>
+      </p:sp>
+    </p:spTree>
+    <p:extLst>
+      <p:ext uri="{BB962C8B-B14F-4D97-AF65-F5344CB8AC3E}">
+        <p14:creationId xmlns:p14="http://schemas.microsoft.com/office/powerpoint/2010/main" val="2913014266"/>
       </p:ext>
     </p:extLst>
   </p:cSld>
@@ -16475,17 +16534,8 @@
           <a:p>
             <a:r>
               <a:rPr lang="en-US" dirty="0" smtClean="0"/>
-              <a:t>If </a:t>
-            </a:r>
-            <a:r>
-              <a:rPr lang="en-US" dirty="0" smtClean="0"/>
-              <a:t>you want to develop new features, we recommend you to pull the ‘dev’ </a:t>
-            </a:r>
-            <a:r>
-              <a:rPr lang="en-US" dirty="0" smtClean="0"/>
-              <a:t>branch as well:</a:t>
-            </a:r>
-            <a:endParaRPr lang="en-US" dirty="0" smtClean="0"/>
+              <a:t>If you want to develop new features, we recommend you to pull the ‘dev’ branch as well:</a:t>
+            </a:r>
           </a:p>
           <a:p>
             <a:r>
@@ -17008,15 +17058,7 @@
             </a:pPr>
             <a:r>
               <a:rPr lang="en-US" sz="1600" dirty="0" smtClean="0"/>
-              <a:t>directories</a:t>
-            </a:r>
-            <a:r>
-              <a:rPr lang="en-US" sz="1600" dirty="0" smtClean="0"/>
-              <a:t>: according to your own requirements</a:t>
-            </a:r>
-            <a:r>
-              <a:rPr lang="en-US" sz="1600" dirty="0" smtClean="0"/>
-              <a:t>. -</a:t>
+              <a:t>directories: according to your own requirements. -</a:t>
             </a:r>
             <a:endParaRPr lang="en-US" sz="1600" dirty="0"/>
           </a:p>
@@ -17184,15 +17226,7 @@
           <a:p>
             <a:r>
               <a:rPr lang="en-US" altLang="zh-CN" sz="1600" dirty="0" smtClean="0"/>
-              <a:t>python 3 folder: </a:t>
-            </a:r>
-            <a:r>
-              <a:rPr lang="en-US" altLang="zh-CN" sz="1600" dirty="0" smtClean="0"/>
-              <a:t>Picasso </a:t>
-            </a:r>
-            <a:r>
-              <a:rPr lang="en-US" altLang="zh-CN" sz="1600" dirty="0" smtClean="0"/>
-              <a:t>uses python3 for data visualization if ‘</a:t>
+              <a:t>python 3 folder: Picasso uses python3 for data visualization if ‘</a:t>
             </a:r>
             <a:r>
               <a:rPr lang="en-US" altLang="zh-CN" sz="1600" dirty="0" err="1" smtClean="0"/>
@@ -17383,15 +17417,7 @@
           <a:p>
             <a:r>
               <a:rPr lang="en-US" sz="2800" b="1" dirty="0" smtClean="0"/>
-              <a:t>Picasso</a:t>
-            </a:r>
-            <a:r>
-              <a:rPr lang="en-US" sz="2800" b="1" dirty="0" smtClean="0"/>
-              <a:t> adds </a:t>
-            </a:r>
-            <a:r>
-              <a:rPr lang="en-US" sz="2800" b="1" dirty="0" smtClean="0"/>
-              <a:t>campaign:</a:t>
+              <a:t>Picasso adds campaign:</a:t>
             </a:r>
             <a:endParaRPr lang="en-US" sz="2800" b="1" dirty="0"/>
           </a:p>
@@ -17639,11 +17665,7 @@
           <a:p>
             <a:r>
               <a:rPr lang="en-US" sz="2800" b="1" dirty="0" smtClean="0"/>
-              <a:t>Picasso</a:t>
-            </a:r>
-            <a:r>
-              <a:rPr lang="en-US" sz="2800" b="1" dirty="0" smtClean="0"/>
-              <a:t> adds </a:t>
+              <a:t>Picasso adds </a:t>
             </a:r>
             <a:r>
               <a:rPr lang="en-US" sz="2800" b="1" dirty="0" err="1" smtClean="0"/>
@@ -18159,15 +18181,7 @@
             </a:r>
             <a:r>
               <a:rPr lang="en-US" dirty="0" smtClean="0"/>
-              <a:t> history file works as a lookup table for </a:t>
-            </a:r>
-            <a:r>
-              <a:rPr lang="en-US" dirty="0" smtClean="0"/>
-              <a:t>Picasso </a:t>
-            </a:r>
-            <a:r>
-              <a:rPr lang="en-US" dirty="0" smtClean="0"/>
-              <a:t>to search the corresponding </a:t>
+              <a:t> history file works as a lookup table for Picasso to search the corresponding </a:t>
             </a:r>
             <a:r>
               <a:rPr lang="en-US" dirty="0" err="1" smtClean="0"/>

--- a/doc/Pollynet_Processing_Chain.pptx
+++ b/doc/Pollynet_Processing_Chain.pptx
@@ -5,7 +5,7 @@
     <p:sldMasterId id="2147483672" r:id="rId1"/>
   </p:sldMasterIdLst>
   <p:notesMasterIdLst>
-    <p:notesMasterId r:id="rId23"/>
+    <p:notesMasterId r:id="rId28"/>
   </p:notesMasterIdLst>
   <p:sldIdLst>
     <p:sldId id="269" r:id="rId2"/>
@@ -13,22 +13,27 @@
     <p:sldId id="285" r:id="rId4"/>
     <p:sldId id="284" r:id="rId5"/>
     <p:sldId id="277" r:id="rId6"/>
-    <p:sldId id="278" r:id="rId7"/>
-    <p:sldId id="279" r:id="rId8"/>
-    <p:sldId id="280" r:id="rId9"/>
-    <p:sldId id="281" r:id="rId10"/>
-    <p:sldId id="286" r:id="rId11"/>
+    <p:sldId id="289" r:id="rId7"/>
+    <p:sldId id="278" r:id="rId8"/>
+    <p:sldId id="279" r:id="rId9"/>
+    <p:sldId id="280" r:id="rId10"/>
+    <p:sldId id="281" r:id="rId11"/>
     <p:sldId id="282" r:id="rId12"/>
-    <p:sldId id="273" r:id="rId13"/>
-    <p:sldId id="274" r:id="rId14"/>
-    <p:sldId id="275" r:id="rId15"/>
-    <p:sldId id="276" r:id="rId16"/>
-    <p:sldId id="265" r:id="rId17"/>
-    <p:sldId id="266" r:id="rId18"/>
-    <p:sldId id="267" r:id="rId19"/>
-    <p:sldId id="268" r:id="rId20"/>
-    <p:sldId id="287" r:id="rId21"/>
-    <p:sldId id="288" r:id="rId22"/>
+    <p:sldId id="299" r:id="rId13"/>
+    <p:sldId id="298" r:id="rId14"/>
+    <p:sldId id="287" r:id="rId15"/>
+    <p:sldId id="300" r:id="rId16"/>
+    <p:sldId id="302" r:id="rId17"/>
+    <p:sldId id="301" r:id="rId18"/>
+    <p:sldId id="288" r:id="rId19"/>
+    <p:sldId id="297" r:id="rId20"/>
+    <p:sldId id="290" r:id="rId21"/>
+    <p:sldId id="291" r:id="rId22"/>
+    <p:sldId id="292" r:id="rId23"/>
+    <p:sldId id="293" r:id="rId24"/>
+    <p:sldId id="294" r:id="rId25"/>
+    <p:sldId id="295" r:id="rId26"/>
+    <p:sldId id="296" r:id="rId27"/>
   </p:sldIdLst>
   <p:sldSz cx="12192000" cy="6858000"/>
   <p:notesSz cx="6858000" cy="9144000"/>
@@ -217,7 +222,7 @@
           <a:p>
             <a:fld id="{F3738501-0686-434C-B9DB-E21550C6BC10}" type="datetimeFigureOut">
               <a:rPr lang="en-US" smtClean="0"/>
-              <a:t>8/15/2019</a:t>
+              <a:t>8/19/2019</a:t>
             </a:fld>
             <a:endParaRPr lang="en-US"/>
           </a:p>
@@ -2122,7 +2127,7 @@
           <a:p>
             <a:fld id="{AB21D1C1-A974-4CDD-890D-2FCDFA70CDD6}" type="datetimeFigureOut">
               <a:rPr lang="en-US" smtClean="0"/>
-              <a:t>8/15/2019</a:t>
+              <a:t>8/19/2019</a:t>
             </a:fld>
             <a:endParaRPr lang="en-US"/>
           </a:p>
@@ -2599,9 +2604,10 @@
           <a:bodyPr/>
           <a:lstStyle/>
           <a:p>
+            <a:pPr algn="l"/>
             <a:r>
               <a:rPr lang="en-US" dirty="0" smtClean="0"/>
-              <a:t>Run Picasso</a:t>
+              <a:t>Setup</a:t>
             </a:r>
             <a:endParaRPr lang="en-US" dirty="0"/>
           </a:p>
@@ -2628,16 +2634,190 @@
       </p:sp>
       <p:sp>
         <p:nvSpPr>
-          <p:cNvPr id="6" name="Rounded Rectangle 5"/>
+          <p:cNvPr id="4" name="TextBox 3"/>
+          <p:cNvSpPr txBox="1"/>
+          <p:nvPr/>
+        </p:nvSpPr>
+        <p:spPr>
+          <a:xfrm>
+            <a:off x="2331720" y="284120"/>
+            <a:ext cx="9225542" cy="523220"/>
+          </a:xfrm>
+          <a:prstGeom prst="rect">
+            <a:avLst/>
+          </a:prstGeom>
+        </p:spPr>
+        <p:style>
+          <a:lnRef idx="2">
+            <a:schemeClr val="accent1"/>
+          </a:lnRef>
+          <a:fillRef idx="1">
+            <a:schemeClr val="lt1"/>
+          </a:fillRef>
+          <a:effectRef idx="0">
+            <a:schemeClr val="accent1"/>
+          </a:effectRef>
+          <a:fontRef idx="minor">
+            <a:schemeClr val="dk1"/>
+          </a:fontRef>
+        </p:style>
+        <p:txBody>
+          <a:bodyPr wrap="square" rtlCol="0">
+            <a:spAutoFit/>
+          </a:bodyPr>
+          <a:lstStyle/>
+          <a:p>
+            <a:r>
+              <a:rPr lang="en-US" sz="2800" b="1" dirty="0" smtClean="0"/>
+              <a:t>Picasso adds the link between </a:t>
+            </a:r>
+            <a:r>
+              <a:rPr lang="en-US" sz="2800" b="1" dirty="0" err="1" smtClean="0"/>
+              <a:t>polly</a:t>
+            </a:r>
+            <a:r>
+              <a:rPr lang="en-US" sz="2800" b="1" dirty="0" smtClean="0"/>
+              <a:t> </a:t>
+            </a:r>
+            <a:r>
+              <a:rPr lang="en-US" sz="2800" b="1" dirty="0" err="1" smtClean="0"/>
+              <a:t>config</a:t>
+            </a:r>
+            <a:r>
+              <a:rPr lang="en-US" sz="2800" b="1" dirty="0" smtClean="0"/>
+              <a:t> file and </a:t>
+            </a:r>
+            <a:r>
+              <a:rPr lang="en-US" sz="2800" b="1" dirty="0" err="1" smtClean="0"/>
+              <a:t>polly</a:t>
+            </a:r>
+            <a:r>
+              <a:rPr lang="en-US" sz="2800" b="1" dirty="0" smtClean="0"/>
+              <a:t> data</a:t>
+            </a:r>
+            <a:endParaRPr lang="en-US" sz="2800" b="1" dirty="0"/>
+          </a:p>
+        </p:txBody>
+      </p:sp>
+      <p:sp>
+        <p:nvSpPr>
+          <p:cNvPr id="7" name="TextBox 6"/>
+          <p:cNvSpPr txBox="1"/>
+          <p:nvPr/>
+        </p:nvSpPr>
+        <p:spPr>
+          <a:xfrm>
+            <a:off x="93519" y="3861358"/>
+            <a:ext cx="12324033" cy="923330"/>
+          </a:xfrm>
+          <a:prstGeom prst="rect">
+            <a:avLst/>
+          </a:prstGeom>
+          <a:noFill/>
+        </p:spPr>
+        <p:txBody>
+          <a:bodyPr wrap="square" rtlCol="0">
+            <a:spAutoFit/>
+          </a:bodyPr>
+          <a:lstStyle/>
+          <a:p>
+            <a:r>
+              <a:rPr lang="en-US" dirty="0" err="1" smtClean="0"/>
+              <a:t>config</a:t>
+            </a:r>
+            <a:r>
+              <a:rPr lang="en-US" dirty="0" smtClean="0"/>
+              <a:t> history file works as a lookup table for Picasso to search the corresponding </a:t>
+            </a:r>
+            <a:r>
+              <a:rPr lang="en-US" dirty="0" err="1" smtClean="0"/>
+              <a:t>polly</a:t>
+            </a:r>
+            <a:r>
+              <a:rPr lang="en-US" dirty="0" smtClean="0"/>
+              <a:t> </a:t>
+            </a:r>
+            <a:r>
+              <a:rPr lang="en-US" dirty="0" err="1" smtClean="0"/>
+              <a:t>config</a:t>
+            </a:r>
+            <a:r>
+              <a:rPr lang="en-US" dirty="0" smtClean="0"/>
+              <a:t> file.</a:t>
+            </a:r>
+          </a:p>
+          <a:p>
+            <a:endParaRPr lang="en-US" dirty="0"/>
+          </a:p>
+          <a:p>
+            <a:r>
+              <a:rPr lang="en-US" dirty="0" smtClean="0"/>
+              <a:t>better way to do is to copy the line before and then edit it according to your demands.</a:t>
+            </a:r>
+            <a:endParaRPr lang="en-US" dirty="0"/>
+          </a:p>
+        </p:txBody>
+      </p:sp>
+      <p:pic>
+        <p:nvPicPr>
+          <p:cNvPr id="8" name="Picture 7"/>
+          <p:cNvPicPr>
+            <a:picLocks noChangeAspect="1"/>
+          </p:cNvPicPr>
+          <p:nvPr/>
+        </p:nvPicPr>
+        <p:blipFill>
+          <a:blip r:embed="rId2"/>
+          <a:stretch>
+            <a:fillRect/>
+          </a:stretch>
+        </p:blipFill>
+        <p:spPr>
+          <a:xfrm>
+            <a:off x="93519" y="2235530"/>
+            <a:ext cx="12008467" cy="1270065"/>
+          </a:xfrm>
+          <a:prstGeom prst="rect">
+            <a:avLst/>
+          </a:prstGeom>
+        </p:spPr>
+      </p:pic>
+      <p:pic>
+        <p:nvPicPr>
+          <p:cNvPr id="10" name="Picture 9"/>
+          <p:cNvPicPr>
+            <a:picLocks noChangeAspect="1"/>
+          </p:cNvPicPr>
+          <p:nvPr/>
+        </p:nvPicPr>
+        <p:blipFill>
+          <a:blip r:embed="rId3"/>
+          <a:stretch>
+            <a:fillRect/>
+          </a:stretch>
+        </p:blipFill>
+        <p:spPr>
+          <a:xfrm>
+            <a:off x="219456" y="1099727"/>
+            <a:ext cx="10326001" cy="320040"/>
+          </a:xfrm>
+          <a:prstGeom prst="rect">
+            <a:avLst/>
+          </a:prstGeom>
+        </p:spPr>
+      </p:pic>
+      <p:sp>
+        <p:nvSpPr>
+          <p:cNvPr id="11" name="Down Arrow 10"/>
           <p:cNvSpPr/>
           <p:nvPr/>
         </p:nvSpPr>
         <p:spPr>
           <a:xfrm>
-            <a:off x="5001769" y="2159597"/>
-            <a:ext cx="3291840" cy="1398695"/>
+            <a:off x="4974336" y="1606149"/>
+            <a:ext cx="283464" cy="360732"/>
           </a:xfrm>
-          <a:prstGeom prst="roundRect">
+          <a:prstGeom prst="downArrow">
             <a:avLst/>
           </a:prstGeom>
         </p:spPr>
@@ -2660,455 +2840,20 @@
           <a:lstStyle/>
           <a:p>
             <a:pPr algn="ctr"/>
-            <a:r>
-              <a:rPr lang="en-US" sz="4400" b="1" dirty="0" smtClean="0"/>
-              <a:t>Picasso</a:t>
-            </a:r>
-            <a:endParaRPr lang="en-US" sz="4400" b="1" dirty="0"/>
+            <a:endParaRPr lang="en-US"/>
           </a:p>
         </p:txBody>
       </p:sp>
-      <p:cxnSp>
-        <p:nvCxnSpPr>
-          <p:cNvPr id="15" name="Elbow Connector 14"/>
-          <p:cNvCxnSpPr>
-            <a:stCxn id="5" idx="3"/>
-            <a:endCxn id="6" idx="1"/>
-          </p:cNvCxnSpPr>
-          <p:nvPr/>
-        </p:nvCxnSpPr>
-        <p:spPr>
-          <a:xfrm rot="16200000" flipH="1">
-            <a:off x="3217066" y="1074242"/>
-            <a:ext cx="144976" cy="3424429"/>
-          </a:xfrm>
-          <a:prstGeom prst="bentConnector2">
-            <a:avLst/>
-          </a:prstGeom>
-          <a:ln>
-            <a:tailEnd type="triangle"/>
-          </a:ln>
-        </p:spPr>
-        <p:style>
-          <a:lnRef idx="2">
-            <a:schemeClr val="accent1"/>
-          </a:lnRef>
-          <a:fillRef idx="0">
-            <a:schemeClr val="accent1"/>
-          </a:fillRef>
-          <a:effectRef idx="1">
-            <a:schemeClr val="accent1"/>
-          </a:effectRef>
-          <a:fontRef idx="minor">
-            <a:schemeClr val="tx1"/>
-          </a:fontRef>
-        </p:style>
-      </p:cxnSp>
-      <p:grpSp>
-        <p:nvGrpSpPr>
-          <p:cNvPr id="59" name="Group 58"/>
-          <p:cNvGrpSpPr/>
-          <p:nvPr/>
-        </p:nvGrpSpPr>
-        <p:grpSpPr>
-          <a:xfrm>
-            <a:off x="8551216" y="470808"/>
-            <a:ext cx="2980944" cy="4486319"/>
-            <a:chOff x="8796529" y="859451"/>
-            <a:chExt cx="2980944" cy="4486319"/>
-          </a:xfrm>
-        </p:grpSpPr>
-        <p:sp>
-          <p:nvSpPr>
-            <p:cNvPr id="7" name="Flowchart: Multidocument 6"/>
-            <p:cNvSpPr/>
-            <p:nvPr/>
-          </p:nvSpPr>
-          <p:spPr>
-            <a:xfrm>
-              <a:off x="9582913" y="859451"/>
-              <a:ext cx="2194560" cy="914400"/>
-            </a:xfrm>
-            <a:prstGeom prst="flowChartMultidocument">
-              <a:avLst/>
-            </a:prstGeom>
-          </p:spPr>
-          <p:style>
-            <a:lnRef idx="1">
-              <a:schemeClr val="accent1"/>
-            </a:lnRef>
-            <a:fillRef idx="3">
-              <a:schemeClr val="accent1"/>
-            </a:fillRef>
-            <a:effectRef idx="2">
-              <a:schemeClr val="accent1"/>
-            </a:effectRef>
-            <a:fontRef idx="minor">
-              <a:schemeClr val="lt1"/>
-            </a:fontRef>
-          </p:style>
-          <p:txBody>
-            <a:bodyPr rtlCol="0" anchor="ctr"/>
-            <a:lstStyle/>
-            <a:p>
-              <a:pPr algn="ctr"/>
-              <a:r>
-                <a:rPr lang="en-US" sz="2800" dirty="0" smtClean="0"/>
-                <a:t>figures</a:t>
-              </a:r>
-              <a:endParaRPr lang="en-US" sz="2800" dirty="0"/>
-            </a:p>
-          </p:txBody>
-        </p:sp>
-        <p:sp>
-          <p:nvSpPr>
-            <p:cNvPr id="8" name="Flowchart: Multidocument 7"/>
-            <p:cNvSpPr/>
-            <p:nvPr/>
-          </p:nvSpPr>
-          <p:spPr>
-            <a:xfrm>
-              <a:off x="9582913" y="2349754"/>
-              <a:ext cx="2194560" cy="914400"/>
-            </a:xfrm>
-            <a:prstGeom prst="flowChartMultidocument">
-              <a:avLst/>
-            </a:prstGeom>
-          </p:spPr>
-          <p:style>
-            <a:lnRef idx="1">
-              <a:schemeClr val="accent1"/>
-            </a:lnRef>
-            <a:fillRef idx="3">
-              <a:schemeClr val="accent1"/>
-            </a:fillRef>
-            <a:effectRef idx="2">
-              <a:schemeClr val="accent1"/>
-            </a:effectRef>
-            <a:fontRef idx="minor">
-              <a:schemeClr val="lt1"/>
-            </a:fontRef>
-          </p:style>
-          <p:txBody>
-            <a:bodyPr rtlCol="0" anchor="ctr"/>
-            <a:lstStyle/>
-            <a:p>
-              <a:pPr algn="ctr"/>
-              <a:r>
-                <a:rPr lang="en-US" sz="2800" dirty="0" smtClean="0"/>
-                <a:t>results</a:t>
-              </a:r>
-              <a:endParaRPr lang="en-US" sz="2800" dirty="0"/>
-            </a:p>
-          </p:txBody>
-        </p:sp>
-        <p:sp>
-          <p:nvSpPr>
-            <p:cNvPr id="9" name="Flowchart: Multidocument 8"/>
-            <p:cNvSpPr/>
-            <p:nvPr/>
-          </p:nvSpPr>
-          <p:spPr>
-            <a:xfrm>
-              <a:off x="9582913" y="3949786"/>
-              <a:ext cx="1645920" cy="548640"/>
-            </a:xfrm>
-            <a:prstGeom prst="flowChartMultidocument">
-              <a:avLst/>
-            </a:prstGeom>
-          </p:spPr>
-          <p:style>
-            <a:lnRef idx="1">
-              <a:schemeClr val="accent1"/>
-            </a:lnRef>
-            <a:fillRef idx="3">
-              <a:schemeClr val="accent1"/>
-            </a:fillRef>
-            <a:effectRef idx="2">
-              <a:schemeClr val="accent1"/>
-            </a:effectRef>
-            <a:fontRef idx="minor">
-              <a:schemeClr val="lt1"/>
-            </a:fontRef>
-          </p:style>
-          <p:txBody>
-            <a:bodyPr rtlCol="0" anchor="ctr"/>
-            <a:lstStyle/>
-            <a:p>
-              <a:pPr algn="ctr"/>
-              <a:r>
-                <a:rPr lang="en-US" sz="2000" dirty="0" smtClean="0"/>
-                <a:t>calibration</a:t>
-              </a:r>
-              <a:endParaRPr lang="en-US" sz="2000" dirty="0"/>
-            </a:p>
-          </p:txBody>
-        </p:sp>
-        <p:sp>
-          <p:nvSpPr>
-            <p:cNvPr id="11" name="Flowchart: Multidocument 10"/>
-            <p:cNvSpPr/>
-            <p:nvPr/>
-          </p:nvSpPr>
-          <p:spPr>
-            <a:xfrm>
-              <a:off x="9582913" y="4797130"/>
-              <a:ext cx="1645920" cy="548640"/>
-            </a:xfrm>
-            <a:prstGeom prst="flowChartMultidocument">
-              <a:avLst/>
-            </a:prstGeom>
-          </p:spPr>
-          <p:style>
-            <a:lnRef idx="1">
-              <a:schemeClr val="accent1"/>
-            </a:lnRef>
-            <a:fillRef idx="3">
-              <a:schemeClr val="accent1"/>
-            </a:fillRef>
-            <a:effectRef idx="2">
-              <a:schemeClr val="accent1"/>
-            </a:effectRef>
-            <a:fontRef idx="minor">
-              <a:schemeClr val="lt1"/>
-            </a:fontRef>
-          </p:style>
-          <p:txBody>
-            <a:bodyPr rtlCol="0" anchor="ctr"/>
-            <a:lstStyle/>
-            <a:p>
-              <a:pPr algn="ctr"/>
-              <a:r>
-                <a:rPr lang="en-US" sz="2000" dirty="0" smtClean="0"/>
-                <a:t>log</a:t>
-              </a:r>
-              <a:endParaRPr lang="en-US" sz="2000" dirty="0"/>
-            </a:p>
-          </p:txBody>
-        </p:sp>
-        <p:sp>
-          <p:nvSpPr>
-            <p:cNvPr id="16" name="Left Brace 15"/>
-            <p:cNvSpPr/>
-            <p:nvPr/>
-          </p:nvSpPr>
-          <p:spPr>
-            <a:xfrm>
-              <a:off x="8796529" y="1490387"/>
-              <a:ext cx="457200" cy="3557016"/>
-            </a:xfrm>
-            <a:prstGeom prst="leftBrace">
-              <a:avLst/>
-            </a:prstGeom>
-          </p:spPr>
-          <p:style>
-            <a:lnRef idx="2">
-              <a:schemeClr val="accent1"/>
-            </a:lnRef>
-            <a:fillRef idx="0">
-              <a:schemeClr val="accent1"/>
-            </a:fillRef>
-            <a:effectRef idx="1">
-              <a:schemeClr val="accent1"/>
-            </a:effectRef>
-            <a:fontRef idx="minor">
-              <a:schemeClr val="tx1"/>
-            </a:fontRef>
-          </p:style>
-          <p:txBody>
-            <a:bodyPr rtlCol="0" anchor="ctr"/>
-            <a:lstStyle/>
-            <a:p>
-              <a:pPr algn="ctr"/>
-              <a:endParaRPr lang="en-US"/>
-            </a:p>
-          </p:txBody>
-        </p:sp>
-      </p:grpSp>
-      <p:grpSp>
-        <p:nvGrpSpPr>
-          <p:cNvPr id="58" name="Group 57"/>
-          <p:cNvGrpSpPr/>
-          <p:nvPr/>
-        </p:nvGrpSpPr>
-        <p:grpSpPr>
-          <a:xfrm>
-            <a:off x="672084" y="1004041"/>
-            <a:ext cx="4078225" cy="1709928"/>
-            <a:chOff x="649224" y="1453896"/>
-            <a:chExt cx="4078225" cy="1709928"/>
-          </a:xfrm>
-        </p:grpSpPr>
-        <p:sp>
-          <p:nvSpPr>
-            <p:cNvPr id="4" name="TextBox 3"/>
-            <p:cNvSpPr txBox="1"/>
-            <p:nvPr/>
-          </p:nvSpPr>
-          <p:spPr>
-            <a:xfrm>
-              <a:off x="649224" y="1453896"/>
-              <a:ext cx="1810512" cy="369332"/>
-            </a:xfrm>
-            <a:prstGeom prst="rect">
-              <a:avLst/>
-            </a:prstGeom>
-          </p:spPr>
-          <p:style>
-            <a:lnRef idx="2">
-              <a:schemeClr val="accent1"/>
-            </a:lnRef>
-            <a:fillRef idx="1">
-              <a:schemeClr val="lt1"/>
-            </a:fillRef>
-            <a:effectRef idx="0">
-              <a:schemeClr val="accent1"/>
-            </a:effectRef>
-            <a:fontRef idx="minor">
-              <a:schemeClr val="dk1"/>
-            </a:fontRef>
-          </p:style>
-          <p:txBody>
-            <a:bodyPr wrap="square" rtlCol="0">
-              <a:spAutoFit/>
-            </a:bodyPr>
-            <a:lstStyle/>
-            <a:p>
-              <a:r>
-                <a:rPr lang="en-US" dirty="0" smtClean="0"/>
-                <a:t>Unzip </a:t>
-              </a:r>
-              <a:r>
-                <a:rPr lang="en-US" dirty="0" err="1" smtClean="0"/>
-                <a:t>polly</a:t>
-              </a:r>
-              <a:r>
-                <a:rPr lang="en-US" dirty="0" smtClean="0"/>
-                <a:t> data</a:t>
-              </a:r>
-              <a:endParaRPr lang="en-US" dirty="0"/>
-            </a:p>
-          </p:txBody>
-        </p:sp>
-        <p:sp>
-          <p:nvSpPr>
-            <p:cNvPr id="5" name="Flowchart: Magnetic Disk 4"/>
-            <p:cNvSpPr/>
-            <p:nvPr/>
-          </p:nvSpPr>
-          <p:spPr>
-            <a:xfrm>
-              <a:off x="713232" y="2496312"/>
-              <a:ext cx="1682496" cy="667512"/>
-            </a:xfrm>
-            <a:prstGeom prst="flowChartMagneticDisk">
-              <a:avLst/>
-            </a:prstGeom>
-          </p:spPr>
-          <p:style>
-            <a:lnRef idx="1">
-              <a:schemeClr val="accent1"/>
-            </a:lnRef>
-            <a:fillRef idx="3">
-              <a:schemeClr val="accent1"/>
-            </a:fillRef>
-            <a:effectRef idx="2">
-              <a:schemeClr val="accent1"/>
-            </a:effectRef>
-            <a:fontRef idx="minor">
-              <a:schemeClr val="lt1"/>
-            </a:fontRef>
-          </p:style>
-          <p:txBody>
-            <a:bodyPr rtlCol="0" anchor="ctr"/>
-            <a:lstStyle/>
-            <a:p>
-              <a:pPr algn="ctr"/>
-              <a:r>
-                <a:rPr lang="en-US" dirty="0" err="1" smtClean="0"/>
-                <a:t>todo_filelist</a:t>
-              </a:r>
-              <a:endParaRPr lang="en-US" dirty="0"/>
-            </a:p>
-          </p:txBody>
-        </p:sp>
-        <p:cxnSp>
-          <p:nvCxnSpPr>
-            <p:cNvPr id="13" name="Straight Arrow Connector 12"/>
-            <p:cNvCxnSpPr>
-              <a:stCxn id="4" idx="2"/>
-              <a:endCxn id="5" idx="1"/>
-            </p:cNvCxnSpPr>
-            <p:nvPr/>
-          </p:nvCxnSpPr>
-          <p:spPr>
-            <a:xfrm>
-              <a:off x="1554480" y="1823228"/>
-              <a:ext cx="0" cy="673084"/>
-            </a:xfrm>
-            <a:prstGeom prst="straightConnector1">
-              <a:avLst/>
-            </a:prstGeom>
-            <a:ln>
-              <a:tailEnd type="triangle"/>
-            </a:ln>
-          </p:spPr>
-          <p:style>
-            <a:lnRef idx="2">
-              <a:schemeClr val="accent1"/>
-            </a:lnRef>
-            <a:fillRef idx="0">
-              <a:schemeClr val="accent1"/>
-            </a:fillRef>
-            <a:effectRef idx="1">
-              <a:schemeClr val="accent1"/>
-            </a:effectRef>
-            <a:fontRef idx="minor">
-              <a:schemeClr val="tx1"/>
-            </a:fontRef>
-          </p:style>
-        </p:cxnSp>
-        <p:sp>
-          <p:nvSpPr>
-            <p:cNvPr id="17" name="TextBox 16"/>
-            <p:cNvSpPr txBox="1"/>
-            <p:nvPr/>
-          </p:nvSpPr>
-          <p:spPr>
-            <a:xfrm>
-              <a:off x="1755649" y="1984500"/>
-              <a:ext cx="2971800" cy="383879"/>
-            </a:xfrm>
-            <a:prstGeom prst="rect">
-              <a:avLst/>
-            </a:prstGeom>
-            <a:noFill/>
-          </p:spPr>
-          <p:txBody>
-            <a:bodyPr wrap="square" rtlCol="0">
-              <a:spAutoFit/>
-            </a:bodyPr>
-            <a:lstStyle/>
-            <a:p>
-              <a:r>
-                <a:rPr lang="en-US" dirty="0" err="1" smtClean="0"/>
-                <a:t>write_single_to_filelist.m</a:t>
-              </a:r>
-              <a:endParaRPr lang="en-US" dirty="0"/>
-            </a:p>
-          </p:txBody>
-        </p:sp>
-      </p:grpSp>
       <p:sp>
         <p:nvSpPr>
-          <p:cNvPr id="18" name="TextBox 17"/>
+          <p:cNvPr id="12" name="TextBox 11"/>
           <p:cNvSpPr txBox="1"/>
           <p:nvPr/>
         </p:nvSpPr>
         <p:spPr>
           <a:xfrm>
-            <a:off x="1435608" y="2912768"/>
-            <a:ext cx="3968496" cy="369332"/>
+            <a:off x="886968" y="5292435"/>
+            <a:ext cx="8741664" cy="523220"/>
           </a:xfrm>
           <a:prstGeom prst="rect">
             <a:avLst/>
@@ -3122,313 +2867,17 @@
           <a:lstStyle/>
           <a:p>
             <a:r>
-              <a:rPr lang="en-US" dirty="0" err="1" smtClean="0"/>
-              <a:t>pollynet_processing_chain_main.m</a:t>
-            </a:r>
-            <a:endParaRPr lang="en-US" dirty="0"/>
+              <a:rPr lang="en-US" sz="2800" b="1" dirty="0" smtClean="0"/>
+              <a:t>Now, everything is really</a:t>
+            </a:r>
+            <a:endParaRPr lang="en-US" sz="2800" b="1" dirty="0"/>
           </a:p>
         </p:txBody>
       </p:sp>
-      <p:grpSp>
-        <p:nvGrpSpPr>
-          <p:cNvPr id="61" name="Group 60"/>
-          <p:cNvGrpSpPr/>
-          <p:nvPr/>
-        </p:nvGrpSpPr>
-        <p:grpSpPr>
-          <a:xfrm>
-            <a:off x="4750309" y="3643826"/>
-            <a:ext cx="3931920" cy="3138610"/>
-            <a:chOff x="4681729" y="3719390"/>
-            <a:chExt cx="3931920" cy="3138610"/>
-          </a:xfrm>
-        </p:grpSpPr>
-        <p:sp>
-          <p:nvSpPr>
-            <p:cNvPr id="50" name="Rectangle 49"/>
-            <p:cNvSpPr/>
-            <p:nvPr/>
-          </p:nvSpPr>
-          <p:spPr>
-            <a:xfrm>
-              <a:off x="4793031" y="3868580"/>
-              <a:ext cx="3657600" cy="457200"/>
-            </a:xfrm>
-            <a:prstGeom prst="rect">
-              <a:avLst/>
-            </a:prstGeom>
-          </p:spPr>
-          <p:style>
-            <a:lnRef idx="1">
-              <a:schemeClr val="accent6"/>
-            </a:lnRef>
-            <a:fillRef idx="2">
-              <a:schemeClr val="accent6"/>
-            </a:fillRef>
-            <a:effectRef idx="1">
-              <a:schemeClr val="accent6"/>
-            </a:effectRef>
-            <a:fontRef idx="minor">
-              <a:schemeClr val="dk1"/>
-            </a:fontRef>
-          </p:style>
-          <p:txBody>
-            <a:bodyPr rtlCol="0" anchor="ctr"/>
-            <a:lstStyle/>
-            <a:p>
-              <a:pPr algn="ctr"/>
-              <a:r>
-                <a:rPr lang="en-US" dirty="0" smtClean="0"/>
-                <a:t>pollynet_places_history_new.txt</a:t>
-              </a:r>
-              <a:endParaRPr lang="en-US" dirty="0"/>
-            </a:p>
-          </p:txBody>
-        </p:sp>
-        <p:sp>
-          <p:nvSpPr>
-            <p:cNvPr id="51" name="Rectangle 50"/>
-            <p:cNvSpPr/>
-            <p:nvPr/>
-          </p:nvSpPr>
-          <p:spPr>
-            <a:xfrm>
-              <a:off x="4793031" y="4482285"/>
-              <a:ext cx="3657600" cy="457200"/>
-            </a:xfrm>
-            <a:prstGeom prst="rect">
-              <a:avLst/>
-            </a:prstGeom>
-          </p:spPr>
-          <p:style>
-            <a:lnRef idx="1">
-              <a:schemeClr val="accent6"/>
-            </a:lnRef>
-            <a:fillRef idx="2">
-              <a:schemeClr val="accent6"/>
-            </a:fillRef>
-            <a:effectRef idx="1">
-              <a:schemeClr val="accent6"/>
-            </a:effectRef>
-            <a:fontRef idx="minor">
-              <a:schemeClr val="dk1"/>
-            </a:fontRef>
-          </p:style>
-          <p:txBody>
-            <a:bodyPr rtlCol="0" anchor="ctr"/>
-            <a:lstStyle/>
-            <a:p>
-              <a:pPr algn="ctr"/>
-              <a:r>
-                <a:rPr lang="en-US" dirty="0"/>
-                <a:t>p</a:t>
-              </a:r>
-              <a:r>
-                <a:rPr lang="en-US" dirty="0" smtClean="0"/>
-                <a:t>ollynet_processing_chain_link.txt</a:t>
-              </a:r>
-              <a:endParaRPr lang="en-US" dirty="0"/>
-            </a:p>
-          </p:txBody>
-        </p:sp>
-        <p:sp>
-          <p:nvSpPr>
-            <p:cNvPr id="52" name="Rectangle 51"/>
-            <p:cNvSpPr/>
-            <p:nvPr/>
-          </p:nvSpPr>
-          <p:spPr>
-            <a:xfrm>
-              <a:off x="4793031" y="5095990"/>
-              <a:ext cx="3657600" cy="457200"/>
-            </a:xfrm>
-            <a:prstGeom prst="rect">
-              <a:avLst/>
-            </a:prstGeom>
-          </p:spPr>
-          <p:style>
-            <a:lnRef idx="1">
-              <a:schemeClr val="accent6"/>
-            </a:lnRef>
-            <a:fillRef idx="2">
-              <a:schemeClr val="accent6"/>
-            </a:fillRef>
-            <a:effectRef idx="1">
-              <a:schemeClr val="accent6"/>
-            </a:effectRef>
-            <a:fontRef idx="minor">
-              <a:schemeClr val="dk1"/>
-            </a:fontRef>
-          </p:style>
-          <p:txBody>
-            <a:bodyPr rtlCol="0" anchor="ctr"/>
-            <a:lstStyle/>
-            <a:p>
-              <a:pPr algn="ctr"/>
-              <a:r>
-                <a:rPr lang="en-US" dirty="0" smtClean="0"/>
-                <a:t>Load the </a:t>
-              </a:r>
-              <a:r>
-                <a:rPr lang="en-US" dirty="0" err="1" smtClean="0"/>
-                <a:t>polly</a:t>
-              </a:r>
-              <a:r>
-                <a:rPr lang="en-US" dirty="0" smtClean="0"/>
-                <a:t> </a:t>
-              </a:r>
-              <a:r>
-                <a:rPr lang="en-US" dirty="0" err="1" smtClean="0"/>
-                <a:t>config</a:t>
-              </a:r>
-              <a:endParaRPr lang="en-US" dirty="0"/>
-            </a:p>
-          </p:txBody>
-        </p:sp>
-        <p:sp>
-          <p:nvSpPr>
-            <p:cNvPr id="54" name="Rectangle 53"/>
-            <p:cNvSpPr/>
-            <p:nvPr/>
-          </p:nvSpPr>
-          <p:spPr>
-            <a:xfrm>
-              <a:off x="4793031" y="5709695"/>
-              <a:ext cx="3657600" cy="457200"/>
-            </a:xfrm>
-            <a:prstGeom prst="rect">
-              <a:avLst/>
-            </a:prstGeom>
-          </p:spPr>
-          <p:style>
-            <a:lnRef idx="1">
-              <a:schemeClr val="accent6"/>
-            </a:lnRef>
-            <a:fillRef idx="2">
-              <a:schemeClr val="accent6"/>
-            </a:fillRef>
-            <a:effectRef idx="1">
-              <a:schemeClr val="accent6"/>
-            </a:effectRef>
-            <a:fontRef idx="minor">
-              <a:schemeClr val="dk1"/>
-            </a:fontRef>
-          </p:style>
-          <p:txBody>
-            <a:bodyPr rtlCol="0" anchor="ctr"/>
-            <a:lstStyle/>
-            <a:p>
-              <a:pPr algn="ctr"/>
-              <a:r>
-                <a:rPr lang="en-US" dirty="0" err="1" smtClean="0"/>
-                <a:t>pollyxt_xxx</a:t>
-              </a:r>
-              <a:r>
-                <a:rPr lang="en-US" dirty="0" smtClean="0"/>
-                <a:t> defaults</a:t>
-              </a:r>
-              <a:endParaRPr lang="en-US" dirty="0"/>
-            </a:p>
-          </p:txBody>
-        </p:sp>
-        <p:sp>
-          <p:nvSpPr>
-            <p:cNvPr id="55" name="Rectangle 54"/>
-            <p:cNvSpPr/>
-            <p:nvPr/>
-          </p:nvSpPr>
-          <p:spPr>
-            <a:xfrm>
-              <a:off x="4681729" y="3719390"/>
-              <a:ext cx="3931920" cy="3138610"/>
-            </a:xfrm>
-            <a:prstGeom prst="rect">
-              <a:avLst/>
-            </a:prstGeom>
-            <a:noFill/>
-            <a:ln w="28575">
-              <a:solidFill>
-                <a:schemeClr val="tx2">
-                  <a:lumMod val="60000"/>
-                  <a:lumOff val="40000"/>
-                </a:schemeClr>
-              </a:solidFill>
-            </a:ln>
-          </p:spPr>
-          <p:style>
-            <a:lnRef idx="1">
-              <a:schemeClr val="accent1"/>
-            </a:lnRef>
-            <a:fillRef idx="3">
-              <a:schemeClr val="accent1"/>
-            </a:fillRef>
-            <a:effectRef idx="2">
-              <a:schemeClr val="accent1"/>
-            </a:effectRef>
-            <a:fontRef idx="minor">
-              <a:schemeClr val="lt1"/>
-            </a:fontRef>
-          </p:style>
-          <p:txBody>
-            <a:bodyPr rtlCol="0" anchor="ctr"/>
-            <a:lstStyle/>
-            <a:p>
-              <a:pPr algn="ctr"/>
-              <a:endParaRPr lang="en-US"/>
-            </a:p>
-          </p:txBody>
-        </p:sp>
-        <p:sp>
-          <p:nvSpPr>
-            <p:cNvPr id="60" name="Rectangle 59"/>
-            <p:cNvSpPr/>
-            <p:nvPr/>
-          </p:nvSpPr>
-          <p:spPr>
-            <a:xfrm>
-              <a:off x="4793031" y="6323402"/>
-              <a:ext cx="3657600" cy="457200"/>
-            </a:xfrm>
-            <a:prstGeom prst="rect">
-              <a:avLst/>
-            </a:prstGeom>
-          </p:spPr>
-          <p:style>
-            <a:lnRef idx="1">
-              <a:schemeClr val="accent6"/>
-            </a:lnRef>
-            <a:fillRef idx="2">
-              <a:schemeClr val="accent6"/>
-            </a:fillRef>
-            <a:effectRef idx="1">
-              <a:schemeClr val="accent6"/>
-            </a:effectRef>
-            <a:fontRef idx="minor">
-              <a:schemeClr val="dk1"/>
-            </a:fontRef>
-          </p:style>
-          <p:txBody>
-            <a:bodyPr rtlCol="0" anchor="ctr"/>
-            <a:lstStyle/>
-            <a:p>
-              <a:pPr algn="ctr"/>
-              <a:r>
-                <a:rPr lang="en-US" dirty="0" err="1" smtClean="0"/>
-                <a:t>pollyxt_xxx</a:t>
-              </a:r>
-              <a:r>
-                <a:rPr lang="en-US" dirty="0" smtClean="0"/>
-                <a:t> module</a:t>
-              </a:r>
-              <a:endParaRPr lang="en-US" dirty="0"/>
-            </a:p>
-          </p:txBody>
-        </p:sp>
-      </p:grpSp>
     </p:spTree>
     <p:extLst>
       <p:ext uri="{BB962C8B-B14F-4D97-AF65-F5344CB8AC3E}">
-        <p14:creationId xmlns:p14="http://schemas.microsoft.com/office/powerpoint/2010/main" val="4283714076"/>
+        <p14:creationId xmlns:p14="http://schemas.microsoft.com/office/powerpoint/2010/main" val="763929526"/>
       </p:ext>
     </p:extLst>
   </p:cSld>
@@ -3548,6 +2997,1429 @@
 </file>
 
 <file path=ppt/slides/slide12.xml><?xml version="1.0" encoding="utf-8"?>
+<p:sld xmlns:a="http://schemas.openxmlformats.org/drawingml/2006/main" xmlns:r="http://schemas.openxmlformats.org/officeDocument/2006/relationships" xmlns:p="http://schemas.openxmlformats.org/presentationml/2006/main">
+  <p:cSld>
+    <p:spTree>
+      <p:nvGrpSpPr>
+        <p:cNvPr id="1" name=""/>
+        <p:cNvGrpSpPr/>
+        <p:nvPr/>
+      </p:nvGrpSpPr>
+      <p:grpSpPr>
+        <a:xfrm>
+          <a:off x="0" y="0"/>
+          <a:ext cx="0" cy="0"/>
+          <a:chOff x="0" y="0"/>
+          <a:chExt cx="0" cy="0"/>
+        </a:xfrm>
+      </p:grpSpPr>
+      <p:sp>
+        <p:nvSpPr>
+          <p:cNvPr id="2" name="Title 1"/>
+          <p:cNvSpPr>
+            <a:spLocks noGrp="1"/>
+          </p:cNvSpPr>
+          <p:nvPr>
+            <p:ph type="title"/>
+          </p:nvPr>
+        </p:nvSpPr>
+        <p:spPr/>
+        <p:txBody>
+          <a:bodyPr/>
+          <a:lstStyle/>
+          <a:p>
+            <a:r>
+              <a:rPr lang="en-US" dirty="0" smtClean="0"/>
+              <a:t>Add a new </a:t>
+            </a:r>
+            <a:r>
+              <a:rPr lang="en-US" dirty="0" smtClean="0"/>
+              <a:t>campaign</a:t>
+            </a:r>
+            <a:endParaRPr lang="en-US" dirty="0"/>
+          </a:p>
+        </p:txBody>
+      </p:sp>
+      <p:sp>
+        <p:nvSpPr>
+          <p:cNvPr id="3" name="Text Placeholder 2"/>
+          <p:cNvSpPr>
+            <a:spLocks noGrp="1"/>
+          </p:cNvSpPr>
+          <p:nvPr>
+            <p:ph type="body" sz="quarter" idx="18"/>
+          </p:nvPr>
+        </p:nvSpPr>
+        <p:spPr/>
+        <p:txBody>
+          <a:bodyPr/>
+          <a:lstStyle/>
+          <a:p>
+            <a:endParaRPr lang="en-US"/>
+          </a:p>
+        </p:txBody>
+      </p:sp>
+      <p:grpSp>
+        <p:nvGrpSpPr>
+          <p:cNvPr id="17" name="Group 16"/>
+          <p:cNvGrpSpPr/>
+          <p:nvPr/>
+        </p:nvGrpSpPr>
+        <p:grpSpPr>
+          <a:xfrm>
+            <a:off x="2199133" y="1778450"/>
+            <a:ext cx="7283195" cy="3138610"/>
+            <a:chOff x="690373" y="1961330"/>
+            <a:chExt cx="7283195" cy="3138610"/>
+          </a:xfrm>
+        </p:grpSpPr>
+        <p:grpSp>
+          <p:nvGrpSpPr>
+            <p:cNvPr id="5" name="Group 4"/>
+            <p:cNvGrpSpPr/>
+            <p:nvPr/>
+          </p:nvGrpSpPr>
+          <p:grpSpPr>
+            <a:xfrm>
+              <a:off x="690373" y="1961330"/>
+              <a:ext cx="3931920" cy="3138610"/>
+              <a:chOff x="4681729" y="3719390"/>
+              <a:chExt cx="3931920" cy="3138610"/>
+            </a:xfrm>
+          </p:grpSpPr>
+          <p:sp>
+            <p:nvSpPr>
+              <p:cNvPr id="6" name="Rectangle 5"/>
+              <p:cNvSpPr/>
+              <p:nvPr/>
+            </p:nvSpPr>
+            <p:spPr>
+              <a:xfrm>
+                <a:off x="4793031" y="3868580"/>
+                <a:ext cx="3657600" cy="457200"/>
+              </a:xfrm>
+              <a:prstGeom prst="rect">
+                <a:avLst/>
+              </a:prstGeom>
+            </p:spPr>
+            <p:style>
+              <a:lnRef idx="1">
+                <a:schemeClr val="accent6"/>
+              </a:lnRef>
+              <a:fillRef idx="2">
+                <a:schemeClr val="accent6"/>
+              </a:fillRef>
+              <a:effectRef idx="1">
+                <a:schemeClr val="accent6"/>
+              </a:effectRef>
+              <a:fontRef idx="minor">
+                <a:schemeClr val="dk1"/>
+              </a:fontRef>
+            </p:style>
+            <p:txBody>
+              <a:bodyPr rtlCol="0" anchor="ctr"/>
+              <a:lstStyle/>
+              <a:p>
+                <a:pPr algn="ctr"/>
+                <a:r>
+                  <a:rPr lang="en-US" dirty="0" smtClean="0"/>
+                  <a:t>pollynet_places_history_new.txt</a:t>
+                </a:r>
+                <a:endParaRPr lang="en-US" dirty="0"/>
+              </a:p>
+            </p:txBody>
+          </p:sp>
+          <p:sp>
+            <p:nvSpPr>
+              <p:cNvPr id="7" name="Rectangle 6"/>
+              <p:cNvSpPr/>
+              <p:nvPr/>
+            </p:nvSpPr>
+            <p:spPr>
+              <a:xfrm>
+                <a:off x="4793031" y="4482285"/>
+                <a:ext cx="3657600" cy="457200"/>
+              </a:xfrm>
+              <a:prstGeom prst="rect">
+                <a:avLst/>
+              </a:prstGeom>
+            </p:spPr>
+            <p:style>
+              <a:lnRef idx="1">
+                <a:schemeClr val="accent6"/>
+              </a:lnRef>
+              <a:fillRef idx="2">
+                <a:schemeClr val="accent6"/>
+              </a:fillRef>
+              <a:effectRef idx="1">
+                <a:schemeClr val="accent6"/>
+              </a:effectRef>
+              <a:fontRef idx="minor">
+                <a:schemeClr val="dk1"/>
+              </a:fontRef>
+            </p:style>
+            <p:txBody>
+              <a:bodyPr rtlCol="0" anchor="ctr"/>
+              <a:lstStyle/>
+              <a:p>
+                <a:pPr algn="ctr"/>
+                <a:r>
+                  <a:rPr lang="en-US" dirty="0"/>
+                  <a:t>p</a:t>
+                </a:r>
+                <a:r>
+                  <a:rPr lang="en-US" dirty="0" smtClean="0"/>
+                  <a:t>ollynet_processing_chain_link.txt</a:t>
+                </a:r>
+                <a:endParaRPr lang="en-US" dirty="0"/>
+              </a:p>
+            </p:txBody>
+          </p:sp>
+          <p:sp>
+            <p:nvSpPr>
+              <p:cNvPr id="8" name="Rectangle 7"/>
+              <p:cNvSpPr/>
+              <p:nvPr/>
+            </p:nvSpPr>
+            <p:spPr>
+              <a:xfrm>
+                <a:off x="4793031" y="5095990"/>
+                <a:ext cx="3657600" cy="457200"/>
+              </a:xfrm>
+              <a:prstGeom prst="rect">
+                <a:avLst/>
+              </a:prstGeom>
+            </p:spPr>
+            <p:style>
+              <a:lnRef idx="1">
+                <a:schemeClr val="accent6"/>
+              </a:lnRef>
+              <a:fillRef idx="2">
+                <a:schemeClr val="accent6"/>
+              </a:fillRef>
+              <a:effectRef idx="1">
+                <a:schemeClr val="accent6"/>
+              </a:effectRef>
+              <a:fontRef idx="minor">
+                <a:schemeClr val="dk1"/>
+              </a:fontRef>
+            </p:style>
+            <p:txBody>
+              <a:bodyPr rtlCol="0" anchor="ctr"/>
+              <a:lstStyle/>
+              <a:p>
+                <a:pPr algn="ctr"/>
+                <a:r>
+                  <a:rPr lang="en-US" dirty="0" smtClean="0"/>
+                  <a:t>Load the </a:t>
+                </a:r>
+                <a:r>
+                  <a:rPr lang="en-US" dirty="0" err="1" smtClean="0"/>
+                  <a:t>polly</a:t>
+                </a:r>
+                <a:r>
+                  <a:rPr lang="en-US" dirty="0" smtClean="0"/>
+                  <a:t> </a:t>
+                </a:r>
+                <a:r>
+                  <a:rPr lang="en-US" dirty="0" err="1" smtClean="0"/>
+                  <a:t>config</a:t>
+                </a:r>
+                <a:endParaRPr lang="en-US" dirty="0"/>
+              </a:p>
+            </p:txBody>
+          </p:sp>
+          <p:sp>
+            <p:nvSpPr>
+              <p:cNvPr id="9" name="Rectangle 8"/>
+              <p:cNvSpPr/>
+              <p:nvPr/>
+            </p:nvSpPr>
+            <p:spPr>
+              <a:xfrm>
+                <a:off x="4793031" y="5709695"/>
+                <a:ext cx="3657600" cy="457200"/>
+              </a:xfrm>
+              <a:prstGeom prst="rect">
+                <a:avLst/>
+              </a:prstGeom>
+            </p:spPr>
+            <p:style>
+              <a:lnRef idx="1">
+                <a:schemeClr val="accent6"/>
+              </a:lnRef>
+              <a:fillRef idx="2">
+                <a:schemeClr val="accent6"/>
+              </a:fillRef>
+              <a:effectRef idx="1">
+                <a:schemeClr val="accent6"/>
+              </a:effectRef>
+              <a:fontRef idx="minor">
+                <a:schemeClr val="dk1"/>
+              </a:fontRef>
+            </p:style>
+            <p:txBody>
+              <a:bodyPr rtlCol="0" anchor="ctr"/>
+              <a:lstStyle/>
+              <a:p>
+                <a:pPr algn="ctr"/>
+                <a:r>
+                  <a:rPr lang="en-US" dirty="0" err="1" smtClean="0"/>
+                  <a:t>pollyxt_xxx</a:t>
+                </a:r>
+                <a:r>
+                  <a:rPr lang="en-US" dirty="0" smtClean="0"/>
+                  <a:t> defaults</a:t>
+                </a:r>
+                <a:endParaRPr lang="en-US" dirty="0"/>
+              </a:p>
+            </p:txBody>
+          </p:sp>
+          <p:sp>
+            <p:nvSpPr>
+              <p:cNvPr id="10" name="Rectangle 9"/>
+              <p:cNvSpPr/>
+              <p:nvPr/>
+            </p:nvSpPr>
+            <p:spPr>
+              <a:xfrm>
+                <a:off x="4681729" y="3719390"/>
+                <a:ext cx="3931920" cy="3138610"/>
+              </a:xfrm>
+              <a:prstGeom prst="rect">
+                <a:avLst/>
+              </a:prstGeom>
+              <a:noFill/>
+              <a:ln w="28575">
+                <a:solidFill>
+                  <a:schemeClr val="tx2">
+                    <a:lumMod val="60000"/>
+                    <a:lumOff val="40000"/>
+                  </a:schemeClr>
+                </a:solidFill>
+              </a:ln>
+            </p:spPr>
+            <p:style>
+              <a:lnRef idx="1">
+                <a:schemeClr val="accent1"/>
+              </a:lnRef>
+              <a:fillRef idx="3">
+                <a:schemeClr val="accent1"/>
+              </a:fillRef>
+              <a:effectRef idx="2">
+                <a:schemeClr val="accent1"/>
+              </a:effectRef>
+              <a:fontRef idx="minor">
+                <a:schemeClr val="lt1"/>
+              </a:fontRef>
+            </p:style>
+            <p:txBody>
+              <a:bodyPr rtlCol="0" anchor="ctr"/>
+              <a:lstStyle/>
+              <a:p>
+                <a:pPr algn="ctr"/>
+                <a:endParaRPr lang="en-US"/>
+              </a:p>
+            </p:txBody>
+          </p:sp>
+          <p:sp>
+            <p:nvSpPr>
+              <p:cNvPr id="11" name="Rectangle 10"/>
+              <p:cNvSpPr/>
+              <p:nvPr/>
+            </p:nvSpPr>
+            <p:spPr>
+              <a:xfrm>
+                <a:off x="4793031" y="6323402"/>
+                <a:ext cx="3657600" cy="457200"/>
+              </a:xfrm>
+              <a:prstGeom prst="rect">
+                <a:avLst/>
+              </a:prstGeom>
+            </p:spPr>
+            <p:style>
+              <a:lnRef idx="1">
+                <a:schemeClr val="accent6"/>
+              </a:lnRef>
+              <a:fillRef idx="2">
+                <a:schemeClr val="accent6"/>
+              </a:fillRef>
+              <a:effectRef idx="1">
+                <a:schemeClr val="accent6"/>
+              </a:effectRef>
+              <a:fontRef idx="minor">
+                <a:schemeClr val="dk1"/>
+              </a:fontRef>
+            </p:style>
+            <p:txBody>
+              <a:bodyPr rtlCol="0" anchor="ctr"/>
+              <a:lstStyle/>
+              <a:p>
+                <a:pPr algn="ctr"/>
+                <a:r>
+                  <a:rPr lang="en-US" dirty="0" err="1" smtClean="0"/>
+                  <a:t>pollyxt_xxx</a:t>
+                </a:r>
+                <a:r>
+                  <a:rPr lang="en-US" dirty="0" smtClean="0"/>
+                  <a:t> module</a:t>
+                </a:r>
+                <a:endParaRPr lang="en-US" dirty="0"/>
+              </a:p>
+            </p:txBody>
+          </p:sp>
+        </p:grpSp>
+        <p:sp>
+          <p:nvSpPr>
+            <p:cNvPr id="12" name="TextBox 11"/>
+            <p:cNvSpPr txBox="1"/>
+            <p:nvPr/>
+          </p:nvSpPr>
+          <p:spPr>
+            <a:xfrm>
+              <a:off x="4873752" y="2110520"/>
+              <a:ext cx="3099816" cy="369332"/>
+            </a:xfrm>
+            <a:prstGeom prst="rect">
+              <a:avLst/>
+            </a:prstGeom>
+            <a:noFill/>
+          </p:spPr>
+          <p:txBody>
+            <a:bodyPr wrap="square" rtlCol="0">
+              <a:spAutoFit/>
+            </a:bodyPr>
+            <a:lstStyle/>
+            <a:p>
+              <a:r>
+                <a:rPr lang="en-US" dirty="0" smtClean="0"/>
+                <a:t>1. New campaign entry</a:t>
+              </a:r>
+              <a:endParaRPr lang="en-US" dirty="0"/>
+            </a:p>
+          </p:txBody>
+        </p:sp>
+        <p:sp>
+          <p:nvSpPr>
+            <p:cNvPr id="13" name="TextBox 12"/>
+            <p:cNvSpPr txBox="1"/>
+            <p:nvPr/>
+          </p:nvSpPr>
+          <p:spPr>
+            <a:xfrm>
+              <a:off x="4873752" y="2812093"/>
+              <a:ext cx="3099816" cy="369332"/>
+            </a:xfrm>
+            <a:prstGeom prst="rect">
+              <a:avLst/>
+            </a:prstGeom>
+            <a:noFill/>
+          </p:spPr>
+          <p:txBody>
+            <a:bodyPr wrap="square" rtlCol="0">
+              <a:spAutoFit/>
+            </a:bodyPr>
+            <a:lstStyle/>
+            <a:p>
+              <a:r>
+                <a:rPr lang="en-US" dirty="0"/>
+                <a:t>3</a:t>
+              </a:r>
+              <a:r>
+                <a:rPr lang="en-US" dirty="0" smtClean="0"/>
+                <a:t>. </a:t>
+              </a:r>
+              <a:r>
+                <a:rPr lang="en-US" dirty="0" smtClean="0"/>
+                <a:t>New link entry</a:t>
+              </a:r>
+              <a:endParaRPr lang="en-US" dirty="0"/>
+            </a:p>
+          </p:txBody>
+        </p:sp>
+        <p:sp>
+          <p:nvSpPr>
+            <p:cNvPr id="14" name="TextBox 13"/>
+            <p:cNvSpPr txBox="1"/>
+            <p:nvPr/>
+          </p:nvSpPr>
+          <p:spPr>
+            <a:xfrm>
+              <a:off x="4873752" y="3425798"/>
+              <a:ext cx="3099816" cy="369332"/>
+            </a:xfrm>
+            <a:prstGeom prst="rect">
+              <a:avLst/>
+            </a:prstGeom>
+            <a:noFill/>
+          </p:spPr>
+          <p:txBody>
+            <a:bodyPr wrap="square" rtlCol="0">
+              <a:spAutoFit/>
+            </a:bodyPr>
+            <a:lstStyle/>
+            <a:p>
+              <a:r>
+                <a:rPr lang="en-US" dirty="0"/>
+                <a:t>2</a:t>
+              </a:r>
+              <a:r>
+                <a:rPr lang="en-US" dirty="0" smtClean="0"/>
+                <a:t>. </a:t>
+              </a:r>
+              <a:r>
+                <a:rPr lang="en-US" dirty="0" smtClean="0"/>
+                <a:t>New </a:t>
+              </a:r>
+              <a:r>
+                <a:rPr lang="en-US" dirty="0" err="1" smtClean="0"/>
+                <a:t>polly</a:t>
+              </a:r>
+              <a:r>
+                <a:rPr lang="en-US" dirty="0" smtClean="0"/>
+                <a:t> </a:t>
+              </a:r>
+              <a:r>
+                <a:rPr lang="en-US" dirty="0" err="1" smtClean="0"/>
+                <a:t>config</a:t>
+              </a:r>
+              <a:endParaRPr lang="en-US" dirty="0"/>
+            </a:p>
+          </p:txBody>
+        </p:sp>
+      </p:grpSp>
+    </p:spTree>
+    <p:extLst>
+      <p:ext uri="{BB962C8B-B14F-4D97-AF65-F5344CB8AC3E}">
+        <p14:creationId xmlns:p14="http://schemas.microsoft.com/office/powerpoint/2010/main" val="2740336357"/>
+      </p:ext>
+    </p:extLst>
+  </p:cSld>
+  <p:clrMapOvr>
+    <a:masterClrMapping/>
+  </p:clrMapOvr>
+</p:sld>
+</file>
+
+<file path=ppt/slides/slide13.xml><?xml version="1.0" encoding="utf-8"?>
+<p:sld xmlns:a="http://schemas.openxmlformats.org/drawingml/2006/main" xmlns:r="http://schemas.openxmlformats.org/officeDocument/2006/relationships" xmlns:p="http://schemas.openxmlformats.org/presentationml/2006/main">
+  <p:cSld>
+    <p:spTree>
+      <p:nvGrpSpPr>
+        <p:cNvPr id="1" name=""/>
+        <p:cNvGrpSpPr/>
+        <p:nvPr/>
+      </p:nvGrpSpPr>
+      <p:grpSpPr>
+        <a:xfrm>
+          <a:off x="0" y="0"/>
+          <a:ext cx="0" cy="0"/>
+          <a:chOff x="0" y="0"/>
+          <a:chExt cx="0" cy="0"/>
+        </a:xfrm>
+      </p:grpSpPr>
+      <p:sp>
+        <p:nvSpPr>
+          <p:cNvPr id="2" name="Title 1"/>
+          <p:cNvSpPr>
+            <a:spLocks noGrp="1"/>
+          </p:cNvSpPr>
+          <p:nvPr>
+            <p:ph type="title"/>
+          </p:nvPr>
+        </p:nvSpPr>
+        <p:spPr/>
+        <p:txBody>
+          <a:bodyPr/>
+          <a:lstStyle/>
+          <a:p>
+            <a:r>
+              <a:rPr lang="en-US" dirty="0" smtClean="0"/>
+              <a:t>Hands on</a:t>
+            </a:r>
+            <a:endParaRPr lang="en-US" dirty="0"/>
+          </a:p>
+        </p:txBody>
+      </p:sp>
+      <p:sp>
+        <p:nvSpPr>
+          <p:cNvPr id="3" name="Text Placeholder 2"/>
+          <p:cNvSpPr>
+            <a:spLocks noGrp="1"/>
+          </p:cNvSpPr>
+          <p:nvPr>
+            <p:ph type="body" sz="quarter" idx="18"/>
+          </p:nvPr>
+        </p:nvSpPr>
+        <p:spPr/>
+        <p:txBody>
+          <a:bodyPr/>
+          <a:lstStyle/>
+          <a:p>
+            <a:endParaRPr lang="en-US"/>
+          </a:p>
+        </p:txBody>
+      </p:sp>
+    </p:spTree>
+    <p:extLst>
+      <p:ext uri="{BB962C8B-B14F-4D97-AF65-F5344CB8AC3E}">
+        <p14:creationId xmlns:p14="http://schemas.microsoft.com/office/powerpoint/2010/main" val="774548635"/>
+      </p:ext>
+    </p:extLst>
+  </p:cSld>
+  <p:clrMapOvr>
+    <a:masterClrMapping/>
+  </p:clrMapOvr>
+</p:sld>
+</file>
+
+<file path=ppt/slides/slide14.xml><?xml version="1.0" encoding="utf-8"?>
+<p:sld xmlns:a="http://schemas.openxmlformats.org/drawingml/2006/main" xmlns:r="http://schemas.openxmlformats.org/officeDocument/2006/relationships" xmlns:p="http://schemas.openxmlformats.org/presentationml/2006/main">
+  <p:cSld>
+    <p:spTree>
+      <p:nvGrpSpPr>
+        <p:cNvPr id="1" name=""/>
+        <p:cNvGrpSpPr/>
+        <p:nvPr/>
+      </p:nvGrpSpPr>
+      <p:grpSpPr>
+        <a:xfrm>
+          <a:off x="0" y="0"/>
+          <a:ext cx="0" cy="0"/>
+          <a:chOff x="0" y="0"/>
+          <a:chExt cx="0" cy="0"/>
+        </a:xfrm>
+      </p:grpSpPr>
+      <p:sp>
+        <p:nvSpPr>
+          <p:cNvPr id="2" name="Title 1"/>
+          <p:cNvSpPr>
+            <a:spLocks noGrp="1"/>
+          </p:cNvSpPr>
+          <p:nvPr>
+            <p:ph type="title"/>
+          </p:nvPr>
+        </p:nvSpPr>
+        <p:spPr/>
+        <p:txBody>
+          <a:bodyPr/>
+          <a:lstStyle/>
+          <a:p>
+            <a:r>
+              <a:rPr lang="en-US" dirty="0" smtClean="0"/>
+              <a:t>Add a new Polly</a:t>
+            </a:r>
+            <a:endParaRPr lang="en-US" dirty="0"/>
+          </a:p>
+        </p:txBody>
+      </p:sp>
+      <p:sp>
+        <p:nvSpPr>
+          <p:cNvPr id="3" name="Text Placeholder 2"/>
+          <p:cNvSpPr>
+            <a:spLocks noGrp="1"/>
+          </p:cNvSpPr>
+          <p:nvPr>
+            <p:ph type="body" sz="quarter" idx="18"/>
+          </p:nvPr>
+        </p:nvSpPr>
+        <p:spPr/>
+        <p:txBody>
+          <a:bodyPr/>
+          <a:lstStyle/>
+          <a:p>
+            <a:endParaRPr lang="en-US"/>
+          </a:p>
+        </p:txBody>
+      </p:sp>
+      <p:grpSp>
+        <p:nvGrpSpPr>
+          <p:cNvPr id="17" name="Group 16"/>
+          <p:cNvGrpSpPr/>
+          <p:nvPr/>
+        </p:nvGrpSpPr>
+        <p:grpSpPr>
+          <a:xfrm>
+            <a:off x="2199133" y="1778450"/>
+            <a:ext cx="7283195" cy="3138610"/>
+            <a:chOff x="690373" y="1961330"/>
+            <a:chExt cx="7283195" cy="3138610"/>
+          </a:xfrm>
+        </p:grpSpPr>
+        <p:grpSp>
+          <p:nvGrpSpPr>
+            <p:cNvPr id="5" name="Group 4"/>
+            <p:cNvGrpSpPr/>
+            <p:nvPr/>
+          </p:nvGrpSpPr>
+          <p:grpSpPr>
+            <a:xfrm>
+              <a:off x="690373" y="1961330"/>
+              <a:ext cx="3931920" cy="3138610"/>
+              <a:chOff x="4681729" y="3719390"/>
+              <a:chExt cx="3931920" cy="3138610"/>
+            </a:xfrm>
+          </p:grpSpPr>
+          <p:sp>
+            <p:nvSpPr>
+              <p:cNvPr id="6" name="Rectangle 5"/>
+              <p:cNvSpPr/>
+              <p:nvPr/>
+            </p:nvSpPr>
+            <p:spPr>
+              <a:xfrm>
+                <a:off x="4793031" y="3868580"/>
+                <a:ext cx="3657600" cy="457200"/>
+              </a:xfrm>
+              <a:prstGeom prst="rect">
+                <a:avLst/>
+              </a:prstGeom>
+            </p:spPr>
+            <p:style>
+              <a:lnRef idx="1">
+                <a:schemeClr val="accent6"/>
+              </a:lnRef>
+              <a:fillRef idx="2">
+                <a:schemeClr val="accent6"/>
+              </a:fillRef>
+              <a:effectRef idx="1">
+                <a:schemeClr val="accent6"/>
+              </a:effectRef>
+              <a:fontRef idx="minor">
+                <a:schemeClr val="dk1"/>
+              </a:fontRef>
+            </p:style>
+            <p:txBody>
+              <a:bodyPr rtlCol="0" anchor="ctr"/>
+              <a:lstStyle/>
+              <a:p>
+                <a:pPr algn="ctr"/>
+                <a:r>
+                  <a:rPr lang="en-US" dirty="0" smtClean="0"/>
+                  <a:t>pollynet_places_history_new.txt</a:t>
+                </a:r>
+                <a:endParaRPr lang="en-US" dirty="0"/>
+              </a:p>
+            </p:txBody>
+          </p:sp>
+          <p:sp>
+            <p:nvSpPr>
+              <p:cNvPr id="7" name="Rectangle 6"/>
+              <p:cNvSpPr/>
+              <p:nvPr/>
+            </p:nvSpPr>
+            <p:spPr>
+              <a:xfrm>
+                <a:off x="4793031" y="4482285"/>
+                <a:ext cx="3657600" cy="457200"/>
+              </a:xfrm>
+              <a:prstGeom prst="rect">
+                <a:avLst/>
+              </a:prstGeom>
+            </p:spPr>
+            <p:style>
+              <a:lnRef idx="1">
+                <a:schemeClr val="accent6"/>
+              </a:lnRef>
+              <a:fillRef idx="2">
+                <a:schemeClr val="accent6"/>
+              </a:fillRef>
+              <a:effectRef idx="1">
+                <a:schemeClr val="accent6"/>
+              </a:effectRef>
+              <a:fontRef idx="minor">
+                <a:schemeClr val="dk1"/>
+              </a:fontRef>
+            </p:style>
+            <p:txBody>
+              <a:bodyPr rtlCol="0" anchor="ctr"/>
+              <a:lstStyle/>
+              <a:p>
+                <a:pPr algn="ctr"/>
+                <a:r>
+                  <a:rPr lang="en-US" dirty="0"/>
+                  <a:t>p</a:t>
+                </a:r>
+                <a:r>
+                  <a:rPr lang="en-US" dirty="0" smtClean="0"/>
+                  <a:t>ollynet_processing_chain_link.txt</a:t>
+                </a:r>
+                <a:endParaRPr lang="en-US" dirty="0"/>
+              </a:p>
+            </p:txBody>
+          </p:sp>
+          <p:sp>
+            <p:nvSpPr>
+              <p:cNvPr id="8" name="Rectangle 7"/>
+              <p:cNvSpPr/>
+              <p:nvPr/>
+            </p:nvSpPr>
+            <p:spPr>
+              <a:xfrm>
+                <a:off x="4793031" y="5095990"/>
+                <a:ext cx="3657600" cy="457200"/>
+              </a:xfrm>
+              <a:prstGeom prst="rect">
+                <a:avLst/>
+              </a:prstGeom>
+            </p:spPr>
+            <p:style>
+              <a:lnRef idx="1">
+                <a:schemeClr val="accent6"/>
+              </a:lnRef>
+              <a:fillRef idx="2">
+                <a:schemeClr val="accent6"/>
+              </a:fillRef>
+              <a:effectRef idx="1">
+                <a:schemeClr val="accent6"/>
+              </a:effectRef>
+              <a:fontRef idx="minor">
+                <a:schemeClr val="dk1"/>
+              </a:fontRef>
+            </p:style>
+            <p:txBody>
+              <a:bodyPr rtlCol="0" anchor="ctr"/>
+              <a:lstStyle/>
+              <a:p>
+                <a:pPr algn="ctr"/>
+                <a:r>
+                  <a:rPr lang="en-US" dirty="0" smtClean="0"/>
+                  <a:t>Load the </a:t>
+                </a:r>
+                <a:r>
+                  <a:rPr lang="en-US" dirty="0" err="1" smtClean="0"/>
+                  <a:t>polly</a:t>
+                </a:r>
+                <a:r>
+                  <a:rPr lang="en-US" dirty="0" smtClean="0"/>
+                  <a:t> </a:t>
+                </a:r>
+                <a:r>
+                  <a:rPr lang="en-US" dirty="0" err="1" smtClean="0"/>
+                  <a:t>config</a:t>
+                </a:r>
+                <a:endParaRPr lang="en-US" dirty="0"/>
+              </a:p>
+            </p:txBody>
+          </p:sp>
+          <p:sp>
+            <p:nvSpPr>
+              <p:cNvPr id="9" name="Rectangle 8"/>
+              <p:cNvSpPr/>
+              <p:nvPr/>
+            </p:nvSpPr>
+            <p:spPr>
+              <a:xfrm>
+                <a:off x="4793031" y="5709695"/>
+                <a:ext cx="3657600" cy="457200"/>
+              </a:xfrm>
+              <a:prstGeom prst="rect">
+                <a:avLst/>
+              </a:prstGeom>
+            </p:spPr>
+            <p:style>
+              <a:lnRef idx="1">
+                <a:schemeClr val="accent6"/>
+              </a:lnRef>
+              <a:fillRef idx="2">
+                <a:schemeClr val="accent6"/>
+              </a:fillRef>
+              <a:effectRef idx="1">
+                <a:schemeClr val="accent6"/>
+              </a:effectRef>
+              <a:fontRef idx="minor">
+                <a:schemeClr val="dk1"/>
+              </a:fontRef>
+            </p:style>
+            <p:txBody>
+              <a:bodyPr rtlCol="0" anchor="ctr"/>
+              <a:lstStyle/>
+              <a:p>
+                <a:pPr algn="ctr"/>
+                <a:r>
+                  <a:rPr lang="en-US" dirty="0" err="1" smtClean="0"/>
+                  <a:t>pollyxt_xxx</a:t>
+                </a:r>
+                <a:r>
+                  <a:rPr lang="en-US" dirty="0" smtClean="0"/>
+                  <a:t> defaults</a:t>
+                </a:r>
+                <a:endParaRPr lang="en-US" dirty="0"/>
+              </a:p>
+            </p:txBody>
+          </p:sp>
+          <p:sp>
+            <p:nvSpPr>
+              <p:cNvPr id="10" name="Rectangle 9"/>
+              <p:cNvSpPr/>
+              <p:nvPr/>
+            </p:nvSpPr>
+            <p:spPr>
+              <a:xfrm>
+                <a:off x="4681729" y="3719390"/>
+                <a:ext cx="3931920" cy="3138610"/>
+              </a:xfrm>
+              <a:prstGeom prst="rect">
+                <a:avLst/>
+              </a:prstGeom>
+              <a:noFill/>
+              <a:ln w="28575">
+                <a:solidFill>
+                  <a:schemeClr val="tx2">
+                    <a:lumMod val="60000"/>
+                    <a:lumOff val="40000"/>
+                  </a:schemeClr>
+                </a:solidFill>
+              </a:ln>
+            </p:spPr>
+            <p:style>
+              <a:lnRef idx="1">
+                <a:schemeClr val="accent1"/>
+              </a:lnRef>
+              <a:fillRef idx="3">
+                <a:schemeClr val="accent1"/>
+              </a:fillRef>
+              <a:effectRef idx="2">
+                <a:schemeClr val="accent1"/>
+              </a:effectRef>
+              <a:fontRef idx="minor">
+                <a:schemeClr val="lt1"/>
+              </a:fontRef>
+            </p:style>
+            <p:txBody>
+              <a:bodyPr rtlCol="0" anchor="ctr"/>
+              <a:lstStyle/>
+              <a:p>
+                <a:pPr algn="ctr"/>
+                <a:endParaRPr lang="en-US"/>
+              </a:p>
+            </p:txBody>
+          </p:sp>
+          <p:sp>
+            <p:nvSpPr>
+              <p:cNvPr id="11" name="Rectangle 10"/>
+              <p:cNvSpPr/>
+              <p:nvPr/>
+            </p:nvSpPr>
+            <p:spPr>
+              <a:xfrm>
+                <a:off x="4793031" y="6323402"/>
+                <a:ext cx="3657600" cy="457200"/>
+              </a:xfrm>
+              <a:prstGeom prst="rect">
+                <a:avLst/>
+              </a:prstGeom>
+            </p:spPr>
+            <p:style>
+              <a:lnRef idx="1">
+                <a:schemeClr val="accent6"/>
+              </a:lnRef>
+              <a:fillRef idx="2">
+                <a:schemeClr val="accent6"/>
+              </a:fillRef>
+              <a:effectRef idx="1">
+                <a:schemeClr val="accent6"/>
+              </a:effectRef>
+              <a:fontRef idx="minor">
+                <a:schemeClr val="dk1"/>
+              </a:fontRef>
+            </p:style>
+            <p:txBody>
+              <a:bodyPr rtlCol="0" anchor="ctr"/>
+              <a:lstStyle/>
+              <a:p>
+                <a:pPr algn="ctr"/>
+                <a:r>
+                  <a:rPr lang="en-US" dirty="0" err="1" smtClean="0"/>
+                  <a:t>pollyxt_xxx</a:t>
+                </a:r>
+                <a:r>
+                  <a:rPr lang="en-US" dirty="0" smtClean="0"/>
+                  <a:t> module</a:t>
+                </a:r>
+                <a:endParaRPr lang="en-US" dirty="0"/>
+              </a:p>
+            </p:txBody>
+          </p:sp>
+        </p:grpSp>
+        <p:sp>
+          <p:nvSpPr>
+            <p:cNvPr id="12" name="TextBox 11"/>
+            <p:cNvSpPr txBox="1"/>
+            <p:nvPr/>
+          </p:nvSpPr>
+          <p:spPr>
+            <a:xfrm>
+              <a:off x="4873752" y="2110520"/>
+              <a:ext cx="3099816" cy="369332"/>
+            </a:xfrm>
+            <a:prstGeom prst="rect">
+              <a:avLst/>
+            </a:prstGeom>
+            <a:noFill/>
+          </p:spPr>
+          <p:txBody>
+            <a:bodyPr wrap="square" rtlCol="0">
+              <a:spAutoFit/>
+            </a:bodyPr>
+            <a:lstStyle/>
+            <a:p>
+              <a:r>
+                <a:rPr lang="en-US" dirty="0" smtClean="0"/>
+                <a:t>1. New campaign entry</a:t>
+              </a:r>
+              <a:endParaRPr lang="en-US" dirty="0"/>
+            </a:p>
+          </p:txBody>
+        </p:sp>
+        <p:sp>
+          <p:nvSpPr>
+            <p:cNvPr id="13" name="TextBox 12"/>
+            <p:cNvSpPr txBox="1"/>
+            <p:nvPr/>
+          </p:nvSpPr>
+          <p:spPr>
+            <a:xfrm>
+              <a:off x="4873752" y="2812093"/>
+              <a:ext cx="3099816" cy="369332"/>
+            </a:xfrm>
+            <a:prstGeom prst="rect">
+              <a:avLst/>
+            </a:prstGeom>
+            <a:noFill/>
+          </p:spPr>
+          <p:txBody>
+            <a:bodyPr wrap="square" rtlCol="0">
+              <a:spAutoFit/>
+            </a:bodyPr>
+            <a:lstStyle/>
+            <a:p>
+              <a:r>
+                <a:rPr lang="en-US" dirty="0" smtClean="0"/>
+                <a:t>5. New link entry</a:t>
+              </a:r>
+              <a:endParaRPr lang="en-US" dirty="0"/>
+            </a:p>
+          </p:txBody>
+        </p:sp>
+        <p:sp>
+          <p:nvSpPr>
+            <p:cNvPr id="14" name="TextBox 13"/>
+            <p:cNvSpPr txBox="1"/>
+            <p:nvPr/>
+          </p:nvSpPr>
+          <p:spPr>
+            <a:xfrm>
+              <a:off x="4873752" y="3425798"/>
+              <a:ext cx="3099816" cy="369332"/>
+            </a:xfrm>
+            <a:prstGeom prst="rect">
+              <a:avLst/>
+            </a:prstGeom>
+            <a:noFill/>
+          </p:spPr>
+          <p:txBody>
+            <a:bodyPr wrap="square" rtlCol="0">
+              <a:spAutoFit/>
+            </a:bodyPr>
+            <a:lstStyle/>
+            <a:p>
+              <a:r>
+                <a:rPr lang="en-US" dirty="0" smtClean="0"/>
+                <a:t>4. New </a:t>
+              </a:r>
+              <a:r>
+                <a:rPr lang="en-US" dirty="0" err="1" smtClean="0"/>
+                <a:t>polly</a:t>
+              </a:r>
+              <a:r>
+                <a:rPr lang="en-US" dirty="0" smtClean="0"/>
+                <a:t> </a:t>
+              </a:r>
+              <a:r>
+                <a:rPr lang="en-US" dirty="0" err="1" smtClean="0"/>
+                <a:t>config</a:t>
+              </a:r>
+              <a:endParaRPr lang="en-US" dirty="0"/>
+            </a:p>
+          </p:txBody>
+        </p:sp>
+        <p:sp>
+          <p:nvSpPr>
+            <p:cNvPr id="15" name="TextBox 14"/>
+            <p:cNvSpPr txBox="1"/>
+            <p:nvPr/>
+          </p:nvSpPr>
+          <p:spPr>
+            <a:xfrm>
+              <a:off x="4873752" y="4076229"/>
+              <a:ext cx="3099816" cy="369332"/>
+            </a:xfrm>
+            <a:prstGeom prst="rect">
+              <a:avLst/>
+            </a:prstGeom>
+            <a:noFill/>
+          </p:spPr>
+          <p:txBody>
+            <a:bodyPr wrap="square" rtlCol="0">
+              <a:spAutoFit/>
+            </a:bodyPr>
+            <a:lstStyle/>
+            <a:p>
+              <a:r>
+                <a:rPr lang="en-US" dirty="0" smtClean="0"/>
+                <a:t>3. New </a:t>
+              </a:r>
+              <a:r>
+                <a:rPr lang="en-US" dirty="0" err="1" smtClean="0"/>
+                <a:t>polly</a:t>
+              </a:r>
+              <a:r>
+                <a:rPr lang="en-US" dirty="0" smtClean="0"/>
+                <a:t> defaults</a:t>
+              </a:r>
+              <a:endParaRPr lang="en-US" dirty="0"/>
+            </a:p>
+          </p:txBody>
+        </p:sp>
+        <p:sp>
+          <p:nvSpPr>
+            <p:cNvPr id="16" name="TextBox 15"/>
+            <p:cNvSpPr txBox="1"/>
+            <p:nvPr/>
+          </p:nvSpPr>
+          <p:spPr>
+            <a:xfrm>
+              <a:off x="4873752" y="4638792"/>
+              <a:ext cx="3099816" cy="369332"/>
+            </a:xfrm>
+            <a:prstGeom prst="rect">
+              <a:avLst/>
+            </a:prstGeom>
+            <a:noFill/>
+          </p:spPr>
+          <p:txBody>
+            <a:bodyPr wrap="square" rtlCol="0">
+              <a:spAutoFit/>
+            </a:bodyPr>
+            <a:lstStyle/>
+            <a:p>
+              <a:r>
+                <a:rPr lang="en-US" dirty="0" smtClean="0"/>
+                <a:t>2. New </a:t>
+              </a:r>
+              <a:r>
+                <a:rPr lang="en-US" dirty="0" err="1" smtClean="0"/>
+                <a:t>polly</a:t>
+              </a:r>
+              <a:r>
+                <a:rPr lang="en-US" dirty="0" smtClean="0"/>
+                <a:t> modules</a:t>
+              </a:r>
+              <a:endParaRPr lang="en-US" dirty="0"/>
+            </a:p>
+          </p:txBody>
+        </p:sp>
+      </p:grpSp>
+    </p:spTree>
+    <p:extLst>
+      <p:ext uri="{BB962C8B-B14F-4D97-AF65-F5344CB8AC3E}">
+        <p14:creationId xmlns:p14="http://schemas.microsoft.com/office/powerpoint/2010/main" val="1252782217"/>
+      </p:ext>
+    </p:extLst>
+  </p:cSld>
+  <p:clrMapOvr>
+    <a:masterClrMapping/>
+  </p:clrMapOvr>
+</p:sld>
+</file>
+
+<file path=ppt/slides/slide15.xml><?xml version="1.0" encoding="utf-8"?>
+<p:sld xmlns:a="http://schemas.openxmlformats.org/drawingml/2006/main" xmlns:r="http://schemas.openxmlformats.org/officeDocument/2006/relationships" xmlns:p="http://schemas.openxmlformats.org/presentationml/2006/main">
+  <p:cSld>
+    <p:spTree>
+      <p:nvGrpSpPr>
+        <p:cNvPr id="1" name=""/>
+        <p:cNvGrpSpPr/>
+        <p:nvPr/>
+      </p:nvGrpSpPr>
+      <p:grpSpPr>
+        <a:xfrm>
+          <a:off x="0" y="0"/>
+          <a:ext cx="0" cy="0"/>
+          <a:chOff x="0" y="0"/>
+          <a:chExt cx="0" cy="0"/>
+        </a:xfrm>
+      </p:grpSpPr>
+      <p:sp>
+        <p:nvSpPr>
+          <p:cNvPr id="2" name="Title 1"/>
+          <p:cNvSpPr>
+            <a:spLocks noGrp="1"/>
+          </p:cNvSpPr>
+          <p:nvPr>
+            <p:ph type="title"/>
+          </p:nvPr>
+        </p:nvSpPr>
+        <p:spPr/>
+        <p:txBody>
+          <a:bodyPr/>
+          <a:lstStyle/>
+          <a:p>
+            <a:r>
+              <a:rPr lang="en-US" dirty="0" smtClean="0"/>
+              <a:t>Hands on</a:t>
+            </a:r>
+            <a:endParaRPr lang="en-US" dirty="0"/>
+          </a:p>
+        </p:txBody>
+      </p:sp>
+      <p:sp>
+        <p:nvSpPr>
+          <p:cNvPr id="3" name="Text Placeholder 2"/>
+          <p:cNvSpPr>
+            <a:spLocks noGrp="1"/>
+          </p:cNvSpPr>
+          <p:nvPr>
+            <p:ph type="body" sz="quarter" idx="18"/>
+          </p:nvPr>
+        </p:nvSpPr>
+        <p:spPr/>
+        <p:txBody>
+          <a:bodyPr/>
+          <a:lstStyle/>
+          <a:p>
+            <a:endParaRPr lang="en-US"/>
+          </a:p>
+        </p:txBody>
+      </p:sp>
+    </p:spTree>
+    <p:extLst>
+      <p:ext uri="{BB962C8B-B14F-4D97-AF65-F5344CB8AC3E}">
+        <p14:creationId xmlns:p14="http://schemas.microsoft.com/office/powerpoint/2010/main" val="3049872363"/>
+      </p:ext>
+    </p:extLst>
+  </p:cSld>
+  <p:clrMapOvr>
+    <a:masterClrMapping/>
+  </p:clrMapOvr>
+</p:sld>
+</file>
+
+<file path=ppt/slides/slide16.xml><?xml version="1.0" encoding="utf-8"?>
+<p:sld xmlns:a="http://schemas.openxmlformats.org/drawingml/2006/main" xmlns:r="http://schemas.openxmlformats.org/officeDocument/2006/relationships" xmlns:p="http://schemas.openxmlformats.org/presentationml/2006/main">
+  <p:cSld>
+    <p:spTree>
+      <p:nvGrpSpPr>
+        <p:cNvPr id="1" name=""/>
+        <p:cNvGrpSpPr/>
+        <p:nvPr/>
+      </p:nvGrpSpPr>
+      <p:grpSpPr>
+        <a:xfrm>
+          <a:off x="0" y="0"/>
+          <a:ext cx="0" cy="0"/>
+          <a:chOff x="0" y="0"/>
+          <a:chExt cx="0" cy="0"/>
+        </a:xfrm>
+      </p:grpSpPr>
+      <p:sp>
+        <p:nvSpPr>
+          <p:cNvPr id="2" name="Title 1"/>
+          <p:cNvSpPr>
+            <a:spLocks noGrp="1"/>
+          </p:cNvSpPr>
+          <p:nvPr>
+            <p:ph type="title"/>
+          </p:nvPr>
+        </p:nvSpPr>
+        <p:spPr/>
+        <p:txBody>
+          <a:bodyPr/>
+          <a:lstStyle/>
+          <a:p>
+            <a:r>
+              <a:rPr lang="en-US" dirty="0" smtClean="0"/>
+              <a:t>Picasso Development</a:t>
+            </a:r>
+            <a:endParaRPr lang="en-US" dirty="0"/>
+          </a:p>
+        </p:txBody>
+      </p:sp>
+      <p:sp>
+        <p:nvSpPr>
+          <p:cNvPr id="3" name="Text Placeholder 2"/>
+          <p:cNvSpPr>
+            <a:spLocks noGrp="1"/>
+          </p:cNvSpPr>
+          <p:nvPr>
+            <p:ph type="body" sz="quarter" idx="18"/>
+          </p:nvPr>
+        </p:nvSpPr>
+        <p:spPr/>
+        <p:txBody>
+          <a:bodyPr/>
+          <a:lstStyle/>
+          <a:p>
+            <a:endParaRPr lang="en-US"/>
+          </a:p>
+        </p:txBody>
+      </p:sp>
+      <p:sp>
+        <p:nvSpPr>
+          <p:cNvPr id="4" name="TextBox 3"/>
+          <p:cNvSpPr txBox="1"/>
+          <p:nvPr/>
+        </p:nvSpPr>
+        <p:spPr>
+          <a:xfrm>
+            <a:off x="973394" y="1268361"/>
+            <a:ext cx="8062451" cy="1354217"/>
+          </a:xfrm>
+          <a:prstGeom prst="rect">
+            <a:avLst/>
+          </a:prstGeom>
+          <a:noFill/>
+        </p:spPr>
+        <p:txBody>
+          <a:bodyPr wrap="square" rtlCol="0">
+            <a:spAutoFit/>
+          </a:bodyPr>
+          <a:lstStyle/>
+          <a:p>
+            <a:r>
+              <a:rPr lang="en-US" sz="2400" b="1" dirty="0" smtClean="0"/>
+              <a:t>Requirements:</a:t>
+            </a:r>
+          </a:p>
+          <a:p>
+            <a:endParaRPr lang="en-US" dirty="0"/>
+          </a:p>
+          <a:p>
+            <a:pPr marL="285750" indent="-285750">
+              <a:buFont typeface="Arial" panose="020B0604020202020204" pitchFamily="34" charset="0"/>
+              <a:buChar char="•"/>
+            </a:pPr>
+            <a:r>
+              <a:rPr lang="en-US" sz="2000" dirty="0" smtClean="0"/>
+              <a:t>Be familiar with the whole structure and algorithms</a:t>
+            </a:r>
+          </a:p>
+          <a:p>
+            <a:pPr marL="285750" indent="-285750">
+              <a:buFont typeface="Arial" panose="020B0604020202020204" pitchFamily="34" charset="0"/>
+              <a:buChar char="•"/>
+            </a:pPr>
+            <a:r>
+              <a:rPr lang="en-US" sz="2000" dirty="0" smtClean="0"/>
+              <a:t>Be professional with MATLAB</a:t>
+            </a:r>
+            <a:endParaRPr lang="en-US" sz="2000" dirty="0"/>
+          </a:p>
+        </p:txBody>
+      </p:sp>
+      <p:sp>
+        <p:nvSpPr>
+          <p:cNvPr id="5" name="TextBox 4"/>
+          <p:cNvSpPr txBox="1"/>
+          <p:nvPr/>
+        </p:nvSpPr>
+        <p:spPr>
+          <a:xfrm>
+            <a:off x="973394" y="3392129"/>
+            <a:ext cx="10294374" cy="2677656"/>
+          </a:xfrm>
+          <a:prstGeom prst="rect">
+            <a:avLst/>
+          </a:prstGeom>
+          <a:noFill/>
+        </p:spPr>
+        <p:txBody>
+          <a:bodyPr wrap="square" rtlCol="0">
+            <a:spAutoFit/>
+          </a:bodyPr>
+          <a:lstStyle/>
+          <a:p>
+            <a:r>
+              <a:rPr lang="en-US" sz="2400" b="1" dirty="0" smtClean="0"/>
+              <a:t>TODO</a:t>
+            </a:r>
+          </a:p>
+          <a:p>
+            <a:endParaRPr lang="en-US" sz="2400" b="1" dirty="0"/>
+          </a:p>
+          <a:p>
+            <a:pPr marL="342900" indent="-342900">
+              <a:buFont typeface="Arial" panose="020B0604020202020204" pitchFamily="34" charset="0"/>
+              <a:buChar char="•"/>
+            </a:pPr>
+            <a:r>
+              <a:rPr lang="en-US" sz="2000" dirty="0" smtClean="0"/>
+              <a:t>Full support of data visualization with MATLAB, which can remove the dependence on Python</a:t>
+            </a:r>
+            <a:endParaRPr lang="en-US" sz="2000" dirty="0"/>
+          </a:p>
+          <a:p>
+            <a:pPr marL="342900" indent="-342900">
+              <a:buFont typeface="Arial" panose="020B0604020202020204" pitchFamily="34" charset="0"/>
+              <a:buChar char="•"/>
+            </a:pPr>
+            <a:r>
+              <a:rPr lang="en-US" sz="2000" dirty="0"/>
+              <a:t>Uncertainty analysis</a:t>
+            </a:r>
+          </a:p>
+          <a:p>
+            <a:pPr marL="342900" indent="-342900">
+              <a:buFont typeface="Arial" panose="020B0604020202020204" pitchFamily="34" charset="0"/>
+              <a:buChar char="•"/>
+            </a:pPr>
+            <a:r>
+              <a:rPr lang="en-US" sz="2000" dirty="0"/>
+              <a:t>Products </a:t>
+            </a:r>
+            <a:r>
+              <a:rPr lang="en-US" sz="2000" dirty="0" smtClean="0"/>
+              <a:t>output (Level 1 (signal correction), Level 2 (calibration results, extensive and intensive properties))</a:t>
+            </a:r>
+          </a:p>
+          <a:p>
+            <a:pPr marL="342900" indent="-342900">
+              <a:buFont typeface="Arial" panose="020B0604020202020204" pitchFamily="34" charset="0"/>
+              <a:buChar char="•"/>
+            </a:pPr>
+            <a:r>
+              <a:rPr lang="en-US" sz="2000" dirty="0" smtClean="0"/>
+              <a:t>Layer detection algorithm (aerosol and clouds)</a:t>
+            </a:r>
+          </a:p>
+          <a:p>
+            <a:pPr marL="342900" indent="-342900">
+              <a:buFont typeface="Arial" panose="020B0604020202020204" pitchFamily="34" charset="0"/>
+              <a:buChar char="•"/>
+            </a:pPr>
+            <a:r>
+              <a:rPr lang="en-US" sz="2000" dirty="0" smtClean="0"/>
+              <a:t>Dual-FOV method for retrieving cloud microphysical properties</a:t>
+            </a:r>
+            <a:endParaRPr lang="en-US" sz="2000" dirty="0"/>
+          </a:p>
+        </p:txBody>
+      </p:sp>
+    </p:spTree>
+    <p:extLst>
+      <p:ext uri="{BB962C8B-B14F-4D97-AF65-F5344CB8AC3E}">
+        <p14:creationId xmlns:p14="http://schemas.microsoft.com/office/powerpoint/2010/main" val="1330327767"/>
+      </p:ext>
+    </p:extLst>
+  </p:cSld>
+  <p:clrMapOvr>
+    <a:masterClrMapping/>
+  </p:clrMapOvr>
+</p:sld>
+</file>
+
+<file path=ppt/slides/slide17.xml><?xml version="1.0" encoding="utf-8"?>
 <p:sld xmlns:a="http://schemas.openxmlformats.org/drawingml/2006/main" xmlns:r="http://schemas.openxmlformats.org/officeDocument/2006/relationships" xmlns:p="http://schemas.openxmlformats.org/presentationml/2006/main">
   <p:cSld>
     <p:spTree>
@@ -3885,7 +4757,7 @@
     </p:spTree>
     <p:extLst>
       <p:ext uri="{BB962C8B-B14F-4D97-AF65-F5344CB8AC3E}">
-        <p14:creationId xmlns:p14="http://schemas.microsoft.com/office/powerpoint/2010/main" val="2133462651"/>
+        <p14:creationId xmlns:p14="http://schemas.microsoft.com/office/powerpoint/2010/main" val="177966085"/>
       </p:ext>
     </p:extLst>
   </p:cSld>
@@ -3902,7 +4774,281 @@
 </p:sld>
 </file>
 
-<file path=ppt/slides/slide13.xml><?xml version="1.0" encoding="utf-8"?>
+<file path=ppt/slides/slide18.xml><?xml version="1.0" encoding="utf-8"?>
+<p:sld xmlns:a="http://schemas.openxmlformats.org/drawingml/2006/main" xmlns:r="http://schemas.openxmlformats.org/officeDocument/2006/relationships" xmlns:p="http://schemas.openxmlformats.org/presentationml/2006/main">
+  <p:cSld>
+    <p:spTree>
+      <p:nvGrpSpPr>
+        <p:cNvPr id="1" name=""/>
+        <p:cNvGrpSpPr/>
+        <p:nvPr/>
+      </p:nvGrpSpPr>
+      <p:grpSpPr>
+        <a:xfrm>
+          <a:off x="0" y="0"/>
+          <a:ext cx="0" cy="0"/>
+          <a:chOff x="0" y="0"/>
+          <a:chExt cx="0" cy="0"/>
+        </a:xfrm>
+      </p:grpSpPr>
+      <p:sp>
+        <p:nvSpPr>
+          <p:cNvPr id="2" name="Title 1"/>
+          <p:cNvSpPr>
+            <a:spLocks noGrp="1"/>
+          </p:cNvSpPr>
+          <p:nvPr>
+            <p:ph type="title"/>
+          </p:nvPr>
+        </p:nvSpPr>
+        <p:spPr/>
+        <p:txBody>
+          <a:bodyPr/>
+          <a:lstStyle/>
+          <a:p>
+            <a:r>
+              <a:rPr lang="en-US" dirty="0" smtClean="0"/>
+              <a:t>Version Control</a:t>
+            </a:r>
+            <a:endParaRPr lang="en-US" dirty="0"/>
+          </a:p>
+        </p:txBody>
+      </p:sp>
+      <p:sp>
+        <p:nvSpPr>
+          <p:cNvPr id="3" name="Text Placeholder 2"/>
+          <p:cNvSpPr>
+            <a:spLocks noGrp="1"/>
+          </p:cNvSpPr>
+          <p:nvPr>
+            <p:ph type="body" sz="quarter" idx="18"/>
+          </p:nvPr>
+        </p:nvSpPr>
+        <p:spPr/>
+        <p:txBody>
+          <a:bodyPr/>
+          <a:lstStyle/>
+          <a:p>
+            <a:endParaRPr lang="en-US"/>
+          </a:p>
+        </p:txBody>
+      </p:sp>
+    </p:spTree>
+    <p:extLst>
+      <p:ext uri="{BB962C8B-B14F-4D97-AF65-F5344CB8AC3E}">
+        <p14:creationId xmlns:p14="http://schemas.microsoft.com/office/powerpoint/2010/main" val="2913014266"/>
+      </p:ext>
+    </p:extLst>
+  </p:cSld>
+  <p:clrMapOvr>
+    <a:masterClrMapping/>
+  </p:clrMapOvr>
+</p:sld>
+</file>
+
+<file path=ppt/slides/slide19.xml><?xml version="1.0" encoding="utf-8"?>
+<p:sld xmlns:a="http://schemas.openxmlformats.org/drawingml/2006/main" xmlns:r="http://schemas.openxmlformats.org/officeDocument/2006/relationships" xmlns:p="http://schemas.openxmlformats.org/presentationml/2006/main">
+  <p:cSld>
+    <p:spTree>
+      <p:nvGrpSpPr>
+        <p:cNvPr id="1" name=""/>
+        <p:cNvGrpSpPr/>
+        <p:nvPr/>
+      </p:nvGrpSpPr>
+      <p:grpSpPr>
+        <a:xfrm>
+          <a:off x="0" y="0"/>
+          <a:ext cx="0" cy="0"/>
+          <a:chOff x="0" y="0"/>
+          <a:chExt cx="0" cy="0"/>
+        </a:xfrm>
+      </p:grpSpPr>
+      <p:sp>
+        <p:nvSpPr>
+          <p:cNvPr id="2" name="Title 1"/>
+          <p:cNvSpPr>
+            <a:spLocks noGrp="1"/>
+          </p:cNvSpPr>
+          <p:nvPr>
+            <p:ph type="title"/>
+          </p:nvPr>
+        </p:nvSpPr>
+        <p:spPr/>
+        <p:txBody>
+          <a:bodyPr/>
+          <a:lstStyle/>
+          <a:p>
+            <a:r>
+              <a:rPr lang="en-US" dirty="0" smtClean="0"/>
+              <a:t>Backup</a:t>
+            </a:r>
+            <a:endParaRPr lang="en-US" dirty="0"/>
+          </a:p>
+        </p:txBody>
+      </p:sp>
+      <p:sp>
+        <p:nvSpPr>
+          <p:cNvPr id="3" name="Text Placeholder 2"/>
+          <p:cNvSpPr>
+            <a:spLocks noGrp="1"/>
+          </p:cNvSpPr>
+          <p:nvPr>
+            <p:ph type="body" sz="quarter" idx="18"/>
+          </p:nvPr>
+        </p:nvSpPr>
+        <p:spPr/>
+        <p:txBody>
+          <a:bodyPr/>
+          <a:lstStyle/>
+          <a:p>
+            <a:endParaRPr lang="en-US"/>
+          </a:p>
+        </p:txBody>
+      </p:sp>
+    </p:spTree>
+    <p:extLst>
+      <p:ext uri="{BB962C8B-B14F-4D97-AF65-F5344CB8AC3E}">
+        <p14:creationId xmlns:p14="http://schemas.microsoft.com/office/powerpoint/2010/main" val="4069116254"/>
+      </p:ext>
+    </p:extLst>
+  </p:cSld>
+  <p:clrMapOvr>
+    <a:masterClrMapping/>
+  </p:clrMapOvr>
+</p:sld>
+</file>
+
+<file path=ppt/slides/slide2.xml><?xml version="1.0" encoding="utf-8"?>
+<p:sld xmlns:a="http://schemas.openxmlformats.org/drawingml/2006/main" xmlns:r="http://schemas.openxmlformats.org/officeDocument/2006/relationships" xmlns:p="http://schemas.openxmlformats.org/presentationml/2006/main">
+  <p:cSld>
+    <p:spTree>
+      <p:nvGrpSpPr>
+        <p:cNvPr id="1" name=""/>
+        <p:cNvGrpSpPr/>
+        <p:nvPr/>
+      </p:nvGrpSpPr>
+      <p:grpSpPr>
+        <a:xfrm>
+          <a:off x="0" y="0"/>
+          <a:ext cx="0" cy="0"/>
+          <a:chOff x="0" y="0"/>
+          <a:chExt cx="0" cy="0"/>
+        </a:xfrm>
+      </p:grpSpPr>
+      <p:sp>
+        <p:nvSpPr>
+          <p:cNvPr id="2" name="Title 1"/>
+          <p:cNvSpPr>
+            <a:spLocks noGrp="1"/>
+          </p:cNvSpPr>
+          <p:nvPr>
+            <p:ph type="title"/>
+          </p:nvPr>
+        </p:nvSpPr>
+        <p:spPr/>
+        <p:txBody>
+          <a:bodyPr/>
+          <a:lstStyle/>
+          <a:p>
+            <a:r>
+              <a:rPr lang="en-US" dirty="0" smtClean="0"/>
+              <a:t>Outline</a:t>
+            </a:r>
+            <a:endParaRPr lang="en-US" dirty="0"/>
+          </a:p>
+        </p:txBody>
+      </p:sp>
+      <p:sp>
+        <p:nvSpPr>
+          <p:cNvPr id="3" name="Text Placeholder 2"/>
+          <p:cNvSpPr>
+            <a:spLocks noGrp="1"/>
+          </p:cNvSpPr>
+          <p:nvPr>
+            <p:ph type="body" sz="quarter" idx="18"/>
+          </p:nvPr>
+        </p:nvSpPr>
+        <p:spPr/>
+        <p:txBody>
+          <a:bodyPr/>
+          <a:lstStyle/>
+          <a:p>
+            <a:endParaRPr lang="en-US"/>
+          </a:p>
+        </p:txBody>
+      </p:sp>
+      <p:sp>
+        <p:nvSpPr>
+          <p:cNvPr id="4" name="TextBox 3"/>
+          <p:cNvSpPr txBox="1"/>
+          <p:nvPr/>
+        </p:nvSpPr>
+        <p:spPr>
+          <a:xfrm>
+            <a:off x="1130709" y="1632848"/>
+            <a:ext cx="9881420" cy="1384995"/>
+          </a:xfrm>
+          <a:prstGeom prst="rect">
+            <a:avLst/>
+          </a:prstGeom>
+          <a:noFill/>
+        </p:spPr>
+        <p:txBody>
+          <a:bodyPr wrap="square" rtlCol="0">
+            <a:spAutoFit/>
+          </a:bodyPr>
+          <a:lstStyle/>
+          <a:p>
+            <a:pPr marL="514350" indent="-514350">
+              <a:lnSpc>
+                <a:spcPct val="150000"/>
+              </a:lnSpc>
+              <a:buFont typeface="Wingdings" panose="05000000000000000000" pitchFamily="2" charset="2"/>
+              <a:buChar char="Ø"/>
+            </a:pPr>
+            <a:r>
+              <a:rPr lang="en-US" sz="2800" dirty="0" smtClean="0"/>
+              <a:t>Download and </a:t>
+            </a:r>
+            <a:r>
+              <a:rPr lang="en-US" sz="2800" dirty="0" smtClean="0"/>
+              <a:t>Setup</a:t>
+            </a:r>
+          </a:p>
+          <a:p>
+            <a:pPr marL="514350" indent="-514350">
+              <a:lnSpc>
+                <a:spcPct val="150000"/>
+              </a:lnSpc>
+              <a:buFont typeface="Wingdings" panose="05000000000000000000" pitchFamily="2" charset="2"/>
+              <a:buChar char="Ø"/>
+            </a:pPr>
+            <a:r>
+              <a:rPr lang="en-US" sz="2800" dirty="0" smtClean="0"/>
+              <a:t>Hands-on to support new </a:t>
+            </a:r>
+            <a:r>
+              <a:rPr lang="en-US" sz="2800" dirty="0" err="1" smtClean="0"/>
+              <a:t>pollyxt</a:t>
+            </a:r>
+            <a:endParaRPr lang="en-US" sz="2800" dirty="0" smtClean="0"/>
+          </a:p>
+        </p:txBody>
+      </p:sp>
+    </p:spTree>
+    <p:extLst>
+      <p:ext uri="{BB962C8B-B14F-4D97-AF65-F5344CB8AC3E}">
+        <p14:creationId xmlns:p14="http://schemas.microsoft.com/office/powerpoint/2010/main" val="1937983664"/>
+      </p:ext>
+    </p:extLst>
+  </p:cSld>
+  <p:clrMapOvr>
+    <a:masterClrMapping/>
+  </p:clrMapOvr>
+</p:sld>
+</file>
+
+<file path=ppt/slides/slide20.xml><?xml version="1.0" encoding="utf-8"?>
 <p:sld xmlns:a="http://schemas.openxmlformats.org/drawingml/2006/main" xmlns:r="http://schemas.openxmlformats.org/officeDocument/2006/relationships" xmlns:p="http://schemas.openxmlformats.org/presentationml/2006/main">
   <p:cSld>
     <p:spTree>
@@ -5785,7 +6931,7 @@
     </p:spTree>
     <p:extLst>
       <p:ext uri="{BB962C8B-B14F-4D97-AF65-F5344CB8AC3E}">
-        <p14:creationId xmlns:p14="http://schemas.microsoft.com/office/powerpoint/2010/main" val="3113098253"/>
+        <p14:creationId xmlns:p14="http://schemas.microsoft.com/office/powerpoint/2010/main" val="3004286530"/>
       </p:ext>
     </p:extLst>
   </p:cSld>
@@ -5965,7 +7111,7 @@
 </p:sld>
 </file>
 
-<file path=ppt/slides/slide14.xml><?xml version="1.0" encoding="utf-8"?>
+<file path=ppt/slides/slide21.xml><?xml version="1.0" encoding="utf-8"?>
 <p:sld xmlns:a="http://schemas.openxmlformats.org/drawingml/2006/main" xmlns:r="http://schemas.openxmlformats.org/officeDocument/2006/relationships" xmlns:p="http://schemas.openxmlformats.org/presentationml/2006/main">
   <p:cSld>
     <p:spTree>
@@ -8337,7 +9483,7 @@
     </p:spTree>
     <p:extLst>
       <p:ext uri="{BB962C8B-B14F-4D97-AF65-F5344CB8AC3E}">
-        <p14:creationId xmlns:p14="http://schemas.microsoft.com/office/powerpoint/2010/main" val="1223888843"/>
+        <p14:creationId xmlns:p14="http://schemas.microsoft.com/office/powerpoint/2010/main" val="2036468292"/>
       </p:ext>
     </p:extLst>
   </p:cSld>
@@ -8557,7 +9703,7 @@
 </p:sld>
 </file>
 
-<file path=ppt/slides/slide15.xml><?xml version="1.0" encoding="utf-8"?>
+<file path=ppt/slides/slide22.xml><?xml version="1.0" encoding="utf-8"?>
 <p:sld xmlns:a="http://schemas.openxmlformats.org/drawingml/2006/main" xmlns:r="http://schemas.openxmlformats.org/officeDocument/2006/relationships" xmlns:p="http://schemas.openxmlformats.org/presentationml/2006/main">
   <p:cSld>
     <p:spTree>
@@ -10859,7 +12005,7 @@
     </p:spTree>
     <p:extLst>
       <p:ext uri="{BB962C8B-B14F-4D97-AF65-F5344CB8AC3E}">
-        <p14:creationId xmlns:p14="http://schemas.microsoft.com/office/powerpoint/2010/main" val="785251740"/>
+        <p14:creationId xmlns:p14="http://schemas.microsoft.com/office/powerpoint/2010/main" val="2747835145"/>
       </p:ext>
     </p:extLst>
   </p:cSld>
@@ -10869,7 +12015,7 @@
 </p:sld>
 </file>
 
-<file path=ppt/slides/slide16.xml><?xml version="1.0" encoding="utf-8"?>
+<file path=ppt/slides/slide23.xml><?xml version="1.0" encoding="utf-8"?>
 <p:sld xmlns:a="http://schemas.openxmlformats.org/drawingml/2006/main" xmlns:r="http://schemas.openxmlformats.org/officeDocument/2006/relationships" xmlns:p="http://schemas.openxmlformats.org/presentationml/2006/main">
   <p:cSld>
     <p:spTree>
@@ -11247,7 +12393,7 @@
     </p:spTree>
     <p:extLst>
       <p:ext uri="{BB962C8B-B14F-4D97-AF65-F5344CB8AC3E}">
-        <p14:creationId xmlns:p14="http://schemas.microsoft.com/office/powerpoint/2010/main" val="4088041726"/>
+        <p14:creationId xmlns:p14="http://schemas.microsoft.com/office/powerpoint/2010/main" val="2126657226"/>
       </p:ext>
     </p:extLst>
   </p:cSld>
@@ -11649,7 +12795,7 @@
 </p:sld>
 </file>
 
-<file path=ppt/slides/slide17.xml><?xml version="1.0" encoding="utf-8"?>
+<file path=ppt/slides/slide24.xml><?xml version="1.0" encoding="utf-8"?>
 <p:sld xmlns:a="http://schemas.openxmlformats.org/drawingml/2006/main" xmlns:r="http://schemas.openxmlformats.org/officeDocument/2006/relationships" xmlns:p="http://schemas.openxmlformats.org/presentationml/2006/main">
   <p:cSld>
     <p:spTree>
@@ -12677,7 +13823,7 @@
     </p:spTree>
     <p:extLst>
       <p:ext uri="{BB962C8B-B14F-4D97-AF65-F5344CB8AC3E}">
-        <p14:creationId xmlns:p14="http://schemas.microsoft.com/office/powerpoint/2010/main" val="360476067"/>
+        <p14:creationId xmlns:p14="http://schemas.microsoft.com/office/powerpoint/2010/main" val="1410990732"/>
       </p:ext>
     </p:extLst>
   </p:cSld>
@@ -12811,7 +13957,7 @@
 </p:sld>
 </file>
 
-<file path=ppt/slides/slide18.xml><?xml version="1.0" encoding="utf-8"?>
+<file path=ppt/slides/slide25.xml><?xml version="1.0" encoding="utf-8"?>
 <p:sld xmlns:a="http://schemas.openxmlformats.org/drawingml/2006/main" xmlns:r="http://schemas.openxmlformats.org/officeDocument/2006/relationships" xmlns:p="http://schemas.openxmlformats.org/presentationml/2006/main">
   <p:cSld>
     <p:spTree>
@@ -13041,7 +14187,7 @@
     </p:spTree>
     <p:extLst>
       <p:ext uri="{BB962C8B-B14F-4D97-AF65-F5344CB8AC3E}">
-        <p14:creationId xmlns:p14="http://schemas.microsoft.com/office/powerpoint/2010/main" val="2052871215"/>
+        <p14:creationId xmlns:p14="http://schemas.microsoft.com/office/powerpoint/2010/main" val="2910858459"/>
       </p:ext>
     </p:extLst>
   </p:cSld>
@@ -13219,7 +14365,7 @@
 </p:sld>
 </file>
 
-<file path=ppt/slides/slide19.xml><?xml version="1.0" encoding="utf-8"?>
+<file path=ppt/slides/slide26.xml><?xml version="1.0" encoding="utf-8"?>
 <p:sld xmlns:a="http://schemas.openxmlformats.org/drawingml/2006/main" xmlns:r="http://schemas.openxmlformats.org/officeDocument/2006/relationships" xmlns:p="http://schemas.openxmlformats.org/presentationml/2006/main">
   <p:cSld>
     <p:spTree>
@@ -14177,7 +15323,7 @@
     </p:spTree>
     <p:extLst>
       <p:ext uri="{BB962C8B-B14F-4D97-AF65-F5344CB8AC3E}">
-        <p14:creationId xmlns:p14="http://schemas.microsoft.com/office/powerpoint/2010/main" val="2046266805"/>
+        <p14:creationId xmlns:p14="http://schemas.microsoft.com/office/powerpoint/2010/main" val="2036218969"/>
       </p:ext>
     </p:extLst>
   </p:cSld>
@@ -14191,804 +15337,6 @@
       </p:par>
     </p:tnLst>
   </p:timing>
-</p:sld>
-</file>
-
-<file path=ppt/slides/slide2.xml><?xml version="1.0" encoding="utf-8"?>
-<p:sld xmlns:a="http://schemas.openxmlformats.org/drawingml/2006/main" xmlns:r="http://schemas.openxmlformats.org/officeDocument/2006/relationships" xmlns:p="http://schemas.openxmlformats.org/presentationml/2006/main">
-  <p:cSld>
-    <p:spTree>
-      <p:nvGrpSpPr>
-        <p:cNvPr id="1" name=""/>
-        <p:cNvGrpSpPr/>
-        <p:nvPr/>
-      </p:nvGrpSpPr>
-      <p:grpSpPr>
-        <a:xfrm>
-          <a:off x="0" y="0"/>
-          <a:ext cx="0" cy="0"/>
-          <a:chOff x="0" y="0"/>
-          <a:chExt cx="0" cy="0"/>
-        </a:xfrm>
-      </p:grpSpPr>
-      <p:sp>
-        <p:nvSpPr>
-          <p:cNvPr id="2" name="Title 1"/>
-          <p:cNvSpPr>
-            <a:spLocks noGrp="1"/>
-          </p:cNvSpPr>
-          <p:nvPr>
-            <p:ph type="title"/>
-          </p:nvPr>
-        </p:nvSpPr>
-        <p:spPr/>
-        <p:txBody>
-          <a:bodyPr/>
-          <a:lstStyle/>
-          <a:p>
-            <a:r>
-              <a:rPr lang="en-US" dirty="0" smtClean="0"/>
-              <a:t>Outline</a:t>
-            </a:r>
-            <a:endParaRPr lang="en-US" dirty="0"/>
-          </a:p>
-        </p:txBody>
-      </p:sp>
-      <p:sp>
-        <p:nvSpPr>
-          <p:cNvPr id="3" name="Text Placeholder 2"/>
-          <p:cNvSpPr>
-            <a:spLocks noGrp="1"/>
-          </p:cNvSpPr>
-          <p:nvPr>
-            <p:ph type="body" sz="quarter" idx="18"/>
-          </p:nvPr>
-        </p:nvSpPr>
-        <p:spPr/>
-        <p:txBody>
-          <a:bodyPr/>
-          <a:lstStyle/>
-          <a:p>
-            <a:endParaRPr lang="en-US"/>
-          </a:p>
-        </p:txBody>
-      </p:sp>
-      <p:sp>
-        <p:nvSpPr>
-          <p:cNvPr id="4" name="TextBox 3"/>
-          <p:cNvSpPr txBox="1"/>
-          <p:nvPr/>
-        </p:nvSpPr>
-        <p:spPr>
-          <a:xfrm>
-            <a:off x="1189703" y="1553497"/>
-            <a:ext cx="9881420" cy="3323987"/>
-          </a:xfrm>
-          <a:prstGeom prst="rect">
-            <a:avLst/>
-          </a:prstGeom>
-          <a:noFill/>
-        </p:spPr>
-        <p:txBody>
-          <a:bodyPr wrap="square" rtlCol="0">
-            <a:spAutoFit/>
-          </a:bodyPr>
-          <a:lstStyle/>
-          <a:p>
-            <a:pPr marL="514350" indent="-514350">
-              <a:lnSpc>
-                <a:spcPct val="150000"/>
-              </a:lnSpc>
-              <a:buFont typeface="Wingdings" panose="05000000000000000000" pitchFamily="2" charset="2"/>
-              <a:buChar char="Ø"/>
-            </a:pPr>
-            <a:r>
-              <a:rPr lang="en-US" sz="2800" dirty="0" smtClean="0"/>
-              <a:t>Download and Setup</a:t>
-            </a:r>
-          </a:p>
-          <a:p>
-            <a:pPr marL="514350" indent="-514350">
-              <a:lnSpc>
-                <a:spcPct val="150000"/>
-              </a:lnSpc>
-              <a:buFont typeface="Wingdings" panose="05000000000000000000" pitchFamily="2" charset="2"/>
-              <a:buChar char="Ø"/>
-            </a:pPr>
-            <a:r>
-              <a:rPr lang="en-US" sz="2800" dirty="0"/>
-              <a:t>Workflow</a:t>
-            </a:r>
-          </a:p>
-          <a:p>
-            <a:pPr marL="514350" indent="-514350">
-              <a:lnSpc>
-                <a:spcPct val="150000"/>
-              </a:lnSpc>
-              <a:buFont typeface="Wingdings" panose="05000000000000000000" pitchFamily="2" charset="2"/>
-              <a:buChar char="Ø"/>
-            </a:pPr>
-            <a:r>
-              <a:rPr lang="en-US" sz="2800" dirty="0"/>
-              <a:t>Programs</a:t>
-            </a:r>
-          </a:p>
-          <a:p>
-            <a:pPr marL="514350" indent="-514350">
-              <a:lnSpc>
-                <a:spcPct val="150000"/>
-              </a:lnSpc>
-              <a:buFont typeface="Wingdings" panose="05000000000000000000" pitchFamily="2" charset="2"/>
-              <a:buChar char="Ø"/>
-            </a:pPr>
-            <a:r>
-              <a:rPr lang="en-US" sz="2800" dirty="0"/>
-              <a:t>Products and </a:t>
-            </a:r>
-            <a:r>
-              <a:rPr lang="en-US" sz="2800" dirty="0" smtClean="0"/>
-              <a:t>Configurations</a:t>
-            </a:r>
-          </a:p>
-          <a:p>
-            <a:pPr marL="514350" indent="-514350">
-              <a:lnSpc>
-                <a:spcPct val="150000"/>
-              </a:lnSpc>
-              <a:buFont typeface="Wingdings" panose="05000000000000000000" pitchFamily="2" charset="2"/>
-              <a:buChar char="Ø"/>
-            </a:pPr>
-            <a:r>
-              <a:rPr lang="en-US" sz="2800" dirty="0" smtClean="0"/>
-              <a:t>Future Plan</a:t>
-            </a:r>
-            <a:endParaRPr lang="en-US" sz="2800" dirty="0"/>
-          </a:p>
-        </p:txBody>
-      </p:sp>
-    </p:spTree>
-    <p:extLst>
-      <p:ext uri="{BB962C8B-B14F-4D97-AF65-F5344CB8AC3E}">
-        <p14:creationId xmlns:p14="http://schemas.microsoft.com/office/powerpoint/2010/main" val="1937983664"/>
-      </p:ext>
-    </p:extLst>
-  </p:cSld>
-  <p:clrMapOvr>
-    <a:masterClrMapping/>
-  </p:clrMapOvr>
-</p:sld>
-</file>
-
-<file path=ppt/slides/slide20.xml><?xml version="1.0" encoding="utf-8"?>
-<p:sld xmlns:a="http://schemas.openxmlformats.org/drawingml/2006/main" xmlns:r="http://schemas.openxmlformats.org/officeDocument/2006/relationships" xmlns:p="http://schemas.openxmlformats.org/presentationml/2006/main">
-  <p:cSld>
-    <p:spTree>
-      <p:nvGrpSpPr>
-        <p:cNvPr id="1" name=""/>
-        <p:cNvGrpSpPr/>
-        <p:nvPr/>
-      </p:nvGrpSpPr>
-      <p:grpSpPr>
-        <a:xfrm>
-          <a:off x="0" y="0"/>
-          <a:ext cx="0" cy="0"/>
-          <a:chOff x="0" y="0"/>
-          <a:chExt cx="0" cy="0"/>
-        </a:xfrm>
-      </p:grpSpPr>
-      <p:sp>
-        <p:nvSpPr>
-          <p:cNvPr id="2" name="Title 1"/>
-          <p:cNvSpPr>
-            <a:spLocks noGrp="1"/>
-          </p:cNvSpPr>
-          <p:nvPr>
-            <p:ph type="title"/>
-          </p:nvPr>
-        </p:nvSpPr>
-        <p:spPr/>
-        <p:txBody>
-          <a:bodyPr/>
-          <a:lstStyle/>
-          <a:p>
-            <a:r>
-              <a:rPr lang="en-US" dirty="0" smtClean="0"/>
-              <a:t>Add a new Polly</a:t>
-            </a:r>
-            <a:endParaRPr lang="en-US" dirty="0"/>
-          </a:p>
-        </p:txBody>
-      </p:sp>
-      <p:sp>
-        <p:nvSpPr>
-          <p:cNvPr id="3" name="Text Placeholder 2"/>
-          <p:cNvSpPr>
-            <a:spLocks noGrp="1"/>
-          </p:cNvSpPr>
-          <p:nvPr>
-            <p:ph type="body" sz="quarter" idx="18"/>
-          </p:nvPr>
-        </p:nvSpPr>
-        <p:spPr/>
-        <p:txBody>
-          <a:bodyPr/>
-          <a:lstStyle/>
-          <a:p>
-            <a:endParaRPr lang="en-US"/>
-          </a:p>
-        </p:txBody>
-      </p:sp>
-      <p:grpSp>
-        <p:nvGrpSpPr>
-          <p:cNvPr id="17" name="Group 16"/>
-          <p:cNvGrpSpPr/>
-          <p:nvPr/>
-        </p:nvGrpSpPr>
-        <p:grpSpPr>
-          <a:xfrm>
-            <a:off x="2199133" y="1778450"/>
-            <a:ext cx="7283195" cy="3138610"/>
-            <a:chOff x="690373" y="1961330"/>
-            <a:chExt cx="7283195" cy="3138610"/>
-          </a:xfrm>
-        </p:grpSpPr>
-        <p:grpSp>
-          <p:nvGrpSpPr>
-            <p:cNvPr id="5" name="Group 4"/>
-            <p:cNvGrpSpPr/>
-            <p:nvPr/>
-          </p:nvGrpSpPr>
-          <p:grpSpPr>
-            <a:xfrm>
-              <a:off x="690373" y="1961330"/>
-              <a:ext cx="3931920" cy="3138610"/>
-              <a:chOff x="4681729" y="3719390"/>
-              <a:chExt cx="3931920" cy="3138610"/>
-            </a:xfrm>
-          </p:grpSpPr>
-          <p:sp>
-            <p:nvSpPr>
-              <p:cNvPr id="6" name="Rectangle 5"/>
-              <p:cNvSpPr/>
-              <p:nvPr/>
-            </p:nvSpPr>
-            <p:spPr>
-              <a:xfrm>
-                <a:off x="4793031" y="3868580"/>
-                <a:ext cx="3657600" cy="457200"/>
-              </a:xfrm>
-              <a:prstGeom prst="rect">
-                <a:avLst/>
-              </a:prstGeom>
-            </p:spPr>
-            <p:style>
-              <a:lnRef idx="1">
-                <a:schemeClr val="accent6"/>
-              </a:lnRef>
-              <a:fillRef idx="2">
-                <a:schemeClr val="accent6"/>
-              </a:fillRef>
-              <a:effectRef idx="1">
-                <a:schemeClr val="accent6"/>
-              </a:effectRef>
-              <a:fontRef idx="minor">
-                <a:schemeClr val="dk1"/>
-              </a:fontRef>
-            </p:style>
-            <p:txBody>
-              <a:bodyPr rtlCol="0" anchor="ctr"/>
-              <a:lstStyle/>
-              <a:p>
-                <a:pPr algn="ctr"/>
-                <a:r>
-                  <a:rPr lang="en-US" dirty="0" smtClean="0"/>
-                  <a:t>pollynet_places_history_new.txt</a:t>
-                </a:r>
-                <a:endParaRPr lang="en-US" dirty="0"/>
-              </a:p>
-            </p:txBody>
-          </p:sp>
-          <p:sp>
-            <p:nvSpPr>
-              <p:cNvPr id="7" name="Rectangle 6"/>
-              <p:cNvSpPr/>
-              <p:nvPr/>
-            </p:nvSpPr>
-            <p:spPr>
-              <a:xfrm>
-                <a:off x="4793031" y="4482285"/>
-                <a:ext cx="3657600" cy="457200"/>
-              </a:xfrm>
-              <a:prstGeom prst="rect">
-                <a:avLst/>
-              </a:prstGeom>
-            </p:spPr>
-            <p:style>
-              <a:lnRef idx="1">
-                <a:schemeClr val="accent6"/>
-              </a:lnRef>
-              <a:fillRef idx="2">
-                <a:schemeClr val="accent6"/>
-              </a:fillRef>
-              <a:effectRef idx="1">
-                <a:schemeClr val="accent6"/>
-              </a:effectRef>
-              <a:fontRef idx="minor">
-                <a:schemeClr val="dk1"/>
-              </a:fontRef>
-            </p:style>
-            <p:txBody>
-              <a:bodyPr rtlCol="0" anchor="ctr"/>
-              <a:lstStyle/>
-              <a:p>
-                <a:pPr algn="ctr"/>
-                <a:r>
-                  <a:rPr lang="en-US" dirty="0"/>
-                  <a:t>p</a:t>
-                </a:r>
-                <a:r>
-                  <a:rPr lang="en-US" dirty="0" smtClean="0"/>
-                  <a:t>ollynet_processing_chain_link.txt</a:t>
-                </a:r>
-                <a:endParaRPr lang="en-US" dirty="0"/>
-              </a:p>
-            </p:txBody>
-          </p:sp>
-          <p:sp>
-            <p:nvSpPr>
-              <p:cNvPr id="8" name="Rectangle 7"/>
-              <p:cNvSpPr/>
-              <p:nvPr/>
-            </p:nvSpPr>
-            <p:spPr>
-              <a:xfrm>
-                <a:off x="4793031" y="5095990"/>
-                <a:ext cx="3657600" cy="457200"/>
-              </a:xfrm>
-              <a:prstGeom prst="rect">
-                <a:avLst/>
-              </a:prstGeom>
-            </p:spPr>
-            <p:style>
-              <a:lnRef idx="1">
-                <a:schemeClr val="accent6"/>
-              </a:lnRef>
-              <a:fillRef idx="2">
-                <a:schemeClr val="accent6"/>
-              </a:fillRef>
-              <a:effectRef idx="1">
-                <a:schemeClr val="accent6"/>
-              </a:effectRef>
-              <a:fontRef idx="minor">
-                <a:schemeClr val="dk1"/>
-              </a:fontRef>
-            </p:style>
-            <p:txBody>
-              <a:bodyPr rtlCol="0" anchor="ctr"/>
-              <a:lstStyle/>
-              <a:p>
-                <a:pPr algn="ctr"/>
-                <a:r>
-                  <a:rPr lang="en-US" dirty="0" smtClean="0"/>
-                  <a:t>Load the </a:t>
-                </a:r>
-                <a:r>
-                  <a:rPr lang="en-US" dirty="0" err="1" smtClean="0"/>
-                  <a:t>polly</a:t>
-                </a:r>
-                <a:r>
-                  <a:rPr lang="en-US" dirty="0" smtClean="0"/>
-                  <a:t> </a:t>
-                </a:r>
-                <a:r>
-                  <a:rPr lang="en-US" dirty="0" err="1" smtClean="0"/>
-                  <a:t>config</a:t>
-                </a:r>
-                <a:endParaRPr lang="en-US" dirty="0"/>
-              </a:p>
-            </p:txBody>
-          </p:sp>
-          <p:sp>
-            <p:nvSpPr>
-              <p:cNvPr id="9" name="Rectangle 8"/>
-              <p:cNvSpPr/>
-              <p:nvPr/>
-            </p:nvSpPr>
-            <p:spPr>
-              <a:xfrm>
-                <a:off x="4793031" y="5709695"/>
-                <a:ext cx="3657600" cy="457200"/>
-              </a:xfrm>
-              <a:prstGeom prst="rect">
-                <a:avLst/>
-              </a:prstGeom>
-            </p:spPr>
-            <p:style>
-              <a:lnRef idx="1">
-                <a:schemeClr val="accent6"/>
-              </a:lnRef>
-              <a:fillRef idx="2">
-                <a:schemeClr val="accent6"/>
-              </a:fillRef>
-              <a:effectRef idx="1">
-                <a:schemeClr val="accent6"/>
-              </a:effectRef>
-              <a:fontRef idx="minor">
-                <a:schemeClr val="dk1"/>
-              </a:fontRef>
-            </p:style>
-            <p:txBody>
-              <a:bodyPr rtlCol="0" anchor="ctr"/>
-              <a:lstStyle/>
-              <a:p>
-                <a:pPr algn="ctr"/>
-                <a:r>
-                  <a:rPr lang="en-US" dirty="0" err="1" smtClean="0"/>
-                  <a:t>pollyxt_xxx</a:t>
-                </a:r>
-                <a:r>
-                  <a:rPr lang="en-US" dirty="0" smtClean="0"/>
-                  <a:t> defaults</a:t>
-                </a:r>
-                <a:endParaRPr lang="en-US" dirty="0"/>
-              </a:p>
-            </p:txBody>
-          </p:sp>
-          <p:sp>
-            <p:nvSpPr>
-              <p:cNvPr id="10" name="Rectangle 9"/>
-              <p:cNvSpPr/>
-              <p:nvPr/>
-            </p:nvSpPr>
-            <p:spPr>
-              <a:xfrm>
-                <a:off x="4681729" y="3719390"/>
-                <a:ext cx="3931920" cy="3138610"/>
-              </a:xfrm>
-              <a:prstGeom prst="rect">
-                <a:avLst/>
-              </a:prstGeom>
-              <a:noFill/>
-              <a:ln w="28575">
-                <a:solidFill>
-                  <a:schemeClr val="tx2">
-                    <a:lumMod val="60000"/>
-                    <a:lumOff val="40000"/>
-                  </a:schemeClr>
-                </a:solidFill>
-              </a:ln>
-            </p:spPr>
-            <p:style>
-              <a:lnRef idx="1">
-                <a:schemeClr val="accent1"/>
-              </a:lnRef>
-              <a:fillRef idx="3">
-                <a:schemeClr val="accent1"/>
-              </a:fillRef>
-              <a:effectRef idx="2">
-                <a:schemeClr val="accent1"/>
-              </a:effectRef>
-              <a:fontRef idx="minor">
-                <a:schemeClr val="lt1"/>
-              </a:fontRef>
-            </p:style>
-            <p:txBody>
-              <a:bodyPr rtlCol="0" anchor="ctr"/>
-              <a:lstStyle/>
-              <a:p>
-                <a:pPr algn="ctr"/>
-                <a:endParaRPr lang="en-US"/>
-              </a:p>
-            </p:txBody>
-          </p:sp>
-          <p:sp>
-            <p:nvSpPr>
-              <p:cNvPr id="11" name="Rectangle 10"/>
-              <p:cNvSpPr/>
-              <p:nvPr/>
-            </p:nvSpPr>
-            <p:spPr>
-              <a:xfrm>
-                <a:off x="4793031" y="6323402"/>
-                <a:ext cx="3657600" cy="457200"/>
-              </a:xfrm>
-              <a:prstGeom prst="rect">
-                <a:avLst/>
-              </a:prstGeom>
-            </p:spPr>
-            <p:style>
-              <a:lnRef idx="1">
-                <a:schemeClr val="accent6"/>
-              </a:lnRef>
-              <a:fillRef idx="2">
-                <a:schemeClr val="accent6"/>
-              </a:fillRef>
-              <a:effectRef idx="1">
-                <a:schemeClr val="accent6"/>
-              </a:effectRef>
-              <a:fontRef idx="minor">
-                <a:schemeClr val="dk1"/>
-              </a:fontRef>
-            </p:style>
-            <p:txBody>
-              <a:bodyPr rtlCol="0" anchor="ctr"/>
-              <a:lstStyle/>
-              <a:p>
-                <a:pPr algn="ctr"/>
-                <a:r>
-                  <a:rPr lang="en-US" dirty="0" err="1" smtClean="0"/>
-                  <a:t>pollyxt_xxx</a:t>
-                </a:r>
-                <a:r>
-                  <a:rPr lang="en-US" dirty="0" smtClean="0"/>
-                  <a:t> module</a:t>
-                </a:r>
-                <a:endParaRPr lang="en-US" dirty="0"/>
-              </a:p>
-            </p:txBody>
-          </p:sp>
-        </p:grpSp>
-        <p:sp>
-          <p:nvSpPr>
-            <p:cNvPr id="12" name="TextBox 11"/>
-            <p:cNvSpPr txBox="1"/>
-            <p:nvPr/>
-          </p:nvSpPr>
-          <p:spPr>
-            <a:xfrm>
-              <a:off x="4873752" y="2110520"/>
-              <a:ext cx="3099816" cy="369332"/>
-            </a:xfrm>
-            <a:prstGeom prst="rect">
-              <a:avLst/>
-            </a:prstGeom>
-            <a:noFill/>
-          </p:spPr>
-          <p:txBody>
-            <a:bodyPr wrap="square" rtlCol="0">
-              <a:spAutoFit/>
-            </a:bodyPr>
-            <a:lstStyle/>
-            <a:p>
-              <a:r>
-                <a:rPr lang="en-US" dirty="0" smtClean="0"/>
-                <a:t>1. New campaign entry</a:t>
-              </a:r>
-              <a:endParaRPr lang="en-US" dirty="0"/>
-            </a:p>
-          </p:txBody>
-        </p:sp>
-        <p:sp>
-          <p:nvSpPr>
-            <p:cNvPr id="13" name="TextBox 12"/>
-            <p:cNvSpPr txBox="1"/>
-            <p:nvPr/>
-          </p:nvSpPr>
-          <p:spPr>
-            <a:xfrm>
-              <a:off x="4873752" y="2812093"/>
-              <a:ext cx="3099816" cy="369332"/>
-            </a:xfrm>
-            <a:prstGeom prst="rect">
-              <a:avLst/>
-            </a:prstGeom>
-            <a:noFill/>
-          </p:spPr>
-          <p:txBody>
-            <a:bodyPr wrap="square" rtlCol="0">
-              <a:spAutoFit/>
-            </a:bodyPr>
-            <a:lstStyle/>
-            <a:p>
-              <a:r>
-                <a:rPr lang="en-US" dirty="0" smtClean="0"/>
-                <a:t>5. New link entry</a:t>
-              </a:r>
-              <a:endParaRPr lang="en-US" dirty="0"/>
-            </a:p>
-          </p:txBody>
-        </p:sp>
-        <p:sp>
-          <p:nvSpPr>
-            <p:cNvPr id="14" name="TextBox 13"/>
-            <p:cNvSpPr txBox="1"/>
-            <p:nvPr/>
-          </p:nvSpPr>
-          <p:spPr>
-            <a:xfrm>
-              <a:off x="4873752" y="3425798"/>
-              <a:ext cx="3099816" cy="369332"/>
-            </a:xfrm>
-            <a:prstGeom prst="rect">
-              <a:avLst/>
-            </a:prstGeom>
-            <a:noFill/>
-          </p:spPr>
-          <p:txBody>
-            <a:bodyPr wrap="square" rtlCol="0">
-              <a:spAutoFit/>
-            </a:bodyPr>
-            <a:lstStyle/>
-            <a:p>
-              <a:r>
-                <a:rPr lang="en-US" dirty="0" smtClean="0"/>
-                <a:t>4. New </a:t>
-              </a:r>
-              <a:r>
-                <a:rPr lang="en-US" dirty="0" err="1" smtClean="0"/>
-                <a:t>polly</a:t>
-              </a:r>
-              <a:r>
-                <a:rPr lang="en-US" dirty="0" smtClean="0"/>
-                <a:t> </a:t>
-              </a:r>
-              <a:r>
-                <a:rPr lang="en-US" dirty="0" err="1" smtClean="0"/>
-                <a:t>config</a:t>
-              </a:r>
-              <a:endParaRPr lang="en-US" dirty="0"/>
-            </a:p>
-          </p:txBody>
-        </p:sp>
-        <p:sp>
-          <p:nvSpPr>
-            <p:cNvPr id="15" name="TextBox 14"/>
-            <p:cNvSpPr txBox="1"/>
-            <p:nvPr/>
-          </p:nvSpPr>
-          <p:spPr>
-            <a:xfrm>
-              <a:off x="4873752" y="4076229"/>
-              <a:ext cx="3099816" cy="369332"/>
-            </a:xfrm>
-            <a:prstGeom prst="rect">
-              <a:avLst/>
-            </a:prstGeom>
-            <a:noFill/>
-          </p:spPr>
-          <p:txBody>
-            <a:bodyPr wrap="square" rtlCol="0">
-              <a:spAutoFit/>
-            </a:bodyPr>
-            <a:lstStyle/>
-            <a:p>
-              <a:r>
-                <a:rPr lang="en-US" dirty="0" smtClean="0"/>
-                <a:t>3. New </a:t>
-              </a:r>
-              <a:r>
-                <a:rPr lang="en-US" dirty="0" err="1" smtClean="0"/>
-                <a:t>polly</a:t>
-              </a:r>
-              <a:r>
-                <a:rPr lang="en-US" dirty="0" smtClean="0"/>
-                <a:t> defaults</a:t>
-              </a:r>
-              <a:endParaRPr lang="en-US" dirty="0"/>
-            </a:p>
-          </p:txBody>
-        </p:sp>
-        <p:sp>
-          <p:nvSpPr>
-            <p:cNvPr id="16" name="TextBox 15"/>
-            <p:cNvSpPr txBox="1"/>
-            <p:nvPr/>
-          </p:nvSpPr>
-          <p:spPr>
-            <a:xfrm>
-              <a:off x="4873752" y="4638792"/>
-              <a:ext cx="3099816" cy="369332"/>
-            </a:xfrm>
-            <a:prstGeom prst="rect">
-              <a:avLst/>
-            </a:prstGeom>
-            <a:noFill/>
-          </p:spPr>
-          <p:txBody>
-            <a:bodyPr wrap="square" rtlCol="0">
-              <a:spAutoFit/>
-            </a:bodyPr>
-            <a:lstStyle/>
-            <a:p>
-              <a:r>
-                <a:rPr lang="en-US" dirty="0" smtClean="0"/>
-                <a:t>2. New </a:t>
-              </a:r>
-              <a:r>
-                <a:rPr lang="en-US" dirty="0" err="1" smtClean="0"/>
-                <a:t>polly</a:t>
-              </a:r>
-              <a:r>
-                <a:rPr lang="en-US" dirty="0" smtClean="0"/>
-                <a:t> modules</a:t>
-              </a:r>
-              <a:endParaRPr lang="en-US" dirty="0"/>
-            </a:p>
-          </p:txBody>
-        </p:sp>
-      </p:grpSp>
-    </p:spTree>
-    <p:extLst>
-      <p:ext uri="{BB962C8B-B14F-4D97-AF65-F5344CB8AC3E}">
-        <p14:creationId xmlns:p14="http://schemas.microsoft.com/office/powerpoint/2010/main" val="1252782217"/>
-      </p:ext>
-    </p:extLst>
-  </p:cSld>
-  <p:clrMapOvr>
-    <a:masterClrMapping/>
-  </p:clrMapOvr>
-</p:sld>
-</file>
-
-<file path=ppt/slides/slide21.xml><?xml version="1.0" encoding="utf-8"?>
-<p:sld xmlns:a="http://schemas.openxmlformats.org/drawingml/2006/main" xmlns:r="http://schemas.openxmlformats.org/officeDocument/2006/relationships" xmlns:p="http://schemas.openxmlformats.org/presentationml/2006/main">
-  <p:cSld>
-    <p:spTree>
-      <p:nvGrpSpPr>
-        <p:cNvPr id="1" name=""/>
-        <p:cNvGrpSpPr/>
-        <p:nvPr/>
-      </p:nvGrpSpPr>
-      <p:grpSpPr>
-        <a:xfrm>
-          <a:off x="0" y="0"/>
-          <a:ext cx="0" cy="0"/>
-          <a:chOff x="0" y="0"/>
-          <a:chExt cx="0" cy="0"/>
-        </a:xfrm>
-      </p:grpSpPr>
-      <p:sp>
-        <p:nvSpPr>
-          <p:cNvPr id="2" name="Title 1"/>
-          <p:cNvSpPr>
-            <a:spLocks noGrp="1"/>
-          </p:cNvSpPr>
-          <p:nvPr>
-            <p:ph type="title"/>
-          </p:nvPr>
-        </p:nvSpPr>
-        <p:spPr/>
-        <p:txBody>
-          <a:bodyPr/>
-          <a:lstStyle/>
-          <a:p>
-            <a:r>
-              <a:rPr lang="en-US" dirty="0" smtClean="0"/>
-              <a:t>Version Control</a:t>
-            </a:r>
-            <a:endParaRPr lang="en-US" dirty="0"/>
-          </a:p>
-        </p:txBody>
-      </p:sp>
-      <p:sp>
-        <p:nvSpPr>
-          <p:cNvPr id="3" name="Text Placeholder 2"/>
-          <p:cNvSpPr>
-            <a:spLocks noGrp="1"/>
-          </p:cNvSpPr>
-          <p:nvPr>
-            <p:ph type="body" sz="quarter" idx="18"/>
-          </p:nvPr>
-        </p:nvSpPr>
-        <p:spPr/>
-        <p:txBody>
-          <a:bodyPr/>
-          <a:lstStyle/>
-          <a:p>
-            <a:endParaRPr lang="en-US"/>
-          </a:p>
-        </p:txBody>
-      </p:sp>
-    </p:spTree>
-    <p:extLst>
-      <p:ext uri="{BB962C8B-B14F-4D97-AF65-F5344CB8AC3E}">
-        <p14:creationId xmlns:p14="http://schemas.microsoft.com/office/powerpoint/2010/main" val="2913014266"/>
-      </p:ext>
-    </p:extLst>
-  </p:cSld>
-  <p:clrMapOvr>
-    <a:masterClrMapping/>
-  </p:clrMapOvr>
 </p:sld>
 </file>
 
@@ -16772,6 +17120,862 @@
           <a:chExt cx="0" cy="0"/>
         </a:xfrm>
       </p:grpSpPr>
+      <p:sp>
+        <p:nvSpPr>
+          <p:cNvPr id="2" name="Title 1"/>
+          <p:cNvSpPr>
+            <a:spLocks noGrp="1"/>
+          </p:cNvSpPr>
+          <p:nvPr>
+            <p:ph type="title"/>
+          </p:nvPr>
+        </p:nvSpPr>
+        <p:spPr/>
+        <p:txBody>
+          <a:bodyPr/>
+          <a:lstStyle/>
+          <a:p>
+            <a:r>
+              <a:rPr lang="en-US" dirty="0" smtClean="0"/>
+              <a:t>Structure of Picasso</a:t>
+            </a:r>
+            <a:endParaRPr lang="en-US" dirty="0"/>
+          </a:p>
+        </p:txBody>
+      </p:sp>
+      <p:sp>
+        <p:nvSpPr>
+          <p:cNvPr id="3" name="Text Placeholder 2"/>
+          <p:cNvSpPr>
+            <a:spLocks noGrp="1"/>
+          </p:cNvSpPr>
+          <p:nvPr>
+            <p:ph type="body" sz="quarter" idx="18"/>
+          </p:nvPr>
+        </p:nvSpPr>
+        <p:spPr/>
+        <p:txBody>
+          <a:bodyPr/>
+          <a:lstStyle/>
+          <a:p>
+            <a:endParaRPr lang="en-US"/>
+          </a:p>
+        </p:txBody>
+      </p:sp>
+      <p:sp>
+        <p:nvSpPr>
+          <p:cNvPr id="6" name="Rounded Rectangle 5"/>
+          <p:cNvSpPr/>
+          <p:nvPr/>
+        </p:nvSpPr>
+        <p:spPr>
+          <a:xfrm>
+            <a:off x="5001768" y="2159597"/>
+            <a:ext cx="3485439" cy="1398695"/>
+          </a:xfrm>
+          <a:prstGeom prst="roundRect">
+            <a:avLst/>
+          </a:prstGeom>
+        </p:spPr>
+        <p:style>
+          <a:lnRef idx="1">
+            <a:schemeClr val="accent1"/>
+          </a:lnRef>
+          <a:fillRef idx="3">
+            <a:schemeClr val="accent1"/>
+          </a:fillRef>
+          <a:effectRef idx="2">
+            <a:schemeClr val="accent1"/>
+          </a:effectRef>
+          <a:fontRef idx="minor">
+            <a:schemeClr val="lt1"/>
+          </a:fontRef>
+        </p:style>
+        <p:txBody>
+          <a:bodyPr rtlCol="0" anchor="ctr"/>
+          <a:lstStyle/>
+          <a:p>
+            <a:pPr algn="ctr"/>
+            <a:r>
+              <a:rPr lang="en-US" sz="4400" b="1" dirty="0" smtClean="0"/>
+              <a:t>Picasso</a:t>
+            </a:r>
+            <a:endParaRPr lang="en-US" sz="4400" b="1" dirty="0"/>
+          </a:p>
+        </p:txBody>
+      </p:sp>
+      <p:cxnSp>
+        <p:nvCxnSpPr>
+          <p:cNvPr id="15" name="Elbow Connector 14"/>
+          <p:cNvCxnSpPr>
+            <a:stCxn id="5" idx="3"/>
+            <a:endCxn id="6" idx="1"/>
+          </p:cNvCxnSpPr>
+          <p:nvPr/>
+        </p:nvCxnSpPr>
+        <p:spPr>
+          <a:xfrm rot="16200000" flipH="1">
+            <a:off x="3217066" y="1074242"/>
+            <a:ext cx="144976" cy="3424429"/>
+          </a:xfrm>
+          <a:prstGeom prst="bentConnector2">
+            <a:avLst/>
+          </a:prstGeom>
+          <a:ln>
+            <a:tailEnd type="triangle"/>
+          </a:ln>
+        </p:spPr>
+        <p:style>
+          <a:lnRef idx="2">
+            <a:schemeClr val="accent1"/>
+          </a:lnRef>
+          <a:fillRef idx="0">
+            <a:schemeClr val="accent1"/>
+          </a:fillRef>
+          <a:effectRef idx="1">
+            <a:schemeClr val="accent1"/>
+          </a:effectRef>
+          <a:fontRef idx="minor">
+            <a:schemeClr val="tx1"/>
+          </a:fontRef>
+        </p:style>
+      </p:cxnSp>
+      <p:grpSp>
+        <p:nvGrpSpPr>
+          <p:cNvPr id="59" name="Group 58"/>
+          <p:cNvGrpSpPr/>
+          <p:nvPr/>
+        </p:nvGrpSpPr>
+        <p:grpSpPr>
+          <a:xfrm>
+            <a:off x="8551216" y="470808"/>
+            <a:ext cx="2980944" cy="4486319"/>
+            <a:chOff x="8796529" y="859451"/>
+            <a:chExt cx="2980944" cy="4486319"/>
+          </a:xfrm>
+        </p:grpSpPr>
+        <p:sp>
+          <p:nvSpPr>
+            <p:cNvPr id="7" name="Flowchart: Multidocument 6"/>
+            <p:cNvSpPr/>
+            <p:nvPr/>
+          </p:nvSpPr>
+          <p:spPr>
+            <a:xfrm>
+              <a:off x="9582913" y="859451"/>
+              <a:ext cx="2194560" cy="914400"/>
+            </a:xfrm>
+            <a:prstGeom prst="flowChartMultidocument">
+              <a:avLst/>
+            </a:prstGeom>
+          </p:spPr>
+          <p:style>
+            <a:lnRef idx="1">
+              <a:schemeClr val="accent1"/>
+            </a:lnRef>
+            <a:fillRef idx="3">
+              <a:schemeClr val="accent1"/>
+            </a:fillRef>
+            <a:effectRef idx="2">
+              <a:schemeClr val="accent1"/>
+            </a:effectRef>
+            <a:fontRef idx="minor">
+              <a:schemeClr val="lt1"/>
+            </a:fontRef>
+          </p:style>
+          <p:txBody>
+            <a:bodyPr rtlCol="0" anchor="ctr"/>
+            <a:lstStyle/>
+            <a:p>
+              <a:pPr algn="ctr"/>
+              <a:r>
+                <a:rPr lang="en-US" sz="2800" dirty="0" smtClean="0"/>
+                <a:t>figures</a:t>
+              </a:r>
+              <a:endParaRPr lang="en-US" sz="2800" dirty="0"/>
+            </a:p>
+          </p:txBody>
+        </p:sp>
+        <p:sp>
+          <p:nvSpPr>
+            <p:cNvPr id="8" name="Flowchart: Multidocument 7"/>
+            <p:cNvSpPr/>
+            <p:nvPr/>
+          </p:nvSpPr>
+          <p:spPr>
+            <a:xfrm>
+              <a:off x="9582913" y="2349754"/>
+              <a:ext cx="2194560" cy="914400"/>
+            </a:xfrm>
+            <a:prstGeom prst="flowChartMultidocument">
+              <a:avLst/>
+            </a:prstGeom>
+          </p:spPr>
+          <p:style>
+            <a:lnRef idx="1">
+              <a:schemeClr val="accent1"/>
+            </a:lnRef>
+            <a:fillRef idx="3">
+              <a:schemeClr val="accent1"/>
+            </a:fillRef>
+            <a:effectRef idx="2">
+              <a:schemeClr val="accent1"/>
+            </a:effectRef>
+            <a:fontRef idx="minor">
+              <a:schemeClr val="lt1"/>
+            </a:fontRef>
+          </p:style>
+          <p:txBody>
+            <a:bodyPr rtlCol="0" anchor="ctr"/>
+            <a:lstStyle/>
+            <a:p>
+              <a:pPr algn="ctr"/>
+              <a:r>
+                <a:rPr lang="en-US" sz="2800" dirty="0" smtClean="0"/>
+                <a:t>results</a:t>
+              </a:r>
+              <a:endParaRPr lang="en-US" sz="2800" dirty="0"/>
+            </a:p>
+          </p:txBody>
+        </p:sp>
+        <p:sp>
+          <p:nvSpPr>
+            <p:cNvPr id="9" name="Flowchart: Multidocument 8"/>
+            <p:cNvSpPr/>
+            <p:nvPr/>
+          </p:nvSpPr>
+          <p:spPr>
+            <a:xfrm>
+              <a:off x="9582913" y="3949786"/>
+              <a:ext cx="1645920" cy="548640"/>
+            </a:xfrm>
+            <a:prstGeom prst="flowChartMultidocument">
+              <a:avLst/>
+            </a:prstGeom>
+          </p:spPr>
+          <p:style>
+            <a:lnRef idx="1">
+              <a:schemeClr val="accent1"/>
+            </a:lnRef>
+            <a:fillRef idx="3">
+              <a:schemeClr val="accent1"/>
+            </a:fillRef>
+            <a:effectRef idx="2">
+              <a:schemeClr val="accent1"/>
+            </a:effectRef>
+            <a:fontRef idx="minor">
+              <a:schemeClr val="lt1"/>
+            </a:fontRef>
+          </p:style>
+          <p:txBody>
+            <a:bodyPr rtlCol="0" anchor="ctr"/>
+            <a:lstStyle/>
+            <a:p>
+              <a:pPr algn="ctr"/>
+              <a:r>
+                <a:rPr lang="en-US" sz="2000" dirty="0" smtClean="0"/>
+                <a:t>calibration</a:t>
+              </a:r>
+              <a:endParaRPr lang="en-US" sz="2000" dirty="0"/>
+            </a:p>
+          </p:txBody>
+        </p:sp>
+        <p:sp>
+          <p:nvSpPr>
+            <p:cNvPr id="11" name="Flowchart: Multidocument 10"/>
+            <p:cNvSpPr/>
+            <p:nvPr/>
+          </p:nvSpPr>
+          <p:spPr>
+            <a:xfrm>
+              <a:off x="9582913" y="4797130"/>
+              <a:ext cx="1645920" cy="548640"/>
+            </a:xfrm>
+            <a:prstGeom prst="flowChartMultidocument">
+              <a:avLst/>
+            </a:prstGeom>
+          </p:spPr>
+          <p:style>
+            <a:lnRef idx="1">
+              <a:schemeClr val="accent1"/>
+            </a:lnRef>
+            <a:fillRef idx="3">
+              <a:schemeClr val="accent1"/>
+            </a:fillRef>
+            <a:effectRef idx="2">
+              <a:schemeClr val="accent1"/>
+            </a:effectRef>
+            <a:fontRef idx="minor">
+              <a:schemeClr val="lt1"/>
+            </a:fontRef>
+          </p:style>
+          <p:txBody>
+            <a:bodyPr rtlCol="0" anchor="ctr"/>
+            <a:lstStyle/>
+            <a:p>
+              <a:pPr algn="ctr"/>
+              <a:r>
+                <a:rPr lang="en-US" sz="2000" dirty="0" smtClean="0"/>
+                <a:t>log</a:t>
+              </a:r>
+              <a:endParaRPr lang="en-US" sz="2000" dirty="0"/>
+            </a:p>
+          </p:txBody>
+        </p:sp>
+        <p:sp>
+          <p:nvSpPr>
+            <p:cNvPr id="16" name="Left Brace 15"/>
+            <p:cNvSpPr/>
+            <p:nvPr/>
+          </p:nvSpPr>
+          <p:spPr>
+            <a:xfrm>
+              <a:off x="8796529" y="1490387"/>
+              <a:ext cx="457200" cy="3557016"/>
+            </a:xfrm>
+            <a:prstGeom prst="leftBrace">
+              <a:avLst/>
+            </a:prstGeom>
+          </p:spPr>
+          <p:style>
+            <a:lnRef idx="2">
+              <a:schemeClr val="accent1"/>
+            </a:lnRef>
+            <a:fillRef idx="0">
+              <a:schemeClr val="accent1"/>
+            </a:fillRef>
+            <a:effectRef idx="1">
+              <a:schemeClr val="accent1"/>
+            </a:effectRef>
+            <a:fontRef idx="minor">
+              <a:schemeClr val="tx1"/>
+            </a:fontRef>
+          </p:style>
+          <p:txBody>
+            <a:bodyPr rtlCol="0" anchor="ctr"/>
+            <a:lstStyle/>
+            <a:p>
+              <a:pPr algn="ctr"/>
+              <a:endParaRPr lang="en-US"/>
+            </a:p>
+          </p:txBody>
+        </p:sp>
+      </p:grpSp>
+      <p:grpSp>
+        <p:nvGrpSpPr>
+          <p:cNvPr id="58" name="Group 57"/>
+          <p:cNvGrpSpPr/>
+          <p:nvPr/>
+        </p:nvGrpSpPr>
+        <p:grpSpPr>
+          <a:xfrm>
+            <a:off x="656081" y="975504"/>
+            <a:ext cx="1810512" cy="1709928"/>
+            <a:chOff x="649224" y="1453896"/>
+            <a:chExt cx="1810512" cy="1709928"/>
+          </a:xfrm>
+        </p:grpSpPr>
+        <p:sp>
+          <p:nvSpPr>
+            <p:cNvPr id="4" name="TextBox 3"/>
+            <p:cNvSpPr txBox="1"/>
+            <p:nvPr/>
+          </p:nvSpPr>
+          <p:spPr>
+            <a:xfrm>
+              <a:off x="649224" y="1453896"/>
+              <a:ext cx="1810512" cy="369332"/>
+            </a:xfrm>
+            <a:prstGeom prst="rect">
+              <a:avLst/>
+            </a:prstGeom>
+          </p:spPr>
+          <p:style>
+            <a:lnRef idx="2">
+              <a:schemeClr val="accent1"/>
+            </a:lnRef>
+            <a:fillRef idx="1">
+              <a:schemeClr val="lt1"/>
+            </a:fillRef>
+            <a:effectRef idx="0">
+              <a:schemeClr val="accent1"/>
+            </a:effectRef>
+            <a:fontRef idx="minor">
+              <a:schemeClr val="dk1"/>
+            </a:fontRef>
+          </p:style>
+          <p:txBody>
+            <a:bodyPr wrap="square" rtlCol="0">
+              <a:spAutoFit/>
+            </a:bodyPr>
+            <a:lstStyle/>
+            <a:p>
+              <a:r>
+                <a:rPr lang="en-US" dirty="0" smtClean="0"/>
+                <a:t>Unzip </a:t>
+              </a:r>
+              <a:r>
+                <a:rPr lang="en-US" dirty="0" err="1" smtClean="0"/>
+                <a:t>polly</a:t>
+              </a:r>
+              <a:r>
+                <a:rPr lang="en-US" dirty="0" smtClean="0"/>
+                <a:t> data</a:t>
+              </a:r>
+              <a:endParaRPr lang="en-US" dirty="0"/>
+            </a:p>
+          </p:txBody>
+        </p:sp>
+        <p:sp>
+          <p:nvSpPr>
+            <p:cNvPr id="5" name="Flowchart: Magnetic Disk 4"/>
+            <p:cNvSpPr/>
+            <p:nvPr/>
+          </p:nvSpPr>
+          <p:spPr>
+            <a:xfrm>
+              <a:off x="713232" y="2496312"/>
+              <a:ext cx="1682496" cy="667512"/>
+            </a:xfrm>
+            <a:prstGeom prst="flowChartMagneticDisk">
+              <a:avLst/>
+            </a:prstGeom>
+          </p:spPr>
+          <p:style>
+            <a:lnRef idx="1">
+              <a:schemeClr val="accent1"/>
+            </a:lnRef>
+            <a:fillRef idx="3">
+              <a:schemeClr val="accent1"/>
+            </a:fillRef>
+            <a:effectRef idx="2">
+              <a:schemeClr val="accent1"/>
+            </a:effectRef>
+            <a:fontRef idx="minor">
+              <a:schemeClr val="lt1"/>
+            </a:fontRef>
+          </p:style>
+          <p:txBody>
+            <a:bodyPr rtlCol="0" anchor="ctr"/>
+            <a:lstStyle/>
+            <a:p>
+              <a:pPr algn="ctr"/>
+              <a:r>
+                <a:rPr lang="en-US" dirty="0" err="1" smtClean="0"/>
+                <a:t>todo_filelist</a:t>
+              </a:r>
+              <a:endParaRPr lang="en-US" dirty="0"/>
+            </a:p>
+          </p:txBody>
+        </p:sp>
+        <p:cxnSp>
+          <p:nvCxnSpPr>
+            <p:cNvPr id="13" name="Straight Arrow Connector 12"/>
+            <p:cNvCxnSpPr>
+              <a:stCxn id="4" idx="2"/>
+              <a:endCxn id="5" idx="1"/>
+            </p:cNvCxnSpPr>
+            <p:nvPr/>
+          </p:nvCxnSpPr>
+          <p:spPr>
+            <a:xfrm>
+              <a:off x="1554480" y="1823228"/>
+              <a:ext cx="0" cy="673084"/>
+            </a:xfrm>
+            <a:prstGeom prst="straightConnector1">
+              <a:avLst/>
+            </a:prstGeom>
+            <a:ln>
+              <a:tailEnd type="triangle"/>
+            </a:ln>
+          </p:spPr>
+          <p:style>
+            <a:lnRef idx="2">
+              <a:schemeClr val="accent1"/>
+            </a:lnRef>
+            <a:fillRef idx="0">
+              <a:schemeClr val="accent1"/>
+            </a:fillRef>
+            <a:effectRef idx="1">
+              <a:schemeClr val="accent1"/>
+            </a:effectRef>
+            <a:fontRef idx="minor">
+              <a:schemeClr val="tx1"/>
+            </a:fontRef>
+          </p:style>
+        </p:cxnSp>
+      </p:grpSp>
+      <p:grpSp>
+        <p:nvGrpSpPr>
+          <p:cNvPr id="61" name="Group 60"/>
+          <p:cNvGrpSpPr/>
+          <p:nvPr/>
+        </p:nvGrpSpPr>
+        <p:grpSpPr>
+          <a:xfrm>
+            <a:off x="4750309" y="3643826"/>
+            <a:ext cx="3931920" cy="3138610"/>
+            <a:chOff x="4681729" y="3719390"/>
+            <a:chExt cx="3931920" cy="3138610"/>
+          </a:xfrm>
+        </p:grpSpPr>
+        <p:sp>
+          <p:nvSpPr>
+            <p:cNvPr id="50" name="Rectangle 49"/>
+            <p:cNvSpPr/>
+            <p:nvPr/>
+          </p:nvSpPr>
+          <p:spPr>
+            <a:xfrm>
+              <a:off x="4793031" y="3868580"/>
+              <a:ext cx="3657600" cy="457200"/>
+            </a:xfrm>
+            <a:prstGeom prst="rect">
+              <a:avLst/>
+            </a:prstGeom>
+          </p:spPr>
+          <p:style>
+            <a:lnRef idx="1">
+              <a:schemeClr val="accent6"/>
+            </a:lnRef>
+            <a:fillRef idx="2">
+              <a:schemeClr val="accent6"/>
+            </a:fillRef>
+            <a:effectRef idx="1">
+              <a:schemeClr val="accent6"/>
+            </a:effectRef>
+            <a:fontRef idx="minor">
+              <a:schemeClr val="dk1"/>
+            </a:fontRef>
+          </p:style>
+          <p:txBody>
+            <a:bodyPr rtlCol="0" anchor="ctr"/>
+            <a:lstStyle/>
+            <a:p>
+              <a:pPr algn="ctr"/>
+              <a:r>
+                <a:rPr lang="en-US" dirty="0" smtClean="0"/>
+                <a:t>pollynet_places_history_new.txt</a:t>
+              </a:r>
+              <a:endParaRPr lang="en-US" dirty="0"/>
+            </a:p>
+          </p:txBody>
+        </p:sp>
+        <p:sp>
+          <p:nvSpPr>
+            <p:cNvPr id="51" name="Rectangle 50"/>
+            <p:cNvSpPr/>
+            <p:nvPr/>
+          </p:nvSpPr>
+          <p:spPr>
+            <a:xfrm>
+              <a:off x="4793031" y="4482285"/>
+              <a:ext cx="3657600" cy="457200"/>
+            </a:xfrm>
+            <a:prstGeom prst="rect">
+              <a:avLst/>
+            </a:prstGeom>
+          </p:spPr>
+          <p:style>
+            <a:lnRef idx="1">
+              <a:schemeClr val="accent6"/>
+            </a:lnRef>
+            <a:fillRef idx="2">
+              <a:schemeClr val="accent6"/>
+            </a:fillRef>
+            <a:effectRef idx="1">
+              <a:schemeClr val="accent6"/>
+            </a:effectRef>
+            <a:fontRef idx="minor">
+              <a:schemeClr val="dk1"/>
+            </a:fontRef>
+          </p:style>
+          <p:txBody>
+            <a:bodyPr rtlCol="0" anchor="ctr"/>
+            <a:lstStyle/>
+            <a:p>
+              <a:pPr algn="ctr"/>
+              <a:r>
+                <a:rPr lang="en-US" dirty="0"/>
+                <a:t>p</a:t>
+              </a:r>
+              <a:r>
+                <a:rPr lang="en-US" dirty="0" smtClean="0"/>
+                <a:t>ollynet_processing_chain_link.txt</a:t>
+              </a:r>
+              <a:endParaRPr lang="en-US" dirty="0"/>
+            </a:p>
+          </p:txBody>
+        </p:sp>
+        <p:sp>
+          <p:nvSpPr>
+            <p:cNvPr id="52" name="Rectangle 51"/>
+            <p:cNvSpPr/>
+            <p:nvPr/>
+          </p:nvSpPr>
+          <p:spPr>
+            <a:xfrm>
+              <a:off x="4793031" y="5095990"/>
+              <a:ext cx="3657600" cy="457200"/>
+            </a:xfrm>
+            <a:prstGeom prst="rect">
+              <a:avLst/>
+            </a:prstGeom>
+          </p:spPr>
+          <p:style>
+            <a:lnRef idx="1">
+              <a:schemeClr val="accent4"/>
+            </a:lnRef>
+            <a:fillRef idx="2">
+              <a:schemeClr val="accent4"/>
+            </a:fillRef>
+            <a:effectRef idx="1">
+              <a:schemeClr val="accent4"/>
+            </a:effectRef>
+            <a:fontRef idx="minor">
+              <a:schemeClr val="dk1"/>
+            </a:fontRef>
+          </p:style>
+          <p:txBody>
+            <a:bodyPr rtlCol="0" anchor="ctr"/>
+            <a:lstStyle/>
+            <a:p>
+              <a:pPr algn="ctr"/>
+              <a:r>
+                <a:rPr lang="en-US" dirty="0" smtClean="0"/>
+                <a:t>Load the </a:t>
+              </a:r>
+              <a:r>
+                <a:rPr lang="en-US" dirty="0" err="1" smtClean="0"/>
+                <a:t>polly</a:t>
+              </a:r>
+              <a:r>
+                <a:rPr lang="en-US" dirty="0" smtClean="0"/>
+                <a:t> </a:t>
+              </a:r>
+              <a:r>
+                <a:rPr lang="en-US" dirty="0" err="1" smtClean="0"/>
+                <a:t>config</a:t>
+              </a:r>
+              <a:endParaRPr lang="en-US" dirty="0"/>
+            </a:p>
+          </p:txBody>
+        </p:sp>
+        <p:sp>
+          <p:nvSpPr>
+            <p:cNvPr id="54" name="Rectangle 53"/>
+            <p:cNvSpPr/>
+            <p:nvPr/>
+          </p:nvSpPr>
+          <p:spPr>
+            <a:xfrm>
+              <a:off x="4793031" y="5709695"/>
+              <a:ext cx="3657600" cy="457200"/>
+            </a:xfrm>
+            <a:prstGeom prst="rect">
+              <a:avLst/>
+            </a:prstGeom>
+          </p:spPr>
+          <p:style>
+            <a:lnRef idx="1">
+              <a:schemeClr val="accent4"/>
+            </a:lnRef>
+            <a:fillRef idx="2">
+              <a:schemeClr val="accent4"/>
+            </a:fillRef>
+            <a:effectRef idx="1">
+              <a:schemeClr val="accent4"/>
+            </a:effectRef>
+            <a:fontRef idx="minor">
+              <a:schemeClr val="dk1"/>
+            </a:fontRef>
+          </p:style>
+          <p:txBody>
+            <a:bodyPr rtlCol="0" anchor="ctr"/>
+            <a:lstStyle/>
+            <a:p>
+              <a:pPr algn="ctr"/>
+              <a:r>
+                <a:rPr lang="en-US" dirty="0" err="1" smtClean="0"/>
+                <a:t>pollyxt_xxx</a:t>
+              </a:r>
+              <a:r>
+                <a:rPr lang="en-US" dirty="0" smtClean="0"/>
+                <a:t> defaults</a:t>
+              </a:r>
+              <a:endParaRPr lang="en-US" dirty="0"/>
+            </a:p>
+          </p:txBody>
+        </p:sp>
+        <p:sp>
+          <p:nvSpPr>
+            <p:cNvPr id="55" name="Rectangle 54"/>
+            <p:cNvSpPr/>
+            <p:nvPr/>
+          </p:nvSpPr>
+          <p:spPr>
+            <a:xfrm>
+              <a:off x="4681729" y="3719390"/>
+              <a:ext cx="3931920" cy="3138610"/>
+            </a:xfrm>
+            <a:prstGeom prst="rect">
+              <a:avLst/>
+            </a:prstGeom>
+            <a:noFill/>
+            <a:ln w="28575">
+              <a:solidFill>
+                <a:schemeClr val="tx2">
+                  <a:lumMod val="60000"/>
+                  <a:lumOff val="40000"/>
+                </a:schemeClr>
+              </a:solidFill>
+            </a:ln>
+          </p:spPr>
+          <p:style>
+            <a:lnRef idx="1">
+              <a:schemeClr val="accent1"/>
+            </a:lnRef>
+            <a:fillRef idx="3">
+              <a:schemeClr val="accent1"/>
+            </a:fillRef>
+            <a:effectRef idx="2">
+              <a:schemeClr val="accent1"/>
+            </a:effectRef>
+            <a:fontRef idx="minor">
+              <a:schemeClr val="lt1"/>
+            </a:fontRef>
+          </p:style>
+          <p:txBody>
+            <a:bodyPr rtlCol="0" anchor="ctr"/>
+            <a:lstStyle/>
+            <a:p>
+              <a:pPr algn="ctr"/>
+              <a:endParaRPr lang="en-US"/>
+            </a:p>
+          </p:txBody>
+        </p:sp>
+        <p:sp>
+          <p:nvSpPr>
+            <p:cNvPr id="60" name="Rectangle 59"/>
+            <p:cNvSpPr/>
+            <p:nvPr/>
+          </p:nvSpPr>
+          <p:spPr>
+            <a:xfrm>
+              <a:off x="4793031" y="6323402"/>
+              <a:ext cx="3657600" cy="457200"/>
+            </a:xfrm>
+            <a:prstGeom prst="rect">
+              <a:avLst/>
+            </a:prstGeom>
+          </p:spPr>
+          <p:style>
+            <a:lnRef idx="2">
+              <a:schemeClr val="accent4">
+                <a:shade val="50000"/>
+              </a:schemeClr>
+            </a:lnRef>
+            <a:fillRef idx="1">
+              <a:schemeClr val="accent4"/>
+            </a:fillRef>
+            <a:effectRef idx="0">
+              <a:schemeClr val="accent4"/>
+            </a:effectRef>
+            <a:fontRef idx="minor">
+              <a:schemeClr val="lt1"/>
+            </a:fontRef>
+          </p:style>
+          <p:txBody>
+            <a:bodyPr rtlCol="0" anchor="ctr"/>
+            <a:lstStyle/>
+            <a:p>
+              <a:pPr algn="ctr"/>
+              <a:r>
+                <a:rPr lang="en-US" dirty="0" err="1" smtClean="0"/>
+                <a:t>pollyxt_xxx</a:t>
+              </a:r>
+              <a:r>
+                <a:rPr lang="en-US" dirty="0" smtClean="0"/>
+                <a:t> module</a:t>
+              </a:r>
+              <a:endParaRPr lang="en-US" dirty="0"/>
+            </a:p>
+          </p:txBody>
+        </p:sp>
+      </p:grpSp>
+      <p:sp>
+        <p:nvSpPr>
+          <p:cNvPr id="26" name="TextBox 25"/>
+          <p:cNvSpPr txBox="1"/>
+          <p:nvPr/>
+        </p:nvSpPr>
+        <p:spPr>
+          <a:xfrm>
+            <a:off x="3001669" y="2424972"/>
+            <a:ext cx="1216370" cy="369332"/>
+          </a:xfrm>
+          <a:prstGeom prst="rect">
+            <a:avLst/>
+          </a:prstGeom>
+        </p:spPr>
+        <p:style>
+          <a:lnRef idx="2">
+            <a:schemeClr val="dk1"/>
+          </a:lnRef>
+          <a:fillRef idx="1">
+            <a:schemeClr val="lt1"/>
+          </a:fillRef>
+          <a:effectRef idx="0">
+            <a:schemeClr val="dk1"/>
+          </a:effectRef>
+          <a:fontRef idx="minor">
+            <a:schemeClr val="dk1"/>
+          </a:fontRef>
+        </p:style>
+        <p:txBody>
+          <a:bodyPr wrap="square" rtlCol="0">
+            <a:spAutoFit/>
+          </a:bodyPr>
+          <a:lstStyle/>
+          <a:p>
+            <a:r>
+              <a:rPr lang="en-US" dirty="0" smtClean="0"/>
+              <a:t>Single task</a:t>
+            </a:r>
+            <a:endParaRPr lang="en-US" dirty="0"/>
+          </a:p>
+        </p:txBody>
+      </p:sp>
+    </p:spTree>
+    <p:extLst>
+      <p:ext uri="{BB962C8B-B14F-4D97-AF65-F5344CB8AC3E}">
+        <p14:creationId xmlns:p14="http://schemas.microsoft.com/office/powerpoint/2010/main" val="1235896545"/>
+      </p:ext>
+    </p:extLst>
+  </p:cSld>
+  <p:clrMapOvr>
+    <a:masterClrMapping/>
+  </p:clrMapOvr>
+</p:sld>
+</file>
+
+<file path=ppt/slides/slide7.xml><?xml version="1.0" encoding="utf-8"?>
+<p:sld xmlns:a="http://schemas.openxmlformats.org/drawingml/2006/main" xmlns:r="http://schemas.openxmlformats.org/officeDocument/2006/relationships" xmlns:p="http://schemas.openxmlformats.org/presentationml/2006/main">
+  <p:cSld>
+    <p:spTree>
+      <p:nvGrpSpPr>
+        <p:cNvPr id="1" name=""/>
+        <p:cNvGrpSpPr/>
+        <p:nvPr/>
+      </p:nvGrpSpPr>
+      <p:grpSpPr>
+        <a:xfrm>
+          <a:off x="0" y="0"/>
+          <a:ext cx="0" cy="0"/>
+          <a:chOff x="0" y="0"/>
+          <a:chExt cx="0" cy="0"/>
+        </a:xfrm>
+      </p:grpSpPr>
       <p:pic>
         <p:nvPicPr>
           <p:cNvPr id="4" name="Picture 3"/>
@@ -17320,7 +18524,7 @@
 </p:sld>
 </file>
 
-<file path=ppt/slides/slide7.xml><?xml version="1.0" encoding="utf-8"?>
+<file path=ppt/slides/slide8.xml><?xml version="1.0" encoding="utf-8"?>
 <p:sld xmlns:a="http://schemas.openxmlformats.org/drawingml/2006/main" xmlns:r="http://schemas.openxmlformats.org/officeDocument/2006/relationships" xmlns:p="http://schemas.openxmlformats.org/presentationml/2006/main">
   <p:cSld>
     <p:spTree>
@@ -17568,7 +18772,7 @@
 </p:sld>
 </file>
 
-<file path=ppt/slides/slide8.xml><?xml version="1.0" encoding="utf-8"?>
+<file path=ppt/slides/slide9.xml><?xml version="1.0" encoding="utf-8"?>
 <p:sld xmlns:a="http://schemas.openxmlformats.org/drawingml/2006/main" xmlns:r="http://schemas.openxmlformats.org/officeDocument/2006/relationships" xmlns:p="http://schemas.openxmlformats.org/presentationml/2006/main">
   <p:cSld>
     <p:spTree>
@@ -18023,321 +19227,6 @@
       </p:par>
     </p:tnLst>
   </p:timing>
-</p:sld>
-</file>
-
-<file path=ppt/slides/slide9.xml><?xml version="1.0" encoding="utf-8"?>
-<p:sld xmlns:a="http://schemas.openxmlformats.org/drawingml/2006/main" xmlns:r="http://schemas.openxmlformats.org/officeDocument/2006/relationships" xmlns:p="http://schemas.openxmlformats.org/presentationml/2006/main">
-  <p:cSld>
-    <p:spTree>
-      <p:nvGrpSpPr>
-        <p:cNvPr id="1" name=""/>
-        <p:cNvGrpSpPr/>
-        <p:nvPr/>
-      </p:nvGrpSpPr>
-      <p:grpSpPr>
-        <a:xfrm>
-          <a:off x="0" y="0"/>
-          <a:ext cx="0" cy="0"/>
-          <a:chOff x="0" y="0"/>
-          <a:chExt cx="0" cy="0"/>
-        </a:xfrm>
-      </p:grpSpPr>
-      <p:sp>
-        <p:nvSpPr>
-          <p:cNvPr id="2" name="Title 1"/>
-          <p:cNvSpPr>
-            <a:spLocks noGrp="1"/>
-          </p:cNvSpPr>
-          <p:nvPr>
-            <p:ph type="title"/>
-          </p:nvPr>
-        </p:nvSpPr>
-        <p:spPr/>
-        <p:txBody>
-          <a:bodyPr/>
-          <a:lstStyle/>
-          <a:p>
-            <a:pPr algn="l"/>
-            <a:r>
-              <a:rPr lang="en-US" dirty="0" smtClean="0"/>
-              <a:t>Setup</a:t>
-            </a:r>
-            <a:endParaRPr lang="en-US" dirty="0"/>
-          </a:p>
-        </p:txBody>
-      </p:sp>
-      <p:sp>
-        <p:nvSpPr>
-          <p:cNvPr id="3" name="Text Placeholder 2"/>
-          <p:cNvSpPr>
-            <a:spLocks noGrp="1"/>
-          </p:cNvSpPr>
-          <p:nvPr>
-            <p:ph type="body" sz="quarter" idx="18"/>
-          </p:nvPr>
-        </p:nvSpPr>
-        <p:spPr/>
-        <p:txBody>
-          <a:bodyPr/>
-          <a:lstStyle/>
-          <a:p>
-            <a:endParaRPr lang="en-US"/>
-          </a:p>
-        </p:txBody>
-      </p:sp>
-      <p:sp>
-        <p:nvSpPr>
-          <p:cNvPr id="4" name="TextBox 3"/>
-          <p:cNvSpPr txBox="1"/>
-          <p:nvPr/>
-        </p:nvSpPr>
-        <p:spPr>
-          <a:xfrm>
-            <a:off x="2331720" y="284120"/>
-            <a:ext cx="9225542" cy="523220"/>
-          </a:xfrm>
-          <a:prstGeom prst="rect">
-            <a:avLst/>
-          </a:prstGeom>
-        </p:spPr>
-        <p:style>
-          <a:lnRef idx="2">
-            <a:schemeClr val="accent1"/>
-          </a:lnRef>
-          <a:fillRef idx="1">
-            <a:schemeClr val="lt1"/>
-          </a:fillRef>
-          <a:effectRef idx="0">
-            <a:schemeClr val="accent1"/>
-          </a:effectRef>
-          <a:fontRef idx="minor">
-            <a:schemeClr val="dk1"/>
-          </a:fontRef>
-        </p:style>
-        <p:txBody>
-          <a:bodyPr wrap="square" rtlCol="0">
-            <a:spAutoFit/>
-          </a:bodyPr>
-          <a:lstStyle/>
-          <a:p>
-            <a:r>
-              <a:rPr lang="en-US" sz="2800" b="1" dirty="0" smtClean="0"/>
-              <a:t>Picasso adds the link between </a:t>
-            </a:r>
-            <a:r>
-              <a:rPr lang="en-US" sz="2800" b="1" dirty="0" err="1" smtClean="0"/>
-              <a:t>polly</a:t>
-            </a:r>
-            <a:r>
-              <a:rPr lang="en-US" sz="2800" b="1" dirty="0" smtClean="0"/>
-              <a:t> </a:t>
-            </a:r>
-            <a:r>
-              <a:rPr lang="en-US" sz="2800" b="1" dirty="0" err="1" smtClean="0"/>
-              <a:t>config</a:t>
-            </a:r>
-            <a:r>
-              <a:rPr lang="en-US" sz="2800" b="1" dirty="0" smtClean="0"/>
-              <a:t> file and </a:t>
-            </a:r>
-            <a:r>
-              <a:rPr lang="en-US" sz="2800" b="1" dirty="0" err="1" smtClean="0"/>
-              <a:t>polly</a:t>
-            </a:r>
-            <a:r>
-              <a:rPr lang="en-US" sz="2800" b="1" dirty="0" smtClean="0"/>
-              <a:t> data</a:t>
-            </a:r>
-            <a:endParaRPr lang="en-US" sz="2800" b="1" dirty="0"/>
-          </a:p>
-        </p:txBody>
-      </p:sp>
-      <p:sp>
-        <p:nvSpPr>
-          <p:cNvPr id="7" name="TextBox 6"/>
-          <p:cNvSpPr txBox="1"/>
-          <p:nvPr/>
-        </p:nvSpPr>
-        <p:spPr>
-          <a:xfrm>
-            <a:off x="93519" y="3861358"/>
-            <a:ext cx="12324033" cy="923330"/>
-          </a:xfrm>
-          <a:prstGeom prst="rect">
-            <a:avLst/>
-          </a:prstGeom>
-          <a:noFill/>
-        </p:spPr>
-        <p:txBody>
-          <a:bodyPr wrap="square" rtlCol="0">
-            <a:spAutoFit/>
-          </a:bodyPr>
-          <a:lstStyle/>
-          <a:p>
-            <a:r>
-              <a:rPr lang="en-US" dirty="0" err="1" smtClean="0"/>
-              <a:t>config</a:t>
-            </a:r>
-            <a:r>
-              <a:rPr lang="en-US" dirty="0" smtClean="0"/>
-              <a:t> history file works as a lookup table for Picasso to search the corresponding </a:t>
-            </a:r>
-            <a:r>
-              <a:rPr lang="en-US" dirty="0" err="1" smtClean="0"/>
-              <a:t>polly</a:t>
-            </a:r>
-            <a:r>
-              <a:rPr lang="en-US" dirty="0" smtClean="0"/>
-              <a:t> </a:t>
-            </a:r>
-            <a:r>
-              <a:rPr lang="en-US" dirty="0" err="1" smtClean="0"/>
-              <a:t>config</a:t>
-            </a:r>
-            <a:r>
-              <a:rPr lang="en-US" dirty="0" smtClean="0"/>
-              <a:t> file.</a:t>
-            </a:r>
-          </a:p>
-          <a:p>
-            <a:endParaRPr lang="en-US" dirty="0"/>
-          </a:p>
-          <a:p>
-            <a:r>
-              <a:rPr lang="en-US" dirty="0" smtClean="0"/>
-              <a:t>better way to do is to copy the line before and then edit it according to your demands.</a:t>
-            </a:r>
-            <a:endParaRPr lang="en-US" dirty="0"/>
-          </a:p>
-        </p:txBody>
-      </p:sp>
-      <p:pic>
-        <p:nvPicPr>
-          <p:cNvPr id="8" name="Picture 7"/>
-          <p:cNvPicPr>
-            <a:picLocks noChangeAspect="1"/>
-          </p:cNvPicPr>
-          <p:nvPr/>
-        </p:nvPicPr>
-        <p:blipFill>
-          <a:blip r:embed="rId2"/>
-          <a:stretch>
-            <a:fillRect/>
-          </a:stretch>
-        </p:blipFill>
-        <p:spPr>
-          <a:xfrm>
-            <a:off x="93519" y="2235530"/>
-            <a:ext cx="12008467" cy="1270065"/>
-          </a:xfrm>
-          <a:prstGeom prst="rect">
-            <a:avLst/>
-          </a:prstGeom>
-        </p:spPr>
-      </p:pic>
-      <p:pic>
-        <p:nvPicPr>
-          <p:cNvPr id="10" name="Picture 9"/>
-          <p:cNvPicPr>
-            <a:picLocks noChangeAspect="1"/>
-          </p:cNvPicPr>
-          <p:nvPr/>
-        </p:nvPicPr>
-        <p:blipFill>
-          <a:blip r:embed="rId3"/>
-          <a:stretch>
-            <a:fillRect/>
-          </a:stretch>
-        </p:blipFill>
-        <p:spPr>
-          <a:xfrm>
-            <a:off x="219456" y="1099727"/>
-            <a:ext cx="10326001" cy="320040"/>
-          </a:xfrm>
-          <a:prstGeom prst="rect">
-            <a:avLst/>
-          </a:prstGeom>
-        </p:spPr>
-      </p:pic>
-      <p:sp>
-        <p:nvSpPr>
-          <p:cNvPr id="11" name="Down Arrow 10"/>
-          <p:cNvSpPr/>
-          <p:nvPr/>
-        </p:nvSpPr>
-        <p:spPr>
-          <a:xfrm>
-            <a:off x="4974336" y="1606149"/>
-            <a:ext cx="283464" cy="360732"/>
-          </a:xfrm>
-          <a:prstGeom prst="downArrow">
-            <a:avLst/>
-          </a:prstGeom>
-        </p:spPr>
-        <p:style>
-          <a:lnRef idx="1">
-            <a:schemeClr val="accent1"/>
-          </a:lnRef>
-          <a:fillRef idx="3">
-            <a:schemeClr val="accent1"/>
-          </a:fillRef>
-          <a:effectRef idx="2">
-            <a:schemeClr val="accent1"/>
-          </a:effectRef>
-          <a:fontRef idx="minor">
-            <a:schemeClr val="lt1"/>
-          </a:fontRef>
-        </p:style>
-        <p:txBody>
-          <a:bodyPr rtlCol="0" anchor="ctr"/>
-          <a:lstStyle/>
-          <a:p>
-            <a:pPr algn="ctr"/>
-            <a:endParaRPr lang="en-US"/>
-          </a:p>
-        </p:txBody>
-      </p:sp>
-      <p:sp>
-        <p:nvSpPr>
-          <p:cNvPr id="12" name="TextBox 11"/>
-          <p:cNvSpPr txBox="1"/>
-          <p:nvPr/>
-        </p:nvSpPr>
-        <p:spPr>
-          <a:xfrm>
-            <a:off x="886968" y="5292435"/>
-            <a:ext cx="8741664" cy="523220"/>
-          </a:xfrm>
-          <a:prstGeom prst="rect">
-            <a:avLst/>
-          </a:prstGeom>
-          <a:noFill/>
-        </p:spPr>
-        <p:txBody>
-          <a:bodyPr wrap="square" rtlCol="0">
-            <a:spAutoFit/>
-          </a:bodyPr>
-          <a:lstStyle/>
-          <a:p>
-            <a:r>
-              <a:rPr lang="en-US" sz="2800" b="1" dirty="0" smtClean="0"/>
-              <a:t>Now, everything is really</a:t>
-            </a:r>
-            <a:endParaRPr lang="en-US" sz="2800" b="1" dirty="0"/>
-          </a:p>
-        </p:txBody>
-      </p:sp>
-    </p:spTree>
-    <p:extLst>
-      <p:ext uri="{BB962C8B-B14F-4D97-AF65-F5344CB8AC3E}">
-        <p14:creationId xmlns:p14="http://schemas.microsoft.com/office/powerpoint/2010/main" val="763929526"/>
-      </p:ext>
-    </p:extLst>
-  </p:cSld>
-  <p:clrMapOvr>
-    <a:masterClrMapping/>
-  </p:clrMapOvr>
 </p:sld>
 </file>
 

--- a/doc/Pollynet_Processing_Chain.pptx
+++ b/doc/Pollynet_Processing_Chain.pptx
@@ -3030,11 +3030,7 @@
           <a:p>
             <a:r>
               <a:rPr lang="en-US" dirty="0" smtClean="0"/>
-              <a:t>Add a new </a:t>
-            </a:r>
-            <a:r>
-              <a:rPr lang="en-US" dirty="0" smtClean="0"/>
-              <a:t>campaign</a:t>
+              <a:t>Add a new campaign</a:t>
             </a:r>
             <a:endParaRPr lang="en-US" dirty="0"/>
           </a:p>
@@ -3427,11 +3423,7 @@
               </a:r>
               <a:r>
                 <a:rPr lang="en-US" dirty="0" smtClean="0"/>
-                <a:t>. </a:t>
-              </a:r>
-              <a:r>
-                <a:rPr lang="en-US" dirty="0" smtClean="0"/>
-                <a:t>New link entry</a:t>
+                <a:t>. New link entry</a:t>
               </a:r>
               <a:endParaRPr lang="en-US" dirty="0"/>
             </a:p>
@@ -3465,11 +3457,7 @@
               </a:r>
               <a:r>
                 <a:rPr lang="en-US" dirty="0" smtClean="0"/>
-                <a:t>. </a:t>
-              </a:r>
-              <a:r>
-                <a:rPr lang="en-US" dirty="0" smtClean="0"/>
-                <a:t>New </a:t>
+                <a:t>. New </a:t>
               </a:r>
               <a:r>
                 <a:rPr lang="en-US" dirty="0" err="1" smtClean="0"/>
@@ -5008,11 +4996,7 @@
             </a:pPr>
             <a:r>
               <a:rPr lang="en-US" sz="2800" dirty="0" smtClean="0"/>
-              <a:t>Download and </a:t>
-            </a:r>
-            <a:r>
-              <a:rPr lang="en-US" sz="2800" dirty="0" smtClean="0"/>
-              <a:t>Setup</a:t>
+              <a:t>Download and Setup</a:t>
             </a:r>
           </a:p>
           <a:p>
@@ -15857,7 +15841,15 @@
           <a:p>
             <a:r>
               <a:rPr lang="en-US" dirty="0" smtClean="0"/>
-              <a:t>Requirements for Picasso</a:t>
+              <a:t>Requirements for </a:t>
+            </a:r>
+            <a:r>
+              <a:rPr lang="en-US" dirty="0" err="1" smtClean="0"/>
+              <a:t>Runing</a:t>
+            </a:r>
+            <a:r>
+              <a:rPr lang="en-US" dirty="0" smtClean="0"/>
+              <a:t> Picasso</a:t>
             </a:r>
             <a:endParaRPr lang="en-US" dirty="0"/>
           </a:p>
@@ -17655,7 +17647,11 @@
               <a:pPr algn="ctr"/>
               <a:r>
                 <a:rPr lang="en-US" dirty="0" smtClean="0"/>
-                <a:t>pollynet_places_history_new.txt</a:t>
+                <a:t>pollynet_history_of_places_</a:t>
+              </a:r>
+              <a:r>
+                <a:rPr lang="en-US" dirty="0" smtClean="0"/>
+                <a:t>new.txt</a:t>
               </a:r>
               <a:endParaRPr lang="en-US" dirty="0"/>
             </a:p>
@@ -17742,10 +17738,6 @@
             <a:p>
               <a:pPr algn="ctr"/>
               <a:r>
-                <a:rPr lang="en-US" dirty="0" smtClean="0"/>
-                <a:t>Load the </a:t>
-              </a:r>
-              <a:r>
                 <a:rPr lang="en-US" dirty="0" err="1" smtClean="0"/>
                 <a:t>polly</a:t>
               </a:r>
@@ -17756,6 +17748,14 @@
               <a:r>
                 <a:rPr lang="en-US" dirty="0" err="1" smtClean="0"/>
                 <a:t>config</a:t>
+              </a:r>
+              <a:r>
+                <a:rPr lang="en-US" dirty="0"/>
+                <a:t> </a:t>
+              </a:r>
+              <a:r>
+                <a:rPr lang="en-US" dirty="0" smtClean="0"/>
+                <a:t>file</a:t>
               </a:r>
               <a:endParaRPr lang="en-US" dirty="0"/>
             </a:p>
@@ -17797,11 +17797,15 @@
               <a:pPr algn="ctr"/>
               <a:r>
                 <a:rPr lang="en-US" dirty="0" err="1" smtClean="0"/>
-                <a:t>pollyxt_xxx</a:t>
+                <a:t>polly</a:t>
               </a:r>
               <a:r>
                 <a:rPr lang="en-US" dirty="0" smtClean="0"/>
-                <a:t> defaults</a:t>
+                <a:t> </a:t>
+              </a:r>
+              <a:r>
+                <a:rPr lang="en-US" dirty="0" smtClean="0"/>
+                <a:t>defaults</a:t>
               </a:r>
               <a:endParaRPr lang="en-US" dirty="0"/>
             </a:p>
@@ -17891,12 +17895,8 @@
             <a:p>
               <a:pPr algn="ctr"/>
               <a:r>
-                <a:rPr lang="en-US" dirty="0" err="1" smtClean="0"/>
-                <a:t>pollyxt_xxx</a:t>
-              </a:r>
-              <a:r>
                 <a:rPr lang="en-US" dirty="0" smtClean="0"/>
-                <a:t> module</a:t>
+                <a:t>Polly processing module</a:t>
               </a:r>
               <a:endParaRPr lang="en-US" dirty="0"/>
             </a:p>
@@ -17946,6 +17946,30 @@
           </a:p>
         </p:txBody>
       </p:sp>
+      <p:pic>
+        <p:nvPicPr>
+          <p:cNvPr id="10" name="Picture 9"/>
+          <p:cNvPicPr>
+            <a:picLocks noChangeAspect="1"/>
+          </p:cNvPicPr>
+          <p:nvPr/>
+        </p:nvPicPr>
+        <p:blipFill>
+          <a:blip r:embed="rId2"/>
+          <a:stretch>
+            <a:fillRect/>
+          </a:stretch>
+        </p:blipFill>
+        <p:spPr>
+          <a:xfrm>
+            <a:off x="1050831" y="3086350"/>
+            <a:ext cx="3192452" cy="3698767"/>
+          </a:xfrm>
+          <a:prstGeom prst="rect">
+            <a:avLst/>
+          </a:prstGeom>
+        </p:spPr>
+      </p:pic>
     </p:spTree>
     <p:extLst>
       <p:ext uri="{BB962C8B-B14F-4D97-AF65-F5344CB8AC3E}">

--- a/doc/Pollynet_Processing_Chain.pptx
+++ b/doc/Pollynet_Processing_Chain.pptx
@@ -9,8 +9,8 @@
   </p:notesMasterIdLst>
   <p:sldIdLst>
     <p:sldId id="269" r:id="rId2"/>
-    <p:sldId id="270" r:id="rId3"/>
-    <p:sldId id="285" r:id="rId4"/>
+    <p:sldId id="285" r:id="rId3"/>
+    <p:sldId id="270" r:id="rId4"/>
     <p:sldId id="284" r:id="rId5"/>
     <p:sldId id="277" r:id="rId6"/>
     <p:sldId id="289" r:id="rId7"/>
@@ -2499,6 +2499,30 @@
           <a:chExt cx="0" cy="0"/>
         </a:xfrm>
       </p:grpSpPr>
+      <p:pic>
+        <p:nvPicPr>
+          <p:cNvPr id="4" name="Picture 3"/>
+          <p:cNvPicPr>
+            <a:picLocks noChangeAspect="1"/>
+          </p:cNvPicPr>
+          <p:nvPr/>
+        </p:nvPicPr>
+        <p:blipFill>
+          <a:blip r:embed="rId2"/>
+          <a:stretch>
+            <a:fillRect/>
+          </a:stretch>
+        </p:blipFill>
+        <p:spPr>
+          <a:xfrm>
+            <a:off x="9544153" y="1308537"/>
+            <a:ext cx="1695537" cy="1695537"/>
+          </a:xfrm>
+          <a:prstGeom prst="rect">
+            <a:avLst/>
+          </a:prstGeom>
+        </p:spPr>
+      </p:pic>
       <p:sp>
         <p:nvSpPr>
           <p:cNvPr id="2" name="Title 1"/>
@@ -2556,6 +2580,299 @@
               <a:t>2019-07-21</a:t>
             </a:r>
             <a:endParaRPr lang="en-US" dirty="0"/>
+          </a:p>
+        </p:txBody>
+      </p:sp>
+      <p:sp>
+        <p:nvSpPr>
+          <p:cNvPr id="5" name="Rectangle 4"/>
+          <p:cNvSpPr/>
+          <p:nvPr/>
+        </p:nvSpPr>
+        <p:spPr>
+          <a:xfrm>
+            <a:off x="3962026" y="2988048"/>
+            <a:ext cx="6144760" cy="923330"/>
+          </a:xfrm>
+          <a:prstGeom prst="rect">
+            <a:avLst/>
+          </a:prstGeom>
+          <a:noFill/>
+        </p:spPr>
+        <p:txBody>
+          <a:bodyPr wrap="none" lIns="91440" tIns="45720" rIns="91440" bIns="45720">
+            <a:spAutoFit/>
+          </a:bodyPr>
+          <a:lstStyle/>
+          <a:p>
+            <a:pPr algn="ctr"/>
+            <a:r>
+              <a:rPr lang="en-US" sz="5400" b="0" cap="none" spc="0" dirty="0" smtClean="0">
+                <a:ln w="0"/>
+                <a:gradFill>
+                  <a:gsLst>
+                    <a:gs pos="0">
+                      <a:schemeClr val="accent5">
+                        <a:lumMod val="50000"/>
+                      </a:schemeClr>
+                    </a:gs>
+                    <a:gs pos="50000">
+                      <a:schemeClr val="accent5"/>
+                    </a:gs>
+                    <a:gs pos="100000">
+                      <a:schemeClr val="accent5">
+                        <a:lumMod val="60000"/>
+                        <a:lumOff val="40000"/>
+                      </a:schemeClr>
+                    </a:gs>
+                  </a:gsLst>
+                  <a:lin ang="5400000"/>
+                </a:gradFill>
+                <a:effectLst>
+                  <a:reflection blurRad="6350" stA="53000" endA="300" endPos="35500" dir="5400000" sy="-90000" algn="bl" rotWithShape="0"/>
+                </a:effectLst>
+              </a:rPr>
+              <a:t>Automate everything</a:t>
+            </a:r>
+            <a:endParaRPr lang="en-US" sz="5400" b="0" cap="none" spc="0" dirty="0">
+              <a:ln w="0"/>
+              <a:gradFill>
+                <a:gsLst>
+                  <a:gs pos="0">
+                    <a:schemeClr val="accent5">
+                      <a:lumMod val="50000"/>
+                    </a:schemeClr>
+                  </a:gs>
+                  <a:gs pos="50000">
+                    <a:schemeClr val="accent5"/>
+                  </a:gs>
+                  <a:gs pos="100000">
+                    <a:schemeClr val="accent5">
+                      <a:lumMod val="60000"/>
+                      <a:lumOff val="40000"/>
+                    </a:schemeClr>
+                  </a:gs>
+                </a:gsLst>
+                <a:lin ang="5400000"/>
+              </a:gradFill>
+              <a:effectLst>
+                <a:reflection blurRad="6350" stA="53000" endA="300" endPos="35500" dir="5400000" sy="-90000" algn="bl" rotWithShape="0"/>
+              </a:effectLst>
+            </a:endParaRPr>
+          </a:p>
+        </p:txBody>
+      </p:sp>
+      <p:sp>
+        <p:nvSpPr>
+          <p:cNvPr id="8" name="Rectangle 7"/>
+          <p:cNvSpPr/>
+          <p:nvPr/>
+        </p:nvSpPr>
+        <p:spPr>
+          <a:xfrm>
+            <a:off x="4267959" y="3782542"/>
+            <a:ext cx="7219733" cy="923330"/>
+          </a:xfrm>
+          <a:prstGeom prst="rect">
+            <a:avLst/>
+          </a:prstGeom>
+          <a:noFill/>
+        </p:spPr>
+        <p:txBody>
+          <a:bodyPr wrap="none" lIns="91440" tIns="45720" rIns="91440" bIns="45720">
+            <a:spAutoFit/>
+          </a:bodyPr>
+          <a:lstStyle/>
+          <a:p>
+            <a:pPr algn="ctr"/>
+            <a:r>
+              <a:rPr lang="en-US" sz="5400" dirty="0" smtClean="0">
+                <a:ln w="0"/>
+                <a:gradFill>
+                  <a:gsLst>
+                    <a:gs pos="0">
+                      <a:schemeClr val="accent5">
+                        <a:lumMod val="50000"/>
+                      </a:schemeClr>
+                    </a:gs>
+                    <a:gs pos="50000">
+                      <a:schemeClr val="accent5"/>
+                    </a:gs>
+                    <a:gs pos="100000">
+                      <a:schemeClr val="accent5">
+                        <a:lumMod val="60000"/>
+                        <a:lumOff val="40000"/>
+                      </a:schemeClr>
+                    </a:gs>
+                  </a:gsLst>
+                  <a:lin ang="5400000"/>
+                </a:gradFill>
+                <a:effectLst>
+                  <a:reflection blurRad="6350" stA="53000" endA="300" endPos="35500" dir="5400000" sy="-90000" algn="bl" rotWithShape="0"/>
+                </a:effectLst>
+              </a:rPr>
+              <a:t>Data Processing </a:t>
+            </a:r>
+            <a:r>
+              <a:rPr lang="en-US" sz="5400" dirty="0">
+                <a:ln w="0"/>
+                <a:gradFill>
+                  <a:gsLst>
+                    <a:gs pos="0">
+                      <a:schemeClr val="accent5">
+                        <a:lumMod val="50000"/>
+                      </a:schemeClr>
+                    </a:gs>
+                    <a:gs pos="50000">
+                      <a:schemeClr val="accent5"/>
+                    </a:gs>
+                    <a:gs pos="100000">
+                      <a:schemeClr val="accent5">
+                        <a:lumMod val="60000"/>
+                        <a:lumOff val="40000"/>
+                      </a:schemeClr>
+                    </a:gs>
+                  </a:gsLst>
+                  <a:lin ang="5400000"/>
+                </a:gradFill>
+                <a:effectLst>
+                  <a:reflection blurRad="6350" stA="53000" endA="300" endPos="35500" dir="5400000" sy="-90000" algn="bl" rotWithShape="0"/>
+                </a:effectLst>
+              </a:rPr>
+              <a:t>P</a:t>
+            </a:r>
+            <a:r>
+              <a:rPr lang="en-US" sz="5400" dirty="0" smtClean="0">
+                <a:ln w="0"/>
+                <a:gradFill>
+                  <a:gsLst>
+                    <a:gs pos="0">
+                      <a:schemeClr val="accent5">
+                        <a:lumMod val="50000"/>
+                      </a:schemeClr>
+                    </a:gs>
+                    <a:gs pos="50000">
+                      <a:schemeClr val="accent5"/>
+                    </a:gs>
+                    <a:gs pos="100000">
+                      <a:schemeClr val="accent5">
+                        <a:lumMod val="60000"/>
+                        <a:lumOff val="40000"/>
+                      </a:schemeClr>
+                    </a:gs>
+                  </a:gsLst>
+                  <a:lin ang="5400000"/>
+                </a:gradFill>
+                <a:effectLst>
+                  <a:reflection blurRad="6350" stA="53000" endA="300" endPos="35500" dir="5400000" sy="-90000" algn="bl" rotWithShape="0"/>
+                </a:effectLst>
+              </a:rPr>
+              <a:t>latform</a:t>
+            </a:r>
+            <a:endParaRPr lang="en-US" sz="5400" b="0" cap="none" spc="0" dirty="0">
+              <a:ln w="0"/>
+              <a:gradFill>
+                <a:gsLst>
+                  <a:gs pos="0">
+                    <a:schemeClr val="accent5">
+                      <a:lumMod val="50000"/>
+                    </a:schemeClr>
+                  </a:gs>
+                  <a:gs pos="50000">
+                    <a:schemeClr val="accent5"/>
+                  </a:gs>
+                  <a:gs pos="100000">
+                    <a:schemeClr val="accent5">
+                      <a:lumMod val="60000"/>
+                      <a:lumOff val="40000"/>
+                    </a:schemeClr>
+                  </a:gs>
+                </a:gsLst>
+                <a:lin ang="5400000"/>
+              </a:gradFill>
+              <a:effectLst>
+                <a:reflection blurRad="6350" stA="53000" endA="300" endPos="35500" dir="5400000" sy="-90000" algn="bl" rotWithShape="0"/>
+              </a:effectLst>
+            </a:endParaRPr>
+          </a:p>
+        </p:txBody>
+      </p:sp>
+      <p:sp>
+        <p:nvSpPr>
+          <p:cNvPr id="9" name="Rectangle 8"/>
+          <p:cNvSpPr/>
+          <p:nvPr/>
+        </p:nvSpPr>
+        <p:spPr>
+          <a:xfrm>
+            <a:off x="4597071" y="4625663"/>
+            <a:ext cx="4874669" cy="923330"/>
+          </a:xfrm>
+          <a:prstGeom prst="rect">
+            <a:avLst/>
+          </a:prstGeom>
+          <a:noFill/>
+        </p:spPr>
+        <p:txBody>
+          <a:bodyPr wrap="none" lIns="91440" tIns="45720" rIns="91440" bIns="45720">
+            <a:spAutoFit/>
+          </a:bodyPr>
+          <a:lstStyle/>
+          <a:p>
+            <a:pPr algn="ctr"/>
+            <a:r>
+              <a:rPr lang="en-US" sz="5400" dirty="0" smtClean="0">
+                <a:ln w="0"/>
+                <a:gradFill>
+                  <a:gsLst>
+                    <a:gs pos="0">
+                      <a:schemeClr val="accent5">
+                        <a:lumMod val="50000"/>
+                      </a:schemeClr>
+                    </a:gs>
+                    <a:gs pos="50000">
+                      <a:schemeClr val="accent5"/>
+                    </a:gs>
+                    <a:gs pos="100000">
+                      <a:schemeClr val="accent5">
+                        <a:lumMod val="60000"/>
+                        <a:lumOff val="40000"/>
+                      </a:schemeClr>
+                    </a:gs>
+                  </a:gsLst>
+                  <a:lin ang="5400000"/>
+                </a:gradFill>
+                <a:effectLst>
+                  <a:reflection blurRad="6350" stA="53000" endA="300" endPos="35500" dir="5400000" sy="-90000" algn="bl" rotWithShape="0"/>
+                </a:effectLst>
+              </a:rPr>
+              <a:t>Polly community</a:t>
+            </a:r>
+            <a:endParaRPr lang="en-US" sz="5400" b="0" cap="none" spc="0" dirty="0">
+              <a:ln w="0"/>
+              <a:gradFill>
+                <a:gsLst>
+                  <a:gs pos="0">
+                    <a:schemeClr val="accent5">
+                      <a:lumMod val="50000"/>
+                    </a:schemeClr>
+                  </a:gs>
+                  <a:gs pos="50000">
+                    <a:schemeClr val="accent5"/>
+                  </a:gs>
+                  <a:gs pos="100000">
+                    <a:schemeClr val="accent5">
+                      <a:lumMod val="60000"/>
+                      <a:lumOff val="40000"/>
+                    </a:schemeClr>
+                  </a:gs>
+                </a:gsLst>
+                <a:lin ang="5400000"/>
+              </a:gradFill>
+              <a:effectLst>
+                <a:reflection blurRad="6350" stA="53000" endA="300" endPos="35500" dir="5400000" sy="-90000" algn="bl" rotWithShape="0"/>
+              </a:effectLst>
+            </a:endParaRPr>
           </a:p>
         </p:txBody>
       </p:sp>
@@ -4940,7 +5257,7 @@
           <a:p>
             <a:r>
               <a:rPr lang="en-US" dirty="0" smtClean="0"/>
-              <a:t>Outline</a:t>
+              <a:t>PollyNET</a:t>
             </a:r>
             <a:endParaRPr lang="en-US" dirty="0"/>
           </a:p>
@@ -4967,14 +5284,94 @@
       </p:sp>
       <p:sp>
         <p:nvSpPr>
-          <p:cNvPr id="4" name="TextBox 3"/>
+          <p:cNvPr id="7" name="Rectangle 6"/>
+          <p:cNvSpPr/>
+          <p:nvPr/>
+        </p:nvSpPr>
+        <p:spPr>
+          <a:xfrm>
+            <a:off x="5710714" y="1926267"/>
+            <a:ext cx="2604378" cy="2033555"/>
+          </a:xfrm>
+          <a:prstGeom prst="rect">
+            <a:avLst/>
+          </a:prstGeom>
+          <a:noFill/>
+          <a:ln w="38100">
+            <a:solidFill>
+              <a:srgbClr val="FF0000"/>
+            </a:solidFill>
+          </a:ln>
+        </p:spPr>
+        <p:style>
+          <a:lnRef idx="1">
+            <a:schemeClr val="accent1"/>
+          </a:lnRef>
+          <a:fillRef idx="3">
+            <a:schemeClr val="accent1"/>
+          </a:fillRef>
+          <a:effectRef idx="2">
+            <a:schemeClr val="accent1"/>
+          </a:effectRef>
+          <a:fontRef idx="minor">
+            <a:schemeClr val="lt1"/>
+          </a:fontRef>
+        </p:style>
+        <p:txBody>
+          <a:bodyPr rtlCol="0" anchor="ctr"/>
+          <a:lstStyle/>
+          <a:p>
+            <a:pPr algn="ctr"/>
+            <a:endParaRPr lang="en-US"/>
+          </a:p>
+        </p:txBody>
+      </p:sp>
+      <p:cxnSp>
+        <p:nvCxnSpPr>
+          <p:cNvPr id="9" name="Straight Arrow Connector 8"/>
+          <p:cNvCxnSpPr/>
+          <p:nvPr/>
+        </p:nvCxnSpPr>
+        <p:spPr>
+          <a:xfrm flipV="1">
+            <a:off x="6944836" y="4039876"/>
+            <a:ext cx="0" cy="529389"/>
+          </a:xfrm>
+          <a:prstGeom prst="straightConnector1">
+            <a:avLst/>
+          </a:prstGeom>
+          <a:ln w="76200">
+            <a:solidFill>
+              <a:srgbClr val="FF0000"/>
+            </a:solidFill>
+            <a:tailEnd type="triangle"/>
+          </a:ln>
+        </p:spPr>
+        <p:style>
+          <a:lnRef idx="2">
+            <a:schemeClr val="accent1"/>
+          </a:lnRef>
+          <a:fillRef idx="0">
+            <a:schemeClr val="accent1"/>
+          </a:fillRef>
+          <a:effectRef idx="1">
+            <a:schemeClr val="accent1"/>
+          </a:effectRef>
+          <a:fontRef idx="minor">
+            <a:schemeClr val="tx1"/>
+          </a:fontRef>
+        </p:style>
+      </p:cxnSp>
+      <p:sp>
+        <p:nvSpPr>
+          <p:cNvPr id="10" name="TextBox 9"/>
           <p:cNvSpPr txBox="1"/>
           <p:nvPr/>
         </p:nvSpPr>
         <p:spPr>
           <a:xfrm>
-            <a:off x="1130709" y="1632848"/>
-            <a:ext cx="9881420" cy="1384995"/>
+            <a:off x="4923233" y="4530985"/>
+            <a:ext cx="4152321" cy="461665"/>
           </a:xfrm>
           <a:prstGeom prst="rect">
             <a:avLst/>
@@ -4987,42 +5384,550 @@
           </a:bodyPr>
           <a:lstStyle/>
           <a:p>
-            <a:pPr marL="514350" indent="-514350">
-              <a:lnSpc>
-                <a:spcPct val="150000"/>
-              </a:lnSpc>
-              <a:buFont typeface="Wingdings" panose="05000000000000000000" pitchFamily="2" charset="2"/>
-              <a:buChar char="Ø"/>
+            <a:pPr algn="ctr"/>
+            <a:r>
+              <a:rPr lang="en-US" sz="2400" b="1" dirty="0" smtClean="0"/>
+              <a:t>Picasso</a:t>
+            </a:r>
+            <a:endParaRPr lang="en-US" sz="2400" b="1" dirty="0"/>
+          </a:p>
+        </p:txBody>
+      </p:sp>
+      <p:cxnSp>
+        <p:nvCxnSpPr>
+          <p:cNvPr id="12" name="Straight Arrow Connector 11"/>
+          <p:cNvCxnSpPr/>
+          <p:nvPr/>
+        </p:nvCxnSpPr>
+        <p:spPr>
+          <a:xfrm>
+            <a:off x="1368077" y="1321663"/>
+            <a:ext cx="10242211" cy="0"/>
+          </a:xfrm>
+          <a:prstGeom prst="straightConnector1">
+            <a:avLst/>
+          </a:prstGeom>
+          <a:ln w="76200">
+            <a:tailEnd type="triangle"/>
+          </a:ln>
+        </p:spPr>
+        <p:style>
+          <a:lnRef idx="2">
+            <a:schemeClr val="dk1"/>
+          </a:lnRef>
+          <a:fillRef idx="0">
+            <a:schemeClr val="dk1"/>
+          </a:fillRef>
+          <a:effectRef idx="1">
+            <a:schemeClr val="dk1"/>
+          </a:effectRef>
+          <a:fontRef idx="minor">
+            <a:schemeClr val="tx1"/>
+          </a:fontRef>
+        </p:style>
+      </p:cxnSp>
+      <p:cxnSp>
+        <p:nvCxnSpPr>
+          <p:cNvPr id="15" name="Straight Arrow Connector 14"/>
+          <p:cNvCxnSpPr/>
+          <p:nvPr/>
+        </p:nvCxnSpPr>
+        <p:spPr>
+          <a:xfrm>
+            <a:off x="2469548" y="3041153"/>
+            <a:ext cx="530994" cy="20855"/>
+          </a:xfrm>
+          <a:prstGeom prst="straightConnector1">
+            <a:avLst/>
+          </a:prstGeom>
+          <a:ln w="76200">
+            <a:solidFill>
+              <a:schemeClr val="tx1"/>
+            </a:solidFill>
+            <a:tailEnd type="triangle"/>
+          </a:ln>
+        </p:spPr>
+        <p:style>
+          <a:lnRef idx="2">
+            <a:schemeClr val="accent1"/>
+          </a:lnRef>
+          <a:fillRef idx="0">
+            <a:schemeClr val="accent1"/>
+          </a:fillRef>
+          <a:effectRef idx="1">
+            <a:schemeClr val="accent1"/>
+          </a:effectRef>
+          <a:fontRef idx="minor">
+            <a:schemeClr val="tx1"/>
+          </a:fontRef>
+        </p:style>
+      </p:cxnSp>
+      <p:cxnSp>
+        <p:nvCxnSpPr>
+          <p:cNvPr id="18" name="Straight Arrow Connector 17"/>
+          <p:cNvCxnSpPr/>
+          <p:nvPr/>
+        </p:nvCxnSpPr>
+        <p:spPr>
+          <a:xfrm>
+            <a:off x="4785584" y="3113668"/>
+            <a:ext cx="530994" cy="20855"/>
+          </a:xfrm>
+          <a:prstGeom prst="straightConnector1">
+            <a:avLst/>
+          </a:prstGeom>
+          <a:ln w="76200">
+            <a:solidFill>
+              <a:schemeClr val="tx1"/>
+            </a:solidFill>
+            <a:tailEnd type="triangle"/>
+          </a:ln>
+        </p:spPr>
+        <p:style>
+          <a:lnRef idx="2">
+            <a:schemeClr val="accent1"/>
+          </a:lnRef>
+          <a:fillRef idx="0">
+            <a:schemeClr val="accent1"/>
+          </a:fillRef>
+          <a:effectRef idx="1">
+            <a:schemeClr val="accent1"/>
+          </a:effectRef>
+          <a:fontRef idx="minor">
+            <a:schemeClr val="tx1"/>
+          </a:fontRef>
+        </p:style>
+      </p:cxnSp>
+      <p:pic>
+        <p:nvPicPr>
+          <p:cNvPr id="21" name="Picture 20"/>
+          <p:cNvPicPr>
+            <a:picLocks noChangeAspect="1"/>
+          </p:cNvPicPr>
+          <p:nvPr/>
+        </p:nvPicPr>
+        <p:blipFill>
+          <a:blip r:embed="rId2"/>
+          <a:stretch>
+            <a:fillRect/>
+          </a:stretch>
+        </p:blipFill>
+        <p:spPr>
+          <a:xfrm>
+            <a:off x="6154891" y="2103931"/>
+            <a:ext cx="1695537" cy="1695537"/>
+          </a:xfrm>
+          <a:prstGeom prst="rect">
+            <a:avLst/>
+          </a:prstGeom>
+        </p:spPr>
+      </p:pic>
+      <p:cxnSp>
+        <p:nvCxnSpPr>
+          <p:cNvPr id="22" name="Straight Arrow Connector 21"/>
+          <p:cNvCxnSpPr/>
+          <p:nvPr/>
+        </p:nvCxnSpPr>
+        <p:spPr>
+          <a:xfrm>
+            <a:off x="8709228" y="3134523"/>
+            <a:ext cx="530994" cy="20855"/>
+          </a:xfrm>
+          <a:prstGeom prst="straightConnector1">
+            <a:avLst/>
+          </a:prstGeom>
+          <a:ln w="76200">
+            <a:solidFill>
+              <a:schemeClr val="tx1"/>
+            </a:solidFill>
+            <a:tailEnd type="triangle"/>
+          </a:ln>
+        </p:spPr>
+        <p:style>
+          <a:lnRef idx="2">
+            <a:schemeClr val="accent1"/>
+          </a:lnRef>
+          <a:fillRef idx="0">
+            <a:schemeClr val="accent1"/>
+          </a:fillRef>
+          <a:effectRef idx="1">
+            <a:schemeClr val="accent1"/>
+          </a:effectRef>
+          <a:fontRef idx="minor">
+            <a:schemeClr val="tx1"/>
+          </a:fontRef>
+        </p:style>
+      </p:cxnSp>
+      <p:grpSp>
+        <p:nvGrpSpPr>
+          <p:cNvPr id="11" name="Group 10"/>
+          <p:cNvGrpSpPr/>
+          <p:nvPr/>
+        </p:nvGrpSpPr>
+        <p:grpSpPr>
+          <a:xfrm>
+            <a:off x="301798" y="2137181"/>
+            <a:ext cx="3065989" cy="2130418"/>
+            <a:chOff x="301798" y="2795941"/>
+            <a:chExt cx="3065989" cy="2130418"/>
+          </a:xfrm>
+        </p:grpSpPr>
+        <p:pic>
+          <p:nvPicPr>
+            <p:cNvPr id="13" name="Picture 12"/>
+            <p:cNvPicPr>
+              <a:picLocks noChangeAspect="1"/>
+            </p:cNvPicPr>
+            <p:nvPr/>
+          </p:nvPicPr>
+          <p:blipFill>
+            <a:blip r:embed="rId3"/>
+            <a:stretch>
+              <a:fillRect/>
+            </a:stretch>
+          </p:blipFill>
+          <p:spPr>
+            <a:xfrm>
+              <a:off x="301798" y="2795941"/>
+              <a:ext cx="1978678" cy="1828800"/>
+            </a:xfrm>
+            <a:prstGeom prst="rect">
+              <a:avLst/>
+            </a:prstGeom>
+          </p:spPr>
+        </p:pic>
+        <p:sp>
+          <p:nvSpPr>
+            <p:cNvPr id="24" name="TextBox 23"/>
+            <p:cNvSpPr txBox="1"/>
+            <p:nvPr/>
+          </p:nvSpPr>
+          <p:spPr>
+            <a:xfrm>
+              <a:off x="470583" y="4618582"/>
+              <a:ext cx="2897204" cy="307777"/>
+            </a:xfrm>
+            <a:prstGeom prst="rect">
+              <a:avLst/>
+            </a:prstGeom>
+            <a:noFill/>
+          </p:spPr>
+          <p:txBody>
+            <a:bodyPr wrap="square" rtlCol="0">
+              <a:spAutoFit/>
+            </a:bodyPr>
+            <a:lstStyle/>
+            <a:p>
+              <a:r>
+                <a:rPr lang="en-US" sz="1400" b="1" dirty="0" smtClean="0"/>
+                <a:t>PollyNET Measurements</a:t>
+              </a:r>
+              <a:endParaRPr lang="en-US" sz="1400" b="1" dirty="0"/>
+            </a:p>
+          </p:txBody>
+        </p:sp>
+      </p:grpSp>
+      <p:grpSp>
+        <p:nvGrpSpPr>
+          <p:cNvPr id="8" name="Group 7"/>
+          <p:cNvGrpSpPr/>
+          <p:nvPr/>
+        </p:nvGrpSpPr>
+        <p:grpSpPr>
+          <a:xfrm>
+            <a:off x="2977483" y="2427868"/>
+            <a:ext cx="2897204" cy="1724596"/>
+            <a:chOff x="2977483" y="3086628"/>
+            <a:chExt cx="2897204" cy="1724596"/>
+          </a:xfrm>
+        </p:grpSpPr>
+        <p:pic>
+          <p:nvPicPr>
+            <p:cNvPr id="17" name="Picture 16"/>
+            <p:cNvPicPr>
+              <a:picLocks noChangeAspect="1"/>
+            </p:cNvPicPr>
+            <p:nvPr/>
+          </p:nvPicPr>
+          <p:blipFill>
+            <a:blip r:embed="rId4"/>
+            <a:stretch>
+              <a:fillRect/>
+            </a:stretch>
+          </p:blipFill>
+          <p:spPr>
+            <a:xfrm>
+              <a:off x="3189614" y="3086628"/>
+              <a:ext cx="1406898" cy="1371600"/>
+            </a:xfrm>
+            <a:prstGeom prst="rect">
+              <a:avLst/>
+            </a:prstGeom>
+          </p:spPr>
+        </p:pic>
+        <p:sp>
+          <p:nvSpPr>
+            <p:cNvPr id="25" name="TextBox 24"/>
+            <p:cNvSpPr txBox="1"/>
+            <p:nvPr/>
+          </p:nvSpPr>
+          <p:spPr>
+            <a:xfrm>
+              <a:off x="2977483" y="4503447"/>
+              <a:ext cx="2897204" cy="307777"/>
+            </a:xfrm>
+            <a:prstGeom prst="rect">
+              <a:avLst/>
+            </a:prstGeom>
+            <a:noFill/>
+          </p:spPr>
+          <p:txBody>
+            <a:bodyPr wrap="square" rtlCol="0">
+              <a:spAutoFit/>
+            </a:bodyPr>
+            <a:lstStyle/>
+            <a:p>
+              <a:r>
+                <a:rPr lang="en-US" sz="1400" b="1" dirty="0" smtClean="0"/>
+                <a:t>PollyNET Data Server</a:t>
+              </a:r>
+              <a:endParaRPr lang="en-US" sz="1400" b="1" dirty="0"/>
+            </a:p>
+          </p:txBody>
+        </p:sp>
+      </p:grpSp>
+      <p:grpSp>
+        <p:nvGrpSpPr>
+          <p:cNvPr id="6" name="Group 5"/>
+          <p:cNvGrpSpPr/>
+          <p:nvPr/>
+        </p:nvGrpSpPr>
+        <p:grpSpPr>
+          <a:xfrm>
+            <a:off x="1163727" y="4459318"/>
+            <a:ext cx="2825821" cy="940373"/>
+            <a:chOff x="1163727" y="5118078"/>
+            <a:chExt cx="2825821" cy="940373"/>
+          </a:xfrm>
+        </p:grpSpPr>
+        <p:sp>
+          <p:nvSpPr>
+            <p:cNvPr id="4" name="Left Brace 3"/>
+            <p:cNvSpPr/>
+            <p:nvPr/>
+          </p:nvSpPr>
+          <p:spPr>
+            <a:xfrm rot="16200000">
+              <a:off x="2316083" y="3965722"/>
+              <a:ext cx="521110" cy="2825821"/>
+            </a:xfrm>
+            <a:prstGeom prst="leftBrace">
+              <a:avLst/>
+            </a:prstGeom>
+          </p:spPr>
+          <p:style>
+            <a:lnRef idx="2">
+              <a:schemeClr val="accent1"/>
+            </a:lnRef>
+            <a:fillRef idx="0">
+              <a:schemeClr val="accent1"/>
+            </a:fillRef>
+            <a:effectRef idx="1">
+              <a:schemeClr val="accent1"/>
+            </a:effectRef>
+            <a:fontRef idx="minor">
+              <a:schemeClr val="tx1"/>
+            </a:fontRef>
+          </p:style>
+          <p:txBody>
+            <a:bodyPr rtlCol="0" anchor="ctr"/>
+            <a:lstStyle/>
+            <a:p>
+              <a:pPr algn="ctr"/>
+              <a:endParaRPr lang="en-US"/>
+            </a:p>
+          </p:txBody>
+        </p:sp>
+        <p:sp>
+          <p:nvSpPr>
+            <p:cNvPr id="5" name="TextBox 4"/>
+            <p:cNvSpPr txBox="1"/>
+            <p:nvPr/>
+          </p:nvSpPr>
+          <p:spPr>
+            <a:xfrm>
+              <a:off x="1918560" y="5689119"/>
+              <a:ext cx="1960385" cy="369332"/>
+            </a:xfrm>
+            <a:prstGeom prst="rect">
+              <a:avLst/>
+            </a:prstGeom>
+            <a:noFill/>
+          </p:spPr>
+          <p:txBody>
+            <a:bodyPr wrap="square" rtlCol="0">
+              <a:spAutoFit/>
+            </a:bodyPr>
+            <a:lstStyle/>
+            <a:p>
+              <a:r>
+                <a:rPr lang="en-US" b="1" dirty="0" smtClean="0"/>
+                <a:t>Continuously</a:t>
+              </a:r>
+              <a:endParaRPr lang="en-US" b="1" dirty="0"/>
+            </a:p>
+          </p:txBody>
+        </p:sp>
+      </p:grpSp>
+      <p:grpSp>
+        <p:nvGrpSpPr>
+          <p:cNvPr id="16" name="Group 15"/>
+          <p:cNvGrpSpPr/>
+          <p:nvPr/>
+        </p:nvGrpSpPr>
+        <p:grpSpPr>
+          <a:xfrm>
+            <a:off x="9468899" y="1564152"/>
+            <a:ext cx="2565785" cy="3264497"/>
+            <a:chOff x="9468899" y="2222912"/>
+            <a:chExt cx="2565785" cy="3264497"/>
+          </a:xfrm>
+        </p:grpSpPr>
+        <p:pic>
+          <p:nvPicPr>
+            <p:cNvPr id="23" name="Picture 22"/>
+            <p:cNvPicPr>
+              <a:picLocks noChangeAspect="1"/>
+            </p:cNvPicPr>
+            <p:nvPr/>
+          </p:nvPicPr>
+          <p:blipFill>
+            <a:blip r:embed="rId5"/>
+            <a:stretch>
+              <a:fillRect/>
+            </a:stretch>
+          </p:blipFill>
+          <p:spPr>
+            <a:xfrm>
+              <a:off x="9468899" y="2222912"/>
+              <a:ext cx="2489328" cy="2775093"/>
+            </a:xfrm>
+            <a:prstGeom prst="rect">
+              <a:avLst/>
+            </a:prstGeom>
+          </p:spPr>
+        </p:pic>
+        <p:sp>
+          <p:nvSpPr>
+            <p:cNvPr id="14" name="TextBox 13"/>
+            <p:cNvSpPr txBox="1"/>
+            <p:nvPr/>
+          </p:nvSpPr>
+          <p:spPr>
+            <a:xfrm>
+              <a:off x="10009239" y="5118077"/>
+              <a:ext cx="2025445" cy="369332"/>
+            </a:xfrm>
+            <a:prstGeom prst="rect">
+              <a:avLst/>
+            </a:prstGeom>
+            <a:noFill/>
+          </p:spPr>
+          <p:txBody>
+            <a:bodyPr wrap="square" rtlCol="0">
+              <a:spAutoFit/>
+            </a:bodyPr>
+            <a:lstStyle/>
+            <a:p>
+              <a:r>
+                <a:rPr lang="en-US" b="1" dirty="0" smtClean="0"/>
+                <a:t>UI/</a:t>
+              </a:r>
+              <a:r>
+                <a:rPr lang="en-US" b="1" dirty="0" err="1" smtClean="0"/>
+                <a:t>polly</a:t>
+              </a:r>
+              <a:r>
+                <a:rPr lang="en-US" b="1" dirty="0" smtClean="0"/>
+                <a:t> web</a:t>
+              </a:r>
+              <a:endParaRPr lang="en-US" b="1" dirty="0"/>
+            </a:p>
+          </p:txBody>
+        </p:sp>
+      </p:grpSp>
+      <p:sp>
+        <p:nvSpPr>
+          <p:cNvPr id="20" name="TextBox 19"/>
+          <p:cNvSpPr txBox="1"/>
+          <p:nvPr/>
+        </p:nvSpPr>
+        <p:spPr>
+          <a:xfrm>
+            <a:off x="5396541" y="4921161"/>
+            <a:ext cx="3679013" cy="1754326"/>
+          </a:xfrm>
+          <a:prstGeom prst="rect">
+            <a:avLst/>
+          </a:prstGeom>
+          <a:noFill/>
+        </p:spPr>
+        <p:txBody>
+          <a:bodyPr wrap="square" rtlCol="0">
+            <a:spAutoFit/>
+          </a:bodyPr>
+          <a:lstStyle/>
+          <a:p>
+            <a:pPr marL="285750" indent="-285750">
+              <a:buFont typeface="Arial" panose="020B0604020202020204" pitchFamily="34" charset="0"/>
+              <a:buChar char="•"/>
             </a:pPr>
             <a:r>
-              <a:rPr lang="en-US" sz="2800" dirty="0" smtClean="0"/>
-              <a:t>Download and Setup</a:t>
+              <a:rPr lang="en-US" dirty="0" smtClean="0"/>
+              <a:t>Lidar calibration</a:t>
             </a:r>
           </a:p>
           <a:p>
-            <a:pPr marL="514350" indent="-514350">
-              <a:lnSpc>
-                <a:spcPct val="150000"/>
-              </a:lnSpc>
-              <a:buFont typeface="Wingdings" panose="05000000000000000000" pitchFamily="2" charset="2"/>
-              <a:buChar char="Ø"/>
+            <a:pPr marL="285750" indent="-285750">
+              <a:buFont typeface="Arial" panose="020B0604020202020204" pitchFamily="34" charset="0"/>
+              <a:buChar char="•"/>
             </a:pPr>
             <a:r>
-              <a:rPr lang="en-US" sz="2800" dirty="0" smtClean="0"/>
-              <a:t>Hands-on to support new </a:t>
-            </a:r>
-            <a:r>
-              <a:rPr lang="en-US" sz="2800" dirty="0" err="1" smtClean="0"/>
-              <a:t>pollyxt</a:t>
-            </a:r>
-            <a:endParaRPr lang="en-US" sz="2800" dirty="0" smtClean="0"/>
+              <a:rPr lang="en-US" dirty="0" err="1" smtClean="0"/>
+              <a:t>depol</a:t>
+            </a:r>
+            <a:r>
+              <a:rPr lang="en-US" dirty="0" smtClean="0"/>
+              <a:t> calibration, water vapor calibration</a:t>
+            </a:r>
+          </a:p>
+          <a:p>
+            <a:pPr marL="285750" indent="-285750">
+              <a:buFont typeface="Arial" panose="020B0604020202020204" pitchFamily="34" charset="0"/>
+              <a:buChar char="•"/>
+            </a:pPr>
+            <a:r>
+              <a:rPr lang="en-US" dirty="0" smtClean="0"/>
+              <a:t>aerosol extensive and intensive properties</a:t>
+            </a:r>
+          </a:p>
+          <a:p>
+            <a:pPr marL="285750" indent="-285750">
+              <a:buFont typeface="Arial" panose="020B0604020202020204" pitchFamily="34" charset="0"/>
+              <a:buChar char="•"/>
+            </a:pPr>
+            <a:r>
+              <a:rPr lang="en-US" dirty="0" smtClean="0"/>
+              <a:t>housekeeping, overlap function, …</a:t>
+            </a:r>
+            <a:endParaRPr lang="en-US" dirty="0"/>
           </a:p>
         </p:txBody>
       </p:sp>
     </p:spTree>
     <p:extLst>
       <p:ext uri="{BB962C8B-B14F-4D97-AF65-F5344CB8AC3E}">
-        <p14:creationId xmlns:p14="http://schemas.microsoft.com/office/powerpoint/2010/main" val="1937983664"/>
+        <p14:creationId xmlns:p14="http://schemas.microsoft.com/office/powerpoint/2010/main" val="3386628013"/>
       </p:ext>
     </p:extLst>
   </p:cSld>
@@ -15358,7 +16263,7 @@
           <a:p>
             <a:r>
               <a:rPr lang="en-US" dirty="0" smtClean="0"/>
-              <a:t>PollyNET Workflow</a:t>
+              <a:t>Outline</a:t>
             </a:r>
             <a:endParaRPr lang="en-US" dirty="0"/>
           </a:p>
@@ -15385,94 +16290,14 @@
       </p:sp>
       <p:sp>
         <p:nvSpPr>
-          <p:cNvPr id="7" name="Rectangle 6"/>
-          <p:cNvSpPr/>
-          <p:nvPr/>
-        </p:nvSpPr>
-        <p:spPr>
-          <a:xfrm>
-            <a:off x="5710714" y="2585027"/>
-            <a:ext cx="2604378" cy="2033555"/>
-          </a:xfrm>
-          <a:prstGeom prst="rect">
-            <a:avLst/>
-          </a:prstGeom>
-          <a:noFill/>
-          <a:ln w="38100">
-            <a:solidFill>
-              <a:srgbClr val="FF0000"/>
-            </a:solidFill>
-          </a:ln>
-        </p:spPr>
-        <p:style>
-          <a:lnRef idx="1">
-            <a:schemeClr val="accent1"/>
-          </a:lnRef>
-          <a:fillRef idx="3">
-            <a:schemeClr val="accent1"/>
-          </a:fillRef>
-          <a:effectRef idx="2">
-            <a:schemeClr val="accent1"/>
-          </a:effectRef>
-          <a:fontRef idx="minor">
-            <a:schemeClr val="lt1"/>
-          </a:fontRef>
-        </p:style>
-        <p:txBody>
-          <a:bodyPr rtlCol="0" anchor="ctr"/>
-          <a:lstStyle/>
-          <a:p>
-            <a:pPr algn="ctr"/>
-            <a:endParaRPr lang="en-US"/>
-          </a:p>
-        </p:txBody>
-      </p:sp>
-      <p:cxnSp>
-        <p:nvCxnSpPr>
-          <p:cNvPr id="9" name="Straight Arrow Connector 8"/>
-          <p:cNvCxnSpPr/>
-          <p:nvPr/>
-        </p:nvCxnSpPr>
-        <p:spPr>
-          <a:xfrm flipV="1">
-            <a:off x="6961998" y="4842869"/>
-            <a:ext cx="0" cy="529389"/>
-          </a:xfrm>
-          <a:prstGeom prst="straightConnector1">
-            <a:avLst/>
-          </a:prstGeom>
-          <a:ln w="76200">
-            <a:solidFill>
-              <a:srgbClr val="FF0000"/>
-            </a:solidFill>
-            <a:tailEnd type="triangle"/>
-          </a:ln>
-        </p:spPr>
-        <p:style>
-          <a:lnRef idx="2">
-            <a:schemeClr val="accent1"/>
-          </a:lnRef>
-          <a:fillRef idx="0">
-            <a:schemeClr val="accent1"/>
-          </a:fillRef>
-          <a:effectRef idx="1">
-            <a:schemeClr val="accent1"/>
-          </a:effectRef>
-          <a:fontRef idx="minor">
-            <a:schemeClr val="tx1"/>
-          </a:fontRef>
-        </p:style>
-      </p:cxnSp>
-      <p:sp>
-        <p:nvSpPr>
-          <p:cNvPr id="10" name="TextBox 9"/>
+          <p:cNvPr id="4" name="TextBox 3"/>
           <p:cNvSpPr txBox="1"/>
           <p:nvPr/>
         </p:nvSpPr>
         <p:spPr>
           <a:xfrm>
-            <a:off x="5257800" y="5412120"/>
-            <a:ext cx="4152321" cy="461665"/>
+            <a:off x="1671484" y="1347713"/>
+            <a:ext cx="9881420" cy="2031325"/>
           </a:xfrm>
           <a:prstGeom prst="rect">
             <a:avLst/>
@@ -15485,319 +16310,55 @@
           </a:bodyPr>
           <a:lstStyle/>
           <a:p>
-            <a:r>
-              <a:rPr lang="en-US" sz="2400" b="1" dirty="0"/>
-              <a:t>P</a:t>
-            </a:r>
-            <a:r>
-              <a:rPr lang="en-US" sz="2400" b="1" dirty="0" smtClean="0"/>
-              <a:t>ollyNET processing program</a:t>
-            </a:r>
-            <a:endParaRPr lang="en-US" sz="2400" b="1" dirty="0"/>
+            <a:pPr marL="514350" indent="-514350">
+              <a:lnSpc>
+                <a:spcPct val="150000"/>
+              </a:lnSpc>
+              <a:buFont typeface="Wingdings" panose="05000000000000000000" pitchFamily="2" charset="2"/>
+              <a:buChar char="Ø"/>
+            </a:pPr>
+            <a:r>
+              <a:rPr lang="en-US" sz="2800" dirty="0" smtClean="0"/>
+              <a:t>Download and Setup</a:t>
+            </a:r>
           </a:p>
-        </p:txBody>
-      </p:sp>
-      <p:cxnSp>
-        <p:nvCxnSpPr>
-          <p:cNvPr id="12" name="Straight Arrow Connector 11"/>
-          <p:cNvCxnSpPr/>
-          <p:nvPr/>
-        </p:nvCxnSpPr>
-        <p:spPr>
-          <a:xfrm>
-            <a:off x="1163726" y="1636295"/>
-            <a:ext cx="10242211" cy="0"/>
-          </a:xfrm>
-          <a:prstGeom prst="straightConnector1">
-            <a:avLst/>
-          </a:prstGeom>
-          <a:ln w="76200">
-            <a:tailEnd type="triangle"/>
-          </a:ln>
-        </p:spPr>
-        <p:style>
-          <a:lnRef idx="2">
-            <a:schemeClr val="dk1"/>
-          </a:lnRef>
-          <a:fillRef idx="0">
-            <a:schemeClr val="dk1"/>
-          </a:fillRef>
-          <a:effectRef idx="1">
-            <a:schemeClr val="dk1"/>
-          </a:effectRef>
-          <a:fontRef idx="minor">
-            <a:schemeClr val="tx1"/>
-          </a:fontRef>
-        </p:style>
-      </p:cxnSp>
-      <p:pic>
-        <p:nvPicPr>
-          <p:cNvPr id="13" name="Picture 12"/>
-          <p:cNvPicPr>
-            <a:picLocks noChangeAspect="1"/>
-          </p:cNvPicPr>
-          <p:nvPr/>
-        </p:nvPicPr>
-        <p:blipFill>
-          <a:blip r:embed="rId2"/>
-          <a:stretch>
-            <a:fillRect/>
-          </a:stretch>
-        </p:blipFill>
-        <p:spPr>
-          <a:xfrm>
-            <a:off x="301798" y="2795941"/>
-            <a:ext cx="1978678" cy="1828800"/>
-          </a:xfrm>
-          <a:prstGeom prst="rect">
-            <a:avLst/>
-          </a:prstGeom>
-        </p:spPr>
-      </p:pic>
-      <p:cxnSp>
-        <p:nvCxnSpPr>
-          <p:cNvPr id="15" name="Straight Arrow Connector 14"/>
-          <p:cNvCxnSpPr/>
-          <p:nvPr/>
-        </p:nvCxnSpPr>
-        <p:spPr>
-          <a:xfrm>
-            <a:off x="2469548" y="3699913"/>
-            <a:ext cx="530994" cy="20855"/>
-          </a:xfrm>
-          <a:prstGeom prst="straightConnector1">
-            <a:avLst/>
-          </a:prstGeom>
-          <a:ln w="76200">
-            <a:solidFill>
-              <a:schemeClr val="tx1"/>
-            </a:solidFill>
-            <a:tailEnd type="triangle"/>
-          </a:ln>
-        </p:spPr>
-        <p:style>
-          <a:lnRef idx="2">
-            <a:schemeClr val="accent1"/>
-          </a:lnRef>
-          <a:fillRef idx="0">
-            <a:schemeClr val="accent1"/>
-          </a:fillRef>
-          <a:effectRef idx="1">
-            <a:schemeClr val="accent1"/>
-          </a:effectRef>
-          <a:fontRef idx="minor">
-            <a:schemeClr val="tx1"/>
-          </a:fontRef>
-        </p:style>
-      </p:cxnSp>
-      <p:pic>
-        <p:nvPicPr>
-          <p:cNvPr id="17" name="Picture 16"/>
-          <p:cNvPicPr>
-            <a:picLocks noChangeAspect="1"/>
-          </p:cNvPicPr>
-          <p:nvPr/>
-        </p:nvPicPr>
-        <p:blipFill>
-          <a:blip r:embed="rId3"/>
-          <a:stretch>
-            <a:fillRect/>
-          </a:stretch>
-        </p:blipFill>
-        <p:spPr>
-          <a:xfrm>
-            <a:off x="3189614" y="3086628"/>
-            <a:ext cx="1406898" cy="1371600"/>
-          </a:xfrm>
-          <a:prstGeom prst="rect">
-            <a:avLst/>
-          </a:prstGeom>
-        </p:spPr>
-      </p:pic>
-      <p:cxnSp>
-        <p:nvCxnSpPr>
-          <p:cNvPr id="18" name="Straight Arrow Connector 17"/>
-          <p:cNvCxnSpPr/>
-          <p:nvPr/>
-        </p:nvCxnSpPr>
-        <p:spPr>
-          <a:xfrm>
-            <a:off x="4785584" y="3772428"/>
-            <a:ext cx="530994" cy="20855"/>
-          </a:xfrm>
-          <a:prstGeom prst="straightConnector1">
-            <a:avLst/>
-          </a:prstGeom>
-          <a:ln w="76200">
-            <a:solidFill>
-              <a:schemeClr val="tx1"/>
-            </a:solidFill>
-            <a:tailEnd type="triangle"/>
-          </a:ln>
-        </p:spPr>
-        <p:style>
-          <a:lnRef idx="2">
-            <a:schemeClr val="accent1"/>
-          </a:lnRef>
-          <a:fillRef idx="0">
-            <a:schemeClr val="accent1"/>
-          </a:fillRef>
-          <a:effectRef idx="1">
-            <a:schemeClr val="accent1"/>
-          </a:effectRef>
-          <a:fontRef idx="minor">
-            <a:schemeClr val="tx1"/>
-          </a:fontRef>
-        </p:style>
-      </p:cxnSp>
-      <p:pic>
-        <p:nvPicPr>
-          <p:cNvPr id="21" name="Picture 20"/>
-          <p:cNvPicPr>
-            <a:picLocks noChangeAspect="1"/>
-          </p:cNvPicPr>
-          <p:nvPr/>
-        </p:nvPicPr>
-        <p:blipFill>
-          <a:blip r:embed="rId4"/>
-          <a:stretch>
-            <a:fillRect/>
-          </a:stretch>
-        </p:blipFill>
-        <p:spPr>
-          <a:xfrm>
-            <a:off x="6154891" y="2762691"/>
-            <a:ext cx="1695537" cy="1695537"/>
-          </a:xfrm>
-          <a:prstGeom prst="rect">
-            <a:avLst/>
-          </a:prstGeom>
-        </p:spPr>
-      </p:pic>
-      <p:cxnSp>
-        <p:nvCxnSpPr>
-          <p:cNvPr id="22" name="Straight Arrow Connector 21"/>
-          <p:cNvCxnSpPr/>
-          <p:nvPr/>
-        </p:nvCxnSpPr>
-        <p:spPr>
-          <a:xfrm>
-            <a:off x="8709228" y="3793283"/>
-            <a:ext cx="530994" cy="20855"/>
-          </a:xfrm>
-          <a:prstGeom prst="straightConnector1">
-            <a:avLst/>
-          </a:prstGeom>
-          <a:ln w="76200">
-            <a:solidFill>
-              <a:schemeClr val="tx1"/>
-            </a:solidFill>
-            <a:tailEnd type="triangle"/>
-          </a:ln>
-        </p:spPr>
-        <p:style>
-          <a:lnRef idx="2">
-            <a:schemeClr val="accent1"/>
-          </a:lnRef>
-          <a:fillRef idx="0">
-            <a:schemeClr val="accent1"/>
-          </a:fillRef>
-          <a:effectRef idx="1">
-            <a:schemeClr val="accent1"/>
-          </a:effectRef>
-          <a:fontRef idx="minor">
-            <a:schemeClr val="tx1"/>
-          </a:fontRef>
-        </p:style>
-      </p:cxnSp>
-      <p:pic>
-        <p:nvPicPr>
-          <p:cNvPr id="23" name="Picture 22"/>
-          <p:cNvPicPr>
-            <a:picLocks noChangeAspect="1"/>
-          </p:cNvPicPr>
-          <p:nvPr/>
-        </p:nvPicPr>
-        <p:blipFill>
-          <a:blip r:embed="rId5"/>
-          <a:stretch>
-            <a:fillRect/>
-          </a:stretch>
-        </p:blipFill>
-        <p:spPr>
-          <a:xfrm>
-            <a:off x="9468899" y="2222912"/>
-            <a:ext cx="2489328" cy="2775093"/>
-          </a:xfrm>
-          <a:prstGeom prst="rect">
-            <a:avLst/>
-          </a:prstGeom>
-        </p:spPr>
-      </p:pic>
-      <p:sp>
-        <p:nvSpPr>
-          <p:cNvPr id="24" name="TextBox 23"/>
-          <p:cNvSpPr txBox="1"/>
-          <p:nvPr/>
-        </p:nvSpPr>
-        <p:spPr>
-          <a:xfrm>
-            <a:off x="470583" y="4618582"/>
-            <a:ext cx="2897204" cy="307777"/>
-          </a:xfrm>
-          <a:prstGeom prst="rect">
-            <a:avLst/>
-          </a:prstGeom>
-          <a:noFill/>
-        </p:spPr>
-        <p:txBody>
-          <a:bodyPr wrap="square" rtlCol="0">
-            <a:spAutoFit/>
-          </a:bodyPr>
-          <a:lstStyle/>
           <a:p>
-            <a:r>
-              <a:rPr lang="en-US" sz="1400" b="1" dirty="0" smtClean="0"/>
-              <a:t>PollyNET Measurements</a:t>
-            </a:r>
-            <a:endParaRPr lang="en-US" sz="1400" b="1" dirty="0"/>
+            <a:pPr marL="514350" indent="-514350">
+              <a:lnSpc>
+                <a:spcPct val="150000"/>
+              </a:lnSpc>
+              <a:buFont typeface="Wingdings" panose="05000000000000000000" pitchFamily="2" charset="2"/>
+              <a:buChar char="Ø"/>
+            </a:pPr>
+            <a:r>
+              <a:rPr lang="en-US" sz="2800" dirty="0" smtClean="0"/>
+              <a:t>Hands-on</a:t>
+            </a:r>
           </a:p>
-        </p:txBody>
-      </p:sp>
-      <p:sp>
-        <p:nvSpPr>
-          <p:cNvPr id="25" name="TextBox 24"/>
-          <p:cNvSpPr txBox="1"/>
-          <p:nvPr/>
-        </p:nvSpPr>
-        <p:spPr>
-          <a:xfrm>
-            <a:off x="2977483" y="4503447"/>
-            <a:ext cx="2897204" cy="307777"/>
-          </a:xfrm>
-          <a:prstGeom prst="rect">
-            <a:avLst/>
-          </a:prstGeom>
-          <a:noFill/>
-        </p:spPr>
-        <p:txBody>
-          <a:bodyPr wrap="square" rtlCol="0">
-            <a:spAutoFit/>
-          </a:bodyPr>
-          <a:lstStyle/>
           <a:p>
-            <a:r>
-              <a:rPr lang="en-US" sz="1400" b="1" dirty="0" smtClean="0"/>
-              <a:t>PollyNET Data Server</a:t>
-            </a:r>
-            <a:endParaRPr lang="en-US" sz="1400" b="1" dirty="0"/>
+            <a:pPr marL="514350" indent="-514350">
+              <a:lnSpc>
+                <a:spcPct val="150000"/>
+              </a:lnSpc>
+              <a:buFont typeface="Wingdings" panose="05000000000000000000" pitchFamily="2" charset="2"/>
+              <a:buChar char="Ø"/>
+            </a:pPr>
+            <a:r>
+              <a:rPr lang="en-US" sz="2800" dirty="0" smtClean="0"/>
+              <a:t>Concept about Version Control with </a:t>
+            </a:r>
+            <a:r>
+              <a:rPr lang="en-US" sz="2800" dirty="0" err="1" smtClean="0"/>
+              <a:t>Git</a:t>
+            </a:r>
+            <a:endParaRPr lang="en-US" sz="2800" dirty="0" smtClean="0"/>
           </a:p>
         </p:txBody>
       </p:sp>
     </p:spTree>
     <p:extLst>
       <p:ext uri="{BB962C8B-B14F-4D97-AF65-F5344CB8AC3E}">
-        <p14:creationId xmlns:p14="http://schemas.microsoft.com/office/powerpoint/2010/main" val="3386628013"/>
+        <p14:creationId xmlns:p14="http://schemas.microsoft.com/office/powerpoint/2010/main" val="1937983664"/>
       </p:ext>
     </p:extLst>
   </p:cSld>
@@ -17647,11 +18208,7 @@
               <a:pPr algn="ctr"/>
               <a:r>
                 <a:rPr lang="en-US" dirty="0" smtClean="0"/>
-                <a:t>pollynet_history_of_places_</a:t>
-              </a:r>
-              <a:r>
-                <a:rPr lang="en-US" dirty="0" smtClean="0"/>
-                <a:t>new.txt</a:t>
+                <a:t>pollynet_history_of_places_new.txt</a:t>
               </a:r>
               <a:endParaRPr lang="en-US" dirty="0"/>
             </a:p>
@@ -17801,11 +18358,7 @@
               </a:r>
               <a:r>
                 <a:rPr lang="en-US" dirty="0" smtClean="0"/>
-                <a:t> </a:t>
-              </a:r>
-              <a:r>
-                <a:rPr lang="en-US" dirty="0" smtClean="0"/>
-                <a:t>defaults</a:t>
+                <a:t> defaults</a:t>
               </a:r>
               <a:endParaRPr lang="en-US" dirty="0"/>
             </a:p>

--- a/doc/Pollynet_Processing_Chain.pptx
+++ b/doc/Pollynet_Processing_Chain.pptx
@@ -222,7 +222,7 @@
           <a:p>
             <a:fld id="{F3738501-0686-434C-B9DB-E21550C6BC10}" type="datetimeFigureOut">
               <a:rPr lang="en-US" smtClean="0"/>
-              <a:t>8/19/2019</a:t>
+              <a:t>8/20/2019</a:t>
             </a:fld>
             <a:endParaRPr lang="en-US"/>
           </a:p>
@@ -2127,7 +2127,7 @@
           <a:p>
             <a:fld id="{AB21D1C1-A974-4CDD-890D-2FCDFA70CDD6}" type="datetimeFigureOut">
               <a:rPr lang="en-US" smtClean="0"/>
-              <a:t>8/19/2019</a:t>
+              <a:t>8/20/2019</a:t>
             </a:fld>
             <a:endParaRPr lang="en-US"/>
           </a:p>
@@ -16319,7 +16319,11 @@
             </a:pPr>
             <a:r>
               <a:rPr lang="en-US" sz="2800" dirty="0" smtClean="0"/>
-              <a:t>Download and Setup</a:t>
+              <a:t>Download </a:t>
+            </a:r>
+            <a:r>
+              <a:rPr lang="en-US" sz="2800" dirty="0" smtClean="0"/>
+              <a:t>and Setup</a:t>
             </a:r>
           </a:p>
           <a:p>

--- a/doc/Pollynet_Processing_Chain.pptx
+++ b/doc/Pollynet_Processing_Chain.pptx
@@ -5,7 +5,7 @@
     <p:sldMasterId id="2147483672" r:id="rId1"/>
   </p:sldMasterIdLst>
   <p:notesMasterIdLst>
-    <p:notesMasterId r:id="rId28"/>
+    <p:notesMasterId r:id="rId32"/>
   </p:notesMasterIdLst>
   <p:sldIdLst>
     <p:sldId id="269" r:id="rId2"/>
@@ -25,15 +25,19 @@
     <p:sldId id="300" r:id="rId16"/>
     <p:sldId id="302" r:id="rId17"/>
     <p:sldId id="301" r:id="rId18"/>
-    <p:sldId id="288" r:id="rId19"/>
-    <p:sldId id="297" r:id="rId20"/>
-    <p:sldId id="290" r:id="rId21"/>
-    <p:sldId id="291" r:id="rId22"/>
-    <p:sldId id="292" r:id="rId23"/>
-    <p:sldId id="293" r:id="rId24"/>
-    <p:sldId id="294" r:id="rId25"/>
-    <p:sldId id="295" r:id="rId26"/>
-    <p:sldId id="296" r:id="rId27"/>
+    <p:sldId id="303" r:id="rId19"/>
+    <p:sldId id="288" r:id="rId20"/>
+    <p:sldId id="304" r:id="rId21"/>
+    <p:sldId id="305" r:id="rId22"/>
+    <p:sldId id="306" r:id="rId23"/>
+    <p:sldId id="297" r:id="rId24"/>
+    <p:sldId id="290" r:id="rId25"/>
+    <p:sldId id="291" r:id="rId26"/>
+    <p:sldId id="292" r:id="rId27"/>
+    <p:sldId id="293" r:id="rId28"/>
+    <p:sldId id="294" r:id="rId29"/>
+    <p:sldId id="295" r:id="rId30"/>
+    <p:sldId id="296" r:id="rId31"/>
   </p:sldIdLst>
   <p:sldSz cx="12192000" cy="6858000"/>
   <p:notesSz cx="6858000" cy="9144000"/>
@@ -222,7 +226,7 @@
           <a:p>
             <a:fld id="{F3738501-0686-434C-B9DB-E21550C6BC10}" type="datetimeFigureOut">
               <a:rPr lang="en-US" smtClean="0"/>
-              <a:t>8/20/2019</a:t>
+              <a:t>8/22/2019</a:t>
             </a:fld>
             <a:endParaRPr lang="en-US"/>
           </a:p>
@@ -2127,7 +2131,7 @@
           <a:p>
             <a:fld id="{AB21D1C1-A974-4CDD-890D-2FCDFA70CDD6}" type="datetimeFigureOut">
               <a:rPr lang="en-US" smtClean="0"/>
-              <a:t>8/20/2019</a:t>
+              <a:t>8/22/2019</a:t>
             </a:fld>
             <a:endParaRPr lang="en-US"/>
           </a:p>
@@ -3185,7 +3189,11 @@
           <a:p>
             <a:r>
               <a:rPr lang="en-US" sz="2800" b="1" dirty="0" smtClean="0"/>
-              <a:t>Now, everything is really</a:t>
+              <a:t>Now, everything is </a:t>
+            </a:r>
+            <a:r>
+              <a:rPr lang="en-US" sz="2800" b="1" dirty="0" smtClean="0"/>
+              <a:t>really. Let’s have a try…</a:t>
             </a:r>
             <a:endParaRPr lang="en-US" sz="2800" b="1" dirty="0"/>
           </a:p>
@@ -3201,6 +3209,248 @@
   <p:clrMapOvr>
     <a:masterClrMapping/>
   </p:clrMapOvr>
+  <p:timing>
+    <p:tnLst>
+      <p:par>
+        <p:cTn id="1" dur="indefinite" restart="never" nodeType="tmRoot">
+          <p:childTnLst>
+            <p:seq concurrent="1" nextAc="seek">
+              <p:cTn id="2" dur="indefinite" nodeType="mainSeq">
+                <p:childTnLst>
+                  <p:par>
+                    <p:cTn id="3" fill="hold">
+                      <p:stCondLst>
+                        <p:cond delay="indefinite"/>
+                      </p:stCondLst>
+                      <p:childTnLst>
+                        <p:par>
+                          <p:cTn id="4" fill="hold">
+                            <p:stCondLst>
+                              <p:cond delay="0"/>
+                            </p:stCondLst>
+                            <p:childTnLst>
+                              <p:par>
+                                <p:cTn id="5" presetID="1" presetClass="entr" presetSubtype="0" fill="hold" nodeType="clickEffect">
+                                  <p:stCondLst>
+                                    <p:cond delay="0"/>
+                                  </p:stCondLst>
+                                  <p:childTnLst>
+                                    <p:set>
+                                      <p:cBhvr>
+                                        <p:cTn id="6" dur="1" fill="hold">
+                                          <p:stCondLst>
+                                            <p:cond delay="0"/>
+                                          </p:stCondLst>
+                                        </p:cTn>
+                                        <p:tgtEl>
+                                          <p:spTgt spid="10"/>
+                                        </p:tgtEl>
+                                        <p:attrNameLst>
+                                          <p:attrName>style.visibility</p:attrName>
+                                        </p:attrNameLst>
+                                      </p:cBhvr>
+                                      <p:to>
+                                        <p:strVal val="visible"/>
+                                      </p:to>
+                                    </p:set>
+                                  </p:childTnLst>
+                                </p:cTn>
+                              </p:par>
+                            </p:childTnLst>
+                          </p:cTn>
+                        </p:par>
+                      </p:childTnLst>
+                    </p:cTn>
+                  </p:par>
+                  <p:par>
+                    <p:cTn id="7" fill="hold">
+                      <p:stCondLst>
+                        <p:cond delay="indefinite"/>
+                      </p:stCondLst>
+                      <p:childTnLst>
+                        <p:par>
+                          <p:cTn id="8" fill="hold">
+                            <p:stCondLst>
+                              <p:cond delay="0"/>
+                            </p:stCondLst>
+                            <p:childTnLst>
+                              <p:par>
+                                <p:cTn id="9" presetID="1" presetClass="entr" presetSubtype="0" fill="hold" grpId="0" nodeType="clickEffect">
+                                  <p:stCondLst>
+                                    <p:cond delay="0"/>
+                                  </p:stCondLst>
+                                  <p:childTnLst>
+                                    <p:set>
+                                      <p:cBhvr>
+                                        <p:cTn id="10" dur="1" fill="hold">
+                                          <p:stCondLst>
+                                            <p:cond delay="0"/>
+                                          </p:stCondLst>
+                                        </p:cTn>
+                                        <p:tgtEl>
+                                          <p:spTgt spid="11"/>
+                                        </p:tgtEl>
+                                        <p:attrNameLst>
+                                          <p:attrName>style.visibility</p:attrName>
+                                        </p:attrNameLst>
+                                      </p:cBhvr>
+                                      <p:to>
+                                        <p:strVal val="visible"/>
+                                      </p:to>
+                                    </p:set>
+                                  </p:childTnLst>
+                                </p:cTn>
+                              </p:par>
+                              <p:par>
+                                <p:cTn id="11" presetID="1" presetClass="entr" presetSubtype="0" fill="hold" nodeType="withEffect">
+                                  <p:stCondLst>
+                                    <p:cond delay="0"/>
+                                  </p:stCondLst>
+                                  <p:childTnLst>
+                                    <p:set>
+                                      <p:cBhvr>
+                                        <p:cTn id="12" dur="1" fill="hold">
+                                          <p:stCondLst>
+                                            <p:cond delay="0"/>
+                                          </p:stCondLst>
+                                        </p:cTn>
+                                        <p:tgtEl>
+                                          <p:spTgt spid="8"/>
+                                        </p:tgtEl>
+                                        <p:attrNameLst>
+                                          <p:attrName>style.visibility</p:attrName>
+                                        </p:attrNameLst>
+                                      </p:cBhvr>
+                                      <p:to>
+                                        <p:strVal val="visible"/>
+                                      </p:to>
+                                    </p:set>
+                                  </p:childTnLst>
+                                </p:cTn>
+                              </p:par>
+                            </p:childTnLst>
+                          </p:cTn>
+                        </p:par>
+                      </p:childTnLst>
+                    </p:cTn>
+                  </p:par>
+                  <p:par>
+                    <p:cTn id="13" fill="hold">
+                      <p:stCondLst>
+                        <p:cond delay="indefinite"/>
+                      </p:stCondLst>
+                      <p:childTnLst>
+                        <p:par>
+                          <p:cTn id="14" fill="hold">
+                            <p:stCondLst>
+                              <p:cond delay="0"/>
+                            </p:stCondLst>
+                            <p:childTnLst>
+                              <p:par>
+                                <p:cTn id="15" presetID="1" presetClass="entr" presetSubtype="0" fill="hold" grpId="0" nodeType="clickEffect">
+                                  <p:stCondLst>
+                                    <p:cond delay="0"/>
+                                  </p:stCondLst>
+                                  <p:childTnLst>
+                                    <p:set>
+                                      <p:cBhvr>
+                                        <p:cTn id="16" dur="1" fill="hold">
+                                          <p:stCondLst>
+                                            <p:cond delay="0"/>
+                                          </p:stCondLst>
+                                        </p:cTn>
+                                        <p:tgtEl>
+                                          <p:spTgt spid="7"/>
+                                        </p:tgtEl>
+                                        <p:attrNameLst>
+                                          <p:attrName>style.visibility</p:attrName>
+                                        </p:attrNameLst>
+                                      </p:cBhvr>
+                                      <p:to>
+                                        <p:strVal val="visible"/>
+                                      </p:to>
+                                    </p:set>
+                                  </p:childTnLst>
+                                </p:cTn>
+                              </p:par>
+                            </p:childTnLst>
+                          </p:cTn>
+                        </p:par>
+                      </p:childTnLst>
+                    </p:cTn>
+                  </p:par>
+                  <p:par>
+                    <p:cTn id="17" fill="hold">
+                      <p:stCondLst>
+                        <p:cond delay="indefinite"/>
+                      </p:stCondLst>
+                      <p:childTnLst>
+                        <p:par>
+                          <p:cTn id="18" fill="hold">
+                            <p:stCondLst>
+                              <p:cond delay="0"/>
+                            </p:stCondLst>
+                            <p:childTnLst>
+                              <p:par>
+                                <p:cTn id="19" presetID="1" presetClass="entr" presetSubtype="0" fill="hold" grpId="0" nodeType="clickEffect">
+                                  <p:stCondLst>
+                                    <p:cond delay="0"/>
+                                  </p:stCondLst>
+                                  <p:childTnLst>
+                                    <p:set>
+                                      <p:cBhvr>
+                                        <p:cTn id="20" dur="1" fill="hold">
+                                          <p:stCondLst>
+                                            <p:cond delay="0"/>
+                                          </p:stCondLst>
+                                        </p:cTn>
+                                        <p:tgtEl>
+                                          <p:spTgt spid="12"/>
+                                        </p:tgtEl>
+                                        <p:attrNameLst>
+                                          <p:attrName>style.visibility</p:attrName>
+                                        </p:attrNameLst>
+                                      </p:cBhvr>
+                                      <p:to>
+                                        <p:strVal val="visible"/>
+                                      </p:to>
+                                    </p:set>
+                                  </p:childTnLst>
+                                </p:cTn>
+                              </p:par>
+                            </p:childTnLst>
+                          </p:cTn>
+                        </p:par>
+                      </p:childTnLst>
+                    </p:cTn>
+                  </p:par>
+                </p:childTnLst>
+              </p:cTn>
+              <p:prevCondLst>
+                <p:cond evt="onPrev" delay="0">
+                  <p:tgtEl>
+                    <p:sldTgt/>
+                  </p:tgtEl>
+                </p:cond>
+              </p:prevCondLst>
+              <p:nextCondLst>
+                <p:cond evt="onNext" delay="0">
+                  <p:tgtEl>
+                    <p:sldTgt/>
+                  </p:tgtEl>
+                </p:cond>
+              </p:nextCondLst>
+            </p:seq>
+          </p:childTnLst>
+        </p:cTn>
+      </p:par>
+    </p:tnLst>
+    <p:bldLst>
+      <p:bldP spid="7" grpId="0"/>
+      <p:bldP spid="11" grpId="0" animBg="1"/>
+      <p:bldP spid="12" grpId="0"/>
+    </p:bldLst>
+  </p:timing>
 </p:sld>
 </file>
 
@@ -3803,6 +4053,13 @@
   <p:clrMapOvr>
     <a:masterClrMapping/>
   </p:clrMapOvr>
+  <p:timing>
+    <p:tnLst>
+      <p:par>
+        <p:cTn id="1" dur="indefinite" restart="never" nodeType="tmRoot"/>
+      </p:par>
+    </p:tnLst>
+  </p:timing>
 </p:sld>
 </file>
 
@@ -4436,6 +4693,13 @@
   <p:clrMapOvr>
     <a:masterClrMapping/>
   </p:clrMapOvr>
+  <p:timing>
+    <p:tnLst>
+      <p:par>
+        <p:cTn id="1" dur="indefinite" restart="never" nodeType="tmRoot"/>
+      </p:par>
+    </p:tnLst>
+  </p:timing>
 </p:sld>
 </file>
 
@@ -4508,6 +4772,13 @@
   <p:clrMapOvr>
     <a:masterClrMapping/>
   </p:clrMapOvr>
+  <p:timing>
+    <p:tnLst>
+      <p:par>
+        <p:cTn id="1" dur="indefinite" restart="never" nodeType="tmRoot"/>
+      </p:par>
+    </p:tnLst>
+  </p:timing>
 </p:sld>
 </file>
 
@@ -4625,14 +4896,14 @@
       </p:sp>
       <p:sp>
         <p:nvSpPr>
-          <p:cNvPr id="5" name="TextBox 4"/>
+          <p:cNvPr id="6" name="TextBox 5"/>
           <p:cNvSpPr txBox="1"/>
           <p:nvPr/>
         </p:nvSpPr>
         <p:spPr>
           <a:xfrm>
-            <a:off x="973394" y="3392129"/>
-            <a:ext cx="10294374" cy="2677656"/>
+            <a:off x="1484670" y="3608438"/>
+            <a:ext cx="9311149" cy="954107"/>
           </a:xfrm>
           <a:prstGeom prst="rect">
             <a:avLst/>
@@ -4646,68 +4917,32 @@
           <a:lstStyle/>
           <a:p>
             <a:r>
-              <a:rPr lang="en-US" sz="2400" b="1" dirty="0" smtClean="0"/>
-              <a:t>TODO</a:t>
+              <a:rPr lang="en-US" sz="2800" b="1" dirty="0" smtClean="0"/>
+              <a:t>Take `</a:t>
+            </a:r>
+            <a:r>
+              <a:rPr lang="en-US" sz="2800" b="1" dirty="0" err="1" smtClean="0"/>
+              <a:t>PollyXT_LACROS</a:t>
+            </a:r>
+            <a:r>
+              <a:rPr lang="en-US" sz="2800" b="1" dirty="0" smtClean="0"/>
+              <a:t>` at Limassol, Cyprus as an example</a:t>
             </a:r>
           </a:p>
           <a:p>
-            <a:endParaRPr lang="en-US" sz="2400" b="1" dirty="0"/>
-          </a:p>
-          <a:p>
-            <a:pPr marL="342900" indent="-342900">
-              <a:buFont typeface="Arial" panose="020B0604020202020204" pitchFamily="34" charset="0"/>
-              <a:buChar char="•"/>
-            </a:pPr>
-            <a:r>
-              <a:rPr lang="en-US" sz="2000" dirty="0" smtClean="0"/>
-              <a:t>Full support of data visualization with MATLAB, which can remove the dependence on Python</a:t>
-            </a:r>
-            <a:endParaRPr lang="en-US" sz="2000" dirty="0"/>
-          </a:p>
-          <a:p>
-            <a:pPr marL="342900" indent="-342900">
-              <a:buFont typeface="Arial" panose="020B0604020202020204" pitchFamily="34" charset="0"/>
-              <a:buChar char="•"/>
-            </a:pPr>
-            <a:r>
-              <a:rPr lang="en-US" sz="2000" dirty="0"/>
-              <a:t>Uncertainty analysis</a:t>
-            </a:r>
-          </a:p>
-          <a:p>
-            <a:pPr marL="342900" indent="-342900">
-              <a:buFont typeface="Arial" panose="020B0604020202020204" pitchFamily="34" charset="0"/>
-              <a:buChar char="•"/>
-            </a:pPr>
-            <a:r>
-              <a:rPr lang="en-US" sz="2000" dirty="0"/>
-              <a:t>Products </a:t>
-            </a:r>
-            <a:r>
-              <a:rPr lang="en-US" sz="2000" dirty="0" smtClean="0"/>
-              <a:t>output (Level 1 (signal correction), Level 2 (calibration results, extensive and intensive properties))</a:t>
-            </a:r>
-          </a:p>
-          <a:p>
-            <a:pPr marL="342900" indent="-342900">
-              <a:buFont typeface="Arial" panose="020B0604020202020204" pitchFamily="34" charset="0"/>
-              <a:buChar char="•"/>
-            </a:pPr>
-            <a:r>
-              <a:rPr lang="en-US" sz="2000" dirty="0" smtClean="0"/>
-              <a:t>Layer detection algorithm (aerosol and clouds)</a:t>
-            </a:r>
-          </a:p>
-          <a:p>
-            <a:pPr marL="342900" indent="-342900">
-              <a:buFont typeface="Arial" panose="020B0604020202020204" pitchFamily="34" charset="0"/>
-              <a:buChar char="•"/>
-            </a:pPr>
-            <a:r>
-              <a:rPr lang="en-US" sz="2000" dirty="0" smtClean="0"/>
-              <a:t>Dual-FOV method for retrieving cloud microphysical properties</a:t>
-            </a:r>
-            <a:endParaRPr lang="en-US" sz="2000" dirty="0"/>
+            <a:r>
+              <a:rPr lang="en-US" sz="2800" b="1" dirty="0" smtClean="0"/>
+              <a:t>(Check the </a:t>
+            </a:r>
+            <a:r>
+              <a:rPr lang="en-US" sz="2800" b="1" dirty="0" err="1" smtClean="0"/>
+              <a:t>polly</a:t>
+            </a:r>
+            <a:r>
+              <a:rPr lang="en-US" sz="2800" b="1" dirty="0" smtClean="0"/>
+              <a:t> data first)</a:t>
+            </a:r>
+            <a:endParaRPr lang="en-US" sz="2800" b="1" dirty="0"/>
           </a:p>
         </p:txBody>
       </p:sp>
@@ -4721,6 +4956,13 @@
   <p:clrMapOvr>
     <a:masterClrMapping/>
   </p:clrMapOvr>
+  <p:timing>
+    <p:tnLst>
+      <p:par>
+        <p:cTn id="1" dur="indefinite" restart="never" nodeType="tmRoot"/>
+      </p:par>
+    </p:tnLst>
+  </p:timing>
 </p:sld>
 </file>
 
@@ -4763,8 +5005,13 @@
           <a:p>
             <a:r>
               <a:rPr lang="en-US" sz="5400" dirty="0"/>
-              <a:t>Picasso Structure </a:t>
-            </a:r>
+              <a:t>Picasso </a:t>
+            </a:r>
+            <a:r>
+              <a:rPr lang="en-US" sz="5400" dirty="0" smtClean="0"/>
+              <a:t>Development </a:t>
+            </a:r>
+            <a:endParaRPr lang="en-US" sz="5400" dirty="0"/>
           </a:p>
         </p:txBody>
       </p:sp>
@@ -5113,7 +5360,7 @@
           <a:p>
             <a:r>
               <a:rPr lang="en-US" dirty="0" smtClean="0"/>
-              <a:t>Version Control</a:t>
+              <a:t>TODO</a:t>
             </a:r>
             <a:endParaRPr lang="en-US" dirty="0"/>
           </a:p>
@@ -5138,16 +5385,106 @@
           </a:p>
         </p:txBody>
       </p:sp>
+      <p:sp>
+        <p:nvSpPr>
+          <p:cNvPr id="4" name="TextBox 3"/>
+          <p:cNvSpPr txBox="1"/>
+          <p:nvPr/>
+        </p:nvSpPr>
+        <p:spPr>
+          <a:xfrm>
+            <a:off x="934065" y="1671483"/>
+            <a:ext cx="10294374" cy="1938992"/>
+          </a:xfrm>
+          <a:prstGeom prst="rect">
+            <a:avLst/>
+          </a:prstGeom>
+          <a:noFill/>
+        </p:spPr>
+        <p:txBody>
+          <a:bodyPr wrap="square" rtlCol="0">
+            <a:spAutoFit/>
+          </a:bodyPr>
+          <a:lstStyle/>
+          <a:p>
+            <a:pPr marL="342900" indent="-342900">
+              <a:buFont typeface="Arial" panose="020B0604020202020204" pitchFamily="34" charset="0"/>
+              <a:buChar char="•"/>
+            </a:pPr>
+            <a:r>
+              <a:rPr lang="en-US" sz="2000" dirty="0" smtClean="0"/>
+              <a:t>Full </a:t>
+            </a:r>
+            <a:r>
+              <a:rPr lang="en-US" sz="2000" dirty="0" smtClean="0"/>
+              <a:t>support of data visualization with MATLAB, which can remove the dependence on Python</a:t>
+            </a:r>
+            <a:endParaRPr lang="en-US" sz="2000" dirty="0"/>
+          </a:p>
+          <a:p>
+            <a:pPr marL="342900" indent="-342900">
+              <a:buFont typeface="Arial" panose="020B0604020202020204" pitchFamily="34" charset="0"/>
+              <a:buChar char="•"/>
+            </a:pPr>
+            <a:r>
+              <a:rPr lang="en-US" sz="2000" dirty="0"/>
+              <a:t>Uncertainty analysis</a:t>
+            </a:r>
+          </a:p>
+          <a:p>
+            <a:pPr marL="342900" indent="-342900">
+              <a:buFont typeface="Arial" panose="020B0604020202020204" pitchFamily="34" charset="0"/>
+              <a:buChar char="•"/>
+            </a:pPr>
+            <a:r>
+              <a:rPr lang="en-US" sz="2000" dirty="0"/>
+              <a:t>Products </a:t>
+            </a:r>
+            <a:r>
+              <a:rPr lang="en-US" sz="2000" dirty="0" smtClean="0"/>
+              <a:t>output (Level 1 (signal correction), Level 2 (calibration results, extensive and intensive properties))</a:t>
+            </a:r>
+          </a:p>
+          <a:p>
+            <a:pPr marL="342900" indent="-342900">
+              <a:buFont typeface="Arial" panose="020B0604020202020204" pitchFamily="34" charset="0"/>
+              <a:buChar char="•"/>
+            </a:pPr>
+            <a:r>
+              <a:rPr lang="en-US" sz="2000" dirty="0" smtClean="0"/>
+              <a:t>Layer detection algorithm (aerosol and clouds)</a:t>
+            </a:r>
+          </a:p>
+          <a:p>
+            <a:pPr marL="342900" indent="-342900">
+              <a:buFont typeface="Arial" panose="020B0604020202020204" pitchFamily="34" charset="0"/>
+              <a:buChar char="•"/>
+            </a:pPr>
+            <a:r>
+              <a:rPr lang="en-US" sz="2000" dirty="0" smtClean="0"/>
+              <a:t>Dual-FOV method for retrieving cloud microphysical properties</a:t>
+            </a:r>
+            <a:endParaRPr lang="en-US" sz="2000" dirty="0"/>
+          </a:p>
+        </p:txBody>
+      </p:sp>
     </p:spTree>
     <p:extLst>
       <p:ext uri="{BB962C8B-B14F-4D97-AF65-F5344CB8AC3E}">
-        <p14:creationId xmlns:p14="http://schemas.microsoft.com/office/powerpoint/2010/main" val="2913014266"/>
+        <p14:creationId xmlns:p14="http://schemas.microsoft.com/office/powerpoint/2010/main" val="1556986693"/>
       </p:ext>
     </p:extLst>
   </p:cSld>
   <p:clrMapOvr>
     <a:masterClrMapping/>
   </p:clrMapOvr>
+  <p:timing>
+    <p:tnLst>
+      <p:par>
+        <p:cTn id="1" dur="indefinite" restart="never" nodeType="tmRoot"/>
+      </p:par>
+    </p:tnLst>
+  </p:timing>
 </p:sld>
 </file>
 
@@ -5185,7 +5522,7 @@
           <a:p>
             <a:r>
               <a:rPr lang="en-US" dirty="0" smtClean="0"/>
-              <a:t>Backup</a:t>
+              <a:t>Version Control</a:t>
             </a:r>
             <a:endParaRPr lang="en-US" dirty="0"/>
           </a:p>
@@ -5210,16 +5547,947 @@
           </a:p>
         </p:txBody>
       </p:sp>
+      <p:sp>
+        <p:nvSpPr>
+          <p:cNvPr id="8" name="AutoShape 2" descr="Image result for folder icon"/>
+          <p:cNvSpPr>
+            <a:spLocks noChangeAspect="1" noChangeArrowheads="1"/>
+          </p:cNvSpPr>
+          <p:nvPr/>
+        </p:nvSpPr>
+        <p:spPr bwMode="auto">
+          <a:xfrm>
+            <a:off x="155575" y="-2338388"/>
+            <a:ext cx="4876800" cy="4876801"/>
+          </a:xfrm>
+          <a:prstGeom prst="rect">
+            <a:avLst/>
+          </a:prstGeom>
+          <a:noFill/>
+          <a:extLst>
+            <a:ext uri="{909E8E84-426E-40DD-AFC4-6F175D3DCCD1}">
+              <a14:hiddenFill xmlns:a14="http://schemas.microsoft.com/office/drawing/2010/main">
+                <a:solidFill>
+                  <a:srgbClr val="FFFFFF"/>
+                </a:solidFill>
+              </a14:hiddenFill>
+            </a:ext>
+          </a:extLst>
+        </p:spPr>
+        <p:txBody>
+          <a:bodyPr vert="horz" wrap="square" lIns="91440" tIns="45720" rIns="91440" bIns="45720" numCol="1" anchor="t" anchorCtr="0" compatLnSpc="1">
+            <a:prstTxWarp prst="textNoShape">
+              <a:avLst/>
+            </a:prstTxWarp>
+          </a:bodyPr>
+          <a:lstStyle/>
+          <a:p>
+            <a:endParaRPr lang="en-US"/>
+          </a:p>
+        </p:txBody>
+      </p:sp>
+      <p:sp>
+        <p:nvSpPr>
+          <p:cNvPr id="9" name="AutoShape 4" descr="Image result for folder icon"/>
+          <p:cNvSpPr>
+            <a:spLocks noChangeAspect="1" noChangeArrowheads="1"/>
+          </p:cNvSpPr>
+          <p:nvPr/>
+        </p:nvSpPr>
+        <p:spPr bwMode="auto">
+          <a:xfrm>
+            <a:off x="307975" y="-2185988"/>
+            <a:ext cx="4876800" cy="4876801"/>
+          </a:xfrm>
+          <a:prstGeom prst="rect">
+            <a:avLst/>
+          </a:prstGeom>
+          <a:noFill/>
+          <a:extLst>
+            <a:ext uri="{909E8E84-426E-40DD-AFC4-6F175D3DCCD1}">
+              <a14:hiddenFill xmlns:a14="http://schemas.microsoft.com/office/drawing/2010/main">
+                <a:solidFill>
+                  <a:srgbClr val="FFFFFF"/>
+                </a:solidFill>
+              </a14:hiddenFill>
+            </a:ext>
+          </a:extLst>
+        </p:spPr>
+        <p:txBody>
+          <a:bodyPr vert="horz" wrap="square" lIns="91440" tIns="45720" rIns="91440" bIns="45720" numCol="1" anchor="t" anchorCtr="0" compatLnSpc="1">
+            <a:prstTxWarp prst="textNoShape">
+              <a:avLst/>
+            </a:prstTxWarp>
+          </a:bodyPr>
+          <a:lstStyle/>
+          <a:p>
+            <a:endParaRPr lang="en-US"/>
+          </a:p>
+        </p:txBody>
+      </p:sp>
+      <p:sp>
+        <p:nvSpPr>
+          <p:cNvPr id="10" name="AutoShape 6" descr="Image result for folder icon"/>
+          <p:cNvSpPr>
+            <a:spLocks noChangeAspect="1" noChangeArrowheads="1"/>
+          </p:cNvSpPr>
+          <p:nvPr/>
+        </p:nvSpPr>
+        <p:spPr bwMode="auto">
+          <a:xfrm>
+            <a:off x="460375" y="-2033588"/>
+            <a:ext cx="4876800" cy="4876801"/>
+          </a:xfrm>
+          <a:prstGeom prst="rect">
+            <a:avLst/>
+          </a:prstGeom>
+          <a:noFill/>
+          <a:extLst>
+            <a:ext uri="{909E8E84-426E-40DD-AFC4-6F175D3DCCD1}">
+              <a14:hiddenFill xmlns:a14="http://schemas.microsoft.com/office/drawing/2010/main">
+                <a:solidFill>
+                  <a:srgbClr val="FFFFFF"/>
+                </a:solidFill>
+              </a14:hiddenFill>
+            </a:ext>
+          </a:extLst>
+        </p:spPr>
+        <p:txBody>
+          <a:bodyPr vert="horz" wrap="square" lIns="91440" tIns="45720" rIns="91440" bIns="45720" numCol="1" anchor="t" anchorCtr="0" compatLnSpc="1">
+            <a:prstTxWarp prst="textNoShape">
+              <a:avLst/>
+            </a:prstTxWarp>
+          </a:bodyPr>
+          <a:lstStyle/>
+          <a:p>
+            <a:endParaRPr lang="en-US"/>
+          </a:p>
+        </p:txBody>
+      </p:sp>
+      <p:grpSp>
+        <p:nvGrpSpPr>
+          <p:cNvPr id="16" name="Group 15"/>
+          <p:cNvGrpSpPr/>
+          <p:nvPr/>
+        </p:nvGrpSpPr>
+        <p:grpSpPr>
+          <a:xfrm>
+            <a:off x="8497574" y="1517637"/>
+            <a:ext cx="2421149" cy="2134963"/>
+            <a:chOff x="8497574" y="1517637"/>
+            <a:chExt cx="2421149" cy="2134963"/>
+          </a:xfrm>
+        </p:grpSpPr>
+        <p:pic>
+          <p:nvPicPr>
+            <p:cNvPr id="14" name="Picture 13"/>
+            <p:cNvPicPr>
+              <a:picLocks noChangeAspect="1"/>
+            </p:cNvPicPr>
+            <p:nvPr/>
+          </p:nvPicPr>
+          <p:blipFill>
+            <a:blip r:embed="rId2" cstate="print">
+              <a:extLst>
+                <a:ext uri="{28A0092B-C50C-407E-A947-70E740481C1C}">
+                  <a14:useLocalDpi xmlns:a14="http://schemas.microsoft.com/office/drawing/2010/main" val="0"/>
+                </a:ext>
+              </a:extLst>
+            </a:blip>
+            <a:stretch>
+              <a:fillRect/>
+            </a:stretch>
+          </p:blipFill>
+          <p:spPr>
+            <a:xfrm>
+              <a:off x="8497574" y="1517637"/>
+              <a:ext cx="2100495" cy="1828800"/>
+            </a:xfrm>
+            <a:prstGeom prst="rect">
+              <a:avLst/>
+            </a:prstGeom>
+          </p:spPr>
+        </p:pic>
+        <p:sp>
+          <p:nvSpPr>
+            <p:cNvPr id="15" name="TextBox 14"/>
+            <p:cNvSpPr txBox="1"/>
+            <p:nvPr/>
+          </p:nvSpPr>
+          <p:spPr>
+            <a:xfrm>
+              <a:off x="9271820" y="3283268"/>
+              <a:ext cx="1646903" cy="369332"/>
+            </a:xfrm>
+            <a:prstGeom prst="rect">
+              <a:avLst/>
+            </a:prstGeom>
+            <a:noFill/>
+          </p:spPr>
+          <p:txBody>
+            <a:bodyPr wrap="square" rtlCol="0">
+              <a:spAutoFit/>
+            </a:bodyPr>
+            <a:lstStyle/>
+            <a:p>
+              <a:r>
+                <a:rPr lang="en-US" dirty="0" smtClean="0"/>
+                <a:t>Server</a:t>
+              </a:r>
+              <a:endParaRPr lang="en-US" dirty="0"/>
+            </a:p>
+          </p:txBody>
+        </p:sp>
+      </p:grpSp>
+      <p:cxnSp>
+        <p:nvCxnSpPr>
+          <p:cNvPr id="18" name="Straight Arrow Connector 17"/>
+          <p:cNvCxnSpPr/>
+          <p:nvPr/>
+        </p:nvCxnSpPr>
+        <p:spPr>
+          <a:xfrm>
+            <a:off x="3195484" y="2432037"/>
+            <a:ext cx="5142271" cy="0"/>
+          </a:xfrm>
+          <a:prstGeom prst="straightConnector1">
+            <a:avLst/>
+          </a:prstGeom>
+          <a:ln w="57150">
+            <a:tailEnd type="triangle"/>
+          </a:ln>
+        </p:spPr>
+        <p:style>
+          <a:lnRef idx="2">
+            <a:schemeClr val="accent1"/>
+          </a:lnRef>
+          <a:fillRef idx="0">
+            <a:schemeClr val="accent1"/>
+          </a:fillRef>
+          <a:effectRef idx="1">
+            <a:schemeClr val="accent1"/>
+          </a:effectRef>
+          <a:fontRef idx="minor">
+            <a:schemeClr val="tx1"/>
+          </a:fontRef>
+        </p:style>
+      </p:cxnSp>
+      <p:grpSp>
+        <p:nvGrpSpPr>
+          <p:cNvPr id="24" name="Group 23"/>
+          <p:cNvGrpSpPr/>
+          <p:nvPr/>
+        </p:nvGrpSpPr>
+        <p:grpSpPr>
+          <a:xfrm>
+            <a:off x="696610" y="1428407"/>
+            <a:ext cx="2107414" cy="2259217"/>
+            <a:chOff x="696610" y="1428407"/>
+            <a:chExt cx="2107414" cy="2259217"/>
+          </a:xfrm>
+        </p:grpSpPr>
+        <p:grpSp>
+          <p:nvGrpSpPr>
+            <p:cNvPr id="13" name="Group 12"/>
+            <p:cNvGrpSpPr/>
+            <p:nvPr/>
+          </p:nvGrpSpPr>
+          <p:grpSpPr>
+            <a:xfrm>
+              <a:off x="696610" y="1428407"/>
+              <a:ext cx="2007261" cy="2007261"/>
+              <a:chOff x="1070236" y="1529895"/>
+              <a:chExt cx="2007261" cy="2007261"/>
+            </a:xfrm>
+          </p:grpSpPr>
+          <p:pic>
+            <p:nvPicPr>
+              <p:cNvPr id="7" name="Picture 6"/>
+              <p:cNvPicPr>
+                <a:picLocks noChangeAspect="1"/>
+              </p:cNvPicPr>
+              <p:nvPr/>
+            </p:nvPicPr>
+            <p:blipFill>
+              <a:blip r:embed="rId3">
+                <a:extLst>
+                  <a:ext uri="{28A0092B-C50C-407E-A947-70E740481C1C}">
+                    <a14:useLocalDpi xmlns:a14="http://schemas.microsoft.com/office/drawing/2010/main" val="0"/>
+                  </a:ext>
+                </a:extLst>
+              </a:blip>
+              <a:stretch>
+                <a:fillRect/>
+              </a:stretch>
+            </p:blipFill>
+            <p:spPr>
+              <a:xfrm>
+                <a:off x="1070236" y="1529895"/>
+                <a:ext cx="2007261" cy="2007261"/>
+              </a:xfrm>
+              <a:prstGeom prst="rect">
+                <a:avLst/>
+              </a:prstGeom>
+            </p:spPr>
+          </p:pic>
+          <p:pic>
+            <p:nvPicPr>
+              <p:cNvPr id="11" name="Picture 10"/>
+              <p:cNvPicPr>
+                <a:picLocks noChangeAspect="1"/>
+              </p:cNvPicPr>
+              <p:nvPr/>
+            </p:nvPicPr>
+            <p:blipFill>
+              <a:blip r:embed="rId4" cstate="print">
+                <a:extLst>
+                  <a:ext uri="{28A0092B-C50C-407E-A947-70E740481C1C}">
+                    <a14:useLocalDpi xmlns:a14="http://schemas.microsoft.com/office/drawing/2010/main" val="0"/>
+                  </a:ext>
+                </a:extLst>
+              </a:blip>
+              <a:stretch>
+                <a:fillRect/>
+              </a:stretch>
+            </p:blipFill>
+            <p:spPr>
+              <a:xfrm>
+                <a:off x="1347171" y="1852612"/>
+                <a:ext cx="815925" cy="815925"/>
+              </a:xfrm>
+              <a:prstGeom prst="rect">
+                <a:avLst/>
+              </a:prstGeom>
+            </p:spPr>
+          </p:pic>
+          <p:sp>
+            <p:nvSpPr>
+              <p:cNvPr id="12" name="TextBox 11"/>
+              <p:cNvSpPr txBox="1"/>
+              <p:nvPr/>
+            </p:nvSpPr>
+            <p:spPr>
+              <a:xfrm>
+                <a:off x="1375844" y="2121071"/>
+                <a:ext cx="934064" cy="338554"/>
+              </a:xfrm>
+              <a:prstGeom prst="rect">
+                <a:avLst/>
+              </a:prstGeom>
+              <a:noFill/>
+            </p:spPr>
+            <p:txBody>
+              <a:bodyPr wrap="square" rtlCol="0">
+                <a:spAutoFit/>
+              </a:bodyPr>
+              <a:lstStyle/>
+              <a:p>
+                <a:r>
+                  <a:rPr lang="en-US" sz="1600" dirty="0" smtClean="0"/>
+                  <a:t>Picasso</a:t>
+                </a:r>
+                <a:endParaRPr lang="en-US" sz="1600" dirty="0"/>
+              </a:p>
+            </p:txBody>
+          </p:sp>
+        </p:grpSp>
+        <p:sp>
+          <p:nvSpPr>
+            <p:cNvPr id="23" name="TextBox 22"/>
+            <p:cNvSpPr txBox="1"/>
+            <p:nvPr/>
+          </p:nvSpPr>
+          <p:spPr>
+            <a:xfrm>
+              <a:off x="1367842" y="3318292"/>
+              <a:ext cx="1436182" cy="369332"/>
+            </a:xfrm>
+            <a:prstGeom prst="rect">
+              <a:avLst/>
+            </a:prstGeom>
+            <a:noFill/>
+          </p:spPr>
+          <p:txBody>
+            <a:bodyPr wrap="square" rtlCol="0">
+              <a:spAutoFit/>
+            </a:bodyPr>
+            <a:lstStyle/>
+            <a:p>
+              <a:r>
+                <a:rPr lang="en-US" dirty="0" smtClean="0"/>
+                <a:t>Dev</a:t>
+              </a:r>
+              <a:endParaRPr lang="en-US" dirty="0"/>
+            </a:p>
+          </p:txBody>
+        </p:sp>
+      </p:grpSp>
+      <p:grpSp>
+        <p:nvGrpSpPr>
+          <p:cNvPr id="26" name="Group 25"/>
+          <p:cNvGrpSpPr/>
+          <p:nvPr/>
+        </p:nvGrpSpPr>
+        <p:grpSpPr>
+          <a:xfrm>
+            <a:off x="777696" y="4604150"/>
+            <a:ext cx="2121079" cy="2253850"/>
+            <a:chOff x="4919565" y="4147843"/>
+            <a:chExt cx="2121079" cy="2253850"/>
+          </a:xfrm>
+        </p:grpSpPr>
+        <p:pic>
+          <p:nvPicPr>
+            <p:cNvPr id="20" name="Picture 19"/>
+            <p:cNvPicPr>
+              <a:picLocks noChangeAspect="1"/>
+            </p:cNvPicPr>
+            <p:nvPr/>
+          </p:nvPicPr>
+          <p:blipFill>
+            <a:blip r:embed="rId3">
+              <a:extLst>
+                <a:ext uri="{28A0092B-C50C-407E-A947-70E740481C1C}">
+                  <a14:useLocalDpi xmlns:a14="http://schemas.microsoft.com/office/drawing/2010/main" val="0"/>
+                </a:ext>
+              </a:extLst>
+            </a:blip>
+            <a:stretch>
+              <a:fillRect/>
+            </a:stretch>
+          </p:blipFill>
+          <p:spPr>
+            <a:xfrm>
+              <a:off x="4919565" y="4147843"/>
+              <a:ext cx="2007261" cy="2007261"/>
+            </a:xfrm>
+            <a:prstGeom prst="rect">
+              <a:avLst/>
+            </a:prstGeom>
+          </p:spPr>
+        </p:pic>
+        <p:sp>
+          <p:nvSpPr>
+            <p:cNvPr id="25" name="TextBox 24"/>
+            <p:cNvSpPr txBox="1"/>
+            <p:nvPr/>
+          </p:nvSpPr>
+          <p:spPr>
+            <a:xfrm>
+              <a:off x="5604462" y="6032361"/>
+              <a:ext cx="1436182" cy="369332"/>
+            </a:xfrm>
+            <a:prstGeom prst="rect">
+              <a:avLst/>
+            </a:prstGeom>
+            <a:noFill/>
+          </p:spPr>
+          <p:txBody>
+            <a:bodyPr wrap="square" rtlCol="0">
+              <a:spAutoFit/>
+            </a:bodyPr>
+            <a:lstStyle/>
+            <a:p>
+              <a:r>
+                <a:rPr lang="en-US" dirty="0" smtClean="0"/>
+                <a:t>User</a:t>
+              </a:r>
+              <a:endParaRPr lang="en-US" dirty="0"/>
+            </a:p>
+          </p:txBody>
+        </p:sp>
+      </p:grpSp>
+      <p:sp>
+        <p:nvSpPr>
+          <p:cNvPr id="27" name="Cloud 26"/>
+          <p:cNvSpPr/>
+          <p:nvPr/>
+        </p:nvSpPr>
+        <p:spPr>
+          <a:xfrm>
+            <a:off x="4336025" y="3700309"/>
+            <a:ext cx="2676878" cy="1069043"/>
+          </a:xfrm>
+          <a:prstGeom prst="cloud">
+            <a:avLst/>
+          </a:prstGeom>
+        </p:spPr>
+        <p:style>
+          <a:lnRef idx="1">
+            <a:schemeClr val="accent1"/>
+          </a:lnRef>
+          <a:fillRef idx="3">
+            <a:schemeClr val="accent1"/>
+          </a:fillRef>
+          <a:effectRef idx="2">
+            <a:schemeClr val="accent1"/>
+          </a:effectRef>
+          <a:fontRef idx="minor">
+            <a:schemeClr val="lt1"/>
+          </a:fontRef>
+        </p:style>
+        <p:txBody>
+          <a:bodyPr rtlCol="0" anchor="ctr"/>
+          <a:lstStyle/>
+          <a:p>
+            <a:pPr algn="ctr"/>
+            <a:r>
+              <a:rPr lang="en-US" dirty="0" smtClean="0"/>
+              <a:t>GitHub</a:t>
+            </a:r>
+            <a:endParaRPr lang="en-US" dirty="0"/>
+          </a:p>
+        </p:txBody>
+      </p:sp>
+      <p:cxnSp>
+        <p:nvCxnSpPr>
+          <p:cNvPr id="28" name="Straight Arrow Connector 27"/>
+          <p:cNvCxnSpPr/>
+          <p:nvPr/>
+        </p:nvCxnSpPr>
+        <p:spPr>
+          <a:xfrm>
+            <a:off x="2593975" y="3036721"/>
+            <a:ext cx="1643728" cy="974840"/>
+          </a:xfrm>
+          <a:prstGeom prst="straightConnector1">
+            <a:avLst/>
+          </a:prstGeom>
+          <a:ln w="57150">
+            <a:tailEnd type="triangle"/>
+          </a:ln>
+        </p:spPr>
+        <p:style>
+          <a:lnRef idx="2">
+            <a:schemeClr val="accent1"/>
+          </a:lnRef>
+          <a:fillRef idx="0">
+            <a:schemeClr val="accent1"/>
+          </a:fillRef>
+          <a:effectRef idx="1">
+            <a:schemeClr val="accent1"/>
+          </a:effectRef>
+          <a:fontRef idx="minor">
+            <a:schemeClr val="tx1"/>
+          </a:fontRef>
+        </p:style>
+      </p:cxnSp>
+      <p:cxnSp>
+        <p:nvCxnSpPr>
+          <p:cNvPr id="30" name="Straight Arrow Connector 29"/>
+          <p:cNvCxnSpPr/>
+          <p:nvPr/>
+        </p:nvCxnSpPr>
+        <p:spPr>
+          <a:xfrm flipV="1">
+            <a:off x="7180723" y="3283268"/>
+            <a:ext cx="1560154" cy="728293"/>
+          </a:xfrm>
+          <a:prstGeom prst="straightConnector1">
+            <a:avLst/>
+          </a:prstGeom>
+          <a:ln w="57150">
+            <a:tailEnd type="triangle"/>
+          </a:ln>
+        </p:spPr>
+        <p:style>
+          <a:lnRef idx="2">
+            <a:schemeClr val="accent1"/>
+          </a:lnRef>
+          <a:fillRef idx="0">
+            <a:schemeClr val="accent1"/>
+          </a:fillRef>
+          <a:effectRef idx="1">
+            <a:schemeClr val="accent1"/>
+          </a:effectRef>
+          <a:fontRef idx="minor">
+            <a:schemeClr val="tx1"/>
+          </a:fontRef>
+        </p:style>
+      </p:cxnSp>
+      <p:cxnSp>
+        <p:nvCxnSpPr>
+          <p:cNvPr id="33" name="Straight Arrow Connector 32"/>
+          <p:cNvCxnSpPr/>
+          <p:nvPr/>
+        </p:nvCxnSpPr>
+        <p:spPr>
+          <a:xfrm flipV="1">
+            <a:off x="2876652" y="4719128"/>
+            <a:ext cx="1459373" cy="859419"/>
+          </a:xfrm>
+          <a:prstGeom prst="straightConnector1">
+            <a:avLst/>
+          </a:prstGeom>
+          <a:ln w="57150">
+            <a:headEnd type="triangle"/>
+            <a:tailEnd type="triangle"/>
+          </a:ln>
+        </p:spPr>
+        <p:style>
+          <a:lnRef idx="2">
+            <a:schemeClr val="accent1"/>
+          </a:lnRef>
+          <a:fillRef idx="0">
+            <a:schemeClr val="accent1"/>
+          </a:fillRef>
+          <a:effectRef idx="1">
+            <a:schemeClr val="accent1"/>
+          </a:effectRef>
+          <a:fontRef idx="minor">
+            <a:schemeClr val="tx1"/>
+          </a:fontRef>
+        </p:style>
+      </p:cxnSp>
     </p:spTree>
     <p:extLst>
       <p:ext uri="{BB962C8B-B14F-4D97-AF65-F5344CB8AC3E}">
-        <p14:creationId xmlns:p14="http://schemas.microsoft.com/office/powerpoint/2010/main" val="4069116254"/>
+        <p14:creationId xmlns:p14="http://schemas.microsoft.com/office/powerpoint/2010/main" val="2913014266"/>
       </p:ext>
     </p:extLst>
   </p:cSld>
   <p:clrMapOvr>
     <a:masterClrMapping/>
   </p:clrMapOvr>
+  <p:timing>
+    <p:tnLst>
+      <p:par>
+        <p:cTn id="1" dur="indefinite" restart="never" nodeType="tmRoot">
+          <p:childTnLst>
+            <p:seq concurrent="1" nextAc="seek">
+              <p:cTn id="2" dur="indefinite" nodeType="mainSeq">
+                <p:childTnLst>
+                  <p:par>
+                    <p:cTn id="3" fill="hold">
+                      <p:stCondLst>
+                        <p:cond delay="indefinite"/>
+                      </p:stCondLst>
+                      <p:childTnLst>
+                        <p:par>
+                          <p:cTn id="4" fill="hold">
+                            <p:stCondLst>
+                              <p:cond delay="0"/>
+                            </p:stCondLst>
+                            <p:childTnLst>
+                              <p:par>
+                                <p:cTn id="5" presetID="1" presetClass="entr" presetSubtype="0" fill="hold" nodeType="clickEffect">
+                                  <p:stCondLst>
+                                    <p:cond delay="0"/>
+                                  </p:stCondLst>
+                                  <p:childTnLst>
+                                    <p:set>
+                                      <p:cBhvr>
+                                        <p:cTn id="6" dur="1" fill="hold">
+                                          <p:stCondLst>
+                                            <p:cond delay="0"/>
+                                          </p:stCondLst>
+                                        </p:cTn>
+                                        <p:tgtEl>
+                                          <p:spTgt spid="24"/>
+                                        </p:tgtEl>
+                                        <p:attrNameLst>
+                                          <p:attrName>style.visibility</p:attrName>
+                                        </p:attrNameLst>
+                                      </p:cBhvr>
+                                      <p:to>
+                                        <p:strVal val="visible"/>
+                                      </p:to>
+                                    </p:set>
+                                  </p:childTnLst>
+                                </p:cTn>
+                              </p:par>
+                            </p:childTnLst>
+                          </p:cTn>
+                        </p:par>
+                      </p:childTnLst>
+                    </p:cTn>
+                  </p:par>
+                  <p:par>
+                    <p:cTn id="7" fill="hold">
+                      <p:stCondLst>
+                        <p:cond delay="indefinite"/>
+                      </p:stCondLst>
+                      <p:childTnLst>
+                        <p:par>
+                          <p:cTn id="8" fill="hold">
+                            <p:stCondLst>
+                              <p:cond delay="0"/>
+                            </p:stCondLst>
+                            <p:childTnLst>
+                              <p:par>
+                                <p:cTn id="9" presetID="1" presetClass="exit" presetSubtype="0" fill="hold" nodeType="clickEffect">
+                                  <p:stCondLst>
+                                    <p:cond delay="0"/>
+                                  </p:stCondLst>
+                                  <p:childTnLst>
+                                    <p:set>
+                                      <p:cBhvr>
+                                        <p:cTn id="10" dur="1" fill="hold">
+                                          <p:stCondLst>
+                                            <p:cond delay="0"/>
+                                          </p:stCondLst>
+                                        </p:cTn>
+                                        <p:tgtEl>
+                                          <p:spTgt spid="18"/>
+                                        </p:tgtEl>
+                                        <p:attrNameLst>
+                                          <p:attrName>style.visibility</p:attrName>
+                                        </p:attrNameLst>
+                                      </p:cBhvr>
+                                      <p:to>
+                                        <p:strVal val="hidden"/>
+                                      </p:to>
+                                    </p:set>
+                                  </p:childTnLst>
+                                </p:cTn>
+                              </p:par>
+                              <p:par>
+                                <p:cTn id="11" presetID="1" presetClass="entr" presetSubtype="0" fill="hold" nodeType="withEffect">
+                                  <p:stCondLst>
+                                    <p:cond delay="0"/>
+                                  </p:stCondLst>
+                                  <p:childTnLst>
+                                    <p:set>
+                                      <p:cBhvr>
+                                        <p:cTn id="12" dur="1" fill="hold">
+                                          <p:stCondLst>
+                                            <p:cond delay="0"/>
+                                          </p:stCondLst>
+                                        </p:cTn>
+                                        <p:tgtEl>
+                                          <p:spTgt spid="16"/>
+                                        </p:tgtEl>
+                                        <p:attrNameLst>
+                                          <p:attrName>style.visibility</p:attrName>
+                                        </p:attrNameLst>
+                                      </p:cBhvr>
+                                      <p:to>
+                                        <p:strVal val="visible"/>
+                                      </p:to>
+                                    </p:set>
+                                  </p:childTnLst>
+                                </p:cTn>
+                              </p:par>
+                            </p:childTnLst>
+                          </p:cTn>
+                        </p:par>
+                      </p:childTnLst>
+                    </p:cTn>
+                  </p:par>
+                  <p:par>
+                    <p:cTn id="13" fill="hold">
+                      <p:stCondLst>
+                        <p:cond delay="indefinite"/>
+                      </p:stCondLst>
+                      <p:childTnLst>
+                        <p:par>
+                          <p:cTn id="14" fill="hold">
+                            <p:stCondLst>
+                              <p:cond delay="0"/>
+                            </p:stCondLst>
+                            <p:childTnLst>
+                              <p:par>
+                                <p:cTn id="15" presetID="1" presetClass="entr" presetSubtype="0" fill="hold" nodeType="clickEffect">
+                                  <p:stCondLst>
+                                    <p:cond delay="0"/>
+                                  </p:stCondLst>
+                                  <p:childTnLst>
+                                    <p:set>
+                                      <p:cBhvr>
+                                        <p:cTn id="16" dur="1" fill="hold">
+                                          <p:stCondLst>
+                                            <p:cond delay="0"/>
+                                          </p:stCondLst>
+                                        </p:cTn>
+                                        <p:tgtEl>
+                                          <p:spTgt spid="26"/>
+                                        </p:tgtEl>
+                                        <p:attrNameLst>
+                                          <p:attrName>style.visibility</p:attrName>
+                                        </p:attrNameLst>
+                                      </p:cBhvr>
+                                      <p:to>
+                                        <p:strVal val="visible"/>
+                                      </p:to>
+                                    </p:set>
+                                  </p:childTnLst>
+                                </p:cTn>
+                              </p:par>
+                            </p:childTnLst>
+                          </p:cTn>
+                        </p:par>
+                      </p:childTnLst>
+                    </p:cTn>
+                  </p:par>
+                  <p:par>
+                    <p:cTn id="17" fill="hold">
+                      <p:stCondLst>
+                        <p:cond delay="indefinite"/>
+                      </p:stCondLst>
+                      <p:childTnLst>
+                        <p:par>
+                          <p:cTn id="18" fill="hold">
+                            <p:stCondLst>
+                              <p:cond delay="0"/>
+                            </p:stCondLst>
+                            <p:childTnLst>
+                              <p:par>
+                                <p:cTn id="19" presetID="1" presetClass="entr" presetSubtype="0" fill="hold" grpId="0" nodeType="clickEffect">
+                                  <p:stCondLst>
+                                    <p:cond delay="0"/>
+                                  </p:stCondLst>
+                                  <p:childTnLst>
+                                    <p:set>
+                                      <p:cBhvr>
+                                        <p:cTn id="20" dur="1" fill="hold">
+                                          <p:stCondLst>
+                                            <p:cond delay="0"/>
+                                          </p:stCondLst>
+                                        </p:cTn>
+                                        <p:tgtEl>
+                                          <p:spTgt spid="27"/>
+                                        </p:tgtEl>
+                                        <p:attrNameLst>
+                                          <p:attrName>style.visibility</p:attrName>
+                                        </p:attrNameLst>
+                                      </p:cBhvr>
+                                      <p:to>
+                                        <p:strVal val="visible"/>
+                                      </p:to>
+                                    </p:set>
+                                  </p:childTnLst>
+                                </p:cTn>
+                              </p:par>
+                            </p:childTnLst>
+                          </p:cTn>
+                        </p:par>
+                      </p:childTnLst>
+                    </p:cTn>
+                  </p:par>
+                  <p:par>
+                    <p:cTn id="21" fill="hold">
+                      <p:stCondLst>
+                        <p:cond delay="indefinite"/>
+                      </p:stCondLst>
+                      <p:childTnLst>
+                        <p:par>
+                          <p:cTn id="22" fill="hold">
+                            <p:stCondLst>
+                              <p:cond delay="0"/>
+                            </p:stCondLst>
+                            <p:childTnLst>
+                              <p:par>
+                                <p:cTn id="23" presetID="1" presetClass="entr" presetSubtype="0" fill="hold" nodeType="clickEffect">
+                                  <p:stCondLst>
+                                    <p:cond delay="0"/>
+                                  </p:stCondLst>
+                                  <p:childTnLst>
+                                    <p:set>
+                                      <p:cBhvr>
+                                        <p:cTn id="24" dur="1" fill="hold">
+                                          <p:stCondLst>
+                                            <p:cond delay="0"/>
+                                          </p:stCondLst>
+                                        </p:cTn>
+                                        <p:tgtEl>
+                                          <p:spTgt spid="28"/>
+                                        </p:tgtEl>
+                                        <p:attrNameLst>
+                                          <p:attrName>style.visibility</p:attrName>
+                                        </p:attrNameLst>
+                                      </p:cBhvr>
+                                      <p:to>
+                                        <p:strVal val="visible"/>
+                                      </p:to>
+                                    </p:set>
+                                  </p:childTnLst>
+                                </p:cTn>
+                              </p:par>
+                              <p:par>
+                                <p:cTn id="25" presetID="1" presetClass="entr" presetSubtype="0" fill="hold" nodeType="withEffect">
+                                  <p:stCondLst>
+                                    <p:cond delay="0"/>
+                                  </p:stCondLst>
+                                  <p:childTnLst>
+                                    <p:set>
+                                      <p:cBhvr>
+                                        <p:cTn id="26" dur="1" fill="hold">
+                                          <p:stCondLst>
+                                            <p:cond delay="0"/>
+                                          </p:stCondLst>
+                                        </p:cTn>
+                                        <p:tgtEl>
+                                          <p:spTgt spid="33"/>
+                                        </p:tgtEl>
+                                        <p:attrNameLst>
+                                          <p:attrName>style.visibility</p:attrName>
+                                        </p:attrNameLst>
+                                      </p:cBhvr>
+                                      <p:to>
+                                        <p:strVal val="visible"/>
+                                      </p:to>
+                                    </p:set>
+                                  </p:childTnLst>
+                                </p:cTn>
+                              </p:par>
+                              <p:par>
+                                <p:cTn id="27" presetID="1" presetClass="entr" presetSubtype="0" fill="hold" nodeType="withEffect">
+                                  <p:stCondLst>
+                                    <p:cond delay="0"/>
+                                  </p:stCondLst>
+                                  <p:childTnLst>
+                                    <p:set>
+                                      <p:cBhvr>
+                                        <p:cTn id="28" dur="1" fill="hold">
+                                          <p:stCondLst>
+                                            <p:cond delay="0"/>
+                                          </p:stCondLst>
+                                        </p:cTn>
+                                        <p:tgtEl>
+                                          <p:spTgt spid="30"/>
+                                        </p:tgtEl>
+                                        <p:attrNameLst>
+                                          <p:attrName>style.visibility</p:attrName>
+                                        </p:attrNameLst>
+                                      </p:cBhvr>
+                                      <p:to>
+                                        <p:strVal val="visible"/>
+                                      </p:to>
+                                    </p:set>
+                                  </p:childTnLst>
+                                </p:cTn>
+                              </p:par>
+                            </p:childTnLst>
+                          </p:cTn>
+                        </p:par>
+                      </p:childTnLst>
+                    </p:cTn>
+                  </p:par>
+                </p:childTnLst>
+              </p:cTn>
+              <p:prevCondLst>
+                <p:cond evt="onPrev" delay="0">
+                  <p:tgtEl>
+                    <p:sldTgt/>
+                  </p:tgtEl>
+                </p:cond>
+              </p:prevCondLst>
+              <p:nextCondLst>
+                <p:cond evt="onNext" delay="0">
+                  <p:tgtEl>
+                    <p:sldTgt/>
+                  </p:tgtEl>
+                </p:cond>
+              </p:nextCondLst>
+            </p:seq>
+          </p:childTnLst>
+        </p:cTn>
+      </p:par>
+    </p:tnLst>
+    <p:bldLst>
+      <p:bldP spid="27" grpId="0" animBg="1"/>
+    </p:bldLst>
+  </p:timing>
 </p:sld>
 </file>
 
@@ -5938,6 +7206,2226 @@
 </file>
 
 <file path=ppt/slides/slide20.xml><?xml version="1.0" encoding="utf-8"?>
+<p:sld xmlns:a="http://schemas.openxmlformats.org/drawingml/2006/main" xmlns:r="http://schemas.openxmlformats.org/officeDocument/2006/relationships" xmlns:p="http://schemas.openxmlformats.org/presentationml/2006/main">
+  <p:cSld>
+    <p:spTree>
+      <p:nvGrpSpPr>
+        <p:cNvPr id="1" name=""/>
+        <p:cNvGrpSpPr/>
+        <p:nvPr/>
+      </p:nvGrpSpPr>
+      <p:grpSpPr>
+        <a:xfrm>
+          <a:off x="0" y="0"/>
+          <a:ext cx="0" cy="0"/>
+          <a:chOff x="0" y="0"/>
+          <a:chExt cx="0" cy="0"/>
+        </a:xfrm>
+      </p:grpSpPr>
+      <p:sp>
+        <p:nvSpPr>
+          <p:cNvPr id="2" name="Title 1"/>
+          <p:cNvSpPr>
+            <a:spLocks noGrp="1"/>
+          </p:cNvSpPr>
+          <p:nvPr>
+            <p:ph type="title"/>
+          </p:nvPr>
+        </p:nvSpPr>
+        <p:spPr/>
+        <p:txBody>
+          <a:bodyPr/>
+          <a:lstStyle/>
+          <a:p>
+            <a:r>
+              <a:rPr lang="en-US" dirty="0" smtClean="0"/>
+              <a:t>Version Control</a:t>
+            </a:r>
+            <a:endParaRPr lang="en-US" dirty="0"/>
+          </a:p>
+        </p:txBody>
+      </p:sp>
+      <p:sp>
+        <p:nvSpPr>
+          <p:cNvPr id="3" name="Text Placeholder 2"/>
+          <p:cNvSpPr>
+            <a:spLocks noGrp="1"/>
+          </p:cNvSpPr>
+          <p:nvPr>
+            <p:ph type="body" sz="quarter" idx="18"/>
+          </p:nvPr>
+        </p:nvSpPr>
+        <p:spPr/>
+        <p:txBody>
+          <a:bodyPr/>
+          <a:lstStyle/>
+          <a:p>
+            <a:endParaRPr lang="en-US"/>
+          </a:p>
+        </p:txBody>
+      </p:sp>
+      <p:sp>
+        <p:nvSpPr>
+          <p:cNvPr id="8" name="AutoShape 2" descr="Image result for folder icon"/>
+          <p:cNvSpPr>
+            <a:spLocks noChangeAspect="1" noChangeArrowheads="1"/>
+          </p:cNvSpPr>
+          <p:nvPr/>
+        </p:nvSpPr>
+        <p:spPr bwMode="auto">
+          <a:xfrm>
+            <a:off x="155575" y="-2338388"/>
+            <a:ext cx="4876800" cy="4876801"/>
+          </a:xfrm>
+          <a:prstGeom prst="rect">
+            <a:avLst/>
+          </a:prstGeom>
+          <a:noFill/>
+          <a:extLst>
+            <a:ext uri="{909E8E84-426E-40DD-AFC4-6F175D3DCCD1}">
+              <a14:hiddenFill xmlns:a14="http://schemas.microsoft.com/office/drawing/2010/main">
+                <a:solidFill>
+                  <a:srgbClr val="FFFFFF"/>
+                </a:solidFill>
+              </a14:hiddenFill>
+            </a:ext>
+          </a:extLst>
+        </p:spPr>
+        <p:txBody>
+          <a:bodyPr vert="horz" wrap="square" lIns="91440" tIns="45720" rIns="91440" bIns="45720" numCol="1" anchor="t" anchorCtr="0" compatLnSpc="1">
+            <a:prstTxWarp prst="textNoShape">
+              <a:avLst/>
+            </a:prstTxWarp>
+          </a:bodyPr>
+          <a:lstStyle/>
+          <a:p>
+            <a:endParaRPr lang="en-US"/>
+          </a:p>
+        </p:txBody>
+      </p:sp>
+      <p:sp>
+        <p:nvSpPr>
+          <p:cNvPr id="9" name="AutoShape 4" descr="Image result for folder icon"/>
+          <p:cNvSpPr>
+            <a:spLocks noChangeAspect="1" noChangeArrowheads="1"/>
+          </p:cNvSpPr>
+          <p:nvPr/>
+        </p:nvSpPr>
+        <p:spPr bwMode="auto">
+          <a:xfrm>
+            <a:off x="307975" y="-2185988"/>
+            <a:ext cx="4876800" cy="4876801"/>
+          </a:xfrm>
+          <a:prstGeom prst="rect">
+            <a:avLst/>
+          </a:prstGeom>
+          <a:noFill/>
+          <a:extLst>
+            <a:ext uri="{909E8E84-426E-40DD-AFC4-6F175D3DCCD1}">
+              <a14:hiddenFill xmlns:a14="http://schemas.microsoft.com/office/drawing/2010/main">
+                <a:solidFill>
+                  <a:srgbClr val="FFFFFF"/>
+                </a:solidFill>
+              </a14:hiddenFill>
+            </a:ext>
+          </a:extLst>
+        </p:spPr>
+        <p:txBody>
+          <a:bodyPr vert="horz" wrap="square" lIns="91440" tIns="45720" rIns="91440" bIns="45720" numCol="1" anchor="t" anchorCtr="0" compatLnSpc="1">
+            <a:prstTxWarp prst="textNoShape">
+              <a:avLst/>
+            </a:prstTxWarp>
+          </a:bodyPr>
+          <a:lstStyle/>
+          <a:p>
+            <a:endParaRPr lang="en-US"/>
+          </a:p>
+        </p:txBody>
+      </p:sp>
+      <p:sp>
+        <p:nvSpPr>
+          <p:cNvPr id="10" name="AutoShape 6" descr="Image result for folder icon"/>
+          <p:cNvSpPr>
+            <a:spLocks noChangeAspect="1" noChangeArrowheads="1"/>
+          </p:cNvSpPr>
+          <p:nvPr/>
+        </p:nvSpPr>
+        <p:spPr bwMode="auto">
+          <a:xfrm>
+            <a:off x="460375" y="-2033588"/>
+            <a:ext cx="4876800" cy="4876801"/>
+          </a:xfrm>
+          <a:prstGeom prst="rect">
+            <a:avLst/>
+          </a:prstGeom>
+          <a:noFill/>
+          <a:extLst>
+            <a:ext uri="{909E8E84-426E-40DD-AFC4-6F175D3DCCD1}">
+              <a14:hiddenFill xmlns:a14="http://schemas.microsoft.com/office/drawing/2010/main">
+                <a:solidFill>
+                  <a:srgbClr val="FFFFFF"/>
+                </a:solidFill>
+              </a14:hiddenFill>
+            </a:ext>
+          </a:extLst>
+        </p:spPr>
+        <p:txBody>
+          <a:bodyPr vert="horz" wrap="square" lIns="91440" tIns="45720" rIns="91440" bIns="45720" numCol="1" anchor="t" anchorCtr="0" compatLnSpc="1">
+            <a:prstTxWarp prst="textNoShape">
+              <a:avLst/>
+            </a:prstTxWarp>
+          </a:bodyPr>
+          <a:lstStyle/>
+          <a:p>
+            <a:endParaRPr lang="en-US"/>
+          </a:p>
+        </p:txBody>
+      </p:sp>
+      <p:grpSp>
+        <p:nvGrpSpPr>
+          <p:cNvPr id="16" name="Group 15"/>
+          <p:cNvGrpSpPr/>
+          <p:nvPr/>
+        </p:nvGrpSpPr>
+        <p:grpSpPr>
+          <a:xfrm>
+            <a:off x="8497574" y="1517637"/>
+            <a:ext cx="2421149" cy="2134963"/>
+            <a:chOff x="8497574" y="1517637"/>
+            <a:chExt cx="2421149" cy="2134963"/>
+          </a:xfrm>
+        </p:grpSpPr>
+        <p:pic>
+          <p:nvPicPr>
+            <p:cNvPr id="14" name="Picture 13"/>
+            <p:cNvPicPr>
+              <a:picLocks noChangeAspect="1"/>
+            </p:cNvPicPr>
+            <p:nvPr/>
+          </p:nvPicPr>
+          <p:blipFill>
+            <a:blip r:embed="rId2" cstate="print">
+              <a:extLst>
+                <a:ext uri="{28A0092B-C50C-407E-A947-70E740481C1C}">
+                  <a14:useLocalDpi xmlns:a14="http://schemas.microsoft.com/office/drawing/2010/main" val="0"/>
+                </a:ext>
+              </a:extLst>
+            </a:blip>
+            <a:stretch>
+              <a:fillRect/>
+            </a:stretch>
+          </p:blipFill>
+          <p:spPr>
+            <a:xfrm>
+              <a:off x="8497574" y="1517637"/>
+              <a:ext cx="2100495" cy="1828800"/>
+            </a:xfrm>
+            <a:prstGeom prst="rect">
+              <a:avLst/>
+            </a:prstGeom>
+          </p:spPr>
+        </p:pic>
+        <p:sp>
+          <p:nvSpPr>
+            <p:cNvPr id="15" name="TextBox 14"/>
+            <p:cNvSpPr txBox="1"/>
+            <p:nvPr/>
+          </p:nvSpPr>
+          <p:spPr>
+            <a:xfrm>
+              <a:off x="9271820" y="3283268"/>
+              <a:ext cx="1646903" cy="369332"/>
+            </a:xfrm>
+            <a:prstGeom prst="rect">
+              <a:avLst/>
+            </a:prstGeom>
+            <a:noFill/>
+          </p:spPr>
+          <p:txBody>
+            <a:bodyPr wrap="square" rtlCol="0">
+              <a:spAutoFit/>
+            </a:bodyPr>
+            <a:lstStyle/>
+            <a:p>
+              <a:r>
+                <a:rPr lang="en-US" dirty="0" smtClean="0"/>
+                <a:t>Server</a:t>
+              </a:r>
+              <a:endParaRPr lang="en-US" dirty="0"/>
+            </a:p>
+          </p:txBody>
+        </p:sp>
+      </p:grpSp>
+      <p:cxnSp>
+        <p:nvCxnSpPr>
+          <p:cNvPr id="18" name="Straight Arrow Connector 17"/>
+          <p:cNvCxnSpPr/>
+          <p:nvPr/>
+        </p:nvCxnSpPr>
+        <p:spPr>
+          <a:xfrm>
+            <a:off x="3195484" y="2432037"/>
+            <a:ext cx="5142271" cy="0"/>
+          </a:xfrm>
+          <a:prstGeom prst="straightConnector1">
+            <a:avLst/>
+          </a:prstGeom>
+          <a:ln w="57150">
+            <a:tailEnd type="triangle"/>
+          </a:ln>
+        </p:spPr>
+        <p:style>
+          <a:lnRef idx="2">
+            <a:schemeClr val="accent1"/>
+          </a:lnRef>
+          <a:fillRef idx="0">
+            <a:schemeClr val="accent1"/>
+          </a:fillRef>
+          <a:effectRef idx="1">
+            <a:schemeClr val="accent1"/>
+          </a:effectRef>
+          <a:fontRef idx="minor">
+            <a:schemeClr val="tx1"/>
+          </a:fontRef>
+        </p:style>
+      </p:cxnSp>
+      <p:grpSp>
+        <p:nvGrpSpPr>
+          <p:cNvPr id="24" name="Group 23"/>
+          <p:cNvGrpSpPr/>
+          <p:nvPr/>
+        </p:nvGrpSpPr>
+        <p:grpSpPr>
+          <a:xfrm>
+            <a:off x="696610" y="1428407"/>
+            <a:ext cx="2107414" cy="2259217"/>
+            <a:chOff x="696610" y="1428407"/>
+            <a:chExt cx="2107414" cy="2259217"/>
+          </a:xfrm>
+        </p:grpSpPr>
+        <p:grpSp>
+          <p:nvGrpSpPr>
+            <p:cNvPr id="13" name="Group 12"/>
+            <p:cNvGrpSpPr/>
+            <p:nvPr/>
+          </p:nvGrpSpPr>
+          <p:grpSpPr>
+            <a:xfrm>
+              <a:off x="696610" y="1428407"/>
+              <a:ext cx="2007261" cy="2007261"/>
+              <a:chOff x="1070236" y="1529895"/>
+              <a:chExt cx="2007261" cy="2007261"/>
+            </a:xfrm>
+          </p:grpSpPr>
+          <p:pic>
+            <p:nvPicPr>
+              <p:cNvPr id="7" name="Picture 6"/>
+              <p:cNvPicPr>
+                <a:picLocks noChangeAspect="1"/>
+              </p:cNvPicPr>
+              <p:nvPr/>
+            </p:nvPicPr>
+            <p:blipFill>
+              <a:blip r:embed="rId3">
+                <a:extLst>
+                  <a:ext uri="{28A0092B-C50C-407E-A947-70E740481C1C}">
+                    <a14:useLocalDpi xmlns:a14="http://schemas.microsoft.com/office/drawing/2010/main" val="0"/>
+                  </a:ext>
+                </a:extLst>
+              </a:blip>
+              <a:stretch>
+                <a:fillRect/>
+              </a:stretch>
+            </p:blipFill>
+            <p:spPr>
+              <a:xfrm>
+                <a:off x="1070236" y="1529895"/>
+                <a:ext cx="2007261" cy="2007261"/>
+              </a:xfrm>
+              <a:prstGeom prst="rect">
+                <a:avLst/>
+              </a:prstGeom>
+            </p:spPr>
+          </p:pic>
+          <p:pic>
+            <p:nvPicPr>
+              <p:cNvPr id="11" name="Picture 10"/>
+              <p:cNvPicPr>
+                <a:picLocks noChangeAspect="1"/>
+              </p:cNvPicPr>
+              <p:nvPr/>
+            </p:nvPicPr>
+            <p:blipFill>
+              <a:blip r:embed="rId4" cstate="print">
+                <a:extLst>
+                  <a:ext uri="{28A0092B-C50C-407E-A947-70E740481C1C}">
+                    <a14:useLocalDpi xmlns:a14="http://schemas.microsoft.com/office/drawing/2010/main" val="0"/>
+                  </a:ext>
+                </a:extLst>
+              </a:blip>
+              <a:stretch>
+                <a:fillRect/>
+              </a:stretch>
+            </p:blipFill>
+            <p:spPr>
+              <a:xfrm>
+                <a:off x="1347171" y="1852612"/>
+                <a:ext cx="815925" cy="815925"/>
+              </a:xfrm>
+              <a:prstGeom prst="rect">
+                <a:avLst/>
+              </a:prstGeom>
+            </p:spPr>
+          </p:pic>
+          <p:sp>
+            <p:nvSpPr>
+              <p:cNvPr id="12" name="TextBox 11"/>
+              <p:cNvSpPr txBox="1"/>
+              <p:nvPr/>
+            </p:nvSpPr>
+            <p:spPr>
+              <a:xfrm>
+                <a:off x="1375844" y="2121071"/>
+                <a:ext cx="934064" cy="338554"/>
+              </a:xfrm>
+              <a:prstGeom prst="rect">
+                <a:avLst/>
+              </a:prstGeom>
+              <a:noFill/>
+            </p:spPr>
+            <p:txBody>
+              <a:bodyPr wrap="square" rtlCol="0">
+                <a:spAutoFit/>
+              </a:bodyPr>
+              <a:lstStyle/>
+              <a:p>
+                <a:r>
+                  <a:rPr lang="en-US" sz="1600" dirty="0" smtClean="0"/>
+                  <a:t>Picasso</a:t>
+                </a:r>
+                <a:endParaRPr lang="en-US" sz="1600" dirty="0"/>
+              </a:p>
+            </p:txBody>
+          </p:sp>
+        </p:grpSp>
+        <p:sp>
+          <p:nvSpPr>
+            <p:cNvPr id="23" name="TextBox 22"/>
+            <p:cNvSpPr txBox="1"/>
+            <p:nvPr/>
+          </p:nvSpPr>
+          <p:spPr>
+            <a:xfrm>
+              <a:off x="1367842" y="3318292"/>
+              <a:ext cx="1436182" cy="369332"/>
+            </a:xfrm>
+            <a:prstGeom prst="rect">
+              <a:avLst/>
+            </a:prstGeom>
+            <a:noFill/>
+          </p:spPr>
+          <p:txBody>
+            <a:bodyPr wrap="square" rtlCol="0">
+              <a:spAutoFit/>
+            </a:bodyPr>
+            <a:lstStyle/>
+            <a:p>
+              <a:r>
+                <a:rPr lang="en-US" dirty="0" smtClean="0"/>
+                <a:t>Dev</a:t>
+              </a:r>
+              <a:endParaRPr lang="en-US" dirty="0"/>
+            </a:p>
+          </p:txBody>
+        </p:sp>
+      </p:grpSp>
+      <p:grpSp>
+        <p:nvGrpSpPr>
+          <p:cNvPr id="26" name="Group 25"/>
+          <p:cNvGrpSpPr/>
+          <p:nvPr/>
+        </p:nvGrpSpPr>
+        <p:grpSpPr>
+          <a:xfrm>
+            <a:off x="777696" y="4604150"/>
+            <a:ext cx="2121079" cy="2253850"/>
+            <a:chOff x="4919565" y="4147843"/>
+            <a:chExt cx="2121079" cy="2253850"/>
+          </a:xfrm>
+        </p:grpSpPr>
+        <p:pic>
+          <p:nvPicPr>
+            <p:cNvPr id="20" name="Picture 19"/>
+            <p:cNvPicPr>
+              <a:picLocks noChangeAspect="1"/>
+            </p:cNvPicPr>
+            <p:nvPr/>
+          </p:nvPicPr>
+          <p:blipFill>
+            <a:blip r:embed="rId3">
+              <a:extLst>
+                <a:ext uri="{28A0092B-C50C-407E-A947-70E740481C1C}">
+                  <a14:useLocalDpi xmlns:a14="http://schemas.microsoft.com/office/drawing/2010/main" val="0"/>
+                </a:ext>
+              </a:extLst>
+            </a:blip>
+            <a:stretch>
+              <a:fillRect/>
+            </a:stretch>
+          </p:blipFill>
+          <p:spPr>
+            <a:xfrm>
+              <a:off x="4919565" y="4147843"/>
+              <a:ext cx="2007261" cy="2007261"/>
+            </a:xfrm>
+            <a:prstGeom prst="rect">
+              <a:avLst/>
+            </a:prstGeom>
+          </p:spPr>
+        </p:pic>
+        <p:sp>
+          <p:nvSpPr>
+            <p:cNvPr id="25" name="TextBox 24"/>
+            <p:cNvSpPr txBox="1"/>
+            <p:nvPr/>
+          </p:nvSpPr>
+          <p:spPr>
+            <a:xfrm>
+              <a:off x="5604462" y="6032361"/>
+              <a:ext cx="1436182" cy="369332"/>
+            </a:xfrm>
+            <a:prstGeom prst="rect">
+              <a:avLst/>
+            </a:prstGeom>
+            <a:noFill/>
+          </p:spPr>
+          <p:txBody>
+            <a:bodyPr wrap="square" rtlCol="0">
+              <a:spAutoFit/>
+            </a:bodyPr>
+            <a:lstStyle/>
+            <a:p>
+              <a:r>
+                <a:rPr lang="en-US" dirty="0" smtClean="0"/>
+                <a:t>User</a:t>
+              </a:r>
+              <a:endParaRPr lang="en-US" dirty="0"/>
+            </a:p>
+          </p:txBody>
+        </p:sp>
+      </p:grpSp>
+      <p:sp>
+        <p:nvSpPr>
+          <p:cNvPr id="27" name="Cloud 26"/>
+          <p:cNvSpPr/>
+          <p:nvPr/>
+        </p:nvSpPr>
+        <p:spPr>
+          <a:xfrm>
+            <a:off x="4336025" y="3700309"/>
+            <a:ext cx="2676878" cy="1069043"/>
+          </a:xfrm>
+          <a:prstGeom prst="cloud">
+            <a:avLst/>
+          </a:prstGeom>
+        </p:spPr>
+        <p:style>
+          <a:lnRef idx="1">
+            <a:schemeClr val="accent1"/>
+          </a:lnRef>
+          <a:fillRef idx="3">
+            <a:schemeClr val="accent1"/>
+          </a:fillRef>
+          <a:effectRef idx="2">
+            <a:schemeClr val="accent1"/>
+          </a:effectRef>
+          <a:fontRef idx="minor">
+            <a:schemeClr val="lt1"/>
+          </a:fontRef>
+        </p:style>
+        <p:txBody>
+          <a:bodyPr rtlCol="0" anchor="ctr"/>
+          <a:lstStyle/>
+          <a:p>
+            <a:pPr algn="ctr"/>
+            <a:r>
+              <a:rPr lang="en-US" dirty="0" smtClean="0"/>
+              <a:t>GitHub</a:t>
+            </a:r>
+            <a:endParaRPr lang="en-US" dirty="0"/>
+          </a:p>
+        </p:txBody>
+      </p:sp>
+      <p:cxnSp>
+        <p:nvCxnSpPr>
+          <p:cNvPr id="28" name="Straight Arrow Connector 27"/>
+          <p:cNvCxnSpPr/>
+          <p:nvPr/>
+        </p:nvCxnSpPr>
+        <p:spPr>
+          <a:xfrm>
+            <a:off x="2593975" y="3036721"/>
+            <a:ext cx="1643728" cy="974840"/>
+          </a:xfrm>
+          <a:prstGeom prst="straightConnector1">
+            <a:avLst/>
+          </a:prstGeom>
+          <a:ln w="57150">
+            <a:tailEnd type="triangle"/>
+          </a:ln>
+        </p:spPr>
+        <p:style>
+          <a:lnRef idx="2">
+            <a:schemeClr val="accent1"/>
+          </a:lnRef>
+          <a:fillRef idx="0">
+            <a:schemeClr val="accent1"/>
+          </a:fillRef>
+          <a:effectRef idx="1">
+            <a:schemeClr val="accent1"/>
+          </a:effectRef>
+          <a:fontRef idx="minor">
+            <a:schemeClr val="tx1"/>
+          </a:fontRef>
+        </p:style>
+      </p:cxnSp>
+      <p:cxnSp>
+        <p:nvCxnSpPr>
+          <p:cNvPr id="30" name="Straight Arrow Connector 29"/>
+          <p:cNvCxnSpPr/>
+          <p:nvPr/>
+        </p:nvCxnSpPr>
+        <p:spPr>
+          <a:xfrm flipV="1">
+            <a:off x="7180723" y="3283268"/>
+            <a:ext cx="1560154" cy="728293"/>
+          </a:xfrm>
+          <a:prstGeom prst="straightConnector1">
+            <a:avLst/>
+          </a:prstGeom>
+          <a:ln w="57150">
+            <a:tailEnd type="triangle"/>
+          </a:ln>
+        </p:spPr>
+        <p:style>
+          <a:lnRef idx="2">
+            <a:schemeClr val="accent1"/>
+          </a:lnRef>
+          <a:fillRef idx="0">
+            <a:schemeClr val="accent1"/>
+          </a:fillRef>
+          <a:effectRef idx="1">
+            <a:schemeClr val="accent1"/>
+          </a:effectRef>
+          <a:fontRef idx="minor">
+            <a:schemeClr val="tx1"/>
+          </a:fontRef>
+        </p:style>
+      </p:cxnSp>
+      <p:cxnSp>
+        <p:nvCxnSpPr>
+          <p:cNvPr id="33" name="Straight Arrow Connector 32"/>
+          <p:cNvCxnSpPr/>
+          <p:nvPr/>
+        </p:nvCxnSpPr>
+        <p:spPr>
+          <a:xfrm flipV="1">
+            <a:off x="2876652" y="4719128"/>
+            <a:ext cx="1459373" cy="859419"/>
+          </a:xfrm>
+          <a:prstGeom prst="straightConnector1">
+            <a:avLst/>
+          </a:prstGeom>
+          <a:ln w="57150">
+            <a:headEnd type="triangle"/>
+            <a:tailEnd type="triangle"/>
+          </a:ln>
+        </p:spPr>
+        <p:style>
+          <a:lnRef idx="2">
+            <a:schemeClr val="accent1"/>
+          </a:lnRef>
+          <a:fillRef idx="0">
+            <a:schemeClr val="accent1"/>
+          </a:fillRef>
+          <a:effectRef idx="1">
+            <a:schemeClr val="accent1"/>
+          </a:effectRef>
+          <a:fontRef idx="minor">
+            <a:schemeClr val="tx1"/>
+          </a:fontRef>
+        </p:style>
+      </p:cxnSp>
+    </p:spTree>
+    <p:extLst>
+      <p:ext uri="{BB962C8B-B14F-4D97-AF65-F5344CB8AC3E}">
+        <p14:creationId xmlns:p14="http://schemas.microsoft.com/office/powerpoint/2010/main" val="609615915"/>
+      </p:ext>
+    </p:extLst>
+  </p:cSld>
+  <p:clrMapOvr>
+    <a:masterClrMapping/>
+  </p:clrMapOvr>
+  <p:timing>
+    <p:tnLst>
+      <p:par>
+        <p:cTn id="1" dur="indefinite" restart="never" nodeType="tmRoot">
+          <p:childTnLst>
+            <p:seq concurrent="1" nextAc="seek">
+              <p:cTn id="2" dur="indefinite" nodeType="mainSeq">
+                <p:childTnLst>
+                  <p:par>
+                    <p:cTn id="3" fill="hold">
+                      <p:stCondLst>
+                        <p:cond delay="indefinite"/>
+                      </p:stCondLst>
+                      <p:childTnLst>
+                        <p:par>
+                          <p:cTn id="4" fill="hold">
+                            <p:stCondLst>
+                              <p:cond delay="0"/>
+                            </p:stCondLst>
+                            <p:childTnLst>
+                              <p:par>
+                                <p:cTn id="5" presetID="1" presetClass="entr" presetSubtype="0" fill="hold" nodeType="clickEffect">
+                                  <p:stCondLst>
+                                    <p:cond delay="0"/>
+                                  </p:stCondLst>
+                                  <p:childTnLst>
+                                    <p:set>
+                                      <p:cBhvr>
+                                        <p:cTn id="6" dur="1" fill="hold">
+                                          <p:stCondLst>
+                                            <p:cond delay="0"/>
+                                          </p:stCondLst>
+                                        </p:cTn>
+                                        <p:tgtEl>
+                                          <p:spTgt spid="24"/>
+                                        </p:tgtEl>
+                                        <p:attrNameLst>
+                                          <p:attrName>style.visibility</p:attrName>
+                                        </p:attrNameLst>
+                                      </p:cBhvr>
+                                      <p:to>
+                                        <p:strVal val="visible"/>
+                                      </p:to>
+                                    </p:set>
+                                  </p:childTnLst>
+                                </p:cTn>
+                              </p:par>
+                            </p:childTnLst>
+                          </p:cTn>
+                        </p:par>
+                      </p:childTnLst>
+                    </p:cTn>
+                  </p:par>
+                  <p:par>
+                    <p:cTn id="7" fill="hold">
+                      <p:stCondLst>
+                        <p:cond delay="indefinite"/>
+                      </p:stCondLst>
+                      <p:childTnLst>
+                        <p:par>
+                          <p:cTn id="8" fill="hold">
+                            <p:stCondLst>
+                              <p:cond delay="0"/>
+                            </p:stCondLst>
+                            <p:childTnLst>
+                              <p:par>
+                                <p:cTn id="9" presetID="1" presetClass="exit" presetSubtype="0" fill="hold" nodeType="clickEffect">
+                                  <p:stCondLst>
+                                    <p:cond delay="0"/>
+                                  </p:stCondLst>
+                                  <p:childTnLst>
+                                    <p:set>
+                                      <p:cBhvr>
+                                        <p:cTn id="10" dur="1" fill="hold">
+                                          <p:stCondLst>
+                                            <p:cond delay="0"/>
+                                          </p:stCondLst>
+                                        </p:cTn>
+                                        <p:tgtEl>
+                                          <p:spTgt spid="18"/>
+                                        </p:tgtEl>
+                                        <p:attrNameLst>
+                                          <p:attrName>style.visibility</p:attrName>
+                                        </p:attrNameLst>
+                                      </p:cBhvr>
+                                      <p:to>
+                                        <p:strVal val="hidden"/>
+                                      </p:to>
+                                    </p:set>
+                                  </p:childTnLst>
+                                </p:cTn>
+                              </p:par>
+                              <p:par>
+                                <p:cTn id="11" presetID="1" presetClass="entr" presetSubtype="0" fill="hold" nodeType="withEffect">
+                                  <p:stCondLst>
+                                    <p:cond delay="0"/>
+                                  </p:stCondLst>
+                                  <p:childTnLst>
+                                    <p:set>
+                                      <p:cBhvr>
+                                        <p:cTn id="12" dur="1" fill="hold">
+                                          <p:stCondLst>
+                                            <p:cond delay="0"/>
+                                          </p:stCondLst>
+                                        </p:cTn>
+                                        <p:tgtEl>
+                                          <p:spTgt spid="16"/>
+                                        </p:tgtEl>
+                                        <p:attrNameLst>
+                                          <p:attrName>style.visibility</p:attrName>
+                                        </p:attrNameLst>
+                                      </p:cBhvr>
+                                      <p:to>
+                                        <p:strVal val="visible"/>
+                                      </p:to>
+                                    </p:set>
+                                  </p:childTnLst>
+                                </p:cTn>
+                              </p:par>
+                            </p:childTnLst>
+                          </p:cTn>
+                        </p:par>
+                      </p:childTnLst>
+                    </p:cTn>
+                  </p:par>
+                  <p:par>
+                    <p:cTn id="13" fill="hold">
+                      <p:stCondLst>
+                        <p:cond delay="indefinite"/>
+                      </p:stCondLst>
+                      <p:childTnLst>
+                        <p:par>
+                          <p:cTn id="14" fill="hold">
+                            <p:stCondLst>
+                              <p:cond delay="0"/>
+                            </p:stCondLst>
+                            <p:childTnLst>
+                              <p:par>
+                                <p:cTn id="15" presetID="1" presetClass="entr" presetSubtype="0" fill="hold" nodeType="clickEffect">
+                                  <p:stCondLst>
+                                    <p:cond delay="0"/>
+                                  </p:stCondLst>
+                                  <p:childTnLst>
+                                    <p:set>
+                                      <p:cBhvr>
+                                        <p:cTn id="16" dur="1" fill="hold">
+                                          <p:stCondLst>
+                                            <p:cond delay="0"/>
+                                          </p:stCondLst>
+                                        </p:cTn>
+                                        <p:tgtEl>
+                                          <p:spTgt spid="26"/>
+                                        </p:tgtEl>
+                                        <p:attrNameLst>
+                                          <p:attrName>style.visibility</p:attrName>
+                                        </p:attrNameLst>
+                                      </p:cBhvr>
+                                      <p:to>
+                                        <p:strVal val="visible"/>
+                                      </p:to>
+                                    </p:set>
+                                  </p:childTnLst>
+                                </p:cTn>
+                              </p:par>
+                            </p:childTnLst>
+                          </p:cTn>
+                        </p:par>
+                      </p:childTnLst>
+                    </p:cTn>
+                  </p:par>
+                  <p:par>
+                    <p:cTn id="17" fill="hold">
+                      <p:stCondLst>
+                        <p:cond delay="indefinite"/>
+                      </p:stCondLst>
+                      <p:childTnLst>
+                        <p:par>
+                          <p:cTn id="18" fill="hold">
+                            <p:stCondLst>
+                              <p:cond delay="0"/>
+                            </p:stCondLst>
+                            <p:childTnLst>
+                              <p:par>
+                                <p:cTn id="19" presetID="1" presetClass="entr" presetSubtype="0" fill="hold" grpId="0" nodeType="clickEffect">
+                                  <p:stCondLst>
+                                    <p:cond delay="0"/>
+                                  </p:stCondLst>
+                                  <p:childTnLst>
+                                    <p:set>
+                                      <p:cBhvr>
+                                        <p:cTn id="20" dur="1" fill="hold">
+                                          <p:stCondLst>
+                                            <p:cond delay="0"/>
+                                          </p:stCondLst>
+                                        </p:cTn>
+                                        <p:tgtEl>
+                                          <p:spTgt spid="27"/>
+                                        </p:tgtEl>
+                                        <p:attrNameLst>
+                                          <p:attrName>style.visibility</p:attrName>
+                                        </p:attrNameLst>
+                                      </p:cBhvr>
+                                      <p:to>
+                                        <p:strVal val="visible"/>
+                                      </p:to>
+                                    </p:set>
+                                  </p:childTnLst>
+                                </p:cTn>
+                              </p:par>
+                            </p:childTnLst>
+                          </p:cTn>
+                        </p:par>
+                      </p:childTnLst>
+                    </p:cTn>
+                  </p:par>
+                  <p:par>
+                    <p:cTn id="21" fill="hold">
+                      <p:stCondLst>
+                        <p:cond delay="indefinite"/>
+                      </p:stCondLst>
+                      <p:childTnLst>
+                        <p:par>
+                          <p:cTn id="22" fill="hold">
+                            <p:stCondLst>
+                              <p:cond delay="0"/>
+                            </p:stCondLst>
+                            <p:childTnLst>
+                              <p:par>
+                                <p:cTn id="23" presetID="1" presetClass="entr" presetSubtype="0" fill="hold" nodeType="clickEffect">
+                                  <p:stCondLst>
+                                    <p:cond delay="0"/>
+                                  </p:stCondLst>
+                                  <p:childTnLst>
+                                    <p:set>
+                                      <p:cBhvr>
+                                        <p:cTn id="24" dur="1" fill="hold">
+                                          <p:stCondLst>
+                                            <p:cond delay="0"/>
+                                          </p:stCondLst>
+                                        </p:cTn>
+                                        <p:tgtEl>
+                                          <p:spTgt spid="28"/>
+                                        </p:tgtEl>
+                                        <p:attrNameLst>
+                                          <p:attrName>style.visibility</p:attrName>
+                                        </p:attrNameLst>
+                                      </p:cBhvr>
+                                      <p:to>
+                                        <p:strVal val="visible"/>
+                                      </p:to>
+                                    </p:set>
+                                  </p:childTnLst>
+                                </p:cTn>
+                              </p:par>
+                              <p:par>
+                                <p:cTn id="25" presetID="1" presetClass="entr" presetSubtype="0" fill="hold" nodeType="withEffect">
+                                  <p:stCondLst>
+                                    <p:cond delay="0"/>
+                                  </p:stCondLst>
+                                  <p:childTnLst>
+                                    <p:set>
+                                      <p:cBhvr>
+                                        <p:cTn id="26" dur="1" fill="hold">
+                                          <p:stCondLst>
+                                            <p:cond delay="0"/>
+                                          </p:stCondLst>
+                                        </p:cTn>
+                                        <p:tgtEl>
+                                          <p:spTgt spid="33"/>
+                                        </p:tgtEl>
+                                        <p:attrNameLst>
+                                          <p:attrName>style.visibility</p:attrName>
+                                        </p:attrNameLst>
+                                      </p:cBhvr>
+                                      <p:to>
+                                        <p:strVal val="visible"/>
+                                      </p:to>
+                                    </p:set>
+                                  </p:childTnLst>
+                                </p:cTn>
+                              </p:par>
+                              <p:par>
+                                <p:cTn id="27" presetID="1" presetClass="entr" presetSubtype="0" fill="hold" nodeType="withEffect">
+                                  <p:stCondLst>
+                                    <p:cond delay="0"/>
+                                  </p:stCondLst>
+                                  <p:childTnLst>
+                                    <p:set>
+                                      <p:cBhvr>
+                                        <p:cTn id="28" dur="1" fill="hold">
+                                          <p:stCondLst>
+                                            <p:cond delay="0"/>
+                                          </p:stCondLst>
+                                        </p:cTn>
+                                        <p:tgtEl>
+                                          <p:spTgt spid="30"/>
+                                        </p:tgtEl>
+                                        <p:attrNameLst>
+                                          <p:attrName>style.visibility</p:attrName>
+                                        </p:attrNameLst>
+                                      </p:cBhvr>
+                                      <p:to>
+                                        <p:strVal val="visible"/>
+                                      </p:to>
+                                    </p:set>
+                                  </p:childTnLst>
+                                </p:cTn>
+                              </p:par>
+                            </p:childTnLst>
+                          </p:cTn>
+                        </p:par>
+                      </p:childTnLst>
+                    </p:cTn>
+                  </p:par>
+                </p:childTnLst>
+              </p:cTn>
+              <p:prevCondLst>
+                <p:cond evt="onPrev" delay="0">
+                  <p:tgtEl>
+                    <p:sldTgt/>
+                  </p:tgtEl>
+                </p:cond>
+              </p:prevCondLst>
+              <p:nextCondLst>
+                <p:cond evt="onNext" delay="0">
+                  <p:tgtEl>
+                    <p:sldTgt/>
+                  </p:tgtEl>
+                </p:cond>
+              </p:nextCondLst>
+            </p:seq>
+          </p:childTnLst>
+        </p:cTn>
+      </p:par>
+    </p:tnLst>
+    <p:bldLst>
+      <p:bldP spid="27" grpId="0" animBg="1"/>
+    </p:bldLst>
+  </p:timing>
+</p:sld>
+</file>
+
+<file path=ppt/slides/slide21.xml><?xml version="1.0" encoding="utf-8"?>
+<p:sld xmlns:a="http://schemas.openxmlformats.org/drawingml/2006/main" xmlns:r="http://schemas.openxmlformats.org/officeDocument/2006/relationships" xmlns:p="http://schemas.openxmlformats.org/presentationml/2006/main">
+  <p:cSld>
+    <p:spTree>
+      <p:nvGrpSpPr>
+        <p:cNvPr id="1" name=""/>
+        <p:cNvGrpSpPr/>
+        <p:nvPr/>
+      </p:nvGrpSpPr>
+      <p:grpSpPr>
+        <a:xfrm>
+          <a:off x="0" y="0"/>
+          <a:ext cx="0" cy="0"/>
+          <a:chOff x="0" y="0"/>
+          <a:chExt cx="0" cy="0"/>
+        </a:xfrm>
+      </p:grpSpPr>
+      <p:sp>
+        <p:nvSpPr>
+          <p:cNvPr id="2" name="Title 1"/>
+          <p:cNvSpPr>
+            <a:spLocks noGrp="1"/>
+          </p:cNvSpPr>
+          <p:nvPr>
+            <p:ph type="title"/>
+          </p:nvPr>
+        </p:nvSpPr>
+        <p:spPr/>
+        <p:txBody>
+          <a:bodyPr/>
+          <a:lstStyle/>
+          <a:p>
+            <a:r>
+              <a:rPr lang="en-US" dirty="0" smtClean="0"/>
+              <a:t>Version Control</a:t>
+            </a:r>
+            <a:endParaRPr lang="en-US" dirty="0"/>
+          </a:p>
+        </p:txBody>
+      </p:sp>
+      <p:sp>
+        <p:nvSpPr>
+          <p:cNvPr id="3" name="Text Placeholder 2"/>
+          <p:cNvSpPr>
+            <a:spLocks noGrp="1"/>
+          </p:cNvSpPr>
+          <p:nvPr>
+            <p:ph type="body" sz="quarter" idx="18"/>
+          </p:nvPr>
+        </p:nvSpPr>
+        <p:spPr/>
+        <p:txBody>
+          <a:bodyPr/>
+          <a:lstStyle/>
+          <a:p>
+            <a:endParaRPr lang="en-US"/>
+          </a:p>
+        </p:txBody>
+      </p:sp>
+      <p:sp>
+        <p:nvSpPr>
+          <p:cNvPr id="8" name="AutoShape 2" descr="Image result for folder icon"/>
+          <p:cNvSpPr>
+            <a:spLocks noChangeAspect="1" noChangeArrowheads="1"/>
+          </p:cNvSpPr>
+          <p:nvPr/>
+        </p:nvSpPr>
+        <p:spPr bwMode="auto">
+          <a:xfrm>
+            <a:off x="155575" y="-2338388"/>
+            <a:ext cx="4876800" cy="4876801"/>
+          </a:xfrm>
+          <a:prstGeom prst="rect">
+            <a:avLst/>
+          </a:prstGeom>
+          <a:noFill/>
+          <a:extLst>
+            <a:ext uri="{909E8E84-426E-40DD-AFC4-6F175D3DCCD1}">
+              <a14:hiddenFill xmlns:a14="http://schemas.microsoft.com/office/drawing/2010/main">
+                <a:solidFill>
+                  <a:srgbClr val="FFFFFF"/>
+                </a:solidFill>
+              </a14:hiddenFill>
+            </a:ext>
+          </a:extLst>
+        </p:spPr>
+        <p:txBody>
+          <a:bodyPr vert="horz" wrap="square" lIns="91440" tIns="45720" rIns="91440" bIns="45720" numCol="1" anchor="t" anchorCtr="0" compatLnSpc="1">
+            <a:prstTxWarp prst="textNoShape">
+              <a:avLst/>
+            </a:prstTxWarp>
+          </a:bodyPr>
+          <a:lstStyle/>
+          <a:p>
+            <a:endParaRPr lang="en-US"/>
+          </a:p>
+        </p:txBody>
+      </p:sp>
+      <p:sp>
+        <p:nvSpPr>
+          <p:cNvPr id="9" name="AutoShape 4" descr="Image result for folder icon"/>
+          <p:cNvSpPr>
+            <a:spLocks noChangeAspect="1" noChangeArrowheads="1"/>
+          </p:cNvSpPr>
+          <p:nvPr/>
+        </p:nvSpPr>
+        <p:spPr bwMode="auto">
+          <a:xfrm>
+            <a:off x="307975" y="-2185988"/>
+            <a:ext cx="4876800" cy="4876801"/>
+          </a:xfrm>
+          <a:prstGeom prst="rect">
+            <a:avLst/>
+          </a:prstGeom>
+          <a:noFill/>
+          <a:extLst>
+            <a:ext uri="{909E8E84-426E-40DD-AFC4-6F175D3DCCD1}">
+              <a14:hiddenFill xmlns:a14="http://schemas.microsoft.com/office/drawing/2010/main">
+                <a:solidFill>
+                  <a:srgbClr val="FFFFFF"/>
+                </a:solidFill>
+              </a14:hiddenFill>
+            </a:ext>
+          </a:extLst>
+        </p:spPr>
+        <p:txBody>
+          <a:bodyPr vert="horz" wrap="square" lIns="91440" tIns="45720" rIns="91440" bIns="45720" numCol="1" anchor="t" anchorCtr="0" compatLnSpc="1">
+            <a:prstTxWarp prst="textNoShape">
+              <a:avLst/>
+            </a:prstTxWarp>
+          </a:bodyPr>
+          <a:lstStyle/>
+          <a:p>
+            <a:endParaRPr lang="en-US"/>
+          </a:p>
+        </p:txBody>
+      </p:sp>
+      <p:sp>
+        <p:nvSpPr>
+          <p:cNvPr id="10" name="AutoShape 6" descr="Image result for folder icon"/>
+          <p:cNvSpPr>
+            <a:spLocks noChangeAspect="1" noChangeArrowheads="1"/>
+          </p:cNvSpPr>
+          <p:nvPr/>
+        </p:nvSpPr>
+        <p:spPr bwMode="auto">
+          <a:xfrm>
+            <a:off x="460375" y="-2033588"/>
+            <a:ext cx="4876800" cy="4876801"/>
+          </a:xfrm>
+          <a:prstGeom prst="rect">
+            <a:avLst/>
+          </a:prstGeom>
+          <a:noFill/>
+          <a:extLst>
+            <a:ext uri="{909E8E84-426E-40DD-AFC4-6F175D3DCCD1}">
+              <a14:hiddenFill xmlns:a14="http://schemas.microsoft.com/office/drawing/2010/main">
+                <a:solidFill>
+                  <a:srgbClr val="FFFFFF"/>
+                </a:solidFill>
+              </a14:hiddenFill>
+            </a:ext>
+          </a:extLst>
+        </p:spPr>
+        <p:txBody>
+          <a:bodyPr vert="horz" wrap="square" lIns="91440" tIns="45720" rIns="91440" bIns="45720" numCol="1" anchor="t" anchorCtr="0" compatLnSpc="1">
+            <a:prstTxWarp prst="textNoShape">
+              <a:avLst/>
+            </a:prstTxWarp>
+          </a:bodyPr>
+          <a:lstStyle/>
+          <a:p>
+            <a:endParaRPr lang="en-US"/>
+          </a:p>
+        </p:txBody>
+      </p:sp>
+      <p:pic>
+        <p:nvPicPr>
+          <p:cNvPr id="4" name="Picture 3"/>
+          <p:cNvPicPr>
+            <a:picLocks noChangeAspect="1"/>
+          </p:cNvPicPr>
+          <p:nvPr/>
+        </p:nvPicPr>
+        <p:blipFill>
+          <a:blip r:embed="rId2">
+            <a:extLst>
+              <a:ext uri="{28A0092B-C50C-407E-A947-70E740481C1C}">
+                <a14:useLocalDpi xmlns:a14="http://schemas.microsoft.com/office/drawing/2010/main" val="0"/>
+              </a:ext>
+            </a:extLst>
+          </a:blip>
+          <a:stretch>
+            <a:fillRect/>
+          </a:stretch>
+        </p:blipFill>
+        <p:spPr>
+          <a:xfrm>
+            <a:off x="3390002" y="1363631"/>
+            <a:ext cx="4141409" cy="4959771"/>
+          </a:xfrm>
+          <a:prstGeom prst="rect">
+            <a:avLst/>
+          </a:prstGeom>
+        </p:spPr>
+      </p:pic>
+      <p:grpSp>
+        <p:nvGrpSpPr>
+          <p:cNvPr id="19" name="Group 18"/>
+          <p:cNvGrpSpPr/>
+          <p:nvPr/>
+        </p:nvGrpSpPr>
+        <p:grpSpPr>
+          <a:xfrm>
+            <a:off x="2084439" y="5211097"/>
+            <a:ext cx="1641987" cy="969100"/>
+            <a:chOff x="2084439" y="5211097"/>
+            <a:chExt cx="1641987" cy="969100"/>
+          </a:xfrm>
+        </p:grpSpPr>
+        <p:cxnSp>
+          <p:nvCxnSpPr>
+            <p:cNvPr id="6" name="Straight Arrow Connector 5"/>
+            <p:cNvCxnSpPr/>
+            <p:nvPr/>
+          </p:nvCxnSpPr>
+          <p:spPr>
+            <a:xfrm flipH="1">
+              <a:off x="2746375" y="5211097"/>
+              <a:ext cx="980051" cy="511277"/>
+            </a:xfrm>
+            <a:prstGeom prst="straightConnector1">
+              <a:avLst/>
+            </a:prstGeom>
+            <a:ln>
+              <a:tailEnd type="triangle"/>
+            </a:ln>
+          </p:spPr>
+          <p:style>
+            <a:lnRef idx="2">
+              <a:schemeClr val="accent1"/>
+            </a:lnRef>
+            <a:fillRef idx="0">
+              <a:schemeClr val="accent1"/>
+            </a:fillRef>
+            <a:effectRef idx="1">
+              <a:schemeClr val="accent1"/>
+            </a:effectRef>
+            <a:fontRef idx="minor">
+              <a:schemeClr val="tx1"/>
+            </a:fontRef>
+          </p:style>
+        </p:cxnSp>
+        <p:sp>
+          <p:nvSpPr>
+            <p:cNvPr id="17" name="TextBox 16"/>
+            <p:cNvSpPr txBox="1"/>
+            <p:nvPr/>
+          </p:nvSpPr>
+          <p:spPr>
+            <a:xfrm>
+              <a:off x="2084439" y="5810865"/>
+              <a:ext cx="1151961" cy="369332"/>
+            </a:xfrm>
+            <a:prstGeom prst="rect">
+              <a:avLst/>
+            </a:prstGeom>
+            <a:noFill/>
+          </p:spPr>
+          <p:txBody>
+            <a:bodyPr wrap="square" rtlCol="0">
+              <a:spAutoFit/>
+            </a:bodyPr>
+            <a:lstStyle/>
+            <a:p>
+              <a:r>
+                <a:rPr lang="en-US" dirty="0" smtClean="0"/>
+                <a:t>Branch A</a:t>
+              </a:r>
+              <a:endParaRPr lang="en-US" dirty="0"/>
+            </a:p>
+          </p:txBody>
+        </p:sp>
+      </p:grpSp>
+      <p:grpSp>
+        <p:nvGrpSpPr>
+          <p:cNvPr id="34" name="Group 33"/>
+          <p:cNvGrpSpPr/>
+          <p:nvPr/>
+        </p:nvGrpSpPr>
+        <p:grpSpPr>
+          <a:xfrm>
+            <a:off x="4639712" y="5203412"/>
+            <a:ext cx="1641987" cy="969100"/>
+            <a:chOff x="2084439" y="5211097"/>
+            <a:chExt cx="1641987" cy="969100"/>
+          </a:xfrm>
+        </p:grpSpPr>
+        <p:cxnSp>
+          <p:nvCxnSpPr>
+            <p:cNvPr id="35" name="Straight Arrow Connector 34"/>
+            <p:cNvCxnSpPr/>
+            <p:nvPr/>
+          </p:nvCxnSpPr>
+          <p:spPr>
+            <a:xfrm flipH="1">
+              <a:off x="2746375" y="5211097"/>
+              <a:ext cx="980051" cy="511277"/>
+            </a:xfrm>
+            <a:prstGeom prst="straightConnector1">
+              <a:avLst/>
+            </a:prstGeom>
+            <a:ln>
+              <a:tailEnd type="triangle"/>
+            </a:ln>
+          </p:spPr>
+          <p:style>
+            <a:lnRef idx="2">
+              <a:schemeClr val="accent1"/>
+            </a:lnRef>
+            <a:fillRef idx="0">
+              <a:schemeClr val="accent1"/>
+            </a:fillRef>
+            <a:effectRef idx="1">
+              <a:schemeClr val="accent1"/>
+            </a:effectRef>
+            <a:fontRef idx="minor">
+              <a:schemeClr val="tx1"/>
+            </a:fontRef>
+          </p:style>
+        </p:cxnSp>
+        <p:sp>
+          <p:nvSpPr>
+            <p:cNvPr id="36" name="TextBox 35"/>
+            <p:cNvSpPr txBox="1"/>
+            <p:nvPr/>
+          </p:nvSpPr>
+          <p:spPr>
+            <a:xfrm>
+              <a:off x="2084439" y="5810865"/>
+              <a:ext cx="1151961" cy="369332"/>
+            </a:xfrm>
+            <a:prstGeom prst="rect">
+              <a:avLst/>
+            </a:prstGeom>
+            <a:noFill/>
+          </p:spPr>
+          <p:txBody>
+            <a:bodyPr wrap="square" rtlCol="0">
+              <a:spAutoFit/>
+            </a:bodyPr>
+            <a:lstStyle/>
+            <a:p>
+              <a:r>
+                <a:rPr lang="en-US" dirty="0" smtClean="0"/>
+                <a:t>Branch B</a:t>
+              </a:r>
+              <a:endParaRPr lang="en-US" dirty="0"/>
+            </a:p>
+          </p:txBody>
+        </p:sp>
+      </p:grpSp>
+      <p:grpSp>
+        <p:nvGrpSpPr>
+          <p:cNvPr id="37" name="Group 36"/>
+          <p:cNvGrpSpPr/>
+          <p:nvPr/>
+        </p:nvGrpSpPr>
+        <p:grpSpPr>
+          <a:xfrm>
+            <a:off x="7171804" y="5184057"/>
+            <a:ext cx="1370233" cy="1076633"/>
+            <a:chOff x="1866167" y="5103564"/>
+            <a:chExt cx="1370233" cy="1076633"/>
+          </a:xfrm>
+        </p:grpSpPr>
+        <p:cxnSp>
+          <p:nvCxnSpPr>
+            <p:cNvPr id="38" name="Straight Arrow Connector 37"/>
+            <p:cNvCxnSpPr/>
+            <p:nvPr/>
+          </p:nvCxnSpPr>
+          <p:spPr>
+            <a:xfrm>
+              <a:off x="1866167" y="5103564"/>
+              <a:ext cx="880209" cy="618810"/>
+            </a:xfrm>
+            <a:prstGeom prst="straightConnector1">
+              <a:avLst/>
+            </a:prstGeom>
+            <a:ln>
+              <a:tailEnd type="triangle"/>
+            </a:ln>
+          </p:spPr>
+          <p:style>
+            <a:lnRef idx="2">
+              <a:schemeClr val="accent1"/>
+            </a:lnRef>
+            <a:fillRef idx="0">
+              <a:schemeClr val="accent1"/>
+            </a:fillRef>
+            <a:effectRef idx="1">
+              <a:schemeClr val="accent1"/>
+            </a:effectRef>
+            <a:fontRef idx="minor">
+              <a:schemeClr val="tx1"/>
+            </a:fontRef>
+          </p:style>
+        </p:cxnSp>
+        <p:sp>
+          <p:nvSpPr>
+            <p:cNvPr id="39" name="TextBox 38"/>
+            <p:cNvSpPr txBox="1"/>
+            <p:nvPr/>
+          </p:nvSpPr>
+          <p:spPr>
+            <a:xfrm>
+              <a:off x="2084439" y="5810865"/>
+              <a:ext cx="1151961" cy="369332"/>
+            </a:xfrm>
+            <a:prstGeom prst="rect">
+              <a:avLst/>
+            </a:prstGeom>
+            <a:noFill/>
+          </p:spPr>
+          <p:txBody>
+            <a:bodyPr wrap="square" rtlCol="0">
+              <a:spAutoFit/>
+            </a:bodyPr>
+            <a:lstStyle/>
+            <a:p>
+              <a:r>
+                <a:rPr lang="en-US" dirty="0" smtClean="0"/>
+                <a:t>Branch C</a:t>
+              </a:r>
+              <a:endParaRPr lang="en-US" dirty="0"/>
+            </a:p>
+          </p:txBody>
+        </p:sp>
+      </p:grpSp>
+    </p:spTree>
+    <p:extLst>
+      <p:ext uri="{BB962C8B-B14F-4D97-AF65-F5344CB8AC3E}">
+        <p14:creationId xmlns:p14="http://schemas.microsoft.com/office/powerpoint/2010/main" val="3854836475"/>
+      </p:ext>
+    </p:extLst>
+  </p:cSld>
+  <p:clrMapOvr>
+    <a:masterClrMapping/>
+  </p:clrMapOvr>
+  <p:timing>
+    <p:tnLst>
+      <p:par>
+        <p:cTn id="1" dur="indefinite" restart="never" nodeType="tmRoot">
+          <p:childTnLst>
+            <p:seq concurrent="1" nextAc="seek">
+              <p:cTn id="2" dur="indefinite" nodeType="mainSeq">
+                <p:childTnLst>
+                  <p:par>
+                    <p:cTn id="3" fill="hold">
+                      <p:stCondLst>
+                        <p:cond delay="indefinite"/>
+                      </p:stCondLst>
+                      <p:childTnLst>
+                        <p:par>
+                          <p:cTn id="4" fill="hold">
+                            <p:stCondLst>
+                              <p:cond delay="0"/>
+                            </p:stCondLst>
+                            <p:childTnLst>
+                              <p:par>
+                                <p:cTn id="5" presetID="1" presetClass="entr" presetSubtype="0" fill="hold" nodeType="clickEffect">
+                                  <p:stCondLst>
+                                    <p:cond delay="0"/>
+                                  </p:stCondLst>
+                                  <p:childTnLst>
+                                    <p:set>
+                                      <p:cBhvr>
+                                        <p:cTn id="6" dur="1" fill="hold">
+                                          <p:stCondLst>
+                                            <p:cond delay="0"/>
+                                          </p:stCondLst>
+                                        </p:cTn>
+                                        <p:tgtEl>
+                                          <p:spTgt spid="19"/>
+                                        </p:tgtEl>
+                                        <p:attrNameLst>
+                                          <p:attrName>style.visibility</p:attrName>
+                                        </p:attrNameLst>
+                                      </p:cBhvr>
+                                      <p:to>
+                                        <p:strVal val="visible"/>
+                                      </p:to>
+                                    </p:set>
+                                  </p:childTnLst>
+                                </p:cTn>
+                              </p:par>
+                            </p:childTnLst>
+                          </p:cTn>
+                        </p:par>
+                      </p:childTnLst>
+                    </p:cTn>
+                  </p:par>
+                  <p:par>
+                    <p:cTn id="7" fill="hold">
+                      <p:stCondLst>
+                        <p:cond delay="indefinite"/>
+                      </p:stCondLst>
+                      <p:childTnLst>
+                        <p:par>
+                          <p:cTn id="8" fill="hold">
+                            <p:stCondLst>
+                              <p:cond delay="0"/>
+                            </p:stCondLst>
+                            <p:childTnLst>
+                              <p:par>
+                                <p:cTn id="9" presetID="1" presetClass="entr" presetSubtype="0" fill="hold" nodeType="clickEffect">
+                                  <p:stCondLst>
+                                    <p:cond delay="0"/>
+                                  </p:stCondLst>
+                                  <p:childTnLst>
+                                    <p:set>
+                                      <p:cBhvr>
+                                        <p:cTn id="10" dur="1" fill="hold">
+                                          <p:stCondLst>
+                                            <p:cond delay="0"/>
+                                          </p:stCondLst>
+                                        </p:cTn>
+                                        <p:tgtEl>
+                                          <p:spTgt spid="34"/>
+                                        </p:tgtEl>
+                                        <p:attrNameLst>
+                                          <p:attrName>style.visibility</p:attrName>
+                                        </p:attrNameLst>
+                                      </p:cBhvr>
+                                      <p:to>
+                                        <p:strVal val="visible"/>
+                                      </p:to>
+                                    </p:set>
+                                  </p:childTnLst>
+                                </p:cTn>
+                              </p:par>
+                            </p:childTnLst>
+                          </p:cTn>
+                        </p:par>
+                      </p:childTnLst>
+                    </p:cTn>
+                  </p:par>
+                  <p:par>
+                    <p:cTn id="11" fill="hold">
+                      <p:stCondLst>
+                        <p:cond delay="indefinite"/>
+                      </p:stCondLst>
+                      <p:childTnLst>
+                        <p:par>
+                          <p:cTn id="12" fill="hold">
+                            <p:stCondLst>
+                              <p:cond delay="0"/>
+                            </p:stCondLst>
+                            <p:childTnLst>
+                              <p:par>
+                                <p:cTn id="13" presetID="1" presetClass="entr" presetSubtype="0" fill="hold" nodeType="clickEffect">
+                                  <p:stCondLst>
+                                    <p:cond delay="0"/>
+                                  </p:stCondLst>
+                                  <p:childTnLst>
+                                    <p:set>
+                                      <p:cBhvr>
+                                        <p:cTn id="14" dur="1" fill="hold">
+                                          <p:stCondLst>
+                                            <p:cond delay="0"/>
+                                          </p:stCondLst>
+                                        </p:cTn>
+                                        <p:tgtEl>
+                                          <p:spTgt spid="37"/>
+                                        </p:tgtEl>
+                                        <p:attrNameLst>
+                                          <p:attrName>style.visibility</p:attrName>
+                                        </p:attrNameLst>
+                                      </p:cBhvr>
+                                      <p:to>
+                                        <p:strVal val="visible"/>
+                                      </p:to>
+                                    </p:set>
+                                  </p:childTnLst>
+                                </p:cTn>
+                              </p:par>
+                            </p:childTnLst>
+                          </p:cTn>
+                        </p:par>
+                      </p:childTnLst>
+                    </p:cTn>
+                  </p:par>
+                </p:childTnLst>
+              </p:cTn>
+              <p:prevCondLst>
+                <p:cond evt="onPrev" delay="0">
+                  <p:tgtEl>
+                    <p:sldTgt/>
+                  </p:tgtEl>
+                </p:cond>
+              </p:prevCondLst>
+              <p:nextCondLst>
+                <p:cond evt="onNext" delay="0">
+                  <p:tgtEl>
+                    <p:sldTgt/>
+                  </p:tgtEl>
+                </p:cond>
+              </p:nextCondLst>
+            </p:seq>
+          </p:childTnLst>
+        </p:cTn>
+      </p:par>
+    </p:tnLst>
+  </p:timing>
+</p:sld>
+</file>
+
+<file path=ppt/slides/slide22.xml><?xml version="1.0" encoding="utf-8"?>
+<p:sld xmlns:a="http://schemas.openxmlformats.org/drawingml/2006/main" xmlns:r="http://schemas.openxmlformats.org/officeDocument/2006/relationships" xmlns:p="http://schemas.openxmlformats.org/presentationml/2006/main">
+  <p:cSld>
+    <p:spTree>
+      <p:nvGrpSpPr>
+        <p:cNvPr id="1" name=""/>
+        <p:cNvGrpSpPr/>
+        <p:nvPr/>
+      </p:nvGrpSpPr>
+      <p:grpSpPr>
+        <a:xfrm>
+          <a:off x="0" y="0"/>
+          <a:ext cx="0" cy="0"/>
+          <a:chOff x="0" y="0"/>
+          <a:chExt cx="0" cy="0"/>
+        </a:xfrm>
+      </p:grpSpPr>
+      <p:sp>
+        <p:nvSpPr>
+          <p:cNvPr id="2" name="Title 1"/>
+          <p:cNvSpPr>
+            <a:spLocks noGrp="1"/>
+          </p:cNvSpPr>
+          <p:nvPr>
+            <p:ph type="title"/>
+          </p:nvPr>
+        </p:nvSpPr>
+        <p:spPr/>
+        <p:txBody>
+          <a:bodyPr/>
+          <a:lstStyle/>
+          <a:p>
+            <a:r>
+              <a:rPr lang="en-US" dirty="0" smtClean="0"/>
+              <a:t>Hands on</a:t>
+            </a:r>
+            <a:endParaRPr lang="en-US" dirty="0"/>
+          </a:p>
+        </p:txBody>
+      </p:sp>
+      <p:sp>
+        <p:nvSpPr>
+          <p:cNvPr id="3" name="Text Placeholder 2"/>
+          <p:cNvSpPr>
+            <a:spLocks noGrp="1"/>
+          </p:cNvSpPr>
+          <p:nvPr>
+            <p:ph type="body" sz="quarter" idx="18"/>
+          </p:nvPr>
+        </p:nvSpPr>
+        <p:spPr/>
+        <p:txBody>
+          <a:bodyPr/>
+          <a:lstStyle/>
+          <a:p>
+            <a:endParaRPr lang="en-US"/>
+          </a:p>
+        </p:txBody>
+      </p:sp>
+      <p:sp>
+        <p:nvSpPr>
+          <p:cNvPr id="8" name="AutoShape 2" descr="Image result for folder icon"/>
+          <p:cNvSpPr>
+            <a:spLocks noChangeAspect="1" noChangeArrowheads="1"/>
+          </p:cNvSpPr>
+          <p:nvPr/>
+        </p:nvSpPr>
+        <p:spPr bwMode="auto">
+          <a:xfrm>
+            <a:off x="155575" y="-2338388"/>
+            <a:ext cx="4876800" cy="4876801"/>
+          </a:xfrm>
+          <a:prstGeom prst="rect">
+            <a:avLst/>
+          </a:prstGeom>
+          <a:noFill/>
+          <a:extLst>
+            <a:ext uri="{909E8E84-426E-40DD-AFC4-6F175D3DCCD1}">
+              <a14:hiddenFill xmlns:a14="http://schemas.microsoft.com/office/drawing/2010/main">
+                <a:solidFill>
+                  <a:srgbClr val="FFFFFF"/>
+                </a:solidFill>
+              </a14:hiddenFill>
+            </a:ext>
+          </a:extLst>
+        </p:spPr>
+        <p:txBody>
+          <a:bodyPr vert="horz" wrap="square" lIns="91440" tIns="45720" rIns="91440" bIns="45720" numCol="1" anchor="t" anchorCtr="0" compatLnSpc="1">
+            <a:prstTxWarp prst="textNoShape">
+              <a:avLst/>
+            </a:prstTxWarp>
+          </a:bodyPr>
+          <a:lstStyle/>
+          <a:p>
+            <a:endParaRPr lang="en-US"/>
+          </a:p>
+        </p:txBody>
+      </p:sp>
+      <p:sp>
+        <p:nvSpPr>
+          <p:cNvPr id="9" name="AutoShape 4" descr="Image result for folder icon"/>
+          <p:cNvSpPr>
+            <a:spLocks noChangeAspect="1" noChangeArrowheads="1"/>
+          </p:cNvSpPr>
+          <p:nvPr/>
+        </p:nvSpPr>
+        <p:spPr bwMode="auto">
+          <a:xfrm>
+            <a:off x="307975" y="-2185988"/>
+            <a:ext cx="4876800" cy="4876801"/>
+          </a:xfrm>
+          <a:prstGeom prst="rect">
+            <a:avLst/>
+          </a:prstGeom>
+          <a:noFill/>
+          <a:extLst>
+            <a:ext uri="{909E8E84-426E-40DD-AFC4-6F175D3DCCD1}">
+              <a14:hiddenFill xmlns:a14="http://schemas.microsoft.com/office/drawing/2010/main">
+                <a:solidFill>
+                  <a:srgbClr val="FFFFFF"/>
+                </a:solidFill>
+              </a14:hiddenFill>
+            </a:ext>
+          </a:extLst>
+        </p:spPr>
+        <p:txBody>
+          <a:bodyPr vert="horz" wrap="square" lIns="91440" tIns="45720" rIns="91440" bIns="45720" numCol="1" anchor="t" anchorCtr="0" compatLnSpc="1">
+            <a:prstTxWarp prst="textNoShape">
+              <a:avLst/>
+            </a:prstTxWarp>
+          </a:bodyPr>
+          <a:lstStyle/>
+          <a:p>
+            <a:endParaRPr lang="en-US"/>
+          </a:p>
+        </p:txBody>
+      </p:sp>
+      <p:sp>
+        <p:nvSpPr>
+          <p:cNvPr id="10" name="AutoShape 6" descr="Image result for folder icon"/>
+          <p:cNvSpPr>
+            <a:spLocks noChangeAspect="1" noChangeArrowheads="1"/>
+          </p:cNvSpPr>
+          <p:nvPr/>
+        </p:nvSpPr>
+        <p:spPr bwMode="auto">
+          <a:xfrm>
+            <a:off x="460375" y="-2033588"/>
+            <a:ext cx="4876800" cy="4876801"/>
+          </a:xfrm>
+          <a:prstGeom prst="rect">
+            <a:avLst/>
+          </a:prstGeom>
+          <a:noFill/>
+          <a:extLst>
+            <a:ext uri="{909E8E84-426E-40DD-AFC4-6F175D3DCCD1}">
+              <a14:hiddenFill xmlns:a14="http://schemas.microsoft.com/office/drawing/2010/main">
+                <a:solidFill>
+                  <a:srgbClr val="FFFFFF"/>
+                </a:solidFill>
+              </a14:hiddenFill>
+            </a:ext>
+          </a:extLst>
+        </p:spPr>
+        <p:txBody>
+          <a:bodyPr vert="horz" wrap="square" lIns="91440" tIns="45720" rIns="91440" bIns="45720" numCol="1" anchor="t" anchorCtr="0" compatLnSpc="1">
+            <a:prstTxWarp prst="textNoShape">
+              <a:avLst/>
+            </a:prstTxWarp>
+          </a:bodyPr>
+          <a:lstStyle/>
+          <a:p>
+            <a:endParaRPr lang="en-US"/>
+          </a:p>
+        </p:txBody>
+      </p:sp>
+      <p:sp>
+        <p:nvSpPr>
+          <p:cNvPr id="5" name="TextBox 4"/>
+          <p:cNvSpPr txBox="1"/>
+          <p:nvPr/>
+        </p:nvSpPr>
+        <p:spPr>
+          <a:xfrm>
+            <a:off x="1192159" y="4713228"/>
+            <a:ext cx="9571703" cy="727571"/>
+          </a:xfrm>
+          <a:prstGeom prst="rect">
+            <a:avLst/>
+          </a:prstGeom>
+          <a:noFill/>
+        </p:spPr>
+        <p:txBody>
+          <a:bodyPr wrap="square" rtlCol="0">
+            <a:spAutoFit/>
+          </a:bodyPr>
+          <a:lstStyle/>
+          <a:p>
+            <a:pPr>
+              <a:lnSpc>
+                <a:spcPct val="200000"/>
+              </a:lnSpc>
+            </a:pPr>
+            <a:r>
+              <a:rPr lang="en-US" sz="2400" b="1" dirty="0" smtClean="0"/>
+              <a:t>Push to the remote branch</a:t>
+            </a:r>
+            <a:endParaRPr lang="en-US" sz="2400" b="1" dirty="0"/>
+          </a:p>
+        </p:txBody>
+      </p:sp>
+      <p:sp>
+        <p:nvSpPr>
+          <p:cNvPr id="7" name="TextBox 6"/>
+          <p:cNvSpPr txBox="1"/>
+          <p:nvPr/>
+        </p:nvSpPr>
+        <p:spPr>
+          <a:xfrm>
+            <a:off x="1465005" y="1971410"/>
+            <a:ext cx="7728156" cy="923330"/>
+          </a:xfrm>
+          <a:prstGeom prst="rect">
+            <a:avLst/>
+          </a:prstGeom>
+          <a:noFill/>
+        </p:spPr>
+        <p:txBody>
+          <a:bodyPr wrap="square" rtlCol="0">
+            <a:spAutoFit/>
+          </a:bodyPr>
+          <a:lstStyle/>
+          <a:p>
+            <a:r>
+              <a:rPr lang="en-US" dirty="0" err="1" smtClean="0"/>
+              <a:t>git</a:t>
+            </a:r>
+            <a:r>
+              <a:rPr lang="en-US" dirty="0" smtClean="0"/>
+              <a:t> fetch origin </a:t>
+            </a:r>
+            <a:r>
+              <a:rPr lang="en-US" dirty="0" err="1" smtClean="0"/>
+              <a:t>Picasso_intro:Picasso_intro</a:t>
+            </a:r>
+            <a:r>
+              <a:rPr lang="en-US" dirty="0" smtClean="0"/>
+              <a:t>   # download the remote branch</a:t>
+            </a:r>
+          </a:p>
+          <a:p>
+            <a:r>
+              <a:rPr lang="en-US" dirty="0" err="1" smtClean="0"/>
+              <a:t>git</a:t>
+            </a:r>
+            <a:r>
+              <a:rPr lang="en-US" dirty="0" smtClean="0"/>
+              <a:t> branch   # list all the available branches in the repo</a:t>
+            </a:r>
+          </a:p>
+          <a:p>
+            <a:r>
+              <a:rPr lang="en-US" dirty="0" err="1" smtClean="0"/>
+              <a:t>git</a:t>
+            </a:r>
+            <a:r>
+              <a:rPr lang="en-US" dirty="0" smtClean="0"/>
+              <a:t> checkout </a:t>
+            </a:r>
+            <a:r>
+              <a:rPr lang="en-US" dirty="0" err="1" smtClean="0"/>
+              <a:t>Picasso_intro</a:t>
+            </a:r>
+            <a:r>
+              <a:rPr lang="en-US" dirty="0" smtClean="0"/>
+              <a:t>   # navigate to `</a:t>
+            </a:r>
+            <a:r>
+              <a:rPr lang="en-US" dirty="0" err="1" smtClean="0"/>
+              <a:t>Picasso_intro</a:t>
+            </a:r>
+            <a:r>
+              <a:rPr lang="en-US" dirty="0" smtClean="0"/>
+              <a:t>`</a:t>
+            </a:r>
+            <a:endParaRPr lang="en-US" dirty="0"/>
+          </a:p>
+        </p:txBody>
+      </p:sp>
+      <p:sp>
+        <p:nvSpPr>
+          <p:cNvPr id="20" name="TextBox 19"/>
+          <p:cNvSpPr txBox="1"/>
+          <p:nvPr/>
+        </p:nvSpPr>
+        <p:spPr>
+          <a:xfrm>
+            <a:off x="1465005" y="5418437"/>
+            <a:ext cx="8534401" cy="1200329"/>
+          </a:xfrm>
+          <a:prstGeom prst="rect">
+            <a:avLst/>
+          </a:prstGeom>
+          <a:noFill/>
+        </p:spPr>
+        <p:txBody>
+          <a:bodyPr wrap="square" rtlCol="0">
+            <a:spAutoFit/>
+          </a:bodyPr>
+          <a:lstStyle/>
+          <a:p>
+            <a:r>
+              <a:rPr lang="en-US" dirty="0" err="1" smtClean="0"/>
+              <a:t>git</a:t>
+            </a:r>
+            <a:r>
+              <a:rPr lang="en-US" dirty="0" smtClean="0"/>
+              <a:t> status   # list all the local changes</a:t>
+            </a:r>
+          </a:p>
+          <a:p>
+            <a:r>
+              <a:rPr lang="en-US" dirty="0" err="1" smtClean="0"/>
+              <a:t>git</a:t>
+            </a:r>
+            <a:r>
+              <a:rPr lang="en-US" dirty="0" smtClean="0"/>
+              <a:t> add *   # stage all the changes</a:t>
+            </a:r>
+          </a:p>
+          <a:p>
+            <a:r>
+              <a:rPr lang="en-US" dirty="0" err="1" smtClean="0"/>
+              <a:t>git</a:t>
+            </a:r>
+            <a:r>
+              <a:rPr lang="en-US" dirty="0" smtClean="0"/>
+              <a:t> commit –m “commit message”   # commit message to describe what you’ve done</a:t>
+            </a:r>
+          </a:p>
+          <a:p>
+            <a:r>
+              <a:rPr lang="en-US" dirty="0" err="1" smtClean="0"/>
+              <a:t>git</a:t>
+            </a:r>
+            <a:r>
+              <a:rPr lang="en-US" dirty="0" smtClean="0"/>
+              <a:t> push origin </a:t>
+            </a:r>
+            <a:r>
+              <a:rPr lang="en-US" dirty="0" err="1" smtClean="0"/>
+              <a:t>Picasso_intro</a:t>
+            </a:r>
+            <a:r>
+              <a:rPr lang="en-US" dirty="0" smtClean="0"/>
+              <a:t>   # Push the local changes to the remote branch</a:t>
+            </a:r>
+            <a:endParaRPr lang="en-US" dirty="0"/>
+          </a:p>
+        </p:txBody>
+      </p:sp>
+      <p:sp>
+        <p:nvSpPr>
+          <p:cNvPr id="11" name="TextBox 10"/>
+          <p:cNvSpPr txBox="1"/>
+          <p:nvPr/>
+        </p:nvSpPr>
+        <p:spPr>
+          <a:xfrm>
+            <a:off x="1192159" y="1450052"/>
+            <a:ext cx="8878531" cy="461665"/>
+          </a:xfrm>
+          <a:prstGeom prst="rect">
+            <a:avLst/>
+          </a:prstGeom>
+          <a:noFill/>
+        </p:spPr>
+        <p:txBody>
+          <a:bodyPr wrap="square" rtlCol="0">
+            <a:spAutoFit/>
+          </a:bodyPr>
+          <a:lstStyle/>
+          <a:p>
+            <a:r>
+              <a:rPr lang="en-US" sz="2400" b="1" dirty="0"/>
+              <a:t>Fetch the branch of `</a:t>
+            </a:r>
+            <a:r>
+              <a:rPr lang="en-US" sz="2400" b="1" dirty="0" err="1"/>
+              <a:t>Picasso_intro</a:t>
+            </a:r>
+            <a:r>
+              <a:rPr lang="en-US" sz="2400" b="1" dirty="0"/>
+              <a:t>` to your local </a:t>
+            </a:r>
+            <a:r>
+              <a:rPr lang="en-US" sz="2400" b="1" dirty="0" smtClean="0"/>
+              <a:t>machine</a:t>
+            </a:r>
+            <a:endParaRPr lang="en-US" sz="2400" b="1" dirty="0"/>
+          </a:p>
+        </p:txBody>
+      </p:sp>
+      <p:sp>
+        <p:nvSpPr>
+          <p:cNvPr id="12" name="Rectangle 11"/>
+          <p:cNvSpPr/>
+          <p:nvPr/>
+        </p:nvSpPr>
+        <p:spPr>
+          <a:xfrm>
+            <a:off x="1192159" y="3012408"/>
+            <a:ext cx="6001386" cy="727571"/>
+          </a:xfrm>
+          <a:prstGeom prst="rect">
+            <a:avLst/>
+          </a:prstGeom>
+        </p:spPr>
+        <p:txBody>
+          <a:bodyPr wrap="none">
+            <a:spAutoFit/>
+          </a:bodyPr>
+          <a:lstStyle/>
+          <a:p>
+            <a:pPr>
+              <a:lnSpc>
+                <a:spcPct val="200000"/>
+              </a:lnSpc>
+            </a:pPr>
+            <a:r>
+              <a:rPr lang="en-US" sz="2400" b="1" dirty="0"/>
+              <a:t>Add the whole processing function of `</a:t>
+            </a:r>
+            <a:r>
+              <a:rPr lang="en-US" sz="2400" b="1" dirty="0" err="1"/>
+              <a:t>arielle</a:t>
+            </a:r>
+            <a:r>
+              <a:rPr lang="en-US" sz="2400" b="1" dirty="0"/>
+              <a:t>`</a:t>
+            </a:r>
+          </a:p>
+        </p:txBody>
+      </p:sp>
+      <p:sp>
+        <p:nvSpPr>
+          <p:cNvPr id="22" name="TextBox 21"/>
+          <p:cNvSpPr txBox="1"/>
+          <p:nvPr/>
+        </p:nvSpPr>
+        <p:spPr>
+          <a:xfrm>
+            <a:off x="1473097" y="3732835"/>
+            <a:ext cx="7728156" cy="1200329"/>
+          </a:xfrm>
+          <a:prstGeom prst="rect">
+            <a:avLst/>
+          </a:prstGeom>
+          <a:noFill/>
+        </p:spPr>
+        <p:txBody>
+          <a:bodyPr wrap="square" rtlCol="0">
+            <a:spAutoFit/>
+          </a:bodyPr>
+          <a:lstStyle/>
+          <a:p>
+            <a:r>
+              <a:rPr lang="en-US" dirty="0" smtClean="0"/>
+              <a:t>Add main function</a:t>
+            </a:r>
+          </a:p>
+          <a:p>
+            <a:r>
+              <a:rPr lang="en-US" dirty="0" smtClean="0"/>
+              <a:t>Add function libraries</a:t>
+            </a:r>
+          </a:p>
+          <a:p>
+            <a:r>
+              <a:rPr lang="en-US" dirty="0" smtClean="0"/>
+              <a:t>Add defaults</a:t>
+            </a:r>
+          </a:p>
+          <a:p>
+            <a:r>
+              <a:rPr lang="en-US" dirty="0" smtClean="0"/>
+              <a:t>Setup </a:t>
+            </a:r>
+            <a:r>
+              <a:rPr lang="en-US" dirty="0" err="1" smtClean="0"/>
+              <a:t>config</a:t>
+            </a:r>
+            <a:r>
+              <a:rPr lang="en-US" dirty="0" smtClean="0"/>
+              <a:t> and link file</a:t>
+            </a:r>
+            <a:endParaRPr lang="en-US" dirty="0"/>
+          </a:p>
+        </p:txBody>
+      </p:sp>
+    </p:spTree>
+    <p:extLst>
+      <p:ext uri="{BB962C8B-B14F-4D97-AF65-F5344CB8AC3E}">
+        <p14:creationId xmlns:p14="http://schemas.microsoft.com/office/powerpoint/2010/main" val="365521134"/>
+      </p:ext>
+    </p:extLst>
+  </p:cSld>
+  <p:clrMapOvr>
+    <a:masterClrMapping/>
+  </p:clrMapOvr>
+  <p:timing>
+    <p:tnLst>
+      <p:par>
+        <p:cTn id="1" dur="indefinite" restart="never" nodeType="tmRoot"/>
+      </p:par>
+    </p:tnLst>
+  </p:timing>
+</p:sld>
+</file>
+
+<file path=ppt/slides/slide23.xml><?xml version="1.0" encoding="utf-8"?>
+<p:sld xmlns:a="http://schemas.openxmlformats.org/drawingml/2006/main" xmlns:r="http://schemas.openxmlformats.org/officeDocument/2006/relationships" xmlns:p="http://schemas.openxmlformats.org/presentationml/2006/main">
+  <p:cSld>
+    <p:spTree>
+      <p:nvGrpSpPr>
+        <p:cNvPr id="1" name=""/>
+        <p:cNvGrpSpPr/>
+        <p:nvPr/>
+      </p:nvGrpSpPr>
+      <p:grpSpPr>
+        <a:xfrm>
+          <a:off x="0" y="0"/>
+          <a:ext cx="0" cy="0"/>
+          <a:chOff x="0" y="0"/>
+          <a:chExt cx="0" cy="0"/>
+        </a:xfrm>
+      </p:grpSpPr>
+      <p:sp>
+        <p:nvSpPr>
+          <p:cNvPr id="2" name="Title 1"/>
+          <p:cNvSpPr>
+            <a:spLocks noGrp="1"/>
+          </p:cNvSpPr>
+          <p:nvPr>
+            <p:ph type="title"/>
+          </p:nvPr>
+        </p:nvSpPr>
+        <p:spPr/>
+        <p:txBody>
+          <a:bodyPr/>
+          <a:lstStyle/>
+          <a:p>
+            <a:r>
+              <a:rPr lang="en-US" dirty="0" smtClean="0"/>
+              <a:t>Backup</a:t>
+            </a:r>
+            <a:endParaRPr lang="en-US" dirty="0"/>
+          </a:p>
+        </p:txBody>
+      </p:sp>
+      <p:sp>
+        <p:nvSpPr>
+          <p:cNvPr id="3" name="Text Placeholder 2"/>
+          <p:cNvSpPr>
+            <a:spLocks noGrp="1"/>
+          </p:cNvSpPr>
+          <p:nvPr>
+            <p:ph type="body" sz="quarter" idx="18"/>
+          </p:nvPr>
+        </p:nvSpPr>
+        <p:spPr/>
+        <p:txBody>
+          <a:bodyPr/>
+          <a:lstStyle/>
+          <a:p>
+            <a:endParaRPr lang="en-US"/>
+          </a:p>
+        </p:txBody>
+      </p:sp>
+    </p:spTree>
+    <p:extLst>
+      <p:ext uri="{BB962C8B-B14F-4D97-AF65-F5344CB8AC3E}">
+        <p14:creationId xmlns:p14="http://schemas.microsoft.com/office/powerpoint/2010/main" val="4069116254"/>
+      </p:ext>
+    </p:extLst>
+  </p:cSld>
+  <p:clrMapOvr>
+    <a:masterClrMapping/>
+  </p:clrMapOvr>
+  <p:timing>
+    <p:tnLst>
+      <p:par>
+        <p:cTn id="1" dur="indefinite" restart="never" nodeType="tmRoot"/>
+      </p:par>
+    </p:tnLst>
+  </p:timing>
+</p:sld>
+</file>
+
+<file path=ppt/slides/slide24.xml><?xml version="1.0" encoding="utf-8"?>
 <p:sld xmlns:a="http://schemas.openxmlformats.org/drawingml/2006/main" xmlns:r="http://schemas.openxmlformats.org/officeDocument/2006/relationships" xmlns:p="http://schemas.openxmlformats.org/presentationml/2006/main">
   <p:cSld>
     <p:spTree>
@@ -8000,7 +11488,7 @@
 </p:sld>
 </file>
 
-<file path=ppt/slides/slide21.xml><?xml version="1.0" encoding="utf-8"?>
+<file path=ppt/slides/slide25.xml><?xml version="1.0" encoding="utf-8"?>
 <p:sld xmlns:a="http://schemas.openxmlformats.org/drawingml/2006/main" xmlns:r="http://schemas.openxmlformats.org/officeDocument/2006/relationships" xmlns:p="http://schemas.openxmlformats.org/presentationml/2006/main">
   <p:cSld>
     <p:spTree>
@@ -10592,7 +14080,7 @@
 </p:sld>
 </file>
 
-<file path=ppt/slides/slide22.xml><?xml version="1.0" encoding="utf-8"?>
+<file path=ppt/slides/slide26.xml><?xml version="1.0" encoding="utf-8"?>
 <p:sld xmlns:a="http://schemas.openxmlformats.org/drawingml/2006/main" xmlns:r="http://schemas.openxmlformats.org/officeDocument/2006/relationships" xmlns:p="http://schemas.openxmlformats.org/presentationml/2006/main">
   <p:cSld>
     <p:spTree>
@@ -12904,7 +16392,7 @@
 </p:sld>
 </file>
 
-<file path=ppt/slides/slide23.xml><?xml version="1.0" encoding="utf-8"?>
+<file path=ppt/slides/slide27.xml><?xml version="1.0" encoding="utf-8"?>
 <p:sld xmlns:a="http://schemas.openxmlformats.org/drawingml/2006/main" xmlns:r="http://schemas.openxmlformats.org/officeDocument/2006/relationships" xmlns:p="http://schemas.openxmlformats.org/presentationml/2006/main">
   <p:cSld>
     <p:spTree>
@@ -13684,7 +17172,7 @@
 </p:sld>
 </file>
 
-<file path=ppt/slides/slide24.xml><?xml version="1.0" encoding="utf-8"?>
+<file path=ppt/slides/slide28.xml><?xml version="1.0" encoding="utf-8"?>
 <p:sld xmlns:a="http://schemas.openxmlformats.org/drawingml/2006/main" xmlns:r="http://schemas.openxmlformats.org/officeDocument/2006/relationships" xmlns:p="http://schemas.openxmlformats.org/presentationml/2006/main">
   <p:cSld>
     <p:spTree>
@@ -14846,7 +18334,7 @@
 </p:sld>
 </file>
 
-<file path=ppt/slides/slide25.xml><?xml version="1.0" encoding="utf-8"?>
+<file path=ppt/slides/slide29.xml><?xml version="1.0" encoding="utf-8"?>
 <p:sld xmlns:a="http://schemas.openxmlformats.org/drawingml/2006/main" xmlns:r="http://schemas.openxmlformats.org/officeDocument/2006/relationships" xmlns:p="http://schemas.openxmlformats.org/presentationml/2006/main">
   <p:cSld>
     <p:spTree>
@@ -15254,7 +18742,146 @@
 </p:sld>
 </file>
 
-<file path=ppt/slides/slide26.xml><?xml version="1.0" encoding="utf-8"?>
+<file path=ppt/slides/slide3.xml><?xml version="1.0" encoding="utf-8"?>
+<p:sld xmlns:a="http://schemas.openxmlformats.org/drawingml/2006/main" xmlns:r="http://schemas.openxmlformats.org/officeDocument/2006/relationships" xmlns:p="http://schemas.openxmlformats.org/presentationml/2006/main">
+  <p:cSld>
+    <p:spTree>
+      <p:nvGrpSpPr>
+        <p:cNvPr id="1" name=""/>
+        <p:cNvGrpSpPr/>
+        <p:nvPr/>
+      </p:nvGrpSpPr>
+      <p:grpSpPr>
+        <a:xfrm>
+          <a:off x="0" y="0"/>
+          <a:ext cx="0" cy="0"/>
+          <a:chOff x="0" y="0"/>
+          <a:chExt cx="0" cy="0"/>
+        </a:xfrm>
+      </p:grpSpPr>
+      <p:sp>
+        <p:nvSpPr>
+          <p:cNvPr id="2" name="Title 1"/>
+          <p:cNvSpPr>
+            <a:spLocks noGrp="1"/>
+          </p:cNvSpPr>
+          <p:nvPr>
+            <p:ph type="title"/>
+          </p:nvPr>
+        </p:nvSpPr>
+        <p:spPr/>
+        <p:txBody>
+          <a:bodyPr/>
+          <a:lstStyle/>
+          <a:p>
+            <a:r>
+              <a:rPr lang="en-US" dirty="0" smtClean="0"/>
+              <a:t>Outline</a:t>
+            </a:r>
+            <a:endParaRPr lang="en-US" dirty="0"/>
+          </a:p>
+        </p:txBody>
+      </p:sp>
+      <p:sp>
+        <p:nvSpPr>
+          <p:cNvPr id="3" name="Text Placeholder 2"/>
+          <p:cNvSpPr>
+            <a:spLocks noGrp="1"/>
+          </p:cNvSpPr>
+          <p:nvPr>
+            <p:ph type="body" sz="quarter" idx="18"/>
+          </p:nvPr>
+        </p:nvSpPr>
+        <p:spPr/>
+        <p:txBody>
+          <a:bodyPr/>
+          <a:lstStyle/>
+          <a:p>
+            <a:endParaRPr lang="en-US"/>
+          </a:p>
+        </p:txBody>
+      </p:sp>
+      <p:sp>
+        <p:nvSpPr>
+          <p:cNvPr id="4" name="TextBox 3"/>
+          <p:cNvSpPr txBox="1"/>
+          <p:nvPr/>
+        </p:nvSpPr>
+        <p:spPr>
+          <a:xfrm>
+            <a:off x="1671484" y="1347713"/>
+            <a:ext cx="9881420" cy="2031325"/>
+          </a:xfrm>
+          <a:prstGeom prst="rect">
+            <a:avLst/>
+          </a:prstGeom>
+          <a:noFill/>
+        </p:spPr>
+        <p:txBody>
+          <a:bodyPr wrap="square" rtlCol="0">
+            <a:spAutoFit/>
+          </a:bodyPr>
+          <a:lstStyle/>
+          <a:p>
+            <a:pPr marL="514350" indent="-514350">
+              <a:lnSpc>
+                <a:spcPct val="150000"/>
+              </a:lnSpc>
+              <a:buFont typeface="Wingdings" panose="05000000000000000000" pitchFamily="2" charset="2"/>
+              <a:buChar char="Ø"/>
+            </a:pPr>
+            <a:r>
+              <a:rPr lang="en-US" sz="2800" dirty="0" smtClean="0"/>
+              <a:t>Download and Setup</a:t>
+            </a:r>
+          </a:p>
+          <a:p>
+            <a:pPr marL="514350" indent="-514350">
+              <a:lnSpc>
+                <a:spcPct val="150000"/>
+              </a:lnSpc>
+              <a:buFont typeface="Wingdings" panose="05000000000000000000" pitchFamily="2" charset="2"/>
+              <a:buChar char="Ø"/>
+            </a:pPr>
+            <a:r>
+              <a:rPr lang="en-US" sz="2800" dirty="0" smtClean="0"/>
+              <a:t>Hands-on</a:t>
+            </a:r>
+          </a:p>
+          <a:p>
+            <a:pPr marL="514350" indent="-514350">
+              <a:lnSpc>
+                <a:spcPct val="150000"/>
+              </a:lnSpc>
+              <a:buFont typeface="Wingdings" panose="05000000000000000000" pitchFamily="2" charset="2"/>
+              <a:buChar char="Ø"/>
+            </a:pPr>
+            <a:r>
+              <a:rPr lang="en-US" sz="2800" dirty="0" smtClean="0"/>
+              <a:t>Concept about Version Control with </a:t>
+            </a:r>
+            <a:r>
+              <a:rPr lang="en-US" sz="2800" dirty="0" err="1" smtClean="0"/>
+              <a:t>Git</a:t>
+            </a:r>
+            <a:endParaRPr lang="en-US" sz="2800" dirty="0" smtClean="0"/>
+          </a:p>
+        </p:txBody>
+      </p:sp>
+    </p:spTree>
+    <p:extLst>
+      <p:ext uri="{BB962C8B-B14F-4D97-AF65-F5344CB8AC3E}">
+        <p14:creationId xmlns:p14="http://schemas.microsoft.com/office/powerpoint/2010/main" val="1937983664"/>
+      </p:ext>
+    </p:extLst>
+  </p:cSld>
+  <p:clrMapOvr>
+    <a:masterClrMapping/>
+  </p:clrMapOvr>
+</p:sld>
+</file>
+
+<file path=ppt/slides/slide30.xml><?xml version="1.0" encoding="utf-8"?>
 <p:sld xmlns:a="http://schemas.openxmlformats.org/drawingml/2006/main" xmlns:r="http://schemas.openxmlformats.org/officeDocument/2006/relationships" xmlns:p="http://schemas.openxmlformats.org/presentationml/2006/main">
   <p:cSld>
     <p:spTree>
@@ -16229,149 +19856,6 @@
 </p:sld>
 </file>
 
-<file path=ppt/slides/slide3.xml><?xml version="1.0" encoding="utf-8"?>
-<p:sld xmlns:a="http://schemas.openxmlformats.org/drawingml/2006/main" xmlns:r="http://schemas.openxmlformats.org/officeDocument/2006/relationships" xmlns:p="http://schemas.openxmlformats.org/presentationml/2006/main">
-  <p:cSld>
-    <p:spTree>
-      <p:nvGrpSpPr>
-        <p:cNvPr id="1" name=""/>
-        <p:cNvGrpSpPr/>
-        <p:nvPr/>
-      </p:nvGrpSpPr>
-      <p:grpSpPr>
-        <a:xfrm>
-          <a:off x="0" y="0"/>
-          <a:ext cx="0" cy="0"/>
-          <a:chOff x="0" y="0"/>
-          <a:chExt cx="0" cy="0"/>
-        </a:xfrm>
-      </p:grpSpPr>
-      <p:sp>
-        <p:nvSpPr>
-          <p:cNvPr id="2" name="Title 1"/>
-          <p:cNvSpPr>
-            <a:spLocks noGrp="1"/>
-          </p:cNvSpPr>
-          <p:nvPr>
-            <p:ph type="title"/>
-          </p:nvPr>
-        </p:nvSpPr>
-        <p:spPr/>
-        <p:txBody>
-          <a:bodyPr/>
-          <a:lstStyle/>
-          <a:p>
-            <a:r>
-              <a:rPr lang="en-US" dirty="0" smtClean="0"/>
-              <a:t>Outline</a:t>
-            </a:r>
-            <a:endParaRPr lang="en-US" dirty="0"/>
-          </a:p>
-        </p:txBody>
-      </p:sp>
-      <p:sp>
-        <p:nvSpPr>
-          <p:cNvPr id="3" name="Text Placeholder 2"/>
-          <p:cNvSpPr>
-            <a:spLocks noGrp="1"/>
-          </p:cNvSpPr>
-          <p:nvPr>
-            <p:ph type="body" sz="quarter" idx="18"/>
-          </p:nvPr>
-        </p:nvSpPr>
-        <p:spPr/>
-        <p:txBody>
-          <a:bodyPr/>
-          <a:lstStyle/>
-          <a:p>
-            <a:endParaRPr lang="en-US"/>
-          </a:p>
-        </p:txBody>
-      </p:sp>
-      <p:sp>
-        <p:nvSpPr>
-          <p:cNvPr id="4" name="TextBox 3"/>
-          <p:cNvSpPr txBox="1"/>
-          <p:nvPr/>
-        </p:nvSpPr>
-        <p:spPr>
-          <a:xfrm>
-            <a:off x="1671484" y="1347713"/>
-            <a:ext cx="9881420" cy="2031325"/>
-          </a:xfrm>
-          <a:prstGeom prst="rect">
-            <a:avLst/>
-          </a:prstGeom>
-          <a:noFill/>
-        </p:spPr>
-        <p:txBody>
-          <a:bodyPr wrap="square" rtlCol="0">
-            <a:spAutoFit/>
-          </a:bodyPr>
-          <a:lstStyle/>
-          <a:p>
-            <a:pPr marL="514350" indent="-514350">
-              <a:lnSpc>
-                <a:spcPct val="150000"/>
-              </a:lnSpc>
-              <a:buFont typeface="Wingdings" panose="05000000000000000000" pitchFamily="2" charset="2"/>
-              <a:buChar char="Ø"/>
-            </a:pPr>
-            <a:r>
-              <a:rPr lang="en-US" sz="2800" dirty="0" smtClean="0"/>
-              <a:t>Download </a:t>
-            </a:r>
-            <a:r>
-              <a:rPr lang="en-US" sz="2800" dirty="0" smtClean="0"/>
-              <a:t>and Setup</a:t>
-            </a:r>
-          </a:p>
-          <a:p>
-            <a:pPr marL="514350" indent="-514350">
-              <a:lnSpc>
-                <a:spcPct val="150000"/>
-              </a:lnSpc>
-              <a:buFont typeface="Wingdings" panose="05000000000000000000" pitchFamily="2" charset="2"/>
-              <a:buChar char="Ø"/>
-            </a:pPr>
-            <a:r>
-              <a:rPr lang="en-US" sz="2800" dirty="0" smtClean="0"/>
-              <a:t>Hands-on</a:t>
-            </a:r>
-          </a:p>
-          <a:p>
-            <a:pPr marL="514350" indent="-514350">
-              <a:lnSpc>
-                <a:spcPct val="150000"/>
-              </a:lnSpc>
-              <a:buFont typeface="Wingdings" panose="05000000000000000000" pitchFamily="2" charset="2"/>
-              <a:buChar char="Ø"/>
-            </a:pPr>
-            <a:r>
-              <a:rPr lang="en-US" sz="2800" dirty="0" smtClean="0"/>
-              <a:t>Concept about Version Control with </a:t>
-            </a:r>
-            <a:r>
-              <a:rPr lang="en-US" sz="2800" dirty="0" err="1" smtClean="0"/>
-              <a:t>Git</a:t>
-            </a:r>
-            <a:endParaRPr lang="en-US" sz="2800" dirty="0" smtClean="0"/>
-          </a:p>
-        </p:txBody>
-      </p:sp>
-    </p:spTree>
-    <p:extLst>
-      <p:ext uri="{BB962C8B-B14F-4D97-AF65-F5344CB8AC3E}">
-        <p14:creationId xmlns:p14="http://schemas.microsoft.com/office/powerpoint/2010/main" val="1937983664"/>
-      </p:ext>
-    </p:extLst>
-  </p:cSld>
-  <p:clrMapOvr>
-    <a:masterClrMapping/>
-  </p:clrMapOvr>
-</p:sld>
-</file>
-
 <file path=ppt/slides/slide4.xml><?xml version="1.0" encoding="utf-8"?>
 <p:sld xmlns:a="http://schemas.openxmlformats.org/drawingml/2006/main" xmlns:r="http://schemas.openxmlformats.org/officeDocument/2006/relationships" xmlns:p="http://schemas.openxmlformats.org/presentationml/2006/main">
   <p:cSld>
@@ -16399,7 +19883,12 @@
             <p:ph type="title"/>
           </p:nvPr>
         </p:nvSpPr>
-        <p:spPr/>
+        <p:spPr>
+          <a:xfrm>
+            <a:off x="0" y="0"/>
+            <a:ext cx="10825316" cy="1097280"/>
+          </a:xfrm>
+        </p:spPr>
         <p:txBody>
           <a:bodyPr/>
           <a:lstStyle/>
@@ -16409,12 +19898,12 @@
               <a:t>Requirements for </a:t>
             </a:r>
             <a:r>
-              <a:rPr lang="en-US" dirty="0" err="1" smtClean="0"/>
-              <a:t>Runing</a:t>
-            </a:r>
-            <a:r>
               <a:rPr lang="en-US" dirty="0" smtClean="0"/>
-              <a:t> Picasso</a:t>
+              <a:t>Running </a:t>
+            </a:r>
+            <a:r>
+              <a:rPr lang="en-US" dirty="0" smtClean="0"/>
+              <a:t>Picasso</a:t>
             </a:r>
             <a:endParaRPr lang="en-US" dirty="0"/>
           </a:p>
@@ -16787,95 +20276,233 @@
       </p:grpSp>
       <p:grpSp>
         <p:nvGrpSpPr>
-          <p:cNvPr id="23" name="Group 22"/>
+          <p:cNvPr id="3" name="Group 2"/>
           <p:cNvGrpSpPr/>
           <p:nvPr/>
         </p:nvGrpSpPr>
         <p:grpSpPr>
           <a:xfrm>
             <a:off x="576072" y="3823927"/>
-            <a:ext cx="7888920" cy="1646062"/>
-            <a:chOff x="676656" y="4440075"/>
-            <a:chExt cx="7888920" cy="1646062"/>
+            <a:ext cx="10869996" cy="1704272"/>
+            <a:chOff x="576072" y="3823927"/>
+            <a:chExt cx="10869996" cy="1704272"/>
           </a:xfrm>
         </p:grpSpPr>
+        <p:grpSp>
+          <p:nvGrpSpPr>
+            <p:cNvPr id="23" name="Group 22"/>
+            <p:cNvGrpSpPr/>
+            <p:nvPr/>
+          </p:nvGrpSpPr>
+          <p:grpSpPr>
+            <a:xfrm>
+              <a:off x="576072" y="3823927"/>
+              <a:ext cx="7888920" cy="1646062"/>
+              <a:chOff x="676656" y="4440075"/>
+              <a:chExt cx="7888920" cy="1646062"/>
+            </a:xfrm>
+          </p:grpSpPr>
+          <p:sp>
+            <p:nvSpPr>
+              <p:cNvPr id="18" name="TextBox 17"/>
+              <p:cNvSpPr txBox="1"/>
+              <p:nvPr/>
+            </p:nvSpPr>
+            <p:spPr>
+              <a:xfrm>
+                <a:off x="676656" y="4440075"/>
+                <a:ext cx="1858916" cy="369332"/>
+              </a:xfrm>
+              <a:prstGeom prst="rect">
+                <a:avLst/>
+              </a:prstGeom>
+            </p:spPr>
+            <p:style>
+              <a:lnRef idx="2">
+                <a:schemeClr val="accent1"/>
+              </a:lnRef>
+              <a:fillRef idx="1">
+                <a:schemeClr val="lt1"/>
+              </a:fillRef>
+              <a:effectRef idx="0">
+                <a:schemeClr val="accent1"/>
+              </a:effectRef>
+              <a:fontRef idx="minor">
+                <a:schemeClr val="dk1"/>
+              </a:fontRef>
+            </p:style>
+            <p:txBody>
+              <a:bodyPr wrap="square" rtlCol="0">
+                <a:spAutoFit/>
+              </a:bodyPr>
+              <a:lstStyle/>
+              <a:p>
+                <a:r>
+                  <a:rPr lang="en-US" dirty="0" smtClean="0"/>
+                  <a:t>Folder structure</a:t>
+                </a:r>
+                <a:endParaRPr lang="en-US" dirty="0"/>
+              </a:p>
+            </p:txBody>
+          </p:sp>
+          <p:pic>
+            <p:nvPicPr>
+              <p:cNvPr id="19" name="Picture 18"/>
+              <p:cNvPicPr>
+                <a:picLocks noChangeAspect="1"/>
+              </p:cNvPicPr>
+              <p:nvPr/>
+            </p:nvPicPr>
+            <p:blipFill>
+              <a:blip r:embed="rId5"/>
+              <a:stretch>
+                <a:fillRect/>
+              </a:stretch>
+            </p:blipFill>
+            <p:spPr>
+              <a:xfrm>
+                <a:off x="2778352" y="4489243"/>
+                <a:ext cx="5787224" cy="305186"/>
+              </a:xfrm>
+              <a:prstGeom prst="rect">
+                <a:avLst/>
+              </a:prstGeom>
+            </p:spPr>
+          </p:pic>
+          <p:sp>
+            <p:nvSpPr>
+              <p:cNvPr id="20" name="TextBox 19"/>
+              <p:cNvSpPr txBox="1"/>
+              <p:nvPr/>
+            </p:nvSpPr>
+            <p:spPr>
+              <a:xfrm>
+                <a:off x="2679973" y="4794429"/>
+                <a:ext cx="5779008" cy="369332"/>
+              </a:xfrm>
+              <a:prstGeom prst="rect">
+                <a:avLst/>
+              </a:prstGeom>
+              <a:noFill/>
+            </p:spPr>
+            <p:txBody>
+              <a:bodyPr wrap="square" rtlCol="0">
+                <a:spAutoFit/>
+              </a:bodyPr>
+              <a:lstStyle/>
+              <a:p>
+                <a:r>
+                  <a:rPr lang="en-US" dirty="0" smtClean="0">
+                    <a:solidFill>
+                      <a:schemeClr val="tx2">
+                        <a:lumMod val="60000"/>
+                        <a:lumOff val="40000"/>
+                      </a:schemeClr>
+                    </a:solidFill>
+                  </a:rPr>
+                  <a:t>Root Dir + </a:t>
+                </a:r>
+                <a:r>
+                  <a:rPr lang="en-US" dirty="0" err="1" smtClean="0">
+                    <a:solidFill>
+                      <a:schemeClr val="tx2">
+                        <a:lumMod val="60000"/>
+                        <a:lumOff val="40000"/>
+                      </a:schemeClr>
+                    </a:solidFill>
+                  </a:rPr>
+                  <a:t>pollyType</a:t>
+                </a:r>
+                <a:r>
+                  <a:rPr lang="en-US" dirty="0" smtClean="0">
+                    <a:solidFill>
+                      <a:schemeClr val="tx2">
+                        <a:lumMod val="60000"/>
+                        <a:lumOff val="40000"/>
+                      </a:schemeClr>
+                    </a:solidFill>
+                  </a:rPr>
+                  <a:t> + ‘</a:t>
+                </a:r>
+                <a:r>
+                  <a:rPr lang="en-US" dirty="0" err="1" smtClean="0">
+                    <a:solidFill>
+                      <a:schemeClr val="tx2">
+                        <a:lumMod val="60000"/>
+                        <a:lumOff val="40000"/>
+                      </a:schemeClr>
+                    </a:solidFill>
+                  </a:rPr>
+                  <a:t>data_zip</a:t>
+                </a:r>
+                <a:r>
+                  <a:rPr lang="en-US" dirty="0" smtClean="0">
+                    <a:solidFill>
+                      <a:schemeClr val="tx2">
+                        <a:lumMod val="60000"/>
+                        <a:lumOff val="40000"/>
+                      </a:schemeClr>
+                    </a:solidFill>
+                  </a:rPr>
+                  <a:t>’ + </a:t>
+                </a:r>
+                <a:r>
+                  <a:rPr lang="en-US" dirty="0" err="1" smtClean="0">
+                    <a:solidFill>
+                      <a:schemeClr val="tx2">
+                        <a:lumMod val="60000"/>
+                        <a:lumOff val="40000"/>
+                      </a:schemeClr>
+                    </a:solidFill>
+                  </a:rPr>
+                  <a:t>yyyymm</a:t>
+                </a:r>
+                <a:endParaRPr lang="en-US" dirty="0">
+                  <a:solidFill>
+                    <a:schemeClr val="tx2">
+                      <a:lumMod val="60000"/>
+                      <a:lumOff val="40000"/>
+                    </a:schemeClr>
+                  </a:solidFill>
+                </a:endParaRPr>
+              </a:p>
+            </p:txBody>
+          </p:sp>
+          <p:pic>
+            <p:nvPicPr>
+              <p:cNvPr id="21" name="Picture 20"/>
+              <p:cNvPicPr>
+                <a:picLocks noChangeAspect="1"/>
+              </p:cNvPicPr>
+              <p:nvPr/>
+            </p:nvPicPr>
+            <p:blipFill>
+              <a:blip r:embed="rId6"/>
+              <a:stretch>
+                <a:fillRect/>
+              </a:stretch>
+            </p:blipFill>
+            <p:spPr>
+              <a:xfrm>
+                <a:off x="2778352" y="5281820"/>
+                <a:ext cx="5714006" cy="804317"/>
+              </a:xfrm>
+              <a:prstGeom prst="rect">
+                <a:avLst/>
+              </a:prstGeom>
+            </p:spPr>
+          </p:pic>
+        </p:grpSp>
         <p:sp>
           <p:nvSpPr>
-            <p:cNvPr id="18" name="TextBox 17"/>
+            <p:cNvPr id="24" name="TextBox 23"/>
             <p:cNvSpPr txBox="1"/>
             <p:nvPr/>
           </p:nvSpPr>
           <p:spPr>
             <a:xfrm>
-              <a:off x="676656" y="4440075"/>
-              <a:ext cx="1858916" cy="369332"/>
-            </a:xfrm>
-            <a:prstGeom prst="rect">
-              <a:avLst/>
-            </a:prstGeom>
-          </p:spPr>
-          <p:style>
-            <a:lnRef idx="2">
-              <a:schemeClr val="accent1"/>
-            </a:lnRef>
-            <a:fillRef idx="1">
-              <a:schemeClr val="lt1"/>
-            </a:fillRef>
-            <a:effectRef idx="0">
-              <a:schemeClr val="accent1"/>
-            </a:effectRef>
-            <a:fontRef idx="minor">
-              <a:schemeClr val="dk1"/>
-            </a:fontRef>
-          </p:style>
-          <p:txBody>
-            <a:bodyPr wrap="square" rtlCol="0">
-              <a:spAutoFit/>
-            </a:bodyPr>
-            <a:lstStyle/>
-            <a:p>
-              <a:r>
-                <a:rPr lang="en-US" dirty="0" smtClean="0"/>
-                <a:t>Folder structure</a:t>
-              </a:r>
-              <a:endParaRPr lang="en-US" dirty="0"/>
-            </a:p>
-          </p:txBody>
-        </p:sp>
-        <p:pic>
-          <p:nvPicPr>
-            <p:cNvPr id="19" name="Picture 18"/>
-            <p:cNvPicPr>
-              <a:picLocks noChangeAspect="1"/>
-            </p:cNvPicPr>
-            <p:nvPr/>
-          </p:nvPicPr>
-          <p:blipFill>
-            <a:blip r:embed="rId5"/>
-            <a:stretch>
-              <a:fillRect/>
-            </a:stretch>
-          </p:blipFill>
-          <p:spPr>
-            <a:xfrm>
-              <a:off x="2778352" y="4489243"/>
-              <a:ext cx="5787224" cy="305186"/>
-            </a:xfrm>
-            <a:prstGeom prst="rect">
-              <a:avLst/>
-            </a:prstGeom>
-          </p:spPr>
-        </p:pic>
-        <p:sp>
-          <p:nvSpPr>
-            <p:cNvPr id="20" name="TextBox 19"/>
-            <p:cNvSpPr txBox="1"/>
-            <p:nvPr/>
-          </p:nvSpPr>
-          <p:spPr>
-            <a:xfrm>
-              <a:off x="2679973" y="4794429"/>
-              <a:ext cx="5779008" cy="369332"/>
+              <a:off x="8666160" y="4622641"/>
+              <a:ext cx="2708976" cy="369332"/>
             </a:xfrm>
             <a:prstGeom prst="rect">
               <a:avLst/>
@@ -16897,62 +20524,7 @@
                     </a:schemeClr>
                   </a:solidFill>
                 </a:rPr>
-                <a:t>Root Dir + </a:t>
-              </a:r>
-              <a:r>
-                <a:rPr lang="en-US" dirty="0" err="1" smtClean="0">
-                  <a:solidFill>
-                    <a:schemeClr val="tx2">
-                      <a:lumMod val="60000"/>
-                      <a:lumOff val="40000"/>
-                    </a:schemeClr>
-                  </a:solidFill>
-                </a:rPr>
-                <a:t>pollyType</a:t>
-              </a:r>
-              <a:r>
-                <a:rPr lang="en-US" dirty="0" smtClean="0">
-                  <a:solidFill>
-                    <a:schemeClr val="tx2">
-                      <a:lumMod val="60000"/>
-                      <a:lumOff val="40000"/>
-                    </a:schemeClr>
-                  </a:solidFill>
-                </a:rPr>
-                <a:t> + ‘</a:t>
-              </a:r>
-              <a:r>
-                <a:rPr lang="en-US" dirty="0" err="1" smtClean="0">
-                  <a:solidFill>
-                    <a:schemeClr val="tx2">
-                      <a:lumMod val="60000"/>
-                      <a:lumOff val="40000"/>
-                    </a:schemeClr>
-                  </a:solidFill>
-                </a:rPr>
-                <a:t>data_zip</a:t>
-              </a:r>
-              <a:r>
-                <a:rPr lang="en-US" dirty="0" smtClean="0">
-                  <a:solidFill>
-                    <a:schemeClr val="tx2">
-                      <a:lumMod val="60000"/>
-                      <a:lumOff val="40000"/>
-                    </a:schemeClr>
-                  </a:solidFill>
-                </a:rPr>
-                <a:t>’ + </a:t>
-              </a:r>
-              <a:r>
-                <a:rPr lang="en-US" dirty="0" err="1" smtClean="0">
-                  <a:solidFill>
-                    <a:schemeClr val="tx2">
-                      <a:lumMod val="60000"/>
-                      <a:lumOff val="40000"/>
-                    </a:schemeClr>
-                  </a:solidFill>
-                </a:rPr>
-                <a:t>yyyymm</a:t>
+                <a:t>Housekeeping data file</a:t>
               </a:r>
               <a:endParaRPr lang="en-US" dirty="0">
                 <a:solidFill>
@@ -16965,207 +20537,139 @@
             </a:p>
           </p:txBody>
         </p:sp>
-        <p:pic>
-          <p:nvPicPr>
-            <p:cNvPr id="21" name="Picture 20"/>
-            <p:cNvPicPr>
-              <a:picLocks noChangeAspect="1"/>
-            </p:cNvPicPr>
+        <p:sp>
+          <p:nvSpPr>
+            <p:cNvPr id="25" name="TextBox 24"/>
+            <p:cNvSpPr txBox="1"/>
             <p:nvPr/>
-          </p:nvPicPr>
-          <p:blipFill>
-            <a:blip r:embed="rId6"/>
-            <a:stretch>
-              <a:fillRect/>
-            </a:stretch>
-          </p:blipFill>
+          </p:nvSpPr>
           <p:spPr>
             <a:xfrm>
-              <a:off x="2778352" y="5281820"/>
-              <a:ext cx="5714006" cy="804317"/>
+              <a:off x="8737092" y="5158867"/>
+              <a:ext cx="2708976" cy="369332"/>
             </a:xfrm>
             <a:prstGeom prst="rect">
               <a:avLst/>
             </a:prstGeom>
+            <a:noFill/>
           </p:spPr>
-        </p:pic>
-      </p:grpSp>
-      <p:sp>
-        <p:nvSpPr>
-          <p:cNvPr id="24" name="TextBox 23"/>
-          <p:cNvSpPr txBox="1"/>
-          <p:nvPr/>
-        </p:nvSpPr>
-        <p:spPr>
-          <a:xfrm>
-            <a:off x="8666160" y="4622641"/>
-            <a:ext cx="2708976" cy="369332"/>
-          </a:xfrm>
-          <a:prstGeom prst="rect">
-            <a:avLst/>
-          </a:prstGeom>
-          <a:noFill/>
-        </p:spPr>
-        <p:txBody>
-          <a:bodyPr wrap="square" rtlCol="0">
-            <a:spAutoFit/>
-          </a:bodyPr>
-          <a:lstStyle/>
-          <a:p>
-            <a:r>
-              <a:rPr lang="en-US" dirty="0" smtClean="0">
+          <p:txBody>
+            <a:bodyPr wrap="square" rtlCol="0">
+              <a:spAutoFit/>
+            </a:bodyPr>
+            <a:lstStyle/>
+            <a:p>
+              <a:r>
+                <a:rPr lang="en-US" dirty="0" smtClean="0">
+                  <a:solidFill>
+                    <a:schemeClr val="tx2">
+                      <a:lumMod val="60000"/>
+                      <a:lumOff val="40000"/>
+                    </a:schemeClr>
+                  </a:solidFill>
+                </a:rPr>
+                <a:t>Compressed </a:t>
+              </a:r>
+              <a:r>
+                <a:rPr lang="en-US" dirty="0" err="1" smtClean="0">
+                  <a:solidFill>
+                    <a:schemeClr val="tx2">
+                      <a:lumMod val="60000"/>
+                      <a:lumOff val="40000"/>
+                    </a:schemeClr>
+                  </a:solidFill>
+                </a:rPr>
+                <a:t>polly</a:t>
+              </a:r>
+              <a:r>
+                <a:rPr lang="en-US" dirty="0" smtClean="0">
+                  <a:solidFill>
+                    <a:schemeClr val="tx2">
+                      <a:lumMod val="60000"/>
+                      <a:lumOff val="40000"/>
+                    </a:schemeClr>
+                  </a:solidFill>
+                </a:rPr>
+                <a:t> data file</a:t>
+              </a:r>
+              <a:endParaRPr lang="en-US" dirty="0">
                 <a:solidFill>
                   <a:schemeClr val="tx2">
                     <a:lumMod val="60000"/>
                     <a:lumOff val="40000"/>
                   </a:schemeClr>
                 </a:solidFill>
-              </a:rPr>
-              <a:t>Housekeeping data file</a:t>
-            </a:r>
-            <a:endParaRPr lang="en-US" dirty="0">
-              <a:solidFill>
-                <a:schemeClr val="tx2">
-                  <a:lumMod val="60000"/>
-                  <a:lumOff val="40000"/>
-                </a:schemeClr>
-              </a:solidFill>
-            </a:endParaRPr>
-          </a:p>
-        </p:txBody>
-      </p:sp>
-      <p:sp>
-        <p:nvSpPr>
-          <p:cNvPr id="25" name="TextBox 24"/>
-          <p:cNvSpPr txBox="1"/>
-          <p:nvPr/>
-        </p:nvSpPr>
-        <p:spPr>
-          <a:xfrm>
-            <a:off x="8737092" y="5158867"/>
-            <a:ext cx="2708976" cy="369332"/>
-          </a:xfrm>
-          <a:prstGeom prst="rect">
-            <a:avLst/>
-          </a:prstGeom>
-          <a:noFill/>
-        </p:spPr>
-        <p:txBody>
-          <a:bodyPr wrap="square" rtlCol="0">
-            <a:spAutoFit/>
-          </a:bodyPr>
-          <a:lstStyle/>
-          <a:p>
-            <a:r>
-              <a:rPr lang="en-US" dirty="0" smtClean="0">
-                <a:solidFill>
-                  <a:schemeClr val="tx2">
-                    <a:lumMod val="60000"/>
-                    <a:lumOff val="40000"/>
-                  </a:schemeClr>
-                </a:solidFill>
-              </a:rPr>
-              <a:t>Compressed </a:t>
-            </a:r>
-            <a:r>
-              <a:rPr lang="en-US" dirty="0" err="1" smtClean="0">
-                <a:solidFill>
-                  <a:schemeClr val="tx2">
-                    <a:lumMod val="60000"/>
-                    <a:lumOff val="40000"/>
-                  </a:schemeClr>
-                </a:solidFill>
-              </a:rPr>
-              <a:t>polly</a:t>
-            </a:r>
-            <a:r>
-              <a:rPr lang="en-US" dirty="0" smtClean="0">
-                <a:solidFill>
-                  <a:schemeClr val="tx2">
-                    <a:lumMod val="60000"/>
-                    <a:lumOff val="40000"/>
-                  </a:schemeClr>
-                </a:solidFill>
-              </a:rPr>
-              <a:t> data file</a:t>
-            </a:r>
-            <a:endParaRPr lang="en-US" dirty="0">
-              <a:solidFill>
-                <a:schemeClr val="tx2">
-                  <a:lumMod val="60000"/>
-                  <a:lumOff val="40000"/>
-                </a:schemeClr>
-              </a:solidFill>
-            </a:endParaRPr>
-          </a:p>
-        </p:txBody>
-      </p:sp>
-      <p:cxnSp>
-        <p:nvCxnSpPr>
-          <p:cNvPr id="27" name="Straight Arrow Connector 26"/>
-          <p:cNvCxnSpPr/>
-          <p:nvPr/>
-        </p:nvCxnSpPr>
-        <p:spPr>
-          <a:xfrm>
-            <a:off x="8284464" y="4789773"/>
-            <a:ext cx="452628" cy="17534"/>
-          </a:xfrm>
-          <a:prstGeom prst="straightConnector1">
-            <a:avLst/>
-          </a:prstGeom>
-          <a:ln>
-            <a:tailEnd type="triangle"/>
-          </a:ln>
-        </p:spPr>
-        <p:style>
-          <a:lnRef idx="2">
-            <a:schemeClr val="accent1"/>
-          </a:lnRef>
-          <a:fillRef idx="0">
-            <a:schemeClr val="accent1"/>
-          </a:fillRef>
-          <a:effectRef idx="1">
-            <a:schemeClr val="accent1"/>
-          </a:effectRef>
-          <a:fontRef idx="minor">
-            <a:schemeClr val="tx1"/>
-          </a:fontRef>
-        </p:style>
-      </p:cxnSp>
-      <p:cxnSp>
-        <p:nvCxnSpPr>
-          <p:cNvPr id="29" name="Straight Arrow Connector 28"/>
-          <p:cNvCxnSpPr/>
-          <p:nvPr/>
-        </p:nvCxnSpPr>
-        <p:spPr>
-          <a:xfrm>
-            <a:off x="6560275" y="5343533"/>
-            <a:ext cx="2245397" cy="8767"/>
-          </a:xfrm>
-          <a:prstGeom prst="straightConnector1">
-            <a:avLst/>
-          </a:prstGeom>
-          <a:ln>
-            <a:tailEnd type="triangle"/>
-          </a:ln>
-        </p:spPr>
-        <p:style>
-          <a:lnRef idx="2">
-            <a:schemeClr val="accent1"/>
-          </a:lnRef>
-          <a:fillRef idx="0">
-            <a:schemeClr val="accent1"/>
-          </a:fillRef>
-          <a:effectRef idx="1">
-            <a:schemeClr val="accent1"/>
-          </a:effectRef>
-          <a:fontRef idx="minor">
-            <a:schemeClr val="tx1"/>
-          </a:fontRef>
-        </p:style>
-      </p:cxnSp>
+              </a:endParaRPr>
+            </a:p>
+          </p:txBody>
+        </p:sp>
+        <p:cxnSp>
+          <p:nvCxnSpPr>
+            <p:cNvPr id="27" name="Straight Arrow Connector 26"/>
+            <p:cNvCxnSpPr/>
+            <p:nvPr/>
+          </p:nvCxnSpPr>
+          <p:spPr>
+            <a:xfrm>
+              <a:off x="8284464" y="4789773"/>
+              <a:ext cx="452628" cy="17534"/>
+            </a:xfrm>
+            <a:prstGeom prst="straightConnector1">
+              <a:avLst/>
+            </a:prstGeom>
+            <a:ln>
+              <a:tailEnd type="triangle"/>
+            </a:ln>
+          </p:spPr>
+          <p:style>
+            <a:lnRef idx="2">
+              <a:schemeClr val="accent1"/>
+            </a:lnRef>
+            <a:fillRef idx="0">
+              <a:schemeClr val="accent1"/>
+            </a:fillRef>
+            <a:effectRef idx="1">
+              <a:schemeClr val="accent1"/>
+            </a:effectRef>
+            <a:fontRef idx="minor">
+              <a:schemeClr val="tx1"/>
+            </a:fontRef>
+          </p:style>
+        </p:cxnSp>
+        <p:cxnSp>
+          <p:nvCxnSpPr>
+            <p:cNvPr id="29" name="Straight Arrow Connector 28"/>
+            <p:cNvCxnSpPr/>
+            <p:nvPr/>
+          </p:nvCxnSpPr>
+          <p:spPr>
+            <a:xfrm>
+              <a:off x="6560275" y="5343533"/>
+              <a:ext cx="2245397" cy="8767"/>
+            </a:xfrm>
+            <a:prstGeom prst="straightConnector1">
+              <a:avLst/>
+            </a:prstGeom>
+            <a:ln>
+              <a:tailEnd type="triangle"/>
+            </a:ln>
+          </p:spPr>
+          <p:style>
+            <a:lnRef idx="2">
+              <a:schemeClr val="accent1"/>
+            </a:lnRef>
+            <a:fillRef idx="0">
+              <a:schemeClr val="accent1"/>
+            </a:fillRef>
+            <a:effectRef idx="1">
+              <a:schemeClr val="accent1"/>
+            </a:effectRef>
+            <a:fontRef idx="minor">
+              <a:schemeClr val="tx1"/>
+            </a:fontRef>
+          </p:style>
+        </p:cxnSp>
+      </p:grpSp>
       <p:grpSp>
         <p:nvGrpSpPr>
           <p:cNvPr id="34" name="Group 33"/>
@@ -17283,6 +20787,171 @@
   <p:clrMapOvr>
     <a:masterClrMapping/>
   </p:clrMapOvr>
+  <p:timing>
+    <p:tnLst>
+      <p:par>
+        <p:cTn id="1" dur="indefinite" restart="never" nodeType="tmRoot">
+          <p:childTnLst>
+            <p:seq concurrent="1" nextAc="seek">
+              <p:cTn id="2" dur="indefinite" nodeType="mainSeq">
+                <p:childTnLst>
+                  <p:par>
+                    <p:cTn id="3" fill="hold">
+                      <p:stCondLst>
+                        <p:cond delay="indefinite"/>
+                      </p:stCondLst>
+                      <p:childTnLst>
+                        <p:par>
+                          <p:cTn id="4" fill="hold">
+                            <p:stCondLst>
+                              <p:cond delay="0"/>
+                            </p:stCondLst>
+                            <p:childTnLst>
+                              <p:par>
+                                <p:cTn id="5" presetID="1" presetClass="entr" presetSubtype="0" fill="hold" nodeType="clickEffect">
+                                  <p:stCondLst>
+                                    <p:cond delay="0"/>
+                                  </p:stCondLst>
+                                  <p:childTnLst>
+                                    <p:set>
+                                      <p:cBhvr>
+                                        <p:cTn id="6" dur="1" fill="hold">
+                                          <p:stCondLst>
+                                            <p:cond delay="0"/>
+                                          </p:stCondLst>
+                                        </p:cTn>
+                                        <p:tgtEl>
+                                          <p:spTgt spid="22"/>
+                                        </p:tgtEl>
+                                        <p:attrNameLst>
+                                          <p:attrName>style.visibility</p:attrName>
+                                        </p:attrNameLst>
+                                      </p:cBhvr>
+                                      <p:to>
+                                        <p:strVal val="visible"/>
+                                      </p:to>
+                                    </p:set>
+                                  </p:childTnLst>
+                                </p:cTn>
+                              </p:par>
+                            </p:childTnLst>
+                          </p:cTn>
+                        </p:par>
+                      </p:childTnLst>
+                    </p:cTn>
+                  </p:par>
+                  <p:par>
+                    <p:cTn id="7" fill="hold">
+                      <p:stCondLst>
+                        <p:cond delay="indefinite"/>
+                      </p:stCondLst>
+                      <p:childTnLst>
+                        <p:par>
+                          <p:cTn id="8" fill="hold">
+                            <p:stCondLst>
+                              <p:cond delay="0"/>
+                            </p:stCondLst>
+                            <p:childTnLst>
+                              <p:par>
+                                <p:cTn id="9" presetID="1" presetClass="entr" presetSubtype="0" fill="hold" nodeType="clickEffect">
+                                  <p:stCondLst>
+                                    <p:cond delay="0"/>
+                                  </p:stCondLst>
+                                  <p:childTnLst>
+                                    <p:set>
+                                      <p:cBhvr>
+                                        <p:cTn id="10" dur="1" fill="hold">
+                                          <p:stCondLst>
+                                            <p:cond delay="0"/>
+                                          </p:stCondLst>
+                                        </p:cTn>
+                                        <p:tgtEl>
+                                          <p:spTgt spid="3"/>
+                                        </p:tgtEl>
+                                        <p:attrNameLst>
+                                          <p:attrName>style.visibility</p:attrName>
+                                        </p:attrNameLst>
+                                      </p:cBhvr>
+                                      <p:to>
+                                        <p:strVal val="visible"/>
+                                      </p:to>
+                                    </p:set>
+                                  </p:childTnLst>
+                                </p:cTn>
+                              </p:par>
+                            </p:childTnLst>
+                          </p:cTn>
+                        </p:par>
+                      </p:childTnLst>
+                    </p:cTn>
+                  </p:par>
+                  <p:par>
+                    <p:cTn id="11" fill="hold">
+                      <p:stCondLst>
+                        <p:cond delay="indefinite"/>
+                      </p:stCondLst>
+                      <p:childTnLst>
+                        <p:par>
+                          <p:cTn id="12" fill="hold">
+                            <p:stCondLst>
+                              <p:cond delay="0"/>
+                            </p:stCondLst>
+                            <p:childTnLst>
+                              <p:par>
+                                <p:cTn id="13" presetID="1" presetClass="entr" presetSubtype="0" fill="hold" nodeType="clickEffect">
+                                  <p:stCondLst>
+                                    <p:cond delay="0"/>
+                                  </p:stCondLst>
+                                  <p:childTnLst>
+                                    <p:set>
+                                      <p:cBhvr>
+                                        <p:cTn id="14" dur="1" fill="hold">
+                                          <p:stCondLst>
+                                            <p:cond delay="0"/>
+                                          </p:stCondLst>
+                                        </p:cTn>
+                                        <p:tgtEl>
+                                          <p:spTgt spid="34"/>
+                                        </p:tgtEl>
+                                        <p:attrNameLst>
+                                          <p:attrName>style.visibility</p:attrName>
+                                        </p:attrNameLst>
+                                      </p:cBhvr>
+                                      <p:to>
+                                        <p:strVal val="visible"/>
+                                      </p:to>
+                                    </p:set>
+                                  </p:childTnLst>
+                                </p:cTn>
+                              </p:par>
+                            </p:childTnLst>
+                          </p:cTn>
+                        </p:par>
+                      </p:childTnLst>
+                    </p:cTn>
+                  </p:par>
+                </p:childTnLst>
+              </p:cTn>
+              <p:prevCondLst>
+                <p:cond evt="onPrev" delay="0">
+                  <p:tgtEl>
+                    <p:sldTgt/>
+                  </p:tgtEl>
+                </p:cond>
+              </p:prevCondLst>
+              <p:nextCondLst>
+                <p:cond evt="onNext" delay="0">
+                  <p:tgtEl>
+                    <p:sldTgt/>
+                  </p:tgtEl>
+                </p:cond>
+              </p:nextCondLst>
+            </p:seq>
+          </p:childTnLst>
+        </p:cTn>
+      </p:par>
+    </p:tnLst>
+  </p:timing>
 </p:sld>
 </file>
 
@@ -17328,86 +20997,6 @@
       </p:sp>
       <p:sp>
         <p:nvSpPr>
-          <p:cNvPr id="4" name="TextBox 3"/>
-          <p:cNvSpPr txBox="1"/>
-          <p:nvPr/>
-        </p:nvSpPr>
-        <p:spPr>
-          <a:xfrm>
-            <a:off x="1959197" y="1001840"/>
-            <a:ext cx="6089904" cy="369332"/>
-          </a:xfrm>
-          <a:prstGeom prst="rect">
-            <a:avLst/>
-          </a:prstGeom>
-        </p:spPr>
-        <p:style>
-          <a:lnRef idx="2">
-            <a:schemeClr val="accent1"/>
-          </a:lnRef>
-          <a:fillRef idx="1">
-            <a:schemeClr val="lt1"/>
-          </a:fillRef>
-          <a:effectRef idx="0">
-            <a:schemeClr val="accent1"/>
-          </a:effectRef>
-          <a:fontRef idx="minor">
-            <a:schemeClr val="dk1"/>
-          </a:fontRef>
-        </p:style>
-        <p:txBody>
-          <a:bodyPr wrap="square" rtlCol="0">
-            <a:spAutoFit/>
-          </a:bodyPr>
-          <a:lstStyle/>
-          <a:p>
-            <a:r>
-              <a:rPr lang="en-US" dirty="0" err="1"/>
-              <a:t>g</a:t>
-            </a:r>
-            <a:r>
-              <a:rPr lang="en-US" dirty="0" err="1" smtClean="0"/>
-              <a:t>it</a:t>
-            </a:r>
-            <a:r>
-              <a:rPr lang="en-US" dirty="0"/>
-              <a:t> clone https://github.com/ZPYin/Pollynet_Processing_Chain</a:t>
-            </a:r>
-          </a:p>
-        </p:txBody>
-      </p:sp>
-      <p:sp>
-        <p:nvSpPr>
-          <p:cNvPr id="5" name="TextBox 4"/>
-          <p:cNvSpPr txBox="1"/>
-          <p:nvPr/>
-        </p:nvSpPr>
-        <p:spPr>
-          <a:xfrm>
-            <a:off x="1837944" y="1515084"/>
-            <a:ext cx="7388352" cy="369332"/>
-          </a:xfrm>
-          <a:prstGeom prst="rect">
-            <a:avLst/>
-          </a:prstGeom>
-          <a:noFill/>
-        </p:spPr>
-        <p:txBody>
-          <a:bodyPr wrap="square" rtlCol="0">
-            <a:spAutoFit/>
-          </a:bodyPr>
-          <a:lstStyle/>
-          <a:p>
-            <a:r>
-              <a:rPr lang="en-US" dirty="0" smtClean="0"/>
-              <a:t>This command will download the code from the remote GitHub repository</a:t>
-            </a:r>
-            <a:endParaRPr lang="en-US" dirty="0"/>
-          </a:p>
-        </p:txBody>
-      </p:sp>
-      <p:sp>
-        <p:nvSpPr>
           <p:cNvPr id="13" name="TextBox 12"/>
           <p:cNvSpPr txBox="1"/>
           <p:nvPr/>
@@ -17510,36 +21099,6 @@
       </p:sp>
       <p:pic>
         <p:nvPicPr>
-          <p:cNvPr id="14" name="Picture 13"/>
-          <p:cNvPicPr>
-            <a:picLocks noChangeAspect="1"/>
-          </p:cNvPicPr>
-          <p:nvPr/>
-        </p:nvPicPr>
-        <p:blipFill>
-          <a:blip r:embed="rId2" cstate="print">
-            <a:extLst>
-              <a:ext uri="{28A0092B-C50C-407E-A947-70E740481C1C}">
-                <a14:useLocalDpi xmlns:a14="http://schemas.microsoft.com/office/drawing/2010/main" val="0"/>
-              </a:ext>
-            </a:extLst>
-          </a:blip>
-          <a:stretch>
-            <a:fillRect/>
-          </a:stretch>
-        </p:blipFill>
-        <p:spPr>
-          <a:xfrm>
-            <a:off x="574696" y="913972"/>
-            <a:ext cx="1100030" cy="914400"/>
-          </a:xfrm>
-          <a:prstGeom prst="rect">
-            <a:avLst/>
-          </a:prstGeom>
-        </p:spPr>
-      </p:pic>
-      <p:pic>
-        <p:nvPicPr>
           <p:cNvPr id="6" name="Picture 5"/>
           <p:cNvPicPr>
             <a:picLocks noChangeAspect="1"/>
@@ -17547,7 +21106,7 @@
           <p:nvPr/>
         </p:nvPicPr>
         <p:blipFill>
-          <a:blip r:embed="rId3">
+          <a:blip r:embed="rId2">
             <a:extLst>
               <a:ext uri="{28A0092B-C50C-407E-A947-70E740481C1C}">
                 <a14:useLocalDpi xmlns:a14="http://schemas.microsoft.com/office/drawing/2010/main" val="0"/>
@@ -17577,7 +21136,7 @@
           <p:nvPr/>
         </p:nvPicPr>
         <p:blipFill>
-          <a:blip r:embed="rId4">
+          <a:blip r:embed="rId3">
             <a:extLst>
               <a:ext uri="{28A0092B-C50C-407E-A947-70E740481C1C}">
                 <a14:useLocalDpi xmlns:a14="http://schemas.microsoft.com/office/drawing/2010/main" val="0"/>
@@ -17598,48 +21157,173 @@
           </a:prstGeom>
         </p:spPr>
       </p:pic>
-      <p:sp>
-        <p:nvSpPr>
-          <p:cNvPr id="9" name="TextBox 8"/>
-          <p:cNvSpPr txBox="1"/>
+      <p:grpSp>
+        <p:nvGrpSpPr>
+          <p:cNvPr id="3" name="Group 2"/>
+          <p:cNvGrpSpPr/>
           <p:nvPr/>
-        </p:nvSpPr>
-        <p:spPr>
+        </p:nvGrpSpPr>
+        <p:grpSpPr>
           <a:xfrm>
-            <a:off x="8049101" y="1017229"/>
-            <a:ext cx="4160520" cy="338554"/>
+            <a:off x="574696" y="913972"/>
+            <a:ext cx="11634925" cy="970444"/>
+            <a:chOff x="574696" y="913972"/>
+            <a:chExt cx="11634925" cy="970444"/>
           </a:xfrm>
-          <a:prstGeom prst="rect">
-            <a:avLst/>
-          </a:prstGeom>
-          <a:noFill/>
-        </p:spPr>
-        <p:txBody>
-          <a:bodyPr wrap="square" rtlCol="0">
-            <a:spAutoFit/>
-          </a:bodyPr>
-          <a:lstStyle/>
-          <a:p>
-            <a:r>
-              <a:rPr lang="en-US" sz="1600" dirty="0" smtClean="0">
+        </p:grpSpPr>
+        <p:sp>
+          <p:nvSpPr>
+            <p:cNvPr id="4" name="TextBox 3"/>
+            <p:cNvSpPr txBox="1"/>
+            <p:nvPr/>
+          </p:nvSpPr>
+          <p:spPr>
+            <a:xfrm>
+              <a:off x="1959197" y="1001840"/>
+              <a:ext cx="6089904" cy="369332"/>
+            </a:xfrm>
+            <a:prstGeom prst="rect">
+              <a:avLst/>
+            </a:prstGeom>
+          </p:spPr>
+          <p:style>
+            <a:lnRef idx="2">
+              <a:schemeClr val="accent1"/>
+            </a:lnRef>
+            <a:fillRef idx="1">
+              <a:schemeClr val="lt1"/>
+            </a:fillRef>
+            <a:effectRef idx="0">
+              <a:schemeClr val="accent1"/>
+            </a:effectRef>
+            <a:fontRef idx="minor">
+              <a:schemeClr val="dk1"/>
+            </a:fontRef>
+          </p:style>
+          <p:txBody>
+            <a:bodyPr wrap="square" rtlCol="0">
+              <a:spAutoFit/>
+            </a:bodyPr>
+            <a:lstStyle/>
+            <a:p>
+              <a:r>
+                <a:rPr lang="en-US" dirty="0" err="1"/>
+                <a:t>g</a:t>
+              </a:r>
+              <a:r>
+                <a:rPr lang="en-US" dirty="0" err="1" smtClean="0"/>
+                <a:t>it</a:t>
+              </a:r>
+              <a:r>
+                <a:rPr lang="en-US" dirty="0"/>
+                <a:t> clone https://github.com/ZPYin/Pollynet_Processing_Chain</a:t>
+              </a:r>
+            </a:p>
+          </p:txBody>
+        </p:sp>
+        <p:sp>
+          <p:nvSpPr>
+            <p:cNvPr id="5" name="TextBox 4"/>
+            <p:cNvSpPr txBox="1"/>
+            <p:nvPr/>
+          </p:nvSpPr>
+          <p:spPr>
+            <a:xfrm>
+              <a:off x="1837944" y="1515084"/>
+              <a:ext cx="7388352" cy="369332"/>
+            </a:xfrm>
+            <a:prstGeom prst="rect">
+              <a:avLst/>
+            </a:prstGeom>
+            <a:noFill/>
+          </p:spPr>
+          <p:txBody>
+            <a:bodyPr wrap="square" rtlCol="0">
+              <a:spAutoFit/>
+            </a:bodyPr>
+            <a:lstStyle/>
+            <a:p>
+              <a:r>
+                <a:rPr lang="en-US" dirty="0" smtClean="0"/>
+                <a:t>This command will download the code from the remote GitHub repository</a:t>
+              </a:r>
+              <a:endParaRPr lang="en-US" dirty="0"/>
+            </a:p>
+          </p:txBody>
+        </p:sp>
+        <p:pic>
+          <p:nvPicPr>
+            <p:cNvPr id="14" name="Picture 13"/>
+            <p:cNvPicPr>
+              <a:picLocks noChangeAspect="1"/>
+            </p:cNvPicPr>
+            <p:nvPr/>
+          </p:nvPicPr>
+          <p:blipFill>
+            <a:blip r:embed="rId4" cstate="print">
+              <a:extLst>
+                <a:ext uri="{28A0092B-C50C-407E-A947-70E740481C1C}">
+                  <a14:useLocalDpi xmlns:a14="http://schemas.microsoft.com/office/drawing/2010/main" val="0"/>
+                </a:ext>
+              </a:extLst>
+            </a:blip>
+            <a:stretch>
+              <a:fillRect/>
+            </a:stretch>
+          </p:blipFill>
+          <p:spPr>
+            <a:xfrm>
+              <a:off x="574696" y="913972"/>
+              <a:ext cx="1100030" cy="914400"/>
+            </a:xfrm>
+            <a:prstGeom prst="rect">
+              <a:avLst/>
+            </a:prstGeom>
+          </p:spPr>
+        </p:pic>
+        <p:sp>
+          <p:nvSpPr>
+            <p:cNvPr id="9" name="TextBox 8"/>
+            <p:cNvSpPr txBox="1"/>
+            <p:nvPr/>
+          </p:nvSpPr>
+          <p:spPr>
+            <a:xfrm>
+              <a:off x="8049101" y="1017229"/>
+              <a:ext cx="4160520" cy="338554"/>
+            </a:xfrm>
+            <a:prstGeom prst="rect">
+              <a:avLst/>
+            </a:prstGeom>
+            <a:noFill/>
+          </p:spPr>
+          <p:txBody>
+            <a:bodyPr wrap="square" rtlCol="0">
+              <a:spAutoFit/>
+            </a:bodyPr>
+            <a:lstStyle/>
+            <a:p>
+              <a:r>
+                <a:rPr lang="en-US" sz="1600" dirty="0" smtClean="0">
+                  <a:solidFill>
+                    <a:schemeClr val="bg1">
+                      <a:lumMod val="65000"/>
+                    </a:schemeClr>
+                  </a:solidFill>
+                </a:rPr>
+                <a:t>(There is also ‘download’ option under this link)</a:t>
+              </a:r>
+              <a:endParaRPr lang="en-US" sz="1600" dirty="0">
                 <a:solidFill>
                   <a:schemeClr val="bg1">
                     <a:lumMod val="65000"/>
                   </a:schemeClr>
                 </a:solidFill>
-              </a:rPr>
-              <a:t>(There is also ‘download’ option under this link)</a:t>
-            </a:r>
-            <a:endParaRPr lang="en-US" sz="1600" dirty="0">
-              <a:solidFill>
-                <a:schemeClr val="bg1">
-                  <a:lumMod val="65000"/>
-                </a:schemeClr>
-              </a:solidFill>
-            </a:endParaRPr>
-          </a:p>
-        </p:txBody>
-      </p:sp>
+              </a:endParaRPr>
+            </a:p>
+          </p:txBody>
+        </p:sp>
+      </p:grpSp>
     </p:spTree>
     <p:extLst>
       <p:ext uri="{BB962C8B-B14F-4D97-AF65-F5344CB8AC3E}">
@@ -17653,9 +21337,215 @@
   <p:timing>
     <p:tnLst>
       <p:par>
-        <p:cTn id="1" dur="indefinite" restart="never" nodeType="tmRoot"/>
+        <p:cTn id="1" dur="indefinite" restart="never" nodeType="tmRoot">
+          <p:childTnLst>
+            <p:seq concurrent="1" nextAc="seek">
+              <p:cTn id="2" dur="indefinite" nodeType="mainSeq">
+                <p:childTnLst>
+                  <p:par>
+                    <p:cTn id="3" fill="hold">
+                      <p:stCondLst>
+                        <p:cond delay="indefinite"/>
+                      </p:stCondLst>
+                      <p:childTnLst>
+                        <p:par>
+                          <p:cTn id="4" fill="hold">
+                            <p:stCondLst>
+                              <p:cond delay="0"/>
+                            </p:stCondLst>
+                            <p:childTnLst>
+                              <p:par>
+                                <p:cTn id="5" presetID="1" presetClass="entr" presetSubtype="0" fill="hold" nodeType="clickEffect">
+                                  <p:stCondLst>
+                                    <p:cond delay="0"/>
+                                  </p:stCondLst>
+                                  <p:childTnLst>
+                                    <p:set>
+                                      <p:cBhvr>
+                                        <p:cTn id="6" dur="1" fill="hold">
+                                          <p:stCondLst>
+                                            <p:cond delay="0"/>
+                                          </p:stCondLst>
+                                        </p:cTn>
+                                        <p:tgtEl>
+                                          <p:spTgt spid="3"/>
+                                        </p:tgtEl>
+                                        <p:attrNameLst>
+                                          <p:attrName>style.visibility</p:attrName>
+                                        </p:attrNameLst>
+                                      </p:cBhvr>
+                                      <p:to>
+                                        <p:strVal val="visible"/>
+                                      </p:to>
+                                    </p:set>
+                                  </p:childTnLst>
+                                </p:cTn>
+                              </p:par>
+                            </p:childTnLst>
+                          </p:cTn>
+                        </p:par>
+                      </p:childTnLst>
+                    </p:cTn>
+                  </p:par>
+                  <p:par>
+                    <p:cTn id="7" fill="hold">
+                      <p:stCondLst>
+                        <p:cond delay="indefinite"/>
+                      </p:stCondLst>
+                      <p:childTnLst>
+                        <p:par>
+                          <p:cTn id="8" fill="hold">
+                            <p:stCondLst>
+                              <p:cond delay="0"/>
+                            </p:stCondLst>
+                            <p:childTnLst>
+                              <p:par>
+                                <p:cTn id="9" presetID="1" presetClass="entr" presetSubtype="0" fill="hold" nodeType="clickEffect">
+                                  <p:stCondLst>
+                                    <p:cond delay="0"/>
+                                  </p:stCondLst>
+                                  <p:childTnLst>
+                                    <p:set>
+                                      <p:cBhvr>
+                                        <p:cTn id="10" dur="1" fill="hold">
+                                          <p:stCondLst>
+                                            <p:cond delay="0"/>
+                                          </p:stCondLst>
+                                        </p:cTn>
+                                        <p:tgtEl>
+                                          <p:spTgt spid="7"/>
+                                        </p:tgtEl>
+                                        <p:attrNameLst>
+                                          <p:attrName>style.visibility</p:attrName>
+                                        </p:attrNameLst>
+                                      </p:cBhvr>
+                                      <p:to>
+                                        <p:strVal val="visible"/>
+                                      </p:to>
+                                    </p:set>
+                                  </p:childTnLst>
+                                </p:cTn>
+                              </p:par>
+                            </p:childTnLst>
+                          </p:cTn>
+                        </p:par>
+                      </p:childTnLst>
+                    </p:cTn>
+                  </p:par>
+                  <p:par>
+                    <p:cTn id="11" fill="hold">
+                      <p:stCondLst>
+                        <p:cond delay="indefinite"/>
+                      </p:stCondLst>
+                      <p:childTnLst>
+                        <p:par>
+                          <p:cTn id="12" fill="hold">
+                            <p:stCondLst>
+                              <p:cond delay="0"/>
+                            </p:stCondLst>
+                            <p:childTnLst>
+                              <p:par>
+                                <p:cTn id="13" presetID="1" presetClass="entr" presetSubtype="0" fill="hold" nodeType="clickEffect">
+                                  <p:stCondLst>
+                                    <p:cond delay="0"/>
+                                  </p:stCondLst>
+                                  <p:childTnLst>
+                                    <p:set>
+                                      <p:cBhvr>
+                                        <p:cTn id="14" dur="1" fill="hold">
+                                          <p:stCondLst>
+                                            <p:cond delay="0"/>
+                                          </p:stCondLst>
+                                        </p:cTn>
+                                        <p:tgtEl>
+                                          <p:spTgt spid="6"/>
+                                        </p:tgtEl>
+                                        <p:attrNameLst>
+                                          <p:attrName>style.visibility</p:attrName>
+                                        </p:attrNameLst>
+                                      </p:cBhvr>
+                                      <p:to>
+                                        <p:strVal val="visible"/>
+                                      </p:to>
+                                    </p:set>
+                                  </p:childTnLst>
+                                </p:cTn>
+                              </p:par>
+                            </p:childTnLst>
+                          </p:cTn>
+                        </p:par>
+                      </p:childTnLst>
+                    </p:cTn>
+                  </p:par>
+                  <p:par>
+                    <p:cTn id="15" fill="hold">
+                      <p:stCondLst>
+                        <p:cond delay="indefinite"/>
+                      </p:stCondLst>
+                      <p:childTnLst>
+                        <p:par>
+                          <p:cTn id="16" fill="hold">
+                            <p:stCondLst>
+                              <p:cond delay="0"/>
+                            </p:stCondLst>
+                            <p:childTnLst>
+                              <p:par>
+                                <p:cTn id="17" presetID="1" presetClass="entr" presetSubtype="0" fill="hold" grpId="0" nodeType="clickEffect">
+                                  <p:stCondLst>
+                                    <p:cond delay="0"/>
+                                  </p:stCondLst>
+                                  <p:childTnLst>
+                                    <p:set>
+                                      <p:cBhvr>
+                                        <p:cTn id="18" dur="1" fill="hold">
+                                          <p:stCondLst>
+                                            <p:cond delay="0"/>
+                                          </p:stCondLst>
+                                        </p:cTn>
+                                        <p:tgtEl>
+                                          <p:spTgt spid="13"/>
+                                        </p:tgtEl>
+                                        <p:attrNameLst>
+                                          <p:attrName>style.visibility</p:attrName>
+                                        </p:attrNameLst>
+                                      </p:cBhvr>
+                                      <p:to>
+                                        <p:strVal val="visible"/>
+                                      </p:to>
+                                    </p:set>
+                                  </p:childTnLst>
+                                </p:cTn>
+                              </p:par>
+                            </p:childTnLst>
+                          </p:cTn>
+                        </p:par>
+                      </p:childTnLst>
+                    </p:cTn>
+                  </p:par>
+                </p:childTnLst>
+              </p:cTn>
+              <p:prevCondLst>
+                <p:cond evt="onPrev" delay="0">
+                  <p:tgtEl>
+                    <p:sldTgt/>
+                  </p:tgtEl>
+                </p:cond>
+              </p:prevCondLst>
+              <p:nextCondLst>
+                <p:cond evt="onNext" delay="0">
+                  <p:tgtEl>
+                    <p:sldTgt/>
+                  </p:tgtEl>
+                </p:cond>
+              </p:nextCondLst>
+            </p:seq>
+          </p:childTnLst>
+        </p:cTn>
       </p:par>
     </p:tnLst>
+    <p:bldLst>
+      <p:bldP spid="13" grpId="0"/>
+    </p:bldLst>
   </p:timing>
 </p:sld>
 </file>
@@ -17805,7 +21695,7 @@
         </p:nvGrpSpPr>
         <p:grpSpPr>
           <a:xfrm>
-            <a:off x="8551216" y="470808"/>
+            <a:off x="8529043" y="470808"/>
             <a:ext cx="2980944" cy="4486319"/>
             <a:chOff x="8796529" y="859451"/>
             <a:chExt cx="2980944" cy="4486319"/>
@@ -18537,6 +22427,319 @@
   <p:clrMapOvr>
     <a:masterClrMapping/>
   </p:clrMapOvr>
+  <p:timing>
+    <p:tnLst>
+      <p:par>
+        <p:cTn id="1" dur="indefinite" restart="never" nodeType="tmRoot">
+          <p:childTnLst>
+            <p:seq concurrent="1" nextAc="seek">
+              <p:cTn id="2" dur="indefinite" nodeType="mainSeq">
+                <p:childTnLst>
+                  <p:par>
+                    <p:cTn id="3" fill="hold">
+                      <p:stCondLst>
+                        <p:cond delay="indefinite"/>
+                      </p:stCondLst>
+                      <p:childTnLst>
+                        <p:par>
+                          <p:cTn id="4" fill="hold">
+                            <p:stCondLst>
+                              <p:cond delay="0"/>
+                            </p:stCondLst>
+                            <p:childTnLst>
+                              <p:par>
+                                <p:cTn id="5" presetID="1" presetClass="entr" presetSubtype="0" fill="hold" nodeType="clickEffect">
+                                  <p:stCondLst>
+                                    <p:cond delay="0"/>
+                                  </p:stCondLst>
+                                  <p:childTnLst>
+                                    <p:set>
+                                      <p:cBhvr>
+                                        <p:cTn id="6" dur="1" fill="hold">
+                                          <p:stCondLst>
+                                            <p:cond delay="0"/>
+                                          </p:stCondLst>
+                                        </p:cTn>
+                                        <p:tgtEl>
+                                          <p:spTgt spid="58"/>
+                                        </p:tgtEl>
+                                        <p:attrNameLst>
+                                          <p:attrName>style.visibility</p:attrName>
+                                        </p:attrNameLst>
+                                      </p:cBhvr>
+                                      <p:to>
+                                        <p:strVal val="visible"/>
+                                      </p:to>
+                                    </p:set>
+                                  </p:childTnLst>
+                                </p:cTn>
+                              </p:par>
+                            </p:childTnLst>
+                          </p:cTn>
+                        </p:par>
+                      </p:childTnLst>
+                    </p:cTn>
+                  </p:par>
+                  <p:par>
+                    <p:cTn id="7" fill="hold">
+                      <p:stCondLst>
+                        <p:cond delay="indefinite"/>
+                      </p:stCondLst>
+                      <p:childTnLst>
+                        <p:par>
+                          <p:cTn id="8" fill="hold">
+                            <p:stCondLst>
+                              <p:cond delay="0"/>
+                            </p:stCondLst>
+                            <p:childTnLst>
+                              <p:par>
+                                <p:cTn id="9" presetID="1" presetClass="entr" presetSubtype="0" fill="hold" nodeType="clickEffect">
+                                  <p:stCondLst>
+                                    <p:cond delay="0"/>
+                                  </p:stCondLst>
+                                  <p:childTnLst>
+                                    <p:set>
+                                      <p:cBhvr>
+                                        <p:cTn id="10" dur="1" fill="hold">
+                                          <p:stCondLst>
+                                            <p:cond delay="0"/>
+                                          </p:stCondLst>
+                                        </p:cTn>
+                                        <p:tgtEl>
+                                          <p:spTgt spid="15"/>
+                                        </p:tgtEl>
+                                        <p:attrNameLst>
+                                          <p:attrName>style.visibility</p:attrName>
+                                        </p:attrNameLst>
+                                      </p:cBhvr>
+                                      <p:to>
+                                        <p:strVal val="visible"/>
+                                      </p:to>
+                                    </p:set>
+                                  </p:childTnLst>
+                                </p:cTn>
+                              </p:par>
+                              <p:par>
+                                <p:cTn id="11" presetID="1" presetClass="entr" presetSubtype="0" fill="hold" grpId="0" nodeType="withEffect">
+                                  <p:stCondLst>
+                                    <p:cond delay="0"/>
+                                  </p:stCondLst>
+                                  <p:childTnLst>
+                                    <p:set>
+                                      <p:cBhvr>
+                                        <p:cTn id="12" dur="1" fill="hold">
+                                          <p:stCondLst>
+                                            <p:cond delay="0"/>
+                                          </p:stCondLst>
+                                        </p:cTn>
+                                        <p:tgtEl>
+                                          <p:spTgt spid="26"/>
+                                        </p:tgtEl>
+                                        <p:attrNameLst>
+                                          <p:attrName>style.visibility</p:attrName>
+                                        </p:attrNameLst>
+                                      </p:cBhvr>
+                                      <p:to>
+                                        <p:strVal val="visible"/>
+                                      </p:to>
+                                    </p:set>
+                                  </p:childTnLst>
+                                </p:cTn>
+                              </p:par>
+                            </p:childTnLst>
+                          </p:cTn>
+                        </p:par>
+                      </p:childTnLst>
+                    </p:cTn>
+                  </p:par>
+                  <p:par>
+                    <p:cTn id="13" fill="hold">
+                      <p:stCondLst>
+                        <p:cond delay="indefinite"/>
+                      </p:stCondLst>
+                      <p:childTnLst>
+                        <p:par>
+                          <p:cTn id="14" fill="hold">
+                            <p:stCondLst>
+                              <p:cond delay="0"/>
+                            </p:stCondLst>
+                            <p:childTnLst>
+                              <p:par>
+                                <p:cTn id="15" presetID="1" presetClass="entr" presetSubtype="0" fill="hold" grpId="0" nodeType="clickEffect">
+                                  <p:stCondLst>
+                                    <p:cond delay="0"/>
+                                  </p:stCondLst>
+                                  <p:childTnLst>
+                                    <p:set>
+                                      <p:cBhvr>
+                                        <p:cTn id="16" dur="1" fill="hold">
+                                          <p:stCondLst>
+                                            <p:cond delay="0"/>
+                                          </p:stCondLst>
+                                        </p:cTn>
+                                        <p:tgtEl>
+                                          <p:spTgt spid="6"/>
+                                        </p:tgtEl>
+                                        <p:attrNameLst>
+                                          <p:attrName>style.visibility</p:attrName>
+                                        </p:attrNameLst>
+                                      </p:cBhvr>
+                                      <p:to>
+                                        <p:strVal val="visible"/>
+                                      </p:to>
+                                    </p:set>
+                                  </p:childTnLst>
+                                </p:cTn>
+                              </p:par>
+                            </p:childTnLst>
+                          </p:cTn>
+                        </p:par>
+                      </p:childTnLst>
+                    </p:cTn>
+                  </p:par>
+                  <p:par>
+                    <p:cTn id="17" fill="hold">
+                      <p:stCondLst>
+                        <p:cond delay="indefinite"/>
+                      </p:stCondLst>
+                      <p:childTnLst>
+                        <p:par>
+                          <p:cTn id="18" fill="hold">
+                            <p:stCondLst>
+                              <p:cond delay="0"/>
+                            </p:stCondLst>
+                            <p:childTnLst>
+                              <p:par>
+                                <p:cTn id="19" presetID="1" presetClass="entr" presetSubtype="0" fill="hold" nodeType="clickEffect">
+                                  <p:stCondLst>
+                                    <p:cond delay="0"/>
+                                  </p:stCondLst>
+                                  <p:childTnLst>
+                                    <p:set>
+                                      <p:cBhvr>
+                                        <p:cTn id="20" dur="1" fill="hold">
+                                          <p:stCondLst>
+                                            <p:cond delay="0"/>
+                                          </p:stCondLst>
+                                        </p:cTn>
+                                        <p:tgtEl>
+                                          <p:spTgt spid="61"/>
+                                        </p:tgtEl>
+                                        <p:attrNameLst>
+                                          <p:attrName>style.visibility</p:attrName>
+                                        </p:attrNameLst>
+                                      </p:cBhvr>
+                                      <p:to>
+                                        <p:strVal val="visible"/>
+                                      </p:to>
+                                    </p:set>
+                                  </p:childTnLst>
+                                </p:cTn>
+                              </p:par>
+                              <p:par>
+                                <p:cTn id="21" presetID="1" presetClass="entr" presetSubtype="0" fill="hold" nodeType="withEffect">
+                                  <p:stCondLst>
+                                    <p:cond delay="0"/>
+                                  </p:stCondLst>
+                                  <p:childTnLst>
+                                    <p:set>
+                                      <p:cBhvr>
+                                        <p:cTn id="22" dur="1" fill="hold">
+                                          <p:stCondLst>
+                                            <p:cond delay="0"/>
+                                          </p:stCondLst>
+                                        </p:cTn>
+                                        <p:tgtEl>
+                                          <p:spTgt spid="10"/>
+                                        </p:tgtEl>
+                                        <p:attrNameLst>
+                                          <p:attrName>style.visibility</p:attrName>
+                                        </p:attrNameLst>
+                                      </p:cBhvr>
+                                      <p:to>
+                                        <p:strVal val="visible"/>
+                                      </p:to>
+                                    </p:set>
+                                  </p:childTnLst>
+                                </p:cTn>
+                              </p:par>
+                            </p:childTnLst>
+                          </p:cTn>
+                        </p:par>
+                      </p:childTnLst>
+                    </p:cTn>
+                  </p:par>
+                  <p:par>
+                    <p:cTn id="23" fill="hold">
+                      <p:stCondLst>
+                        <p:cond delay="indefinite"/>
+                      </p:stCondLst>
+                      <p:childTnLst>
+                        <p:par>
+                          <p:cTn id="24" fill="hold">
+                            <p:stCondLst>
+                              <p:cond delay="0"/>
+                            </p:stCondLst>
+                            <p:childTnLst>
+                              <p:par>
+                                <p:cTn id="25" presetID="1" presetClass="entr" presetSubtype="0" fill="hold" nodeType="clickEffect">
+                                  <p:stCondLst>
+                                    <p:cond delay="0"/>
+                                  </p:stCondLst>
+                                  <p:childTnLst>
+                                    <p:set>
+                                      <p:cBhvr>
+                                        <p:cTn id="26" dur="1" fill="hold">
+                                          <p:stCondLst>
+                                            <p:cond delay="0"/>
+                                          </p:stCondLst>
+                                        </p:cTn>
+                                        <p:tgtEl>
+                                          <p:spTgt spid="59"/>
+                                        </p:tgtEl>
+                                        <p:attrNameLst>
+                                          <p:attrName>style.visibility</p:attrName>
+                                        </p:attrNameLst>
+                                      </p:cBhvr>
+                                      <p:to>
+                                        <p:strVal val="visible"/>
+                                      </p:to>
+                                    </p:set>
+                                  </p:childTnLst>
+                                </p:cTn>
+                              </p:par>
+                            </p:childTnLst>
+                          </p:cTn>
+                        </p:par>
+                      </p:childTnLst>
+                    </p:cTn>
+                  </p:par>
+                </p:childTnLst>
+              </p:cTn>
+              <p:prevCondLst>
+                <p:cond evt="onPrev" delay="0">
+                  <p:tgtEl>
+                    <p:sldTgt/>
+                  </p:tgtEl>
+                </p:cond>
+              </p:prevCondLst>
+              <p:nextCondLst>
+                <p:cond evt="onNext" delay="0">
+                  <p:tgtEl>
+                    <p:sldTgt/>
+                  </p:tgtEl>
+                </p:cond>
+              </p:nextCondLst>
+            </p:seq>
+          </p:childTnLst>
+        </p:cTn>
+      </p:par>
+    </p:tnLst>
+    <p:bldLst>
+      <p:bldP spid="6" grpId="0" animBg="1"/>
+      <p:bldP spid="26" grpId="0" animBg="1"/>
+    </p:bldLst>
+  </p:timing>
 </p:sld>
 </file>
 
@@ -18679,44 +22882,6 @@
               <a:t>Config</a:t>
             </a:r>
             <a:endParaRPr lang="en-US" sz="2800" b="1" dirty="0"/>
-          </a:p>
-        </p:txBody>
-      </p:sp>
-      <p:sp>
-        <p:nvSpPr>
-          <p:cNvPr id="8" name="TextBox 7"/>
-          <p:cNvSpPr txBox="1"/>
-          <p:nvPr/>
-        </p:nvSpPr>
-        <p:spPr>
-          <a:xfrm>
-            <a:off x="91440" y="970358"/>
-            <a:ext cx="7370064" cy="369332"/>
-          </a:xfrm>
-          <a:prstGeom prst="rect">
-            <a:avLst/>
-          </a:prstGeom>
-          <a:noFill/>
-        </p:spPr>
-        <p:txBody>
-          <a:bodyPr wrap="square" rtlCol="0">
-            <a:spAutoFit/>
-          </a:bodyPr>
-          <a:lstStyle/>
-          <a:p>
-            <a:r>
-              <a:rPr lang="en-US" dirty="0" smtClean="0"/>
-              <a:t>1. setup the global </a:t>
-            </a:r>
-            <a:r>
-              <a:rPr lang="en-US" dirty="0" err="1" smtClean="0"/>
-              <a:t>config</a:t>
-            </a:r>
-            <a:r>
-              <a:rPr lang="en-US" dirty="0" smtClean="0"/>
-              <a:t> file from the template</a:t>
-            </a:r>
-            <a:endParaRPr lang="en-US" dirty="0"/>
           </a:p>
         </p:txBody>
       </p:sp>
@@ -19025,36 +23190,89 @@
           </a:p>
         </p:txBody>
       </p:sp>
-      <p:pic>
-        <p:nvPicPr>
-          <p:cNvPr id="9" name="Picture 8"/>
-          <p:cNvPicPr>
-            <a:picLocks noChangeAspect="1"/>
-          </p:cNvPicPr>
+      <p:grpSp>
+        <p:nvGrpSpPr>
+          <p:cNvPr id="5" name="Group 4"/>
+          <p:cNvGrpSpPr/>
           <p:nvPr/>
-        </p:nvPicPr>
-        <p:blipFill>
-          <a:blip r:embed="rId3">
-            <a:extLst>
-              <a:ext uri="{28A0092B-C50C-407E-A947-70E740481C1C}">
-                <a14:useLocalDpi xmlns:a14="http://schemas.microsoft.com/office/drawing/2010/main" val="0"/>
-              </a:ext>
-            </a:extLst>
-          </a:blip>
-          <a:stretch>
-            <a:fillRect/>
-          </a:stretch>
-        </p:blipFill>
-        <p:spPr>
+        </p:nvGrpSpPr>
+        <p:grpSpPr>
           <a:xfrm>
-            <a:off x="560433" y="1338076"/>
-            <a:ext cx="7772799" cy="787440"/>
+            <a:off x="91440" y="970358"/>
+            <a:ext cx="8241792" cy="1155158"/>
+            <a:chOff x="91440" y="970358"/>
+            <a:chExt cx="8241792" cy="1155158"/>
           </a:xfrm>
-          <a:prstGeom prst="rect">
-            <a:avLst/>
-          </a:prstGeom>
-        </p:spPr>
-      </p:pic>
+        </p:grpSpPr>
+        <p:sp>
+          <p:nvSpPr>
+            <p:cNvPr id="8" name="TextBox 7"/>
+            <p:cNvSpPr txBox="1"/>
+            <p:nvPr/>
+          </p:nvSpPr>
+          <p:spPr>
+            <a:xfrm>
+              <a:off x="91440" y="970358"/>
+              <a:ext cx="7370064" cy="369332"/>
+            </a:xfrm>
+            <a:prstGeom prst="rect">
+              <a:avLst/>
+            </a:prstGeom>
+            <a:noFill/>
+          </p:spPr>
+          <p:txBody>
+            <a:bodyPr wrap="square" rtlCol="0">
+              <a:spAutoFit/>
+            </a:bodyPr>
+            <a:lstStyle/>
+            <a:p>
+              <a:r>
+                <a:rPr lang="en-US" dirty="0" smtClean="0"/>
+                <a:t>1. setup the global </a:t>
+              </a:r>
+              <a:r>
+                <a:rPr lang="en-US" dirty="0" err="1" smtClean="0"/>
+                <a:t>config</a:t>
+              </a:r>
+              <a:r>
+                <a:rPr lang="en-US" dirty="0" smtClean="0"/>
+                <a:t> file from the template</a:t>
+              </a:r>
+              <a:endParaRPr lang="en-US" dirty="0"/>
+            </a:p>
+          </p:txBody>
+        </p:sp>
+        <p:pic>
+          <p:nvPicPr>
+            <p:cNvPr id="9" name="Picture 8"/>
+            <p:cNvPicPr>
+              <a:picLocks noChangeAspect="1"/>
+            </p:cNvPicPr>
+            <p:nvPr/>
+          </p:nvPicPr>
+          <p:blipFill>
+            <a:blip r:embed="rId3">
+              <a:extLst>
+                <a:ext uri="{28A0092B-C50C-407E-A947-70E740481C1C}">
+                  <a14:useLocalDpi xmlns:a14="http://schemas.microsoft.com/office/drawing/2010/main" val="0"/>
+                </a:ext>
+              </a:extLst>
+            </a:blip>
+            <a:stretch>
+              <a:fillRect/>
+            </a:stretch>
+          </p:blipFill>
+          <p:spPr>
+            <a:xfrm>
+              <a:off x="560433" y="1338076"/>
+              <a:ext cx="7772799" cy="787440"/>
+            </a:xfrm>
+            <a:prstGeom prst="rect">
+              <a:avLst/>
+            </a:prstGeom>
+          </p:spPr>
+        </p:pic>
+      </p:grpSp>
       <p:sp>
         <p:nvSpPr>
           <p:cNvPr id="11" name="TextBox 10"/>
@@ -19098,9 +23316,301 @@
   <p:timing>
     <p:tnLst>
       <p:par>
-        <p:cTn id="1" dur="indefinite" restart="never" nodeType="tmRoot"/>
+        <p:cTn id="1" dur="indefinite" restart="never" nodeType="tmRoot">
+          <p:childTnLst>
+            <p:seq concurrent="1" nextAc="seek">
+              <p:cTn id="2" dur="indefinite" nodeType="mainSeq">
+                <p:childTnLst>
+                  <p:par>
+                    <p:cTn id="3" fill="hold">
+                      <p:stCondLst>
+                        <p:cond delay="indefinite"/>
+                      </p:stCondLst>
+                      <p:childTnLst>
+                        <p:par>
+                          <p:cTn id="4" fill="hold">
+                            <p:stCondLst>
+                              <p:cond delay="0"/>
+                            </p:stCondLst>
+                            <p:childTnLst>
+                              <p:par>
+                                <p:cTn id="5" presetID="1" presetClass="entr" presetSubtype="0" fill="hold" grpId="0" nodeType="clickEffect">
+                                  <p:stCondLst>
+                                    <p:cond delay="0"/>
+                                  </p:stCondLst>
+                                  <p:childTnLst>
+                                    <p:set>
+                                      <p:cBhvr>
+                                        <p:cTn id="6" dur="1" fill="hold">
+                                          <p:stCondLst>
+                                            <p:cond delay="0"/>
+                                          </p:stCondLst>
+                                        </p:cTn>
+                                        <p:tgtEl>
+                                          <p:spTgt spid="24"/>
+                                        </p:tgtEl>
+                                        <p:attrNameLst>
+                                          <p:attrName>style.visibility</p:attrName>
+                                        </p:attrNameLst>
+                                      </p:cBhvr>
+                                      <p:to>
+                                        <p:strVal val="visible"/>
+                                      </p:to>
+                                    </p:set>
+                                  </p:childTnLst>
+                                </p:cTn>
+                              </p:par>
+                              <p:par>
+                                <p:cTn id="7" presetID="1" presetClass="entr" presetSubtype="0" fill="hold" grpId="0" nodeType="withEffect">
+                                  <p:stCondLst>
+                                    <p:cond delay="0"/>
+                                  </p:stCondLst>
+                                  <p:childTnLst>
+                                    <p:set>
+                                      <p:cBhvr>
+                                        <p:cTn id="8" dur="1" fill="hold">
+                                          <p:stCondLst>
+                                            <p:cond delay="0"/>
+                                          </p:stCondLst>
+                                        </p:cTn>
+                                        <p:tgtEl>
+                                          <p:spTgt spid="28"/>
+                                        </p:tgtEl>
+                                        <p:attrNameLst>
+                                          <p:attrName>style.visibility</p:attrName>
+                                        </p:attrNameLst>
+                                      </p:cBhvr>
+                                      <p:to>
+                                        <p:strVal val="visible"/>
+                                      </p:to>
+                                    </p:set>
+                                  </p:childTnLst>
+                                </p:cTn>
+                              </p:par>
+                              <p:par>
+                                <p:cTn id="9" presetID="1" presetClass="entr" presetSubtype="0" fill="hold" nodeType="withEffect">
+                                  <p:stCondLst>
+                                    <p:cond delay="0"/>
+                                  </p:stCondLst>
+                                  <p:childTnLst>
+                                    <p:set>
+                                      <p:cBhvr>
+                                        <p:cTn id="10" dur="1" fill="hold">
+                                          <p:stCondLst>
+                                            <p:cond delay="0"/>
+                                          </p:stCondLst>
+                                        </p:cTn>
+                                        <p:tgtEl>
+                                          <p:spTgt spid="4"/>
+                                        </p:tgtEl>
+                                        <p:attrNameLst>
+                                          <p:attrName>style.visibility</p:attrName>
+                                        </p:attrNameLst>
+                                      </p:cBhvr>
+                                      <p:to>
+                                        <p:strVal val="visible"/>
+                                      </p:to>
+                                    </p:set>
+                                  </p:childTnLst>
+                                </p:cTn>
+                              </p:par>
+                              <p:par>
+                                <p:cTn id="11" presetID="1" presetClass="entr" presetSubtype="0" fill="hold" grpId="0" nodeType="withEffect">
+                                  <p:stCondLst>
+                                    <p:cond delay="0"/>
+                                  </p:stCondLst>
+                                  <p:childTnLst>
+                                    <p:set>
+                                      <p:cBhvr>
+                                        <p:cTn id="12" dur="1" fill="hold">
+                                          <p:stCondLst>
+                                            <p:cond delay="0"/>
+                                          </p:stCondLst>
+                                        </p:cTn>
+                                        <p:tgtEl>
+                                          <p:spTgt spid="35"/>
+                                        </p:tgtEl>
+                                        <p:attrNameLst>
+                                          <p:attrName>style.visibility</p:attrName>
+                                        </p:attrNameLst>
+                                      </p:cBhvr>
+                                      <p:to>
+                                        <p:strVal val="visible"/>
+                                      </p:to>
+                                    </p:set>
+                                  </p:childTnLst>
+                                </p:cTn>
+                              </p:par>
+                              <p:par>
+                                <p:cTn id="13" presetID="1" presetClass="entr" presetSubtype="0" fill="hold" grpId="0" nodeType="withEffect">
+                                  <p:stCondLst>
+                                    <p:cond delay="0"/>
+                                  </p:stCondLst>
+                                  <p:childTnLst>
+                                    <p:set>
+                                      <p:cBhvr>
+                                        <p:cTn id="14" dur="1" fill="hold">
+                                          <p:stCondLst>
+                                            <p:cond delay="0"/>
+                                          </p:stCondLst>
+                                        </p:cTn>
+                                        <p:tgtEl>
+                                          <p:spTgt spid="31"/>
+                                        </p:tgtEl>
+                                        <p:attrNameLst>
+                                          <p:attrName>style.visibility</p:attrName>
+                                        </p:attrNameLst>
+                                      </p:cBhvr>
+                                      <p:to>
+                                        <p:strVal val="visible"/>
+                                      </p:to>
+                                    </p:set>
+                                  </p:childTnLst>
+                                </p:cTn>
+                              </p:par>
+                              <p:par>
+                                <p:cTn id="15" presetID="1" presetClass="entr" presetSubtype="0" fill="hold" grpId="0" nodeType="withEffect">
+                                  <p:stCondLst>
+                                    <p:cond delay="0"/>
+                                  </p:stCondLst>
+                                  <p:childTnLst>
+                                    <p:set>
+                                      <p:cBhvr>
+                                        <p:cTn id="16" dur="1" fill="hold">
+                                          <p:stCondLst>
+                                            <p:cond delay="0"/>
+                                          </p:stCondLst>
+                                        </p:cTn>
+                                        <p:tgtEl>
+                                          <p:spTgt spid="11"/>
+                                        </p:tgtEl>
+                                        <p:attrNameLst>
+                                          <p:attrName>style.visibility</p:attrName>
+                                        </p:attrNameLst>
+                                      </p:cBhvr>
+                                      <p:to>
+                                        <p:strVal val="visible"/>
+                                      </p:to>
+                                    </p:set>
+                                  </p:childTnLst>
+                                </p:cTn>
+                              </p:par>
+                              <p:par>
+                                <p:cTn id="17" presetID="1" presetClass="entr" presetSubtype="0" fill="hold" nodeType="withEffect">
+                                  <p:stCondLst>
+                                    <p:cond delay="0"/>
+                                  </p:stCondLst>
+                                  <p:childTnLst>
+                                    <p:set>
+                                      <p:cBhvr>
+                                        <p:cTn id="18" dur="1" fill="hold">
+                                          <p:stCondLst>
+                                            <p:cond delay="0"/>
+                                          </p:stCondLst>
+                                        </p:cTn>
+                                        <p:tgtEl>
+                                          <p:spTgt spid="32"/>
+                                        </p:tgtEl>
+                                        <p:attrNameLst>
+                                          <p:attrName>style.visibility</p:attrName>
+                                        </p:attrNameLst>
+                                      </p:cBhvr>
+                                      <p:to>
+                                        <p:strVal val="visible"/>
+                                      </p:to>
+                                    </p:set>
+                                  </p:childTnLst>
+                                </p:cTn>
+                              </p:par>
+                              <p:par>
+                                <p:cTn id="19" presetID="1" presetClass="entr" presetSubtype="0" fill="hold" nodeType="withEffect">
+                                  <p:stCondLst>
+                                    <p:cond delay="0"/>
+                                  </p:stCondLst>
+                                  <p:childTnLst>
+                                    <p:set>
+                                      <p:cBhvr>
+                                        <p:cTn id="20" dur="1" fill="hold">
+                                          <p:stCondLst>
+                                            <p:cond delay="0"/>
+                                          </p:stCondLst>
+                                        </p:cTn>
+                                        <p:tgtEl>
+                                          <p:spTgt spid="30"/>
+                                        </p:tgtEl>
+                                        <p:attrNameLst>
+                                          <p:attrName>style.visibility</p:attrName>
+                                        </p:attrNameLst>
+                                      </p:cBhvr>
+                                      <p:to>
+                                        <p:strVal val="visible"/>
+                                      </p:to>
+                                    </p:set>
+                                  </p:childTnLst>
+                                </p:cTn>
+                              </p:par>
+                              <p:par>
+                                <p:cTn id="21" presetID="1" presetClass="entr" presetSubtype="0" fill="hold" grpId="0" nodeType="withEffect">
+                                  <p:stCondLst>
+                                    <p:cond delay="0"/>
+                                  </p:stCondLst>
+                                  <p:childTnLst>
+                                    <p:set>
+                                      <p:cBhvr>
+                                        <p:cTn id="22" dur="1" fill="hold">
+                                          <p:stCondLst>
+                                            <p:cond delay="0"/>
+                                          </p:stCondLst>
+                                        </p:cTn>
+                                        <p:tgtEl>
+                                          <p:spTgt spid="27"/>
+                                        </p:tgtEl>
+                                        <p:attrNameLst>
+                                          <p:attrName>style.visibility</p:attrName>
+                                        </p:attrNameLst>
+                                      </p:cBhvr>
+                                      <p:to>
+                                        <p:strVal val="visible"/>
+                                      </p:to>
+                                    </p:set>
+                                  </p:childTnLst>
+                                </p:cTn>
+                              </p:par>
+                            </p:childTnLst>
+                          </p:cTn>
+                        </p:par>
+                      </p:childTnLst>
+                    </p:cTn>
+                  </p:par>
+                </p:childTnLst>
+              </p:cTn>
+              <p:prevCondLst>
+                <p:cond evt="onPrev" delay="0">
+                  <p:tgtEl>
+                    <p:sldTgt/>
+                  </p:tgtEl>
+                </p:cond>
+              </p:prevCondLst>
+              <p:nextCondLst>
+                <p:cond evt="onNext" delay="0">
+                  <p:tgtEl>
+                    <p:sldTgt/>
+                  </p:tgtEl>
+                </p:cond>
+              </p:nextCondLst>
+            </p:seq>
+          </p:childTnLst>
+        </p:cTn>
       </p:par>
     </p:tnLst>
+    <p:bldLst>
+      <p:bldP spid="24" grpId="0"/>
+      <p:bldP spid="27" grpId="0" animBg="1"/>
+      <p:bldP spid="28" grpId="0" animBg="1"/>
+      <p:bldP spid="31" grpId="0" animBg="1"/>
+      <p:bldP spid="35" grpId="0" animBg="1"/>
+      <p:bldP spid="11" grpId="0"/>
+    </p:bldLst>
   </p:timing>
 </p:sld>
 </file>
@@ -19804,9 +24314,226 @@
   <p:timing>
     <p:tnLst>
       <p:par>
-        <p:cTn id="1" dur="indefinite" restart="never" nodeType="tmRoot"/>
+        <p:cTn id="1" dur="indefinite" restart="never" nodeType="tmRoot">
+          <p:childTnLst>
+            <p:seq concurrent="1" nextAc="seek">
+              <p:cTn id="2" dur="indefinite" nodeType="mainSeq">
+                <p:childTnLst>
+                  <p:par>
+                    <p:cTn id="3" fill="hold">
+                      <p:stCondLst>
+                        <p:cond delay="indefinite"/>
+                      </p:stCondLst>
+                      <p:childTnLst>
+                        <p:par>
+                          <p:cTn id="4" fill="hold">
+                            <p:stCondLst>
+                              <p:cond delay="0"/>
+                            </p:stCondLst>
+                            <p:childTnLst>
+                              <p:par>
+                                <p:cTn id="5" presetID="1" presetClass="entr" presetSubtype="0" fill="hold" grpId="0" nodeType="clickEffect">
+                                  <p:stCondLst>
+                                    <p:cond delay="0"/>
+                                  </p:stCondLst>
+                                  <p:childTnLst>
+                                    <p:set>
+                                      <p:cBhvr>
+                                        <p:cTn id="6" dur="1" fill="hold">
+                                          <p:stCondLst>
+                                            <p:cond delay="0"/>
+                                          </p:stCondLst>
+                                        </p:cTn>
+                                        <p:tgtEl>
+                                          <p:spTgt spid="5"/>
+                                        </p:tgtEl>
+                                        <p:attrNameLst>
+                                          <p:attrName>style.visibility</p:attrName>
+                                        </p:attrNameLst>
+                                      </p:cBhvr>
+                                      <p:to>
+                                        <p:strVal val="visible"/>
+                                      </p:to>
+                                    </p:set>
+                                  </p:childTnLst>
+                                </p:cTn>
+                              </p:par>
+                              <p:par>
+                                <p:cTn id="7" presetID="1" presetClass="entr" presetSubtype="0" fill="hold" nodeType="withEffect">
+                                  <p:stCondLst>
+                                    <p:cond delay="0"/>
+                                  </p:stCondLst>
+                                  <p:childTnLst>
+                                    <p:set>
+                                      <p:cBhvr>
+                                        <p:cTn id="8" dur="1" fill="hold">
+                                          <p:stCondLst>
+                                            <p:cond delay="0"/>
+                                          </p:stCondLst>
+                                        </p:cTn>
+                                        <p:tgtEl>
+                                          <p:spTgt spid="6"/>
+                                        </p:tgtEl>
+                                        <p:attrNameLst>
+                                          <p:attrName>style.visibility</p:attrName>
+                                        </p:attrNameLst>
+                                      </p:cBhvr>
+                                      <p:to>
+                                        <p:strVal val="visible"/>
+                                      </p:to>
+                                    </p:set>
+                                  </p:childTnLst>
+                                </p:cTn>
+                              </p:par>
+                            </p:childTnLst>
+                          </p:cTn>
+                        </p:par>
+                      </p:childTnLst>
+                    </p:cTn>
+                  </p:par>
+                  <p:par>
+                    <p:cTn id="9" fill="hold">
+                      <p:stCondLst>
+                        <p:cond delay="indefinite"/>
+                      </p:stCondLst>
+                      <p:childTnLst>
+                        <p:par>
+                          <p:cTn id="10" fill="hold">
+                            <p:stCondLst>
+                              <p:cond delay="0"/>
+                            </p:stCondLst>
+                            <p:childTnLst>
+                              <p:par>
+                                <p:cTn id="11" presetID="1" presetClass="entr" presetSubtype="0" fill="hold" nodeType="clickEffect">
+                                  <p:stCondLst>
+                                    <p:cond delay="0"/>
+                                  </p:stCondLst>
+                                  <p:childTnLst>
+                                    <p:set>
+                                      <p:cBhvr>
+                                        <p:cTn id="12" dur="1" fill="hold">
+                                          <p:stCondLst>
+                                            <p:cond delay="0"/>
+                                          </p:stCondLst>
+                                        </p:cTn>
+                                        <p:tgtEl>
+                                          <p:spTgt spid="7"/>
+                                        </p:tgtEl>
+                                        <p:attrNameLst>
+                                          <p:attrName>style.visibility</p:attrName>
+                                        </p:attrNameLst>
+                                      </p:cBhvr>
+                                      <p:to>
+                                        <p:strVal val="visible"/>
+                                      </p:to>
+                                    </p:set>
+                                  </p:childTnLst>
+                                </p:cTn>
+                              </p:par>
+                              <p:par>
+                                <p:cTn id="13" presetID="1" presetClass="entr" presetSubtype="0" fill="hold" grpId="0" nodeType="withEffect">
+                                  <p:stCondLst>
+                                    <p:cond delay="0"/>
+                                  </p:stCondLst>
+                                  <p:childTnLst>
+                                    <p:set>
+                                      <p:cBhvr>
+                                        <p:cTn id="14" dur="1" fill="hold">
+                                          <p:stCondLst>
+                                            <p:cond delay="0"/>
+                                          </p:stCondLst>
+                                        </p:cTn>
+                                        <p:tgtEl>
+                                          <p:spTgt spid="8"/>
+                                        </p:tgtEl>
+                                        <p:attrNameLst>
+                                          <p:attrName>style.visibility</p:attrName>
+                                        </p:attrNameLst>
+                                      </p:cBhvr>
+                                      <p:to>
+                                        <p:strVal val="visible"/>
+                                      </p:to>
+                                    </p:set>
+                                  </p:childTnLst>
+                                </p:cTn>
+                              </p:par>
+                            </p:childTnLst>
+                          </p:cTn>
+                        </p:par>
+                      </p:childTnLst>
+                    </p:cTn>
+                  </p:par>
+                  <p:par>
+                    <p:cTn id="15" fill="hold">
+                      <p:stCondLst>
+                        <p:cond delay="indefinite"/>
+                      </p:stCondLst>
+                      <p:childTnLst>
+                        <p:par>
+                          <p:cTn id="16" fill="hold">
+                            <p:stCondLst>
+                              <p:cond delay="0"/>
+                            </p:stCondLst>
+                            <p:childTnLst>
+                              <p:par>
+                                <p:cTn id="17" presetID="1" presetClass="entr" presetSubtype="0" fill="hold" grpId="0" nodeType="clickEffect">
+                                  <p:stCondLst>
+                                    <p:cond delay="0"/>
+                                  </p:stCondLst>
+                                  <p:childTnLst>
+                                    <p:set>
+                                      <p:cBhvr>
+                                        <p:cTn id="18" dur="1" fill="hold">
+                                          <p:stCondLst>
+                                            <p:cond delay="0"/>
+                                          </p:stCondLst>
+                                        </p:cTn>
+                                        <p:tgtEl>
+                                          <p:spTgt spid="9"/>
+                                        </p:tgtEl>
+                                        <p:attrNameLst>
+                                          <p:attrName>style.visibility</p:attrName>
+                                        </p:attrNameLst>
+                                      </p:cBhvr>
+                                      <p:to>
+                                        <p:strVal val="visible"/>
+                                      </p:to>
+                                    </p:set>
+                                  </p:childTnLst>
+                                </p:cTn>
+                              </p:par>
+                            </p:childTnLst>
+                          </p:cTn>
+                        </p:par>
+                      </p:childTnLst>
+                    </p:cTn>
+                  </p:par>
+                </p:childTnLst>
+              </p:cTn>
+              <p:prevCondLst>
+                <p:cond evt="onPrev" delay="0">
+                  <p:tgtEl>
+                    <p:sldTgt/>
+                  </p:tgtEl>
+                </p:cond>
+              </p:prevCondLst>
+              <p:nextCondLst>
+                <p:cond evt="onNext" delay="0">
+                  <p:tgtEl>
+                    <p:sldTgt/>
+                  </p:tgtEl>
+                </p:cond>
+              </p:nextCondLst>
+            </p:seq>
+          </p:childTnLst>
+        </p:cTn>
       </p:par>
     </p:tnLst>
+    <p:bldLst>
+      <p:bldP spid="5" grpId="0"/>
+      <p:bldP spid="8" grpId="0"/>
+      <p:bldP spid="9" grpId="0"/>
+    </p:bldLst>
   </p:timing>
 </p:sld>
 </file>

--- a/doc/Pollynet_Processing_Chain.pptx
+++ b/doc/Pollynet_Processing_Chain.pptx
@@ -146,6 +146,9 @@
     <p:ext uri="{EFAFB233-063F-42B5-8137-9DF3F51BA10A}">
       <p15:sldGuideLst xmlns:p15="http://schemas.microsoft.com/office/powerpoint/2012/main"/>
     </p:ext>
+    <p:ext uri="{2D200454-40CA-4A62-9FC3-DE9A4176ACB9}">
+      <p15:notesGuideLst xmlns:p15="http://schemas.microsoft.com/office/powerpoint/2012/main"/>
+    </p:ext>
   </p:extLst>
 </p:presentation>
 </file>
@@ -232,7 +235,7 @@
           <a:p>
             <a:fld id="{2E5A5E8D-E55E-4F38-82DC-B11F795BC482}" type="datetimeFigureOut">
               <a:rPr lang="en-US" smtClean="0"/>
-              <a:t>8/24/2019</a:t>
+              <a:t>8/29/2019</a:t>
             </a:fld>
             <a:endParaRPr lang="en-US"/>
           </a:p>
@@ -397,7 +400,7 @@
           <a:p>
             <a:fld id="{F3738501-0686-434C-B9DB-E21550C6BC10}" type="datetimeFigureOut">
               <a:rPr lang="en-US" smtClean="0"/>
-              <a:t>8/24/2019</a:t>
+              <a:t>8/29/2019</a:t>
             </a:fld>
             <a:endParaRPr lang="en-US"/>
           </a:p>
@@ -2074,7 +2077,7 @@
           <a:p>
             <a:fld id="{AB21D1C1-A974-4CDD-890D-2FCDFA70CDD6}" type="datetimeFigureOut">
               <a:rPr lang="en-US" smtClean="0"/>
-              <a:t>8/24/2019</a:t>
+              <a:t>8/29/2019</a:t>
             </a:fld>
             <a:endParaRPr lang="en-US"/>
           </a:p>
@@ -2958,15 +2961,7 @@
           <a:p>
             <a:r>
               <a:rPr lang="en-US" dirty="0" smtClean="0"/>
-              <a:t>Normally, this file was generated from the database. But if there is no connection to the database, you need to add new campaign </a:t>
-            </a:r>
-            <a:r>
-              <a:rPr lang="en-US" dirty="0" smtClean="0"/>
-              <a:t>manually</a:t>
-            </a:r>
-            <a:r>
-              <a:rPr lang="en-US" dirty="0" smtClean="0"/>
-              <a:t>. </a:t>
+              <a:t>Normally, this file was generated from the database. But if there is no connection to the database, you need to add new campaign manually. </a:t>
             </a:r>
           </a:p>
           <a:p>
@@ -2975,11 +2970,7 @@
           <a:p>
             <a:r>
               <a:rPr lang="en-US" dirty="0" smtClean="0"/>
-              <a:t>(Be careful about the character of the ‘space’, actually it consists of ‘tab’. So better way is to copy the line before </a:t>
-            </a:r>
-            <a:r>
-              <a:rPr lang="en-US" dirty="0" smtClean="0"/>
-              <a:t>and then edit it according to your own demands.</a:t>
+              <a:t>(Be careful about the character of the ‘space’, actually it consists of ‘tab’. So better way is to copy the line before and then edit it according to your own demands.</a:t>
             </a:r>
             <a:endParaRPr lang="en-US" dirty="0"/>
           </a:p>
@@ -6136,11 +6127,7 @@
               </a:r>
               <a:r>
                 <a:rPr lang="en-US" sz="1400" b="1" dirty="0" err="1" smtClean="0"/>
-                <a:t>Polly</a:t>
-              </a:r>
-              <a:r>
-                <a:rPr lang="en-US" sz="1400" b="1" dirty="0" err="1" smtClean="0"/>
-                <a:t>XT_LACRO</a:t>
+                <a:t>PollyXT_LACRO</a:t>
               </a:r>
               <a:r>
                 <a:rPr lang="en-US" sz="1400" b="1" dirty="0" smtClean="0"/>
@@ -7185,11 +7172,7 @@
             </a:r>
             <a:r>
               <a:rPr lang="en-US" sz="2800" b="1" dirty="0" smtClean="0"/>
-              <a:t> data first</a:t>
-            </a:r>
-            <a:r>
-              <a:rPr lang="en-US" sz="2800" b="1" dirty="0" smtClean="0"/>
-              <a:t>)</a:t>
+              <a:t> data first)</a:t>
             </a:r>
             <a:endParaRPr lang="en-US" sz="2800" b="1" dirty="0"/>
           </a:p>
@@ -7317,11 +7300,7 @@
             </a:r>
             <a:r>
               <a:rPr lang="en-US" sz="2000" dirty="0" smtClean="0"/>
-              <a:t>output (Level 1 (signal correction), Level 2 (calibration results, extensive and intensive properties</a:t>
-            </a:r>
-            <a:r>
-              <a:rPr lang="en-US" sz="2000" dirty="0" smtClean="0"/>
-              <a:t>))</a:t>
+              <a:t>output (Level 1 (signal correction), Level 2 (calibration results, extensive and intensive properties))</a:t>
             </a:r>
           </a:p>
           <a:p>
@@ -7334,15 +7313,7 @@
             </a:pPr>
             <a:r>
               <a:rPr lang="en-US" sz="2000" dirty="0" smtClean="0"/>
-              <a:t>Dual-FOV </a:t>
-            </a:r>
-            <a:r>
-              <a:rPr lang="en-US" sz="2000" dirty="0" smtClean="0"/>
-              <a:t>method for retrieving cloud microphysical </a:t>
-            </a:r>
-            <a:r>
-              <a:rPr lang="en-US" sz="2000" dirty="0" smtClean="0"/>
-              <a:t>properties</a:t>
+              <a:t>Dual-FOV method for retrieving cloud microphysical properties</a:t>
             </a:r>
           </a:p>
         </p:txBody>
@@ -21870,11 +21841,7 @@
               <a:p>
                 <a:r>
                   <a:rPr lang="en-US" dirty="0" smtClean="0"/>
-                  <a:t>MATLAB </a:t>
-                </a:r>
-                <a:r>
-                  <a:rPr lang="en-US" dirty="0" smtClean="0"/>
-                  <a:t>&gt;= 2014a</a:t>
+                  <a:t>MATLAB &gt;= 2014a</a:t>
                 </a:r>
                 <a:endParaRPr lang="en-US" dirty="0"/>
               </a:p>
@@ -25263,7 +25230,7 @@
         <p:spPr>
           <a:xfrm>
             <a:off x="6184760" y="2949284"/>
-            <a:ext cx="4212687" cy="338554"/>
+            <a:ext cx="4212687" cy="830997"/>
           </a:xfrm>
           <a:prstGeom prst="rect">
             <a:avLst/>
@@ -25291,13 +25258,18 @@
           <a:p>
             <a:r>
               <a:rPr lang="en-US" sz="1600" dirty="0" smtClean="0"/>
-              <a:t>directories: according to your own </a:t>
-            </a:r>
-            <a:r>
-              <a:rPr lang="en-US" sz="1600" dirty="0" smtClean="0"/>
-              <a:t>requirements</a:t>
-            </a:r>
+              <a:t>directories: according to your own requirements</a:t>
+            </a:r>
+          </a:p>
+          <a:p>
             <a:endParaRPr lang="en-US" sz="1600" dirty="0"/>
+          </a:p>
+          <a:p>
+            <a:r>
+              <a:rPr lang="en-US" sz="1600" b="1" dirty="0" smtClean="0"/>
+              <a:t>‘//’ for windows path separator</a:t>
+            </a:r>
+            <a:endParaRPr lang="en-US" sz="1600" b="1" dirty="0"/>
           </a:p>
         </p:txBody>
       </p:sp>
@@ -25486,9 +25458,9 @@
         <p:grpSpPr>
           <a:xfrm>
             <a:off x="91440" y="970358"/>
-            <a:ext cx="8241792" cy="1155158"/>
+            <a:ext cx="11569618" cy="1155158"/>
             <a:chOff x="91440" y="970358"/>
-            <a:chExt cx="8241792" cy="1155158"/>
+            <a:chExt cx="11569618" cy="1155158"/>
           </a:xfrm>
         </p:grpSpPr>
         <p:sp>
@@ -25500,7 +25472,7 @@
           <p:spPr>
             <a:xfrm>
               <a:off x="91440" y="970358"/>
-              <a:ext cx="7370064" cy="369332"/>
+              <a:ext cx="11569618" cy="369332"/>
             </a:xfrm>
             <a:prstGeom prst="rect">
               <a:avLst/>
@@ -25523,7 +25495,19 @@
               </a:r>
               <a:r>
                 <a:rPr lang="en-US" dirty="0" smtClean="0"/>
-                <a:t> file from the template</a:t>
+                <a:t> file from the </a:t>
+              </a:r>
+              <a:r>
+                <a:rPr lang="en-US" dirty="0" smtClean="0"/>
+                <a:t>template (must be renamed as ‘</a:t>
+              </a:r>
+              <a:r>
+                <a:rPr lang="en-US" b="1" dirty="0" err="1" smtClean="0"/>
+                <a:t>pollynet_processing_chain_config.json</a:t>
+              </a:r>
+              <a:r>
+                <a:rPr lang="en-US" dirty="0" smtClean="0"/>
+                <a:t>’) </a:t>
               </a:r>
               <a:endParaRPr lang="en-US" dirty="0"/>
             </a:p>
@@ -25588,33 +25572,17 @@
                   <a:srgbClr val="FF0000"/>
                 </a:solidFill>
               </a:rPr>
-              <a:t>Detailed information can be found </a:t>
-            </a:r>
+              <a:t>Detailed information can be found in</a:t>
+            </a:r>
+          </a:p>
+          <a:p>
             <a:r>
               <a:rPr lang="en-US" dirty="0" smtClean="0">
                 <a:solidFill>
                   <a:srgbClr val="FF0000"/>
                 </a:solidFill>
               </a:rPr>
-              <a:t>in</a:t>
-            </a:r>
-          </a:p>
-          <a:p>
-            <a:r>
-              <a:rPr lang="en-US" dirty="0" smtClean="0">
-                <a:solidFill>
-                  <a:srgbClr val="FF0000"/>
-                </a:solidFill>
-              </a:rPr>
-              <a:t>../doc/pollynet_processing_chain_config.pdf</a:t>
-            </a:r>
-            <a:r>
-              <a:rPr lang="en-US" dirty="0" smtClean="0">
-                <a:solidFill>
-                  <a:srgbClr val="FF0000"/>
-                </a:solidFill>
-              </a:rPr>
-              <a:t> </a:t>
+              <a:t>../doc/pollynet_processing_chain_config.pdf </a:t>
             </a:r>
             <a:endParaRPr lang="en-US" dirty="0">
               <a:solidFill>
